--- a/Progress.pptx
+++ b/Progress.pptx
@@ -23,9 +23,16 @@
   <p:notesSz cx="6858000" cy="9144000"/>
   <p:embeddedFontLst>
     <p:embeddedFont>
-      <p:font typeface="Noto Sans Symbols" panose="020B0604020202020204" charset="0"/>
+      <p:font typeface="Calibri" panose="020F0502020204030204" pitchFamily="34" charset="0"/>
       <p:regular r:id="rId13"/>
       <p:bold r:id="rId14"/>
+      <p:italic r:id="rId15"/>
+      <p:boldItalic r:id="rId16"/>
+    </p:embeddedFont>
+    <p:embeddedFont>
+      <p:font typeface="Noto Sans Symbols" pitchFamily="2" charset="0"/>
+      <p:regular r:id="rId17"/>
+      <p:bold r:id="rId18"/>
     </p:embeddedFont>
   </p:embeddedFontLst>
   <p:defaultTextStyle>
@@ -262,7 +269,7 @@
       <p15:sldGuideLst xmlns:p15="http://schemas.microsoft.com/office/powerpoint/2012/main"/>
     </p:ext>
     <p:ext uri="GoogleSlidesCustomDataVersion2">
-      <go:slidesCustomData xmlns:go="http://customooxmlschemas.google.com/" xmlns:ahyp="http://schemas.microsoft.com/office/drawing/2018/hyperlinkcolor" xmlns:p15="http://schemas.microsoft.com/office/powerpoint/2012/main" xmlns:p14="http://schemas.microsoft.com/office/powerpoint/2010/main" xmlns:com="http://schemas.openxmlformats.org/drawingml/2006/compatibility" xmlns:pvml="urn:schemas-microsoft-com:office:powerpoint" xmlns:v="urn:schemas-microsoft-com:vml" xmlns:o="urn:schemas-microsoft-com:office:office" xmlns:dgm="http://schemas.openxmlformats.org/drawingml/2006/diagram" xmlns:c="http://schemas.openxmlformats.org/drawingml/2006/chart" xmlns:mv="urn:schemas-microsoft-com:mac:vml" xmlns:mc="http://schemas.openxmlformats.org/markup-compatibility/2006" xmlns="" r:id="rId44" roundtripDataSignature="AMtx7mg5uORYicMT0MeaOpO/20tnanoKVQ=="/>
+      <go:slidesCustomData xmlns="" xmlns:mc="http://schemas.openxmlformats.org/markup-compatibility/2006" xmlns:mv="urn:schemas-microsoft-com:mac:vml" xmlns:c="http://schemas.openxmlformats.org/drawingml/2006/chart" xmlns:dgm="http://schemas.openxmlformats.org/drawingml/2006/diagram" xmlns:o="urn:schemas-microsoft-com:office:office" xmlns:v="urn:schemas-microsoft-com:vml" xmlns:pvml="urn:schemas-microsoft-com:office:powerpoint" xmlns:com="http://schemas.openxmlformats.org/drawingml/2006/compatibility" xmlns:p14="http://schemas.microsoft.com/office/powerpoint/2010/main" xmlns:p15="http://schemas.microsoft.com/office/powerpoint/2012/main" xmlns:ahyp="http://schemas.microsoft.com/office/drawing/2018/hyperlinkcolor" xmlns:go="http://customooxmlschemas.google.com/" r:id="rId44" roundtripDataSignature="AMtx7mg5uORYicMT0MeaOpO/20tnanoKVQ=="/>
     </p:ext>
   </p:extLst>
 </p:presentation>
@@ -11370,10 +11377,9 @@
               <a:t>Project </a:t>
             </a:r>
             <a:r>
-              <a:rPr lang="tr-TR" dirty="0" err="1"/>
+              <a:rPr lang="en-US" dirty="0"/>
               <a:t>Description</a:t>
             </a:r>
-            <a:endParaRPr dirty="0"/>
           </a:p>
         </p:txBody>
       </p:sp>
@@ -11545,7 +11551,7 @@
         </p:nvSpPr>
         <p:spPr>
           <a:xfrm>
-            <a:off x="1308294" y="1130710"/>
+            <a:off x="1073247" y="1201213"/>
             <a:ext cx="10045505" cy="5083277"/>
           </a:xfrm>
           <a:prstGeom prst="rect">
@@ -11580,301 +11586,13 @@
               <a:buChar char="•"/>
             </a:pPr>
             <a:r>
-              <a:rPr lang="tr-TR" sz="2400" dirty="0">
+              <a:rPr lang="en-US" sz="2400" dirty="0">
                 <a:solidFill>
                   <a:schemeClr val="dk1"/>
                 </a:solidFill>
                 <a:latin typeface="+mj-lt"/>
               </a:rPr>
-              <a:t>Control </a:t>
-            </a:r>
-            <a:r>
-              <a:rPr lang="tr-TR" sz="2400" dirty="0" err="1">
-                <a:solidFill>
-                  <a:schemeClr val="dk1"/>
-                </a:solidFill>
-                <a:latin typeface="+mj-lt"/>
-              </a:rPr>
-              <a:t>algorithm</a:t>
-            </a:r>
-            <a:r>
-              <a:rPr lang="tr-TR" sz="2400" dirty="0">
-                <a:solidFill>
-                  <a:schemeClr val="dk1"/>
-                </a:solidFill>
-                <a:latin typeface="+mj-lt"/>
-              </a:rPr>
-              <a:t> of </a:t>
-            </a:r>
-            <a:r>
-              <a:rPr lang="tr-TR" sz="2400" dirty="0" err="1">
-                <a:solidFill>
-                  <a:schemeClr val="dk1"/>
-                </a:solidFill>
-                <a:latin typeface="+mj-lt"/>
-              </a:rPr>
-              <a:t>the</a:t>
-            </a:r>
-            <a:r>
-              <a:rPr lang="tr-TR" sz="2400" dirty="0">
-                <a:solidFill>
-                  <a:schemeClr val="dk1"/>
-                </a:solidFill>
-                <a:latin typeface="+mj-lt"/>
-              </a:rPr>
-              <a:t> </a:t>
-            </a:r>
-            <a:r>
-              <a:rPr lang="tr-TR" sz="2400" dirty="0" err="1">
-                <a:solidFill>
-                  <a:schemeClr val="dk1"/>
-                </a:solidFill>
-                <a:latin typeface="+mj-lt"/>
-              </a:rPr>
-              <a:t>quadcopter</a:t>
-            </a:r>
-            <a:r>
-              <a:rPr lang="tr-TR" sz="2400" dirty="0">
-                <a:solidFill>
-                  <a:schemeClr val="dk1"/>
-                </a:solidFill>
-                <a:latin typeface="+mj-lt"/>
-              </a:rPr>
-              <a:t> </a:t>
-            </a:r>
-            <a:r>
-              <a:rPr lang="tr-TR" sz="2400" dirty="0" err="1">
-                <a:solidFill>
-                  <a:schemeClr val="dk1"/>
-                </a:solidFill>
-                <a:latin typeface="+mj-lt"/>
-              </a:rPr>
-              <a:t>for</a:t>
-            </a:r>
-            <a:r>
-              <a:rPr lang="tr-TR" sz="2400" dirty="0">
-                <a:solidFill>
-                  <a:schemeClr val="dk1"/>
-                </a:solidFill>
-                <a:latin typeface="+mj-lt"/>
-              </a:rPr>
-              <a:t> </a:t>
-            </a:r>
-            <a:r>
-              <a:rPr lang="tr-TR" sz="2400" dirty="0" err="1">
-                <a:solidFill>
-                  <a:schemeClr val="dk1"/>
-                </a:solidFill>
-                <a:latin typeface="+mj-lt"/>
-              </a:rPr>
-              <a:t>roll</a:t>
-            </a:r>
-            <a:r>
-              <a:rPr lang="tr-TR" sz="2400" dirty="0">
-                <a:solidFill>
-                  <a:schemeClr val="dk1"/>
-                </a:solidFill>
-                <a:latin typeface="+mj-lt"/>
-              </a:rPr>
-              <a:t> - </a:t>
-            </a:r>
-            <a:r>
-              <a:rPr lang="tr-TR" sz="2400" dirty="0" err="1">
-                <a:solidFill>
-                  <a:schemeClr val="dk1"/>
-                </a:solidFill>
-                <a:latin typeface="+mj-lt"/>
-              </a:rPr>
-              <a:t>pitch</a:t>
-            </a:r>
-            <a:r>
-              <a:rPr lang="tr-TR" sz="2400" dirty="0">
-                <a:solidFill>
-                  <a:schemeClr val="dk1"/>
-                </a:solidFill>
-                <a:latin typeface="+mj-lt"/>
-              </a:rPr>
-              <a:t> </a:t>
-            </a:r>
-            <a:r>
-              <a:rPr lang="tr-TR" sz="2400" dirty="0" err="1">
-                <a:solidFill>
-                  <a:schemeClr val="dk1"/>
-                </a:solidFill>
-                <a:latin typeface="+mj-lt"/>
-              </a:rPr>
-              <a:t>and</a:t>
-            </a:r>
-            <a:r>
-              <a:rPr lang="tr-TR" sz="2400" dirty="0">
-                <a:solidFill>
-                  <a:schemeClr val="dk1"/>
-                </a:solidFill>
-                <a:latin typeface="+mj-lt"/>
-              </a:rPr>
-              <a:t> </a:t>
-            </a:r>
-            <a:r>
-              <a:rPr lang="tr-TR" sz="2400" dirty="0" err="1">
-                <a:solidFill>
-                  <a:schemeClr val="dk1"/>
-                </a:solidFill>
-                <a:latin typeface="+mj-lt"/>
-              </a:rPr>
-              <a:t>yaw</a:t>
-            </a:r>
-            <a:r>
-              <a:rPr lang="tr-TR" sz="2400" dirty="0">
-                <a:solidFill>
-                  <a:schemeClr val="dk1"/>
-                </a:solidFill>
-                <a:latin typeface="+mj-lt"/>
-              </a:rPr>
-              <a:t> </a:t>
-            </a:r>
-            <a:r>
-              <a:rPr lang="tr-TR" sz="2400" dirty="0" err="1">
-                <a:solidFill>
-                  <a:schemeClr val="dk1"/>
-                </a:solidFill>
-                <a:latin typeface="+mj-lt"/>
-              </a:rPr>
-              <a:t>angles</a:t>
-            </a:r>
-            <a:r>
-              <a:rPr lang="tr-TR" sz="2400" dirty="0">
-                <a:solidFill>
-                  <a:schemeClr val="dk1"/>
-                </a:solidFill>
-                <a:latin typeface="+mj-lt"/>
-              </a:rPr>
-              <a:t> </a:t>
-            </a:r>
-            <a:r>
-              <a:rPr lang="tr-TR" sz="2400" dirty="0" err="1">
-                <a:solidFill>
-                  <a:schemeClr val="dk1"/>
-                </a:solidFill>
-                <a:latin typeface="+mj-lt"/>
-              </a:rPr>
-              <a:t>are</a:t>
-            </a:r>
-            <a:r>
-              <a:rPr lang="tr-TR" sz="2400" dirty="0">
-                <a:solidFill>
-                  <a:schemeClr val="dk1"/>
-                </a:solidFill>
-                <a:latin typeface="+mj-lt"/>
-              </a:rPr>
-              <a:t> </a:t>
-            </a:r>
-            <a:r>
-              <a:rPr lang="tr-TR" sz="2400" dirty="0" err="1">
-                <a:solidFill>
-                  <a:schemeClr val="dk1"/>
-                </a:solidFill>
-                <a:latin typeface="+mj-lt"/>
-              </a:rPr>
-              <a:t>made</a:t>
-            </a:r>
-            <a:r>
-              <a:rPr lang="tr-TR" sz="2400" dirty="0">
-                <a:solidFill>
-                  <a:schemeClr val="dk1"/>
-                </a:solidFill>
-                <a:latin typeface="+mj-lt"/>
-              </a:rPr>
-              <a:t> </a:t>
-            </a:r>
-            <a:r>
-              <a:rPr lang="tr-TR" sz="2400" dirty="0" err="1">
-                <a:solidFill>
-                  <a:schemeClr val="dk1"/>
-                </a:solidFill>
-                <a:latin typeface="+mj-lt"/>
-              </a:rPr>
-              <a:t>by</a:t>
-            </a:r>
-            <a:r>
-              <a:rPr lang="tr-TR" sz="2400" dirty="0">
-                <a:solidFill>
-                  <a:schemeClr val="dk1"/>
-                </a:solidFill>
-                <a:latin typeface="+mj-lt"/>
-              </a:rPr>
-              <a:t> </a:t>
-            </a:r>
-            <a:r>
-              <a:rPr lang="tr-TR" sz="2400" dirty="0" err="1">
-                <a:solidFill>
-                  <a:schemeClr val="dk1"/>
-                </a:solidFill>
-                <a:latin typeface="+mj-lt"/>
-              </a:rPr>
-              <a:t>using</a:t>
-            </a:r>
-            <a:r>
-              <a:rPr lang="tr-TR" sz="2400" dirty="0">
-                <a:solidFill>
-                  <a:schemeClr val="dk1"/>
-                </a:solidFill>
-                <a:latin typeface="+mj-lt"/>
-              </a:rPr>
-              <a:t> </a:t>
-            </a:r>
-            <a:r>
-              <a:rPr lang="tr-TR" sz="2400" dirty="0" err="1">
-                <a:solidFill>
-                  <a:schemeClr val="dk1"/>
-                </a:solidFill>
-                <a:latin typeface="+mj-lt"/>
-              </a:rPr>
-              <a:t>the</a:t>
-            </a:r>
-            <a:r>
-              <a:rPr lang="tr-TR" sz="2400" dirty="0">
-                <a:solidFill>
-                  <a:schemeClr val="dk1"/>
-                </a:solidFill>
-                <a:latin typeface="+mj-lt"/>
-              </a:rPr>
-              <a:t> PID </a:t>
-            </a:r>
-            <a:r>
-              <a:rPr lang="tr-TR" sz="2400" dirty="0" err="1">
-                <a:solidFill>
-                  <a:schemeClr val="dk1"/>
-                </a:solidFill>
-                <a:latin typeface="+mj-lt"/>
-              </a:rPr>
-              <a:t>control</a:t>
-            </a:r>
-            <a:r>
-              <a:rPr lang="tr-TR" sz="2400" dirty="0">
-                <a:solidFill>
-                  <a:schemeClr val="dk1"/>
-                </a:solidFill>
-                <a:latin typeface="+mj-lt"/>
-              </a:rPr>
-              <a:t> </a:t>
-            </a:r>
-            <a:r>
-              <a:rPr lang="tr-TR" sz="2400" dirty="0" err="1">
-                <a:solidFill>
-                  <a:schemeClr val="dk1"/>
-                </a:solidFill>
-                <a:latin typeface="+mj-lt"/>
-              </a:rPr>
-              <a:t>systems</a:t>
-            </a:r>
-            <a:r>
-              <a:rPr lang="tr-TR" sz="2400" dirty="0">
-                <a:solidFill>
-                  <a:schemeClr val="dk1"/>
-                </a:solidFill>
-                <a:latin typeface="+mj-lt"/>
-              </a:rPr>
-              <a:t>.</a:t>
+              <a:t>Control algorithm of the quadcopter for roll - pitch and yaw angles are made by using the PID control systems.</a:t>
             </a:r>
           </a:p>
           <a:p>
@@ -11896,7 +11614,7 @@
               <a:buChar char="•"/>
             </a:pPr>
             <a:r>
-              <a:rPr lang="tr-TR" sz="2400" b="0" i="0" u="none" strike="noStrike" cap="none" dirty="0">
+              <a:rPr lang="en-US" sz="2400" b="0" i="0" u="none" strike="noStrike" cap="none" dirty="0">
                 <a:solidFill>
                   <a:schemeClr val="dk1"/>
                 </a:solidFill>
@@ -11905,10 +11623,38 @@
                 <a:cs typeface="Arial"/>
                 <a:sym typeface="Arial"/>
               </a:rPr>
-              <a:t>PID </a:t>
+              <a:t>PID contr</a:t>
             </a:r>
             <a:r>
-              <a:rPr lang="tr-TR" sz="2400" b="0" i="0" u="none" strike="noStrike" cap="none" dirty="0" err="1">
+              <a:rPr lang="en-US" sz="2400" dirty="0">
+                <a:solidFill>
+                  <a:schemeClr val="dk1"/>
+                </a:solidFill>
+                <a:latin typeface="+mj-lt"/>
+              </a:rPr>
+              <a:t>ol system dynamics is not stable for unknown environments</a:t>
+            </a:r>
+          </a:p>
+          <a:p>
+            <a:pPr marL="941832" marR="0" lvl="1" indent="-342900" algn="just" rtl="0">
+              <a:lnSpc>
+                <a:spcPct val="110000"/>
+              </a:lnSpc>
+              <a:spcBef>
+                <a:spcPts val="600"/>
+              </a:spcBef>
+              <a:spcAft>
+                <a:spcPts val="0"/>
+              </a:spcAft>
+              <a:buClr>
+                <a:schemeClr val="accent1"/>
+              </a:buClr>
+              <a:buSzPct val="119999"/>
+              <a:buFont typeface="Arial" panose="020B0604020202020204" pitchFamily="34" charset="0"/>
+              <a:buChar char="•"/>
+            </a:pPr>
+            <a:r>
+              <a:rPr lang="en-US" sz="2400" b="0" i="0" u="none" strike="noStrike" cap="none" dirty="0">
                 <a:solidFill>
                   <a:schemeClr val="dk1"/>
                 </a:solidFill>
@@ -11917,131 +11663,17 @@
                 <a:cs typeface="Arial"/>
                 <a:sym typeface="Arial"/>
               </a:rPr>
-              <a:t>contr</a:t>
+              <a:t>In this project RL al</a:t>
             </a:r>
             <a:r>
-              <a:rPr lang="tr-TR" sz="2400" dirty="0" err="1">
+              <a:rPr lang="en-US" sz="2400" dirty="0">
                 <a:solidFill>
                   <a:schemeClr val="dk1"/>
                 </a:solidFill>
                 <a:latin typeface="+mj-lt"/>
               </a:rPr>
-              <a:t>ol</a:t>
+              <a:t>gorithm approaches planned instead of the PID controller by using 2 different RL agents.</a:t>
             </a:r>
-            <a:r>
-              <a:rPr lang="tr-TR" sz="2400" dirty="0">
-                <a:solidFill>
-                  <a:schemeClr val="dk1"/>
-                </a:solidFill>
-                <a:latin typeface="+mj-lt"/>
-              </a:rPr>
-              <a:t> </a:t>
-            </a:r>
-            <a:r>
-              <a:rPr lang="tr-TR" sz="2400" dirty="0" err="1">
-                <a:solidFill>
-                  <a:schemeClr val="dk1"/>
-                </a:solidFill>
-                <a:latin typeface="+mj-lt"/>
-              </a:rPr>
-              <a:t>system</a:t>
-            </a:r>
-            <a:r>
-              <a:rPr lang="tr-TR" sz="2400" dirty="0">
-                <a:solidFill>
-                  <a:schemeClr val="dk1"/>
-                </a:solidFill>
-                <a:latin typeface="+mj-lt"/>
-              </a:rPr>
-              <a:t> </a:t>
-            </a:r>
-            <a:r>
-              <a:rPr lang="tr-TR" sz="2400" dirty="0" err="1">
-                <a:solidFill>
-                  <a:schemeClr val="dk1"/>
-                </a:solidFill>
-                <a:latin typeface="+mj-lt"/>
-              </a:rPr>
-              <a:t>dynamics</a:t>
-            </a:r>
-            <a:r>
-              <a:rPr lang="tr-TR" sz="2400" dirty="0">
-                <a:solidFill>
-                  <a:schemeClr val="dk1"/>
-                </a:solidFill>
-                <a:latin typeface="+mj-lt"/>
-              </a:rPr>
-              <a:t> is not </a:t>
-            </a:r>
-            <a:r>
-              <a:rPr lang="tr-TR" sz="2400" dirty="0" err="1">
-                <a:solidFill>
-                  <a:schemeClr val="dk1"/>
-                </a:solidFill>
-                <a:latin typeface="+mj-lt"/>
-              </a:rPr>
-              <a:t>stable</a:t>
-            </a:r>
-            <a:r>
-              <a:rPr lang="tr-TR" sz="2400" dirty="0">
-                <a:solidFill>
-                  <a:schemeClr val="dk1"/>
-                </a:solidFill>
-                <a:latin typeface="+mj-lt"/>
-              </a:rPr>
-              <a:t> </a:t>
-            </a:r>
-            <a:r>
-              <a:rPr lang="tr-TR" sz="2400" dirty="0" err="1">
-                <a:solidFill>
-                  <a:schemeClr val="dk1"/>
-                </a:solidFill>
-                <a:latin typeface="+mj-lt"/>
-              </a:rPr>
-              <a:t>for</a:t>
-            </a:r>
-            <a:r>
-              <a:rPr lang="tr-TR" sz="2400" dirty="0">
-                <a:solidFill>
-                  <a:schemeClr val="dk1"/>
-                </a:solidFill>
-                <a:latin typeface="+mj-lt"/>
-              </a:rPr>
-              <a:t> </a:t>
-            </a:r>
-            <a:r>
-              <a:rPr lang="tr-TR" sz="2400" dirty="0" err="1">
-                <a:solidFill>
-                  <a:schemeClr val="dk1"/>
-                </a:solidFill>
-                <a:latin typeface="+mj-lt"/>
-              </a:rPr>
-              <a:t>unknown</a:t>
-            </a:r>
-            <a:r>
-              <a:rPr lang="tr-TR" sz="2400" dirty="0">
-                <a:solidFill>
-                  <a:schemeClr val="dk1"/>
-                </a:solidFill>
-                <a:latin typeface="+mj-lt"/>
-              </a:rPr>
-              <a:t> </a:t>
-            </a:r>
-            <a:r>
-              <a:rPr lang="tr-TR" sz="2400" dirty="0" err="1">
-                <a:solidFill>
-                  <a:schemeClr val="dk1"/>
-                </a:solidFill>
-                <a:latin typeface="+mj-lt"/>
-              </a:rPr>
-              <a:t>environments</a:t>
-            </a:r>
-            <a:endParaRPr lang="tr-TR" sz="2400" dirty="0">
-              <a:solidFill>
-                <a:schemeClr val="dk1"/>
-              </a:solidFill>
-              <a:latin typeface="+mj-lt"/>
-            </a:endParaRPr>
           </a:p>
           <a:p>
             <a:pPr marL="941832" marR="0" lvl="1" indent="-342900" algn="just" rtl="0">
@@ -12062,268 +11694,13 @@
               <a:buChar char="•"/>
             </a:pPr>
             <a:r>
-              <a:rPr lang="tr-TR" sz="2400" b="0" i="0" u="none" strike="noStrike" cap="none" dirty="0" err="1">
-                <a:solidFill>
-                  <a:schemeClr val="dk1"/>
-                </a:solidFill>
-                <a:latin typeface="+mj-lt"/>
-                <a:ea typeface="Arial"/>
-                <a:cs typeface="Arial"/>
-                <a:sym typeface="Arial"/>
-              </a:rPr>
-              <a:t>In</a:t>
-            </a:r>
-            <a:r>
-              <a:rPr lang="tr-TR" sz="2400" b="0" i="0" u="none" strike="noStrike" cap="none" dirty="0">
-                <a:solidFill>
-                  <a:schemeClr val="dk1"/>
-                </a:solidFill>
-                <a:latin typeface="+mj-lt"/>
-                <a:ea typeface="Arial"/>
-                <a:cs typeface="Arial"/>
-                <a:sym typeface="Arial"/>
-              </a:rPr>
-              <a:t> </a:t>
-            </a:r>
-            <a:r>
-              <a:rPr lang="tr-TR" sz="2400" b="0" i="0" u="none" strike="noStrike" cap="none" dirty="0" err="1">
-                <a:solidFill>
-                  <a:schemeClr val="dk1"/>
-                </a:solidFill>
-                <a:latin typeface="+mj-lt"/>
-                <a:ea typeface="Arial"/>
-                <a:cs typeface="Arial"/>
-                <a:sym typeface="Arial"/>
-              </a:rPr>
-              <a:t>this</a:t>
-            </a:r>
-            <a:r>
-              <a:rPr lang="tr-TR" sz="2400" b="0" i="0" u="none" strike="noStrike" cap="none" dirty="0">
-                <a:solidFill>
-                  <a:schemeClr val="dk1"/>
-                </a:solidFill>
-                <a:latin typeface="+mj-lt"/>
-                <a:ea typeface="Arial"/>
-                <a:cs typeface="Arial"/>
-                <a:sym typeface="Arial"/>
-              </a:rPr>
-              <a:t> </a:t>
-            </a:r>
-            <a:r>
-              <a:rPr lang="tr-TR" sz="2400" b="0" i="0" u="none" strike="noStrike" cap="none" dirty="0" err="1">
-                <a:solidFill>
-                  <a:schemeClr val="dk1"/>
-                </a:solidFill>
-                <a:latin typeface="+mj-lt"/>
-                <a:ea typeface="Arial"/>
-                <a:cs typeface="Arial"/>
-                <a:sym typeface="Arial"/>
-              </a:rPr>
-              <a:t>project</a:t>
-            </a:r>
-            <a:r>
-              <a:rPr lang="tr-TR" sz="2400" b="0" i="0" u="none" strike="noStrike" cap="none" dirty="0">
-                <a:solidFill>
-                  <a:schemeClr val="dk1"/>
-                </a:solidFill>
-                <a:latin typeface="+mj-lt"/>
-                <a:ea typeface="Arial"/>
-                <a:cs typeface="Arial"/>
-                <a:sym typeface="Arial"/>
-              </a:rPr>
-              <a:t> RL </a:t>
-            </a:r>
-            <a:r>
-              <a:rPr lang="tr-TR" sz="2400" b="0" i="0" u="none" strike="noStrike" cap="none" dirty="0" err="1">
-                <a:solidFill>
-                  <a:schemeClr val="dk1"/>
-                </a:solidFill>
-                <a:latin typeface="+mj-lt"/>
-                <a:ea typeface="Arial"/>
-                <a:cs typeface="Arial"/>
-                <a:sym typeface="Arial"/>
-              </a:rPr>
-              <a:t>al</a:t>
-            </a:r>
-            <a:r>
-              <a:rPr lang="tr-TR" sz="2400" dirty="0" err="1">
+              <a:rPr lang="en-US" sz="2400" dirty="0">
                 <a:solidFill>
                   <a:schemeClr val="dk1"/>
                 </a:solidFill>
                 <a:latin typeface="+mj-lt"/>
               </a:rPr>
-              <a:t>gorithm</a:t>
-            </a:r>
-            <a:r>
-              <a:rPr lang="tr-TR" sz="2400" dirty="0">
-                <a:solidFill>
-                  <a:schemeClr val="dk1"/>
-                </a:solidFill>
-                <a:latin typeface="+mj-lt"/>
-              </a:rPr>
-              <a:t> </a:t>
-            </a:r>
-            <a:r>
-              <a:rPr lang="tr-TR" sz="2400" dirty="0" err="1">
-                <a:solidFill>
-                  <a:schemeClr val="dk1"/>
-                </a:solidFill>
-                <a:latin typeface="+mj-lt"/>
-              </a:rPr>
-              <a:t>approaches</a:t>
-            </a:r>
-            <a:r>
-              <a:rPr lang="tr-TR" sz="2400" dirty="0">
-                <a:solidFill>
-                  <a:schemeClr val="dk1"/>
-                </a:solidFill>
-                <a:latin typeface="+mj-lt"/>
-              </a:rPr>
-              <a:t> </a:t>
-            </a:r>
-            <a:r>
-              <a:rPr lang="tr-TR" sz="2400" dirty="0" err="1">
-                <a:solidFill>
-                  <a:schemeClr val="dk1"/>
-                </a:solidFill>
-                <a:latin typeface="+mj-lt"/>
-              </a:rPr>
-              <a:t>planned</a:t>
-            </a:r>
-            <a:r>
-              <a:rPr lang="tr-TR" sz="2400" dirty="0">
-                <a:solidFill>
-                  <a:schemeClr val="dk1"/>
-                </a:solidFill>
-                <a:latin typeface="+mj-lt"/>
-              </a:rPr>
-              <a:t> </a:t>
-            </a:r>
-            <a:r>
-              <a:rPr lang="tr-TR" sz="2400" dirty="0" err="1">
-                <a:solidFill>
-                  <a:schemeClr val="dk1"/>
-                </a:solidFill>
-                <a:latin typeface="+mj-lt"/>
-              </a:rPr>
-              <a:t>instead</a:t>
-            </a:r>
-            <a:r>
-              <a:rPr lang="tr-TR" sz="2400" dirty="0">
-                <a:solidFill>
-                  <a:schemeClr val="dk1"/>
-                </a:solidFill>
-                <a:latin typeface="+mj-lt"/>
-              </a:rPr>
-              <a:t> of </a:t>
-            </a:r>
-            <a:r>
-              <a:rPr lang="tr-TR" sz="2400" dirty="0" err="1">
-                <a:solidFill>
-                  <a:schemeClr val="dk1"/>
-                </a:solidFill>
-                <a:latin typeface="+mj-lt"/>
-              </a:rPr>
-              <a:t>the</a:t>
-            </a:r>
-            <a:r>
-              <a:rPr lang="tr-TR" sz="2400" dirty="0">
-                <a:solidFill>
-                  <a:schemeClr val="dk1"/>
-                </a:solidFill>
-                <a:latin typeface="+mj-lt"/>
-              </a:rPr>
-              <a:t> PID </a:t>
-            </a:r>
-            <a:r>
-              <a:rPr lang="tr-TR" sz="2400" dirty="0" err="1">
-                <a:solidFill>
-                  <a:schemeClr val="dk1"/>
-                </a:solidFill>
-                <a:latin typeface="+mj-lt"/>
-              </a:rPr>
-              <a:t>controller</a:t>
-            </a:r>
-            <a:r>
-              <a:rPr lang="tr-TR" sz="2400" dirty="0">
-                <a:solidFill>
-                  <a:schemeClr val="dk1"/>
-                </a:solidFill>
-                <a:latin typeface="+mj-lt"/>
-              </a:rPr>
-              <a:t> </a:t>
-            </a:r>
-            <a:r>
-              <a:rPr lang="tr-TR" sz="2400" dirty="0" err="1">
-                <a:solidFill>
-                  <a:schemeClr val="dk1"/>
-                </a:solidFill>
-                <a:latin typeface="+mj-lt"/>
-              </a:rPr>
-              <a:t>by</a:t>
-            </a:r>
-            <a:r>
-              <a:rPr lang="tr-TR" sz="2400" dirty="0">
-                <a:solidFill>
-                  <a:schemeClr val="dk1"/>
-                </a:solidFill>
-                <a:latin typeface="+mj-lt"/>
-              </a:rPr>
-              <a:t> </a:t>
-            </a:r>
-            <a:r>
-              <a:rPr lang="tr-TR" sz="2400" dirty="0" err="1">
-                <a:solidFill>
-                  <a:schemeClr val="dk1"/>
-                </a:solidFill>
-                <a:latin typeface="+mj-lt"/>
-              </a:rPr>
-              <a:t>using</a:t>
-            </a:r>
-            <a:r>
-              <a:rPr lang="tr-TR" sz="2400" dirty="0">
-                <a:solidFill>
-                  <a:schemeClr val="dk1"/>
-                </a:solidFill>
-                <a:latin typeface="+mj-lt"/>
-              </a:rPr>
-              <a:t> 2 </a:t>
-            </a:r>
-            <a:r>
-              <a:rPr lang="tr-TR" sz="2400" dirty="0" err="1">
-                <a:solidFill>
-                  <a:schemeClr val="dk1"/>
-                </a:solidFill>
-                <a:latin typeface="+mj-lt"/>
-              </a:rPr>
-              <a:t>different</a:t>
-            </a:r>
-            <a:r>
-              <a:rPr lang="tr-TR" sz="2400" dirty="0">
-                <a:solidFill>
-                  <a:schemeClr val="dk1"/>
-                </a:solidFill>
-                <a:latin typeface="+mj-lt"/>
-              </a:rPr>
-              <a:t> RL </a:t>
-            </a:r>
-            <a:r>
-              <a:rPr lang="tr-TR" sz="2400" dirty="0" err="1">
-                <a:solidFill>
-                  <a:schemeClr val="dk1"/>
-                </a:solidFill>
-                <a:latin typeface="+mj-lt"/>
-              </a:rPr>
-              <a:t>agents</a:t>
-            </a:r>
-            <a:r>
-              <a:rPr lang="tr-TR" sz="2400" dirty="0">
-                <a:solidFill>
-                  <a:schemeClr val="dk1"/>
-                </a:solidFill>
-                <a:latin typeface="+mj-lt"/>
-              </a:rPr>
-              <a:t>.</a:t>
+              <a:t>2 different agent will be used for xy controller and z controller for 2 stages</a:t>
             </a:r>
           </a:p>
           <a:p>
@@ -12345,407 +11722,13 @@
               <a:buChar char="•"/>
             </a:pPr>
             <a:r>
-              <a:rPr lang="tr-TR" sz="2400" dirty="0">
+              <a:rPr lang="en-US" sz="2400" dirty="0">
                 <a:solidFill>
                   <a:schemeClr val="dk1"/>
                 </a:solidFill>
                 <a:latin typeface="+mj-lt"/>
               </a:rPr>
-              <a:t>2 </a:t>
-            </a:r>
-            <a:r>
-              <a:rPr lang="tr-TR" sz="2400" dirty="0" err="1">
-                <a:solidFill>
-                  <a:schemeClr val="dk1"/>
-                </a:solidFill>
-                <a:latin typeface="+mj-lt"/>
-              </a:rPr>
-              <a:t>different</a:t>
-            </a:r>
-            <a:r>
-              <a:rPr lang="tr-TR" sz="2400" dirty="0">
-                <a:solidFill>
-                  <a:schemeClr val="dk1"/>
-                </a:solidFill>
-                <a:latin typeface="+mj-lt"/>
-              </a:rPr>
-              <a:t> </a:t>
-            </a:r>
-            <a:r>
-              <a:rPr lang="tr-TR" sz="2400" dirty="0" err="1">
-                <a:solidFill>
-                  <a:schemeClr val="dk1"/>
-                </a:solidFill>
-                <a:latin typeface="+mj-lt"/>
-              </a:rPr>
-              <a:t>agent</a:t>
-            </a:r>
-            <a:r>
-              <a:rPr lang="tr-TR" sz="2400" dirty="0">
-                <a:solidFill>
-                  <a:schemeClr val="dk1"/>
-                </a:solidFill>
-                <a:latin typeface="+mj-lt"/>
-              </a:rPr>
-              <a:t> </a:t>
-            </a:r>
-            <a:r>
-              <a:rPr lang="tr-TR" sz="2400" dirty="0" err="1">
-                <a:solidFill>
-                  <a:schemeClr val="dk1"/>
-                </a:solidFill>
-                <a:latin typeface="+mj-lt"/>
-              </a:rPr>
-              <a:t>will</a:t>
-            </a:r>
-            <a:r>
-              <a:rPr lang="tr-TR" sz="2400" dirty="0">
-                <a:solidFill>
-                  <a:schemeClr val="dk1"/>
-                </a:solidFill>
-                <a:latin typeface="+mj-lt"/>
-              </a:rPr>
-              <a:t> be </a:t>
-            </a:r>
-            <a:r>
-              <a:rPr lang="tr-TR" sz="2400" dirty="0" err="1">
-                <a:solidFill>
-                  <a:schemeClr val="dk1"/>
-                </a:solidFill>
-                <a:latin typeface="+mj-lt"/>
-              </a:rPr>
-              <a:t>used</a:t>
-            </a:r>
-            <a:r>
-              <a:rPr lang="tr-TR" sz="2400" dirty="0">
-                <a:solidFill>
-                  <a:schemeClr val="dk1"/>
-                </a:solidFill>
-                <a:latin typeface="+mj-lt"/>
-              </a:rPr>
-              <a:t> </a:t>
-            </a:r>
-            <a:r>
-              <a:rPr lang="tr-TR" sz="2400" dirty="0" err="1">
-                <a:solidFill>
-                  <a:schemeClr val="dk1"/>
-                </a:solidFill>
-                <a:latin typeface="+mj-lt"/>
-              </a:rPr>
-              <a:t>for</a:t>
-            </a:r>
-            <a:r>
-              <a:rPr lang="tr-TR" sz="2400" dirty="0">
-                <a:solidFill>
-                  <a:schemeClr val="dk1"/>
-                </a:solidFill>
-                <a:latin typeface="+mj-lt"/>
-              </a:rPr>
-              <a:t> </a:t>
-            </a:r>
-            <a:r>
-              <a:rPr lang="tr-TR" sz="2400" dirty="0" err="1">
-                <a:solidFill>
-                  <a:schemeClr val="dk1"/>
-                </a:solidFill>
-                <a:latin typeface="+mj-lt"/>
-              </a:rPr>
-              <a:t>xy</a:t>
-            </a:r>
-            <a:r>
-              <a:rPr lang="tr-TR" sz="2400" dirty="0">
-                <a:solidFill>
-                  <a:schemeClr val="dk1"/>
-                </a:solidFill>
-                <a:latin typeface="+mj-lt"/>
-              </a:rPr>
-              <a:t> </a:t>
-            </a:r>
-            <a:r>
-              <a:rPr lang="tr-TR" sz="2400" dirty="0" err="1">
-                <a:solidFill>
-                  <a:schemeClr val="dk1"/>
-                </a:solidFill>
-                <a:latin typeface="+mj-lt"/>
-              </a:rPr>
-              <a:t>controller</a:t>
-            </a:r>
-            <a:r>
-              <a:rPr lang="tr-TR" sz="2400" dirty="0">
-                <a:solidFill>
-                  <a:schemeClr val="dk1"/>
-                </a:solidFill>
-                <a:latin typeface="+mj-lt"/>
-              </a:rPr>
-              <a:t> </a:t>
-            </a:r>
-            <a:r>
-              <a:rPr lang="tr-TR" sz="2400" dirty="0" err="1">
-                <a:solidFill>
-                  <a:schemeClr val="dk1"/>
-                </a:solidFill>
-                <a:latin typeface="+mj-lt"/>
-              </a:rPr>
-              <a:t>and</a:t>
-            </a:r>
-            <a:r>
-              <a:rPr lang="tr-TR" sz="2400" dirty="0">
-                <a:solidFill>
-                  <a:schemeClr val="dk1"/>
-                </a:solidFill>
-                <a:latin typeface="+mj-lt"/>
-              </a:rPr>
-              <a:t> z </a:t>
-            </a:r>
-            <a:r>
-              <a:rPr lang="tr-TR" sz="2400" dirty="0" err="1">
-                <a:solidFill>
-                  <a:schemeClr val="dk1"/>
-                </a:solidFill>
-                <a:latin typeface="+mj-lt"/>
-              </a:rPr>
-              <a:t>controller</a:t>
-            </a:r>
-            <a:r>
-              <a:rPr lang="tr-TR" sz="2400" dirty="0">
-                <a:solidFill>
-                  <a:schemeClr val="dk1"/>
-                </a:solidFill>
-                <a:latin typeface="+mj-lt"/>
-              </a:rPr>
-              <a:t> </a:t>
-            </a:r>
-            <a:r>
-              <a:rPr lang="tr-TR" sz="2400" dirty="0" err="1">
-                <a:solidFill>
-                  <a:schemeClr val="dk1"/>
-                </a:solidFill>
-                <a:latin typeface="+mj-lt"/>
-              </a:rPr>
-              <a:t>for</a:t>
-            </a:r>
-            <a:r>
-              <a:rPr lang="tr-TR" sz="2400" dirty="0">
-                <a:solidFill>
-                  <a:schemeClr val="dk1"/>
-                </a:solidFill>
-                <a:latin typeface="+mj-lt"/>
-              </a:rPr>
-              <a:t> 2 </a:t>
-            </a:r>
-            <a:r>
-              <a:rPr lang="tr-TR" sz="2400" dirty="0" err="1">
-                <a:solidFill>
-                  <a:schemeClr val="dk1"/>
-                </a:solidFill>
-                <a:latin typeface="+mj-lt"/>
-              </a:rPr>
-              <a:t>stages</a:t>
-            </a:r>
-            <a:endParaRPr lang="tr-TR" sz="2400" dirty="0">
-              <a:solidFill>
-                <a:schemeClr val="dk1"/>
-              </a:solidFill>
-              <a:latin typeface="+mj-lt"/>
-            </a:endParaRPr>
-          </a:p>
-          <a:p>
-            <a:pPr marL="941832" marR="0" lvl="1" indent="-342900" algn="just" rtl="0">
-              <a:lnSpc>
-                <a:spcPct val="110000"/>
-              </a:lnSpc>
-              <a:spcBef>
-                <a:spcPts val="600"/>
-              </a:spcBef>
-              <a:spcAft>
-                <a:spcPts val="0"/>
-              </a:spcAft>
-              <a:buClr>
-                <a:schemeClr val="accent1"/>
-              </a:buClr>
-              <a:buSzPct val="119999"/>
-              <a:buFont typeface="Arial" panose="020B0604020202020204" pitchFamily="34" charset="0"/>
-              <a:buChar char="•"/>
-            </a:pPr>
-            <a:r>
-              <a:rPr lang="tr-TR" sz="2400" dirty="0" err="1">
-                <a:solidFill>
-                  <a:schemeClr val="dk1"/>
-                </a:solidFill>
-                <a:latin typeface="+mj-lt"/>
-              </a:rPr>
-              <a:t>Creating</a:t>
-            </a:r>
-            <a:r>
-              <a:rPr lang="tr-TR" sz="2400" dirty="0">
-                <a:solidFill>
-                  <a:schemeClr val="dk1"/>
-                </a:solidFill>
-                <a:latin typeface="+mj-lt"/>
-              </a:rPr>
-              <a:t> a </a:t>
-            </a:r>
-            <a:r>
-              <a:rPr lang="tr-TR" sz="2400" dirty="0" err="1">
-                <a:solidFill>
-                  <a:schemeClr val="dk1"/>
-                </a:solidFill>
-                <a:latin typeface="+mj-lt"/>
-              </a:rPr>
-              <a:t>new</a:t>
-            </a:r>
-            <a:r>
-              <a:rPr lang="tr-TR" sz="2400" dirty="0">
-                <a:solidFill>
-                  <a:schemeClr val="dk1"/>
-                </a:solidFill>
-                <a:latin typeface="+mj-lt"/>
-              </a:rPr>
-              <a:t> </a:t>
-            </a:r>
-            <a:r>
-              <a:rPr lang="tr-TR" sz="2400" dirty="0" err="1">
-                <a:solidFill>
-                  <a:schemeClr val="dk1"/>
-                </a:solidFill>
-                <a:latin typeface="+mj-lt"/>
-              </a:rPr>
-              <a:t>reward</a:t>
-            </a:r>
-            <a:r>
-              <a:rPr lang="tr-TR" sz="2400" dirty="0">
-                <a:solidFill>
-                  <a:schemeClr val="dk1"/>
-                </a:solidFill>
-                <a:latin typeface="+mj-lt"/>
-              </a:rPr>
-              <a:t> </a:t>
-            </a:r>
-            <a:r>
-              <a:rPr lang="tr-TR" sz="2400" dirty="0" err="1">
-                <a:solidFill>
-                  <a:schemeClr val="dk1"/>
-                </a:solidFill>
-                <a:latin typeface="+mj-lt"/>
-              </a:rPr>
-              <a:t>funciton</a:t>
-            </a:r>
-            <a:r>
-              <a:rPr lang="tr-TR" sz="2400" dirty="0">
-                <a:solidFill>
-                  <a:schemeClr val="dk1"/>
-                </a:solidFill>
-                <a:latin typeface="+mj-lt"/>
-              </a:rPr>
-              <a:t> is </a:t>
-            </a:r>
-            <a:r>
-              <a:rPr lang="tr-TR" sz="2400" dirty="0" err="1">
-                <a:solidFill>
-                  <a:schemeClr val="dk1"/>
-                </a:solidFill>
-                <a:latin typeface="+mj-lt"/>
-              </a:rPr>
-              <a:t>harder</a:t>
-            </a:r>
-            <a:r>
-              <a:rPr lang="tr-TR" sz="2400" dirty="0">
-                <a:solidFill>
-                  <a:schemeClr val="dk1"/>
-                </a:solidFill>
-                <a:latin typeface="+mj-lt"/>
-              </a:rPr>
-              <a:t> </a:t>
-            </a:r>
-            <a:r>
-              <a:rPr lang="tr-TR" sz="2400" dirty="0" err="1">
-                <a:solidFill>
-                  <a:schemeClr val="dk1"/>
-                </a:solidFill>
-                <a:latin typeface="+mj-lt"/>
-              </a:rPr>
-              <a:t>than</a:t>
-            </a:r>
-            <a:r>
-              <a:rPr lang="tr-TR" sz="2400" dirty="0">
-                <a:solidFill>
-                  <a:schemeClr val="dk1"/>
-                </a:solidFill>
-                <a:latin typeface="+mj-lt"/>
-              </a:rPr>
-              <a:t> </a:t>
-            </a:r>
-            <a:r>
-              <a:rPr lang="tr-TR" sz="2400" dirty="0" err="1">
-                <a:solidFill>
-                  <a:schemeClr val="dk1"/>
-                </a:solidFill>
-                <a:latin typeface="+mj-lt"/>
-              </a:rPr>
-              <a:t>the</a:t>
-            </a:r>
-            <a:r>
-              <a:rPr lang="tr-TR" sz="2400" dirty="0">
-                <a:solidFill>
-                  <a:schemeClr val="dk1"/>
-                </a:solidFill>
-                <a:latin typeface="+mj-lt"/>
-              </a:rPr>
-              <a:t> </a:t>
-            </a:r>
-            <a:r>
-              <a:rPr lang="tr-TR" sz="2400" dirty="0" err="1">
-                <a:solidFill>
-                  <a:schemeClr val="dk1"/>
-                </a:solidFill>
-                <a:latin typeface="+mj-lt"/>
-              </a:rPr>
-              <a:t>implementing</a:t>
-            </a:r>
-            <a:r>
-              <a:rPr lang="tr-TR" sz="2400" dirty="0">
-                <a:solidFill>
-                  <a:schemeClr val="dk1"/>
-                </a:solidFill>
-                <a:latin typeface="+mj-lt"/>
-              </a:rPr>
-              <a:t> </a:t>
-            </a:r>
-            <a:r>
-              <a:rPr lang="tr-TR" sz="2400" dirty="0" err="1">
-                <a:solidFill>
-                  <a:schemeClr val="dk1"/>
-                </a:solidFill>
-                <a:latin typeface="+mj-lt"/>
-              </a:rPr>
-              <a:t>that</a:t>
-            </a:r>
-            <a:r>
-              <a:rPr lang="tr-TR" sz="2400" dirty="0">
-                <a:solidFill>
-                  <a:schemeClr val="dk1"/>
-                </a:solidFill>
-                <a:latin typeface="+mj-lt"/>
-              </a:rPr>
-              <a:t> </a:t>
-            </a:r>
-            <a:r>
-              <a:rPr lang="tr-TR" sz="2400" dirty="0" err="1">
-                <a:solidFill>
-                  <a:schemeClr val="dk1"/>
-                </a:solidFill>
-                <a:latin typeface="+mj-lt"/>
-              </a:rPr>
-              <a:t>agent</a:t>
-            </a:r>
-            <a:r>
-              <a:rPr lang="tr-TR" sz="2400" dirty="0">
-                <a:solidFill>
-                  <a:schemeClr val="dk1"/>
-                </a:solidFill>
-                <a:latin typeface="+mj-lt"/>
-              </a:rPr>
-              <a:t>.</a:t>
+              <a:t>Creating a new reward function is harder than the implementing that agent.</a:t>
             </a:r>
           </a:p>
           <a:p>
@@ -12907,20 +11890,12 @@
               <a:buNone/>
             </a:pPr>
             <a:r>
-              <a:rPr lang="tr-TR" dirty="0" err="1"/>
+              <a:rPr lang="en-US" dirty="0"/>
               <a:t>Simulink</a:t>
             </a:r>
             <a:r>
               <a:rPr lang="tr-TR" dirty="0"/>
-              <a:t> </a:t>
-            </a:r>
-            <a:r>
-              <a:rPr lang="tr-TR" dirty="0" err="1"/>
-              <a:t>environment</a:t>
-            </a:r>
-            <a:r>
-              <a:rPr lang="tr-TR" dirty="0"/>
-              <a:t> of Project</a:t>
+              <a:t> Environment of Project</a:t>
             </a:r>
             <a:endParaRPr dirty="0"/>
           </a:p>
@@ -13164,13 +12139,13 @@
         </p:nvPicPr>
         <p:blipFill rotWithShape="1">
           <a:blip r:embed="rId3"/>
-          <a:srcRect b="6537"/>
+          <a:srcRect b="16099"/>
           <a:stretch/>
         </p:blipFill>
         <p:spPr>
           <a:xfrm>
-            <a:off x="2409825" y="1223962"/>
-            <a:ext cx="7372350" cy="4121761"/>
+            <a:off x="809490" y="907525"/>
+            <a:ext cx="10573020" cy="5306461"/>
           </a:xfrm>
           <a:prstGeom prst="rect">
             <a:avLst/>
@@ -13256,25 +12231,9 @@
               <a:buNone/>
             </a:pPr>
             <a:r>
-              <a:rPr lang="tr-TR" dirty="0"/>
-              <a:t>Flight Control </a:t>
+              <a:rPr lang="en-US" dirty="0"/>
+              <a:t>Flight Control System Block</a:t>
             </a:r>
-            <a:r>
-              <a:rPr lang="tr-TR" dirty="0" err="1"/>
-              <a:t>Sytem</a:t>
-            </a:r>
-            <a:r>
-              <a:rPr lang="tr-TR" dirty="0"/>
-              <a:t> </a:t>
-            </a:r>
-            <a:r>
-              <a:rPr lang="tr-TR" dirty="0" err="1"/>
-              <a:t>Block</a:t>
-            </a:r>
-            <a:br>
-              <a:rPr lang="tr-TR" dirty="0"/>
-            </a:br>
-            <a:endParaRPr lang="tr-TR" dirty="0"/>
           </a:p>
         </p:txBody>
       </p:sp>
@@ -13388,13 +12347,8 @@
             </a:r>
             <a:r>
               <a:rPr lang="en-US" dirty="0"/>
-              <a:t>Pro</a:t>
+              <a:t>Progress</a:t>
             </a:r>
-            <a:r>
-              <a:rPr lang="tr-TR" dirty="0" err="1"/>
-              <a:t>gress</a:t>
-            </a:r>
-            <a:endParaRPr dirty="0"/>
           </a:p>
         </p:txBody>
       </p:sp>
@@ -13609,22 +12563,9 @@
               <a:buNone/>
             </a:pPr>
             <a:r>
-              <a:rPr lang="tr-TR" dirty="0" err="1"/>
-              <a:t>Problems</a:t>
+              <a:rPr lang="en-US" dirty="0"/>
+              <a:t>Problems &amp;Solutions with MATLAB</a:t>
             </a:r>
-            <a:r>
-              <a:rPr lang="tr-TR" dirty="0"/>
-              <a:t> &amp;Solutions </a:t>
-            </a:r>
-            <a:r>
-              <a:rPr lang="tr-TR" dirty="0" err="1"/>
-              <a:t>with</a:t>
-            </a:r>
-            <a:r>
-              <a:rPr lang="tr-TR" dirty="0"/>
-              <a:t> MATLAB</a:t>
-            </a:r>
-            <a:endParaRPr dirty="0"/>
           </a:p>
         </p:txBody>
       </p:sp>
@@ -13785,60 +12726,6 @@
               <a:t>5</a:t>
             </a:fld>
             <a:endParaRPr/>
-          </a:p>
-        </p:txBody>
-      </p:sp>
-      <p:sp>
-        <p:nvSpPr>
-          <p:cNvPr id="344" name="Google Shape;344;p26"/>
-          <p:cNvSpPr txBox="1"/>
-          <p:nvPr/>
-        </p:nvSpPr>
-        <p:spPr>
-          <a:xfrm>
-            <a:off x="1308294" y="1130710"/>
-            <a:ext cx="10045505" cy="5083277"/>
-          </a:xfrm>
-          <a:prstGeom prst="rect">
-            <a:avLst/>
-          </a:prstGeom>
-          <a:noFill/>
-          <a:ln>
-            <a:noFill/>
-          </a:ln>
-        </p:spPr>
-        <p:txBody>
-          <a:bodyPr spcFirstLastPara="1" wrap="square" lIns="91425" tIns="45700" rIns="91425" bIns="45700" anchor="t" anchorCtr="0">
-            <a:normAutofit/>
-          </a:bodyPr>
-          <a:lstStyle/>
-          <a:p>
-            <a:pPr marL="685800" marR="0" lvl="1" indent="-86868" algn="just" rtl="0">
-              <a:lnSpc>
-                <a:spcPct val="110000"/>
-              </a:lnSpc>
-              <a:spcBef>
-                <a:spcPts val="600"/>
-              </a:spcBef>
-              <a:spcAft>
-                <a:spcPts val="0"/>
-              </a:spcAft>
-              <a:buClr>
-                <a:schemeClr val="accent1"/>
-              </a:buClr>
-              <a:buSzPct val="119999"/>
-              <a:buFont typeface="Arial"/>
-              <a:buNone/>
-            </a:pPr>
-            <a:endParaRPr sz="2400" b="0" i="0" u="none" strike="noStrike" cap="none" dirty="0">
-              <a:solidFill>
-                <a:schemeClr val="dk1"/>
-              </a:solidFill>
-              <a:latin typeface="+mj-lt"/>
-              <a:ea typeface="Arial"/>
-              <a:cs typeface="Arial"/>
-              <a:sym typeface="Arial"/>
-            </a:endParaRPr>
           </a:p>
         </p:txBody>
       </p:sp>
@@ -13921,15 +12808,15 @@
               <a:buNone/>
             </a:pPr>
             <a:r>
-              <a:rPr lang="tr-TR" dirty="0" err="1"/>
-              <a:t>Roll&amp;Pitch</a:t>
+              <a:rPr lang="en-US" dirty="0"/>
+              <a:t>Roll</a:t>
             </a:r>
             <a:r>
               <a:rPr lang="tr-TR" dirty="0"/>
-              <a:t> PID </a:t>
+              <a:t> &amp; Pitch PID </a:t>
             </a:r>
             <a:r>
-              <a:rPr lang="tr-TR" dirty="0" err="1"/>
+              <a:rPr lang="en-US" dirty="0"/>
               <a:t>Attitude</a:t>
             </a:r>
             <a:r>
@@ -14108,60 +12995,6 @@
           </a:p>
         </p:txBody>
       </p:sp>
-      <p:sp>
-        <p:nvSpPr>
-          <p:cNvPr id="344" name="Google Shape;344;p26"/>
-          <p:cNvSpPr txBox="1"/>
-          <p:nvPr/>
-        </p:nvSpPr>
-        <p:spPr>
-          <a:xfrm>
-            <a:off x="1308294" y="1130710"/>
-            <a:ext cx="10045505" cy="5083277"/>
-          </a:xfrm>
-          <a:prstGeom prst="rect">
-            <a:avLst/>
-          </a:prstGeom>
-          <a:noFill/>
-          <a:ln>
-            <a:noFill/>
-          </a:ln>
-        </p:spPr>
-        <p:txBody>
-          <a:bodyPr spcFirstLastPara="1" wrap="square" lIns="91425" tIns="45700" rIns="91425" bIns="45700" anchor="t" anchorCtr="0">
-            <a:normAutofit/>
-          </a:bodyPr>
-          <a:lstStyle/>
-          <a:p>
-            <a:pPr marL="685800" marR="0" lvl="1" indent="-86868" algn="just" rtl="0">
-              <a:lnSpc>
-                <a:spcPct val="110000"/>
-              </a:lnSpc>
-              <a:spcBef>
-                <a:spcPts val="600"/>
-              </a:spcBef>
-              <a:spcAft>
-                <a:spcPts val="0"/>
-              </a:spcAft>
-              <a:buClr>
-                <a:schemeClr val="accent1"/>
-              </a:buClr>
-              <a:buSzPct val="119999"/>
-              <a:buFont typeface="Arial"/>
-              <a:buNone/>
-            </a:pPr>
-            <a:endParaRPr sz="2400" b="0" i="0" u="none" strike="noStrike" cap="none" dirty="0">
-              <a:solidFill>
-                <a:schemeClr val="dk1"/>
-              </a:solidFill>
-              <a:latin typeface="+mj-lt"/>
-              <a:ea typeface="Arial"/>
-              <a:cs typeface="Arial"/>
-              <a:sym typeface="Arial"/>
-            </a:endParaRPr>
-          </a:p>
-        </p:txBody>
-      </p:sp>
       <p:pic>
         <p:nvPicPr>
           <p:cNvPr id="4" name="Resim 3">
@@ -14184,8 +13017,8 @@
         </p:blipFill>
         <p:spPr>
           <a:xfrm>
-            <a:off x="2262187" y="1828800"/>
-            <a:ext cx="7667625" cy="3200400"/>
+            <a:off x="747784" y="1196701"/>
+            <a:ext cx="10696431" cy="4464597"/>
           </a:xfrm>
           <a:prstGeom prst="rect">
             <a:avLst/>
@@ -14271,12 +13104,12 @@
               <a:buNone/>
             </a:pPr>
             <a:r>
-              <a:rPr lang="tr-TR" dirty="0" err="1"/>
-              <a:t>Roll&amp;Pitch</a:t>
+              <a:rPr lang="en-US" dirty="0"/>
+              <a:t>Roll</a:t>
             </a:r>
             <a:r>
               <a:rPr lang="tr-TR" dirty="0"/>
-              <a:t> RL Agent</a:t>
+              <a:t> &amp; Pitch RL Agent</a:t>
             </a:r>
             <a:endParaRPr dirty="0"/>
           </a:p>
@@ -14450,60 +13283,6 @@
           </a:p>
         </p:txBody>
       </p:sp>
-      <p:sp>
-        <p:nvSpPr>
-          <p:cNvPr id="344" name="Google Shape;344;p26"/>
-          <p:cNvSpPr txBox="1"/>
-          <p:nvPr/>
-        </p:nvSpPr>
-        <p:spPr>
-          <a:xfrm>
-            <a:off x="1308294" y="1130710"/>
-            <a:ext cx="10045505" cy="5083277"/>
-          </a:xfrm>
-          <a:prstGeom prst="rect">
-            <a:avLst/>
-          </a:prstGeom>
-          <a:noFill/>
-          <a:ln>
-            <a:noFill/>
-          </a:ln>
-        </p:spPr>
-        <p:txBody>
-          <a:bodyPr spcFirstLastPara="1" wrap="square" lIns="91425" tIns="45700" rIns="91425" bIns="45700" anchor="t" anchorCtr="0">
-            <a:normAutofit/>
-          </a:bodyPr>
-          <a:lstStyle/>
-          <a:p>
-            <a:pPr marL="685800" marR="0" lvl="1" indent="-86868" algn="just" rtl="0">
-              <a:lnSpc>
-                <a:spcPct val="110000"/>
-              </a:lnSpc>
-              <a:spcBef>
-                <a:spcPts val="600"/>
-              </a:spcBef>
-              <a:spcAft>
-                <a:spcPts val="0"/>
-              </a:spcAft>
-              <a:buClr>
-                <a:schemeClr val="accent1"/>
-              </a:buClr>
-              <a:buSzPct val="119999"/>
-              <a:buFont typeface="Arial"/>
-              <a:buNone/>
-            </a:pPr>
-            <a:endParaRPr sz="2400" b="0" i="0" u="none" strike="noStrike" cap="none" dirty="0">
-              <a:solidFill>
-                <a:schemeClr val="dk1"/>
-              </a:solidFill>
-              <a:latin typeface="+mj-lt"/>
-              <a:ea typeface="Arial"/>
-              <a:cs typeface="Arial"/>
-              <a:sym typeface="Arial"/>
-            </a:endParaRPr>
-          </a:p>
-        </p:txBody>
-      </p:sp>
       <p:pic>
         <p:nvPicPr>
           <p:cNvPr id="4" name="Resim 3">
@@ -14526,8 +13305,8 @@
         </p:blipFill>
         <p:spPr>
           <a:xfrm>
-            <a:off x="2190750" y="2695575"/>
-            <a:ext cx="7810500" cy="1466850"/>
+            <a:off x="215072" y="2324533"/>
+            <a:ext cx="11761856" cy="2208934"/>
           </a:xfrm>
           <a:prstGeom prst="rect">
             <a:avLst/>
@@ -14788,60 +13567,6 @@
           </a:p>
         </p:txBody>
       </p:sp>
-      <p:sp>
-        <p:nvSpPr>
-          <p:cNvPr id="344" name="Google Shape;344;p26"/>
-          <p:cNvSpPr txBox="1"/>
-          <p:nvPr/>
-        </p:nvSpPr>
-        <p:spPr>
-          <a:xfrm>
-            <a:off x="1308294" y="1130710"/>
-            <a:ext cx="10045505" cy="5083277"/>
-          </a:xfrm>
-          <a:prstGeom prst="rect">
-            <a:avLst/>
-          </a:prstGeom>
-          <a:noFill/>
-          <a:ln>
-            <a:noFill/>
-          </a:ln>
-        </p:spPr>
-        <p:txBody>
-          <a:bodyPr spcFirstLastPara="1" wrap="square" lIns="91425" tIns="45700" rIns="91425" bIns="45700" anchor="t" anchorCtr="0">
-            <a:normAutofit/>
-          </a:bodyPr>
-          <a:lstStyle/>
-          <a:p>
-            <a:pPr marL="685800" marR="0" lvl="1" indent="-86868" algn="just" rtl="0">
-              <a:lnSpc>
-                <a:spcPct val="110000"/>
-              </a:lnSpc>
-              <a:spcBef>
-                <a:spcPts val="600"/>
-              </a:spcBef>
-              <a:spcAft>
-                <a:spcPts val="0"/>
-              </a:spcAft>
-              <a:buClr>
-                <a:schemeClr val="accent1"/>
-              </a:buClr>
-              <a:buSzPct val="119999"/>
-              <a:buFont typeface="Arial"/>
-              <a:buNone/>
-            </a:pPr>
-            <a:endParaRPr sz="2400" b="0" i="0" u="none" strike="noStrike" cap="none" dirty="0">
-              <a:solidFill>
-                <a:schemeClr val="dk1"/>
-              </a:solidFill>
-              <a:latin typeface="+mj-lt"/>
-              <a:ea typeface="Arial"/>
-              <a:cs typeface="Arial"/>
-              <a:sym typeface="Arial"/>
-            </a:endParaRPr>
-          </a:p>
-        </p:txBody>
-      </p:sp>
     </p:spTree>
     <p:extLst>
       <p:ext uri="{BB962C8B-B14F-4D97-AF65-F5344CB8AC3E}">
@@ -14921,26 +13646,9 @@
               <a:buNone/>
             </a:pPr>
             <a:r>
-              <a:rPr lang="tr-TR" dirty="0" err="1"/>
-              <a:t>Future</a:t>
+              <a:rPr lang="en-US" dirty="0"/>
+              <a:t>Future Plans &amp; Progress</a:t>
             </a:r>
-            <a:r>
-              <a:rPr lang="tr-TR" dirty="0"/>
-              <a:t> </a:t>
-            </a:r>
-            <a:r>
-              <a:rPr lang="tr-TR" dirty="0" err="1"/>
-              <a:t>Plans</a:t>
-            </a:r>
-            <a:r>
-              <a:rPr lang="tr-TR" dirty="0"/>
-              <a:t> &amp; </a:t>
-            </a:r>
-            <a:r>
-              <a:rPr lang="tr-TR" dirty="0" err="1"/>
-              <a:t>Progress</a:t>
-            </a:r>
-            <a:endParaRPr dirty="0"/>
           </a:p>
         </p:txBody>
       </p:sp>
@@ -15129,7 +13837,7 @@
           </a:bodyPr>
           <a:lstStyle/>
           <a:p>
-            <a:pPr marL="685800" marR="0" lvl="1" indent="-86868" algn="just" rtl="0">
+            <a:pPr marL="941832" marR="0" lvl="1" indent="-342900" algn="just" rtl="0">
               <a:lnSpc>
                 <a:spcPct val="110000"/>
               </a:lnSpc>
@@ -15143,63 +13851,49 @@
                 <a:schemeClr val="accent1"/>
               </a:buClr>
               <a:buSzPct val="119999"/>
-              <a:buFont typeface="Arial"/>
-              <a:buNone/>
+              <a:buFont typeface="Arial" panose="020B0604020202020204" pitchFamily="34" charset="0"/>
+              <a:buChar char="•"/>
             </a:pPr>
             <a:r>
-              <a:rPr lang="tr-TR" sz="2400" dirty="0" err="1">
+              <a:rPr lang="en-US" sz="2400" dirty="0">
                 <a:solidFill>
                   <a:schemeClr val="dk1"/>
                 </a:solidFill>
                 <a:latin typeface="+mj-lt"/>
               </a:rPr>
-              <a:t>Solving</a:t>
+              <a:t>Solving training problems</a:t>
             </a:r>
+          </a:p>
+          <a:p>
+            <a:pPr marL="941832" marR="0" lvl="1" indent="-342900" algn="just" rtl="0">
+              <a:lnSpc>
+                <a:spcPct val="110000"/>
+              </a:lnSpc>
+              <a:spcBef>
+                <a:spcPts val="600"/>
+              </a:spcBef>
+              <a:spcAft>
+                <a:spcPts val="0"/>
+              </a:spcAft>
+              <a:buClr>
+                <a:schemeClr val="accent1"/>
+              </a:buClr>
+              <a:buSzPct val="119999"/>
+              <a:buFont typeface="Arial" panose="020B0604020202020204" pitchFamily="34" charset="0"/>
+              <a:buChar char="•"/>
+            </a:pPr>
             <a:r>
-              <a:rPr lang="tr-TR" sz="2400" dirty="0">
+              <a:rPr lang="en-US" sz="2400" dirty="0">
                 <a:solidFill>
                   <a:schemeClr val="dk1"/>
                 </a:solidFill>
                 <a:latin typeface="+mj-lt"/>
               </a:rPr>
-              <a:t> </a:t>
+              <a:t>Limiting the observation and action blocks </a:t>
             </a:r>
-            <a:r>
-              <a:rPr lang="tr-TR" sz="2400" dirty="0" err="1">
-                <a:solidFill>
-                  <a:schemeClr val="dk1"/>
-                </a:solidFill>
-                <a:latin typeface="+mj-lt"/>
-              </a:rPr>
-              <a:t>training</a:t>
-            </a:r>
-            <a:r>
-              <a:rPr lang="tr-TR" sz="2400" dirty="0">
-                <a:solidFill>
-                  <a:schemeClr val="dk1"/>
-                </a:solidFill>
-                <a:latin typeface="+mj-lt"/>
-              </a:rPr>
-              <a:t> </a:t>
-            </a:r>
-            <a:r>
-              <a:rPr lang="tr-TR" sz="2400" dirty="0" err="1">
-                <a:solidFill>
-                  <a:schemeClr val="dk1"/>
-                </a:solidFill>
-                <a:latin typeface="+mj-lt"/>
-              </a:rPr>
-              <a:t>problems</a:t>
-            </a:r>
-            <a:endParaRPr lang="tr-TR" sz="2400" dirty="0">
-              <a:solidFill>
-                <a:schemeClr val="dk1"/>
-              </a:solidFill>
-              <a:latin typeface="+mj-lt"/>
-            </a:endParaRPr>
           </a:p>
           <a:p>
-            <a:pPr marL="685800" marR="0" lvl="1" indent="-86868" algn="just" rtl="0">
+            <a:pPr marL="941832" marR="0" lvl="1" indent="-342900" algn="just" rtl="0">
               <a:lnSpc>
                 <a:spcPct val="110000"/>
               </a:lnSpc>
@@ -15213,138 +13907,11 @@
                 <a:schemeClr val="accent1"/>
               </a:buClr>
               <a:buSzPct val="119999"/>
-              <a:buFont typeface="Arial"/>
-              <a:buNone/>
+              <a:buFont typeface="Arial" panose="020B0604020202020204" pitchFamily="34" charset="0"/>
+              <a:buChar char="•"/>
             </a:pPr>
             <a:r>
-              <a:rPr lang="tr-TR" sz="2400" dirty="0" err="1">
-                <a:solidFill>
-                  <a:schemeClr val="dk1"/>
-                </a:solidFill>
-                <a:latin typeface="+mj-lt"/>
-              </a:rPr>
-              <a:t>Limiting</a:t>
-            </a:r>
-            <a:r>
-              <a:rPr lang="tr-TR" sz="2400" dirty="0">
-                <a:solidFill>
-                  <a:schemeClr val="dk1"/>
-                </a:solidFill>
-                <a:latin typeface="+mj-lt"/>
-              </a:rPr>
-              <a:t> </a:t>
-            </a:r>
-            <a:r>
-              <a:rPr lang="tr-TR" sz="2400" dirty="0" err="1">
-                <a:solidFill>
-                  <a:schemeClr val="dk1"/>
-                </a:solidFill>
-                <a:latin typeface="+mj-lt"/>
-              </a:rPr>
-              <a:t>the</a:t>
-            </a:r>
-            <a:r>
-              <a:rPr lang="tr-TR" sz="2400" dirty="0">
-                <a:solidFill>
-                  <a:schemeClr val="dk1"/>
-                </a:solidFill>
-                <a:latin typeface="+mj-lt"/>
-              </a:rPr>
-              <a:t> </a:t>
-            </a:r>
-            <a:r>
-              <a:rPr lang="tr-TR" sz="2400" dirty="0" err="1">
-                <a:solidFill>
-                  <a:schemeClr val="dk1"/>
-                </a:solidFill>
-                <a:latin typeface="+mj-lt"/>
-              </a:rPr>
-              <a:t>observation</a:t>
-            </a:r>
-            <a:r>
-              <a:rPr lang="tr-TR" sz="2400" dirty="0">
-                <a:solidFill>
-                  <a:schemeClr val="dk1"/>
-                </a:solidFill>
-                <a:latin typeface="+mj-lt"/>
-              </a:rPr>
-              <a:t> </a:t>
-            </a:r>
-            <a:r>
-              <a:rPr lang="tr-TR" sz="2400" dirty="0" err="1">
-                <a:solidFill>
-                  <a:schemeClr val="dk1"/>
-                </a:solidFill>
-                <a:latin typeface="+mj-lt"/>
-              </a:rPr>
-              <a:t>and</a:t>
-            </a:r>
-            <a:r>
-              <a:rPr lang="tr-TR" sz="2400" dirty="0">
-                <a:solidFill>
-                  <a:schemeClr val="dk1"/>
-                </a:solidFill>
-                <a:latin typeface="+mj-lt"/>
-              </a:rPr>
-              <a:t> </a:t>
-            </a:r>
-            <a:r>
-              <a:rPr lang="tr-TR" sz="2400" dirty="0" err="1">
-                <a:solidFill>
-                  <a:schemeClr val="dk1"/>
-                </a:solidFill>
-                <a:latin typeface="+mj-lt"/>
-              </a:rPr>
-              <a:t>action</a:t>
-            </a:r>
-            <a:r>
-              <a:rPr lang="tr-TR" sz="2400" dirty="0">
-                <a:solidFill>
-                  <a:schemeClr val="dk1"/>
-                </a:solidFill>
-                <a:latin typeface="+mj-lt"/>
-              </a:rPr>
-              <a:t> </a:t>
-            </a:r>
-            <a:r>
-              <a:rPr lang="tr-TR" sz="2400" dirty="0" err="1">
-                <a:solidFill>
-                  <a:schemeClr val="dk1"/>
-                </a:solidFill>
-                <a:latin typeface="+mj-lt"/>
-              </a:rPr>
-              <a:t>blocks</a:t>
-            </a:r>
-            <a:r>
-              <a:rPr lang="tr-TR" sz="2400" dirty="0">
-                <a:solidFill>
-                  <a:schemeClr val="dk1"/>
-                </a:solidFill>
-                <a:latin typeface="+mj-lt"/>
-              </a:rPr>
-              <a:t> </a:t>
-            </a:r>
-          </a:p>
-          <a:p>
-            <a:pPr marL="685800" marR="0" lvl="1" indent="-86868" algn="just" rtl="0">
-              <a:lnSpc>
-                <a:spcPct val="110000"/>
-              </a:lnSpc>
-              <a:spcBef>
-                <a:spcPts val="600"/>
-              </a:spcBef>
-              <a:spcAft>
-                <a:spcPts val="0"/>
-              </a:spcAft>
-              <a:buClr>
-                <a:schemeClr val="accent1"/>
-              </a:buClr>
-              <a:buSzPct val="119999"/>
-              <a:buFont typeface="Arial"/>
-              <a:buNone/>
-            </a:pPr>
-            <a:r>
-              <a:rPr lang="tr-TR" sz="2400" b="0" i="0" u="none" strike="noStrike" cap="none" dirty="0" err="1">
+              <a:rPr lang="en-US" sz="2400" b="0" i="0" u="none" strike="noStrike" cap="none" dirty="0">
                 <a:solidFill>
                   <a:schemeClr val="dk1"/>
                 </a:solidFill>
@@ -15353,10 +13920,29 @@
                 <a:cs typeface="Arial"/>
                 <a:sym typeface="Arial"/>
               </a:rPr>
-              <a:t>Implementing</a:t>
+              <a:t>Implementing 2 different DDPG and PPO algorithms together</a:t>
             </a:r>
+          </a:p>
+          <a:p>
+            <a:pPr marL="941832" marR="0" lvl="1" indent="-342900" algn="just" rtl="0">
+              <a:lnSpc>
+                <a:spcPct val="110000"/>
+              </a:lnSpc>
+              <a:spcBef>
+                <a:spcPts val="600"/>
+              </a:spcBef>
+              <a:spcAft>
+                <a:spcPts val="0"/>
+              </a:spcAft>
+              <a:buClr>
+                <a:schemeClr val="accent1"/>
+              </a:buClr>
+              <a:buSzPct val="119999"/>
+              <a:buFont typeface="Arial" panose="020B0604020202020204" pitchFamily="34" charset="0"/>
+              <a:buChar char="•"/>
+            </a:pPr>
             <a:r>
-              <a:rPr lang="tr-TR" sz="2400" b="0" i="0" u="none" strike="noStrike" cap="none" dirty="0">
+              <a:rPr lang="en-US" sz="2400" b="0" i="0" u="none" strike="noStrike" cap="none" dirty="0">
                 <a:solidFill>
                   <a:schemeClr val="dk1"/>
                 </a:solidFill>
@@ -15365,10 +13951,29 @@
                 <a:cs typeface="Arial"/>
                 <a:sym typeface="Arial"/>
               </a:rPr>
-              <a:t> 2 </a:t>
+              <a:t>Agent configuration parameter values search </a:t>
             </a:r>
+          </a:p>
+          <a:p>
+            <a:pPr marL="941832" marR="0" lvl="1" indent="-342900" algn="just" rtl="0">
+              <a:lnSpc>
+                <a:spcPct val="110000"/>
+              </a:lnSpc>
+              <a:spcBef>
+                <a:spcPts val="600"/>
+              </a:spcBef>
+              <a:spcAft>
+                <a:spcPts val="0"/>
+              </a:spcAft>
+              <a:buClr>
+                <a:schemeClr val="accent1"/>
+              </a:buClr>
+              <a:buSzPct val="119999"/>
+              <a:buFont typeface="Arial" panose="020B0604020202020204" pitchFamily="34" charset="0"/>
+              <a:buChar char="•"/>
+            </a:pPr>
             <a:r>
-              <a:rPr lang="tr-TR" sz="2400" b="0" i="0" u="none" strike="noStrike" cap="none" dirty="0" err="1">
+              <a:rPr lang="en-US" sz="2400" b="0" i="0" u="none" strike="noStrike" cap="none" dirty="0">
                 <a:solidFill>
                   <a:schemeClr val="dk1"/>
                 </a:solidFill>
@@ -15377,352 +13982,8 @@
                 <a:cs typeface="Arial"/>
                 <a:sym typeface="Arial"/>
               </a:rPr>
-              <a:t>different</a:t>
+              <a:t>Searching and comparing layer affect</a:t>
             </a:r>
-            <a:r>
-              <a:rPr lang="tr-TR" sz="2400" b="0" i="0" u="none" strike="noStrike" cap="none" dirty="0">
-                <a:solidFill>
-                  <a:schemeClr val="dk1"/>
-                </a:solidFill>
-                <a:latin typeface="+mj-lt"/>
-                <a:ea typeface="Arial"/>
-                <a:cs typeface="Arial"/>
-                <a:sym typeface="Arial"/>
-              </a:rPr>
-              <a:t> DDPG </a:t>
-            </a:r>
-            <a:r>
-              <a:rPr lang="tr-TR" sz="2400" b="0" i="0" u="none" strike="noStrike" cap="none" dirty="0" err="1">
-                <a:solidFill>
-                  <a:schemeClr val="dk1"/>
-                </a:solidFill>
-                <a:latin typeface="+mj-lt"/>
-                <a:ea typeface="Arial"/>
-                <a:cs typeface="Arial"/>
-                <a:sym typeface="Arial"/>
-              </a:rPr>
-              <a:t>and</a:t>
-            </a:r>
-            <a:r>
-              <a:rPr lang="tr-TR" sz="2400" b="0" i="0" u="none" strike="noStrike" cap="none" dirty="0">
-                <a:solidFill>
-                  <a:schemeClr val="dk1"/>
-                </a:solidFill>
-                <a:latin typeface="+mj-lt"/>
-                <a:ea typeface="Arial"/>
-                <a:cs typeface="Arial"/>
-                <a:sym typeface="Arial"/>
-              </a:rPr>
-              <a:t> PPO </a:t>
-            </a:r>
-            <a:r>
-              <a:rPr lang="tr-TR" sz="2400" b="0" i="0" u="none" strike="noStrike" cap="none" dirty="0" err="1">
-                <a:solidFill>
-                  <a:schemeClr val="dk1"/>
-                </a:solidFill>
-                <a:latin typeface="+mj-lt"/>
-                <a:ea typeface="Arial"/>
-                <a:cs typeface="Arial"/>
-                <a:sym typeface="Arial"/>
-              </a:rPr>
-              <a:t>algorithms</a:t>
-            </a:r>
-            <a:r>
-              <a:rPr lang="tr-TR" sz="2400" b="0" i="0" u="none" strike="noStrike" cap="none" dirty="0">
-                <a:solidFill>
-                  <a:schemeClr val="dk1"/>
-                </a:solidFill>
-                <a:latin typeface="+mj-lt"/>
-                <a:ea typeface="Arial"/>
-                <a:cs typeface="Arial"/>
-                <a:sym typeface="Arial"/>
-              </a:rPr>
-              <a:t> </a:t>
-            </a:r>
-            <a:r>
-              <a:rPr lang="tr-TR" sz="2400" b="0" i="0" u="none" strike="noStrike" cap="none" dirty="0" err="1">
-                <a:solidFill>
-                  <a:schemeClr val="dk1"/>
-                </a:solidFill>
-                <a:latin typeface="+mj-lt"/>
-                <a:ea typeface="Arial"/>
-                <a:cs typeface="Arial"/>
-                <a:sym typeface="Arial"/>
-              </a:rPr>
-              <a:t>together</a:t>
-            </a:r>
-            <a:endParaRPr lang="tr-TR" sz="2400" b="0" i="0" u="none" strike="noStrike" cap="none" dirty="0">
-              <a:solidFill>
-                <a:schemeClr val="dk1"/>
-              </a:solidFill>
-              <a:latin typeface="+mj-lt"/>
-              <a:ea typeface="Arial"/>
-              <a:cs typeface="Arial"/>
-              <a:sym typeface="Arial"/>
-            </a:endParaRPr>
-          </a:p>
-          <a:p>
-            <a:pPr marL="685800" marR="0" lvl="1" indent="-86868" algn="just" rtl="0">
-              <a:lnSpc>
-                <a:spcPct val="110000"/>
-              </a:lnSpc>
-              <a:spcBef>
-                <a:spcPts val="600"/>
-              </a:spcBef>
-              <a:spcAft>
-                <a:spcPts val="0"/>
-              </a:spcAft>
-              <a:buClr>
-                <a:schemeClr val="accent1"/>
-              </a:buClr>
-              <a:buSzPct val="119999"/>
-              <a:buFont typeface="Arial"/>
-              <a:buNone/>
-            </a:pPr>
-            <a:r>
-              <a:rPr lang="tr-TR" sz="2400" b="0" i="0" u="none" strike="noStrike" cap="none" dirty="0">
-                <a:solidFill>
-                  <a:schemeClr val="dk1"/>
-                </a:solidFill>
-                <a:latin typeface="+mj-lt"/>
-                <a:ea typeface="Arial"/>
-                <a:cs typeface="Arial"/>
-                <a:sym typeface="Arial"/>
-              </a:rPr>
-              <a:t>Agent </a:t>
-            </a:r>
-            <a:r>
-              <a:rPr lang="tr-TR" sz="2400" b="0" i="0" u="none" strike="noStrike" cap="none" dirty="0" err="1">
-                <a:solidFill>
-                  <a:schemeClr val="dk1"/>
-                </a:solidFill>
-                <a:latin typeface="+mj-lt"/>
-                <a:ea typeface="Arial"/>
-                <a:cs typeface="Arial"/>
-                <a:sym typeface="Arial"/>
-              </a:rPr>
-              <a:t>configuration</a:t>
-            </a:r>
-            <a:r>
-              <a:rPr lang="tr-TR" sz="2400" b="0" i="0" u="none" strike="noStrike" cap="none" dirty="0">
-                <a:solidFill>
-                  <a:schemeClr val="dk1"/>
-                </a:solidFill>
-                <a:latin typeface="+mj-lt"/>
-                <a:ea typeface="Arial"/>
-                <a:cs typeface="Arial"/>
-                <a:sym typeface="Arial"/>
-              </a:rPr>
-              <a:t> </a:t>
-            </a:r>
-            <a:r>
-              <a:rPr lang="tr-TR" sz="2400" b="0" i="0" u="none" strike="noStrike" cap="none" dirty="0" err="1">
-                <a:solidFill>
-                  <a:schemeClr val="dk1"/>
-                </a:solidFill>
-                <a:latin typeface="+mj-lt"/>
-                <a:ea typeface="Arial"/>
-                <a:cs typeface="Arial"/>
-                <a:sym typeface="Arial"/>
-              </a:rPr>
-              <a:t>parameter</a:t>
-            </a:r>
-            <a:r>
-              <a:rPr lang="tr-TR" sz="2400" b="0" i="0" u="none" strike="noStrike" cap="none" dirty="0">
-                <a:solidFill>
-                  <a:schemeClr val="dk1"/>
-                </a:solidFill>
-                <a:latin typeface="+mj-lt"/>
-                <a:ea typeface="Arial"/>
-                <a:cs typeface="Arial"/>
-                <a:sym typeface="Arial"/>
-              </a:rPr>
-              <a:t> </a:t>
-            </a:r>
-            <a:r>
-              <a:rPr lang="tr-TR" sz="2400" b="0" i="0" u="none" strike="noStrike" cap="none" dirty="0" err="1">
-                <a:solidFill>
-                  <a:schemeClr val="dk1"/>
-                </a:solidFill>
-                <a:latin typeface="+mj-lt"/>
-                <a:ea typeface="Arial"/>
-                <a:cs typeface="Arial"/>
-                <a:sym typeface="Arial"/>
-              </a:rPr>
-              <a:t>values</a:t>
-            </a:r>
-            <a:r>
-              <a:rPr lang="tr-TR" sz="2400" b="0" i="0" u="none" strike="noStrike" cap="none" dirty="0">
-                <a:solidFill>
-                  <a:schemeClr val="dk1"/>
-                </a:solidFill>
-                <a:latin typeface="+mj-lt"/>
-                <a:ea typeface="Arial"/>
-                <a:cs typeface="Arial"/>
-                <a:sym typeface="Arial"/>
-              </a:rPr>
-              <a:t> </a:t>
-            </a:r>
-            <a:r>
-              <a:rPr lang="tr-TR" sz="2400" b="0" i="0" u="none" strike="noStrike" cap="none" dirty="0" err="1">
-                <a:solidFill>
-                  <a:schemeClr val="dk1"/>
-                </a:solidFill>
-                <a:latin typeface="+mj-lt"/>
-                <a:ea typeface="Arial"/>
-                <a:cs typeface="Arial"/>
-                <a:sym typeface="Arial"/>
-              </a:rPr>
-              <a:t>search</a:t>
-            </a:r>
-            <a:r>
-              <a:rPr lang="tr-TR" sz="2400" b="0" i="0" u="none" strike="noStrike" cap="none" dirty="0">
-                <a:solidFill>
-                  <a:schemeClr val="dk1"/>
-                </a:solidFill>
-                <a:latin typeface="+mj-lt"/>
-                <a:ea typeface="Arial"/>
-                <a:cs typeface="Arial"/>
-                <a:sym typeface="Arial"/>
-              </a:rPr>
-              <a:t> </a:t>
-            </a:r>
-          </a:p>
-          <a:p>
-            <a:pPr marL="685800" marR="0" lvl="1" indent="-86868" algn="just" rtl="0">
-              <a:lnSpc>
-                <a:spcPct val="110000"/>
-              </a:lnSpc>
-              <a:spcBef>
-                <a:spcPts val="600"/>
-              </a:spcBef>
-              <a:spcAft>
-                <a:spcPts val="0"/>
-              </a:spcAft>
-              <a:buClr>
-                <a:schemeClr val="accent1"/>
-              </a:buClr>
-              <a:buSzPct val="119999"/>
-              <a:buFont typeface="Arial"/>
-              <a:buNone/>
-            </a:pPr>
-            <a:r>
-              <a:rPr lang="tr-TR" sz="2400" b="0" i="0" u="none" strike="noStrike" cap="none" dirty="0" err="1">
-                <a:solidFill>
-                  <a:schemeClr val="dk1"/>
-                </a:solidFill>
-                <a:latin typeface="+mj-lt"/>
-                <a:ea typeface="Arial"/>
-                <a:cs typeface="Arial"/>
-                <a:sym typeface="Arial"/>
-              </a:rPr>
-              <a:t>Searching</a:t>
-            </a:r>
-            <a:r>
-              <a:rPr lang="tr-TR" sz="2400" b="0" i="0" u="none" strike="noStrike" cap="none" dirty="0">
-                <a:solidFill>
-                  <a:schemeClr val="dk1"/>
-                </a:solidFill>
-                <a:latin typeface="+mj-lt"/>
-                <a:ea typeface="Arial"/>
-                <a:cs typeface="Arial"/>
-                <a:sym typeface="Arial"/>
-              </a:rPr>
-              <a:t> </a:t>
-            </a:r>
-            <a:r>
-              <a:rPr lang="tr-TR" sz="2400" b="0" i="0" u="none" strike="noStrike" cap="none" dirty="0" err="1">
-                <a:solidFill>
-                  <a:schemeClr val="dk1"/>
-                </a:solidFill>
-                <a:latin typeface="+mj-lt"/>
-                <a:ea typeface="Arial"/>
-                <a:cs typeface="Arial"/>
-                <a:sym typeface="Arial"/>
-              </a:rPr>
-              <a:t>and</a:t>
-            </a:r>
-            <a:r>
-              <a:rPr lang="tr-TR" sz="2400" b="0" i="0" u="none" strike="noStrike" cap="none" dirty="0">
-                <a:solidFill>
-                  <a:schemeClr val="dk1"/>
-                </a:solidFill>
-                <a:latin typeface="+mj-lt"/>
-                <a:ea typeface="Arial"/>
-                <a:cs typeface="Arial"/>
-                <a:sym typeface="Arial"/>
-              </a:rPr>
-              <a:t> </a:t>
-            </a:r>
-            <a:r>
-              <a:rPr lang="tr-TR" sz="2400" b="0" i="0" u="none" strike="noStrike" cap="none" dirty="0" err="1">
-                <a:solidFill>
-                  <a:schemeClr val="dk1"/>
-                </a:solidFill>
-                <a:latin typeface="+mj-lt"/>
-                <a:ea typeface="Arial"/>
-                <a:cs typeface="Arial"/>
-                <a:sym typeface="Arial"/>
-              </a:rPr>
-              <a:t>comparing</a:t>
-            </a:r>
-            <a:r>
-              <a:rPr lang="tr-TR" sz="2400" b="0" i="0" u="none" strike="noStrike" cap="none" dirty="0">
-                <a:solidFill>
-                  <a:schemeClr val="dk1"/>
-                </a:solidFill>
-                <a:latin typeface="+mj-lt"/>
-                <a:ea typeface="Arial"/>
-                <a:cs typeface="Arial"/>
-                <a:sym typeface="Arial"/>
-              </a:rPr>
-              <a:t> </a:t>
-            </a:r>
-            <a:r>
-              <a:rPr lang="tr-TR" sz="2400" b="0" i="0" u="none" strike="noStrike" cap="none" dirty="0" err="1">
-                <a:solidFill>
-                  <a:schemeClr val="dk1"/>
-                </a:solidFill>
-                <a:latin typeface="+mj-lt"/>
-                <a:ea typeface="Arial"/>
-                <a:cs typeface="Arial"/>
-                <a:sym typeface="Arial"/>
-              </a:rPr>
-              <a:t>layer</a:t>
-            </a:r>
-            <a:r>
-              <a:rPr lang="tr-TR" sz="2400" b="0" i="0" u="none" strike="noStrike" cap="none" dirty="0">
-                <a:solidFill>
-                  <a:schemeClr val="dk1"/>
-                </a:solidFill>
-                <a:latin typeface="+mj-lt"/>
-                <a:ea typeface="Arial"/>
-                <a:cs typeface="Arial"/>
-                <a:sym typeface="Arial"/>
-              </a:rPr>
-              <a:t> </a:t>
-            </a:r>
-            <a:r>
-              <a:rPr lang="tr-TR" sz="2400" b="0" i="0" u="none" strike="noStrike" cap="none" dirty="0" err="1">
-                <a:solidFill>
-                  <a:schemeClr val="dk1"/>
-                </a:solidFill>
-                <a:latin typeface="+mj-lt"/>
-                <a:ea typeface="Arial"/>
-                <a:cs typeface="Arial"/>
-                <a:sym typeface="Arial"/>
-              </a:rPr>
-              <a:t>affect</a:t>
-            </a:r>
-            <a:endParaRPr lang="tr-TR" sz="2400" b="0" i="0" u="none" strike="noStrike" cap="none" dirty="0">
-              <a:solidFill>
-                <a:schemeClr val="dk1"/>
-              </a:solidFill>
-              <a:latin typeface="+mj-lt"/>
-              <a:ea typeface="Arial"/>
-              <a:cs typeface="Arial"/>
-              <a:sym typeface="Arial"/>
-            </a:endParaRPr>
           </a:p>
           <a:p>
             <a:pPr marL="685800" marR="0" lvl="1" indent="-86868" algn="just" rtl="0">

--- a/Progress.pptx
+++ b/Progress.pptx
@@ -5,29 +5,32 @@
     <p:sldMasterId id="2147483648" r:id="rId1"/>
   </p:sldMasterIdLst>
   <p:notesMasterIdLst>
-    <p:notesMasterId r:id="rId12"/>
+    <p:notesMasterId r:id="rId11"/>
   </p:notesMasterIdLst>
   <p:sldIdLst>
     <p:sldId id="256" r:id="rId2"/>
     <p:sldId id="285" r:id="rId3"/>
     <p:sldId id="294" r:id="rId4"/>
     <p:sldId id="286" r:id="rId5"/>
-    <p:sldId id="287" r:id="rId6"/>
-    <p:sldId id="293" r:id="rId7"/>
-    <p:sldId id="295" r:id="rId8"/>
-    <p:sldId id="296" r:id="rId9"/>
-    <p:sldId id="292" r:id="rId10"/>
-    <p:sldId id="284" r:id="rId11"/>
+    <p:sldId id="293" r:id="rId6"/>
+    <p:sldId id="295" r:id="rId7"/>
+    <p:sldId id="296" r:id="rId8"/>
+    <p:sldId id="292" r:id="rId9"/>
+    <p:sldId id="284" r:id="rId10"/>
   </p:sldIdLst>
   <p:sldSz cx="12192000" cy="6858000"/>
   <p:notesSz cx="6858000" cy="9144000"/>
   <p:embeddedFontLst>
     <p:embeddedFont>
       <p:font typeface="Calibri" panose="020F0502020204030204" pitchFamily="34" charset="0"/>
-      <p:regular r:id="rId13"/>
-      <p:bold r:id="rId14"/>
-      <p:italic r:id="rId15"/>
-      <p:boldItalic r:id="rId16"/>
+      <p:regular r:id="rId12"/>
+      <p:bold r:id="rId13"/>
+      <p:italic r:id="rId14"/>
+      <p:boldItalic r:id="rId15"/>
+    </p:embeddedFont>
+    <p:embeddedFont>
+      <p:font typeface="Cambria Math" panose="02040503050406030204" pitchFamily="18" charset="0"/>
+      <p:regular r:id="rId16"/>
     </p:embeddedFont>
     <p:embeddedFont>
       <p:font typeface="Noto Sans Symbols" pitchFamily="2" charset="0"/>
@@ -1572,110 +1575,6 @@
 </p:notes>
 </file>
 
-<file path=ppt/notesSlides/notesSlide10.xml><?xml version="1.0" encoding="utf-8"?>
-<p:notes xmlns:a="http://schemas.openxmlformats.org/drawingml/2006/main" xmlns:r="http://schemas.openxmlformats.org/officeDocument/2006/relationships" xmlns:p="http://schemas.openxmlformats.org/presentationml/2006/main" showMasterSp="0" showMasterPhAnim="0">
-  <p:cSld>
-    <p:spTree>
-      <p:nvGrpSpPr>
-        <p:cNvPr id="1" name="Shape 364"/>
-        <p:cNvGrpSpPr/>
-        <p:nvPr/>
-      </p:nvGrpSpPr>
-      <p:grpSpPr>
-        <a:xfrm>
-          <a:off x="0" y="0"/>
-          <a:ext cx="0" cy="0"/>
-          <a:chOff x="0" y="0"/>
-          <a:chExt cx="0" cy="0"/>
-        </a:xfrm>
-      </p:grpSpPr>
-      <p:sp>
-        <p:nvSpPr>
-          <p:cNvPr id="365" name="Google Shape;365;p29:notes"/>
-          <p:cNvSpPr txBox="1">
-            <a:spLocks noGrp="1"/>
-          </p:cNvSpPr>
-          <p:nvPr>
-            <p:ph type="body" idx="1"/>
-          </p:nvPr>
-        </p:nvSpPr>
-        <p:spPr>
-          <a:xfrm>
-            <a:off x="685800" y="4400550"/>
-            <a:ext cx="5486400" cy="3600450"/>
-          </a:xfrm>
-          <a:prstGeom prst="rect">
-            <a:avLst/>
-          </a:prstGeom>
-        </p:spPr>
-        <p:txBody>
-          <a:bodyPr spcFirstLastPara="1" wrap="square" lIns="91425" tIns="45700" rIns="91425" bIns="45700" anchor="t" anchorCtr="0">
-            <a:noAutofit/>
-          </a:bodyPr>
-          <a:lstStyle/>
-          <a:p>
-            <a:pPr marL="0" lvl="0" indent="0" algn="l" rtl="0">
-              <a:spcBef>
-                <a:spcPts val="0"/>
-              </a:spcBef>
-              <a:spcAft>
-                <a:spcPts val="0"/>
-              </a:spcAft>
-              <a:buNone/>
-            </a:pPr>
-            <a:endParaRPr/>
-          </a:p>
-        </p:txBody>
-      </p:sp>
-      <p:sp>
-        <p:nvSpPr>
-          <p:cNvPr id="366" name="Google Shape;366;p29:notes"/>
-          <p:cNvSpPr>
-            <a:spLocks noGrp="1" noRot="1" noChangeAspect="1"/>
-          </p:cNvSpPr>
-          <p:nvPr>
-            <p:ph type="sldImg" idx="2"/>
-          </p:nvPr>
-        </p:nvSpPr>
-        <p:spPr>
-          <a:xfrm>
-            <a:off x="685800" y="1143000"/>
-            <a:ext cx="5486400" cy="3086100"/>
-          </a:xfrm>
-          <a:custGeom>
-            <a:avLst/>
-            <a:gdLst/>
-            <a:ahLst/>
-            <a:cxnLst/>
-            <a:rect l="l" t="t" r="r" b="b"/>
-            <a:pathLst>
-              <a:path w="120000" h="120000" extrusionOk="0">
-                <a:moveTo>
-                  <a:pt x="0" y="0"/>
-                </a:moveTo>
-                <a:lnTo>
-                  <a:pt x="120000" y="0"/>
-                </a:lnTo>
-                <a:lnTo>
-                  <a:pt x="120000" y="120000"/>
-                </a:lnTo>
-                <a:lnTo>
-                  <a:pt x="0" y="120000"/>
-                </a:lnTo>
-                <a:close/>
-              </a:path>
-            </a:pathLst>
-          </a:custGeom>
-        </p:spPr>
-      </p:sp>
-    </p:spTree>
-  </p:cSld>
-  <p:clrMapOvr>
-    <a:masterClrMapping/>
-  </p:clrMapOvr>
-</p:notes>
-</file>
-
 <file path=ppt/notesSlides/notesSlide2.xml><?xml version="1.0" encoding="utf-8"?>
 <p:notes xmlns:a="http://schemas.openxmlformats.org/drawingml/2006/main" xmlns:r="http://schemas.openxmlformats.org/officeDocument/2006/relationships" xmlns:p="http://schemas.openxmlformats.org/presentationml/2006/main" showMasterSp="0" showMasterPhAnim="0">
   <p:cSld>
@@ -2342,7 +2241,7 @@
     </p:spTree>
     <p:extLst>
       <p:ext uri="{BB962C8B-B14F-4D97-AF65-F5344CB8AC3E}">
-        <p14:creationId xmlns:p14="http://schemas.microsoft.com/office/powerpoint/2010/main" val="2851614545"/>
+        <p14:creationId xmlns:p14="http://schemas.microsoft.com/office/powerpoint/2010/main" val="3353822962"/>
       </p:ext>
     </p:extLst>
   </p:cSld>
@@ -2511,7 +2410,7 @@
     </p:spTree>
     <p:extLst>
       <p:ext uri="{BB962C8B-B14F-4D97-AF65-F5344CB8AC3E}">
-        <p14:creationId xmlns:p14="http://schemas.microsoft.com/office/powerpoint/2010/main" val="3353822962"/>
+        <p14:creationId xmlns:p14="http://schemas.microsoft.com/office/powerpoint/2010/main" val="1680456656"/>
       </p:ext>
     </p:extLst>
   </p:cSld>
@@ -2680,7 +2579,7 @@
     </p:spTree>
     <p:extLst>
       <p:ext uri="{BB962C8B-B14F-4D97-AF65-F5344CB8AC3E}">
-        <p14:creationId xmlns:p14="http://schemas.microsoft.com/office/powerpoint/2010/main" val="1680456656"/>
+        <p14:creationId xmlns:p14="http://schemas.microsoft.com/office/powerpoint/2010/main" val="1489171041"/>
       </p:ext>
     </p:extLst>
   </p:cSld>
@@ -2849,7 +2748,7 @@
     </p:spTree>
     <p:extLst>
       <p:ext uri="{BB962C8B-B14F-4D97-AF65-F5344CB8AC3E}">
-        <p14:creationId xmlns:p14="http://schemas.microsoft.com/office/powerpoint/2010/main" val="1489171041"/>
+        <p14:creationId xmlns:p14="http://schemas.microsoft.com/office/powerpoint/2010/main" val="4085471580"/>
       </p:ext>
     </p:extLst>
   </p:cSld>
@@ -2864,7 +2763,7 @@
   <p:cSld>
     <p:spTree>
       <p:nvGrpSpPr>
-        <p:cNvPr id="1" name="Shape 335"/>
+        <p:cNvPr id="1" name="Shape 364"/>
         <p:cNvGrpSpPr/>
         <p:nvPr/>
       </p:nvGrpSpPr>
@@ -2878,7 +2777,45 @@
       </p:grpSpPr>
       <p:sp>
         <p:nvSpPr>
-          <p:cNvPr id="336" name="Google Shape;336;p26:notes"/>
+          <p:cNvPr id="365" name="Google Shape;365;p29:notes"/>
+          <p:cNvSpPr txBox="1">
+            <a:spLocks noGrp="1"/>
+          </p:cNvSpPr>
+          <p:nvPr>
+            <p:ph type="body" idx="1"/>
+          </p:nvPr>
+        </p:nvSpPr>
+        <p:spPr>
+          <a:xfrm>
+            <a:off x="685800" y="4400550"/>
+            <a:ext cx="5486400" cy="3600450"/>
+          </a:xfrm>
+          <a:prstGeom prst="rect">
+            <a:avLst/>
+          </a:prstGeom>
+        </p:spPr>
+        <p:txBody>
+          <a:bodyPr spcFirstLastPara="1" wrap="square" lIns="91425" tIns="45700" rIns="91425" bIns="45700" anchor="t" anchorCtr="0">
+            <a:noAutofit/>
+          </a:bodyPr>
+          <a:lstStyle/>
+          <a:p>
+            <a:pPr marL="0" lvl="0" indent="0" algn="l" rtl="0">
+              <a:spcBef>
+                <a:spcPts val="0"/>
+              </a:spcBef>
+              <a:spcAft>
+                <a:spcPts val="0"/>
+              </a:spcAft>
+              <a:buNone/>
+            </a:pPr>
+            <a:endParaRPr/>
+          </a:p>
+        </p:txBody>
+      </p:sp>
+      <p:sp>
+        <p:nvSpPr>
+          <p:cNvPr id="366" name="Google Shape;366;p29:notes"/>
           <p:cNvSpPr>
             <a:spLocks noGrp="1" noRot="1" noChangeAspect="1"/>
           </p:cNvSpPr>
@@ -2915,112 +2852,9 @@
               </a:path>
             </a:pathLst>
           </a:custGeom>
-          <a:noFill/>
-          <a:ln w="12700" cap="flat" cmpd="sng">
-            <a:solidFill>
-              <a:srgbClr val="000000"/>
-            </a:solidFill>
-            <a:prstDash val="solid"/>
-            <a:round/>
-            <a:headEnd type="none" w="sm" len="sm"/>
-            <a:tailEnd type="none" w="sm" len="sm"/>
-          </a:ln>
         </p:spPr>
       </p:sp>
-      <p:sp>
-        <p:nvSpPr>
-          <p:cNvPr id="337" name="Google Shape;337;p26:notes"/>
-          <p:cNvSpPr txBox="1">
-            <a:spLocks noGrp="1"/>
-          </p:cNvSpPr>
-          <p:nvPr>
-            <p:ph type="body" idx="1"/>
-          </p:nvPr>
-        </p:nvSpPr>
-        <p:spPr>
-          <a:xfrm>
-            <a:off x="685800" y="4400550"/>
-            <a:ext cx="5486400" cy="3600450"/>
-          </a:xfrm>
-          <a:prstGeom prst="rect">
-            <a:avLst/>
-          </a:prstGeom>
-          <a:noFill/>
-          <a:ln>
-            <a:noFill/>
-          </a:ln>
-        </p:spPr>
-        <p:txBody>
-          <a:bodyPr spcFirstLastPara="1" wrap="square" lIns="91425" tIns="45700" rIns="91425" bIns="45700" anchor="t" anchorCtr="0">
-            <a:noAutofit/>
-          </a:bodyPr>
-          <a:lstStyle/>
-          <a:p>
-            <a:pPr marL="0" lvl="0" indent="0" algn="l" rtl="0">
-              <a:spcBef>
-                <a:spcPts val="0"/>
-              </a:spcBef>
-              <a:spcAft>
-                <a:spcPts val="0"/>
-              </a:spcAft>
-              <a:buNone/>
-            </a:pPr>
-            <a:endParaRPr dirty="0"/>
-          </a:p>
-        </p:txBody>
-      </p:sp>
-      <p:sp>
-        <p:nvSpPr>
-          <p:cNvPr id="338" name="Google Shape;338;p26:notes"/>
-          <p:cNvSpPr txBox="1">
-            <a:spLocks noGrp="1"/>
-          </p:cNvSpPr>
-          <p:nvPr>
-            <p:ph type="sldNum" idx="12"/>
-          </p:nvPr>
-        </p:nvSpPr>
-        <p:spPr>
-          <a:xfrm>
-            <a:off x="3884613" y="8685213"/>
-            <a:ext cx="2971800" cy="458787"/>
-          </a:xfrm>
-          <a:prstGeom prst="rect">
-            <a:avLst/>
-          </a:prstGeom>
-          <a:noFill/>
-          <a:ln>
-            <a:noFill/>
-          </a:ln>
-        </p:spPr>
-        <p:txBody>
-          <a:bodyPr spcFirstLastPara="1" wrap="square" lIns="91425" tIns="45700" rIns="91425" bIns="45700" anchor="b" anchorCtr="0">
-            <a:noAutofit/>
-          </a:bodyPr>
-          <a:lstStyle/>
-          <a:p>
-            <a:pPr marL="0" lvl="0" indent="0" algn="r" rtl="0">
-              <a:spcBef>
-                <a:spcPts val="0"/>
-              </a:spcBef>
-              <a:spcAft>
-                <a:spcPts val="0"/>
-              </a:spcAft>
-              <a:buNone/>
-            </a:pPr>
-            <a:fld id="{00000000-1234-1234-1234-123412341234}" type="slidenum">
-              <a:rPr lang="en-US"/>
-              <a:t>9</a:t>
-            </a:fld>
-            <a:endParaRPr/>
-          </a:p>
-        </p:txBody>
-      </p:sp>
     </p:spTree>
-    <p:extLst>
-      <p:ext uri="{BB962C8B-B14F-4D97-AF65-F5344CB8AC3E}">
-        <p14:creationId xmlns:p14="http://schemas.microsoft.com/office/powerpoint/2010/main" val="4085471580"/>
-      </p:ext>
-    </p:extLst>
   </p:cSld>
   <p:clrMapOvr>
     <a:masterClrMapping/>
@@ -11064,249 +10898,6 @@
 </p:sld>
 </file>
 
-<file path=ppt/slides/slide10.xml><?xml version="1.0" encoding="utf-8"?>
-<p:sld xmlns:a="http://schemas.openxmlformats.org/drawingml/2006/main" xmlns:r="http://schemas.openxmlformats.org/officeDocument/2006/relationships" xmlns:p="http://schemas.openxmlformats.org/presentationml/2006/main">
-  <p:cSld>
-    <p:spTree>
-      <p:nvGrpSpPr>
-        <p:cNvPr id="1" name="Shape 367"/>
-        <p:cNvGrpSpPr/>
-        <p:nvPr/>
-      </p:nvGrpSpPr>
-      <p:grpSpPr>
-        <a:xfrm>
-          <a:off x="0" y="0"/>
-          <a:ext cx="0" cy="0"/>
-          <a:chOff x="0" y="0"/>
-          <a:chExt cx="0" cy="0"/>
-        </a:xfrm>
-      </p:grpSpPr>
-      <p:sp>
-        <p:nvSpPr>
-          <p:cNvPr id="368" name="Google Shape;368;p29"/>
-          <p:cNvSpPr txBox="1">
-            <a:spLocks noGrp="1"/>
-          </p:cNvSpPr>
-          <p:nvPr>
-            <p:ph type="dt" idx="10"/>
-          </p:nvPr>
-        </p:nvSpPr>
-        <p:spPr>
-          <a:xfrm>
-            <a:off x="6096000" y="6568457"/>
-            <a:ext cx="2743200" cy="289543"/>
-          </a:xfrm>
-          <a:prstGeom prst="rect">
-            <a:avLst/>
-          </a:prstGeom>
-          <a:solidFill>
-            <a:schemeClr val="accent1"/>
-          </a:solidFill>
-          <a:ln>
-            <a:noFill/>
-          </a:ln>
-        </p:spPr>
-        <p:txBody>
-          <a:bodyPr spcFirstLastPara="1" wrap="square" lIns="91425" tIns="45700" rIns="91425" bIns="45700" anchor="ctr" anchorCtr="0">
-            <a:noAutofit/>
-          </a:bodyPr>
-          <a:lstStyle/>
-          <a:p>
-            <a:pPr marL="0" lvl="0" indent="0" algn="l" rtl="0">
-              <a:spcBef>
-                <a:spcPts val="0"/>
-              </a:spcBef>
-              <a:spcAft>
-                <a:spcPts val="0"/>
-              </a:spcAft>
-              <a:buNone/>
-            </a:pPr>
-            <a:r>
-              <a:rPr lang="tr-TR" dirty="0"/>
-              <a:t>May</a:t>
-            </a:r>
-            <a:r>
-              <a:rPr lang="en-US" dirty="0"/>
-              <a:t> </a:t>
-            </a:r>
-            <a:r>
-              <a:rPr lang="tr-TR" dirty="0"/>
-              <a:t>9</a:t>
-            </a:r>
-            <a:r>
-              <a:rPr lang="en-US" dirty="0"/>
-              <a:t>, 2024</a:t>
-            </a:r>
-            <a:endParaRPr dirty="0"/>
-          </a:p>
-        </p:txBody>
-      </p:sp>
-      <p:sp>
-        <p:nvSpPr>
-          <p:cNvPr id="369" name="Google Shape;369;p29"/>
-          <p:cNvSpPr txBox="1">
-            <a:spLocks noGrp="1"/>
-          </p:cNvSpPr>
-          <p:nvPr>
-            <p:ph type="ftr" idx="11"/>
-          </p:nvPr>
-        </p:nvSpPr>
-        <p:spPr>
-          <a:xfrm>
-            <a:off x="0" y="6568457"/>
-            <a:ext cx="6096000" cy="289543"/>
-          </a:xfrm>
-          <a:prstGeom prst="rect">
-            <a:avLst/>
-          </a:prstGeom>
-          <a:solidFill>
-            <a:schemeClr val="dk1"/>
-          </a:solidFill>
-          <a:ln>
-            <a:noFill/>
-          </a:ln>
-        </p:spPr>
-        <p:txBody>
-          <a:bodyPr spcFirstLastPara="1" wrap="square" lIns="91425" tIns="45700" rIns="91425" bIns="45700" anchor="ctr" anchorCtr="0">
-            <a:noAutofit/>
-          </a:bodyPr>
-          <a:lstStyle/>
-          <a:p>
-            <a:pPr marL="0" lvl="0" indent="0" algn="r" rtl="0">
-              <a:spcBef>
-                <a:spcPts val="0"/>
-              </a:spcBef>
-              <a:spcAft>
-                <a:spcPts val="0"/>
-              </a:spcAft>
-              <a:buNone/>
-            </a:pPr>
-            <a:r>
-              <a:rPr lang="en-US" dirty="0"/>
-              <a:t>CMP-620 Reinforcement Learning – Project Pro</a:t>
-            </a:r>
-            <a:r>
-              <a:rPr lang="tr-TR" dirty="0" err="1"/>
-              <a:t>gress</a:t>
-            </a:r>
-            <a:endParaRPr dirty="0"/>
-          </a:p>
-        </p:txBody>
-      </p:sp>
-      <p:sp>
-        <p:nvSpPr>
-          <p:cNvPr id="370" name="Google Shape;370;p29"/>
-          <p:cNvSpPr txBox="1">
-            <a:spLocks noGrp="1"/>
-          </p:cNvSpPr>
-          <p:nvPr>
-            <p:ph type="sldNum" idx="12"/>
-          </p:nvPr>
-        </p:nvSpPr>
-        <p:spPr>
-          <a:xfrm>
-            <a:off x="8839200" y="6568457"/>
-            <a:ext cx="3352800" cy="289543"/>
-          </a:xfrm>
-          <a:prstGeom prst="rect">
-            <a:avLst/>
-          </a:prstGeom>
-          <a:solidFill>
-            <a:schemeClr val="accent1"/>
-          </a:solidFill>
-          <a:ln>
-            <a:noFill/>
-          </a:ln>
-        </p:spPr>
-        <p:txBody>
-          <a:bodyPr spcFirstLastPara="1" wrap="square" lIns="91425" tIns="45700" rIns="91425" bIns="45700" anchor="ctr" anchorCtr="0">
-            <a:noAutofit/>
-          </a:bodyPr>
-          <a:lstStyle/>
-          <a:p>
-            <a:pPr marL="0" lvl="0" indent="0" algn="r" rtl="0">
-              <a:spcBef>
-                <a:spcPts val="0"/>
-              </a:spcBef>
-              <a:spcAft>
-                <a:spcPts val="0"/>
-              </a:spcAft>
-              <a:buNone/>
-            </a:pPr>
-            <a:fld id="{00000000-1234-1234-1234-123412341234}" type="slidenum">
-              <a:rPr lang="en-US"/>
-              <a:t>10</a:t>
-            </a:fld>
-            <a:endParaRPr/>
-          </a:p>
-        </p:txBody>
-      </p:sp>
-      <p:sp>
-        <p:nvSpPr>
-          <p:cNvPr id="371" name="Google Shape;371;p29"/>
-          <p:cNvSpPr txBox="1"/>
-          <p:nvPr/>
-        </p:nvSpPr>
-        <p:spPr>
-          <a:xfrm>
-            <a:off x="3048000" y="3075057"/>
-            <a:ext cx="6105832" cy="707886"/>
-          </a:xfrm>
-          <a:prstGeom prst="rect">
-            <a:avLst/>
-          </a:prstGeom>
-          <a:noFill/>
-          <a:ln>
-            <a:noFill/>
-          </a:ln>
-        </p:spPr>
-        <p:txBody>
-          <a:bodyPr spcFirstLastPara="1" wrap="square" lIns="91425" tIns="45700" rIns="91425" bIns="45700" anchor="t" anchorCtr="0">
-            <a:spAutoFit/>
-          </a:bodyPr>
-          <a:lstStyle/>
-          <a:p>
-            <a:pPr marL="0" marR="0" lvl="0" indent="0" algn="ctr" rtl="0">
-              <a:spcBef>
-                <a:spcPts val="0"/>
-              </a:spcBef>
-              <a:spcAft>
-                <a:spcPts val="0"/>
-              </a:spcAft>
-              <a:buNone/>
-            </a:pPr>
-            <a:r>
-              <a:rPr lang="en-US" sz="4000" b="0" i="0" u="none" strike="noStrike" cap="none" dirty="0">
-                <a:solidFill>
-                  <a:schemeClr val="dk1"/>
-                </a:solidFill>
-                <a:latin typeface="+mj-lt"/>
-                <a:ea typeface="Calibri"/>
-                <a:cs typeface="Calibri"/>
-                <a:sym typeface="Calibri"/>
-              </a:rPr>
-              <a:t>Thanks for listening.</a:t>
-            </a:r>
-            <a:endParaRPr sz="4000" b="0" i="0" u="none" strike="noStrike" cap="none" dirty="0">
-              <a:solidFill>
-                <a:schemeClr val="dk1"/>
-              </a:solidFill>
-              <a:latin typeface="+mj-lt"/>
-              <a:ea typeface="Calibri"/>
-              <a:cs typeface="Calibri"/>
-              <a:sym typeface="Calibri"/>
-            </a:endParaRPr>
-          </a:p>
-        </p:txBody>
-      </p:sp>
-    </p:spTree>
-  </p:cSld>
-  <p:clrMapOvr>
-    <a:masterClrMapping/>
-  </p:clrMapOvr>
-</p:sld>
-</file>
-
 <file path=ppt/slides/slide2.xml><?xml version="1.0" encoding="utf-8"?>
 <p:sld xmlns:a="http://schemas.openxmlformats.org/drawingml/2006/main" xmlns:r="http://schemas.openxmlformats.org/officeDocument/2006/relationships" xmlns:p="http://schemas.openxmlformats.org/presentationml/2006/main">
   <p:cSld>
@@ -12564,8 +12155,21 @@
             </a:pPr>
             <a:r>
               <a:rPr lang="en-US" dirty="0"/>
-              <a:t>Problems &amp;Solutions with MATLAB</a:t>
+              <a:t>Roll</a:t>
             </a:r>
+            <a:r>
+              <a:rPr lang="tr-TR" dirty="0"/>
+              <a:t> &amp; Pitch PID </a:t>
+            </a:r>
+            <a:r>
+              <a:rPr lang="en-US" dirty="0"/>
+              <a:t>Attitude</a:t>
+            </a:r>
+            <a:r>
+              <a:rPr lang="tr-TR" dirty="0"/>
+              <a:t> Controller</a:t>
+            </a:r>
+            <a:endParaRPr dirty="0"/>
           </a:p>
         </p:txBody>
       </p:sp>
@@ -12671,7 +12275,15 @@
             </a:pPr>
             <a:r>
               <a:rPr lang="en-US" dirty="0"/>
-              <a:t>CMP-620 Reinforcement Learning – Project Pro</a:t>
+              <a:t>CMP-620 Reinforcement Learning – Project</a:t>
+            </a:r>
+            <a:r>
+              <a:rPr lang="tr-TR" dirty="0"/>
+              <a:t> </a:t>
+            </a:r>
+            <a:r>
+              <a:rPr lang="en-US" dirty="0"/>
+              <a:t>Pro</a:t>
             </a:r>
             <a:r>
               <a:rPr lang="tr-TR" dirty="0" err="1"/>
@@ -12729,10 +12341,40 @@
           </a:p>
         </p:txBody>
       </p:sp>
+      <p:pic>
+        <p:nvPicPr>
+          <p:cNvPr id="4" name="Resim 3">
+            <a:extLst>
+              <a:ext uri="{FF2B5EF4-FFF2-40B4-BE49-F238E27FC236}">
+                <a16:creationId xmlns:a16="http://schemas.microsoft.com/office/drawing/2014/main" id="{170F5750-D31F-A672-DA8E-E809803894D4}"/>
+              </a:ext>
+            </a:extLst>
+          </p:cNvPr>
+          <p:cNvPicPr>
+            <a:picLocks noChangeAspect="1"/>
+          </p:cNvPicPr>
+          <p:nvPr/>
+        </p:nvPicPr>
+        <p:blipFill>
+          <a:blip r:embed="rId3"/>
+          <a:stretch>
+            <a:fillRect/>
+          </a:stretch>
+        </p:blipFill>
+        <p:spPr>
+          <a:xfrm>
+            <a:off x="747784" y="1196701"/>
+            <a:ext cx="10696431" cy="4464597"/>
+          </a:xfrm>
+          <a:prstGeom prst="rect">
+            <a:avLst/>
+          </a:prstGeom>
+        </p:spPr>
+      </p:pic>
     </p:spTree>
     <p:extLst>
       <p:ext uri="{BB962C8B-B14F-4D97-AF65-F5344CB8AC3E}">
-        <p14:creationId xmlns:p14="http://schemas.microsoft.com/office/powerpoint/2010/main" val="2783319638"/>
+        <p14:creationId xmlns:p14="http://schemas.microsoft.com/office/powerpoint/2010/main" val="1537589038"/>
       </p:ext>
     </p:extLst>
   </p:cSld>
@@ -12813,15 +12455,7 @@
             </a:r>
             <a:r>
               <a:rPr lang="tr-TR" dirty="0"/>
-              <a:t> &amp; Pitch PID </a:t>
-            </a:r>
-            <a:r>
-              <a:rPr lang="en-US" dirty="0"/>
-              <a:t>Attitude</a:t>
-            </a:r>
-            <a:r>
-              <a:rPr lang="tr-TR" dirty="0"/>
-              <a:t> Controller</a:t>
+              <a:t> &amp; Pitch RL Agent</a:t>
             </a:r>
             <a:endParaRPr dirty="0"/>
           </a:p>
@@ -13000,7 +12634,7 @@
           <p:cNvPr id="4" name="Resim 3">
             <a:extLst>
               <a:ext uri="{FF2B5EF4-FFF2-40B4-BE49-F238E27FC236}">
-                <a16:creationId xmlns:a16="http://schemas.microsoft.com/office/drawing/2014/main" id="{170F5750-D31F-A672-DA8E-E809803894D4}"/>
+                <a16:creationId xmlns:a16="http://schemas.microsoft.com/office/drawing/2014/main" id="{80EEFE17-561A-4DBC-CA4F-179976E800DE}"/>
               </a:ext>
             </a:extLst>
           </p:cNvPr>
@@ -13017,24 +12651,1013 @@
         </p:blipFill>
         <p:spPr>
           <a:xfrm>
-            <a:off x="747784" y="1196701"/>
-            <a:ext cx="10696431" cy="4464597"/>
+            <a:off x="215072" y="2324533"/>
+            <a:ext cx="11761856" cy="2208934"/>
           </a:xfrm>
           <a:prstGeom prst="rect">
             <a:avLst/>
           </a:prstGeom>
         </p:spPr>
       </p:pic>
+      <p:sp>
+        <p:nvSpPr>
+          <p:cNvPr id="2" name="TextBox 1">
+            <a:extLst>
+              <a:ext uri="{FF2B5EF4-FFF2-40B4-BE49-F238E27FC236}">
+                <a16:creationId xmlns:a16="http://schemas.microsoft.com/office/drawing/2014/main" id="{802E848C-F4BB-4D86-B30E-0F5ADC8BDEC8}"/>
+              </a:ext>
+            </a:extLst>
+          </p:cNvPr>
+          <p:cNvSpPr txBox="1"/>
+          <p:nvPr/>
+        </p:nvSpPr>
+        <p:spPr>
+          <a:xfrm>
+            <a:off x="655780" y="4454859"/>
+            <a:ext cx="2927929" cy="1815882"/>
+          </a:xfrm>
+          <a:prstGeom prst="rect">
+            <a:avLst/>
+          </a:prstGeom>
+          <a:noFill/>
+        </p:spPr>
+        <p:txBody>
+          <a:bodyPr wrap="square" rtlCol="0">
+            <a:spAutoFit/>
+          </a:bodyPr>
+          <a:lstStyle/>
+          <a:p>
+            <a:r>
+              <a:rPr lang="en-US" sz="1600" b="1" dirty="0"/>
+              <a:t>Observation States</a:t>
+            </a:r>
+          </a:p>
+          <a:p>
+            <a:pPr marL="285750" indent="-285750">
+              <a:buFont typeface="Arial" panose="020B0604020202020204" pitchFamily="34" charset="0"/>
+              <a:buChar char="•"/>
+            </a:pPr>
+            <a:r>
+              <a:rPr lang="en-US" sz="1600" dirty="0"/>
+              <a:t>Roll angle reference</a:t>
+            </a:r>
+          </a:p>
+          <a:p>
+            <a:pPr marL="285750" indent="-285750">
+              <a:buFont typeface="Arial" panose="020B0604020202020204" pitchFamily="34" charset="0"/>
+              <a:buChar char="•"/>
+            </a:pPr>
+            <a:r>
+              <a:rPr lang="en-US" sz="1600" dirty="0"/>
+              <a:t>Pitch angle reference</a:t>
+            </a:r>
+          </a:p>
+          <a:p>
+            <a:pPr marL="285750" indent="-285750">
+              <a:buFont typeface="Arial" panose="020B0604020202020204" pitchFamily="34" charset="0"/>
+              <a:buChar char="•"/>
+            </a:pPr>
+            <a:r>
+              <a:rPr lang="en-US" sz="1600" dirty="0"/>
+              <a:t>Estimated Roll angle</a:t>
+            </a:r>
+          </a:p>
+          <a:p>
+            <a:pPr marL="285750" indent="-285750">
+              <a:buFont typeface="Arial" panose="020B0604020202020204" pitchFamily="34" charset="0"/>
+              <a:buChar char="•"/>
+            </a:pPr>
+            <a:r>
+              <a:rPr lang="en-US" sz="1600" dirty="0"/>
+              <a:t>Estimated Pitch angle</a:t>
+            </a:r>
+          </a:p>
+          <a:p>
+            <a:pPr marL="285750" indent="-285750">
+              <a:buFont typeface="Arial" panose="020B0604020202020204" pitchFamily="34" charset="0"/>
+              <a:buChar char="•"/>
+            </a:pPr>
+            <a:r>
+              <a:rPr lang="en-US" sz="1600" dirty="0"/>
+              <a:t>Estimated Roll body rate</a:t>
+            </a:r>
+          </a:p>
+          <a:p>
+            <a:pPr marL="285750" indent="-285750">
+              <a:buFont typeface="Arial" panose="020B0604020202020204" pitchFamily="34" charset="0"/>
+              <a:buChar char="•"/>
+            </a:pPr>
+            <a:r>
+              <a:rPr lang="en-US" sz="1600" dirty="0"/>
+              <a:t>Estimated Pitch body rate</a:t>
+            </a:r>
+          </a:p>
+        </p:txBody>
+      </p:sp>
+      <p:cxnSp>
+        <p:nvCxnSpPr>
+          <p:cNvPr id="5" name="Straight Arrow Connector 4">
+            <a:extLst>
+              <a:ext uri="{FF2B5EF4-FFF2-40B4-BE49-F238E27FC236}">
+                <a16:creationId xmlns:a16="http://schemas.microsoft.com/office/drawing/2014/main" id="{AA926BE6-6CC1-424B-9BBA-64D6FD0624D6}"/>
+              </a:ext>
+            </a:extLst>
+          </p:cNvPr>
+          <p:cNvCxnSpPr>
+            <a:cxnSpLocks/>
+          </p:cNvCxnSpPr>
+          <p:nvPr/>
+        </p:nvCxnSpPr>
+        <p:spPr>
+          <a:xfrm flipH="1">
+            <a:off x="960582" y="3260436"/>
+            <a:ext cx="1062183" cy="1194423"/>
+          </a:xfrm>
+          <a:prstGeom prst="straightConnector1">
+            <a:avLst/>
+          </a:prstGeom>
+          <a:ln w="28575">
+            <a:tailEnd type="triangle"/>
+          </a:ln>
+        </p:spPr>
+        <p:style>
+          <a:lnRef idx="1">
+            <a:schemeClr val="accent1"/>
+          </a:lnRef>
+          <a:fillRef idx="0">
+            <a:schemeClr val="accent1"/>
+          </a:fillRef>
+          <a:effectRef idx="0">
+            <a:schemeClr val="accent1"/>
+          </a:effectRef>
+          <a:fontRef idx="minor">
+            <a:schemeClr val="tx1"/>
+          </a:fontRef>
+        </p:style>
+      </p:cxnSp>
+      <p:sp>
+        <p:nvSpPr>
+          <p:cNvPr id="15" name="TextBox 14">
+            <a:extLst>
+              <a:ext uri="{FF2B5EF4-FFF2-40B4-BE49-F238E27FC236}">
+                <a16:creationId xmlns:a16="http://schemas.microsoft.com/office/drawing/2014/main" id="{DE859ACC-61E3-48F2-B85B-8D3DFE668C84}"/>
+              </a:ext>
+            </a:extLst>
+          </p:cNvPr>
+          <p:cNvSpPr txBox="1"/>
+          <p:nvPr/>
+        </p:nvSpPr>
+        <p:spPr>
+          <a:xfrm>
+            <a:off x="8437415" y="4442966"/>
+            <a:ext cx="1944257" cy="830997"/>
+          </a:xfrm>
+          <a:prstGeom prst="rect">
+            <a:avLst/>
+          </a:prstGeom>
+          <a:noFill/>
+        </p:spPr>
+        <p:txBody>
+          <a:bodyPr wrap="square" rtlCol="0">
+            <a:spAutoFit/>
+          </a:bodyPr>
+          <a:lstStyle/>
+          <a:p>
+            <a:r>
+              <a:rPr lang="tr-TR" sz="1600" b="1" dirty="0"/>
+              <a:t>Action</a:t>
+            </a:r>
+            <a:r>
+              <a:rPr lang="en-US" sz="1600" b="1" dirty="0"/>
+              <a:t> States</a:t>
+            </a:r>
+          </a:p>
+          <a:p>
+            <a:pPr marL="285750" indent="-285750">
+              <a:buFont typeface="Arial" panose="020B0604020202020204" pitchFamily="34" charset="0"/>
+              <a:buChar char="•"/>
+            </a:pPr>
+            <a:r>
+              <a:rPr lang="tr-TR" sz="1600" dirty="0"/>
+              <a:t>Tau Pitch</a:t>
+            </a:r>
+            <a:endParaRPr lang="en-US" sz="1600" dirty="0"/>
+          </a:p>
+          <a:p>
+            <a:pPr marL="285750" indent="-285750">
+              <a:buFont typeface="Arial" panose="020B0604020202020204" pitchFamily="34" charset="0"/>
+              <a:buChar char="•"/>
+            </a:pPr>
+            <a:r>
+              <a:rPr lang="tr-TR" sz="1600" dirty="0"/>
+              <a:t>Tau Roll</a:t>
+            </a:r>
+            <a:endParaRPr lang="en-US" sz="1600" dirty="0"/>
+          </a:p>
+        </p:txBody>
+      </p:sp>
+      <p:cxnSp>
+        <p:nvCxnSpPr>
+          <p:cNvPr id="16" name="Straight Arrow Connector 15">
+            <a:extLst>
+              <a:ext uri="{FF2B5EF4-FFF2-40B4-BE49-F238E27FC236}">
+                <a16:creationId xmlns:a16="http://schemas.microsoft.com/office/drawing/2014/main" id="{7E1EFE73-253F-479E-898F-9A64453A3931}"/>
+              </a:ext>
+            </a:extLst>
+          </p:cNvPr>
+          <p:cNvCxnSpPr>
+            <a:cxnSpLocks/>
+          </p:cNvCxnSpPr>
+          <p:nvPr/>
+        </p:nvCxnSpPr>
+        <p:spPr>
+          <a:xfrm>
+            <a:off x="8659094" y="3664055"/>
+            <a:ext cx="411015" cy="797383"/>
+          </a:xfrm>
+          <a:prstGeom prst="straightConnector1">
+            <a:avLst/>
+          </a:prstGeom>
+          <a:ln w="28575">
+            <a:tailEnd type="triangle"/>
+          </a:ln>
+        </p:spPr>
+        <p:style>
+          <a:lnRef idx="1">
+            <a:schemeClr val="accent1"/>
+          </a:lnRef>
+          <a:fillRef idx="0">
+            <a:schemeClr val="accent1"/>
+          </a:fillRef>
+          <a:effectRef idx="0">
+            <a:schemeClr val="accent1"/>
+          </a:effectRef>
+          <a:fontRef idx="minor">
+            <a:schemeClr val="tx1"/>
+          </a:fontRef>
+        </p:style>
+      </p:cxnSp>
+      <mc:AlternateContent xmlns:mc="http://schemas.openxmlformats.org/markup-compatibility/2006">
+        <mc:Choice xmlns:a14="http://schemas.microsoft.com/office/drawing/2010/main" Requires="a14">
+          <p:sp>
+            <p:nvSpPr>
+              <p:cNvPr id="19" name="TextBox 18">
+                <a:extLst>
+                  <a:ext uri="{FF2B5EF4-FFF2-40B4-BE49-F238E27FC236}">
+                    <a16:creationId xmlns:a16="http://schemas.microsoft.com/office/drawing/2014/main" id="{245823EB-B7FF-4C21-A4EF-F798DD6647E0}"/>
+                  </a:ext>
+                </a:extLst>
+              </p:cNvPr>
+              <p:cNvSpPr txBox="1"/>
+              <p:nvPr/>
+            </p:nvSpPr>
+            <p:spPr>
+              <a:xfrm>
+                <a:off x="2327567" y="1551710"/>
+                <a:ext cx="4507345" cy="404663"/>
+              </a:xfrm>
+              <a:prstGeom prst="rect">
+                <a:avLst/>
+              </a:prstGeom>
+              <a:noFill/>
+            </p:spPr>
+            <p:txBody>
+              <a:bodyPr wrap="square">
+                <a:spAutoFit/>
+              </a:bodyPr>
+              <a:lstStyle/>
+              <a:p>
+                <a:pPr marL="457200" lvl="1" algn="ctr">
+                  <a:lnSpc>
+                    <a:spcPct val="110000"/>
+                  </a:lnSpc>
+                  <a:spcBef>
+                    <a:spcPts val="600"/>
+                  </a:spcBef>
+                  <a:buClr>
+                    <a:schemeClr val="accent1"/>
+                  </a:buClr>
+                  <a:buSzPct val="119999"/>
+                </a:pPr>
+                <a14:m>
+                  <m:oMath xmlns:m="http://schemas.openxmlformats.org/officeDocument/2006/math">
+                    <m:sSub>
+                      <m:sSubPr>
+                        <m:ctrlPr>
+                          <a:rPr lang="ar-AE" sz="2000" i="1" smtClean="0">
+                            <a:latin typeface="Cambria Math" panose="02040503050406030204" pitchFamily="18" charset="0"/>
+                          </a:rPr>
+                        </m:ctrlPr>
+                      </m:sSubPr>
+                      <m:e>
+                        <m:r>
+                          <m:rPr>
+                            <m:nor/>
+                          </m:rPr>
+                          <a:rPr lang="en-US" sz="2000" i="1" smtClean="0">
+                            <a:latin typeface="+mj-lt"/>
+                          </a:rPr>
+                          <m:t>r</m:t>
+                        </m:r>
+                      </m:e>
+                      <m:sub>
+                        <m:r>
+                          <a:rPr lang="ar-AE" sz="2000" b="0" i="1" dirty="0" smtClean="0">
+                            <a:latin typeface="Cambria Math" panose="02040503050406030204" pitchFamily="18" charset="0"/>
+                          </a:rPr>
+                          <m:t>𝑡</m:t>
+                        </m:r>
+                      </m:sub>
+                    </m:sSub>
+                  </m:oMath>
+                </a14:m>
+                <a:r>
+                  <a:rPr lang="tr-TR" sz="2000" i="1" u="none" strike="noStrike" baseline="0" dirty="0">
+                    <a:latin typeface="+mj-lt"/>
+                  </a:rPr>
+                  <a:t>= -</a:t>
+                </a:r>
+                <a:r>
+                  <a:rPr lang="en-US" sz="2000" i="1" u="none" strike="noStrike" baseline="0" dirty="0">
+                    <a:latin typeface="+mj-lt"/>
+                  </a:rPr>
+                  <a:t>clip(sum(|</a:t>
+                </a:r>
+                <a14:m>
+                  <m:oMath xmlns:m="http://schemas.openxmlformats.org/officeDocument/2006/math">
+                    <m:sSub>
+                      <m:sSubPr>
+                        <m:ctrlPr>
+                          <a:rPr lang="ar-AE" sz="2000" i="1">
+                            <a:latin typeface="Cambria Math" panose="02040503050406030204" pitchFamily="18" charset="0"/>
+                          </a:rPr>
+                        </m:ctrlPr>
+                      </m:sSubPr>
+                      <m:e>
+                        <m:r>
+                          <m:rPr>
+                            <m:nor/>
+                          </m:rPr>
+                          <a:rPr lang="tr-TR" sz="2000" i="1" smtClean="0">
+                            <a:latin typeface="+mj-lt"/>
+                          </a:rPr>
+                          <m:t>e</m:t>
+                        </m:r>
+                      </m:e>
+                      <m:sub>
+                        <m:r>
+                          <a:rPr lang="ar-AE" sz="2000" b="0" i="1" dirty="0">
+                            <a:latin typeface="Cambria Math" panose="02040503050406030204" pitchFamily="18" charset="0"/>
+                          </a:rPr>
+                          <m:t>𝑡</m:t>
+                        </m:r>
+                      </m:sub>
+                    </m:sSub>
+                  </m:oMath>
+                </a14:m>
+                <a:r>
+                  <a:rPr lang="tr-TR" sz="2000" i="1" u="none" strike="noStrike" cap="none" dirty="0">
+                    <a:solidFill>
+                      <a:schemeClr val="dk1"/>
+                    </a:solidFill>
+                    <a:latin typeface="+mj-lt"/>
+                    <a:sym typeface="Arial"/>
+                  </a:rPr>
+                  <a:t>|/3</a:t>
+                </a:r>
+                <a:r>
+                  <a:rPr lang="ar-AE" sz="2000" dirty="0">
+                    <a:latin typeface="+mj-lt"/>
+                  </a:rPr>
+                  <a:t> </a:t>
+                </a:r>
+                <a14:m>
+                  <m:oMath xmlns:m="http://schemas.openxmlformats.org/officeDocument/2006/math">
+                    <m:sSub>
+                      <m:sSubPr>
+                        <m:ctrlPr>
+                          <a:rPr lang="ar-AE" sz="2000" i="1">
+                            <a:latin typeface="Cambria Math" panose="02040503050406030204" pitchFamily="18" charset="0"/>
+                          </a:rPr>
+                        </m:ctrlPr>
+                      </m:sSubPr>
+                      <m:e>
+                        <m:r>
+                          <m:rPr>
+                            <m:nor/>
+                          </m:rPr>
+                          <a:rPr lang="el-GR" sz="2000" i="1" dirty="0">
+                            <a:latin typeface="+mj-lt"/>
+                          </a:rPr>
+                          <m:t>Ω</m:t>
+                        </m:r>
+                      </m:e>
+                      <m:sub>
+                        <m:r>
+                          <a:rPr lang="ar-AE" sz="2000" b="0" i="1">
+                            <a:latin typeface="Cambria Math" panose="02040503050406030204" pitchFamily="18" charset="0"/>
+                          </a:rPr>
+                          <m:t>𝑚𝑎𝑥</m:t>
+                        </m:r>
+                      </m:sub>
+                    </m:sSub>
+                  </m:oMath>
+                </a14:m>
+                <a:r>
+                  <a:rPr lang="tr-TR" sz="2000" i="1" u="none" strike="noStrike" cap="none" dirty="0">
+                    <a:solidFill>
+                      <a:schemeClr val="dk1"/>
+                    </a:solidFill>
+                    <a:latin typeface="+mj-lt"/>
+                    <a:sym typeface="Arial"/>
+                  </a:rPr>
+                  <a:t>,0,1)</a:t>
+                </a:r>
+                <a:endParaRPr lang="ar-AE" sz="2000" i="1" u="none" strike="noStrike" cap="none" dirty="0">
+                  <a:solidFill>
+                    <a:schemeClr val="dk1"/>
+                  </a:solidFill>
+                  <a:latin typeface="+mj-lt"/>
+                  <a:sym typeface="Arial"/>
+                </a:endParaRPr>
+              </a:p>
+            </p:txBody>
+          </p:sp>
+        </mc:Choice>
+        <mc:Fallback>
+          <p:sp>
+            <p:nvSpPr>
+              <p:cNvPr id="19" name="TextBox 18">
+                <a:extLst>
+                  <a:ext uri="{FF2B5EF4-FFF2-40B4-BE49-F238E27FC236}">
+                    <a16:creationId xmlns:a16="http://schemas.microsoft.com/office/drawing/2014/main" id="{245823EB-B7FF-4C21-A4EF-F798DD6647E0}"/>
+                  </a:ext>
+                </a:extLst>
+              </p:cNvPr>
+              <p:cNvSpPr txBox="1">
+                <a:spLocks noRot="1" noChangeAspect="1" noMove="1" noResize="1" noEditPoints="1" noAdjustHandles="1" noChangeArrowheads="1" noChangeShapeType="1" noTextEdit="1"/>
+              </p:cNvSpPr>
+              <p:nvPr/>
+            </p:nvSpPr>
+            <p:spPr>
+              <a:xfrm>
+                <a:off x="2327567" y="1551710"/>
+                <a:ext cx="4507345" cy="404663"/>
+              </a:xfrm>
+              <a:prstGeom prst="rect">
+                <a:avLst/>
+              </a:prstGeom>
+              <a:blipFill>
+                <a:blip r:embed="rId4"/>
+                <a:stretch>
+                  <a:fillRect t="-7576" b="-27273"/>
+                </a:stretch>
+              </a:blipFill>
+            </p:spPr>
+            <p:txBody>
+              <a:bodyPr/>
+              <a:lstStyle/>
+              <a:p>
+                <a:r>
+                  <a:rPr lang="en-US">
+                    <a:noFill/>
+                  </a:rPr>
+                  <a:t> </a:t>
+                </a:r>
+              </a:p>
+            </p:txBody>
+          </p:sp>
+        </mc:Fallback>
+      </mc:AlternateContent>
+      <p:cxnSp>
+        <p:nvCxnSpPr>
+          <p:cNvPr id="20" name="Straight Arrow Connector 19">
+            <a:extLst>
+              <a:ext uri="{FF2B5EF4-FFF2-40B4-BE49-F238E27FC236}">
+                <a16:creationId xmlns:a16="http://schemas.microsoft.com/office/drawing/2014/main" id="{7F5CB95E-DC55-443B-8C36-988130A40D48}"/>
+              </a:ext>
+            </a:extLst>
+          </p:cNvPr>
+          <p:cNvCxnSpPr>
+            <a:cxnSpLocks/>
+            <a:endCxn id="19" idx="2"/>
+          </p:cNvCxnSpPr>
+          <p:nvPr/>
+        </p:nvCxnSpPr>
+        <p:spPr>
+          <a:xfrm flipV="1">
+            <a:off x="4322618" y="1956373"/>
+            <a:ext cx="258622" cy="1689210"/>
+          </a:xfrm>
+          <a:prstGeom prst="straightConnector1">
+            <a:avLst/>
+          </a:prstGeom>
+          <a:ln w="28575">
+            <a:tailEnd type="triangle"/>
+          </a:ln>
+        </p:spPr>
+        <p:style>
+          <a:lnRef idx="1">
+            <a:schemeClr val="accent1"/>
+          </a:lnRef>
+          <a:fillRef idx="0">
+            <a:schemeClr val="accent1"/>
+          </a:fillRef>
+          <a:effectRef idx="0">
+            <a:schemeClr val="accent1"/>
+          </a:effectRef>
+          <a:fontRef idx="minor">
+            <a:schemeClr val="tx1"/>
+          </a:fontRef>
+        </p:style>
+      </p:cxnSp>
     </p:spTree>
     <p:extLst>
       <p:ext uri="{BB962C8B-B14F-4D97-AF65-F5344CB8AC3E}">
-        <p14:creationId xmlns:p14="http://schemas.microsoft.com/office/powerpoint/2010/main" val="1537589038"/>
+        <p14:creationId xmlns:p14="http://schemas.microsoft.com/office/powerpoint/2010/main" val="981527073"/>
       </p:ext>
     </p:extLst>
   </p:cSld>
   <p:clrMapOvr>
     <a:masterClrMapping/>
   </p:clrMapOvr>
+  <p:timing>
+    <p:tnLst>
+      <p:par>
+        <p:cTn id="1" dur="indefinite" restart="never" nodeType="tmRoot">
+          <p:childTnLst>
+            <p:seq concurrent="1" nextAc="seek">
+              <p:cTn id="2" dur="indefinite" nodeType="mainSeq">
+                <p:childTnLst>
+                  <p:par>
+                    <p:cTn id="3" fill="hold">
+                      <p:stCondLst>
+                        <p:cond delay="indefinite"/>
+                        <p:cond evt="onBegin" delay="0">
+                          <p:tn val="2"/>
+                        </p:cond>
+                      </p:stCondLst>
+                      <p:childTnLst>
+                        <p:par>
+                          <p:cTn id="4" fill="hold">
+                            <p:stCondLst>
+                              <p:cond delay="0"/>
+                            </p:stCondLst>
+                            <p:childTnLst>
+                              <p:par>
+                                <p:cTn id="5" presetID="1" presetClass="entr" presetSubtype="0" fill="hold" nodeType="withEffect">
+                                  <p:stCondLst>
+                                    <p:cond delay="0"/>
+                                  </p:stCondLst>
+                                  <p:childTnLst>
+                                    <p:set>
+                                      <p:cBhvr>
+                                        <p:cTn id="6" dur="1" fill="hold">
+                                          <p:stCondLst>
+                                            <p:cond delay="0"/>
+                                          </p:stCondLst>
+                                        </p:cTn>
+                                        <p:tgtEl>
+                                          <p:spTgt spid="4"/>
+                                        </p:tgtEl>
+                                        <p:attrNameLst>
+                                          <p:attrName>style.visibility</p:attrName>
+                                        </p:attrNameLst>
+                                      </p:cBhvr>
+                                      <p:to>
+                                        <p:strVal val="visible"/>
+                                      </p:to>
+                                    </p:set>
+                                  </p:childTnLst>
+                                </p:cTn>
+                              </p:par>
+                            </p:childTnLst>
+                          </p:cTn>
+                        </p:par>
+                      </p:childTnLst>
+                    </p:cTn>
+                  </p:par>
+                  <p:par>
+                    <p:cTn id="7" fill="hold">
+                      <p:stCondLst>
+                        <p:cond delay="indefinite"/>
+                      </p:stCondLst>
+                      <p:childTnLst>
+                        <p:par>
+                          <p:cTn id="8" fill="hold">
+                            <p:stCondLst>
+                              <p:cond delay="0"/>
+                            </p:stCondLst>
+                            <p:childTnLst>
+                              <p:par>
+                                <p:cTn id="9" presetID="10" presetClass="entr" presetSubtype="0" fill="hold" nodeType="clickEffect">
+                                  <p:stCondLst>
+                                    <p:cond delay="0"/>
+                                  </p:stCondLst>
+                                  <p:childTnLst>
+                                    <p:set>
+                                      <p:cBhvr>
+                                        <p:cTn id="10" dur="1" fill="hold">
+                                          <p:stCondLst>
+                                            <p:cond delay="0"/>
+                                          </p:stCondLst>
+                                        </p:cTn>
+                                        <p:tgtEl>
+                                          <p:spTgt spid="5"/>
+                                        </p:tgtEl>
+                                        <p:attrNameLst>
+                                          <p:attrName>style.visibility</p:attrName>
+                                        </p:attrNameLst>
+                                      </p:cBhvr>
+                                      <p:to>
+                                        <p:strVal val="visible"/>
+                                      </p:to>
+                                    </p:set>
+                                    <p:animEffect transition="in" filter="fade">
+                                      <p:cBhvr>
+                                        <p:cTn id="11" dur="1000"/>
+                                        <p:tgtEl>
+                                          <p:spTgt spid="5"/>
+                                        </p:tgtEl>
+                                      </p:cBhvr>
+                                    </p:animEffect>
+                                  </p:childTnLst>
+                                </p:cTn>
+                              </p:par>
+                              <p:par>
+                                <p:cTn id="12" presetID="53" presetClass="entr" presetSubtype="16" fill="hold" grpId="0" nodeType="withEffect">
+                                  <p:stCondLst>
+                                    <p:cond delay="0"/>
+                                  </p:stCondLst>
+                                  <p:childTnLst>
+                                    <p:set>
+                                      <p:cBhvr>
+                                        <p:cTn id="13" dur="1" fill="hold">
+                                          <p:stCondLst>
+                                            <p:cond delay="0"/>
+                                          </p:stCondLst>
+                                        </p:cTn>
+                                        <p:tgtEl>
+                                          <p:spTgt spid="2"/>
+                                        </p:tgtEl>
+                                        <p:attrNameLst>
+                                          <p:attrName>style.visibility</p:attrName>
+                                        </p:attrNameLst>
+                                      </p:cBhvr>
+                                      <p:to>
+                                        <p:strVal val="visible"/>
+                                      </p:to>
+                                    </p:set>
+                                    <p:anim calcmode="lin" valueType="num">
+                                      <p:cBhvr>
+                                        <p:cTn id="14" dur="500" fill="hold"/>
+                                        <p:tgtEl>
+                                          <p:spTgt spid="2"/>
+                                        </p:tgtEl>
+                                        <p:attrNameLst>
+                                          <p:attrName>ppt_w</p:attrName>
+                                        </p:attrNameLst>
+                                      </p:cBhvr>
+                                      <p:tavLst>
+                                        <p:tav tm="0">
+                                          <p:val>
+                                            <p:fltVal val="0"/>
+                                          </p:val>
+                                        </p:tav>
+                                        <p:tav tm="100000">
+                                          <p:val>
+                                            <p:strVal val="#ppt_w"/>
+                                          </p:val>
+                                        </p:tav>
+                                      </p:tavLst>
+                                    </p:anim>
+                                    <p:anim calcmode="lin" valueType="num">
+                                      <p:cBhvr>
+                                        <p:cTn id="15" dur="500" fill="hold"/>
+                                        <p:tgtEl>
+                                          <p:spTgt spid="2"/>
+                                        </p:tgtEl>
+                                        <p:attrNameLst>
+                                          <p:attrName>ppt_h</p:attrName>
+                                        </p:attrNameLst>
+                                      </p:cBhvr>
+                                      <p:tavLst>
+                                        <p:tav tm="0">
+                                          <p:val>
+                                            <p:fltVal val="0"/>
+                                          </p:val>
+                                        </p:tav>
+                                        <p:tav tm="100000">
+                                          <p:val>
+                                            <p:strVal val="#ppt_h"/>
+                                          </p:val>
+                                        </p:tav>
+                                      </p:tavLst>
+                                    </p:anim>
+                                    <p:animEffect transition="in" filter="fade">
+                                      <p:cBhvr>
+                                        <p:cTn id="16" dur="500"/>
+                                        <p:tgtEl>
+                                          <p:spTgt spid="2"/>
+                                        </p:tgtEl>
+                                      </p:cBhvr>
+                                    </p:animEffect>
+                                  </p:childTnLst>
+                                </p:cTn>
+                              </p:par>
+                            </p:childTnLst>
+                          </p:cTn>
+                        </p:par>
+                      </p:childTnLst>
+                    </p:cTn>
+                  </p:par>
+                  <p:par>
+                    <p:cTn id="17" fill="hold">
+                      <p:stCondLst>
+                        <p:cond delay="indefinite"/>
+                      </p:stCondLst>
+                      <p:childTnLst>
+                        <p:par>
+                          <p:cTn id="18" fill="hold">
+                            <p:stCondLst>
+                              <p:cond delay="0"/>
+                            </p:stCondLst>
+                            <p:childTnLst>
+                              <p:par>
+                                <p:cTn id="19" presetID="10" presetClass="entr" presetSubtype="0" fill="hold" nodeType="clickEffect">
+                                  <p:stCondLst>
+                                    <p:cond delay="0"/>
+                                  </p:stCondLst>
+                                  <p:childTnLst>
+                                    <p:set>
+                                      <p:cBhvr>
+                                        <p:cTn id="20" dur="1" fill="hold">
+                                          <p:stCondLst>
+                                            <p:cond delay="0"/>
+                                          </p:stCondLst>
+                                        </p:cTn>
+                                        <p:tgtEl>
+                                          <p:spTgt spid="16"/>
+                                        </p:tgtEl>
+                                        <p:attrNameLst>
+                                          <p:attrName>style.visibility</p:attrName>
+                                        </p:attrNameLst>
+                                      </p:cBhvr>
+                                      <p:to>
+                                        <p:strVal val="visible"/>
+                                      </p:to>
+                                    </p:set>
+                                    <p:animEffect transition="in" filter="fade">
+                                      <p:cBhvr>
+                                        <p:cTn id="21" dur="1000"/>
+                                        <p:tgtEl>
+                                          <p:spTgt spid="16"/>
+                                        </p:tgtEl>
+                                      </p:cBhvr>
+                                    </p:animEffect>
+                                  </p:childTnLst>
+                                </p:cTn>
+                              </p:par>
+                              <p:par>
+                                <p:cTn id="22" presetID="53" presetClass="entr" presetSubtype="16" fill="hold" grpId="0" nodeType="withEffect">
+                                  <p:stCondLst>
+                                    <p:cond delay="0"/>
+                                  </p:stCondLst>
+                                  <p:childTnLst>
+                                    <p:set>
+                                      <p:cBhvr>
+                                        <p:cTn id="23" dur="1" fill="hold">
+                                          <p:stCondLst>
+                                            <p:cond delay="0"/>
+                                          </p:stCondLst>
+                                        </p:cTn>
+                                        <p:tgtEl>
+                                          <p:spTgt spid="15"/>
+                                        </p:tgtEl>
+                                        <p:attrNameLst>
+                                          <p:attrName>style.visibility</p:attrName>
+                                        </p:attrNameLst>
+                                      </p:cBhvr>
+                                      <p:to>
+                                        <p:strVal val="visible"/>
+                                      </p:to>
+                                    </p:set>
+                                    <p:anim calcmode="lin" valueType="num">
+                                      <p:cBhvr>
+                                        <p:cTn id="24" dur="500" fill="hold"/>
+                                        <p:tgtEl>
+                                          <p:spTgt spid="15"/>
+                                        </p:tgtEl>
+                                        <p:attrNameLst>
+                                          <p:attrName>ppt_w</p:attrName>
+                                        </p:attrNameLst>
+                                      </p:cBhvr>
+                                      <p:tavLst>
+                                        <p:tav tm="0">
+                                          <p:val>
+                                            <p:fltVal val="0"/>
+                                          </p:val>
+                                        </p:tav>
+                                        <p:tav tm="100000">
+                                          <p:val>
+                                            <p:strVal val="#ppt_w"/>
+                                          </p:val>
+                                        </p:tav>
+                                      </p:tavLst>
+                                    </p:anim>
+                                    <p:anim calcmode="lin" valueType="num">
+                                      <p:cBhvr>
+                                        <p:cTn id="25" dur="500" fill="hold"/>
+                                        <p:tgtEl>
+                                          <p:spTgt spid="15"/>
+                                        </p:tgtEl>
+                                        <p:attrNameLst>
+                                          <p:attrName>ppt_h</p:attrName>
+                                        </p:attrNameLst>
+                                      </p:cBhvr>
+                                      <p:tavLst>
+                                        <p:tav tm="0">
+                                          <p:val>
+                                            <p:fltVal val="0"/>
+                                          </p:val>
+                                        </p:tav>
+                                        <p:tav tm="100000">
+                                          <p:val>
+                                            <p:strVal val="#ppt_h"/>
+                                          </p:val>
+                                        </p:tav>
+                                      </p:tavLst>
+                                    </p:anim>
+                                    <p:animEffect transition="in" filter="fade">
+                                      <p:cBhvr>
+                                        <p:cTn id="26" dur="500"/>
+                                        <p:tgtEl>
+                                          <p:spTgt spid="15"/>
+                                        </p:tgtEl>
+                                      </p:cBhvr>
+                                    </p:animEffect>
+                                  </p:childTnLst>
+                                </p:cTn>
+                              </p:par>
+                            </p:childTnLst>
+                          </p:cTn>
+                        </p:par>
+                      </p:childTnLst>
+                    </p:cTn>
+                  </p:par>
+                  <p:par>
+                    <p:cTn id="27" fill="hold">
+                      <p:stCondLst>
+                        <p:cond delay="indefinite"/>
+                      </p:stCondLst>
+                      <p:childTnLst>
+                        <p:par>
+                          <p:cTn id="28" fill="hold">
+                            <p:stCondLst>
+                              <p:cond delay="0"/>
+                            </p:stCondLst>
+                            <p:childTnLst>
+                              <p:par>
+                                <p:cTn id="29" presetID="10" presetClass="entr" presetSubtype="0" fill="hold" nodeType="clickEffect">
+                                  <p:stCondLst>
+                                    <p:cond delay="0"/>
+                                  </p:stCondLst>
+                                  <p:childTnLst>
+                                    <p:set>
+                                      <p:cBhvr>
+                                        <p:cTn id="30" dur="1" fill="hold">
+                                          <p:stCondLst>
+                                            <p:cond delay="0"/>
+                                          </p:stCondLst>
+                                        </p:cTn>
+                                        <p:tgtEl>
+                                          <p:spTgt spid="20"/>
+                                        </p:tgtEl>
+                                        <p:attrNameLst>
+                                          <p:attrName>style.visibility</p:attrName>
+                                        </p:attrNameLst>
+                                      </p:cBhvr>
+                                      <p:to>
+                                        <p:strVal val="visible"/>
+                                      </p:to>
+                                    </p:set>
+                                    <p:animEffect transition="in" filter="fade">
+                                      <p:cBhvr>
+                                        <p:cTn id="31" dur="1000"/>
+                                        <p:tgtEl>
+                                          <p:spTgt spid="20"/>
+                                        </p:tgtEl>
+                                      </p:cBhvr>
+                                    </p:animEffect>
+                                  </p:childTnLst>
+                                </p:cTn>
+                              </p:par>
+                              <p:par>
+                                <p:cTn id="32" presetID="2" presetClass="entr" presetSubtype="4" fill="hold" grpId="0" nodeType="withEffect">
+                                  <p:stCondLst>
+                                    <p:cond delay="0"/>
+                                  </p:stCondLst>
+                                  <p:childTnLst>
+                                    <p:set>
+                                      <p:cBhvr>
+                                        <p:cTn id="33" dur="1" fill="hold">
+                                          <p:stCondLst>
+                                            <p:cond delay="0"/>
+                                          </p:stCondLst>
+                                        </p:cTn>
+                                        <p:tgtEl>
+                                          <p:spTgt spid="19"/>
+                                        </p:tgtEl>
+                                        <p:attrNameLst>
+                                          <p:attrName>style.visibility</p:attrName>
+                                        </p:attrNameLst>
+                                      </p:cBhvr>
+                                      <p:to>
+                                        <p:strVal val="visible"/>
+                                      </p:to>
+                                    </p:set>
+                                    <p:anim calcmode="lin" valueType="num">
+                                      <p:cBhvr additive="base">
+                                        <p:cTn id="34" dur="1000" fill="hold"/>
+                                        <p:tgtEl>
+                                          <p:spTgt spid="19"/>
+                                        </p:tgtEl>
+                                        <p:attrNameLst>
+                                          <p:attrName>ppt_x</p:attrName>
+                                        </p:attrNameLst>
+                                      </p:cBhvr>
+                                      <p:tavLst>
+                                        <p:tav tm="0">
+                                          <p:val>
+                                            <p:strVal val="#ppt_x"/>
+                                          </p:val>
+                                        </p:tav>
+                                        <p:tav tm="100000">
+                                          <p:val>
+                                            <p:strVal val="#ppt_x"/>
+                                          </p:val>
+                                        </p:tav>
+                                      </p:tavLst>
+                                    </p:anim>
+                                    <p:anim calcmode="lin" valueType="num">
+                                      <p:cBhvr additive="base">
+                                        <p:cTn id="35" dur="1000" fill="hold"/>
+                                        <p:tgtEl>
+                                          <p:spTgt spid="19"/>
+                                        </p:tgtEl>
+                                        <p:attrNameLst>
+                                          <p:attrName>ppt_y</p:attrName>
+                                        </p:attrNameLst>
+                                      </p:cBhvr>
+                                      <p:tavLst>
+                                        <p:tav tm="0">
+                                          <p:val>
+                                            <p:strVal val="1+#ppt_h/2"/>
+                                          </p:val>
+                                        </p:tav>
+                                        <p:tav tm="100000">
+                                          <p:val>
+                                            <p:strVal val="#ppt_y"/>
+                                          </p:val>
+                                        </p:tav>
+                                      </p:tavLst>
+                                    </p:anim>
+                                  </p:childTnLst>
+                                </p:cTn>
+                              </p:par>
+                            </p:childTnLst>
+                          </p:cTn>
+                        </p:par>
+                      </p:childTnLst>
+                    </p:cTn>
+                  </p:par>
+                </p:childTnLst>
+              </p:cTn>
+              <p:prevCondLst>
+                <p:cond evt="onPrev" delay="0">
+                  <p:tgtEl>
+                    <p:sldTgt/>
+                  </p:tgtEl>
+                </p:cond>
+              </p:prevCondLst>
+              <p:nextCondLst>
+                <p:cond evt="onNext" delay="0">
+                  <p:tgtEl>
+                    <p:sldTgt/>
+                  </p:tgtEl>
+                </p:cond>
+              </p:nextCondLst>
+            </p:seq>
+          </p:childTnLst>
+        </p:cTn>
+      </p:par>
+    </p:tnLst>
+    <p:bldLst>
+      <p:bldP spid="2" grpId="0"/>
+      <p:bldP spid="15" grpId="0"/>
+      <p:bldP spid="19" grpId="0"/>
+    </p:bldLst>
+  </p:timing>
 </p:sld>
 </file>
 
@@ -13104,12 +13727,8 @@
               <a:buNone/>
             </a:pPr>
             <a:r>
-              <a:rPr lang="en-US" dirty="0"/>
-              <a:t>Roll</a:t>
-            </a:r>
-            <a:r>
               <a:rPr lang="tr-TR" dirty="0"/>
-              <a:t> &amp; Pitch RL Agent</a:t>
+              <a:t>Agent Training</a:t>
             </a:r>
             <a:endParaRPr dirty="0"/>
           </a:p>
@@ -13285,10 +13904,10 @@
       </p:sp>
       <p:pic>
         <p:nvPicPr>
-          <p:cNvPr id="4" name="Resim 3">
+          <p:cNvPr id="3" name="Picture 2">
             <a:extLst>
               <a:ext uri="{FF2B5EF4-FFF2-40B4-BE49-F238E27FC236}">
-                <a16:creationId xmlns:a16="http://schemas.microsoft.com/office/drawing/2014/main" id="{80EEFE17-561A-4DBC-CA4F-179976E800DE}"/>
+                <a16:creationId xmlns:a16="http://schemas.microsoft.com/office/drawing/2014/main" id="{048C3DE3-ADD3-4B27-98C6-27EF01273EE7}"/>
               </a:ext>
             </a:extLst>
           </p:cNvPr>
@@ -13305,8 +13924,38 @@
         </p:blipFill>
         <p:spPr>
           <a:xfrm>
-            <a:off x="215072" y="2324533"/>
-            <a:ext cx="11761856" cy="2208934"/>
+            <a:off x="1148085" y="1131828"/>
+            <a:ext cx="7099988" cy="5212326"/>
+          </a:xfrm>
+          <a:prstGeom prst="rect">
+            <a:avLst/>
+          </a:prstGeom>
+        </p:spPr>
+      </p:pic>
+      <p:pic>
+        <p:nvPicPr>
+          <p:cNvPr id="5" name="Picture 4">
+            <a:extLst>
+              <a:ext uri="{FF2B5EF4-FFF2-40B4-BE49-F238E27FC236}">
+                <a16:creationId xmlns:a16="http://schemas.microsoft.com/office/drawing/2014/main" id="{C21475B9-E6B8-4458-AC08-5D966D33D221}"/>
+              </a:ext>
+            </a:extLst>
+          </p:cNvPr>
+          <p:cNvPicPr>
+            <a:picLocks noChangeAspect="1"/>
+          </p:cNvPicPr>
+          <p:nvPr/>
+        </p:nvPicPr>
+        <p:blipFill>
+          <a:blip r:embed="rId4"/>
+          <a:stretch>
+            <a:fillRect/>
+          </a:stretch>
+        </p:blipFill>
+        <p:spPr>
+          <a:xfrm>
+            <a:off x="8617273" y="1830962"/>
+            <a:ext cx="3197812" cy="3814057"/>
           </a:xfrm>
           <a:prstGeom prst="rect">
             <a:avLst/>
@@ -13316,7 +13965,7 @@
     </p:spTree>
     <p:extLst>
       <p:ext uri="{BB962C8B-B14F-4D97-AF65-F5344CB8AC3E}">
-        <p14:creationId xmlns:p14="http://schemas.microsoft.com/office/powerpoint/2010/main" val="981527073"/>
+        <p14:creationId xmlns:p14="http://schemas.microsoft.com/office/powerpoint/2010/main" val="2064396484"/>
       </p:ext>
     </p:extLst>
   </p:cSld>
@@ -13392,10 +14041,9 @@
               <a:buNone/>
             </a:pPr>
             <a:r>
-              <a:rPr lang="tr-TR" dirty="0"/>
-              <a:t>Agent Training</a:t>
+              <a:rPr lang="en-US" dirty="0"/>
+              <a:t>Future Plans &amp; Progress</a:t>
             </a:r>
-            <a:endParaRPr dirty="0"/>
           </a:p>
         </p:txBody>
       </p:sp>
@@ -13501,259 +14149,6 @@
             </a:pPr>
             <a:r>
               <a:rPr lang="en-US" dirty="0"/>
-              <a:t>CMP-620 Reinforcement Learning – Project</a:t>
-            </a:r>
-            <a:r>
-              <a:rPr lang="tr-TR" dirty="0"/>
-              <a:t> </a:t>
-            </a:r>
-            <a:r>
-              <a:rPr lang="en-US" dirty="0"/>
-              <a:t>Pro</a:t>
-            </a:r>
-            <a:r>
-              <a:rPr lang="tr-TR" dirty="0" err="1"/>
-              <a:t>gress</a:t>
-            </a:r>
-            <a:endParaRPr dirty="0"/>
-          </a:p>
-        </p:txBody>
-      </p:sp>
-      <p:sp>
-        <p:nvSpPr>
-          <p:cNvPr id="343" name="Google Shape;343;p26"/>
-          <p:cNvSpPr txBox="1">
-            <a:spLocks noGrp="1"/>
-          </p:cNvSpPr>
-          <p:nvPr>
-            <p:ph type="sldNum" idx="12"/>
-          </p:nvPr>
-        </p:nvSpPr>
-        <p:spPr>
-          <a:xfrm>
-            <a:off x="8839200" y="6568457"/>
-            <a:ext cx="3352800" cy="289543"/>
-          </a:xfrm>
-          <a:prstGeom prst="rect">
-            <a:avLst/>
-          </a:prstGeom>
-          <a:solidFill>
-            <a:schemeClr val="accent1"/>
-          </a:solidFill>
-          <a:ln>
-            <a:noFill/>
-          </a:ln>
-        </p:spPr>
-        <p:txBody>
-          <a:bodyPr spcFirstLastPara="1" wrap="square" lIns="91425" tIns="45700" rIns="91425" bIns="45700" anchor="ctr" anchorCtr="0">
-            <a:noAutofit/>
-          </a:bodyPr>
-          <a:lstStyle/>
-          <a:p>
-            <a:pPr marL="0" lvl="0" indent="0" algn="r" rtl="0">
-              <a:spcBef>
-                <a:spcPts val="0"/>
-              </a:spcBef>
-              <a:spcAft>
-                <a:spcPts val="0"/>
-              </a:spcAft>
-              <a:buNone/>
-            </a:pPr>
-            <a:fld id="{00000000-1234-1234-1234-123412341234}" type="slidenum">
-              <a:rPr lang="en-US"/>
-              <a:t>8</a:t>
-            </a:fld>
-            <a:endParaRPr/>
-          </a:p>
-        </p:txBody>
-      </p:sp>
-    </p:spTree>
-    <p:extLst>
-      <p:ext uri="{BB962C8B-B14F-4D97-AF65-F5344CB8AC3E}">
-        <p14:creationId xmlns:p14="http://schemas.microsoft.com/office/powerpoint/2010/main" val="2064396484"/>
-      </p:ext>
-    </p:extLst>
-  </p:cSld>
-  <p:clrMapOvr>
-    <a:masterClrMapping/>
-  </p:clrMapOvr>
-</p:sld>
-</file>
-
-<file path=ppt/slides/slide9.xml><?xml version="1.0" encoding="utf-8"?>
-<p:sld xmlns:a="http://schemas.openxmlformats.org/drawingml/2006/main" xmlns:r="http://schemas.openxmlformats.org/officeDocument/2006/relationships" xmlns:p="http://schemas.openxmlformats.org/presentationml/2006/main">
-  <p:cSld>
-    <p:spTree>
-      <p:nvGrpSpPr>
-        <p:cNvPr id="1" name="Shape 339"/>
-        <p:cNvGrpSpPr/>
-        <p:nvPr/>
-      </p:nvGrpSpPr>
-      <p:grpSpPr>
-        <a:xfrm>
-          <a:off x="0" y="0"/>
-          <a:ext cx="0" cy="0"/>
-          <a:chOff x="0" y="0"/>
-          <a:chExt cx="0" cy="0"/>
-        </a:xfrm>
-      </p:grpSpPr>
-      <p:sp>
-        <p:nvSpPr>
-          <p:cNvPr id="340" name="Google Shape;340;p26"/>
-          <p:cNvSpPr txBox="1">
-            <a:spLocks noGrp="1"/>
-          </p:cNvSpPr>
-          <p:nvPr>
-            <p:ph type="title"/>
-          </p:nvPr>
-        </p:nvSpPr>
-        <p:spPr>
-          <a:xfrm>
-            <a:off x="0" y="0"/>
-            <a:ext cx="12192000" cy="907525"/>
-          </a:xfrm>
-          <a:prstGeom prst="rect">
-            <a:avLst/>
-          </a:prstGeom>
-          <a:solidFill>
-            <a:schemeClr val="accent1"/>
-          </a:solidFill>
-          <a:ln>
-            <a:noFill/>
-          </a:ln>
-        </p:spPr>
-        <p:txBody>
-          <a:bodyPr spcFirstLastPara="1" wrap="square" lIns="91425" tIns="274300" rIns="91425" bIns="45700" anchor="ctr" anchorCtr="0">
-            <a:normAutofit fontScale="90000"/>
-          </a:bodyPr>
-          <a:lstStyle/>
-          <a:p>
-            <a:pPr marL="0" lvl="0" indent="0" algn="l" rtl="0">
-              <a:lnSpc>
-                <a:spcPct val="90000"/>
-              </a:lnSpc>
-              <a:spcBef>
-                <a:spcPts val="0"/>
-              </a:spcBef>
-              <a:spcAft>
-                <a:spcPts val="0"/>
-              </a:spcAft>
-              <a:buClr>
-                <a:schemeClr val="lt1"/>
-              </a:buClr>
-              <a:buSzPct val="100000"/>
-              <a:buFont typeface="Arial"/>
-              <a:buNone/>
-            </a:pPr>
-            <a:r>
-              <a:rPr lang="en-US" dirty="0"/>
-              <a:t>Future Plans &amp; Progress</a:t>
-            </a:r>
-          </a:p>
-        </p:txBody>
-      </p:sp>
-      <p:sp>
-        <p:nvSpPr>
-          <p:cNvPr id="341" name="Google Shape;341;p26"/>
-          <p:cNvSpPr txBox="1">
-            <a:spLocks noGrp="1"/>
-          </p:cNvSpPr>
-          <p:nvPr>
-            <p:ph type="dt" idx="10"/>
-          </p:nvPr>
-        </p:nvSpPr>
-        <p:spPr>
-          <a:xfrm>
-            <a:off x="6096000" y="6568457"/>
-            <a:ext cx="2743200" cy="289543"/>
-          </a:xfrm>
-          <a:prstGeom prst="rect">
-            <a:avLst/>
-          </a:prstGeom>
-          <a:solidFill>
-            <a:schemeClr val="accent1"/>
-          </a:solidFill>
-          <a:ln>
-            <a:noFill/>
-          </a:ln>
-        </p:spPr>
-        <p:txBody>
-          <a:bodyPr spcFirstLastPara="1" wrap="square" lIns="91425" tIns="45700" rIns="91425" bIns="45700" anchor="ctr" anchorCtr="0">
-            <a:noAutofit/>
-          </a:bodyPr>
-          <a:lstStyle/>
-          <a:p>
-            <a:pPr marL="0" lvl="0" indent="0" algn="l" rtl="0">
-              <a:spcBef>
-                <a:spcPts val="0"/>
-              </a:spcBef>
-              <a:spcAft>
-                <a:spcPts val="0"/>
-              </a:spcAft>
-              <a:buNone/>
-            </a:pPr>
-            <a:r>
-              <a:rPr lang="tr-TR" dirty="0"/>
-              <a:t>May</a:t>
-            </a:r>
-            <a:r>
-              <a:rPr lang="en-US" dirty="0"/>
-              <a:t> </a:t>
-            </a:r>
-            <a:r>
-              <a:rPr lang="tr-TR" dirty="0"/>
-              <a:t>9</a:t>
-            </a:r>
-            <a:r>
-              <a:rPr lang="en-US" dirty="0"/>
-              <a:t>, 2024</a:t>
-            </a:r>
-            <a:endParaRPr dirty="0"/>
-          </a:p>
-        </p:txBody>
-      </p:sp>
-      <p:sp>
-        <p:nvSpPr>
-          <p:cNvPr id="342" name="Google Shape;342;p26"/>
-          <p:cNvSpPr txBox="1">
-            <a:spLocks noGrp="1"/>
-          </p:cNvSpPr>
-          <p:nvPr>
-            <p:ph type="ftr" idx="11"/>
-          </p:nvPr>
-        </p:nvSpPr>
-        <p:spPr>
-          <a:xfrm>
-            <a:off x="0" y="6568457"/>
-            <a:ext cx="6096000" cy="289543"/>
-          </a:xfrm>
-          <a:prstGeom prst="rect">
-            <a:avLst/>
-          </a:prstGeom>
-          <a:solidFill>
-            <a:schemeClr val="dk1"/>
-          </a:solidFill>
-          <a:ln>
-            <a:noFill/>
-          </a:ln>
-        </p:spPr>
-        <p:txBody>
-          <a:bodyPr spcFirstLastPara="1" wrap="square" lIns="91425" tIns="45700" rIns="91425" bIns="45700" anchor="ctr" anchorCtr="0">
-            <a:noAutofit/>
-          </a:bodyPr>
-          <a:lstStyle/>
-          <a:p>
-            <a:pPr marL="0" lvl="0" indent="0" algn="r" rtl="0">
-              <a:spcBef>
-                <a:spcPts val="0"/>
-              </a:spcBef>
-              <a:spcAft>
-                <a:spcPts val="0"/>
-              </a:spcAft>
-              <a:buNone/>
-            </a:pPr>
-            <a:r>
-              <a:rPr lang="en-US" dirty="0"/>
               <a:t>CMP-620 Reinforcement Learning – Project Pro</a:t>
             </a:r>
             <a:r>
@@ -13806,7 +14201,7 @@
             </a:pPr>
             <a:fld id="{00000000-1234-1234-1234-123412341234}" type="slidenum">
               <a:rPr lang="en-US"/>
-              <a:t>9</a:t>
+              <a:t>8</a:t>
             </a:fld>
             <a:endParaRPr/>
           </a:p>
@@ -14021,6 +14416,249 @@
         <p14:creationId xmlns:p14="http://schemas.microsoft.com/office/powerpoint/2010/main" val="2161234775"/>
       </p:ext>
     </p:extLst>
+  </p:cSld>
+  <p:clrMapOvr>
+    <a:masterClrMapping/>
+  </p:clrMapOvr>
+</p:sld>
+</file>
+
+<file path=ppt/slides/slide9.xml><?xml version="1.0" encoding="utf-8"?>
+<p:sld xmlns:a="http://schemas.openxmlformats.org/drawingml/2006/main" xmlns:r="http://schemas.openxmlformats.org/officeDocument/2006/relationships" xmlns:p="http://schemas.openxmlformats.org/presentationml/2006/main">
+  <p:cSld>
+    <p:spTree>
+      <p:nvGrpSpPr>
+        <p:cNvPr id="1" name="Shape 367"/>
+        <p:cNvGrpSpPr/>
+        <p:nvPr/>
+      </p:nvGrpSpPr>
+      <p:grpSpPr>
+        <a:xfrm>
+          <a:off x="0" y="0"/>
+          <a:ext cx="0" cy="0"/>
+          <a:chOff x="0" y="0"/>
+          <a:chExt cx="0" cy="0"/>
+        </a:xfrm>
+      </p:grpSpPr>
+      <p:sp>
+        <p:nvSpPr>
+          <p:cNvPr id="368" name="Google Shape;368;p29"/>
+          <p:cNvSpPr txBox="1">
+            <a:spLocks noGrp="1"/>
+          </p:cNvSpPr>
+          <p:nvPr>
+            <p:ph type="dt" idx="10"/>
+          </p:nvPr>
+        </p:nvSpPr>
+        <p:spPr>
+          <a:xfrm>
+            <a:off x="6096000" y="6568457"/>
+            <a:ext cx="2743200" cy="289543"/>
+          </a:xfrm>
+          <a:prstGeom prst="rect">
+            <a:avLst/>
+          </a:prstGeom>
+          <a:solidFill>
+            <a:schemeClr val="accent1"/>
+          </a:solidFill>
+          <a:ln>
+            <a:noFill/>
+          </a:ln>
+        </p:spPr>
+        <p:txBody>
+          <a:bodyPr spcFirstLastPara="1" wrap="square" lIns="91425" tIns="45700" rIns="91425" bIns="45700" anchor="ctr" anchorCtr="0">
+            <a:noAutofit/>
+          </a:bodyPr>
+          <a:lstStyle/>
+          <a:p>
+            <a:pPr marL="0" lvl="0" indent="0" algn="l" rtl="0">
+              <a:spcBef>
+                <a:spcPts val="0"/>
+              </a:spcBef>
+              <a:spcAft>
+                <a:spcPts val="0"/>
+              </a:spcAft>
+              <a:buNone/>
+            </a:pPr>
+            <a:r>
+              <a:rPr lang="tr-TR" dirty="0"/>
+              <a:t>May</a:t>
+            </a:r>
+            <a:r>
+              <a:rPr lang="en-US" dirty="0"/>
+              <a:t> </a:t>
+            </a:r>
+            <a:r>
+              <a:rPr lang="tr-TR" dirty="0"/>
+              <a:t>9</a:t>
+            </a:r>
+            <a:r>
+              <a:rPr lang="en-US" dirty="0"/>
+              <a:t>, 2024</a:t>
+            </a:r>
+            <a:endParaRPr dirty="0"/>
+          </a:p>
+        </p:txBody>
+      </p:sp>
+      <p:sp>
+        <p:nvSpPr>
+          <p:cNvPr id="369" name="Google Shape;369;p29"/>
+          <p:cNvSpPr txBox="1">
+            <a:spLocks noGrp="1"/>
+          </p:cNvSpPr>
+          <p:nvPr>
+            <p:ph type="ftr" idx="11"/>
+          </p:nvPr>
+        </p:nvSpPr>
+        <p:spPr>
+          <a:xfrm>
+            <a:off x="0" y="6568457"/>
+            <a:ext cx="6096000" cy="289543"/>
+          </a:xfrm>
+          <a:prstGeom prst="rect">
+            <a:avLst/>
+          </a:prstGeom>
+          <a:solidFill>
+            <a:schemeClr val="dk1"/>
+          </a:solidFill>
+          <a:ln>
+            <a:noFill/>
+          </a:ln>
+        </p:spPr>
+        <p:txBody>
+          <a:bodyPr spcFirstLastPara="1" wrap="square" lIns="91425" tIns="45700" rIns="91425" bIns="45700" anchor="ctr" anchorCtr="0">
+            <a:noAutofit/>
+          </a:bodyPr>
+          <a:lstStyle/>
+          <a:p>
+            <a:pPr marL="0" lvl="0" indent="0" algn="r" rtl="0">
+              <a:spcBef>
+                <a:spcPts val="0"/>
+              </a:spcBef>
+              <a:spcAft>
+                <a:spcPts val="0"/>
+              </a:spcAft>
+              <a:buNone/>
+            </a:pPr>
+            <a:r>
+              <a:rPr lang="en-US" dirty="0"/>
+              <a:t>CMP-620 Reinforcement Learning – Project Pro</a:t>
+            </a:r>
+            <a:r>
+              <a:rPr lang="tr-TR" dirty="0" err="1"/>
+              <a:t>gress</a:t>
+            </a:r>
+            <a:endParaRPr dirty="0"/>
+          </a:p>
+        </p:txBody>
+      </p:sp>
+      <p:sp>
+        <p:nvSpPr>
+          <p:cNvPr id="370" name="Google Shape;370;p29"/>
+          <p:cNvSpPr txBox="1">
+            <a:spLocks noGrp="1"/>
+          </p:cNvSpPr>
+          <p:nvPr>
+            <p:ph type="sldNum" idx="12"/>
+          </p:nvPr>
+        </p:nvSpPr>
+        <p:spPr>
+          <a:xfrm>
+            <a:off x="8839200" y="6568457"/>
+            <a:ext cx="3352800" cy="289543"/>
+          </a:xfrm>
+          <a:prstGeom prst="rect">
+            <a:avLst/>
+          </a:prstGeom>
+          <a:solidFill>
+            <a:schemeClr val="accent1"/>
+          </a:solidFill>
+          <a:ln>
+            <a:noFill/>
+          </a:ln>
+        </p:spPr>
+        <p:txBody>
+          <a:bodyPr spcFirstLastPara="1" wrap="square" lIns="91425" tIns="45700" rIns="91425" bIns="45700" anchor="ctr" anchorCtr="0">
+            <a:noAutofit/>
+          </a:bodyPr>
+          <a:lstStyle/>
+          <a:p>
+            <a:pPr marL="0" lvl="0" indent="0" algn="r" rtl="0">
+              <a:spcBef>
+                <a:spcPts val="0"/>
+              </a:spcBef>
+              <a:spcAft>
+                <a:spcPts val="0"/>
+              </a:spcAft>
+              <a:buNone/>
+            </a:pPr>
+            <a:fld id="{00000000-1234-1234-1234-123412341234}" type="slidenum">
+              <a:rPr lang="en-US"/>
+              <a:t>9</a:t>
+            </a:fld>
+            <a:endParaRPr/>
+          </a:p>
+        </p:txBody>
+      </p:sp>
+      <p:sp>
+        <p:nvSpPr>
+          <p:cNvPr id="371" name="Google Shape;371;p29"/>
+          <p:cNvSpPr txBox="1"/>
+          <p:nvPr/>
+        </p:nvSpPr>
+        <p:spPr>
+          <a:xfrm>
+            <a:off x="3048000" y="3075057"/>
+            <a:ext cx="6105832" cy="707886"/>
+          </a:xfrm>
+          <a:prstGeom prst="rect">
+            <a:avLst/>
+          </a:prstGeom>
+          <a:noFill/>
+          <a:ln>
+            <a:noFill/>
+          </a:ln>
+        </p:spPr>
+        <p:txBody>
+          <a:bodyPr spcFirstLastPara="1" wrap="square" lIns="91425" tIns="45700" rIns="91425" bIns="45700" anchor="t" anchorCtr="0">
+            <a:spAutoFit/>
+          </a:bodyPr>
+          <a:lstStyle/>
+          <a:p>
+            <a:pPr marL="0" marR="0" lvl="0" indent="0" algn="ctr" rtl="0">
+              <a:spcBef>
+                <a:spcPts val="0"/>
+              </a:spcBef>
+              <a:spcAft>
+                <a:spcPts val="0"/>
+              </a:spcAft>
+              <a:buNone/>
+            </a:pPr>
+            <a:r>
+              <a:rPr lang="en-US" sz="4000" b="0" i="0" u="none" strike="noStrike" cap="none" dirty="0">
+                <a:solidFill>
+                  <a:schemeClr val="dk1"/>
+                </a:solidFill>
+                <a:latin typeface="+mj-lt"/>
+                <a:ea typeface="Calibri"/>
+                <a:cs typeface="Calibri"/>
+                <a:sym typeface="Calibri"/>
+              </a:rPr>
+              <a:t>Thanks for listening.</a:t>
+            </a:r>
+            <a:endParaRPr sz="4000" b="0" i="0" u="none" strike="noStrike" cap="none" dirty="0">
+              <a:solidFill>
+                <a:schemeClr val="dk1"/>
+              </a:solidFill>
+              <a:latin typeface="+mj-lt"/>
+              <a:ea typeface="Calibri"/>
+              <a:cs typeface="Calibri"/>
+              <a:sym typeface="Calibri"/>
+            </a:endParaRPr>
+          </a:p>
+        </p:txBody>
+      </p:sp>
+    </p:spTree>
   </p:cSld>
   <p:clrMapOvr>
     <a:masterClrMapping/>

--- a/Progress.pptx
+++ b/Progress.pptx
@@ -22,20 +22,13 @@
   <p:notesSz cx="6858000" cy="9144000"/>
   <p:embeddedFontLst>
     <p:embeddedFont>
-      <p:font typeface="Calibri" panose="020F0502020204030204" pitchFamily="34" charset="0"/>
+      <p:font typeface="Cambria Math" panose="02040503050406030204" pitchFamily="18" charset="0"/>
       <p:regular r:id="rId12"/>
-      <p:bold r:id="rId13"/>
-      <p:italic r:id="rId14"/>
-      <p:boldItalic r:id="rId15"/>
     </p:embeddedFont>
     <p:embeddedFont>
-      <p:font typeface="Cambria Math" panose="02040503050406030204" pitchFamily="18" charset="0"/>
-      <p:regular r:id="rId16"/>
-    </p:embeddedFont>
-    <p:embeddedFont>
-      <p:font typeface="Noto Sans Symbols" pitchFamily="2" charset="0"/>
-      <p:regular r:id="rId17"/>
-      <p:bold r:id="rId18"/>
+      <p:font typeface="Noto Sans Symbols" panose="020B0604020202020204" charset="0"/>
+      <p:regular r:id="rId13"/>
+      <p:bold r:id="rId14"/>
     </p:embeddedFont>
   </p:embeddedFontLst>
   <p:defaultTextStyle>
@@ -1681,7 +1674,637 @@
               </a:spcAft>
               <a:buNone/>
             </a:pPr>
-            <a:endParaRPr dirty="0"/>
+            <a:r>
+              <a:rPr lang="tr-TR" dirty="0" err="1"/>
+              <a:t>Our</a:t>
+            </a:r>
+            <a:r>
+              <a:rPr lang="tr-TR" dirty="0"/>
+              <a:t> Project is </a:t>
+            </a:r>
+            <a:r>
+              <a:rPr lang="tr-TR" dirty="0" err="1"/>
+              <a:t>the</a:t>
+            </a:r>
+            <a:r>
+              <a:rPr lang="tr-TR" dirty="0"/>
+              <a:t> </a:t>
+            </a:r>
+            <a:r>
+              <a:rPr lang="tr-TR" dirty="0" err="1"/>
+              <a:t>controlling</a:t>
+            </a:r>
+            <a:r>
+              <a:rPr lang="tr-TR" dirty="0"/>
+              <a:t> of </a:t>
+            </a:r>
+            <a:r>
+              <a:rPr lang="tr-TR" dirty="0" err="1"/>
+              <a:t>quadcopter</a:t>
+            </a:r>
+            <a:r>
+              <a:rPr lang="tr-TR" dirty="0"/>
+              <a:t> </a:t>
+            </a:r>
+            <a:r>
+              <a:rPr lang="tr-TR" dirty="0" err="1"/>
+              <a:t>angles</a:t>
+            </a:r>
+            <a:r>
+              <a:rPr lang="tr-TR" dirty="0"/>
+              <a:t> </a:t>
+            </a:r>
+            <a:r>
+              <a:rPr lang="tr-TR" dirty="0" err="1"/>
+              <a:t>with</a:t>
+            </a:r>
+            <a:r>
+              <a:rPr lang="tr-TR" dirty="0"/>
+              <a:t> RL </a:t>
+            </a:r>
+            <a:r>
+              <a:rPr lang="tr-TR" dirty="0" err="1"/>
+              <a:t>agent</a:t>
+            </a:r>
+            <a:r>
+              <a:rPr lang="tr-TR" dirty="0"/>
+              <a:t> </a:t>
+            </a:r>
+            <a:r>
+              <a:rPr lang="tr-TR" dirty="0" err="1"/>
+              <a:t>instead</a:t>
+            </a:r>
+            <a:r>
+              <a:rPr lang="tr-TR" dirty="0"/>
+              <a:t> of PID </a:t>
+            </a:r>
+            <a:r>
+              <a:rPr lang="tr-TR" dirty="0" err="1"/>
+              <a:t>controller</a:t>
+            </a:r>
+            <a:r>
+              <a:rPr lang="tr-TR" dirty="0"/>
+              <a:t>.</a:t>
+            </a:r>
+          </a:p>
+          <a:p>
+            <a:pPr marL="0" lvl="0" indent="0" algn="l" rtl="0">
+              <a:spcBef>
+                <a:spcPts val="0"/>
+              </a:spcBef>
+              <a:spcAft>
+                <a:spcPts val="0"/>
+              </a:spcAft>
+              <a:buNone/>
+            </a:pPr>
+            <a:r>
+              <a:rPr lang="tr-TR" dirty="0" err="1"/>
+              <a:t>Becasue</a:t>
+            </a:r>
+            <a:r>
+              <a:rPr lang="tr-TR" dirty="0"/>
+              <a:t> PID </a:t>
+            </a:r>
+            <a:r>
+              <a:rPr lang="tr-TR" dirty="0" err="1"/>
+              <a:t>system</a:t>
+            </a:r>
+            <a:r>
+              <a:rPr lang="tr-TR" dirty="0"/>
+              <a:t> is not </a:t>
+            </a:r>
+            <a:r>
+              <a:rPr lang="tr-TR" dirty="0" err="1"/>
+              <a:t>stable</a:t>
+            </a:r>
+            <a:r>
+              <a:rPr lang="tr-TR" dirty="0"/>
+              <a:t> </a:t>
+            </a:r>
+            <a:r>
+              <a:rPr lang="tr-TR" dirty="0" err="1"/>
+              <a:t>for</a:t>
+            </a:r>
+            <a:r>
+              <a:rPr lang="tr-TR" dirty="0"/>
+              <a:t> </a:t>
+            </a:r>
+            <a:r>
+              <a:rPr lang="tr-TR" dirty="0" err="1"/>
+              <a:t>unknown</a:t>
+            </a:r>
+            <a:r>
+              <a:rPr lang="tr-TR" dirty="0"/>
+              <a:t> </a:t>
+            </a:r>
+            <a:r>
+              <a:rPr lang="tr-TR" dirty="0" err="1"/>
+              <a:t>environment</a:t>
+            </a:r>
+            <a:r>
+              <a:rPr lang="tr-TR" dirty="0"/>
+              <a:t>.</a:t>
+            </a:r>
+          </a:p>
+          <a:p>
+            <a:pPr marL="0" lvl="0" indent="0" algn="l" rtl="0">
+              <a:spcBef>
+                <a:spcPts val="0"/>
+              </a:spcBef>
+              <a:spcAft>
+                <a:spcPts val="0"/>
+              </a:spcAft>
+              <a:buNone/>
+            </a:pPr>
+            <a:r>
+              <a:rPr lang="tr-TR" dirty="0" err="1"/>
+              <a:t>We</a:t>
+            </a:r>
+            <a:r>
+              <a:rPr lang="tr-TR" dirty="0"/>
+              <a:t> </a:t>
+            </a:r>
+            <a:r>
+              <a:rPr lang="tr-TR" dirty="0" err="1"/>
+              <a:t>planned</a:t>
+            </a:r>
+            <a:r>
+              <a:rPr lang="tr-TR" dirty="0"/>
+              <a:t> </a:t>
+            </a:r>
+            <a:r>
+              <a:rPr lang="tr-TR" dirty="0" err="1"/>
+              <a:t>to</a:t>
+            </a:r>
+            <a:r>
+              <a:rPr lang="tr-TR" dirty="0"/>
+              <a:t> </a:t>
+            </a:r>
+            <a:r>
+              <a:rPr lang="tr-TR" dirty="0" err="1"/>
+              <a:t>use</a:t>
+            </a:r>
+            <a:r>
+              <a:rPr lang="tr-TR" dirty="0"/>
+              <a:t> </a:t>
+            </a:r>
+            <a:r>
+              <a:rPr lang="tr-TR" dirty="0" err="1"/>
+              <a:t>the</a:t>
+            </a:r>
+            <a:r>
+              <a:rPr lang="tr-TR" dirty="0"/>
+              <a:t> DDPG </a:t>
+            </a:r>
+            <a:r>
+              <a:rPr lang="tr-TR" dirty="0" err="1"/>
+              <a:t>and</a:t>
+            </a:r>
+            <a:r>
+              <a:rPr lang="tr-TR" dirty="0"/>
+              <a:t> PPO </a:t>
+            </a:r>
+            <a:r>
+              <a:rPr lang="tr-TR" dirty="0" err="1"/>
+              <a:t>agents</a:t>
+            </a:r>
+            <a:r>
+              <a:rPr lang="tr-TR" dirty="0"/>
+              <a:t> </a:t>
+            </a:r>
+            <a:r>
+              <a:rPr lang="tr-TR" dirty="0" err="1"/>
+              <a:t>for</a:t>
+            </a:r>
+            <a:r>
+              <a:rPr lang="tr-TR" dirty="0"/>
+              <a:t> </a:t>
+            </a:r>
+            <a:r>
+              <a:rPr lang="tr-TR" dirty="0" err="1"/>
+              <a:t>xy</a:t>
+            </a:r>
+            <a:r>
+              <a:rPr lang="tr-TR" dirty="0"/>
+              <a:t> </a:t>
+            </a:r>
+            <a:r>
+              <a:rPr lang="tr-TR" dirty="0" err="1"/>
+              <a:t>controller</a:t>
+            </a:r>
+            <a:r>
+              <a:rPr lang="tr-TR" dirty="0"/>
+              <a:t> </a:t>
+            </a:r>
+            <a:r>
+              <a:rPr lang="tr-TR" dirty="0" err="1"/>
+              <a:t>and</a:t>
+            </a:r>
+            <a:r>
+              <a:rPr lang="tr-TR" dirty="0"/>
+              <a:t> z </a:t>
+            </a:r>
+            <a:r>
+              <a:rPr lang="tr-TR" dirty="0" err="1"/>
+              <a:t>controller</a:t>
+            </a:r>
+            <a:r>
+              <a:rPr lang="tr-TR" dirty="0"/>
+              <a:t>.</a:t>
+            </a:r>
+          </a:p>
+          <a:p>
+            <a:pPr marL="0" lvl="0" indent="0" algn="l" rtl="0">
+              <a:spcBef>
+                <a:spcPts val="0"/>
+              </a:spcBef>
+              <a:spcAft>
+                <a:spcPts val="0"/>
+              </a:spcAft>
+              <a:buNone/>
+            </a:pPr>
+            <a:r>
+              <a:rPr lang="tr-TR" dirty="0" err="1"/>
+              <a:t>Why</a:t>
+            </a:r>
+            <a:r>
+              <a:rPr lang="tr-TR" dirty="0"/>
+              <a:t> </a:t>
+            </a:r>
+            <a:r>
+              <a:rPr lang="tr-TR" dirty="0" err="1"/>
+              <a:t>we</a:t>
+            </a:r>
+            <a:r>
+              <a:rPr lang="tr-TR" dirty="0"/>
+              <a:t> </a:t>
+            </a:r>
+            <a:r>
+              <a:rPr lang="tr-TR" dirty="0" err="1"/>
+              <a:t>chose</a:t>
+            </a:r>
+            <a:r>
+              <a:rPr lang="tr-TR" dirty="0"/>
+              <a:t> </a:t>
+            </a:r>
+            <a:r>
+              <a:rPr lang="tr-TR" dirty="0" err="1"/>
+              <a:t>these</a:t>
+            </a:r>
+            <a:r>
+              <a:rPr lang="tr-TR" dirty="0"/>
+              <a:t> </a:t>
+            </a:r>
+            <a:r>
+              <a:rPr lang="tr-TR" dirty="0" err="1"/>
+              <a:t>two</a:t>
+            </a:r>
+            <a:r>
+              <a:rPr lang="tr-TR" dirty="0"/>
+              <a:t> </a:t>
+            </a:r>
+            <a:r>
+              <a:rPr lang="tr-TR" dirty="0" err="1"/>
+              <a:t>agents</a:t>
+            </a:r>
+            <a:r>
+              <a:rPr lang="tr-TR" dirty="0"/>
+              <a:t> ? </a:t>
+            </a:r>
+          </a:p>
+          <a:p>
+            <a:pPr marL="0" lvl="0" indent="0" algn="l" rtl="0">
+              <a:spcBef>
+                <a:spcPts val="0"/>
+              </a:spcBef>
+              <a:spcAft>
+                <a:spcPts val="0"/>
+              </a:spcAft>
+              <a:buNone/>
+            </a:pPr>
+            <a:r>
+              <a:rPr lang="tr-TR" dirty="0" err="1"/>
+              <a:t>Before</a:t>
+            </a:r>
+            <a:r>
+              <a:rPr lang="tr-TR" dirty="0"/>
+              <a:t> </a:t>
+            </a:r>
+            <a:r>
+              <a:rPr lang="tr-TR" dirty="0" err="1"/>
+              <a:t>the</a:t>
+            </a:r>
+            <a:r>
+              <a:rPr lang="tr-TR" dirty="0"/>
+              <a:t> Project </a:t>
+            </a:r>
+            <a:r>
+              <a:rPr lang="tr-TR" dirty="0" err="1"/>
+              <a:t>proposal</a:t>
+            </a:r>
+            <a:r>
+              <a:rPr lang="tr-TR" dirty="0"/>
+              <a:t> </a:t>
+            </a:r>
+            <a:r>
+              <a:rPr lang="tr-TR" dirty="0" err="1"/>
+              <a:t>presentation</a:t>
+            </a:r>
+            <a:r>
+              <a:rPr lang="tr-TR" dirty="0"/>
+              <a:t> </a:t>
+            </a:r>
+            <a:r>
+              <a:rPr lang="tr-TR" dirty="0" err="1"/>
+              <a:t>we</a:t>
+            </a:r>
+            <a:r>
+              <a:rPr lang="tr-TR" dirty="0"/>
+              <a:t> </a:t>
+            </a:r>
+            <a:r>
+              <a:rPr lang="tr-TR" dirty="0" err="1"/>
+              <a:t>searched</a:t>
+            </a:r>
+            <a:r>
+              <a:rPr lang="tr-TR" dirty="0"/>
+              <a:t> </a:t>
+            </a:r>
+            <a:r>
+              <a:rPr lang="tr-TR" dirty="0" err="1"/>
+              <a:t>related</a:t>
+            </a:r>
+            <a:r>
+              <a:rPr lang="tr-TR" dirty="0"/>
+              <a:t> </a:t>
+            </a:r>
+            <a:r>
+              <a:rPr lang="tr-TR" dirty="0" err="1"/>
+              <a:t>literatures</a:t>
+            </a:r>
+            <a:r>
+              <a:rPr lang="tr-TR" dirty="0"/>
+              <a:t> </a:t>
+            </a:r>
+            <a:r>
+              <a:rPr lang="tr-TR" dirty="0" err="1"/>
+              <a:t>and</a:t>
+            </a:r>
+            <a:r>
+              <a:rPr lang="tr-TR" dirty="0"/>
+              <a:t> </a:t>
+            </a:r>
+            <a:r>
+              <a:rPr lang="tr-TR" dirty="0" err="1"/>
+              <a:t>noticed</a:t>
+            </a:r>
+            <a:r>
+              <a:rPr lang="tr-TR" dirty="0"/>
+              <a:t> </a:t>
+            </a:r>
+            <a:r>
+              <a:rPr lang="tr-TR" dirty="0" err="1"/>
+              <a:t>these</a:t>
+            </a:r>
+            <a:r>
+              <a:rPr lang="tr-TR" dirty="0"/>
+              <a:t> </a:t>
+            </a:r>
+            <a:r>
+              <a:rPr lang="tr-TR" dirty="0" err="1"/>
+              <a:t>two</a:t>
+            </a:r>
+            <a:r>
+              <a:rPr lang="tr-TR" dirty="0"/>
+              <a:t> </a:t>
+            </a:r>
+            <a:r>
+              <a:rPr lang="tr-TR" dirty="0" err="1"/>
+              <a:t>agent</a:t>
+            </a:r>
+            <a:r>
+              <a:rPr lang="tr-TR" dirty="0"/>
+              <a:t> </a:t>
+            </a:r>
+            <a:r>
+              <a:rPr lang="tr-TR" dirty="0" err="1"/>
+              <a:t>performance</a:t>
+            </a:r>
+            <a:r>
+              <a:rPr lang="tr-TR" dirty="0"/>
+              <a:t> is </a:t>
+            </a:r>
+            <a:r>
+              <a:rPr lang="tr-TR" dirty="0" err="1"/>
+              <a:t>better</a:t>
+            </a:r>
+            <a:r>
+              <a:rPr lang="tr-TR" dirty="0"/>
+              <a:t> </a:t>
+            </a:r>
+            <a:r>
+              <a:rPr lang="tr-TR" dirty="0" err="1"/>
+              <a:t>than</a:t>
+            </a:r>
+            <a:r>
+              <a:rPr lang="tr-TR" dirty="0"/>
+              <a:t> </a:t>
+            </a:r>
+            <a:r>
+              <a:rPr lang="tr-TR" dirty="0" err="1"/>
+              <a:t>other</a:t>
+            </a:r>
+            <a:r>
+              <a:rPr lang="tr-TR" dirty="0"/>
+              <a:t> </a:t>
+            </a:r>
+            <a:r>
+              <a:rPr lang="tr-TR" dirty="0" err="1"/>
+              <a:t>agents</a:t>
+            </a:r>
+            <a:r>
+              <a:rPr lang="tr-TR" dirty="0"/>
+              <a:t>. </a:t>
+            </a:r>
+            <a:r>
+              <a:rPr lang="tr-TR" dirty="0" err="1"/>
+              <a:t>Therefore</a:t>
+            </a:r>
+            <a:r>
+              <a:rPr lang="tr-TR" dirty="0"/>
+              <a:t> </a:t>
+            </a:r>
+            <a:r>
+              <a:rPr lang="tr-TR" dirty="0" err="1"/>
+              <a:t>we</a:t>
+            </a:r>
+            <a:r>
+              <a:rPr lang="tr-TR" dirty="0"/>
+              <a:t> </a:t>
+            </a:r>
+            <a:r>
+              <a:rPr lang="tr-TR" dirty="0" err="1"/>
+              <a:t>focused</a:t>
+            </a:r>
+            <a:r>
+              <a:rPr lang="tr-TR" dirty="0"/>
+              <a:t> </a:t>
+            </a:r>
+            <a:r>
+              <a:rPr lang="tr-TR" dirty="0" err="1"/>
+              <a:t>these</a:t>
+            </a:r>
+            <a:r>
+              <a:rPr lang="tr-TR" dirty="0"/>
+              <a:t>.</a:t>
+            </a:r>
+          </a:p>
+          <a:p>
+            <a:pPr marL="0" lvl="0" indent="0" algn="l" rtl="0">
+              <a:spcBef>
+                <a:spcPts val="0"/>
+              </a:spcBef>
+              <a:spcAft>
+                <a:spcPts val="0"/>
+              </a:spcAft>
+              <a:buNone/>
+            </a:pPr>
+            <a:r>
+              <a:rPr lang="tr-TR" dirty="0" err="1"/>
+              <a:t>We</a:t>
+            </a:r>
+            <a:r>
+              <a:rPr lang="tr-TR" dirty="0"/>
+              <a:t> </a:t>
+            </a:r>
+            <a:r>
+              <a:rPr lang="tr-TR" dirty="0" err="1"/>
+              <a:t>are</a:t>
+            </a:r>
+            <a:r>
+              <a:rPr lang="tr-TR" dirty="0"/>
+              <a:t> </a:t>
+            </a:r>
+            <a:r>
+              <a:rPr lang="tr-TR" dirty="0" err="1"/>
+              <a:t>planning</a:t>
+            </a:r>
+            <a:r>
+              <a:rPr lang="tr-TR" dirty="0"/>
+              <a:t> </a:t>
+            </a:r>
+            <a:r>
+              <a:rPr lang="tr-TR" dirty="0" err="1"/>
+              <a:t>to</a:t>
+            </a:r>
+            <a:r>
+              <a:rPr lang="tr-TR" dirty="0"/>
+              <a:t> </a:t>
+            </a:r>
+            <a:r>
+              <a:rPr lang="tr-TR" dirty="0" err="1"/>
+              <a:t>new</a:t>
+            </a:r>
+            <a:r>
+              <a:rPr lang="tr-TR" dirty="0"/>
+              <a:t> </a:t>
+            </a:r>
+            <a:r>
+              <a:rPr lang="tr-TR" dirty="0" err="1"/>
+              <a:t>reward</a:t>
+            </a:r>
+            <a:r>
+              <a:rPr lang="tr-TR" dirty="0"/>
+              <a:t> </a:t>
+            </a:r>
+            <a:r>
+              <a:rPr lang="tr-TR" dirty="0" err="1"/>
+              <a:t>function</a:t>
+            </a:r>
+            <a:r>
+              <a:rPr lang="tr-TR" dirty="0"/>
+              <a:t> </a:t>
+            </a:r>
+            <a:r>
+              <a:rPr lang="tr-TR" dirty="0" err="1"/>
+              <a:t>that</a:t>
+            </a:r>
+            <a:r>
+              <a:rPr lang="tr-TR" dirty="0"/>
+              <a:t> is </a:t>
+            </a:r>
+            <a:r>
+              <a:rPr lang="tr-TR" dirty="0" err="1"/>
+              <a:t>unlike</a:t>
+            </a:r>
+            <a:r>
+              <a:rPr lang="tr-TR" dirty="0"/>
+              <a:t> </a:t>
+            </a:r>
+            <a:r>
+              <a:rPr lang="tr-TR" dirty="0" err="1"/>
+              <a:t>the</a:t>
+            </a:r>
+            <a:r>
+              <a:rPr lang="tr-TR" dirty="0"/>
+              <a:t> literatüre </a:t>
+            </a:r>
+            <a:r>
+              <a:rPr lang="tr-TR" dirty="0" err="1"/>
+              <a:t>ones</a:t>
+            </a:r>
+            <a:r>
+              <a:rPr lang="tr-TR" dirty="0"/>
+              <a:t> </a:t>
+            </a:r>
+            <a:r>
+              <a:rPr lang="tr-TR" dirty="0" err="1"/>
+              <a:t>to</a:t>
+            </a:r>
+            <a:r>
+              <a:rPr lang="tr-TR" dirty="0"/>
+              <a:t> </a:t>
+            </a:r>
+            <a:r>
+              <a:rPr lang="tr-TR" dirty="0" err="1"/>
+              <a:t>find</a:t>
+            </a:r>
+            <a:r>
+              <a:rPr lang="tr-TR" dirty="0"/>
+              <a:t> an </a:t>
+            </a:r>
+            <a:r>
+              <a:rPr lang="tr-TR" dirty="0" err="1"/>
+              <a:t>better</a:t>
+            </a:r>
+            <a:r>
+              <a:rPr lang="tr-TR" dirty="0"/>
+              <a:t> </a:t>
+            </a:r>
+            <a:r>
+              <a:rPr lang="tr-TR" dirty="0" err="1"/>
+              <a:t>performance</a:t>
+            </a:r>
+            <a:r>
+              <a:rPr lang="tr-TR" dirty="0"/>
+              <a:t>, </a:t>
+            </a:r>
+            <a:r>
+              <a:rPr lang="tr-TR" dirty="0" err="1"/>
+              <a:t>if</a:t>
+            </a:r>
+            <a:r>
+              <a:rPr lang="tr-TR" dirty="0"/>
+              <a:t> </a:t>
+            </a:r>
+            <a:r>
+              <a:rPr lang="tr-TR" dirty="0" err="1"/>
+              <a:t>posiible</a:t>
+            </a:r>
+            <a:r>
+              <a:rPr lang="tr-TR" dirty="0"/>
+              <a:t>.</a:t>
+            </a:r>
           </a:p>
         </p:txBody>
       </p:sp>
@@ -1850,7 +2473,228 @@
               </a:spcAft>
               <a:buNone/>
             </a:pPr>
-            <a:endParaRPr dirty="0"/>
+            <a:r>
+              <a:rPr lang="tr-TR" dirty="0" err="1"/>
+              <a:t>This</a:t>
+            </a:r>
+            <a:r>
+              <a:rPr lang="tr-TR" dirty="0"/>
+              <a:t> is </a:t>
+            </a:r>
+            <a:r>
+              <a:rPr lang="tr-TR" dirty="0" err="1"/>
+              <a:t>the</a:t>
+            </a:r>
+            <a:r>
+              <a:rPr lang="tr-TR" dirty="0"/>
+              <a:t> </a:t>
+            </a:r>
+            <a:r>
+              <a:rPr lang="tr-TR" dirty="0" err="1"/>
+              <a:t>our</a:t>
+            </a:r>
+            <a:r>
+              <a:rPr lang="tr-TR" dirty="0"/>
+              <a:t> Project </a:t>
+            </a:r>
+            <a:r>
+              <a:rPr lang="tr-TR" dirty="0" err="1"/>
+              <a:t>environment</a:t>
+            </a:r>
+            <a:r>
+              <a:rPr lang="tr-TR" dirty="0"/>
+              <a:t> at </a:t>
+            </a:r>
+            <a:r>
+              <a:rPr lang="tr-TR" dirty="0" err="1"/>
+              <a:t>Simulink</a:t>
+            </a:r>
+            <a:r>
+              <a:rPr lang="tr-TR" dirty="0"/>
+              <a:t> platform. </a:t>
+            </a:r>
+            <a:r>
+              <a:rPr lang="tr-TR" dirty="0" err="1"/>
+              <a:t>Each</a:t>
+            </a:r>
+            <a:r>
+              <a:rPr lang="tr-TR" dirty="0"/>
+              <a:t> </a:t>
+            </a:r>
+            <a:r>
+              <a:rPr lang="tr-TR" dirty="0" err="1"/>
+              <a:t>block</a:t>
+            </a:r>
+            <a:r>
+              <a:rPr lang="tr-TR" dirty="0"/>
+              <a:t> </a:t>
+            </a:r>
+            <a:r>
+              <a:rPr lang="tr-TR" dirty="0" err="1"/>
+              <a:t>responsible</a:t>
+            </a:r>
+            <a:r>
+              <a:rPr lang="tr-TR" dirty="0"/>
+              <a:t> </a:t>
+            </a:r>
+            <a:r>
+              <a:rPr lang="tr-TR" dirty="0" err="1"/>
+              <a:t>for</a:t>
+            </a:r>
+            <a:r>
+              <a:rPr lang="tr-TR" dirty="0"/>
+              <a:t> </a:t>
+            </a:r>
+            <a:r>
+              <a:rPr lang="tr-TR" dirty="0" err="1"/>
+              <a:t>different</a:t>
+            </a:r>
+            <a:r>
+              <a:rPr lang="tr-TR" dirty="0"/>
+              <a:t> </a:t>
+            </a:r>
+            <a:r>
+              <a:rPr lang="tr-TR" dirty="0" err="1"/>
+              <a:t>tasks</a:t>
+            </a:r>
+            <a:r>
+              <a:rPr lang="tr-TR" dirty="0"/>
+              <a:t>. </a:t>
+            </a:r>
+          </a:p>
+          <a:p>
+            <a:pPr marL="0" lvl="0" indent="0" algn="l" rtl="0">
+              <a:spcBef>
+                <a:spcPts val="0"/>
+              </a:spcBef>
+              <a:spcAft>
+                <a:spcPts val="0"/>
+              </a:spcAft>
+              <a:buNone/>
+            </a:pPr>
+            <a:r>
+              <a:rPr lang="tr-TR" dirty="0" err="1"/>
+              <a:t>Signal</a:t>
+            </a:r>
+            <a:r>
+              <a:rPr lang="tr-TR" dirty="0"/>
+              <a:t> Editor               :  AC </a:t>
+            </a:r>
+            <a:r>
+              <a:rPr lang="tr-TR" dirty="0" err="1"/>
+              <a:t>command</a:t>
+            </a:r>
+            <a:r>
+              <a:rPr lang="tr-TR" dirty="0"/>
+              <a:t> </a:t>
+            </a:r>
+            <a:r>
+              <a:rPr lang="tr-TR" dirty="0" err="1"/>
+              <a:t>are</a:t>
+            </a:r>
+            <a:r>
+              <a:rPr lang="tr-TR" dirty="0"/>
+              <a:t> </a:t>
+            </a:r>
+            <a:r>
+              <a:rPr lang="tr-TR" dirty="0" err="1"/>
+              <a:t>creted</a:t>
+            </a:r>
+            <a:r>
+              <a:rPr lang="tr-TR" dirty="0"/>
+              <a:t> </a:t>
+            </a:r>
+          </a:p>
+          <a:p>
+            <a:pPr marL="0" lvl="0" indent="0" algn="l" rtl="0">
+              <a:spcBef>
+                <a:spcPts val="0"/>
+              </a:spcBef>
+              <a:spcAft>
+                <a:spcPts val="0"/>
+              </a:spcAft>
+              <a:buNone/>
+            </a:pPr>
+            <a:r>
+              <a:rPr lang="tr-TR" dirty="0" err="1"/>
+              <a:t>Sensors</a:t>
+            </a:r>
+            <a:r>
+              <a:rPr lang="tr-TR" dirty="0"/>
+              <a:t>                       : ……………………………….</a:t>
+            </a:r>
+          </a:p>
+          <a:p>
+            <a:pPr marL="0" lvl="0" indent="0" algn="l" rtl="0">
+              <a:spcBef>
+                <a:spcPts val="0"/>
+              </a:spcBef>
+              <a:spcAft>
+                <a:spcPts val="0"/>
+              </a:spcAft>
+              <a:buNone/>
+            </a:pPr>
+            <a:r>
+              <a:rPr lang="tr-TR" dirty="0"/>
+              <a:t>Flight Control </a:t>
+            </a:r>
+            <a:r>
+              <a:rPr lang="tr-TR" dirty="0" err="1"/>
+              <a:t>System</a:t>
+            </a:r>
+            <a:r>
+              <a:rPr lang="tr-TR" dirty="0"/>
+              <a:t> : ………………………………….</a:t>
+            </a:r>
+          </a:p>
+          <a:p>
+            <a:pPr marL="0" lvl="0" indent="0" algn="l" rtl="0">
+              <a:spcBef>
+                <a:spcPts val="0"/>
+              </a:spcBef>
+              <a:spcAft>
+                <a:spcPts val="0"/>
+              </a:spcAft>
+              <a:buNone/>
+            </a:pPr>
+            <a:r>
+              <a:rPr lang="tr-TR" dirty="0"/>
+              <a:t>Environment               : ………………………………</a:t>
+            </a:r>
+          </a:p>
+          <a:p>
+            <a:pPr marL="0" lvl="0" indent="0" algn="l" rtl="0">
+              <a:spcBef>
+                <a:spcPts val="0"/>
+              </a:spcBef>
+              <a:spcAft>
+                <a:spcPts val="0"/>
+              </a:spcAft>
+              <a:buNone/>
+            </a:pPr>
+            <a:r>
+              <a:rPr lang="tr-TR" dirty="0" err="1"/>
+              <a:t>Airframe</a:t>
+            </a:r>
+            <a:r>
+              <a:rPr lang="tr-TR" dirty="0"/>
+              <a:t>                      : ………………………………</a:t>
+            </a:r>
+          </a:p>
+          <a:p>
+            <a:pPr marL="0" lvl="0" indent="0" algn="l" rtl="0">
+              <a:spcBef>
+                <a:spcPts val="0"/>
+              </a:spcBef>
+              <a:spcAft>
+                <a:spcPts val="0"/>
+              </a:spcAft>
+              <a:buNone/>
+            </a:pPr>
+            <a:r>
+              <a:rPr lang="tr-TR" dirty="0"/>
+              <a:t>  </a:t>
+            </a:r>
           </a:p>
         </p:txBody>
       </p:sp>
@@ -2019,7 +2863,592 @@
               </a:spcAft>
               <a:buNone/>
             </a:pPr>
-            <a:endParaRPr dirty="0"/>
+            <a:r>
+              <a:rPr lang="tr-TR" dirty="0" err="1"/>
+              <a:t>This</a:t>
+            </a:r>
+            <a:r>
+              <a:rPr lang="tr-TR" dirty="0"/>
+              <a:t> is </a:t>
+            </a:r>
+            <a:r>
+              <a:rPr lang="tr-TR" dirty="0" err="1"/>
+              <a:t>the</a:t>
+            </a:r>
+            <a:r>
+              <a:rPr lang="tr-TR" dirty="0"/>
+              <a:t> </a:t>
+            </a:r>
+            <a:r>
+              <a:rPr lang="tr-TR" dirty="0" err="1"/>
+              <a:t>flight</a:t>
+            </a:r>
+            <a:r>
+              <a:rPr lang="tr-TR" dirty="0"/>
+              <a:t> </a:t>
+            </a:r>
+            <a:r>
+              <a:rPr lang="tr-TR" dirty="0" err="1"/>
+              <a:t>control</a:t>
+            </a:r>
+            <a:r>
+              <a:rPr lang="tr-TR" dirty="0"/>
+              <a:t> </a:t>
+            </a:r>
+            <a:r>
+              <a:rPr lang="tr-TR" dirty="0" err="1"/>
+              <a:t>system</a:t>
+            </a:r>
+            <a:r>
+              <a:rPr lang="tr-TR" dirty="0"/>
+              <a:t> </a:t>
+            </a:r>
+            <a:r>
+              <a:rPr lang="tr-TR" dirty="0" err="1"/>
+              <a:t>block</a:t>
+            </a:r>
+            <a:r>
+              <a:rPr lang="tr-TR" dirty="0"/>
+              <a:t> </a:t>
+            </a:r>
+            <a:r>
+              <a:rPr lang="tr-TR" dirty="0" err="1"/>
+              <a:t>that</a:t>
+            </a:r>
+            <a:r>
+              <a:rPr lang="tr-TR" dirty="0"/>
+              <a:t> </a:t>
+            </a:r>
+            <a:r>
+              <a:rPr lang="tr-TR" dirty="0" err="1"/>
+              <a:t>we</a:t>
+            </a:r>
+            <a:r>
+              <a:rPr lang="tr-TR" dirty="0"/>
+              <a:t> </a:t>
+            </a:r>
+            <a:r>
+              <a:rPr lang="tr-TR" dirty="0" err="1"/>
+              <a:t>focused</a:t>
+            </a:r>
+            <a:r>
+              <a:rPr lang="tr-TR" dirty="0"/>
+              <a:t> </a:t>
+            </a:r>
+            <a:r>
+              <a:rPr lang="tr-TR" dirty="0" err="1"/>
+              <a:t>one</a:t>
+            </a:r>
+            <a:r>
+              <a:rPr lang="tr-TR" dirty="0"/>
+              <a:t>. </a:t>
+            </a:r>
+          </a:p>
+          <a:p>
+            <a:pPr marL="0" lvl="0" indent="0" algn="l" rtl="0">
+              <a:spcBef>
+                <a:spcPts val="0"/>
+              </a:spcBef>
+              <a:spcAft>
+                <a:spcPts val="0"/>
+              </a:spcAft>
+              <a:buNone/>
+            </a:pPr>
+            <a:r>
+              <a:rPr lang="tr-TR" dirty="0" err="1"/>
+              <a:t>The</a:t>
+            </a:r>
+            <a:r>
+              <a:rPr lang="tr-TR" dirty="0"/>
+              <a:t> </a:t>
+            </a:r>
+            <a:r>
+              <a:rPr lang="tr-TR" dirty="0" err="1"/>
+              <a:t>orange</a:t>
+            </a:r>
+            <a:r>
+              <a:rPr lang="tr-TR" dirty="0"/>
+              <a:t> </a:t>
+            </a:r>
+            <a:r>
+              <a:rPr lang="tr-TR" dirty="0" err="1"/>
+              <a:t>blocks</a:t>
+            </a:r>
+            <a:r>
+              <a:rPr lang="tr-TR" dirty="0"/>
+              <a:t> </a:t>
+            </a:r>
+            <a:r>
+              <a:rPr lang="tr-TR" dirty="0" err="1"/>
+              <a:t>are</a:t>
+            </a:r>
+            <a:r>
+              <a:rPr lang="tr-TR" dirty="0"/>
+              <a:t> </a:t>
+            </a:r>
+            <a:r>
+              <a:rPr lang="tr-TR" dirty="0" err="1"/>
+              <a:t>normally</a:t>
+            </a:r>
+            <a:r>
+              <a:rPr lang="tr-TR" dirty="0"/>
+              <a:t> </a:t>
+            </a:r>
+            <a:r>
+              <a:rPr lang="tr-TR" dirty="0" err="1"/>
+              <a:t>controlled</a:t>
+            </a:r>
+            <a:r>
+              <a:rPr lang="tr-TR" dirty="0"/>
+              <a:t> </a:t>
+            </a:r>
+            <a:r>
+              <a:rPr lang="tr-TR" dirty="0" err="1"/>
+              <a:t>with</a:t>
+            </a:r>
+            <a:r>
+              <a:rPr lang="tr-TR" dirty="0"/>
+              <a:t> PID </a:t>
+            </a:r>
+            <a:r>
+              <a:rPr lang="tr-TR" dirty="0" err="1"/>
+              <a:t>controller</a:t>
+            </a:r>
+            <a:r>
+              <a:rPr lang="tr-TR" dirty="0"/>
+              <a:t>. </a:t>
+            </a:r>
+            <a:r>
+              <a:rPr lang="tr-TR" dirty="0" err="1"/>
+              <a:t>However</a:t>
+            </a:r>
+            <a:r>
+              <a:rPr lang="tr-TR" dirty="0"/>
+              <a:t>, </a:t>
+            </a:r>
+            <a:r>
+              <a:rPr lang="tr-TR" dirty="0" err="1"/>
+              <a:t>we</a:t>
+            </a:r>
+            <a:r>
+              <a:rPr lang="tr-TR" dirty="0"/>
+              <a:t> </a:t>
+            </a:r>
+            <a:r>
+              <a:rPr lang="tr-TR" dirty="0" err="1"/>
+              <a:t>added</a:t>
+            </a:r>
+            <a:r>
+              <a:rPr lang="tr-TR" dirty="0"/>
+              <a:t> inside </a:t>
+            </a:r>
+            <a:r>
+              <a:rPr lang="tr-TR" dirty="0" err="1"/>
+              <a:t>these</a:t>
+            </a:r>
+            <a:r>
+              <a:rPr lang="tr-TR" dirty="0"/>
+              <a:t> </a:t>
+            </a:r>
+            <a:r>
+              <a:rPr lang="tr-TR" dirty="0" err="1"/>
+              <a:t>blocks</a:t>
+            </a:r>
+            <a:r>
+              <a:rPr lang="tr-TR" dirty="0"/>
+              <a:t> RL </a:t>
+            </a:r>
+            <a:r>
+              <a:rPr lang="tr-TR" dirty="0" err="1"/>
+              <a:t>agents</a:t>
+            </a:r>
+            <a:r>
+              <a:rPr lang="tr-TR" dirty="0"/>
+              <a:t>. </a:t>
+            </a:r>
+          </a:p>
+          <a:p>
+            <a:pPr marL="0" lvl="0" indent="0" algn="l" rtl="0">
+              <a:spcBef>
+                <a:spcPts val="0"/>
+              </a:spcBef>
+              <a:spcAft>
+                <a:spcPts val="0"/>
+              </a:spcAft>
+              <a:buNone/>
+            </a:pPr>
+            <a:r>
+              <a:rPr lang="tr-TR" dirty="0" err="1"/>
+              <a:t>Our</a:t>
+            </a:r>
+            <a:r>
+              <a:rPr lang="tr-TR" dirty="0"/>
+              <a:t> plan </a:t>
+            </a:r>
+            <a:r>
+              <a:rPr lang="tr-TR" dirty="0" err="1"/>
+              <a:t>was</a:t>
+            </a:r>
+            <a:r>
+              <a:rPr lang="tr-TR" dirty="0"/>
+              <a:t> </a:t>
+            </a:r>
+            <a:r>
+              <a:rPr lang="tr-TR" dirty="0" err="1"/>
+              <a:t>firstly</a:t>
+            </a:r>
+            <a:r>
+              <a:rPr lang="tr-TR" dirty="0"/>
+              <a:t> </a:t>
+            </a:r>
+            <a:r>
+              <a:rPr lang="tr-TR" dirty="0" err="1"/>
+              <a:t>run</a:t>
+            </a:r>
+            <a:r>
+              <a:rPr lang="tr-TR" dirty="0"/>
+              <a:t> </a:t>
+            </a:r>
+            <a:r>
+              <a:rPr lang="tr-TR" dirty="0" err="1"/>
+              <a:t>the</a:t>
+            </a:r>
+            <a:r>
+              <a:rPr lang="tr-TR" dirty="0"/>
+              <a:t> </a:t>
+            </a:r>
+            <a:r>
+              <a:rPr lang="tr-TR" dirty="0" err="1"/>
+              <a:t>environment</a:t>
+            </a:r>
+            <a:r>
+              <a:rPr lang="tr-TR" dirty="0"/>
+              <a:t> </a:t>
+            </a:r>
+            <a:r>
+              <a:rPr lang="tr-TR" dirty="0" err="1"/>
+              <a:t>with</a:t>
+            </a:r>
+            <a:r>
+              <a:rPr lang="tr-TR" dirty="0"/>
+              <a:t> PID </a:t>
+            </a:r>
+            <a:r>
+              <a:rPr lang="tr-TR" dirty="0" err="1"/>
+              <a:t>controling</a:t>
+            </a:r>
+            <a:r>
+              <a:rPr lang="tr-TR" dirty="0"/>
+              <a:t> </a:t>
+            </a:r>
+            <a:r>
+              <a:rPr lang="tr-TR" dirty="0" err="1"/>
+              <a:t>blocks</a:t>
+            </a:r>
+            <a:r>
+              <a:rPr lang="tr-TR" dirty="0"/>
+              <a:t>. </a:t>
+            </a:r>
+            <a:r>
+              <a:rPr lang="tr-TR" dirty="0" err="1"/>
+              <a:t>And</a:t>
+            </a:r>
+            <a:r>
+              <a:rPr lang="tr-TR" dirty="0"/>
+              <a:t> </a:t>
+            </a:r>
+            <a:r>
+              <a:rPr lang="tr-TR" dirty="0" err="1"/>
+              <a:t>this</a:t>
+            </a:r>
+            <a:r>
+              <a:rPr lang="tr-TR" dirty="0"/>
+              <a:t> </a:t>
+            </a:r>
+            <a:r>
+              <a:rPr lang="tr-TR" dirty="0" err="1"/>
+              <a:t>worked</a:t>
+            </a:r>
+            <a:r>
+              <a:rPr lang="tr-TR" dirty="0"/>
+              <a:t> </a:t>
+            </a:r>
+            <a:r>
+              <a:rPr lang="tr-TR" dirty="0" err="1"/>
+              <a:t>fine</a:t>
+            </a:r>
+            <a:endParaRPr lang="tr-TR" dirty="0"/>
+          </a:p>
+          <a:p>
+            <a:pPr marL="0" lvl="0" indent="0" algn="l" rtl="0">
+              <a:spcBef>
+                <a:spcPts val="0"/>
+              </a:spcBef>
+              <a:spcAft>
+                <a:spcPts val="0"/>
+              </a:spcAft>
+              <a:buNone/>
+            </a:pPr>
+            <a:r>
+              <a:rPr lang="tr-TR" dirty="0" err="1"/>
+              <a:t>After</a:t>
+            </a:r>
+            <a:r>
+              <a:rPr lang="tr-TR" dirty="0"/>
+              <a:t> </a:t>
+            </a:r>
+            <a:r>
+              <a:rPr lang="tr-TR" dirty="0" err="1"/>
+              <a:t>then</a:t>
+            </a:r>
+            <a:r>
+              <a:rPr lang="tr-TR" dirty="0"/>
+              <a:t> </a:t>
+            </a:r>
+            <a:r>
+              <a:rPr lang="tr-TR" dirty="0" err="1"/>
+              <a:t>changed</a:t>
+            </a:r>
+            <a:r>
+              <a:rPr lang="tr-TR" dirty="0"/>
+              <a:t> </a:t>
+            </a:r>
+            <a:r>
+              <a:rPr lang="tr-TR" dirty="0" err="1"/>
+              <a:t>one</a:t>
+            </a:r>
+            <a:r>
+              <a:rPr lang="tr-TR" dirty="0"/>
+              <a:t> of </a:t>
+            </a:r>
+            <a:r>
+              <a:rPr lang="tr-TR" dirty="0" err="1"/>
+              <a:t>the</a:t>
+            </a:r>
+            <a:r>
+              <a:rPr lang="tr-TR" dirty="0"/>
+              <a:t> </a:t>
+            </a:r>
+            <a:r>
+              <a:rPr lang="tr-TR" dirty="0" err="1"/>
+              <a:t>blocks</a:t>
+            </a:r>
+            <a:r>
+              <a:rPr lang="tr-TR" dirty="0"/>
+              <a:t> </a:t>
+            </a:r>
+            <a:r>
+              <a:rPr lang="tr-TR" dirty="0" err="1"/>
+              <a:t>with</a:t>
+            </a:r>
+            <a:r>
+              <a:rPr lang="tr-TR" dirty="0"/>
+              <a:t> RL </a:t>
+            </a:r>
+            <a:r>
+              <a:rPr lang="tr-TR" dirty="0" err="1"/>
+              <a:t>agent</a:t>
+            </a:r>
+            <a:r>
+              <a:rPr lang="tr-TR" dirty="0"/>
+              <a:t> </a:t>
+            </a:r>
+            <a:r>
+              <a:rPr lang="tr-TR" dirty="0" err="1"/>
+              <a:t>and</a:t>
+            </a:r>
+            <a:r>
+              <a:rPr lang="tr-TR" dirty="0"/>
+              <a:t> </a:t>
+            </a:r>
+            <a:r>
+              <a:rPr lang="tr-TR" dirty="0" err="1"/>
+              <a:t>trained</a:t>
+            </a:r>
+            <a:r>
+              <a:rPr lang="tr-TR" dirty="0"/>
+              <a:t> .  </a:t>
+            </a:r>
+            <a:r>
+              <a:rPr lang="tr-TR" dirty="0" err="1"/>
+              <a:t>We</a:t>
+            </a:r>
+            <a:r>
+              <a:rPr lang="tr-TR" dirty="0"/>
+              <a:t> </a:t>
+            </a:r>
+            <a:r>
+              <a:rPr lang="tr-TR" dirty="0" err="1"/>
+              <a:t>did</a:t>
+            </a:r>
+            <a:r>
+              <a:rPr lang="tr-TR" dirty="0"/>
+              <a:t> not </a:t>
+            </a:r>
+            <a:r>
+              <a:rPr lang="tr-TR" dirty="0" err="1"/>
+              <a:t>change</a:t>
+            </a:r>
+            <a:r>
+              <a:rPr lang="tr-TR" dirty="0"/>
+              <a:t> </a:t>
+            </a:r>
+            <a:r>
+              <a:rPr lang="tr-TR" dirty="0" err="1"/>
+              <a:t>both</a:t>
+            </a:r>
+            <a:r>
+              <a:rPr lang="tr-TR" dirty="0"/>
+              <a:t> of </a:t>
+            </a:r>
+            <a:r>
+              <a:rPr lang="tr-TR" dirty="0" err="1"/>
+              <a:t>these</a:t>
+            </a:r>
+            <a:r>
+              <a:rPr lang="tr-TR" dirty="0"/>
+              <a:t> </a:t>
+            </a:r>
+            <a:r>
+              <a:rPr lang="tr-TR" dirty="0" err="1"/>
+              <a:t>blocks</a:t>
+            </a:r>
+            <a:r>
+              <a:rPr lang="tr-TR" dirty="0"/>
+              <a:t> </a:t>
+            </a:r>
+            <a:r>
+              <a:rPr lang="tr-TR" dirty="0" err="1"/>
+              <a:t>simultaneously</a:t>
+            </a:r>
+            <a:r>
+              <a:rPr lang="tr-TR" dirty="0"/>
+              <a:t>. </a:t>
+            </a:r>
+            <a:r>
+              <a:rPr lang="tr-TR" dirty="0" err="1"/>
+              <a:t>If</a:t>
+            </a:r>
+            <a:r>
+              <a:rPr lang="tr-TR" dirty="0"/>
+              <a:t> it is done </a:t>
+            </a:r>
+            <a:r>
+              <a:rPr lang="tr-TR" dirty="0" err="1"/>
+              <a:t>simultaneously</a:t>
+            </a:r>
+            <a:r>
+              <a:rPr lang="tr-TR" dirty="0"/>
+              <a:t> </a:t>
+            </a:r>
+            <a:r>
+              <a:rPr lang="tr-TR" dirty="0" err="1"/>
+              <a:t>agent</a:t>
+            </a:r>
+            <a:r>
+              <a:rPr lang="tr-TR" dirty="0"/>
+              <a:t> </a:t>
+            </a:r>
+            <a:r>
+              <a:rPr lang="tr-TR" dirty="0" err="1"/>
+              <a:t>training</a:t>
+            </a:r>
+            <a:r>
+              <a:rPr lang="tr-TR" dirty="0"/>
+              <a:t> </a:t>
+            </a:r>
+            <a:r>
+              <a:rPr lang="tr-TR" dirty="0" err="1"/>
+              <a:t>itself</a:t>
+            </a:r>
+            <a:r>
+              <a:rPr lang="tr-TR" dirty="0"/>
+              <a:t> </a:t>
+            </a:r>
+            <a:r>
+              <a:rPr lang="tr-TR" dirty="0" err="1"/>
+              <a:t>wrongly</a:t>
+            </a:r>
+            <a:r>
+              <a:rPr lang="tr-TR" dirty="0"/>
+              <a:t> </a:t>
+            </a:r>
+            <a:r>
+              <a:rPr lang="tr-TR" dirty="0" err="1"/>
+              <a:t>due</a:t>
+            </a:r>
+            <a:r>
+              <a:rPr lang="tr-TR" dirty="0"/>
+              <a:t> </a:t>
+            </a:r>
+            <a:r>
+              <a:rPr lang="tr-TR" dirty="0" err="1"/>
+              <a:t>to</a:t>
+            </a:r>
+            <a:r>
+              <a:rPr lang="tr-TR" dirty="0"/>
+              <a:t> </a:t>
+            </a:r>
+            <a:r>
+              <a:rPr lang="tr-TR" dirty="0" err="1"/>
+              <a:t>the</a:t>
+            </a:r>
+            <a:r>
+              <a:rPr lang="tr-TR" dirty="0"/>
+              <a:t> </a:t>
+            </a:r>
+            <a:r>
+              <a:rPr lang="tr-TR" dirty="0" err="1"/>
+              <a:t>two</a:t>
+            </a:r>
+            <a:r>
+              <a:rPr lang="tr-TR" dirty="0"/>
+              <a:t> </a:t>
+            </a:r>
+            <a:r>
+              <a:rPr lang="tr-TR" dirty="0" err="1"/>
+              <a:t>unknown</a:t>
+            </a:r>
+            <a:r>
+              <a:rPr lang="tr-TR" dirty="0"/>
+              <a:t> </a:t>
+            </a:r>
+          </a:p>
+          <a:p>
+            <a:pPr marL="0" lvl="0" indent="0" algn="l" rtl="0">
+              <a:spcBef>
+                <a:spcPts val="0"/>
+              </a:spcBef>
+              <a:spcAft>
+                <a:spcPts val="0"/>
+              </a:spcAft>
+              <a:buNone/>
+            </a:pPr>
+            <a:r>
+              <a:rPr lang="tr-TR" dirty="0" err="1"/>
+              <a:t>dynamic</a:t>
+            </a:r>
+            <a:r>
+              <a:rPr lang="tr-TR" dirty="0"/>
+              <a:t> </a:t>
+            </a:r>
+            <a:r>
+              <a:rPr lang="tr-TR" dirty="0" err="1"/>
+              <a:t>struct</a:t>
+            </a:r>
+            <a:endParaRPr lang="tr-TR" dirty="0"/>
+          </a:p>
+          <a:p>
+            <a:pPr marL="0" lvl="0" indent="0" algn="l" rtl="0">
+              <a:spcBef>
+                <a:spcPts val="0"/>
+              </a:spcBef>
+              <a:spcAft>
+                <a:spcPts val="0"/>
+              </a:spcAft>
+              <a:buNone/>
+            </a:pPr>
+            <a:endParaRPr lang="tr-TR" dirty="0"/>
           </a:p>
         </p:txBody>
       </p:sp>
@@ -2188,6 +3617,85 @@
               </a:spcAft>
               <a:buNone/>
             </a:pPr>
+            <a:r>
+              <a:rPr lang="tr-TR" dirty="0" err="1"/>
+              <a:t>This</a:t>
+            </a:r>
+            <a:r>
+              <a:rPr lang="tr-TR" dirty="0"/>
+              <a:t> is PID </a:t>
+            </a:r>
+            <a:r>
+              <a:rPr lang="tr-TR" dirty="0" err="1"/>
+              <a:t>control</a:t>
+            </a:r>
+            <a:r>
+              <a:rPr lang="tr-TR" dirty="0"/>
+              <a:t> </a:t>
+            </a:r>
+            <a:r>
+              <a:rPr lang="tr-TR" dirty="0" err="1"/>
+              <a:t>block</a:t>
+            </a:r>
+            <a:r>
+              <a:rPr lang="tr-TR" dirty="0"/>
+              <a:t> </a:t>
+            </a:r>
+            <a:r>
+              <a:rPr lang="tr-TR" dirty="0" err="1"/>
+              <a:t>for</a:t>
+            </a:r>
+            <a:r>
+              <a:rPr lang="tr-TR" dirty="0"/>
+              <a:t> </a:t>
+            </a:r>
+            <a:r>
+              <a:rPr lang="tr-TR" dirty="0" err="1"/>
+              <a:t>attitude</a:t>
+            </a:r>
+            <a:r>
+              <a:rPr lang="tr-TR" dirty="0"/>
+              <a:t> </a:t>
+            </a:r>
+            <a:r>
+              <a:rPr lang="tr-TR" dirty="0" err="1"/>
+              <a:t>controller</a:t>
+            </a:r>
+            <a:r>
+              <a:rPr lang="tr-TR" dirty="0"/>
+              <a:t> </a:t>
+            </a:r>
+            <a:r>
+              <a:rPr lang="tr-TR" dirty="0" err="1"/>
+              <a:t>for</a:t>
+            </a:r>
+            <a:r>
+              <a:rPr lang="tr-TR" dirty="0"/>
+              <a:t> </a:t>
+            </a:r>
+            <a:r>
+              <a:rPr lang="tr-TR" dirty="0" err="1"/>
+              <a:t>quadcopter</a:t>
+            </a:r>
+            <a:r>
+              <a:rPr lang="tr-TR" dirty="0"/>
+              <a:t>.</a:t>
+            </a:r>
+          </a:p>
+          <a:p>
+            <a:pPr marL="0" lvl="0" indent="0" algn="l" rtl="0">
+              <a:spcBef>
+                <a:spcPts val="0"/>
+              </a:spcBef>
+              <a:spcAft>
+                <a:spcPts val="0"/>
+              </a:spcAft>
+              <a:buNone/>
+            </a:pPr>
+            <a:r>
+              <a:rPr lang="tr-TR" dirty="0"/>
+              <a:t>…………………………………….</a:t>
+            </a:r>
             <a:endParaRPr dirty="0"/>
           </a:p>
         </p:txBody>
@@ -2357,7 +3865,220 @@
               </a:spcAft>
               <a:buNone/>
             </a:pPr>
-            <a:endParaRPr dirty="0"/>
+            <a:r>
+              <a:rPr lang="tr-TR" dirty="0" err="1"/>
+              <a:t>This</a:t>
+            </a:r>
+            <a:r>
+              <a:rPr lang="tr-TR" dirty="0"/>
+              <a:t> is </a:t>
+            </a:r>
+            <a:r>
+              <a:rPr lang="tr-TR" dirty="0" err="1"/>
+              <a:t>the</a:t>
+            </a:r>
+            <a:r>
+              <a:rPr lang="tr-TR" dirty="0"/>
+              <a:t> </a:t>
+            </a:r>
+            <a:r>
+              <a:rPr lang="tr-TR" dirty="0" err="1"/>
+              <a:t>agent</a:t>
+            </a:r>
+            <a:r>
+              <a:rPr lang="tr-TR" dirty="0"/>
+              <a:t> </a:t>
+            </a:r>
+            <a:r>
+              <a:rPr lang="tr-TR" dirty="0" err="1"/>
+              <a:t>and</a:t>
+            </a:r>
+            <a:r>
+              <a:rPr lang="tr-TR" dirty="0"/>
+              <a:t> </a:t>
+            </a:r>
+            <a:r>
+              <a:rPr lang="tr-TR" dirty="0" err="1"/>
+              <a:t>its</a:t>
+            </a:r>
+            <a:r>
+              <a:rPr lang="tr-TR" dirty="0"/>
+              <a:t> </a:t>
+            </a:r>
+            <a:r>
+              <a:rPr lang="tr-TR" dirty="0" err="1"/>
+              <a:t>environment</a:t>
+            </a:r>
+            <a:r>
+              <a:rPr lang="tr-TR" dirty="0"/>
+              <a:t> </a:t>
+            </a:r>
+            <a:r>
+              <a:rPr lang="tr-TR" dirty="0" err="1"/>
+              <a:t>block</a:t>
+            </a:r>
+            <a:r>
+              <a:rPr lang="tr-TR" dirty="0"/>
+              <a:t>. </a:t>
+            </a:r>
+          </a:p>
+          <a:p>
+            <a:pPr marL="0" lvl="0" indent="0" algn="l" rtl="0">
+              <a:spcBef>
+                <a:spcPts val="0"/>
+              </a:spcBef>
+              <a:spcAft>
+                <a:spcPts val="0"/>
+              </a:spcAft>
+              <a:buNone/>
+            </a:pPr>
+            <a:endParaRPr lang="tr-TR" dirty="0"/>
+          </a:p>
+          <a:p>
+            <a:pPr marL="0" lvl="0" indent="0" algn="l" rtl="0">
+              <a:spcBef>
+                <a:spcPts val="0"/>
+              </a:spcBef>
+              <a:spcAft>
+                <a:spcPts val="0"/>
+              </a:spcAft>
+              <a:buNone/>
+            </a:pPr>
+            <a:r>
+              <a:rPr lang="tr-TR" dirty="0" err="1"/>
+              <a:t>Input</a:t>
+            </a:r>
+            <a:r>
+              <a:rPr lang="tr-TR" dirty="0"/>
+              <a:t> </a:t>
+            </a:r>
+            <a:r>
+              <a:rPr lang="tr-TR" dirty="0" err="1"/>
+              <a:t>parameters</a:t>
+            </a:r>
+            <a:r>
+              <a:rPr lang="tr-TR" dirty="0"/>
+              <a:t> </a:t>
+            </a:r>
+            <a:r>
+              <a:rPr lang="tr-TR" dirty="0" err="1"/>
+              <a:t>are</a:t>
+            </a:r>
+            <a:r>
+              <a:rPr lang="tr-TR" dirty="0"/>
+              <a:t> </a:t>
+            </a:r>
+            <a:r>
+              <a:rPr lang="tr-TR" dirty="0" err="1"/>
+              <a:t>observation</a:t>
+            </a:r>
+            <a:r>
+              <a:rPr lang="tr-TR" dirty="0"/>
+              <a:t>, </a:t>
+            </a:r>
+            <a:r>
+              <a:rPr lang="tr-TR" dirty="0" err="1"/>
+              <a:t>reward</a:t>
+            </a:r>
+            <a:r>
+              <a:rPr lang="tr-TR" dirty="0"/>
+              <a:t> </a:t>
+            </a:r>
+            <a:r>
+              <a:rPr lang="tr-TR" dirty="0" err="1"/>
+              <a:t>Function</a:t>
+            </a:r>
+            <a:r>
+              <a:rPr lang="tr-TR" dirty="0"/>
+              <a:t> </a:t>
+            </a:r>
+            <a:r>
+              <a:rPr lang="tr-TR" dirty="0" err="1"/>
+              <a:t>and</a:t>
+            </a:r>
+            <a:r>
+              <a:rPr lang="tr-TR" dirty="0"/>
+              <a:t> </a:t>
+            </a:r>
+            <a:r>
+              <a:rPr lang="tr-TR" dirty="0" err="1"/>
+              <a:t>flag</a:t>
+            </a:r>
+            <a:r>
+              <a:rPr lang="tr-TR" dirty="0"/>
+              <a:t>.  </a:t>
+            </a:r>
+            <a:r>
+              <a:rPr lang="tr-TR" dirty="0" err="1"/>
+              <a:t>the</a:t>
+            </a:r>
+            <a:r>
+              <a:rPr lang="tr-TR" dirty="0"/>
+              <a:t> </a:t>
+            </a:r>
+            <a:r>
+              <a:rPr lang="tr-TR" dirty="0" err="1"/>
+              <a:t>output</a:t>
+            </a:r>
+            <a:r>
+              <a:rPr lang="tr-TR" dirty="0"/>
+              <a:t> is </a:t>
+            </a:r>
+            <a:r>
+              <a:rPr lang="tr-TR" dirty="0" err="1"/>
+              <a:t>the</a:t>
+            </a:r>
+            <a:r>
+              <a:rPr lang="tr-TR" dirty="0"/>
+              <a:t> </a:t>
+            </a:r>
+            <a:r>
+              <a:rPr lang="tr-TR" dirty="0" err="1"/>
+              <a:t>action</a:t>
+            </a:r>
+            <a:r>
+              <a:rPr lang="tr-TR" dirty="0"/>
+              <a:t>.</a:t>
+            </a:r>
+          </a:p>
+          <a:p>
+            <a:pPr marL="0" lvl="0" indent="0" algn="l" rtl="0">
+              <a:spcBef>
+                <a:spcPts val="0"/>
+              </a:spcBef>
+              <a:spcAft>
+                <a:spcPts val="0"/>
+              </a:spcAft>
+              <a:buNone/>
+            </a:pPr>
+            <a:r>
+              <a:rPr lang="tr-TR" dirty="0"/>
+              <a:t> </a:t>
+            </a:r>
+          </a:p>
+          <a:p>
+            <a:pPr marL="0" lvl="0" indent="0" algn="l" rtl="0">
+              <a:spcBef>
+                <a:spcPts val="0"/>
+              </a:spcBef>
+              <a:spcAft>
+                <a:spcPts val="0"/>
+              </a:spcAft>
+              <a:buNone/>
+            </a:pPr>
+            <a:endParaRPr lang="tr-TR" dirty="0"/>
+          </a:p>
+          <a:p>
+            <a:pPr marL="0" lvl="0" indent="0" algn="l" rtl="0">
+              <a:spcBef>
+                <a:spcPts val="0"/>
+              </a:spcBef>
+              <a:spcAft>
+                <a:spcPts val="0"/>
+              </a:spcAft>
+              <a:buNone/>
+            </a:pPr>
+            <a:endParaRPr lang="tr-TR" dirty="0"/>
           </a:p>
         </p:txBody>
       </p:sp>
@@ -2526,6 +4247,541 @@
               </a:spcAft>
               <a:buNone/>
             </a:pPr>
+            <a:r>
+              <a:rPr lang="tr-TR" dirty="0" err="1"/>
+              <a:t>This</a:t>
+            </a:r>
+            <a:r>
+              <a:rPr lang="tr-TR" dirty="0"/>
+              <a:t> is </a:t>
+            </a:r>
+            <a:r>
+              <a:rPr lang="tr-TR" dirty="0" err="1"/>
+              <a:t>our</a:t>
+            </a:r>
+            <a:r>
+              <a:rPr lang="tr-TR" dirty="0"/>
+              <a:t> </a:t>
+            </a:r>
+            <a:r>
+              <a:rPr lang="tr-TR" dirty="0" err="1"/>
+              <a:t>first</a:t>
+            </a:r>
+            <a:r>
+              <a:rPr lang="tr-TR" dirty="0"/>
+              <a:t> </a:t>
+            </a:r>
+            <a:r>
+              <a:rPr lang="tr-TR" dirty="0" err="1"/>
+              <a:t>output</a:t>
+            </a:r>
+            <a:r>
+              <a:rPr lang="tr-TR" dirty="0"/>
+              <a:t> of </a:t>
+            </a:r>
+            <a:r>
+              <a:rPr lang="tr-TR" dirty="0" err="1"/>
+              <a:t>trained</a:t>
+            </a:r>
+            <a:r>
+              <a:rPr lang="tr-TR" dirty="0"/>
+              <a:t> RL </a:t>
+            </a:r>
+            <a:r>
+              <a:rPr lang="tr-TR" dirty="0" err="1"/>
+              <a:t>agent</a:t>
+            </a:r>
+            <a:r>
+              <a:rPr lang="tr-TR" dirty="0"/>
+              <a:t>. </a:t>
+            </a:r>
+          </a:p>
+          <a:p>
+            <a:pPr marL="0" lvl="0" indent="0" algn="l" rtl="0">
+              <a:spcBef>
+                <a:spcPts val="0"/>
+              </a:spcBef>
+              <a:spcAft>
+                <a:spcPts val="0"/>
+              </a:spcAft>
+              <a:buNone/>
+            </a:pPr>
+            <a:r>
+              <a:rPr lang="tr-TR" dirty="0" err="1"/>
+              <a:t>This</a:t>
+            </a:r>
+            <a:r>
+              <a:rPr lang="tr-TR" dirty="0"/>
+              <a:t> is not an </a:t>
+            </a:r>
+            <a:r>
+              <a:rPr lang="tr-TR" dirty="0" err="1"/>
+              <a:t>true</a:t>
+            </a:r>
+            <a:r>
+              <a:rPr lang="tr-TR" dirty="0"/>
+              <a:t> </a:t>
+            </a:r>
+            <a:r>
+              <a:rPr lang="tr-TR" dirty="0" err="1"/>
+              <a:t>for</a:t>
+            </a:r>
+            <a:r>
+              <a:rPr lang="tr-TR" dirty="0"/>
+              <a:t> us </a:t>
+            </a:r>
+            <a:r>
+              <a:rPr lang="tr-TR" dirty="0" err="1"/>
+              <a:t>for</a:t>
+            </a:r>
+            <a:r>
+              <a:rPr lang="tr-TR" dirty="0"/>
+              <a:t> </a:t>
+            </a:r>
+            <a:r>
+              <a:rPr lang="tr-TR" dirty="0" err="1"/>
+              <a:t>this</a:t>
+            </a:r>
+            <a:r>
+              <a:rPr lang="tr-TR" dirty="0"/>
+              <a:t> </a:t>
+            </a:r>
+            <a:r>
+              <a:rPr lang="tr-TR" dirty="0" err="1"/>
+              <a:t>because</a:t>
+            </a:r>
+            <a:r>
+              <a:rPr lang="tr-TR" dirty="0"/>
+              <a:t> </a:t>
+            </a:r>
+            <a:r>
+              <a:rPr lang="tr-TR" dirty="0" err="1"/>
+              <a:t>we</a:t>
+            </a:r>
+            <a:r>
+              <a:rPr lang="tr-TR" dirty="0"/>
+              <a:t> </a:t>
+            </a:r>
+            <a:r>
+              <a:rPr lang="tr-TR" dirty="0" err="1"/>
+              <a:t>only</a:t>
+            </a:r>
+            <a:r>
+              <a:rPr lang="tr-TR" dirty="0"/>
+              <a:t> </a:t>
+            </a:r>
+            <a:r>
+              <a:rPr lang="tr-TR" dirty="0" err="1"/>
+              <a:t>focused</a:t>
+            </a:r>
+            <a:r>
+              <a:rPr lang="tr-TR" dirty="0"/>
+              <a:t> </a:t>
+            </a:r>
+            <a:r>
+              <a:rPr lang="tr-TR" dirty="0" err="1"/>
+              <a:t>to</a:t>
+            </a:r>
+            <a:r>
+              <a:rPr lang="tr-TR" dirty="0"/>
+              <a:t> </a:t>
+            </a:r>
+            <a:r>
+              <a:rPr lang="tr-TR" dirty="0" err="1"/>
+              <a:t>obtain</a:t>
+            </a:r>
+            <a:r>
+              <a:rPr lang="tr-TR" dirty="0"/>
+              <a:t> </a:t>
+            </a:r>
+            <a:r>
+              <a:rPr lang="tr-TR" dirty="0" err="1"/>
+              <a:t>some</a:t>
+            </a:r>
+            <a:r>
+              <a:rPr lang="tr-TR" dirty="0"/>
+              <a:t> data </a:t>
+            </a:r>
+            <a:r>
+              <a:rPr lang="tr-TR" dirty="0" err="1"/>
+              <a:t>from</a:t>
+            </a:r>
+            <a:r>
+              <a:rPr lang="tr-TR" dirty="0"/>
+              <a:t> </a:t>
+            </a:r>
+            <a:r>
+              <a:rPr lang="tr-TR" dirty="0" err="1"/>
+              <a:t>the</a:t>
+            </a:r>
+            <a:r>
+              <a:rPr lang="tr-TR" dirty="0"/>
+              <a:t> </a:t>
+            </a:r>
+            <a:r>
+              <a:rPr lang="tr-TR" dirty="0" err="1"/>
+              <a:t>agent</a:t>
+            </a:r>
+            <a:r>
+              <a:rPr lang="tr-TR" dirty="0"/>
+              <a:t> </a:t>
+            </a:r>
+            <a:r>
+              <a:rPr lang="tr-TR" dirty="0" err="1"/>
+              <a:t>block</a:t>
+            </a:r>
+            <a:r>
+              <a:rPr lang="tr-TR" dirty="0"/>
+              <a:t>.</a:t>
+            </a:r>
+          </a:p>
+          <a:p>
+            <a:pPr marL="0" lvl="0" indent="0" algn="l" rtl="0">
+              <a:spcBef>
+                <a:spcPts val="0"/>
+              </a:spcBef>
+              <a:spcAft>
+                <a:spcPts val="0"/>
+              </a:spcAft>
+              <a:buNone/>
+            </a:pPr>
+            <a:r>
+              <a:rPr lang="tr-TR" dirty="0" err="1"/>
+              <a:t>This</a:t>
+            </a:r>
+            <a:r>
+              <a:rPr lang="tr-TR" dirty="0"/>
+              <a:t> is </a:t>
+            </a:r>
+            <a:r>
+              <a:rPr lang="tr-TR" dirty="0" err="1"/>
+              <a:t>trained</a:t>
+            </a:r>
+            <a:r>
+              <a:rPr lang="tr-TR" dirty="0"/>
+              <a:t> </a:t>
+            </a:r>
+            <a:r>
+              <a:rPr lang="tr-TR" dirty="0" err="1"/>
+              <a:t>with</a:t>
+            </a:r>
+            <a:r>
+              <a:rPr lang="tr-TR" dirty="0"/>
+              <a:t> 6 </a:t>
+            </a:r>
+            <a:r>
+              <a:rPr lang="tr-TR" dirty="0" err="1"/>
+              <a:t>episodes</a:t>
+            </a:r>
+            <a:r>
+              <a:rPr lang="tr-TR" dirty="0"/>
+              <a:t>. </a:t>
+            </a:r>
+            <a:r>
+              <a:rPr lang="tr-TR" dirty="0" err="1"/>
+              <a:t>This</a:t>
+            </a:r>
+            <a:r>
+              <a:rPr lang="tr-TR" dirty="0"/>
+              <a:t> is not </a:t>
+            </a:r>
+            <a:r>
+              <a:rPr lang="tr-TR" dirty="0" err="1"/>
+              <a:t>enough</a:t>
+            </a:r>
+            <a:r>
+              <a:rPr lang="tr-TR" dirty="0"/>
+              <a:t> </a:t>
+            </a:r>
+            <a:r>
+              <a:rPr lang="tr-TR" dirty="0" err="1"/>
+              <a:t>and</a:t>
+            </a:r>
+            <a:r>
+              <a:rPr lang="tr-TR" dirty="0"/>
+              <a:t> </a:t>
+            </a:r>
+            <a:r>
+              <a:rPr lang="tr-TR" dirty="0" err="1"/>
+              <a:t>episodes</a:t>
+            </a:r>
+            <a:r>
+              <a:rPr lang="tr-TR" dirty="0"/>
+              <a:t> </a:t>
+            </a:r>
+            <a:r>
+              <a:rPr lang="tr-TR" dirty="0" err="1"/>
+              <a:t>will</a:t>
+            </a:r>
+            <a:r>
+              <a:rPr lang="tr-TR" dirty="0"/>
+              <a:t> be </a:t>
+            </a:r>
+            <a:r>
+              <a:rPr lang="tr-TR" dirty="0" err="1"/>
+              <a:t>more</a:t>
+            </a:r>
+            <a:r>
+              <a:rPr lang="tr-TR" dirty="0"/>
+              <a:t> </a:t>
+            </a:r>
+            <a:r>
+              <a:rPr lang="tr-TR" dirty="0" err="1"/>
+              <a:t>and</a:t>
+            </a:r>
+            <a:r>
+              <a:rPr lang="tr-TR" dirty="0"/>
+              <a:t> </a:t>
+            </a:r>
+            <a:r>
+              <a:rPr lang="tr-TR" dirty="0" err="1"/>
+              <a:t>more</a:t>
+            </a:r>
+            <a:r>
+              <a:rPr lang="tr-TR" dirty="0"/>
+              <a:t> </a:t>
+            </a:r>
+            <a:r>
+              <a:rPr lang="tr-TR" dirty="0" err="1"/>
+              <a:t>to</a:t>
+            </a:r>
+            <a:r>
+              <a:rPr lang="tr-TR" dirty="0"/>
+              <a:t> </a:t>
+            </a:r>
+            <a:r>
+              <a:rPr lang="tr-TR" dirty="0" err="1"/>
+              <a:t>obtain</a:t>
+            </a:r>
+            <a:r>
+              <a:rPr lang="tr-TR" dirty="0"/>
+              <a:t> </a:t>
+            </a:r>
+            <a:r>
+              <a:rPr lang="tr-TR" dirty="0" err="1"/>
+              <a:t>better</a:t>
+            </a:r>
+            <a:r>
+              <a:rPr lang="tr-TR" dirty="0"/>
+              <a:t> </a:t>
+            </a:r>
+            <a:r>
+              <a:rPr lang="tr-TR" dirty="0" err="1"/>
+              <a:t>training</a:t>
+            </a:r>
+            <a:r>
+              <a:rPr lang="tr-TR" dirty="0"/>
+              <a:t> </a:t>
+            </a:r>
+            <a:r>
+              <a:rPr lang="tr-TR" dirty="0" err="1"/>
+              <a:t>agent</a:t>
+            </a:r>
+            <a:r>
+              <a:rPr lang="tr-TR" dirty="0"/>
+              <a:t>.</a:t>
+            </a:r>
+          </a:p>
+          <a:p>
+            <a:pPr marL="0" lvl="0" indent="0" algn="l" rtl="0">
+              <a:spcBef>
+                <a:spcPts val="0"/>
+              </a:spcBef>
+              <a:spcAft>
+                <a:spcPts val="0"/>
+              </a:spcAft>
+              <a:buNone/>
+            </a:pPr>
+            <a:r>
+              <a:rPr lang="tr-TR" dirty="0" err="1"/>
+              <a:t>This</a:t>
+            </a:r>
+            <a:r>
+              <a:rPr lang="tr-TR" dirty="0"/>
+              <a:t> </a:t>
+            </a:r>
+            <a:r>
+              <a:rPr lang="tr-TR" dirty="0" err="1"/>
+              <a:t>agent</a:t>
+            </a:r>
+            <a:r>
+              <a:rPr lang="tr-TR" dirty="0"/>
+              <a:t> is </a:t>
+            </a:r>
+            <a:r>
+              <a:rPr lang="tr-TR" dirty="0" err="1"/>
+              <a:t>negative</a:t>
+            </a:r>
+            <a:r>
+              <a:rPr lang="tr-TR" dirty="0"/>
+              <a:t> </a:t>
+            </a:r>
+            <a:r>
+              <a:rPr lang="tr-TR" dirty="0" err="1"/>
+              <a:t>because</a:t>
+            </a:r>
+            <a:r>
+              <a:rPr lang="tr-TR" dirty="0"/>
+              <a:t> of </a:t>
+            </a:r>
+            <a:r>
+              <a:rPr lang="tr-TR" dirty="0" err="1"/>
+              <a:t>the</a:t>
+            </a:r>
+            <a:r>
+              <a:rPr lang="tr-TR" dirty="0"/>
+              <a:t> </a:t>
+            </a:r>
+            <a:r>
+              <a:rPr lang="tr-TR" dirty="0" err="1"/>
+              <a:t>reward</a:t>
+            </a:r>
+            <a:r>
+              <a:rPr lang="tr-TR" dirty="0"/>
+              <a:t> </a:t>
+            </a:r>
+            <a:r>
+              <a:rPr lang="tr-TR" dirty="0" err="1"/>
+              <a:t>function</a:t>
+            </a:r>
+            <a:r>
+              <a:rPr lang="tr-TR" dirty="0"/>
+              <a:t> </a:t>
+            </a:r>
+            <a:r>
+              <a:rPr lang="tr-TR" dirty="0" err="1"/>
+              <a:t>which</a:t>
+            </a:r>
+            <a:r>
+              <a:rPr lang="tr-TR" dirty="0"/>
+              <a:t> is </a:t>
+            </a:r>
+            <a:r>
+              <a:rPr lang="tr-TR" dirty="0" err="1"/>
+              <a:t>multiplied</a:t>
+            </a:r>
+            <a:r>
+              <a:rPr lang="tr-TR" dirty="0"/>
+              <a:t> </a:t>
+            </a:r>
+            <a:r>
+              <a:rPr lang="tr-TR" dirty="0" err="1"/>
+              <a:t>by</a:t>
+            </a:r>
+            <a:r>
+              <a:rPr lang="tr-TR" dirty="0"/>
+              <a:t> -1.</a:t>
+            </a:r>
+          </a:p>
+          <a:p>
+            <a:pPr marL="0" lvl="0" indent="0" algn="l" rtl="0">
+              <a:spcBef>
+                <a:spcPts val="0"/>
+              </a:spcBef>
+              <a:spcAft>
+                <a:spcPts val="0"/>
+              </a:spcAft>
+              <a:buNone/>
+            </a:pPr>
+            <a:r>
+              <a:rPr lang="tr-TR" dirty="0" err="1"/>
+              <a:t>While</a:t>
+            </a:r>
+            <a:r>
+              <a:rPr lang="tr-TR" dirty="0"/>
+              <a:t> </a:t>
+            </a:r>
+            <a:r>
+              <a:rPr lang="tr-TR" dirty="0" err="1"/>
+              <a:t>the</a:t>
+            </a:r>
+            <a:r>
+              <a:rPr lang="tr-TR" dirty="0"/>
+              <a:t> </a:t>
+            </a:r>
+            <a:r>
+              <a:rPr lang="tr-TR" dirty="0" err="1"/>
+              <a:t>actions</a:t>
+            </a:r>
+            <a:r>
+              <a:rPr lang="tr-TR" dirty="0"/>
+              <a:t> </a:t>
+            </a:r>
+            <a:r>
+              <a:rPr lang="tr-TR" dirty="0" err="1"/>
+              <a:t>close</a:t>
+            </a:r>
+            <a:r>
+              <a:rPr lang="tr-TR" dirty="0"/>
+              <a:t> </a:t>
+            </a:r>
+            <a:r>
+              <a:rPr lang="tr-TR" dirty="0" err="1"/>
+              <a:t>to</a:t>
+            </a:r>
+            <a:r>
+              <a:rPr lang="tr-TR" dirty="0"/>
+              <a:t> </a:t>
+            </a:r>
+            <a:r>
+              <a:rPr lang="tr-TR" dirty="0" err="1"/>
+              <a:t>the</a:t>
+            </a:r>
+            <a:r>
+              <a:rPr lang="tr-TR" dirty="0"/>
+              <a:t> </a:t>
+            </a:r>
+            <a:r>
+              <a:rPr lang="tr-TR" dirty="0" err="1"/>
+              <a:t>desired</a:t>
+            </a:r>
+            <a:r>
+              <a:rPr lang="tr-TR" dirty="0"/>
+              <a:t> </a:t>
+            </a:r>
+            <a:r>
+              <a:rPr lang="tr-TR" dirty="0" err="1"/>
+              <a:t>positions</a:t>
+            </a:r>
+            <a:r>
+              <a:rPr lang="tr-TR" dirty="0"/>
+              <a:t>, </a:t>
+            </a:r>
+            <a:r>
+              <a:rPr lang="tr-TR" dirty="0" err="1"/>
+              <a:t>reward</a:t>
+            </a:r>
+            <a:r>
+              <a:rPr lang="tr-TR" dirty="0"/>
+              <a:t> </a:t>
+            </a:r>
+            <a:r>
+              <a:rPr lang="tr-TR" dirty="0" err="1"/>
+              <a:t>will</a:t>
+            </a:r>
+            <a:r>
+              <a:rPr lang="tr-TR" dirty="0"/>
+              <a:t> be </a:t>
+            </a:r>
+            <a:r>
+              <a:rPr lang="tr-TR" dirty="0" err="1"/>
+              <a:t>around</a:t>
+            </a:r>
+            <a:r>
+              <a:rPr lang="tr-TR" dirty="0"/>
+              <a:t> 0.</a:t>
+            </a:r>
+          </a:p>
+          <a:p>
+            <a:pPr marL="0" lvl="0" indent="0" algn="l" rtl="0">
+              <a:spcBef>
+                <a:spcPts val="0"/>
+              </a:spcBef>
+              <a:spcAft>
+                <a:spcPts val="0"/>
+              </a:spcAft>
+              <a:buNone/>
+            </a:pPr>
             <a:endParaRPr dirty="0"/>
           </a:p>
         </p:txBody>
@@ -2695,7 +4951,845 @@
               </a:spcAft>
               <a:buNone/>
             </a:pPr>
-            <a:endParaRPr dirty="0"/>
+            <a:r>
+              <a:rPr lang="tr-TR" dirty="0" err="1"/>
+              <a:t>Up</a:t>
+            </a:r>
+            <a:r>
+              <a:rPr lang="tr-TR" dirty="0"/>
+              <a:t> </a:t>
+            </a:r>
+            <a:r>
+              <a:rPr lang="tr-TR" dirty="0" err="1"/>
+              <a:t>to</a:t>
+            </a:r>
+            <a:r>
+              <a:rPr lang="tr-TR" dirty="0"/>
+              <a:t> </a:t>
+            </a:r>
+            <a:r>
+              <a:rPr lang="tr-TR" dirty="0" err="1"/>
+              <a:t>this</a:t>
+            </a:r>
+            <a:r>
+              <a:rPr lang="tr-TR" dirty="0"/>
+              <a:t> </a:t>
+            </a:r>
+            <a:r>
+              <a:rPr lang="tr-TR" dirty="0" err="1"/>
+              <a:t>point</a:t>
+            </a:r>
+            <a:r>
+              <a:rPr lang="tr-TR" dirty="0"/>
+              <a:t> </a:t>
+            </a:r>
+            <a:r>
+              <a:rPr lang="tr-TR" dirty="0" err="1"/>
+              <a:t>we</a:t>
+            </a:r>
+            <a:r>
+              <a:rPr lang="tr-TR" dirty="0"/>
+              <a:t> </a:t>
+            </a:r>
+            <a:r>
+              <a:rPr lang="tr-TR" dirty="0" err="1"/>
+              <a:t>created</a:t>
+            </a:r>
+            <a:r>
+              <a:rPr lang="tr-TR" dirty="0"/>
+              <a:t> </a:t>
+            </a:r>
+            <a:r>
+              <a:rPr lang="tr-TR" dirty="0" err="1"/>
+              <a:t>the</a:t>
+            </a:r>
+            <a:r>
+              <a:rPr lang="tr-TR" dirty="0"/>
+              <a:t> </a:t>
+            </a:r>
+            <a:r>
+              <a:rPr lang="tr-TR" dirty="0" err="1"/>
+              <a:t>running</a:t>
+            </a:r>
+            <a:r>
+              <a:rPr lang="tr-TR" dirty="0"/>
+              <a:t> </a:t>
+            </a:r>
+            <a:r>
+              <a:rPr lang="tr-TR" dirty="0" err="1"/>
+              <a:t>environment</a:t>
+            </a:r>
+            <a:r>
+              <a:rPr lang="tr-TR" dirty="0"/>
+              <a:t> </a:t>
+            </a:r>
+            <a:r>
+              <a:rPr lang="tr-TR" dirty="0" err="1"/>
+              <a:t>without</a:t>
+            </a:r>
+            <a:r>
+              <a:rPr lang="tr-TR" dirty="0"/>
+              <a:t> </a:t>
+            </a:r>
+            <a:r>
+              <a:rPr lang="tr-TR" dirty="0" err="1"/>
+              <a:t>any</a:t>
+            </a:r>
+            <a:r>
+              <a:rPr lang="tr-TR" dirty="0"/>
+              <a:t> problem </a:t>
+            </a:r>
+            <a:r>
+              <a:rPr lang="tr-TR" dirty="0" err="1"/>
+              <a:t>with</a:t>
+            </a:r>
+            <a:r>
+              <a:rPr lang="tr-TR" dirty="0"/>
+              <a:t> PID </a:t>
+            </a:r>
+            <a:r>
+              <a:rPr lang="tr-TR" dirty="0" err="1"/>
+              <a:t>system</a:t>
+            </a:r>
+            <a:r>
+              <a:rPr lang="tr-TR" dirty="0"/>
+              <a:t>.</a:t>
+            </a:r>
+          </a:p>
+          <a:p>
+            <a:pPr marL="0" lvl="0" indent="0" algn="l" rtl="0">
+              <a:spcBef>
+                <a:spcPts val="0"/>
+              </a:spcBef>
+              <a:spcAft>
+                <a:spcPts val="0"/>
+              </a:spcAft>
+              <a:buNone/>
+            </a:pPr>
+            <a:r>
+              <a:rPr lang="tr-TR" dirty="0"/>
+              <a:t>Agent </a:t>
+            </a:r>
+            <a:r>
+              <a:rPr lang="tr-TR" dirty="0" err="1"/>
+              <a:t>trainig</a:t>
+            </a:r>
+            <a:r>
+              <a:rPr lang="tr-TR" dirty="0"/>
+              <a:t> </a:t>
+            </a:r>
+            <a:r>
+              <a:rPr lang="tr-TR" dirty="0" err="1"/>
+              <a:t>and</a:t>
+            </a:r>
+            <a:r>
+              <a:rPr lang="tr-TR" dirty="0"/>
+              <a:t>  </a:t>
+            </a:r>
+            <a:r>
+              <a:rPr lang="tr-TR" dirty="0" err="1"/>
+              <a:t>optimizing</a:t>
+            </a:r>
+            <a:r>
+              <a:rPr lang="tr-TR" dirty="0"/>
+              <a:t> </a:t>
+            </a:r>
+            <a:r>
+              <a:rPr lang="tr-TR" dirty="0" err="1"/>
+              <a:t>reward</a:t>
+            </a:r>
+            <a:r>
+              <a:rPr lang="tr-TR" dirty="0"/>
+              <a:t> </a:t>
+            </a:r>
+            <a:r>
+              <a:rPr lang="tr-TR" dirty="0" err="1"/>
+              <a:t>function</a:t>
+            </a:r>
+            <a:r>
+              <a:rPr lang="tr-TR" dirty="0"/>
+              <a:t> </a:t>
+            </a:r>
+            <a:r>
+              <a:rPr lang="tr-TR" dirty="0" err="1"/>
+              <a:t>trials</a:t>
+            </a:r>
+            <a:r>
+              <a:rPr lang="tr-TR" dirty="0"/>
+              <a:t> </a:t>
+            </a:r>
+            <a:r>
+              <a:rPr lang="tr-TR" dirty="0" err="1"/>
+              <a:t>started</a:t>
+            </a:r>
+            <a:r>
+              <a:rPr lang="tr-TR" dirty="0"/>
+              <a:t> </a:t>
+            </a:r>
+            <a:r>
+              <a:rPr lang="tr-TR" dirty="0" err="1"/>
+              <a:t>and</a:t>
+            </a:r>
+            <a:r>
+              <a:rPr lang="tr-TR" dirty="0"/>
+              <a:t> </a:t>
+            </a:r>
+            <a:r>
+              <a:rPr lang="tr-TR" dirty="0" err="1"/>
+              <a:t>continue</a:t>
+            </a:r>
+            <a:r>
+              <a:rPr lang="tr-TR" dirty="0"/>
+              <a:t> but has </a:t>
+            </a:r>
+            <a:r>
+              <a:rPr lang="tr-TR" dirty="0" err="1"/>
+              <a:t>some</a:t>
+            </a:r>
+            <a:r>
+              <a:rPr lang="tr-TR" dirty="0"/>
+              <a:t> </a:t>
+            </a:r>
+            <a:r>
+              <a:rPr lang="tr-TR" dirty="0" err="1"/>
+              <a:t>problems</a:t>
+            </a:r>
+            <a:r>
+              <a:rPr lang="tr-TR" dirty="0"/>
+              <a:t>. </a:t>
+            </a:r>
+            <a:r>
+              <a:rPr lang="tr-TR" dirty="0" err="1"/>
+              <a:t>Therefore</a:t>
+            </a:r>
+            <a:r>
+              <a:rPr lang="tr-TR" dirty="0"/>
+              <a:t> </a:t>
+            </a:r>
+            <a:r>
+              <a:rPr lang="tr-TR" dirty="0" err="1"/>
+              <a:t>we</a:t>
+            </a:r>
+            <a:r>
+              <a:rPr lang="tr-TR" dirty="0"/>
+              <a:t> </a:t>
+            </a:r>
+            <a:r>
+              <a:rPr lang="tr-TR" dirty="0" err="1"/>
+              <a:t>will</a:t>
+            </a:r>
+            <a:r>
+              <a:rPr lang="tr-TR" dirty="0"/>
+              <a:t> </a:t>
+            </a:r>
+            <a:r>
+              <a:rPr lang="tr-TR" dirty="0" err="1"/>
+              <a:t>solve</a:t>
+            </a:r>
+            <a:r>
+              <a:rPr lang="tr-TR" dirty="0"/>
+              <a:t> </a:t>
+            </a:r>
+            <a:r>
+              <a:rPr lang="tr-TR" dirty="0" err="1"/>
+              <a:t>the</a:t>
+            </a:r>
+            <a:r>
+              <a:rPr lang="tr-TR" dirty="0"/>
+              <a:t> </a:t>
+            </a:r>
+            <a:r>
+              <a:rPr lang="tr-TR" dirty="0" err="1"/>
+              <a:t>training</a:t>
+            </a:r>
+            <a:r>
+              <a:rPr lang="tr-TR" dirty="0"/>
+              <a:t> </a:t>
+            </a:r>
+            <a:r>
+              <a:rPr lang="tr-TR" dirty="0" err="1"/>
+              <a:t>problems</a:t>
+            </a:r>
+            <a:r>
+              <a:rPr lang="tr-TR" dirty="0"/>
+              <a:t> </a:t>
+            </a:r>
+            <a:r>
+              <a:rPr lang="tr-TR" dirty="0" err="1"/>
+              <a:t>soon</a:t>
+            </a:r>
+            <a:r>
+              <a:rPr lang="tr-TR" dirty="0"/>
+              <a:t>.</a:t>
+            </a:r>
+          </a:p>
+          <a:p>
+            <a:pPr marL="0" lvl="0" indent="0" algn="l" rtl="0">
+              <a:spcBef>
+                <a:spcPts val="0"/>
+              </a:spcBef>
+              <a:spcAft>
+                <a:spcPts val="0"/>
+              </a:spcAft>
+              <a:buNone/>
+            </a:pPr>
+            <a:r>
+              <a:rPr lang="tr-TR" dirty="0" err="1"/>
+              <a:t>Observation</a:t>
+            </a:r>
+            <a:r>
+              <a:rPr lang="tr-TR" dirty="0"/>
+              <a:t> </a:t>
+            </a:r>
+            <a:r>
+              <a:rPr lang="tr-TR" dirty="0" err="1"/>
+              <a:t>and</a:t>
+            </a:r>
+            <a:r>
+              <a:rPr lang="tr-TR" dirty="0"/>
+              <a:t> </a:t>
+            </a:r>
+            <a:r>
+              <a:rPr lang="tr-TR" dirty="0" err="1"/>
+              <a:t>action</a:t>
+            </a:r>
+            <a:r>
+              <a:rPr lang="tr-TR" dirty="0"/>
+              <a:t> </a:t>
+            </a:r>
+            <a:r>
+              <a:rPr lang="tr-TR" dirty="0" err="1"/>
+              <a:t>block</a:t>
+            </a:r>
+            <a:r>
+              <a:rPr lang="tr-TR" dirty="0"/>
+              <a:t> </a:t>
+            </a:r>
+            <a:r>
+              <a:rPr lang="tr-TR" dirty="0" err="1"/>
+              <a:t>parameters</a:t>
+            </a:r>
+            <a:r>
+              <a:rPr lang="tr-TR" dirty="0"/>
+              <a:t> </a:t>
+            </a:r>
+            <a:r>
+              <a:rPr lang="tr-TR" dirty="0" err="1"/>
+              <a:t>was</a:t>
+            </a:r>
+            <a:r>
+              <a:rPr lang="tr-TR" dirty="0"/>
+              <a:t> not </a:t>
+            </a:r>
+            <a:r>
+              <a:rPr lang="tr-TR" dirty="0" err="1"/>
+              <a:t>limited</a:t>
+            </a:r>
+            <a:r>
+              <a:rPr lang="tr-TR" dirty="0"/>
+              <a:t> </a:t>
+            </a:r>
+            <a:r>
+              <a:rPr lang="tr-TR" dirty="0" err="1"/>
+              <a:t>and</a:t>
+            </a:r>
+            <a:r>
+              <a:rPr lang="tr-TR" dirty="0"/>
+              <a:t> </a:t>
+            </a:r>
+            <a:r>
+              <a:rPr lang="tr-TR" dirty="0" err="1"/>
+              <a:t>should</a:t>
+            </a:r>
+            <a:r>
+              <a:rPr lang="tr-TR" dirty="0"/>
+              <a:t> be </a:t>
+            </a:r>
+            <a:r>
+              <a:rPr lang="tr-TR" dirty="0" err="1"/>
+              <a:t>limited</a:t>
+            </a:r>
+            <a:r>
+              <a:rPr lang="tr-TR" dirty="0"/>
+              <a:t>.</a:t>
+            </a:r>
+          </a:p>
+          <a:p>
+            <a:pPr marL="0" lvl="0" indent="0" algn="l" rtl="0">
+              <a:spcBef>
+                <a:spcPts val="0"/>
+              </a:spcBef>
+              <a:spcAft>
+                <a:spcPts val="0"/>
+              </a:spcAft>
+              <a:buNone/>
+            </a:pPr>
+            <a:r>
+              <a:rPr lang="tr-TR" dirty="0" err="1"/>
+              <a:t>We</a:t>
+            </a:r>
+            <a:r>
+              <a:rPr lang="tr-TR" dirty="0"/>
+              <a:t> </a:t>
+            </a:r>
+            <a:r>
+              <a:rPr lang="tr-TR" dirty="0" err="1"/>
+              <a:t>have</a:t>
+            </a:r>
+            <a:r>
+              <a:rPr lang="tr-TR" dirty="0"/>
+              <a:t> </a:t>
+            </a:r>
+            <a:r>
+              <a:rPr lang="tr-TR" dirty="0" err="1"/>
+              <a:t>chosen</a:t>
+            </a:r>
+            <a:r>
+              <a:rPr lang="tr-TR" dirty="0"/>
+              <a:t> DDPG </a:t>
+            </a:r>
+            <a:r>
+              <a:rPr lang="tr-TR" dirty="0" err="1"/>
+              <a:t>and</a:t>
+            </a:r>
+            <a:r>
+              <a:rPr lang="tr-TR" dirty="0"/>
+              <a:t> PPO </a:t>
+            </a:r>
+            <a:r>
+              <a:rPr lang="tr-TR" dirty="0" err="1"/>
+              <a:t>algorithms</a:t>
+            </a:r>
+            <a:r>
+              <a:rPr lang="tr-TR" dirty="0"/>
+              <a:t>. </a:t>
+            </a:r>
+            <a:r>
+              <a:rPr lang="tr-TR" dirty="0" err="1"/>
+              <a:t>These</a:t>
+            </a:r>
+            <a:r>
+              <a:rPr lang="tr-TR" dirty="0"/>
+              <a:t> </a:t>
+            </a:r>
+            <a:r>
+              <a:rPr lang="tr-TR" dirty="0" err="1"/>
+              <a:t>algorithms</a:t>
+            </a:r>
+            <a:r>
+              <a:rPr lang="tr-TR" dirty="0"/>
+              <a:t> </a:t>
+            </a:r>
+            <a:r>
+              <a:rPr lang="tr-TR" dirty="0" err="1"/>
+              <a:t>will</a:t>
+            </a:r>
+            <a:r>
+              <a:rPr lang="tr-TR" dirty="0"/>
+              <a:t> be </a:t>
+            </a:r>
+            <a:r>
+              <a:rPr lang="tr-TR" dirty="0" err="1"/>
+              <a:t>worked</a:t>
+            </a:r>
+            <a:r>
+              <a:rPr lang="tr-TR" dirty="0"/>
+              <a:t> </a:t>
+            </a:r>
+            <a:r>
+              <a:rPr lang="tr-TR" dirty="0" err="1"/>
+              <a:t>together</a:t>
+            </a:r>
+            <a:r>
+              <a:rPr lang="tr-TR" dirty="0"/>
+              <a:t> </a:t>
+            </a:r>
+            <a:r>
+              <a:rPr lang="tr-TR" dirty="0" err="1"/>
+              <a:t>simultaneously</a:t>
+            </a:r>
+            <a:r>
+              <a:rPr lang="tr-TR" dirty="0"/>
+              <a:t> in </a:t>
+            </a:r>
+            <a:r>
+              <a:rPr lang="tr-TR" dirty="0" err="1"/>
+              <a:t>the</a:t>
+            </a:r>
+            <a:r>
+              <a:rPr lang="tr-TR" dirty="0"/>
+              <a:t> final </a:t>
+            </a:r>
+            <a:r>
+              <a:rPr lang="tr-TR" dirty="0" err="1"/>
+              <a:t>version</a:t>
+            </a:r>
+            <a:r>
+              <a:rPr lang="tr-TR" dirty="0"/>
+              <a:t> of </a:t>
+            </a:r>
+            <a:r>
+              <a:rPr lang="tr-TR" dirty="0" err="1"/>
+              <a:t>the</a:t>
+            </a:r>
+            <a:r>
+              <a:rPr lang="tr-TR" dirty="0"/>
+              <a:t> </a:t>
+            </a:r>
+            <a:r>
+              <a:rPr lang="tr-TR" dirty="0" err="1"/>
+              <a:t>project</a:t>
+            </a:r>
+            <a:r>
+              <a:rPr lang="tr-TR" dirty="0"/>
+              <a:t>.</a:t>
+            </a:r>
+          </a:p>
+          <a:p>
+            <a:pPr marL="0" lvl="0" indent="0" algn="l" rtl="0">
+              <a:spcBef>
+                <a:spcPts val="0"/>
+              </a:spcBef>
+              <a:spcAft>
+                <a:spcPts val="0"/>
+              </a:spcAft>
+              <a:buNone/>
+            </a:pPr>
+            <a:r>
+              <a:rPr lang="tr-TR" dirty="0" err="1"/>
+              <a:t>Whatever</a:t>
+            </a:r>
+            <a:r>
+              <a:rPr lang="tr-TR" dirty="0"/>
+              <a:t> </a:t>
+            </a:r>
+            <a:r>
+              <a:rPr lang="tr-TR" dirty="0" err="1"/>
+              <a:t>the</a:t>
+            </a:r>
+            <a:r>
+              <a:rPr lang="tr-TR" dirty="0"/>
+              <a:t> </a:t>
+            </a:r>
+            <a:r>
+              <a:rPr lang="tr-TR" dirty="0" err="1"/>
+              <a:t>agent</a:t>
+            </a:r>
+            <a:r>
+              <a:rPr lang="tr-TR" dirty="0"/>
+              <a:t> is </a:t>
+            </a:r>
+            <a:r>
+              <a:rPr lang="tr-TR" dirty="0" err="1"/>
+              <a:t>configuration</a:t>
+            </a:r>
+            <a:r>
+              <a:rPr lang="tr-TR" dirty="0"/>
+              <a:t> </a:t>
+            </a:r>
+            <a:r>
+              <a:rPr lang="tr-TR" dirty="0" err="1"/>
+              <a:t>parameters</a:t>
+            </a:r>
+            <a:r>
+              <a:rPr lang="tr-TR" dirty="0"/>
+              <a:t> </a:t>
+            </a:r>
+            <a:r>
+              <a:rPr lang="tr-TR" dirty="0" err="1"/>
+              <a:t>should</a:t>
+            </a:r>
+            <a:r>
+              <a:rPr lang="tr-TR" dirty="0"/>
+              <a:t> be </a:t>
+            </a:r>
+            <a:r>
+              <a:rPr lang="tr-TR" dirty="0" err="1"/>
+              <a:t>configured</a:t>
+            </a:r>
+            <a:r>
+              <a:rPr lang="tr-TR" dirty="0"/>
+              <a:t>. </a:t>
+            </a:r>
+            <a:r>
+              <a:rPr lang="tr-TR" dirty="0" err="1"/>
+              <a:t>This</a:t>
+            </a:r>
+            <a:r>
+              <a:rPr lang="tr-TR" dirty="0"/>
+              <a:t> </a:t>
+            </a:r>
+            <a:r>
+              <a:rPr lang="tr-TR" dirty="0" err="1"/>
+              <a:t>parameters</a:t>
+            </a:r>
+            <a:r>
+              <a:rPr lang="tr-TR" dirty="0"/>
+              <a:t> </a:t>
+            </a:r>
+            <a:r>
+              <a:rPr lang="tr-TR" dirty="0" err="1"/>
+              <a:t>configure</a:t>
+            </a:r>
+            <a:r>
+              <a:rPr lang="tr-TR" dirty="0"/>
+              <a:t> </a:t>
+            </a:r>
+            <a:r>
+              <a:rPr lang="tr-TR" dirty="0" err="1"/>
+              <a:t>the</a:t>
+            </a:r>
+            <a:r>
+              <a:rPr lang="tr-TR" dirty="0"/>
+              <a:t> </a:t>
+            </a:r>
+            <a:r>
+              <a:rPr lang="tr-TR" dirty="0" err="1"/>
+              <a:t>agent</a:t>
+            </a:r>
+            <a:r>
+              <a:rPr lang="tr-TR" dirty="0"/>
+              <a:t>. </a:t>
+            </a:r>
+            <a:r>
+              <a:rPr lang="tr-TR" dirty="0" err="1"/>
+              <a:t>Therefore</a:t>
+            </a:r>
+            <a:r>
+              <a:rPr lang="tr-TR" dirty="0"/>
+              <a:t>, </a:t>
+            </a:r>
+            <a:r>
+              <a:rPr lang="tr-TR" dirty="0" err="1"/>
+              <a:t>we</a:t>
+            </a:r>
+            <a:r>
+              <a:rPr lang="tr-TR" dirty="0"/>
+              <a:t> </a:t>
+            </a:r>
+            <a:r>
+              <a:rPr lang="tr-TR" dirty="0" err="1"/>
+              <a:t>will</a:t>
+            </a:r>
+            <a:r>
+              <a:rPr lang="tr-TR" dirty="0"/>
+              <a:t> </a:t>
+            </a:r>
+            <a:r>
+              <a:rPr lang="tr-TR" dirty="0" err="1"/>
+              <a:t>search</a:t>
+            </a:r>
+            <a:r>
+              <a:rPr lang="tr-TR" dirty="0"/>
+              <a:t> </a:t>
+            </a:r>
+            <a:r>
+              <a:rPr lang="tr-TR" dirty="0" err="1"/>
+              <a:t>this</a:t>
+            </a:r>
+            <a:r>
+              <a:rPr lang="tr-TR" dirty="0"/>
+              <a:t> </a:t>
+            </a:r>
+            <a:r>
+              <a:rPr lang="tr-TR" dirty="0" err="1"/>
+              <a:t>affects</a:t>
+            </a:r>
+            <a:r>
+              <a:rPr lang="tr-TR" dirty="0"/>
+              <a:t> </a:t>
+            </a:r>
+            <a:r>
+              <a:rPr lang="tr-TR" dirty="0" err="1"/>
+              <a:t>our</a:t>
+            </a:r>
+            <a:r>
+              <a:rPr lang="tr-TR" dirty="0"/>
+              <a:t> </a:t>
+            </a:r>
+            <a:r>
+              <a:rPr lang="tr-TR" dirty="0" err="1"/>
+              <a:t>agents</a:t>
+            </a:r>
+            <a:r>
+              <a:rPr lang="tr-TR" dirty="0"/>
+              <a:t>.</a:t>
+            </a:r>
+          </a:p>
+          <a:p>
+            <a:pPr marL="0" lvl="0" indent="0" algn="l" rtl="0">
+              <a:spcBef>
+                <a:spcPts val="0"/>
+              </a:spcBef>
+              <a:spcAft>
+                <a:spcPts val="0"/>
+              </a:spcAft>
+              <a:buNone/>
+            </a:pPr>
+            <a:r>
+              <a:rPr lang="tr-TR" dirty="0" err="1"/>
+              <a:t>Layer</a:t>
+            </a:r>
+            <a:r>
+              <a:rPr lang="tr-TR" dirty="0"/>
+              <a:t> </a:t>
+            </a:r>
+            <a:r>
+              <a:rPr lang="tr-TR" dirty="0" err="1"/>
+              <a:t>affect</a:t>
+            </a:r>
+            <a:r>
+              <a:rPr lang="tr-TR" dirty="0"/>
+              <a:t> </a:t>
+            </a:r>
+            <a:r>
+              <a:rPr lang="tr-TR" dirty="0" err="1"/>
+              <a:t>also</a:t>
+            </a:r>
+            <a:r>
+              <a:rPr lang="tr-TR" dirty="0"/>
+              <a:t>  </a:t>
+            </a:r>
+            <a:r>
+              <a:rPr lang="tr-TR" dirty="0" err="1"/>
+              <a:t>another</a:t>
+            </a:r>
+            <a:r>
+              <a:rPr lang="tr-TR" dirty="0"/>
+              <a:t> </a:t>
+            </a:r>
+            <a:r>
+              <a:rPr lang="tr-TR" dirty="0" err="1"/>
+              <a:t>parameter</a:t>
+            </a:r>
+            <a:r>
+              <a:rPr lang="tr-TR" dirty="0"/>
+              <a:t> </a:t>
+            </a:r>
+            <a:r>
+              <a:rPr lang="tr-TR" dirty="0" err="1"/>
+              <a:t>that</a:t>
+            </a:r>
+            <a:r>
+              <a:rPr lang="tr-TR" dirty="0"/>
+              <a:t> </a:t>
+            </a:r>
+            <a:r>
+              <a:rPr lang="tr-TR" dirty="0" err="1"/>
+              <a:t>affect</a:t>
+            </a:r>
+            <a:r>
+              <a:rPr lang="tr-TR" dirty="0"/>
+              <a:t> </a:t>
+            </a:r>
+            <a:r>
+              <a:rPr lang="tr-TR" dirty="0" err="1"/>
+              <a:t>the</a:t>
+            </a:r>
+            <a:r>
+              <a:rPr lang="tr-TR" dirty="0"/>
+              <a:t> </a:t>
+            </a:r>
+            <a:r>
+              <a:rPr lang="tr-TR" dirty="0" err="1"/>
+              <a:t>agent</a:t>
+            </a:r>
+            <a:r>
+              <a:rPr lang="tr-TR" dirty="0"/>
+              <a:t> </a:t>
+            </a:r>
+            <a:r>
+              <a:rPr lang="tr-TR" dirty="0" err="1"/>
+              <a:t>this</a:t>
+            </a:r>
+            <a:r>
+              <a:rPr lang="tr-TR" dirty="0"/>
+              <a:t> </a:t>
+            </a:r>
+            <a:r>
+              <a:rPr lang="tr-TR" dirty="0" err="1"/>
+              <a:t>will</a:t>
+            </a:r>
+            <a:r>
+              <a:rPr lang="tr-TR" dirty="0"/>
+              <a:t> be </a:t>
+            </a:r>
+            <a:r>
+              <a:rPr lang="tr-TR" dirty="0" err="1"/>
+              <a:t>searched</a:t>
+            </a:r>
+            <a:r>
+              <a:rPr lang="tr-TR" dirty="0"/>
+              <a:t>. </a:t>
+            </a:r>
+            <a:r>
+              <a:rPr lang="tr-TR" dirty="0" err="1"/>
+              <a:t>For</a:t>
+            </a:r>
+            <a:r>
+              <a:rPr lang="tr-TR" dirty="0"/>
+              <a:t> </a:t>
+            </a:r>
+            <a:r>
+              <a:rPr lang="tr-TR" dirty="0" err="1"/>
+              <a:t>this</a:t>
+            </a:r>
+            <a:r>
+              <a:rPr lang="tr-TR" dirty="0"/>
+              <a:t> </a:t>
+            </a:r>
+            <a:r>
+              <a:rPr lang="tr-TR" dirty="0" err="1"/>
+              <a:t>now</a:t>
+            </a:r>
+            <a:r>
+              <a:rPr lang="tr-TR" dirty="0"/>
+              <a:t> </a:t>
+            </a:r>
+            <a:r>
+              <a:rPr lang="tr-TR" dirty="0" err="1"/>
+              <a:t>we</a:t>
+            </a:r>
+            <a:r>
+              <a:rPr lang="tr-TR" dirty="0"/>
+              <a:t> </a:t>
+            </a:r>
+            <a:r>
+              <a:rPr lang="tr-TR" dirty="0" err="1"/>
+              <a:t>are</a:t>
+            </a:r>
+            <a:r>
+              <a:rPr lang="tr-TR" dirty="0"/>
+              <a:t> </a:t>
+            </a:r>
+            <a:r>
+              <a:rPr lang="tr-TR" dirty="0" err="1"/>
+              <a:t>using</a:t>
+            </a:r>
+            <a:r>
+              <a:rPr lang="tr-TR" dirty="0"/>
+              <a:t> 128? </a:t>
+            </a:r>
+            <a:r>
+              <a:rPr lang="tr-TR" dirty="0" err="1"/>
+              <a:t>layer</a:t>
+            </a:r>
+            <a:r>
+              <a:rPr lang="tr-TR" dirty="0"/>
+              <a:t>.</a:t>
+            </a:r>
+          </a:p>
+          <a:p>
+            <a:pPr marL="0" lvl="0" indent="0" algn="l" rtl="0">
+              <a:spcBef>
+                <a:spcPts val="0"/>
+              </a:spcBef>
+              <a:spcAft>
+                <a:spcPts val="0"/>
+              </a:spcAft>
+              <a:buNone/>
+            </a:pPr>
+            <a:endParaRPr lang="tr-TR" dirty="0"/>
           </a:p>
         </p:txBody>
       </p:sp>
@@ -10964,13 +14058,10 @@
               <a:buNone/>
             </a:pPr>
             <a:r>
-              <a:rPr lang="tr-TR" dirty="0"/>
-              <a:t>Project </a:t>
-            </a:r>
-            <a:r>
-              <a:rPr lang="en-US" dirty="0"/>
-              <a:t>Description</a:t>
-            </a:r>
+              <a:rPr lang="tr-TR" dirty="0" err="1"/>
+              <a:t>Introduction</a:t>
+            </a:r>
+            <a:endParaRPr lang="en-US" dirty="0"/>
           </a:p>
         </p:txBody>
       </p:sp>
@@ -12897,8 +15988,8 @@
           </a:fontRef>
         </p:style>
       </p:cxnSp>
-      <mc:AlternateContent xmlns:mc="http://schemas.openxmlformats.org/markup-compatibility/2006">
-        <mc:Choice xmlns:a14="http://schemas.microsoft.com/office/drawing/2010/main" Requires="a14">
+      <mc:AlternateContent xmlns:mc="http://schemas.openxmlformats.org/markup-compatibility/2006" xmlns:a14="http://schemas.microsoft.com/office/drawing/2010/main">
+        <mc:Choice Requires="a14">
           <p:sp>
             <p:nvSpPr>
               <p:cNvPr id="19" name="TextBox 18">
@@ -13084,7 +16175,7 @@
             </p:txBody>
           </p:sp>
         </mc:Choice>
-        <mc:Fallback>
+        <mc:Fallback xmlns="">
           <p:sp>
             <p:nvSpPr>
               <p:cNvPr id="19" name="TextBox 18">

--- a/Progress.pptx
+++ b/Progress.pptx
@@ -5,7 +5,7 @@
     <p:sldMasterId id="2147483648" r:id="rId1"/>
   </p:sldMasterIdLst>
   <p:notesMasterIdLst>
-    <p:notesMasterId r:id="rId11"/>
+    <p:notesMasterId r:id="rId14"/>
   </p:notesMasterIdLst>
   <p:sldIdLst>
     <p:sldId id="256" r:id="rId2"/>
@@ -14,21 +14,31 @@
     <p:sldId id="286" r:id="rId5"/>
     <p:sldId id="293" r:id="rId6"/>
     <p:sldId id="295" r:id="rId7"/>
-    <p:sldId id="296" r:id="rId8"/>
-    <p:sldId id="292" r:id="rId9"/>
-    <p:sldId id="284" r:id="rId10"/>
+    <p:sldId id="297" r:id="rId8"/>
+    <p:sldId id="298" r:id="rId9"/>
+    <p:sldId id="296" r:id="rId10"/>
+    <p:sldId id="299" r:id="rId11"/>
+    <p:sldId id="292" r:id="rId12"/>
+    <p:sldId id="284" r:id="rId13"/>
   </p:sldIdLst>
   <p:sldSz cx="12192000" cy="6858000"/>
   <p:notesSz cx="6858000" cy="9144000"/>
   <p:embeddedFontLst>
     <p:embeddedFont>
-      <p:font typeface="Cambria Math" panose="02040503050406030204" pitchFamily="18" charset="0"/>
-      <p:regular r:id="rId12"/>
+      <p:font typeface="Calibri" panose="020F0502020204030204" pitchFamily="34" charset="0"/>
+      <p:regular r:id="rId15"/>
+      <p:bold r:id="rId16"/>
+      <p:italic r:id="rId17"/>
+      <p:boldItalic r:id="rId18"/>
     </p:embeddedFont>
     <p:embeddedFont>
-      <p:font typeface="Noto Sans Symbols" panose="020B0604020202020204" charset="0"/>
-      <p:regular r:id="rId13"/>
-      <p:bold r:id="rId14"/>
+      <p:font typeface="Cambria Math" panose="02040503050406030204" pitchFamily="18" charset="0"/>
+      <p:regular r:id="rId19"/>
+    </p:embeddedFont>
+    <p:embeddedFont>
+      <p:font typeface="Noto Sans Symbols" pitchFamily="2" charset="0"/>
+      <p:regular r:id="rId20"/>
+      <p:bold r:id="rId21"/>
     </p:embeddedFont>
   </p:embeddedFontLst>
   <p:defaultTextStyle>
@@ -265,7 +275,7 @@
       <p15:sldGuideLst xmlns:p15="http://schemas.microsoft.com/office/powerpoint/2012/main"/>
     </p:ext>
     <p:ext uri="GoogleSlidesCustomDataVersion2">
-      <go:slidesCustomData xmlns="" xmlns:mc="http://schemas.openxmlformats.org/markup-compatibility/2006" xmlns:mv="urn:schemas-microsoft-com:mac:vml" xmlns:c="http://schemas.openxmlformats.org/drawingml/2006/chart" xmlns:dgm="http://schemas.openxmlformats.org/drawingml/2006/diagram" xmlns:o="urn:schemas-microsoft-com:office:office" xmlns:v="urn:schemas-microsoft-com:vml" xmlns:pvml="urn:schemas-microsoft-com:office:powerpoint" xmlns:com="http://schemas.openxmlformats.org/drawingml/2006/compatibility" xmlns:p14="http://schemas.microsoft.com/office/powerpoint/2010/main" xmlns:p15="http://schemas.microsoft.com/office/powerpoint/2012/main" xmlns:ahyp="http://schemas.microsoft.com/office/drawing/2018/hyperlinkcolor" xmlns:go="http://customooxmlschemas.google.com/" r:id="rId44" roundtripDataSignature="AMtx7mg5uORYicMT0MeaOpO/20tnanoKVQ=="/>
+      <go:slidesCustomData xmlns:go="http://customooxmlschemas.google.com/" xmlns:ahyp="http://schemas.microsoft.com/office/drawing/2018/hyperlinkcolor" xmlns:p15="http://schemas.microsoft.com/office/powerpoint/2012/main" xmlns:p14="http://schemas.microsoft.com/office/powerpoint/2010/main" xmlns:com="http://schemas.openxmlformats.org/drawingml/2006/compatibility" xmlns:pvml="urn:schemas-microsoft-com:office:powerpoint" xmlns:v="urn:schemas-microsoft-com:vml" xmlns:o="urn:schemas-microsoft-com:office:office" xmlns:dgm="http://schemas.openxmlformats.org/drawingml/2006/diagram" xmlns:c="http://schemas.openxmlformats.org/drawingml/2006/chart" xmlns:mv="urn:schemas-microsoft-com:mac:vml" xmlns:mc="http://schemas.openxmlformats.org/markup-compatibility/2006" xmlns="" r:id="rId44" roundtripDataSignature="AMtx7mg5uORYicMT0MeaOpO/20tnanoKVQ=="/>
     </p:ext>
   </p:extLst>
 </p:presentation>
@@ -1515,13 +1525,1293 @@
               </a:spcAft>
               <a:buNone/>
             </a:pPr>
+            <a:endParaRPr dirty="0"/>
+          </a:p>
+        </p:txBody>
+      </p:sp>
+      <p:sp>
+        <p:nvSpPr>
+          <p:cNvPr id="85" name="Google Shape;85;p1:notes"/>
+          <p:cNvSpPr>
+            <a:spLocks noGrp="1" noRot="1" noChangeAspect="1"/>
+          </p:cNvSpPr>
+          <p:nvPr>
+            <p:ph type="sldImg" idx="2"/>
+          </p:nvPr>
+        </p:nvSpPr>
+        <p:spPr>
+          <a:xfrm>
+            <a:off x="685800" y="1143000"/>
+            <a:ext cx="5486400" cy="3086100"/>
+          </a:xfrm>
+          <a:custGeom>
+            <a:avLst/>
+            <a:gdLst/>
+            <a:ahLst/>
+            <a:cxnLst/>
+            <a:rect l="l" t="t" r="r" b="b"/>
+            <a:pathLst>
+              <a:path w="120000" h="120000" extrusionOk="0">
+                <a:moveTo>
+                  <a:pt x="0" y="0"/>
+                </a:moveTo>
+                <a:lnTo>
+                  <a:pt x="120000" y="0"/>
+                </a:lnTo>
+                <a:lnTo>
+                  <a:pt x="120000" y="120000"/>
+                </a:lnTo>
+                <a:lnTo>
+                  <a:pt x="0" y="120000"/>
+                </a:lnTo>
+                <a:close/>
+              </a:path>
+            </a:pathLst>
+          </a:custGeom>
+        </p:spPr>
+      </p:sp>
+    </p:spTree>
+  </p:cSld>
+  <p:clrMapOvr>
+    <a:masterClrMapping/>
+  </p:clrMapOvr>
+</p:notes>
+</file>
+
+<file path=ppt/notesSlides/notesSlide10.xml><?xml version="1.0" encoding="utf-8"?>
+<p:notes xmlns:a="http://schemas.openxmlformats.org/drawingml/2006/main" xmlns:r="http://schemas.openxmlformats.org/officeDocument/2006/relationships" xmlns:p="http://schemas.openxmlformats.org/presentationml/2006/main" showMasterSp="0" showMasterPhAnim="0">
+  <p:cSld>
+    <p:spTree>
+      <p:nvGrpSpPr>
+        <p:cNvPr id="1" name="Shape 335"/>
+        <p:cNvGrpSpPr/>
+        <p:nvPr/>
+      </p:nvGrpSpPr>
+      <p:grpSpPr>
+        <a:xfrm>
+          <a:off x="0" y="0"/>
+          <a:ext cx="0" cy="0"/>
+          <a:chOff x="0" y="0"/>
+          <a:chExt cx="0" cy="0"/>
+        </a:xfrm>
+      </p:grpSpPr>
+      <p:sp>
+        <p:nvSpPr>
+          <p:cNvPr id="336" name="Google Shape;336;p26:notes"/>
+          <p:cNvSpPr>
+            <a:spLocks noGrp="1" noRot="1" noChangeAspect="1"/>
+          </p:cNvSpPr>
+          <p:nvPr>
+            <p:ph type="sldImg" idx="2"/>
+          </p:nvPr>
+        </p:nvSpPr>
+        <p:spPr>
+          <a:xfrm>
+            <a:off x="685800" y="1143000"/>
+            <a:ext cx="5486400" cy="3086100"/>
+          </a:xfrm>
+          <a:custGeom>
+            <a:avLst/>
+            <a:gdLst/>
+            <a:ahLst/>
+            <a:cxnLst/>
+            <a:rect l="l" t="t" r="r" b="b"/>
+            <a:pathLst>
+              <a:path w="120000" h="120000" extrusionOk="0">
+                <a:moveTo>
+                  <a:pt x="0" y="0"/>
+                </a:moveTo>
+                <a:lnTo>
+                  <a:pt x="120000" y="0"/>
+                </a:lnTo>
+                <a:lnTo>
+                  <a:pt x="120000" y="120000"/>
+                </a:lnTo>
+                <a:lnTo>
+                  <a:pt x="0" y="120000"/>
+                </a:lnTo>
+                <a:close/>
+              </a:path>
+            </a:pathLst>
+          </a:custGeom>
+          <a:noFill/>
+          <a:ln w="12700" cap="flat" cmpd="sng">
+            <a:solidFill>
+              <a:srgbClr val="000000"/>
+            </a:solidFill>
+            <a:prstDash val="solid"/>
+            <a:round/>
+            <a:headEnd type="none" w="sm" len="sm"/>
+            <a:tailEnd type="none" w="sm" len="sm"/>
+          </a:ln>
+        </p:spPr>
+      </p:sp>
+      <p:sp>
+        <p:nvSpPr>
+          <p:cNvPr id="337" name="Google Shape;337;p26:notes"/>
+          <p:cNvSpPr txBox="1">
+            <a:spLocks noGrp="1"/>
+          </p:cNvSpPr>
+          <p:nvPr>
+            <p:ph type="body" idx="1"/>
+          </p:nvPr>
+        </p:nvSpPr>
+        <p:spPr>
+          <a:xfrm>
+            <a:off x="685800" y="4400550"/>
+            <a:ext cx="5486400" cy="3600450"/>
+          </a:xfrm>
+          <a:prstGeom prst="rect">
+            <a:avLst/>
+          </a:prstGeom>
+          <a:noFill/>
+          <a:ln>
+            <a:noFill/>
+          </a:ln>
+        </p:spPr>
+        <p:txBody>
+          <a:bodyPr spcFirstLastPara="1" wrap="square" lIns="91425" tIns="45700" rIns="91425" bIns="45700" anchor="t" anchorCtr="0">
+            <a:noAutofit/>
+          </a:bodyPr>
+          <a:lstStyle/>
+          <a:p>
+            <a:pPr marL="0" lvl="0" indent="0" algn="l" rtl="0">
+              <a:spcBef>
+                <a:spcPts val="0"/>
+              </a:spcBef>
+              <a:spcAft>
+                <a:spcPts val="0"/>
+              </a:spcAft>
+              <a:buNone/>
+            </a:pPr>
+            <a:endParaRPr dirty="0"/>
+          </a:p>
+        </p:txBody>
+      </p:sp>
+      <p:sp>
+        <p:nvSpPr>
+          <p:cNvPr id="338" name="Google Shape;338;p26:notes"/>
+          <p:cNvSpPr txBox="1">
+            <a:spLocks noGrp="1"/>
+          </p:cNvSpPr>
+          <p:nvPr>
+            <p:ph type="sldNum" idx="12"/>
+          </p:nvPr>
+        </p:nvSpPr>
+        <p:spPr>
+          <a:xfrm>
+            <a:off x="3884613" y="8685213"/>
+            <a:ext cx="2971800" cy="458787"/>
+          </a:xfrm>
+          <a:prstGeom prst="rect">
+            <a:avLst/>
+          </a:prstGeom>
+          <a:noFill/>
+          <a:ln>
+            <a:noFill/>
+          </a:ln>
+        </p:spPr>
+        <p:txBody>
+          <a:bodyPr spcFirstLastPara="1" wrap="square" lIns="91425" tIns="45700" rIns="91425" bIns="45700" anchor="b" anchorCtr="0">
+            <a:noAutofit/>
+          </a:bodyPr>
+          <a:lstStyle/>
+          <a:p>
+            <a:pPr marL="0" lvl="0" indent="0" algn="r" rtl="0">
+              <a:spcBef>
+                <a:spcPts val="0"/>
+              </a:spcBef>
+              <a:spcAft>
+                <a:spcPts val="0"/>
+              </a:spcAft>
+              <a:buNone/>
+            </a:pPr>
+            <a:fld id="{00000000-1234-1234-1234-123412341234}" type="slidenum">
+              <a:rPr lang="en-US"/>
+              <a:t>10</a:t>
+            </a:fld>
+            <a:endParaRPr/>
+          </a:p>
+        </p:txBody>
+      </p:sp>
+    </p:spTree>
+    <p:extLst>
+      <p:ext uri="{BB962C8B-B14F-4D97-AF65-F5344CB8AC3E}">
+        <p14:creationId xmlns:p14="http://schemas.microsoft.com/office/powerpoint/2010/main" val="1063847671"/>
+      </p:ext>
+    </p:extLst>
+  </p:cSld>
+  <p:clrMapOvr>
+    <a:masterClrMapping/>
+  </p:clrMapOvr>
+</p:notes>
+</file>
+
+<file path=ppt/notesSlides/notesSlide11.xml><?xml version="1.0" encoding="utf-8"?>
+<p:notes xmlns:a="http://schemas.openxmlformats.org/drawingml/2006/main" xmlns:r="http://schemas.openxmlformats.org/officeDocument/2006/relationships" xmlns:p="http://schemas.openxmlformats.org/presentationml/2006/main" showMasterSp="0" showMasterPhAnim="0">
+  <p:cSld>
+    <p:spTree>
+      <p:nvGrpSpPr>
+        <p:cNvPr id="1" name="Shape 335"/>
+        <p:cNvGrpSpPr/>
+        <p:nvPr/>
+      </p:nvGrpSpPr>
+      <p:grpSpPr>
+        <a:xfrm>
+          <a:off x="0" y="0"/>
+          <a:ext cx="0" cy="0"/>
+          <a:chOff x="0" y="0"/>
+          <a:chExt cx="0" cy="0"/>
+        </a:xfrm>
+      </p:grpSpPr>
+      <p:sp>
+        <p:nvSpPr>
+          <p:cNvPr id="336" name="Google Shape;336;p26:notes"/>
+          <p:cNvSpPr>
+            <a:spLocks noGrp="1" noRot="1" noChangeAspect="1"/>
+          </p:cNvSpPr>
+          <p:nvPr>
+            <p:ph type="sldImg" idx="2"/>
+          </p:nvPr>
+        </p:nvSpPr>
+        <p:spPr>
+          <a:xfrm>
+            <a:off x="685800" y="1143000"/>
+            <a:ext cx="5486400" cy="3086100"/>
+          </a:xfrm>
+          <a:custGeom>
+            <a:avLst/>
+            <a:gdLst/>
+            <a:ahLst/>
+            <a:cxnLst/>
+            <a:rect l="l" t="t" r="r" b="b"/>
+            <a:pathLst>
+              <a:path w="120000" h="120000" extrusionOk="0">
+                <a:moveTo>
+                  <a:pt x="0" y="0"/>
+                </a:moveTo>
+                <a:lnTo>
+                  <a:pt x="120000" y="0"/>
+                </a:lnTo>
+                <a:lnTo>
+                  <a:pt x="120000" y="120000"/>
+                </a:lnTo>
+                <a:lnTo>
+                  <a:pt x="0" y="120000"/>
+                </a:lnTo>
+                <a:close/>
+              </a:path>
+            </a:pathLst>
+          </a:custGeom>
+          <a:noFill/>
+          <a:ln w="12700" cap="flat" cmpd="sng">
+            <a:solidFill>
+              <a:srgbClr val="000000"/>
+            </a:solidFill>
+            <a:prstDash val="solid"/>
+            <a:round/>
+            <a:headEnd type="none" w="sm" len="sm"/>
+            <a:tailEnd type="none" w="sm" len="sm"/>
+          </a:ln>
+        </p:spPr>
+      </p:sp>
+      <p:sp>
+        <p:nvSpPr>
+          <p:cNvPr id="337" name="Google Shape;337;p26:notes"/>
+          <p:cNvSpPr txBox="1">
+            <a:spLocks noGrp="1"/>
+          </p:cNvSpPr>
+          <p:nvPr>
+            <p:ph type="body" idx="1"/>
+          </p:nvPr>
+        </p:nvSpPr>
+        <p:spPr>
+          <a:xfrm>
+            <a:off x="685800" y="4400550"/>
+            <a:ext cx="5486400" cy="3600450"/>
+          </a:xfrm>
+          <a:prstGeom prst="rect">
+            <a:avLst/>
+          </a:prstGeom>
+          <a:noFill/>
+          <a:ln>
+            <a:noFill/>
+          </a:ln>
+        </p:spPr>
+        <p:txBody>
+          <a:bodyPr spcFirstLastPara="1" wrap="square" lIns="91425" tIns="45700" rIns="91425" bIns="45700" anchor="t" anchorCtr="0">
+            <a:noAutofit/>
+          </a:bodyPr>
+          <a:lstStyle/>
+          <a:p>
+            <a:pPr marL="0" lvl="0" indent="0" algn="l" rtl="0">
+              <a:spcBef>
+                <a:spcPts val="0"/>
+              </a:spcBef>
+              <a:spcAft>
+                <a:spcPts val="0"/>
+              </a:spcAft>
+              <a:buNone/>
+            </a:pPr>
+            <a:r>
+              <a:rPr lang="tr-TR" dirty="0" err="1"/>
+              <a:t>Up</a:t>
+            </a:r>
+            <a:r>
+              <a:rPr lang="tr-TR" dirty="0"/>
+              <a:t> </a:t>
+            </a:r>
+            <a:r>
+              <a:rPr lang="tr-TR" dirty="0" err="1"/>
+              <a:t>to</a:t>
+            </a:r>
+            <a:r>
+              <a:rPr lang="tr-TR" dirty="0"/>
+              <a:t> </a:t>
+            </a:r>
+            <a:r>
+              <a:rPr lang="tr-TR" dirty="0" err="1"/>
+              <a:t>this</a:t>
+            </a:r>
+            <a:r>
+              <a:rPr lang="tr-TR" dirty="0"/>
+              <a:t> </a:t>
+            </a:r>
+            <a:r>
+              <a:rPr lang="tr-TR" dirty="0" err="1"/>
+              <a:t>point</a:t>
+            </a:r>
+            <a:r>
+              <a:rPr lang="tr-TR" dirty="0"/>
+              <a:t> </a:t>
+            </a:r>
+            <a:r>
+              <a:rPr lang="tr-TR" dirty="0" err="1"/>
+              <a:t>we</a:t>
+            </a:r>
+            <a:r>
+              <a:rPr lang="tr-TR" dirty="0"/>
+              <a:t> </a:t>
+            </a:r>
+            <a:r>
+              <a:rPr lang="tr-TR" dirty="0" err="1"/>
+              <a:t>created</a:t>
+            </a:r>
+            <a:r>
+              <a:rPr lang="tr-TR" dirty="0"/>
+              <a:t> </a:t>
+            </a:r>
+            <a:r>
+              <a:rPr lang="tr-TR" dirty="0" err="1"/>
+              <a:t>the</a:t>
+            </a:r>
+            <a:r>
+              <a:rPr lang="tr-TR" dirty="0"/>
+              <a:t> </a:t>
+            </a:r>
+            <a:r>
+              <a:rPr lang="tr-TR" dirty="0" err="1"/>
+              <a:t>running</a:t>
+            </a:r>
+            <a:r>
+              <a:rPr lang="tr-TR" dirty="0"/>
+              <a:t> </a:t>
+            </a:r>
+            <a:r>
+              <a:rPr lang="tr-TR" dirty="0" err="1"/>
+              <a:t>environment</a:t>
+            </a:r>
+            <a:r>
+              <a:rPr lang="tr-TR" dirty="0"/>
+              <a:t> </a:t>
+            </a:r>
+            <a:r>
+              <a:rPr lang="tr-TR" dirty="0" err="1"/>
+              <a:t>without</a:t>
+            </a:r>
+            <a:r>
+              <a:rPr lang="tr-TR" dirty="0"/>
+              <a:t> </a:t>
+            </a:r>
+            <a:r>
+              <a:rPr lang="tr-TR" dirty="0" err="1"/>
+              <a:t>any</a:t>
+            </a:r>
+            <a:r>
+              <a:rPr lang="tr-TR" dirty="0"/>
+              <a:t> problem </a:t>
+            </a:r>
+            <a:r>
+              <a:rPr lang="tr-TR" dirty="0" err="1"/>
+              <a:t>with</a:t>
+            </a:r>
+            <a:r>
+              <a:rPr lang="tr-TR" dirty="0"/>
+              <a:t> PID </a:t>
+            </a:r>
+            <a:r>
+              <a:rPr lang="tr-TR" dirty="0" err="1"/>
+              <a:t>system</a:t>
+            </a:r>
+            <a:r>
+              <a:rPr lang="tr-TR" dirty="0"/>
+              <a:t>.</a:t>
+            </a:r>
+          </a:p>
+          <a:p>
+            <a:pPr marL="0" lvl="0" indent="0" algn="l" rtl="0">
+              <a:spcBef>
+                <a:spcPts val="0"/>
+              </a:spcBef>
+              <a:spcAft>
+                <a:spcPts val="0"/>
+              </a:spcAft>
+              <a:buNone/>
+            </a:pPr>
+            <a:r>
+              <a:rPr lang="tr-TR" dirty="0"/>
+              <a:t>Agent </a:t>
+            </a:r>
+            <a:r>
+              <a:rPr lang="tr-TR" dirty="0" err="1"/>
+              <a:t>trainig</a:t>
+            </a:r>
+            <a:r>
+              <a:rPr lang="tr-TR" dirty="0"/>
+              <a:t> </a:t>
+            </a:r>
+            <a:r>
+              <a:rPr lang="tr-TR" dirty="0" err="1"/>
+              <a:t>and</a:t>
+            </a:r>
+            <a:r>
+              <a:rPr lang="tr-TR" dirty="0"/>
+              <a:t>  </a:t>
+            </a:r>
+            <a:r>
+              <a:rPr lang="tr-TR" dirty="0" err="1"/>
+              <a:t>optimizing</a:t>
+            </a:r>
+            <a:r>
+              <a:rPr lang="tr-TR" dirty="0"/>
+              <a:t> </a:t>
+            </a:r>
+            <a:r>
+              <a:rPr lang="tr-TR" dirty="0" err="1"/>
+              <a:t>reward</a:t>
+            </a:r>
+            <a:r>
+              <a:rPr lang="tr-TR" dirty="0"/>
+              <a:t> </a:t>
+            </a:r>
+            <a:r>
+              <a:rPr lang="tr-TR" dirty="0" err="1"/>
+              <a:t>function</a:t>
+            </a:r>
+            <a:r>
+              <a:rPr lang="tr-TR" dirty="0"/>
+              <a:t> </a:t>
+            </a:r>
+            <a:r>
+              <a:rPr lang="tr-TR" dirty="0" err="1"/>
+              <a:t>trials</a:t>
+            </a:r>
+            <a:r>
+              <a:rPr lang="tr-TR" dirty="0"/>
+              <a:t> </a:t>
+            </a:r>
+            <a:r>
+              <a:rPr lang="tr-TR" dirty="0" err="1"/>
+              <a:t>started</a:t>
+            </a:r>
+            <a:r>
+              <a:rPr lang="tr-TR" dirty="0"/>
+              <a:t> </a:t>
+            </a:r>
+            <a:r>
+              <a:rPr lang="tr-TR" dirty="0" err="1"/>
+              <a:t>and</a:t>
+            </a:r>
+            <a:r>
+              <a:rPr lang="tr-TR" dirty="0"/>
+              <a:t> </a:t>
+            </a:r>
+            <a:r>
+              <a:rPr lang="tr-TR" dirty="0" err="1"/>
+              <a:t>continue</a:t>
+            </a:r>
+            <a:r>
+              <a:rPr lang="tr-TR" dirty="0"/>
+              <a:t> but has </a:t>
+            </a:r>
+            <a:r>
+              <a:rPr lang="tr-TR" dirty="0" err="1"/>
+              <a:t>some</a:t>
+            </a:r>
+            <a:r>
+              <a:rPr lang="tr-TR" dirty="0"/>
+              <a:t> </a:t>
+            </a:r>
+            <a:r>
+              <a:rPr lang="tr-TR" dirty="0" err="1"/>
+              <a:t>problems</a:t>
+            </a:r>
+            <a:r>
+              <a:rPr lang="tr-TR" dirty="0"/>
+              <a:t>. </a:t>
+            </a:r>
+            <a:r>
+              <a:rPr lang="tr-TR" dirty="0" err="1"/>
+              <a:t>Therefore</a:t>
+            </a:r>
+            <a:r>
+              <a:rPr lang="tr-TR" dirty="0"/>
+              <a:t> </a:t>
+            </a:r>
+            <a:r>
+              <a:rPr lang="tr-TR" dirty="0" err="1"/>
+              <a:t>we</a:t>
+            </a:r>
+            <a:r>
+              <a:rPr lang="tr-TR" dirty="0"/>
+              <a:t> </a:t>
+            </a:r>
+            <a:r>
+              <a:rPr lang="tr-TR" dirty="0" err="1"/>
+              <a:t>will</a:t>
+            </a:r>
+            <a:r>
+              <a:rPr lang="tr-TR" dirty="0"/>
+              <a:t> </a:t>
+            </a:r>
+            <a:r>
+              <a:rPr lang="tr-TR" dirty="0" err="1"/>
+              <a:t>solve</a:t>
+            </a:r>
+            <a:r>
+              <a:rPr lang="tr-TR" dirty="0"/>
+              <a:t> </a:t>
+            </a:r>
+            <a:r>
+              <a:rPr lang="tr-TR" dirty="0" err="1"/>
+              <a:t>the</a:t>
+            </a:r>
+            <a:r>
+              <a:rPr lang="tr-TR" dirty="0"/>
+              <a:t> </a:t>
+            </a:r>
+            <a:r>
+              <a:rPr lang="tr-TR" dirty="0" err="1"/>
+              <a:t>training</a:t>
+            </a:r>
+            <a:r>
+              <a:rPr lang="tr-TR" dirty="0"/>
+              <a:t> </a:t>
+            </a:r>
+            <a:r>
+              <a:rPr lang="tr-TR" dirty="0" err="1"/>
+              <a:t>problems</a:t>
+            </a:r>
+            <a:r>
+              <a:rPr lang="tr-TR" dirty="0"/>
+              <a:t> </a:t>
+            </a:r>
+            <a:r>
+              <a:rPr lang="tr-TR" dirty="0" err="1"/>
+              <a:t>soon</a:t>
+            </a:r>
+            <a:r>
+              <a:rPr lang="tr-TR" dirty="0"/>
+              <a:t>.</a:t>
+            </a:r>
+          </a:p>
+          <a:p>
+            <a:pPr marL="0" lvl="0" indent="0" algn="l" rtl="0">
+              <a:spcBef>
+                <a:spcPts val="0"/>
+              </a:spcBef>
+              <a:spcAft>
+                <a:spcPts val="0"/>
+              </a:spcAft>
+              <a:buNone/>
+            </a:pPr>
+            <a:r>
+              <a:rPr lang="tr-TR" dirty="0" err="1"/>
+              <a:t>Observation</a:t>
+            </a:r>
+            <a:r>
+              <a:rPr lang="tr-TR" dirty="0"/>
+              <a:t> </a:t>
+            </a:r>
+            <a:r>
+              <a:rPr lang="tr-TR" dirty="0" err="1"/>
+              <a:t>and</a:t>
+            </a:r>
+            <a:r>
+              <a:rPr lang="tr-TR" dirty="0"/>
+              <a:t> </a:t>
+            </a:r>
+            <a:r>
+              <a:rPr lang="tr-TR" dirty="0" err="1"/>
+              <a:t>action</a:t>
+            </a:r>
+            <a:r>
+              <a:rPr lang="tr-TR" dirty="0"/>
+              <a:t> </a:t>
+            </a:r>
+            <a:r>
+              <a:rPr lang="tr-TR" dirty="0" err="1"/>
+              <a:t>block</a:t>
+            </a:r>
+            <a:r>
+              <a:rPr lang="tr-TR" dirty="0"/>
+              <a:t> </a:t>
+            </a:r>
+            <a:r>
+              <a:rPr lang="tr-TR" dirty="0" err="1"/>
+              <a:t>parameters</a:t>
+            </a:r>
+            <a:r>
+              <a:rPr lang="tr-TR" dirty="0"/>
+              <a:t> </a:t>
+            </a:r>
+            <a:r>
+              <a:rPr lang="tr-TR" dirty="0" err="1"/>
+              <a:t>was</a:t>
+            </a:r>
+            <a:r>
+              <a:rPr lang="tr-TR" dirty="0"/>
+              <a:t> not </a:t>
+            </a:r>
+            <a:r>
+              <a:rPr lang="tr-TR" dirty="0" err="1"/>
+              <a:t>limited</a:t>
+            </a:r>
+            <a:r>
+              <a:rPr lang="tr-TR" dirty="0"/>
+              <a:t> </a:t>
+            </a:r>
+            <a:r>
+              <a:rPr lang="tr-TR" dirty="0" err="1"/>
+              <a:t>and</a:t>
+            </a:r>
+            <a:r>
+              <a:rPr lang="tr-TR" dirty="0"/>
+              <a:t> </a:t>
+            </a:r>
+            <a:r>
+              <a:rPr lang="tr-TR" dirty="0" err="1"/>
+              <a:t>should</a:t>
+            </a:r>
+            <a:r>
+              <a:rPr lang="tr-TR" dirty="0"/>
+              <a:t> be </a:t>
+            </a:r>
+            <a:r>
+              <a:rPr lang="tr-TR" dirty="0" err="1"/>
+              <a:t>limited</a:t>
+            </a:r>
+            <a:r>
+              <a:rPr lang="tr-TR" dirty="0"/>
+              <a:t>.</a:t>
+            </a:r>
+          </a:p>
+          <a:p>
+            <a:pPr marL="0" lvl="0" indent="0" algn="l" rtl="0">
+              <a:spcBef>
+                <a:spcPts val="0"/>
+              </a:spcBef>
+              <a:spcAft>
+                <a:spcPts val="0"/>
+              </a:spcAft>
+              <a:buNone/>
+            </a:pPr>
+            <a:r>
+              <a:rPr lang="tr-TR" dirty="0" err="1"/>
+              <a:t>We</a:t>
+            </a:r>
+            <a:r>
+              <a:rPr lang="tr-TR" dirty="0"/>
+              <a:t> </a:t>
+            </a:r>
+            <a:r>
+              <a:rPr lang="tr-TR" dirty="0" err="1"/>
+              <a:t>have</a:t>
+            </a:r>
+            <a:r>
+              <a:rPr lang="tr-TR" dirty="0"/>
+              <a:t> </a:t>
+            </a:r>
+            <a:r>
+              <a:rPr lang="tr-TR" dirty="0" err="1"/>
+              <a:t>chosen</a:t>
+            </a:r>
+            <a:r>
+              <a:rPr lang="tr-TR" dirty="0"/>
+              <a:t> DDPG </a:t>
+            </a:r>
+            <a:r>
+              <a:rPr lang="tr-TR" dirty="0" err="1"/>
+              <a:t>and</a:t>
+            </a:r>
+            <a:r>
+              <a:rPr lang="tr-TR" dirty="0"/>
+              <a:t> PPO </a:t>
+            </a:r>
+            <a:r>
+              <a:rPr lang="tr-TR" dirty="0" err="1"/>
+              <a:t>algorithms</a:t>
+            </a:r>
+            <a:r>
+              <a:rPr lang="tr-TR" dirty="0"/>
+              <a:t>. </a:t>
+            </a:r>
+            <a:r>
+              <a:rPr lang="tr-TR" dirty="0" err="1"/>
+              <a:t>These</a:t>
+            </a:r>
+            <a:r>
+              <a:rPr lang="tr-TR" dirty="0"/>
+              <a:t> </a:t>
+            </a:r>
+            <a:r>
+              <a:rPr lang="tr-TR" dirty="0" err="1"/>
+              <a:t>algorithms</a:t>
+            </a:r>
+            <a:r>
+              <a:rPr lang="tr-TR" dirty="0"/>
+              <a:t> </a:t>
+            </a:r>
+            <a:r>
+              <a:rPr lang="tr-TR" dirty="0" err="1"/>
+              <a:t>will</a:t>
+            </a:r>
+            <a:r>
+              <a:rPr lang="tr-TR" dirty="0"/>
+              <a:t> be </a:t>
+            </a:r>
+            <a:r>
+              <a:rPr lang="tr-TR" dirty="0" err="1"/>
+              <a:t>worked</a:t>
+            </a:r>
+            <a:r>
+              <a:rPr lang="tr-TR" dirty="0"/>
+              <a:t> </a:t>
+            </a:r>
+            <a:r>
+              <a:rPr lang="tr-TR" dirty="0" err="1"/>
+              <a:t>together</a:t>
+            </a:r>
+            <a:r>
+              <a:rPr lang="tr-TR" dirty="0"/>
+              <a:t> </a:t>
+            </a:r>
+            <a:r>
+              <a:rPr lang="tr-TR" dirty="0" err="1"/>
+              <a:t>simultaneously</a:t>
+            </a:r>
+            <a:r>
+              <a:rPr lang="tr-TR" dirty="0"/>
+              <a:t> in </a:t>
+            </a:r>
+            <a:r>
+              <a:rPr lang="tr-TR" dirty="0" err="1"/>
+              <a:t>the</a:t>
+            </a:r>
+            <a:r>
+              <a:rPr lang="tr-TR" dirty="0"/>
+              <a:t> final </a:t>
+            </a:r>
+            <a:r>
+              <a:rPr lang="tr-TR" dirty="0" err="1"/>
+              <a:t>version</a:t>
+            </a:r>
+            <a:r>
+              <a:rPr lang="tr-TR" dirty="0"/>
+              <a:t> of </a:t>
+            </a:r>
+            <a:r>
+              <a:rPr lang="tr-TR" dirty="0" err="1"/>
+              <a:t>the</a:t>
+            </a:r>
+            <a:r>
+              <a:rPr lang="tr-TR" dirty="0"/>
+              <a:t> </a:t>
+            </a:r>
+            <a:r>
+              <a:rPr lang="tr-TR" dirty="0" err="1"/>
+              <a:t>project</a:t>
+            </a:r>
+            <a:r>
+              <a:rPr lang="tr-TR" dirty="0"/>
+              <a:t>.</a:t>
+            </a:r>
+          </a:p>
+          <a:p>
+            <a:pPr marL="0" lvl="0" indent="0" algn="l" rtl="0">
+              <a:spcBef>
+                <a:spcPts val="0"/>
+              </a:spcBef>
+              <a:spcAft>
+                <a:spcPts val="0"/>
+              </a:spcAft>
+              <a:buNone/>
+            </a:pPr>
+            <a:r>
+              <a:rPr lang="tr-TR" dirty="0" err="1"/>
+              <a:t>Whatever</a:t>
+            </a:r>
+            <a:r>
+              <a:rPr lang="tr-TR" dirty="0"/>
+              <a:t> </a:t>
+            </a:r>
+            <a:r>
+              <a:rPr lang="tr-TR" dirty="0" err="1"/>
+              <a:t>the</a:t>
+            </a:r>
+            <a:r>
+              <a:rPr lang="tr-TR" dirty="0"/>
+              <a:t> </a:t>
+            </a:r>
+            <a:r>
+              <a:rPr lang="tr-TR" dirty="0" err="1"/>
+              <a:t>agent</a:t>
+            </a:r>
+            <a:r>
+              <a:rPr lang="tr-TR" dirty="0"/>
+              <a:t> is </a:t>
+            </a:r>
+            <a:r>
+              <a:rPr lang="tr-TR" dirty="0" err="1"/>
+              <a:t>configuration</a:t>
+            </a:r>
+            <a:r>
+              <a:rPr lang="tr-TR" dirty="0"/>
+              <a:t> </a:t>
+            </a:r>
+            <a:r>
+              <a:rPr lang="tr-TR" dirty="0" err="1"/>
+              <a:t>parameters</a:t>
+            </a:r>
+            <a:r>
+              <a:rPr lang="tr-TR" dirty="0"/>
+              <a:t> </a:t>
+            </a:r>
+            <a:r>
+              <a:rPr lang="tr-TR" dirty="0" err="1"/>
+              <a:t>should</a:t>
+            </a:r>
+            <a:r>
+              <a:rPr lang="tr-TR" dirty="0"/>
+              <a:t> be </a:t>
+            </a:r>
+            <a:r>
+              <a:rPr lang="tr-TR" dirty="0" err="1"/>
+              <a:t>configured</a:t>
+            </a:r>
+            <a:r>
+              <a:rPr lang="tr-TR" dirty="0"/>
+              <a:t>. </a:t>
+            </a:r>
+            <a:r>
+              <a:rPr lang="tr-TR" dirty="0" err="1"/>
+              <a:t>This</a:t>
+            </a:r>
+            <a:r>
+              <a:rPr lang="tr-TR" dirty="0"/>
+              <a:t> </a:t>
+            </a:r>
+            <a:r>
+              <a:rPr lang="tr-TR" dirty="0" err="1"/>
+              <a:t>parameters</a:t>
+            </a:r>
+            <a:r>
+              <a:rPr lang="tr-TR" dirty="0"/>
+              <a:t> </a:t>
+            </a:r>
+            <a:r>
+              <a:rPr lang="tr-TR" dirty="0" err="1"/>
+              <a:t>configure</a:t>
+            </a:r>
+            <a:r>
+              <a:rPr lang="tr-TR" dirty="0"/>
+              <a:t> </a:t>
+            </a:r>
+            <a:r>
+              <a:rPr lang="tr-TR" dirty="0" err="1"/>
+              <a:t>the</a:t>
+            </a:r>
+            <a:r>
+              <a:rPr lang="tr-TR" dirty="0"/>
+              <a:t> </a:t>
+            </a:r>
+            <a:r>
+              <a:rPr lang="tr-TR" dirty="0" err="1"/>
+              <a:t>agent</a:t>
+            </a:r>
+            <a:r>
+              <a:rPr lang="tr-TR" dirty="0"/>
+              <a:t>. </a:t>
+            </a:r>
+            <a:r>
+              <a:rPr lang="tr-TR" dirty="0" err="1"/>
+              <a:t>Therefore</a:t>
+            </a:r>
+            <a:r>
+              <a:rPr lang="tr-TR" dirty="0"/>
+              <a:t>, </a:t>
+            </a:r>
+            <a:r>
+              <a:rPr lang="tr-TR" dirty="0" err="1"/>
+              <a:t>we</a:t>
+            </a:r>
+            <a:r>
+              <a:rPr lang="tr-TR" dirty="0"/>
+              <a:t> </a:t>
+            </a:r>
+            <a:r>
+              <a:rPr lang="tr-TR" dirty="0" err="1"/>
+              <a:t>will</a:t>
+            </a:r>
+            <a:r>
+              <a:rPr lang="tr-TR" dirty="0"/>
+              <a:t> </a:t>
+            </a:r>
+            <a:r>
+              <a:rPr lang="tr-TR" dirty="0" err="1"/>
+              <a:t>search</a:t>
+            </a:r>
+            <a:r>
+              <a:rPr lang="tr-TR" dirty="0"/>
+              <a:t> </a:t>
+            </a:r>
+            <a:r>
+              <a:rPr lang="tr-TR" dirty="0" err="1"/>
+              <a:t>this</a:t>
+            </a:r>
+            <a:r>
+              <a:rPr lang="tr-TR" dirty="0"/>
+              <a:t> </a:t>
+            </a:r>
+            <a:r>
+              <a:rPr lang="tr-TR" dirty="0" err="1"/>
+              <a:t>affects</a:t>
+            </a:r>
+            <a:r>
+              <a:rPr lang="tr-TR" dirty="0"/>
+              <a:t> </a:t>
+            </a:r>
+            <a:r>
+              <a:rPr lang="tr-TR" dirty="0" err="1"/>
+              <a:t>our</a:t>
+            </a:r>
+            <a:r>
+              <a:rPr lang="tr-TR" dirty="0"/>
+              <a:t> </a:t>
+            </a:r>
+            <a:r>
+              <a:rPr lang="tr-TR" dirty="0" err="1"/>
+              <a:t>agents</a:t>
+            </a:r>
+            <a:r>
+              <a:rPr lang="tr-TR" dirty="0"/>
+              <a:t>.</a:t>
+            </a:r>
+          </a:p>
+          <a:p>
+            <a:pPr marL="0" lvl="0" indent="0" algn="l" rtl="0">
+              <a:spcBef>
+                <a:spcPts val="0"/>
+              </a:spcBef>
+              <a:spcAft>
+                <a:spcPts val="0"/>
+              </a:spcAft>
+              <a:buNone/>
+            </a:pPr>
+            <a:r>
+              <a:rPr lang="tr-TR" dirty="0" err="1"/>
+              <a:t>Layer</a:t>
+            </a:r>
+            <a:r>
+              <a:rPr lang="tr-TR" dirty="0"/>
+              <a:t> </a:t>
+            </a:r>
+            <a:r>
+              <a:rPr lang="tr-TR" dirty="0" err="1"/>
+              <a:t>affect</a:t>
+            </a:r>
+            <a:r>
+              <a:rPr lang="tr-TR" dirty="0"/>
+              <a:t> </a:t>
+            </a:r>
+            <a:r>
+              <a:rPr lang="tr-TR" dirty="0" err="1"/>
+              <a:t>also</a:t>
+            </a:r>
+            <a:r>
+              <a:rPr lang="tr-TR" dirty="0"/>
+              <a:t>  </a:t>
+            </a:r>
+            <a:r>
+              <a:rPr lang="tr-TR" dirty="0" err="1"/>
+              <a:t>another</a:t>
+            </a:r>
+            <a:r>
+              <a:rPr lang="tr-TR" dirty="0"/>
+              <a:t> </a:t>
+            </a:r>
+            <a:r>
+              <a:rPr lang="tr-TR" dirty="0" err="1"/>
+              <a:t>parameter</a:t>
+            </a:r>
+            <a:r>
+              <a:rPr lang="tr-TR" dirty="0"/>
+              <a:t> </a:t>
+            </a:r>
+            <a:r>
+              <a:rPr lang="tr-TR" dirty="0" err="1"/>
+              <a:t>that</a:t>
+            </a:r>
+            <a:r>
+              <a:rPr lang="tr-TR" dirty="0"/>
+              <a:t> </a:t>
+            </a:r>
+            <a:r>
+              <a:rPr lang="tr-TR" dirty="0" err="1"/>
+              <a:t>affect</a:t>
+            </a:r>
+            <a:r>
+              <a:rPr lang="tr-TR" dirty="0"/>
+              <a:t> </a:t>
+            </a:r>
+            <a:r>
+              <a:rPr lang="tr-TR" dirty="0" err="1"/>
+              <a:t>the</a:t>
+            </a:r>
+            <a:r>
+              <a:rPr lang="tr-TR" dirty="0"/>
+              <a:t> </a:t>
+            </a:r>
+            <a:r>
+              <a:rPr lang="tr-TR" dirty="0" err="1"/>
+              <a:t>agent</a:t>
+            </a:r>
+            <a:r>
+              <a:rPr lang="tr-TR" dirty="0"/>
+              <a:t> </a:t>
+            </a:r>
+            <a:r>
+              <a:rPr lang="tr-TR" dirty="0" err="1"/>
+              <a:t>this</a:t>
+            </a:r>
+            <a:r>
+              <a:rPr lang="tr-TR" dirty="0"/>
+              <a:t> </a:t>
+            </a:r>
+            <a:r>
+              <a:rPr lang="tr-TR" dirty="0" err="1"/>
+              <a:t>will</a:t>
+            </a:r>
+            <a:r>
+              <a:rPr lang="tr-TR" dirty="0"/>
+              <a:t> be </a:t>
+            </a:r>
+            <a:r>
+              <a:rPr lang="tr-TR" dirty="0" err="1"/>
+              <a:t>searched</a:t>
+            </a:r>
+            <a:r>
+              <a:rPr lang="tr-TR" dirty="0"/>
+              <a:t>. </a:t>
+            </a:r>
+            <a:r>
+              <a:rPr lang="tr-TR" dirty="0" err="1"/>
+              <a:t>For</a:t>
+            </a:r>
+            <a:r>
+              <a:rPr lang="tr-TR" dirty="0"/>
+              <a:t> </a:t>
+            </a:r>
+            <a:r>
+              <a:rPr lang="tr-TR" dirty="0" err="1"/>
+              <a:t>this</a:t>
+            </a:r>
+            <a:r>
+              <a:rPr lang="tr-TR" dirty="0"/>
+              <a:t> </a:t>
+            </a:r>
+            <a:r>
+              <a:rPr lang="tr-TR" dirty="0" err="1"/>
+              <a:t>now</a:t>
+            </a:r>
+            <a:r>
+              <a:rPr lang="tr-TR" dirty="0"/>
+              <a:t> </a:t>
+            </a:r>
+            <a:r>
+              <a:rPr lang="tr-TR" dirty="0" err="1"/>
+              <a:t>we</a:t>
+            </a:r>
+            <a:r>
+              <a:rPr lang="tr-TR" dirty="0"/>
+              <a:t> </a:t>
+            </a:r>
+            <a:r>
+              <a:rPr lang="tr-TR" dirty="0" err="1"/>
+              <a:t>are</a:t>
+            </a:r>
+            <a:r>
+              <a:rPr lang="tr-TR" dirty="0"/>
+              <a:t> </a:t>
+            </a:r>
+            <a:r>
+              <a:rPr lang="tr-TR" dirty="0" err="1"/>
+              <a:t>using</a:t>
+            </a:r>
+            <a:r>
+              <a:rPr lang="tr-TR" dirty="0"/>
+              <a:t> 128? </a:t>
+            </a:r>
+            <a:r>
+              <a:rPr lang="tr-TR" dirty="0" err="1"/>
+              <a:t>layer</a:t>
+            </a:r>
+            <a:r>
+              <a:rPr lang="tr-TR" dirty="0"/>
+              <a:t>.</a:t>
+            </a:r>
+          </a:p>
+          <a:p>
+            <a:pPr marL="0" lvl="0" indent="0" algn="l" rtl="0">
+              <a:spcBef>
+                <a:spcPts val="0"/>
+              </a:spcBef>
+              <a:spcAft>
+                <a:spcPts val="0"/>
+              </a:spcAft>
+              <a:buNone/>
+            </a:pPr>
+            <a:endParaRPr lang="tr-TR" dirty="0"/>
+          </a:p>
+        </p:txBody>
+      </p:sp>
+      <p:sp>
+        <p:nvSpPr>
+          <p:cNvPr id="338" name="Google Shape;338;p26:notes"/>
+          <p:cNvSpPr txBox="1">
+            <a:spLocks noGrp="1"/>
+          </p:cNvSpPr>
+          <p:nvPr>
+            <p:ph type="sldNum" idx="12"/>
+          </p:nvPr>
+        </p:nvSpPr>
+        <p:spPr>
+          <a:xfrm>
+            <a:off x="3884613" y="8685213"/>
+            <a:ext cx="2971800" cy="458787"/>
+          </a:xfrm>
+          <a:prstGeom prst="rect">
+            <a:avLst/>
+          </a:prstGeom>
+          <a:noFill/>
+          <a:ln>
+            <a:noFill/>
+          </a:ln>
+        </p:spPr>
+        <p:txBody>
+          <a:bodyPr spcFirstLastPara="1" wrap="square" lIns="91425" tIns="45700" rIns="91425" bIns="45700" anchor="b" anchorCtr="0">
+            <a:noAutofit/>
+          </a:bodyPr>
+          <a:lstStyle/>
+          <a:p>
+            <a:pPr marL="0" lvl="0" indent="0" algn="r" rtl="0">
+              <a:spcBef>
+                <a:spcPts val="0"/>
+              </a:spcBef>
+              <a:spcAft>
+                <a:spcPts val="0"/>
+              </a:spcAft>
+              <a:buNone/>
+            </a:pPr>
+            <a:fld id="{00000000-1234-1234-1234-123412341234}" type="slidenum">
+              <a:rPr lang="en-US"/>
+              <a:t>11</a:t>
+            </a:fld>
+            <a:endParaRPr/>
+          </a:p>
+        </p:txBody>
+      </p:sp>
+    </p:spTree>
+    <p:extLst>
+      <p:ext uri="{BB962C8B-B14F-4D97-AF65-F5344CB8AC3E}">
+        <p14:creationId xmlns:p14="http://schemas.microsoft.com/office/powerpoint/2010/main" val="4085471580"/>
+      </p:ext>
+    </p:extLst>
+  </p:cSld>
+  <p:clrMapOvr>
+    <a:masterClrMapping/>
+  </p:clrMapOvr>
+</p:notes>
+</file>
+
+<file path=ppt/notesSlides/notesSlide12.xml><?xml version="1.0" encoding="utf-8"?>
+<p:notes xmlns:a="http://schemas.openxmlformats.org/drawingml/2006/main" xmlns:r="http://schemas.openxmlformats.org/officeDocument/2006/relationships" xmlns:p="http://schemas.openxmlformats.org/presentationml/2006/main" showMasterSp="0" showMasterPhAnim="0">
+  <p:cSld>
+    <p:spTree>
+      <p:nvGrpSpPr>
+        <p:cNvPr id="1" name="Shape 364"/>
+        <p:cNvGrpSpPr/>
+        <p:nvPr/>
+      </p:nvGrpSpPr>
+      <p:grpSpPr>
+        <a:xfrm>
+          <a:off x="0" y="0"/>
+          <a:ext cx="0" cy="0"/>
+          <a:chOff x="0" y="0"/>
+          <a:chExt cx="0" cy="0"/>
+        </a:xfrm>
+      </p:grpSpPr>
+      <p:sp>
+        <p:nvSpPr>
+          <p:cNvPr id="365" name="Google Shape;365;p29:notes"/>
+          <p:cNvSpPr txBox="1">
+            <a:spLocks noGrp="1"/>
+          </p:cNvSpPr>
+          <p:nvPr>
+            <p:ph type="body" idx="1"/>
+          </p:nvPr>
+        </p:nvSpPr>
+        <p:spPr>
+          <a:xfrm>
+            <a:off x="685800" y="4400550"/>
+            <a:ext cx="5486400" cy="3600450"/>
+          </a:xfrm>
+          <a:prstGeom prst="rect">
+            <a:avLst/>
+          </a:prstGeom>
+        </p:spPr>
+        <p:txBody>
+          <a:bodyPr spcFirstLastPara="1" wrap="square" lIns="91425" tIns="45700" rIns="91425" bIns="45700" anchor="t" anchorCtr="0">
+            <a:noAutofit/>
+          </a:bodyPr>
+          <a:lstStyle/>
+          <a:p>
+            <a:pPr marL="0" lvl="0" indent="0" algn="l" rtl="0">
+              <a:spcBef>
+                <a:spcPts val="0"/>
+              </a:spcBef>
+              <a:spcAft>
+                <a:spcPts val="0"/>
+              </a:spcAft>
+              <a:buNone/>
+            </a:pPr>
             <a:endParaRPr/>
           </a:p>
         </p:txBody>
       </p:sp>
       <p:sp>
         <p:nvSpPr>
-          <p:cNvPr id="85" name="Google Shape;85;p1:notes"/>
+          <p:cNvPr id="366" name="Google Shape;366;p29:notes"/>
           <p:cNvSpPr>
             <a:spLocks noGrp="1" noRot="1" noChangeAspect="1"/>
           </p:cNvSpPr>
@@ -4253,47 +5543,71 @@
             </a:r>
             <a:r>
               <a:rPr lang="tr-TR" dirty="0"/>
-              <a:t> is </a:t>
-            </a:r>
-            <a:r>
-              <a:rPr lang="tr-TR" dirty="0" err="1"/>
-              <a:t>our</a:t>
-            </a:r>
-            <a:r>
-              <a:rPr lang="tr-TR" dirty="0"/>
-              <a:t> </a:t>
-            </a:r>
-            <a:r>
-              <a:rPr lang="tr-TR" dirty="0" err="1"/>
-              <a:t>first</a:t>
-            </a:r>
-            <a:r>
-              <a:rPr lang="tr-TR" dirty="0"/>
-              <a:t> </a:t>
-            </a:r>
-            <a:r>
-              <a:rPr lang="tr-TR" dirty="0" err="1"/>
-              <a:t>output</a:t>
-            </a:r>
-            <a:r>
-              <a:rPr lang="tr-TR" dirty="0"/>
-              <a:t> of </a:t>
-            </a:r>
-            <a:r>
-              <a:rPr lang="tr-TR" dirty="0" err="1"/>
-              <a:t>trained</a:t>
-            </a:r>
-            <a:r>
-              <a:rPr lang="tr-TR" dirty="0"/>
-              <a:t> RL </a:t>
-            </a:r>
-            <a:r>
-              <a:rPr lang="tr-TR" dirty="0" err="1"/>
-              <a:t>agent</a:t>
-            </a:r>
-            <a:r>
-              <a:rPr lang="tr-TR" dirty="0"/>
-              <a:t>. </a:t>
+              <a:t> is PD </a:t>
+            </a:r>
+            <a:r>
+              <a:rPr lang="tr-TR" dirty="0" err="1"/>
+              <a:t>control</a:t>
+            </a:r>
+            <a:r>
+              <a:rPr lang="tr-TR" dirty="0"/>
+              <a:t> </a:t>
+            </a:r>
+            <a:r>
+              <a:rPr lang="tr-TR" dirty="0" err="1"/>
+              <a:t>block</a:t>
+            </a:r>
+            <a:r>
+              <a:rPr lang="tr-TR" dirty="0"/>
+              <a:t> </a:t>
+            </a:r>
+            <a:r>
+              <a:rPr lang="tr-TR" dirty="0" err="1"/>
+              <a:t>for</a:t>
+            </a:r>
+            <a:r>
+              <a:rPr lang="tr-TR" dirty="0"/>
+              <a:t> </a:t>
+            </a:r>
+            <a:r>
+              <a:rPr lang="tr-TR" dirty="0" err="1"/>
+              <a:t>yaw</a:t>
+            </a:r>
+            <a:r>
+              <a:rPr lang="tr-TR" dirty="0"/>
+              <a:t> </a:t>
+            </a:r>
+            <a:r>
+              <a:rPr lang="tr-TR" dirty="0" err="1"/>
+              <a:t>attitude</a:t>
+            </a:r>
+            <a:r>
+              <a:rPr lang="tr-TR" dirty="0"/>
+              <a:t> </a:t>
+            </a:r>
+            <a:r>
+              <a:rPr lang="tr-TR" dirty="0" err="1"/>
+              <a:t>controller</a:t>
+            </a:r>
+            <a:r>
+              <a:rPr lang="tr-TR" dirty="0"/>
+              <a:t> </a:t>
+            </a:r>
+            <a:r>
+              <a:rPr lang="tr-TR" dirty="0" err="1"/>
+              <a:t>for</a:t>
+            </a:r>
+            <a:r>
+              <a:rPr lang="tr-TR" dirty="0"/>
+              <a:t> </a:t>
+            </a:r>
+            <a:r>
+              <a:rPr lang="tr-TR" dirty="0" err="1"/>
+              <a:t>quadcopter</a:t>
+            </a:r>
+            <a:r>
+              <a:rPr lang="tr-TR" dirty="0"/>
+              <a:t>.</a:t>
             </a:r>
           </a:p>
           <a:p>
@@ -4307,481 +5621,9 @@
               <a:buNone/>
             </a:pPr>
             <a:r>
-              <a:rPr lang="tr-TR" dirty="0" err="1"/>
-              <a:t>This</a:t>
-            </a:r>
-            <a:r>
-              <a:rPr lang="tr-TR" dirty="0"/>
-              <a:t> is not an </a:t>
-            </a:r>
-            <a:r>
-              <a:rPr lang="tr-TR" dirty="0" err="1"/>
-              <a:t>true</a:t>
-            </a:r>
-            <a:r>
-              <a:rPr lang="tr-TR" dirty="0"/>
-              <a:t> </a:t>
-            </a:r>
-            <a:r>
-              <a:rPr lang="tr-TR" dirty="0" err="1"/>
-              <a:t>for</a:t>
-            </a:r>
-            <a:r>
-              <a:rPr lang="tr-TR" dirty="0"/>
-              <a:t> us </a:t>
-            </a:r>
-            <a:r>
-              <a:rPr lang="tr-TR" dirty="0" err="1"/>
-              <a:t>for</a:t>
-            </a:r>
-            <a:r>
-              <a:rPr lang="tr-TR" dirty="0"/>
-              <a:t> </a:t>
-            </a:r>
-            <a:r>
-              <a:rPr lang="tr-TR" dirty="0" err="1"/>
-              <a:t>this</a:t>
-            </a:r>
-            <a:r>
-              <a:rPr lang="tr-TR" dirty="0"/>
-              <a:t> </a:t>
-            </a:r>
-            <a:r>
-              <a:rPr lang="tr-TR" dirty="0" err="1"/>
-              <a:t>because</a:t>
-            </a:r>
-            <a:r>
-              <a:rPr lang="tr-TR" dirty="0"/>
-              <a:t> </a:t>
-            </a:r>
-            <a:r>
-              <a:rPr lang="tr-TR" dirty="0" err="1"/>
-              <a:t>we</a:t>
-            </a:r>
-            <a:r>
-              <a:rPr lang="tr-TR" dirty="0"/>
-              <a:t> </a:t>
-            </a:r>
-            <a:r>
-              <a:rPr lang="tr-TR" dirty="0" err="1"/>
-              <a:t>only</a:t>
-            </a:r>
-            <a:r>
-              <a:rPr lang="tr-TR" dirty="0"/>
-              <a:t> </a:t>
-            </a:r>
-            <a:r>
-              <a:rPr lang="tr-TR" dirty="0" err="1"/>
-              <a:t>focused</a:t>
-            </a:r>
-            <a:r>
-              <a:rPr lang="tr-TR" dirty="0"/>
-              <a:t> </a:t>
-            </a:r>
-            <a:r>
-              <a:rPr lang="tr-TR" dirty="0" err="1"/>
-              <a:t>to</a:t>
-            </a:r>
-            <a:r>
-              <a:rPr lang="tr-TR" dirty="0"/>
-              <a:t> </a:t>
-            </a:r>
-            <a:r>
-              <a:rPr lang="tr-TR" dirty="0" err="1"/>
-              <a:t>obtain</a:t>
-            </a:r>
-            <a:r>
-              <a:rPr lang="tr-TR" dirty="0"/>
-              <a:t> </a:t>
-            </a:r>
-            <a:r>
-              <a:rPr lang="tr-TR" dirty="0" err="1"/>
-              <a:t>some</a:t>
-            </a:r>
-            <a:r>
-              <a:rPr lang="tr-TR" dirty="0"/>
-              <a:t> data </a:t>
-            </a:r>
-            <a:r>
-              <a:rPr lang="tr-TR" dirty="0" err="1"/>
-              <a:t>from</a:t>
-            </a:r>
-            <a:r>
-              <a:rPr lang="tr-TR" dirty="0"/>
-              <a:t> </a:t>
-            </a:r>
-            <a:r>
-              <a:rPr lang="tr-TR" dirty="0" err="1"/>
-              <a:t>the</a:t>
-            </a:r>
-            <a:r>
-              <a:rPr lang="tr-TR" dirty="0"/>
-              <a:t> </a:t>
-            </a:r>
-            <a:r>
-              <a:rPr lang="tr-TR" dirty="0" err="1"/>
-              <a:t>agent</a:t>
-            </a:r>
-            <a:r>
-              <a:rPr lang="tr-TR" dirty="0"/>
-              <a:t> </a:t>
-            </a:r>
-            <a:r>
-              <a:rPr lang="tr-TR" dirty="0" err="1"/>
-              <a:t>block</a:t>
-            </a:r>
-            <a:r>
-              <a:rPr lang="tr-TR" dirty="0"/>
-              <a:t>.</a:t>
-            </a:r>
-          </a:p>
-          <a:p>
-            <a:pPr marL="0" lvl="0" indent="0" algn="l" rtl="0">
-              <a:spcBef>
-                <a:spcPts val="0"/>
-              </a:spcBef>
-              <a:spcAft>
-                <a:spcPts val="0"/>
-              </a:spcAft>
-              <a:buNone/>
-            </a:pPr>
-            <a:r>
-              <a:rPr lang="tr-TR" dirty="0" err="1"/>
-              <a:t>This</a:t>
-            </a:r>
-            <a:r>
-              <a:rPr lang="tr-TR" dirty="0"/>
-              <a:t> is </a:t>
-            </a:r>
-            <a:r>
-              <a:rPr lang="tr-TR" dirty="0" err="1"/>
-              <a:t>trained</a:t>
-            </a:r>
-            <a:r>
-              <a:rPr lang="tr-TR" dirty="0"/>
-              <a:t> </a:t>
-            </a:r>
-            <a:r>
-              <a:rPr lang="tr-TR" dirty="0" err="1"/>
-              <a:t>with</a:t>
-            </a:r>
-            <a:r>
-              <a:rPr lang="tr-TR" dirty="0"/>
-              <a:t> 6 </a:t>
-            </a:r>
-            <a:r>
-              <a:rPr lang="tr-TR" dirty="0" err="1"/>
-              <a:t>episodes</a:t>
-            </a:r>
-            <a:r>
-              <a:rPr lang="tr-TR" dirty="0"/>
-              <a:t>. </a:t>
-            </a:r>
-            <a:r>
-              <a:rPr lang="tr-TR" dirty="0" err="1"/>
-              <a:t>This</a:t>
-            </a:r>
-            <a:r>
-              <a:rPr lang="tr-TR" dirty="0"/>
-              <a:t> is not </a:t>
-            </a:r>
-            <a:r>
-              <a:rPr lang="tr-TR" dirty="0" err="1"/>
-              <a:t>enough</a:t>
-            </a:r>
-            <a:r>
-              <a:rPr lang="tr-TR" dirty="0"/>
-              <a:t> </a:t>
-            </a:r>
-            <a:r>
-              <a:rPr lang="tr-TR" dirty="0" err="1"/>
-              <a:t>and</a:t>
-            </a:r>
-            <a:r>
-              <a:rPr lang="tr-TR" dirty="0"/>
-              <a:t> </a:t>
-            </a:r>
-            <a:r>
-              <a:rPr lang="tr-TR" dirty="0" err="1"/>
-              <a:t>episodes</a:t>
-            </a:r>
-            <a:r>
-              <a:rPr lang="tr-TR" dirty="0"/>
-              <a:t> </a:t>
-            </a:r>
-            <a:r>
-              <a:rPr lang="tr-TR" dirty="0" err="1"/>
-              <a:t>will</a:t>
-            </a:r>
-            <a:r>
-              <a:rPr lang="tr-TR" dirty="0"/>
-              <a:t> be </a:t>
-            </a:r>
-            <a:r>
-              <a:rPr lang="tr-TR" dirty="0" err="1"/>
-              <a:t>more</a:t>
-            </a:r>
-            <a:r>
-              <a:rPr lang="tr-TR" dirty="0"/>
-              <a:t> </a:t>
-            </a:r>
-            <a:r>
-              <a:rPr lang="tr-TR" dirty="0" err="1"/>
-              <a:t>and</a:t>
-            </a:r>
-            <a:r>
-              <a:rPr lang="tr-TR" dirty="0"/>
-              <a:t> </a:t>
-            </a:r>
-            <a:r>
-              <a:rPr lang="tr-TR" dirty="0" err="1"/>
-              <a:t>more</a:t>
-            </a:r>
-            <a:r>
-              <a:rPr lang="tr-TR" dirty="0"/>
-              <a:t> </a:t>
-            </a:r>
-            <a:r>
-              <a:rPr lang="tr-TR" dirty="0" err="1"/>
-              <a:t>to</a:t>
-            </a:r>
-            <a:r>
-              <a:rPr lang="tr-TR" dirty="0"/>
-              <a:t> </a:t>
-            </a:r>
-            <a:r>
-              <a:rPr lang="tr-TR" dirty="0" err="1"/>
-              <a:t>obtain</a:t>
-            </a:r>
-            <a:r>
-              <a:rPr lang="tr-TR" dirty="0"/>
-              <a:t> </a:t>
-            </a:r>
-            <a:r>
-              <a:rPr lang="tr-TR" dirty="0" err="1"/>
-              <a:t>better</a:t>
-            </a:r>
-            <a:r>
-              <a:rPr lang="tr-TR" dirty="0"/>
-              <a:t> </a:t>
-            </a:r>
-            <a:r>
-              <a:rPr lang="tr-TR" dirty="0" err="1"/>
-              <a:t>training</a:t>
-            </a:r>
-            <a:r>
-              <a:rPr lang="tr-TR" dirty="0"/>
-              <a:t> </a:t>
-            </a:r>
-            <a:r>
-              <a:rPr lang="tr-TR" dirty="0" err="1"/>
-              <a:t>agent</a:t>
-            </a:r>
-            <a:r>
-              <a:rPr lang="tr-TR" dirty="0"/>
-              <a:t>.</a:t>
-            </a:r>
-          </a:p>
-          <a:p>
-            <a:pPr marL="0" lvl="0" indent="0" algn="l" rtl="0">
-              <a:spcBef>
-                <a:spcPts val="0"/>
-              </a:spcBef>
-              <a:spcAft>
-                <a:spcPts val="0"/>
-              </a:spcAft>
-              <a:buNone/>
-            </a:pPr>
-            <a:r>
-              <a:rPr lang="tr-TR" dirty="0" err="1"/>
-              <a:t>This</a:t>
-            </a:r>
-            <a:r>
-              <a:rPr lang="tr-TR" dirty="0"/>
-              <a:t> </a:t>
-            </a:r>
-            <a:r>
-              <a:rPr lang="tr-TR" dirty="0" err="1"/>
-              <a:t>agent</a:t>
-            </a:r>
-            <a:r>
-              <a:rPr lang="tr-TR" dirty="0"/>
-              <a:t> is </a:t>
-            </a:r>
-            <a:r>
-              <a:rPr lang="tr-TR" dirty="0" err="1"/>
-              <a:t>negative</a:t>
-            </a:r>
-            <a:r>
-              <a:rPr lang="tr-TR" dirty="0"/>
-              <a:t> </a:t>
-            </a:r>
-            <a:r>
-              <a:rPr lang="tr-TR" dirty="0" err="1"/>
-              <a:t>because</a:t>
-            </a:r>
-            <a:r>
-              <a:rPr lang="tr-TR" dirty="0"/>
-              <a:t> of </a:t>
-            </a:r>
-            <a:r>
-              <a:rPr lang="tr-TR" dirty="0" err="1"/>
-              <a:t>the</a:t>
-            </a:r>
-            <a:r>
-              <a:rPr lang="tr-TR" dirty="0"/>
-              <a:t> </a:t>
-            </a:r>
-            <a:r>
-              <a:rPr lang="tr-TR" dirty="0" err="1"/>
-              <a:t>reward</a:t>
-            </a:r>
-            <a:r>
-              <a:rPr lang="tr-TR" dirty="0"/>
-              <a:t> </a:t>
-            </a:r>
-            <a:r>
-              <a:rPr lang="tr-TR" dirty="0" err="1"/>
-              <a:t>function</a:t>
-            </a:r>
-            <a:r>
-              <a:rPr lang="tr-TR" dirty="0"/>
-              <a:t> </a:t>
-            </a:r>
-            <a:r>
-              <a:rPr lang="tr-TR" dirty="0" err="1"/>
-              <a:t>which</a:t>
-            </a:r>
-            <a:r>
-              <a:rPr lang="tr-TR" dirty="0"/>
-              <a:t> is </a:t>
-            </a:r>
-            <a:r>
-              <a:rPr lang="tr-TR" dirty="0" err="1"/>
-              <a:t>multiplied</a:t>
-            </a:r>
-            <a:r>
-              <a:rPr lang="tr-TR" dirty="0"/>
-              <a:t> </a:t>
-            </a:r>
-            <a:r>
-              <a:rPr lang="tr-TR" dirty="0" err="1"/>
-              <a:t>by</a:t>
-            </a:r>
-            <a:r>
-              <a:rPr lang="tr-TR" dirty="0"/>
-              <a:t> -1.</a:t>
-            </a:r>
-          </a:p>
-          <a:p>
-            <a:pPr marL="0" lvl="0" indent="0" algn="l" rtl="0">
-              <a:spcBef>
-                <a:spcPts val="0"/>
-              </a:spcBef>
-              <a:spcAft>
-                <a:spcPts val="0"/>
-              </a:spcAft>
-              <a:buNone/>
-            </a:pPr>
-            <a:r>
-              <a:rPr lang="tr-TR" dirty="0" err="1"/>
-              <a:t>While</a:t>
-            </a:r>
-            <a:r>
-              <a:rPr lang="tr-TR" dirty="0"/>
-              <a:t> </a:t>
-            </a:r>
-            <a:r>
-              <a:rPr lang="tr-TR" dirty="0" err="1"/>
-              <a:t>the</a:t>
-            </a:r>
-            <a:r>
-              <a:rPr lang="tr-TR" dirty="0"/>
-              <a:t> </a:t>
-            </a:r>
-            <a:r>
-              <a:rPr lang="tr-TR" dirty="0" err="1"/>
-              <a:t>actions</a:t>
-            </a:r>
-            <a:r>
-              <a:rPr lang="tr-TR" dirty="0"/>
-              <a:t> </a:t>
-            </a:r>
-            <a:r>
-              <a:rPr lang="tr-TR" dirty="0" err="1"/>
-              <a:t>close</a:t>
-            </a:r>
-            <a:r>
-              <a:rPr lang="tr-TR" dirty="0"/>
-              <a:t> </a:t>
-            </a:r>
-            <a:r>
-              <a:rPr lang="tr-TR" dirty="0" err="1"/>
-              <a:t>to</a:t>
-            </a:r>
-            <a:r>
-              <a:rPr lang="tr-TR" dirty="0"/>
-              <a:t> </a:t>
-            </a:r>
-            <a:r>
-              <a:rPr lang="tr-TR" dirty="0" err="1"/>
-              <a:t>the</a:t>
-            </a:r>
-            <a:r>
-              <a:rPr lang="tr-TR" dirty="0"/>
-              <a:t> </a:t>
-            </a:r>
-            <a:r>
-              <a:rPr lang="tr-TR" dirty="0" err="1"/>
-              <a:t>desired</a:t>
-            </a:r>
-            <a:r>
-              <a:rPr lang="tr-TR" dirty="0"/>
-              <a:t> </a:t>
-            </a:r>
-            <a:r>
-              <a:rPr lang="tr-TR" dirty="0" err="1"/>
-              <a:t>positions</a:t>
-            </a:r>
-            <a:r>
-              <a:rPr lang="tr-TR" dirty="0"/>
-              <a:t>, </a:t>
-            </a:r>
-            <a:r>
-              <a:rPr lang="tr-TR" dirty="0" err="1"/>
-              <a:t>reward</a:t>
-            </a:r>
-            <a:r>
-              <a:rPr lang="tr-TR" dirty="0"/>
-              <a:t> </a:t>
-            </a:r>
-            <a:r>
-              <a:rPr lang="tr-TR" dirty="0" err="1"/>
-              <a:t>will</a:t>
-            </a:r>
-            <a:r>
-              <a:rPr lang="tr-TR" dirty="0"/>
-              <a:t> be </a:t>
-            </a:r>
-            <a:r>
-              <a:rPr lang="tr-TR" dirty="0" err="1"/>
-              <a:t>around</a:t>
-            </a:r>
-            <a:r>
-              <a:rPr lang="tr-TR" dirty="0"/>
-              <a:t> 0.</a:t>
-            </a:r>
-          </a:p>
-          <a:p>
-            <a:pPr marL="0" lvl="0" indent="0" algn="l" rtl="0">
-              <a:spcBef>
-                <a:spcPts val="0"/>
-              </a:spcBef>
-              <a:spcAft>
-                <a:spcPts val="0"/>
-              </a:spcAft>
-              <a:buNone/>
-            </a:pPr>
+              <a:rPr lang="tr-TR" dirty="0"/>
+              <a:t>…………………………………….</a:t>
+            </a:r>
             <a:endParaRPr dirty="0"/>
           </a:p>
         </p:txBody>
@@ -4835,7 +5677,7 @@
     </p:spTree>
     <p:extLst>
       <p:ext uri="{BB962C8B-B14F-4D97-AF65-F5344CB8AC3E}">
-        <p14:creationId xmlns:p14="http://schemas.microsoft.com/office/powerpoint/2010/main" val="1489171041"/>
+        <p14:creationId xmlns:p14="http://schemas.microsoft.com/office/powerpoint/2010/main" val="352350386"/>
       </p:ext>
     </p:extLst>
   </p:cSld>
@@ -4952,108 +5794,8 @@
               <a:buNone/>
             </a:pPr>
             <a:r>
-              <a:rPr lang="tr-TR" dirty="0" err="1"/>
-              <a:t>Up</a:t>
-            </a:r>
-            <a:r>
-              <a:rPr lang="tr-TR" dirty="0"/>
-              <a:t> </a:t>
-            </a:r>
-            <a:r>
-              <a:rPr lang="tr-TR" dirty="0" err="1"/>
-              <a:t>to</a:t>
-            </a:r>
-            <a:r>
-              <a:rPr lang="tr-TR" dirty="0"/>
-              <a:t> </a:t>
-            </a:r>
-            <a:r>
-              <a:rPr lang="tr-TR" dirty="0" err="1"/>
-              <a:t>this</a:t>
-            </a:r>
-            <a:r>
-              <a:rPr lang="tr-TR" dirty="0"/>
-              <a:t> </a:t>
-            </a:r>
-            <a:r>
-              <a:rPr lang="tr-TR" dirty="0" err="1"/>
-              <a:t>point</a:t>
-            </a:r>
-            <a:r>
-              <a:rPr lang="tr-TR" dirty="0"/>
-              <a:t> </a:t>
-            </a:r>
-            <a:r>
-              <a:rPr lang="tr-TR" dirty="0" err="1"/>
-              <a:t>we</a:t>
-            </a:r>
-            <a:r>
-              <a:rPr lang="tr-TR" dirty="0"/>
-              <a:t> </a:t>
-            </a:r>
-            <a:r>
-              <a:rPr lang="tr-TR" dirty="0" err="1"/>
-              <a:t>created</a:t>
-            </a:r>
-            <a:r>
-              <a:rPr lang="tr-TR" dirty="0"/>
-              <a:t> </a:t>
-            </a:r>
-            <a:r>
-              <a:rPr lang="tr-TR" dirty="0" err="1"/>
-              <a:t>the</a:t>
-            </a:r>
-            <a:r>
-              <a:rPr lang="tr-TR" dirty="0"/>
-              <a:t> </a:t>
-            </a:r>
-            <a:r>
-              <a:rPr lang="tr-TR" dirty="0" err="1"/>
-              <a:t>running</a:t>
-            </a:r>
-            <a:r>
-              <a:rPr lang="tr-TR" dirty="0"/>
-              <a:t> </a:t>
-            </a:r>
-            <a:r>
-              <a:rPr lang="tr-TR" dirty="0" err="1"/>
-              <a:t>environment</a:t>
-            </a:r>
-            <a:r>
-              <a:rPr lang="tr-TR" dirty="0"/>
-              <a:t> </a:t>
-            </a:r>
-            <a:r>
-              <a:rPr lang="tr-TR" dirty="0" err="1"/>
-              <a:t>without</a:t>
-            </a:r>
-            <a:r>
-              <a:rPr lang="tr-TR" dirty="0"/>
-              <a:t> </a:t>
-            </a:r>
-            <a:r>
-              <a:rPr lang="tr-TR" dirty="0" err="1"/>
-              <a:t>any</a:t>
-            </a:r>
-            <a:r>
-              <a:rPr lang="tr-TR" dirty="0"/>
-              <a:t> problem </a:t>
-            </a:r>
-            <a:r>
-              <a:rPr lang="tr-TR" dirty="0" err="1"/>
-              <a:t>with</a:t>
-            </a:r>
-            <a:r>
-              <a:rPr lang="tr-TR" dirty="0"/>
-              <a:t> PID </a:t>
-            </a:r>
-            <a:r>
-              <a:rPr lang="tr-TR" dirty="0" err="1"/>
-              <a:t>system</a:t>
-            </a:r>
-            <a:r>
-              <a:rPr lang="tr-TR" dirty="0"/>
-              <a:t>.</a:t>
+              <a:rPr lang="en-US" noProof="0" dirty="0"/>
+              <a:t>This is the agent and its environment block. </a:t>
             </a:r>
           </a:p>
           <a:p>
@@ -5066,162 +5808,7 @@
               </a:spcAft>
               <a:buNone/>
             </a:pPr>
-            <a:r>
-              <a:rPr lang="tr-TR" dirty="0"/>
-              <a:t>Agent </a:t>
-            </a:r>
-            <a:r>
-              <a:rPr lang="tr-TR" dirty="0" err="1"/>
-              <a:t>trainig</a:t>
-            </a:r>
-            <a:r>
-              <a:rPr lang="tr-TR" dirty="0"/>
-              <a:t> </a:t>
-            </a:r>
-            <a:r>
-              <a:rPr lang="tr-TR" dirty="0" err="1"/>
-              <a:t>and</a:t>
-            </a:r>
-            <a:r>
-              <a:rPr lang="tr-TR" dirty="0"/>
-              <a:t>  </a:t>
-            </a:r>
-            <a:r>
-              <a:rPr lang="tr-TR" dirty="0" err="1"/>
-              <a:t>optimizing</a:t>
-            </a:r>
-            <a:r>
-              <a:rPr lang="tr-TR" dirty="0"/>
-              <a:t> </a:t>
-            </a:r>
-            <a:r>
-              <a:rPr lang="tr-TR" dirty="0" err="1"/>
-              <a:t>reward</a:t>
-            </a:r>
-            <a:r>
-              <a:rPr lang="tr-TR" dirty="0"/>
-              <a:t> </a:t>
-            </a:r>
-            <a:r>
-              <a:rPr lang="tr-TR" dirty="0" err="1"/>
-              <a:t>function</a:t>
-            </a:r>
-            <a:r>
-              <a:rPr lang="tr-TR" dirty="0"/>
-              <a:t> </a:t>
-            </a:r>
-            <a:r>
-              <a:rPr lang="tr-TR" dirty="0" err="1"/>
-              <a:t>trials</a:t>
-            </a:r>
-            <a:r>
-              <a:rPr lang="tr-TR" dirty="0"/>
-              <a:t> </a:t>
-            </a:r>
-            <a:r>
-              <a:rPr lang="tr-TR" dirty="0" err="1"/>
-              <a:t>started</a:t>
-            </a:r>
-            <a:r>
-              <a:rPr lang="tr-TR" dirty="0"/>
-              <a:t> </a:t>
-            </a:r>
-            <a:r>
-              <a:rPr lang="tr-TR" dirty="0" err="1"/>
-              <a:t>and</a:t>
-            </a:r>
-            <a:r>
-              <a:rPr lang="tr-TR" dirty="0"/>
-              <a:t> </a:t>
-            </a:r>
-            <a:r>
-              <a:rPr lang="tr-TR" dirty="0" err="1"/>
-              <a:t>continue</a:t>
-            </a:r>
-            <a:r>
-              <a:rPr lang="tr-TR" dirty="0"/>
-              <a:t> but has </a:t>
-            </a:r>
-            <a:r>
-              <a:rPr lang="tr-TR" dirty="0" err="1"/>
-              <a:t>some</a:t>
-            </a:r>
-            <a:r>
-              <a:rPr lang="tr-TR" dirty="0"/>
-              <a:t> </a:t>
-            </a:r>
-            <a:r>
-              <a:rPr lang="tr-TR" dirty="0" err="1"/>
-              <a:t>problems</a:t>
-            </a:r>
-            <a:r>
-              <a:rPr lang="tr-TR" dirty="0"/>
-              <a:t>. </a:t>
-            </a:r>
-            <a:r>
-              <a:rPr lang="tr-TR" dirty="0" err="1"/>
-              <a:t>Therefore</a:t>
-            </a:r>
-            <a:r>
-              <a:rPr lang="tr-TR" dirty="0"/>
-              <a:t> </a:t>
-            </a:r>
-            <a:r>
-              <a:rPr lang="tr-TR" dirty="0" err="1"/>
-              <a:t>we</a:t>
-            </a:r>
-            <a:r>
-              <a:rPr lang="tr-TR" dirty="0"/>
-              <a:t> </a:t>
-            </a:r>
-            <a:r>
-              <a:rPr lang="tr-TR" dirty="0" err="1"/>
-              <a:t>will</a:t>
-            </a:r>
-            <a:r>
-              <a:rPr lang="tr-TR" dirty="0"/>
-              <a:t> </a:t>
-            </a:r>
-            <a:r>
-              <a:rPr lang="tr-TR" dirty="0" err="1"/>
-              <a:t>solve</a:t>
-            </a:r>
-            <a:r>
-              <a:rPr lang="tr-TR" dirty="0"/>
-              <a:t> </a:t>
-            </a:r>
-            <a:r>
-              <a:rPr lang="tr-TR" dirty="0" err="1"/>
-              <a:t>the</a:t>
-            </a:r>
-            <a:r>
-              <a:rPr lang="tr-TR" dirty="0"/>
-              <a:t> </a:t>
-            </a:r>
-            <a:r>
-              <a:rPr lang="tr-TR" dirty="0" err="1"/>
-              <a:t>training</a:t>
-            </a:r>
-            <a:r>
-              <a:rPr lang="tr-TR" dirty="0"/>
-              <a:t> </a:t>
-            </a:r>
-            <a:r>
-              <a:rPr lang="tr-TR" dirty="0" err="1"/>
-              <a:t>problems</a:t>
-            </a:r>
-            <a:r>
-              <a:rPr lang="tr-TR" dirty="0"/>
-              <a:t> </a:t>
-            </a:r>
-            <a:r>
-              <a:rPr lang="tr-TR" dirty="0" err="1"/>
-              <a:t>soon</a:t>
-            </a:r>
-            <a:r>
-              <a:rPr lang="tr-TR" dirty="0"/>
-              <a:t>.</a:t>
-            </a:r>
+            <a:endParaRPr lang="en-US" noProof="0" dirty="0"/>
           </a:p>
           <a:p>
             <a:pPr marL="0" lvl="0" indent="0" algn="l" rtl="0">
@@ -5234,84 +5821,8 @@
               <a:buNone/>
             </a:pPr>
             <a:r>
-              <a:rPr lang="tr-TR" dirty="0" err="1"/>
-              <a:t>Observation</a:t>
-            </a:r>
-            <a:r>
-              <a:rPr lang="tr-TR" dirty="0"/>
-              <a:t> </a:t>
-            </a:r>
-            <a:r>
-              <a:rPr lang="tr-TR" dirty="0" err="1"/>
-              <a:t>and</a:t>
-            </a:r>
-            <a:r>
-              <a:rPr lang="tr-TR" dirty="0"/>
-              <a:t> </a:t>
-            </a:r>
-            <a:r>
-              <a:rPr lang="tr-TR" dirty="0" err="1"/>
-              <a:t>action</a:t>
-            </a:r>
-            <a:r>
-              <a:rPr lang="tr-TR" dirty="0"/>
-              <a:t> </a:t>
-            </a:r>
-            <a:r>
-              <a:rPr lang="tr-TR" dirty="0" err="1"/>
-              <a:t>block</a:t>
-            </a:r>
-            <a:r>
-              <a:rPr lang="tr-TR" dirty="0"/>
-              <a:t> </a:t>
-            </a:r>
-            <a:r>
-              <a:rPr lang="tr-TR" dirty="0" err="1"/>
-              <a:t>parameters</a:t>
-            </a:r>
-            <a:r>
-              <a:rPr lang="tr-TR" dirty="0"/>
-              <a:t> </a:t>
-            </a:r>
-            <a:r>
-              <a:rPr lang="tr-TR" dirty="0" err="1"/>
-              <a:t>was</a:t>
-            </a:r>
-            <a:r>
-              <a:rPr lang="tr-TR" dirty="0"/>
-              <a:t> not </a:t>
-            </a:r>
-            <a:r>
-              <a:rPr lang="tr-TR" dirty="0" err="1"/>
-              <a:t>limited</a:t>
-            </a:r>
-            <a:r>
-              <a:rPr lang="tr-TR" dirty="0"/>
-              <a:t> </a:t>
-            </a:r>
-            <a:r>
-              <a:rPr lang="tr-TR" dirty="0" err="1"/>
-              <a:t>and</a:t>
-            </a:r>
-            <a:r>
-              <a:rPr lang="tr-TR" dirty="0"/>
-              <a:t> </a:t>
-            </a:r>
-            <a:r>
-              <a:rPr lang="tr-TR" dirty="0" err="1"/>
-              <a:t>should</a:t>
-            </a:r>
-            <a:r>
-              <a:rPr lang="tr-TR" dirty="0"/>
-              <a:t> be </a:t>
-            </a:r>
-            <a:r>
-              <a:rPr lang="tr-TR" dirty="0" err="1"/>
-              <a:t>limited</a:t>
-            </a:r>
-            <a:r>
-              <a:rPr lang="tr-TR" dirty="0"/>
-              <a:t>.</a:t>
+              <a:rPr lang="en-US" noProof="0" dirty="0"/>
+              <a:t>Input parameters are observation, reward Function and flag.  the output is the action.</a:t>
             </a:r>
           </a:p>
           <a:p>
@@ -5325,124 +5836,8 @@
               <a:buNone/>
             </a:pPr>
             <a:r>
-              <a:rPr lang="tr-TR" dirty="0" err="1"/>
-              <a:t>We</a:t>
-            </a:r>
-            <a:r>
-              <a:rPr lang="tr-TR" dirty="0"/>
-              <a:t> </a:t>
-            </a:r>
-            <a:r>
-              <a:rPr lang="tr-TR" dirty="0" err="1"/>
-              <a:t>have</a:t>
-            </a:r>
-            <a:r>
-              <a:rPr lang="tr-TR" dirty="0"/>
-              <a:t> </a:t>
-            </a:r>
-            <a:r>
-              <a:rPr lang="tr-TR" dirty="0" err="1"/>
-              <a:t>chosen</a:t>
-            </a:r>
-            <a:r>
-              <a:rPr lang="tr-TR" dirty="0"/>
-              <a:t> DDPG </a:t>
-            </a:r>
-            <a:r>
-              <a:rPr lang="tr-TR" dirty="0" err="1"/>
-              <a:t>and</a:t>
-            </a:r>
-            <a:r>
-              <a:rPr lang="tr-TR" dirty="0"/>
-              <a:t> PPO </a:t>
-            </a:r>
-            <a:r>
-              <a:rPr lang="tr-TR" dirty="0" err="1"/>
-              <a:t>algorithms</a:t>
-            </a:r>
-            <a:r>
-              <a:rPr lang="tr-TR" dirty="0"/>
-              <a:t>. </a:t>
-            </a:r>
-            <a:r>
-              <a:rPr lang="tr-TR" dirty="0" err="1"/>
-              <a:t>These</a:t>
-            </a:r>
-            <a:r>
-              <a:rPr lang="tr-TR" dirty="0"/>
-              <a:t> </a:t>
-            </a:r>
-            <a:r>
-              <a:rPr lang="tr-TR" dirty="0" err="1"/>
-              <a:t>algorithms</a:t>
-            </a:r>
-            <a:r>
-              <a:rPr lang="tr-TR" dirty="0"/>
-              <a:t> </a:t>
-            </a:r>
-            <a:r>
-              <a:rPr lang="tr-TR" dirty="0" err="1"/>
-              <a:t>will</a:t>
-            </a:r>
-            <a:r>
-              <a:rPr lang="tr-TR" dirty="0"/>
-              <a:t> be </a:t>
-            </a:r>
-            <a:r>
-              <a:rPr lang="tr-TR" dirty="0" err="1"/>
-              <a:t>worked</a:t>
-            </a:r>
-            <a:r>
-              <a:rPr lang="tr-TR" dirty="0"/>
-              <a:t> </a:t>
-            </a:r>
-            <a:r>
-              <a:rPr lang="tr-TR" dirty="0" err="1"/>
-              <a:t>together</a:t>
-            </a:r>
-            <a:r>
-              <a:rPr lang="tr-TR" dirty="0"/>
-              <a:t> </a:t>
-            </a:r>
-            <a:r>
-              <a:rPr lang="tr-TR" dirty="0" err="1"/>
-              <a:t>simultaneously</a:t>
-            </a:r>
-            <a:r>
-              <a:rPr lang="tr-TR" dirty="0"/>
-              <a:t> in </a:t>
-            </a:r>
-            <a:r>
-              <a:rPr lang="tr-TR" dirty="0" err="1"/>
-              <a:t>the</a:t>
-            </a:r>
-            <a:r>
-              <a:rPr lang="tr-TR" dirty="0"/>
-              <a:t> final </a:t>
-            </a:r>
-            <a:r>
-              <a:rPr lang="tr-TR" dirty="0" err="1"/>
-              <a:t>version</a:t>
-            </a:r>
-            <a:r>
-              <a:rPr lang="tr-TR" dirty="0"/>
-              <a:t> of </a:t>
-            </a:r>
-            <a:r>
-              <a:rPr lang="tr-TR" dirty="0" err="1"/>
-              <a:t>the</a:t>
-            </a:r>
-            <a:r>
-              <a:rPr lang="tr-TR" dirty="0"/>
-              <a:t> </a:t>
-            </a:r>
-            <a:r>
-              <a:rPr lang="tr-TR" dirty="0" err="1"/>
-              <a:t>project</a:t>
-            </a:r>
-            <a:r>
-              <a:rPr lang="tr-TR" dirty="0"/>
-              <a:t>.</a:t>
+              <a:rPr lang="en-US" noProof="0" dirty="0"/>
+              <a:t> </a:t>
             </a:r>
           </a:p>
           <a:p>
@@ -5455,166 +5850,7 @@
               </a:spcAft>
               <a:buNone/>
             </a:pPr>
-            <a:r>
-              <a:rPr lang="tr-TR" dirty="0" err="1"/>
-              <a:t>Whatever</a:t>
-            </a:r>
-            <a:r>
-              <a:rPr lang="tr-TR" dirty="0"/>
-              <a:t> </a:t>
-            </a:r>
-            <a:r>
-              <a:rPr lang="tr-TR" dirty="0" err="1"/>
-              <a:t>the</a:t>
-            </a:r>
-            <a:r>
-              <a:rPr lang="tr-TR" dirty="0"/>
-              <a:t> </a:t>
-            </a:r>
-            <a:r>
-              <a:rPr lang="tr-TR" dirty="0" err="1"/>
-              <a:t>agent</a:t>
-            </a:r>
-            <a:r>
-              <a:rPr lang="tr-TR" dirty="0"/>
-              <a:t> is </a:t>
-            </a:r>
-            <a:r>
-              <a:rPr lang="tr-TR" dirty="0" err="1"/>
-              <a:t>configuration</a:t>
-            </a:r>
-            <a:r>
-              <a:rPr lang="tr-TR" dirty="0"/>
-              <a:t> </a:t>
-            </a:r>
-            <a:r>
-              <a:rPr lang="tr-TR" dirty="0" err="1"/>
-              <a:t>parameters</a:t>
-            </a:r>
-            <a:r>
-              <a:rPr lang="tr-TR" dirty="0"/>
-              <a:t> </a:t>
-            </a:r>
-            <a:r>
-              <a:rPr lang="tr-TR" dirty="0" err="1"/>
-              <a:t>should</a:t>
-            </a:r>
-            <a:r>
-              <a:rPr lang="tr-TR" dirty="0"/>
-              <a:t> be </a:t>
-            </a:r>
-            <a:r>
-              <a:rPr lang="tr-TR" dirty="0" err="1"/>
-              <a:t>configured</a:t>
-            </a:r>
-            <a:r>
-              <a:rPr lang="tr-TR" dirty="0"/>
-              <a:t>. </a:t>
-            </a:r>
-            <a:r>
-              <a:rPr lang="tr-TR" dirty="0" err="1"/>
-              <a:t>This</a:t>
-            </a:r>
-            <a:r>
-              <a:rPr lang="tr-TR" dirty="0"/>
-              <a:t> </a:t>
-            </a:r>
-            <a:r>
-              <a:rPr lang="tr-TR" dirty="0" err="1"/>
-              <a:t>parameters</a:t>
-            </a:r>
-            <a:r>
-              <a:rPr lang="tr-TR" dirty="0"/>
-              <a:t> </a:t>
-            </a:r>
-            <a:r>
-              <a:rPr lang="tr-TR" dirty="0" err="1"/>
-              <a:t>configure</a:t>
-            </a:r>
-            <a:r>
-              <a:rPr lang="tr-TR" dirty="0"/>
-              <a:t> </a:t>
-            </a:r>
-            <a:r>
-              <a:rPr lang="tr-TR" dirty="0" err="1"/>
-              <a:t>the</a:t>
-            </a:r>
-            <a:r>
-              <a:rPr lang="tr-TR" dirty="0"/>
-              <a:t> </a:t>
-            </a:r>
-            <a:r>
-              <a:rPr lang="tr-TR" dirty="0" err="1"/>
-              <a:t>agent</a:t>
-            </a:r>
-            <a:r>
-              <a:rPr lang="tr-TR" dirty="0"/>
-              <a:t>. </a:t>
-            </a:r>
-            <a:r>
-              <a:rPr lang="tr-TR" dirty="0" err="1"/>
-              <a:t>Therefore</a:t>
-            </a:r>
-            <a:r>
-              <a:rPr lang="tr-TR" dirty="0"/>
-              <a:t>, </a:t>
-            </a:r>
-            <a:r>
-              <a:rPr lang="tr-TR" dirty="0" err="1"/>
-              <a:t>we</a:t>
-            </a:r>
-            <a:r>
-              <a:rPr lang="tr-TR" dirty="0"/>
-              <a:t> </a:t>
-            </a:r>
-            <a:r>
-              <a:rPr lang="tr-TR" dirty="0" err="1"/>
-              <a:t>will</a:t>
-            </a:r>
-            <a:r>
-              <a:rPr lang="tr-TR" dirty="0"/>
-              <a:t> </a:t>
-            </a:r>
-            <a:r>
-              <a:rPr lang="tr-TR" dirty="0" err="1"/>
-              <a:t>search</a:t>
-            </a:r>
-            <a:r>
-              <a:rPr lang="tr-TR" dirty="0"/>
-              <a:t> </a:t>
-            </a:r>
-            <a:r>
-              <a:rPr lang="tr-TR" dirty="0" err="1"/>
-              <a:t>this</a:t>
-            </a:r>
-            <a:r>
-              <a:rPr lang="tr-TR" dirty="0"/>
-              <a:t> </a:t>
-            </a:r>
-            <a:r>
-              <a:rPr lang="tr-TR" dirty="0" err="1"/>
-              <a:t>affects</a:t>
-            </a:r>
-            <a:r>
-              <a:rPr lang="tr-TR" dirty="0"/>
-              <a:t> </a:t>
-            </a:r>
-            <a:r>
-              <a:rPr lang="tr-TR" dirty="0" err="1"/>
-              <a:t>our</a:t>
-            </a:r>
-            <a:r>
-              <a:rPr lang="tr-TR" dirty="0"/>
-              <a:t> </a:t>
-            </a:r>
-            <a:r>
-              <a:rPr lang="tr-TR" dirty="0" err="1"/>
-              <a:t>agents</a:t>
-            </a:r>
-            <a:r>
-              <a:rPr lang="tr-TR" dirty="0"/>
-              <a:t>.</a:t>
-            </a:r>
+            <a:endParaRPr lang="en-US" noProof="0" dirty="0"/>
           </a:p>
           <a:p>
             <a:pPr marL="0" lvl="0" indent="0" algn="l" rtl="0">
@@ -5626,170 +5862,7 @@
               </a:spcAft>
               <a:buNone/>
             </a:pPr>
-            <a:r>
-              <a:rPr lang="tr-TR" dirty="0" err="1"/>
-              <a:t>Layer</a:t>
-            </a:r>
-            <a:r>
-              <a:rPr lang="tr-TR" dirty="0"/>
-              <a:t> </a:t>
-            </a:r>
-            <a:r>
-              <a:rPr lang="tr-TR" dirty="0" err="1"/>
-              <a:t>affect</a:t>
-            </a:r>
-            <a:r>
-              <a:rPr lang="tr-TR" dirty="0"/>
-              <a:t> </a:t>
-            </a:r>
-            <a:r>
-              <a:rPr lang="tr-TR" dirty="0" err="1"/>
-              <a:t>also</a:t>
-            </a:r>
-            <a:r>
-              <a:rPr lang="tr-TR" dirty="0"/>
-              <a:t>  </a:t>
-            </a:r>
-            <a:r>
-              <a:rPr lang="tr-TR" dirty="0" err="1"/>
-              <a:t>another</a:t>
-            </a:r>
-            <a:r>
-              <a:rPr lang="tr-TR" dirty="0"/>
-              <a:t> </a:t>
-            </a:r>
-            <a:r>
-              <a:rPr lang="tr-TR" dirty="0" err="1"/>
-              <a:t>parameter</a:t>
-            </a:r>
-            <a:r>
-              <a:rPr lang="tr-TR" dirty="0"/>
-              <a:t> </a:t>
-            </a:r>
-            <a:r>
-              <a:rPr lang="tr-TR" dirty="0" err="1"/>
-              <a:t>that</a:t>
-            </a:r>
-            <a:r>
-              <a:rPr lang="tr-TR" dirty="0"/>
-              <a:t> </a:t>
-            </a:r>
-            <a:r>
-              <a:rPr lang="tr-TR" dirty="0" err="1"/>
-              <a:t>affect</a:t>
-            </a:r>
-            <a:r>
-              <a:rPr lang="tr-TR" dirty="0"/>
-              <a:t> </a:t>
-            </a:r>
-            <a:r>
-              <a:rPr lang="tr-TR" dirty="0" err="1"/>
-              <a:t>the</a:t>
-            </a:r>
-            <a:r>
-              <a:rPr lang="tr-TR" dirty="0"/>
-              <a:t> </a:t>
-            </a:r>
-            <a:r>
-              <a:rPr lang="tr-TR" dirty="0" err="1"/>
-              <a:t>agent</a:t>
-            </a:r>
-            <a:r>
-              <a:rPr lang="tr-TR" dirty="0"/>
-              <a:t> </a:t>
-            </a:r>
-            <a:r>
-              <a:rPr lang="tr-TR" dirty="0" err="1"/>
-              <a:t>this</a:t>
-            </a:r>
-            <a:r>
-              <a:rPr lang="tr-TR" dirty="0"/>
-              <a:t> </a:t>
-            </a:r>
-            <a:r>
-              <a:rPr lang="tr-TR" dirty="0" err="1"/>
-              <a:t>will</a:t>
-            </a:r>
-            <a:r>
-              <a:rPr lang="tr-TR" dirty="0"/>
-              <a:t> be </a:t>
-            </a:r>
-            <a:r>
-              <a:rPr lang="tr-TR" dirty="0" err="1"/>
-              <a:t>searched</a:t>
-            </a:r>
-            <a:r>
-              <a:rPr lang="tr-TR" dirty="0"/>
-              <a:t>. </a:t>
-            </a:r>
-            <a:r>
-              <a:rPr lang="tr-TR" dirty="0" err="1"/>
-              <a:t>For</a:t>
-            </a:r>
-            <a:r>
-              <a:rPr lang="tr-TR" dirty="0"/>
-              <a:t> </a:t>
-            </a:r>
-            <a:r>
-              <a:rPr lang="tr-TR" dirty="0" err="1"/>
-              <a:t>this</a:t>
-            </a:r>
-            <a:r>
-              <a:rPr lang="tr-TR" dirty="0"/>
-              <a:t> </a:t>
-            </a:r>
-            <a:r>
-              <a:rPr lang="tr-TR" dirty="0" err="1"/>
-              <a:t>now</a:t>
-            </a:r>
-            <a:r>
-              <a:rPr lang="tr-TR" dirty="0"/>
-              <a:t> </a:t>
-            </a:r>
-            <a:r>
-              <a:rPr lang="tr-TR" dirty="0" err="1"/>
-              <a:t>we</a:t>
-            </a:r>
-            <a:r>
-              <a:rPr lang="tr-TR" dirty="0"/>
-              <a:t> </a:t>
-            </a:r>
-            <a:r>
-              <a:rPr lang="tr-TR" dirty="0" err="1"/>
-              <a:t>are</a:t>
-            </a:r>
-            <a:r>
-              <a:rPr lang="tr-TR" dirty="0"/>
-              <a:t> </a:t>
-            </a:r>
-            <a:r>
-              <a:rPr lang="tr-TR" dirty="0" err="1"/>
-              <a:t>using</a:t>
-            </a:r>
-            <a:r>
-              <a:rPr lang="tr-TR" dirty="0"/>
-              <a:t> 128? </a:t>
-            </a:r>
-            <a:r>
-              <a:rPr lang="tr-TR" dirty="0" err="1"/>
-              <a:t>layer</a:t>
-            </a:r>
-            <a:r>
-              <a:rPr lang="tr-TR" dirty="0"/>
-              <a:t>.</a:t>
-            </a:r>
-          </a:p>
-          <a:p>
-            <a:pPr marL="0" lvl="0" indent="0" algn="l" rtl="0">
-              <a:spcBef>
-                <a:spcPts val="0"/>
-              </a:spcBef>
-              <a:spcAft>
-                <a:spcPts val="0"/>
-              </a:spcAft>
-              <a:buNone/>
-            </a:pPr>
-            <a:endParaRPr lang="tr-TR" dirty="0"/>
+            <a:endParaRPr lang="en-US" noProof="0" dirty="0"/>
           </a:p>
         </p:txBody>
       </p:sp>
@@ -5842,7 +5915,7 @@
     </p:spTree>
     <p:extLst>
       <p:ext uri="{BB962C8B-B14F-4D97-AF65-F5344CB8AC3E}">
-        <p14:creationId xmlns:p14="http://schemas.microsoft.com/office/powerpoint/2010/main" val="4085471580"/>
+        <p14:creationId xmlns:p14="http://schemas.microsoft.com/office/powerpoint/2010/main" val="901539781"/>
       </p:ext>
     </p:extLst>
   </p:cSld>
@@ -5857,7 +5930,7 @@
   <p:cSld>
     <p:spTree>
       <p:nvGrpSpPr>
-        <p:cNvPr id="1" name="Shape 364"/>
+        <p:cNvPr id="1" name="Shape 335"/>
         <p:cNvGrpSpPr/>
         <p:nvPr/>
       </p:nvGrpSpPr>
@@ -5871,45 +5944,7 @@
       </p:grpSpPr>
       <p:sp>
         <p:nvSpPr>
-          <p:cNvPr id="365" name="Google Shape;365;p29:notes"/>
-          <p:cNvSpPr txBox="1">
-            <a:spLocks noGrp="1"/>
-          </p:cNvSpPr>
-          <p:nvPr>
-            <p:ph type="body" idx="1"/>
-          </p:nvPr>
-        </p:nvSpPr>
-        <p:spPr>
-          <a:xfrm>
-            <a:off x="685800" y="4400550"/>
-            <a:ext cx="5486400" cy="3600450"/>
-          </a:xfrm>
-          <a:prstGeom prst="rect">
-            <a:avLst/>
-          </a:prstGeom>
-        </p:spPr>
-        <p:txBody>
-          <a:bodyPr spcFirstLastPara="1" wrap="square" lIns="91425" tIns="45700" rIns="91425" bIns="45700" anchor="t" anchorCtr="0">
-            <a:noAutofit/>
-          </a:bodyPr>
-          <a:lstStyle/>
-          <a:p>
-            <a:pPr marL="0" lvl="0" indent="0" algn="l" rtl="0">
-              <a:spcBef>
-                <a:spcPts val="0"/>
-              </a:spcBef>
-              <a:spcAft>
-                <a:spcPts val="0"/>
-              </a:spcAft>
-              <a:buNone/>
-            </a:pPr>
-            <a:endParaRPr/>
-          </a:p>
-        </p:txBody>
-      </p:sp>
-      <p:sp>
-        <p:nvSpPr>
-          <p:cNvPr id="366" name="Google Shape;366;p29:notes"/>
+          <p:cNvPr id="336" name="Google Shape;336;p26:notes"/>
           <p:cNvSpPr>
             <a:spLocks noGrp="1" noRot="1" noChangeAspect="1"/>
           </p:cNvSpPr>
@@ -5946,9 +5981,647 @@
               </a:path>
             </a:pathLst>
           </a:custGeom>
+          <a:noFill/>
+          <a:ln w="12700" cap="flat" cmpd="sng">
+            <a:solidFill>
+              <a:srgbClr val="000000"/>
+            </a:solidFill>
+            <a:prstDash val="solid"/>
+            <a:round/>
+            <a:headEnd type="none" w="sm" len="sm"/>
+            <a:tailEnd type="none" w="sm" len="sm"/>
+          </a:ln>
         </p:spPr>
       </p:sp>
+      <p:sp>
+        <p:nvSpPr>
+          <p:cNvPr id="337" name="Google Shape;337;p26:notes"/>
+          <p:cNvSpPr txBox="1">
+            <a:spLocks noGrp="1"/>
+          </p:cNvSpPr>
+          <p:nvPr>
+            <p:ph type="body" idx="1"/>
+          </p:nvPr>
+        </p:nvSpPr>
+        <p:spPr>
+          <a:xfrm>
+            <a:off x="685800" y="4400550"/>
+            <a:ext cx="5486400" cy="3600450"/>
+          </a:xfrm>
+          <a:prstGeom prst="rect">
+            <a:avLst/>
+          </a:prstGeom>
+          <a:noFill/>
+          <a:ln>
+            <a:noFill/>
+          </a:ln>
+        </p:spPr>
+        <p:txBody>
+          <a:bodyPr spcFirstLastPara="1" wrap="square" lIns="91425" tIns="45700" rIns="91425" bIns="45700" anchor="t" anchorCtr="0">
+            <a:noAutofit/>
+          </a:bodyPr>
+          <a:lstStyle/>
+          <a:p>
+            <a:pPr marL="0" lvl="0" indent="0" algn="l" rtl="0">
+              <a:spcBef>
+                <a:spcPts val="0"/>
+              </a:spcBef>
+              <a:spcAft>
+                <a:spcPts val="0"/>
+              </a:spcAft>
+              <a:buNone/>
+            </a:pPr>
+            <a:r>
+              <a:rPr lang="tr-TR" dirty="0" err="1"/>
+              <a:t>This</a:t>
+            </a:r>
+            <a:r>
+              <a:rPr lang="tr-TR" dirty="0"/>
+              <a:t> is </a:t>
+            </a:r>
+            <a:r>
+              <a:rPr lang="tr-TR" dirty="0" err="1"/>
+              <a:t>our</a:t>
+            </a:r>
+            <a:r>
+              <a:rPr lang="tr-TR" dirty="0"/>
+              <a:t> </a:t>
+            </a:r>
+            <a:r>
+              <a:rPr lang="tr-TR" dirty="0" err="1"/>
+              <a:t>first</a:t>
+            </a:r>
+            <a:r>
+              <a:rPr lang="tr-TR" dirty="0"/>
+              <a:t> </a:t>
+            </a:r>
+            <a:r>
+              <a:rPr lang="tr-TR" dirty="0" err="1"/>
+              <a:t>output</a:t>
+            </a:r>
+            <a:r>
+              <a:rPr lang="tr-TR" dirty="0"/>
+              <a:t> of </a:t>
+            </a:r>
+            <a:r>
+              <a:rPr lang="tr-TR" dirty="0" err="1"/>
+              <a:t>trained</a:t>
+            </a:r>
+            <a:r>
+              <a:rPr lang="tr-TR" dirty="0"/>
+              <a:t> RL </a:t>
+            </a:r>
+            <a:r>
+              <a:rPr lang="tr-TR" dirty="0" err="1"/>
+              <a:t>agent</a:t>
+            </a:r>
+            <a:r>
+              <a:rPr lang="tr-TR" dirty="0"/>
+              <a:t>. </a:t>
+            </a:r>
+          </a:p>
+          <a:p>
+            <a:pPr marL="0" lvl="0" indent="0" algn="l" rtl="0">
+              <a:spcBef>
+                <a:spcPts val="0"/>
+              </a:spcBef>
+              <a:spcAft>
+                <a:spcPts val="0"/>
+              </a:spcAft>
+              <a:buNone/>
+            </a:pPr>
+            <a:r>
+              <a:rPr lang="tr-TR" dirty="0" err="1"/>
+              <a:t>This</a:t>
+            </a:r>
+            <a:r>
+              <a:rPr lang="tr-TR" dirty="0"/>
+              <a:t> is not an </a:t>
+            </a:r>
+            <a:r>
+              <a:rPr lang="tr-TR" dirty="0" err="1"/>
+              <a:t>true</a:t>
+            </a:r>
+            <a:r>
+              <a:rPr lang="tr-TR" dirty="0"/>
+              <a:t> </a:t>
+            </a:r>
+            <a:r>
+              <a:rPr lang="tr-TR" dirty="0" err="1"/>
+              <a:t>for</a:t>
+            </a:r>
+            <a:r>
+              <a:rPr lang="tr-TR" dirty="0"/>
+              <a:t> us </a:t>
+            </a:r>
+            <a:r>
+              <a:rPr lang="tr-TR" dirty="0" err="1"/>
+              <a:t>for</a:t>
+            </a:r>
+            <a:r>
+              <a:rPr lang="tr-TR" dirty="0"/>
+              <a:t> </a:t>
+            </a:r>
+            <a:r>
+              <a:rPr lang="tr-TR" dirty="0" err="1"/>
+              <a:t>this</a:t>
+            </a:r>
+            <a:r>
+              <a:rPr lang="tr-TR" dirty="0"/>
+              <a:t> </a:t>
+            </a:r>
+            <a:r>
+              <a:rPr lang="tr-TR" dirty="0" err="1"/>
+              <a:t>because</a:t>
+            </a:r>
+            <a:r>
+              <a:rPr lang="tr-TR" dirty="0"/>
+              <a:t> </a:t>
+            </a:r>
+            <a:r>
+              <a:rPr lang="tr-TR" dirty="0" err="1"/>
+              <a:t>we</a:t>
+            </a:r>
+            <a:r>
+              <a:rPr lang="tr-TR" dirty="0"/>
+              <a:t> </a:t>
+            </a:r>
+            <a:r>
+              <a:rPr lang="tr-TR" dirty="0" err="1"/>
+              <a:t>only</a:t>
+            </a:r>
+            <a:r>
+              <a:rPr lang="tr-TR" dirty="0"/>
+              <a:t> </a:t>
+            </a:r>
+            <a:r>
+              <a:rPr lang="tr-TR" dirty="0" err="1"/>
+              <a:t>focused</a:t>
+            </a:r>
+            <a:r>
+              <a:rPr lang="tr-TR" dirty="0"/>
+              <a:t> </a:t>
+            </a:r>
+            <a:r>
+              <a:rPr lang="tr-TR" dirty="0" err="1"/>
+              <a:t>to</a:t>
+            </a:r>
+            <a:r>
+              <a:rPr lang="tr-TR" dirty="0"/>
+              <a:t> </a:t>
+            </a:r>
+            <a:r>
+              <a:rPr lang="tr-TR" dirty="0" err="1"/>
+              <a:t>obtain</a:t>
+            </a:r>
+            <a:r>
+              <a:rPr lang="tr-TR" dirty="0"/>
+              <a:t> </a:t>
+            </a:r>
+            <a:r>
+              <a:rPr lang="tr-TR" dirty="0" err="1"/>
+              <a:t>some</a:t>
+            </a:r>
+            <a:r>
+              <a:rPr lang="tr-TR" dirty="0"/>
+              <a:t> data </a:t>
+            </a:r>
+            <a:r>
+              <a:rPr lang="tr-TR" dirty="0" err="1"/>
+              <a:t>from</a:t>
+            </a:r>
+            <a:r>
+              <a:rPr lang="tr-TR" dirty="0"/>
+              <a:t> </a:t>
+            </a:r>
+            <a:r>
+              <a:rPr lang="tr-TR" dirty="0" err="1"/>
+              <a:t>the</a:t>
+            </a:r>
+            <a:r>
+              <a:rPr lang="tr-TR" dirty="0"/>
+              <a:t> </a:t>
+            </a:r>
+            <a:r>
+              <a:rPr lang="tr-TR" dirty="0" err="1"/>
+              <a:t>agent</a:t>
+            </a:r>
+            <a:r>
+              <a:rPr lang="tr-TR" dirty="0"/>
+              <a:t> </a:t>
+            </a:r>
+            <a:r>
+              <a:rPr lang="tr-TR" dirty="0" err="1"/>
+              <a:t>block</a:t>
+            </a:r>
+            <a:r>
+              <a:rPr lang="tr-TR" dirty="0"/>
+              <a:t>.</a:t>
+            </a:r>
+          </a:p>
+          <a:p>
+            <a:pPr marL="0" lvl="0" indent="0" algn="l" rtl="0">
+              <a:spcBef>
+                <a:spcPts val="0"/>
+              </a:spcBef>
+              <a:spcAft>
+                <a:spcPts val="0"/>
+              </a:spcAft>
+              <a:buNone/>
+            </a:pPr>
+            <a:r>
+              <a:rPr lang="tr-TR" dirty="0" err="1"/>
+              <a:t>This</a:t>
+            </a:r>
+            <a:r>
+              <a:rPr lang="tr-TR" dirty="0"/>
+              <a:t> is </a:t>
+            </a:r>
+            <a:r>
+              <a:rPr lang="tr-TR" dirty="0" err="1"/>
+              <a:t>trained</a:t>
+            </a:r>
+            <a:r>
+              <a:rPr lang="tr-TR" dirty="0"/>
+              <a:t> </a:t>
+            </a:r>
+            <a:r>
+              <a:rPr lang="tr-TR" dirty="0" err="1"/>
+              <a:t>with</a:t>
+            </a:r>
+            <a:r>
+              <a:rPr lang="tr-TR" dirty="0"/>
+              <a:t> 6 </a:t>
+            </a:r>
+            <a:r>
+              <a:rPr lang="tr-TR" dirty="0" err="1"/>
+              <a:t>episodes</a:t>
+            </a:r>
+            <a:r>
+              <a:rPr lang="tr-TR" dirty="0"/>
+              <a:t>. </a:t>
+            </a:r>
+            <a:r>
+              <a:rPr lang="tr-TR" dirty="0" err="1"/>
+              <a:t>This</a:t>
+            </a:r>
+            <a:r>
+              <a:rPr lang="tr-TR" dirty="0"/>
+              <a:t> is not </a:t>
+            </a:r>
+            <a:r>
+              <a:rPr lang="tr-TR" dirty="0" err="1"/>
+              <a:t>enough</a:t>
+            </a:r>
+            <a:r>
+              <a:rPr lang="tr-TR" dirty="0"/>
+              <a:t> </a:t>
+            </a:r>
+            <a:r>
+              <a:rPr lang="tr-TR" dirty="0" err="1"/>
+              <a:t>and</a:t>
+            </a:r>
+            <a:r>
+              <a:rPr lang="tr-TR" dirty="0"/>
+              <a:t> </a:t>
+            </a:r>
+            <a:r>
+              <a:rPr lang="tr-TR" dirty="0" err="1"/>
+              <a:t>episodes</a:t>
+            </a:r>
+            <a:r>
+              <a:rPr lang="tr-TR" dirty="0"/>
+              <a:t> </a:t>
+            </a:r>
+            <a:r>
+              <a:rPr lang="tr-TR" dirty="0" err="1"/>
+              <a:t>will</a:t>
+            </a:r>
+            <a:r>
+              <a:rPr lang="tr-TR" dirty="0"/>
+              <a:t> be </a:t>
+            </a:r>
+            <a:r>
+              <a:rPr lang="tr-TR" dirty="0" err="1"/>
+              <a:t>more</a:t>
+            </a:r>
+            <a:r>
+              <a:rPr lang="tr-TR" dirty="0"/>
+              <a:t> </a:t>
+            </a:r>
+            <a:r>
+              <a:rPr lang="tr-TR" dirty="0" err="1"/>
+              <a:t>and</a:t>
+            </a:r>
+            <a:r>
+              <a:rPr lang="tr-TR" dirty="0"/>
+              <a:t> </a:t>
+            </a:r>
+            <a:r>
+              <a:rPr lang="tr-TR" dirty="0" err="1"/>
+              <a:t>more</a:t>
+            </a:r>
+            <a:r>
+              <a:rPr lang="tr-TR" dirty="0"/>
+              <a:t> </a:t>
+            </a:r>
+            <a:r>
+              <a:rPr lang="tr-TR" dirty="0" err="1"/>
+              <a:t>to</a:t>
+            </a:r>
+            <a:r>
+              <a:rPr lang="tr-TR" dirty="0"/>
+              <a:t> </a:t>
+            </a:r>
+            <a:r>
+              <a:rPr lang="tr-TR" dirty="0" err="1"/>
+              <a:t>obtain</a:t>
+            </a:r>
+            <a:r>
+              <a:rPr lang="tr-TR" dirty="0"/>
+              <a:t> </a:t>
+            </a:r>
+            <a:r>
+              <a:rPr lang="tr-TR" dirty="0" err="1"/>
+              <a:t>better</a:t>
+            </a:r>
+            <a:r>
+              <a:rPr lang="tr-TR" dirty="0"/>
+              <a:t> </a:t>
+            </a:r>
+            <a:r>
+              <a:rPr lang="tr-TR" dirty="0" err="1"/>
+              <a:t>training</a:t>
+            </a:r>
+            <a:r>
+              <a:rPr lang="tr-TR" dirty="0"/>
+              <a:t> </a:t>
+            </a:r>
+            <a:r>
+              <a:rPr lang="tr-TR" dirty="0" err="1"/>
+              <a:t>agent</a:t>
+            </a:r>
+            <a:r>
+              <a:rPr lang="tr-TR" dirty="0"/>
+              <a:t>.</a:t>
+            </a:r>
+          </a:p>
+          <a:p>
+            <a:pPr marL="0" lvl="0" indent="0" algn="l" rtl="0">
+              <a:spcBef>
+                <a:spcPts val="0"/>
+              </a:spcBef>
+              <a:spcAft>
+                <a:spcPts val="0"/>
+              </a:spcAft>
+              <a:buNone/>
+            </a:pPr>
+            <a:r>
+              <a:rPr lang="tr-TR" dirty="0" err="1"/>
+              <a:t>This</a:t>
+            </a:r>
+            <a:r>
+              <a:rPr lang="tr-TR" dirty="0"/>
+              <a:t> </a:t>
+            </a:r>
+            <a:r>
+              <a:rPr lang="tr-TR" dirty="0" err="1"/>
+              <a:t>agent</a:t>
+            </a:r>
+            <a:r>
+              <a:rPr lang="tr-TR" dirty="0"/>
+              <a:t> is </a:t>
+            </a:r>
+            <a:r>
+              <a:rPr lang="tr-TR" dirty="0" err="1"/>
+              <a:t>negative</a:t>
+            </a:r>
+            <a:r>
+              <a:rPr lang="tr-TR" dirty="0"/>
+              <a:t> </a:t>
+            </a:r>
+            <a:r>
+              <a:rPr lang="tr-TR" dirty="0" err="1"/>
+              <a:t>because</a:t>
+            </a:r>
+            <a:r>
+              <a:rPr lang="tr-TR" dirty="0"/>
+              <a:t> of </a:t>
+            </a:r>
+            <a:r>
+              <a:rPr lang="tr-TR" dirty="0" err="1"/>
+              <a:t>the</a:t>
+            </a:r>
+            <a:r>
+              <a:rPr lang="tr-TR" dirty="0"/>
+              <a:t> </a:t>
+            </a:r>
+            <a:r>
+              <a:rPr lang="tr-TR" dirty="0" err="1"/>
+              <a:t>reward</a:t>
+            </a:r>
+            <a:r>
+              <a:rPr lang="tr-TR" dirty="0"/>
+              <a:t> </a:t>
+            </a:r>
+            <a:r>
+              <a:rPr lang="tr-TR" dirty="0" err="1"/>
+              <a:t>function</a:t>
+            </a:r>
+            <a:r>
+              <a:rPr lang="tr-TR" dirty="0"/>
+              <a:t> </a:t>
+            </a:r>
+            <a:r>
+              <a:rPr lang="tr-TR" dirty="0" err="1"/>
+              <a:t>which</a:t>
+            </a:r>
+            <a:r>
+              <a:rPr lang="tr-TR" dirty="0"/>
+              <a:t> is </a:t>
+            </a:r>
+            <a:r>
+              <a:rPr lang="tr-TR" dirty="0" err="1"/>
+              <a:t>multiplied</a:t>
+            </a:r>
+            <a:r>
+              <a:rPr lang="tr-TR" dirty="0"/>
+              <a:t> </a:t>
+            </a:r>
+            <a:r>
+              <a:rPr lang="tr-TR" dirty="0" err="1"/>
+              <a:t>by</a:t>
+            </a:r>
+            <a:r>
+              <a:rPr lang="tr-TR" dirty="0"/>
+              <a:t> -1.</a:t>
+            </a:r>
+          </a:p>
+          <a:p>
+            <a:pPr marL="0" lvl="0" indent="0" algn="l" rtl="0">
+              <a:spcBef>
+                <a:spcPts val="0"/>
+              </a:spcBef>
+              <a:spcAft>
+                <a:spcPts val="0"/>
+              </a:spcAft>
+              <a:buNone/>
+            </a:pPr>
+            <a:r>
+              <a:rPr lang="tr-TR" dirty="0" err="1"/>
+              <a:t>While</a:t>
+            </a:r>
+            <a:r>
+              <a:rPr lang="tr-TR" dirty="0"/>
+              <a:t> </a:t>
+            </a:r>
+            <a:r>
+              <a:rPr lang="tr-TR" dirty="0" err="1"/>
+              <a:t>the</a:t>
+            </a:r>
+            <a:r>
+              <a:rPr lang="tr-TR" dirty="0"/>
+              <a:t> </a:t>
+            </a:r>
+            <a:r>
+              <a:rPr lang="tr-TR" dirty="0" err="1"/>
+              <a:t>actions</a:t>
+            </a:r>
+            <a:r>
+              <a:rPr lang="tr-TR" dirty="0"/>
+              <a:t> </a:t>
+            </a:r>
+            <a:r>
+              <a:rPr lang="tr-TR" dirty="0" err="1"/>
+              <a:t>close</a:t>
+            </a:r>
+            <a:r>
+              <a:rPr lang="tr-TR" dirty="0"/>
+              <a:t> </a:t>
+            </a:r>
+            <a:r>
+              <a:rPr lang="tr-TR" dirty="0" err="1"/>
+              <a:t>to</a:t>
+            </a:r>
+            <a:r>
+              <a:rPr lang="tr-TR" dirty="0"/>
+              <a:t> </a:t>
+            </a:r>
+            <a:r>
+              <a:rPr lang="tr-TR" dirty="0" err="1"/>
+              <a:t>the</a:t>
+            </a:r>
+            <a:r>
+              <a:rPr lang="tr-TR" dirty="0"/>
+              <a:t> </a:t>
+            </a:r>
+            <a:r>
+              <a:rPr lang="tr-TR" dirty="0" err="1"/>
+              <a:t>desired</a:t>
+            </a:r>
+            <a:r>
+              <a:rPr lang="tr-TR" dirty="0"/>
+              <a:t> </a:t>
+            </a:r>
+            <a:r>
+              <a:rPr lang="tr-TR" dirty="0" err="1"/>
+              <a:t>positions</a:t>
+            </a:r>
+            <a:r>
+              <a:rPr lang="tr-TR" dirty="0"/>
+              <a:t>, </a:t>
+            </a:r>
+            <a:r>
+              <a:rPr lang="tr-TR" dirty="0" err="1"/>
+              <a:t>reward</a:t>
+            </a:r>
+            <a:r>
+              <a:rPr lang="tr-TR" dirty="0"/>
+              <a:t> </a:t>
+            </a:r>
+            <a:r>
+              <a:rPr lang="tr-TR" dirty="0" err="1"/>
+              <a:t>will</a:t>
+            </a:r>
+            <a:r>
+              <a:rPr lang="tr-TR" dirty="0"/>
+              <a:t> be </a:t>
+            </a:r>
+            <a:r>
+              <a:rPr lang="tr-TR" dirty="0" err="1"/>
+              <a:t>around</a:t>
+            </a:r>
+            <a:r>
+              <a:rPr lang="tr-TR" dirty="0"/>
+              <a:t> 0.</a:t>
+            </a:r>
+          </a:p>
+          <a:p>
+            <a:pPr marL="0" lvl="0" indent="0" algn="l" rtl="0">
+              <a:spcBef>
+                <a:spcPts val="0"/>
+              </a:spcBef>
+              <a:spcAft>
+                <a:spcPts val="0"/>
+              </a:spcAft>
+              <a:buNone/>
+            </a:pPr>
+            <a:endParaRPr dirty="0"/>
+          </a:p>
+        </p:txBody>
+      </p:sp>
+      <p:sp>
+        <p:nvSpPr>
+          <p:cNvPr id="338" name="Google Shape;338;p26:notes"/>
+          <p:cNvSpPr txBox="1">
+            <a:spLocks noGrp="1"/>
+          </p:cNvSpPr>
+          <p:nvPr>
+            <p:ph type="sldNum" idx="12"/>
+          </p:nvPr>
+        </p:nvSpPr>
+        <p:spPr>
+          <a:xfrm>
+            <a:off x="3884613" y="8685213"/>
+            <a:ext cx="2971800" cy="458787"/>
+          </a:xfrm>
+          <a:prstGeom prst="rect">
+            <a:avLst/>
+          </a:prstGeom>
+          <a:noFill/>
+          <a:ln>
+            <a:noFill/>
+          </a:ln>
+        </p:spPr>
+        <p:txBody>
+          <a:bodyPr spcFirstLastPara="1" wrap="square" lIns="91425" tIns="45700" rIns="91425" bIns="45700" anchor="b" anchorCtr="0">
+            <a:noAutofit/>
+          </a:bodyPr>
+          <a:lstStyle/>
+          <a:p>
+            <a:pPr marL="0" lvl="0" indent="0" algn="r" rtl="0">
+              <a:spcBef>
+                <a:spcPts val="0"/>
+              </a:spcBef>
+              <a:spcAft>
+                <a:spcPts val="0"/>
+              </a:spcAft>
+              <a:buNone/>
+            </a:pPr>
+            <a:fld id="{00000000-1234-1234-1234-123412341234}" type="slidenum">
+              <a:rPr lang="en-US"/>
+              <a:t>9</a:t>
+            </a:fld>
+            <a:endParaRPr/>
+          </a:p>
+        </p:txBody>
+      </p:sp>
     </p:spTree>
+    <p:extLst>
+      <p:ext uri="{BB962C8B-B14F-4D97-AF65-F5344CB8AC3E}">
+        <p14:creationId xmlns:p14="http://schemas.microsoft.com/office/powerpoint/2010/main" val="1489171041"/>
+      </p:ext>
+    </p:extLst>
   </p:cSld>
   <p:clrMapOvr>
     <a:masterClrMapping/>
@@ -13783,20 +14456,8 @@
               <a:buNone/>
             </a:pPr>
             <a:r>
-              <a:rPr lang="en-US" dirty="0" err="1"/>
-              <a:t>Mücahid</a:t>
-            </a:r>
-            <a:r>
               <a:rPr lang="en-US" dirty="0"/>
-              <a:t> </a:t>
-            </a:r>
-            <a:r>
-              <a:rPr lang="en-US" dirty="0" err="1"/>
-              <a:t>Rıdvan</a:t>
-            </a:r>
-            <a:r>
-              <a:rPr lang="en-US" dirty="0"/>
-              <a:t> K</a:t>
+              <a:t>Mücahid Rıdvan K</a:t>
             </a:r>
             <a:r>
               <a:rPr lang="tr-TR" dirty="0"/>
@@ -13984,6 +14645,1056 @@
           </a:ln>
         </p:spPr>
       </p:pic>
+      <p:pic>
+        <p:nvPicPr>
+          <p:cNvPr id="7" name="Resim 9">
+            <a:extLst>
+              <a:ext uri="{FF2B5EF4-FFF2-40B4-BE49-F238E27FC236}">
+                <a16:creationId xmlns:a16="http://schemas.microsoft.com/office/drawing/2014/main" id="{D8102E82-B09F-4BB2-BA0E-98C70B5DF117}"/>
+              </a:ext>
+            </a:extLst>
+          </p:cNvPr>
+          <p:cNvPicPr>
+            <a:picLocks noChangeAspect="1"/>
+          </p:cNvPicPr>
+          <p:nvPr/>
+        </p:nvPicPr>
+        <p:blipFill rotWithShape="1">
+          <a:blip r:embed="rId4" cstate="print">
+            <a:extLst>
+              <a:ext uri="{28A0092B-C50C-407E-A947-70E740481C1C}">
+                <a14:useLocalDpi xmlns:a14="http://schemas.microsoft.com/office/drawing/2010/main" val="0"/>
+              </a:ext>
+            </a:extLst>
+          </a:blip>
+          <a:srcRect l="7199" r="8346" b="20919"/>
+          <a:stretch/>
+        </p:blipFill>
+        <p:spPr>
+          <a:xfrm>
+            <a:off x="644011" y="3574910"/>
+            <a:ext cx="2599290" cy="1366698"/>
+          </a:xfrm>
+          <a:prstGeom prst="rect">
+            <a:avLst/>
+          </a:prstGeom>
+        </p:spPr>
+      </p:pic>
+    </p:spTree>
+  </p:cSld>
+  <p:clrMapOvr>
+    <a:masterClrMapping/>
+  </p:clrMapOvr>
+</p:sld>
+</file>
+
+<file path=ppt/slides/slide10.xml><?xml version="1.0" encoding="utf-8"?>
+<p:sld xmlns:a="http://schemas.openxmlformats.org/drawingml/2006/main" xmlns:r="http://schemas.openxmlformats.org/officeDocument/2006/relationships" xmlns:p="http://schemas.openxmlformats.org/presentationml/2006/main">
+  <p:cSld>
+    <p:spTree>
+      <p:nvGrpSpPr>
+        <p:cNvPr id="1" name="Shape 339"/>
+        <p:cNvGrpSpPr/>
+        <p:nvPr/>
+      </p:nvGrpSpPr>
+      <p:grpSpPr>
+        <a:xfrm>
+          <a:off x="0" y="0"/>
+          <a:ext cx="0" cy="0"/>
+          <a:chOff x="0" y="0"/>
+          <a:chExt cx="0" cy="0"/>
+        </a:xfrm>
+      </p:grpSpPr>
+      <p:sp>
+        <p:nvSpPr>
+          <p:cNvPr id="340" name="Google Shape;340;p26"/>
+          <p:cNvSpPr txBox="1">
+            <a:spLocks noGrp="1"/>
+          </p:cNvSpPr>
+          <p:nvPr>
+            <p:ph type="title"/>
+          </p:nvPr>
+        </p:nvSpPr>
+        <p:spPr>
+          <a:xfrm>
+            <a:off x="0" y="0"/>
+            <a:ext cx="12192000" cy="907525"/>
+          </a:xfrm>
+          <a:prstGeom prst="rect">
+            <a:avLst/>
+          </a:prstGeom>
+          <a:solidFill>
+            <a:schemeClr val="accent1"/>
+          </a:solidFill>
+          <a:ln>
+            <a:noFill/>
+          </a:ln>
+        </p:spPr>
+        <p:txBody>
+          <a:bodyPr spcFirstLastPara="1" wrap="square" lIns="91425" tIns="274300" rIns="91425" bIns="45700" anchor="ctr" anchorCtr="0">
+            <a:normAutofit fontScale="90000"/>
+          </a:bodyPr>
+          <a:lstStyle/>
+          <a:p>
+            <a:pPr marL="0" lvl="0" indent="0" algn="l" rtl="0">
+              <a:lnSpc>
+                <a:spcPct val="90000"/>
+              </a:lnSpc>
+              <a:spcBef>
+                <a:spcPts val="0"/>
+              </a:spcBef>
+              <a:spcAft>
+                <a:spcPts val="0"/>
+              </a:spcAft>
+              <a:buClr>
+                <a:schemeClr val="lt1"/>
+              </a:buClr>
+              <a:buSzPct val="100000"/>
+              <a:buFont typeface="Arial"/>
+              <a:buNone/>
+            </a:pPr>
+            <a:r>
+              <a:rPr lang="en-US" dirty="0"/>
+              <a:t>Command Generation for Task</a:t>
+            </a:r>
+          </a:p>
+        </p:txBody>
+      </p:sp>
+      <p:sp>
+        <p:nvSpPr>
+          <p:cNvPr id="341" name="Google Shape;341;p26"/>
+          <p:cNvSpPr txBox="1">
+            <a:spLocks noGrp="1"/>
+          </p:cNvSpPr>
+          <p:nvPr>
+            <p:ph type="dt" idx="10"/>
+          </p:nvPr>
+        </p:nvSpPr>
+        <p:spPr>
+          <a:xfrm>
+            <a:off x="6096000" y="6568457"/>
+            <a:ext cx="2743200" cy="289543"/>
+          </a:xfrm>
+          <a:prstGeom prst="rect">
+            <a:avLst/>
+          </a:prstGeom>
+          <a:solidFill>
+            <a:schemeClr val="accent1"/>
+          </a:solidFill>
+          <a:ln>
+            <a:noFill/>
+          </a:ln>
+        </p:spPr>
+        <p:txBody>
+          <a:bodyPr spcFirstLastPara="1" wrap="square" lIns="91425" tIns="45700" rIns="91425" bIns="45700" anchor="ctr" anchorCtr="0">
+            <a:noAutofit/>
+          </a:bodyPr>
+          <a:lstStyle/>
+          <a:p>
+            <a:pPr marL="0" lvl="0" indent="0" algn="l" rtl="0">
+              <a:spcBef>
+                <a:spcPts val="0"/>
+              </a:spcBef>
+              <a:spcAft>
+                <a:spcPts val="0"/>
+              </a:spcAft>
+              <a:buNone/>
+            </a:pPr>
+            <a:r>
+              <a:rPr lang="tr-TR" dirty="0"/>
+              <a:t>May</a:t>
+            </a:r>
+            <a:r>
+              <a:rPr lang="en-US" dirty="0"/>
+              <a:t> </a:t>
+            </a:r>
+            <a:r>
+              <a:rPr lang="tr-TR" dirty="0"/>
+              <a:t>9</a:t>
+            </a:r>
+            <a:r>
+              <a:rPr lang="en-US" dirty="0"/>
+              <a:t>, 2024</a:t>
+            </a:r>
+            <a:endParaRPr dirty="0"/>
+          </a:p>
+        </p:txBody>
+      </p:sp>
+      <p:sp>
+        <p:nvSpPr>
+          <p:cNvPr id="342" name="Google Shape;342;p26"/>
+          <p:cNvSpPr txBox="1">
+            <a:spLocks noGrp="1"/>
+          </p:cNvSpPr>
+          <p:nvPr>
+            <p:ph type="ftr" idx="11"/>
+          </p:nvPr>
+        </p:nvSpPr>
+        <p:spPr>
+          <a:xfrm>
+            <a:off x="0" y="6568457"/>
+            <a:ext cx="6096000" cy="289543"/>
+          </a:xfrm>
+          <a:prstGeom prst="rect">
+            <a:avLst/>
+          </a:prstGeom>
+          <a:solidFill>
+            <a:schemeClr val="dk1"/>
+          </a:solidFill>
+          <a:ln>
+            <a:noFill/>
+          </a:ln>
+        </p:spPr>
+        <p:txBody>
+          <a:bodyPr spcFirstLastPara="1" wrap="square" lIns="91425" tIns="45700" rIns="91425" bIns="45700" anchor="ctr" anchorCtr="0">
+            <a:noAutofit/>
+          </a:bodyPr>
+          <a:lstStyle/>
+          <a:p>
+            <a:pPr marL="0" lvl="0" indent="0" algn="r" rtl="0">
+              <a:spcBef>
+                <a:spcPts val="0"/>
+              </a:spcBef>
+              <a:spcAft>
+                <a:spcPts val="0"/>
+              </a:spcAft>
+              <a:buNone/>
+            </a:pPr>
+            <a:r>
+              <a:rPr lang="en-US" dirty="0"/>
+              <a:t>CMP-620 Reinforcement Learning – Project</a:t>
+            </a:r>
+            <a:r>
+              <a:rPr lang="tr-TR" dirty="0"/>
+              <a:t> </a:t>
+            </a:r>
+            <a:r>
+              <a:rPr lang="en-US" dirty="0"/>
+              <a:t>Pro</a:t>
+            </a:r>
+            <a:r>
+              <a:rPr lang="tr-TR" dirty="0" err="1"/>
+              <a:t>gress</a:t>
+            </a:r>
+            <a:endParaRPr dirty="0"/>
+          </a:p>
+        </p:txBody>
+      </p:sp>
+      <p:sp>
+        <p:nvSpPr>
+          <p:cNvPr id="343" name="Google Shape;343;p26"/>
+          <p:cNvSpPr txBox="1">
+            <a:spLocks noGrp="1"/>
+          </p:cNvSpPr>
+          <p:nvPr>
+            <p:ph type="sldNum" idx="12"/>
+          </p:nvPr>
+        </p:nvSpPr>
+        <p:spPr>
+          <a:xfrm>
+            <a:off x="8839200" y="6568457"/>
+            <a:ext cx="3352800" cy="289543"/>
+          </a:xfrm>
+          <a:prstGeom prst="rect">
+            <a:avLst/>
+          </a:prstGeom>
+          <a:solidFill>
+            <a:schemeClr val="accent1"/>
+          </a:solidFill>
+          <a:ln>
+            <a:noFill/>
+          </a:ln>
+        </p:spPr>
+        <p:txBody>
+          <a:bodyPr spcFirstLastPara="1" wrap="square" lIns="91425" tIns="45700" rIns="91425" bIns="45700" anchor="ctr" anchorCtr="0">
+            <a:noAutofit/>
+          </a:bodyPr>
+          <a:lstStyle/>
+          <a:p>
+            <a:pPr marL="0" lvl="0" indent="0" algn="r" rtl="0">
+              <a:spcBef>
+                <a:spcPts val="0"/>
+              </a:spcBef>
+              <a:spcAft>
+                <a:spcPts val="0"/>
+              </a:spcAft>
+              <a:buNone/>
+            </a:pPr>
+            <a:fld id="{00000000-1234-1234-1234-123412341234}" type="slidenum">
+              <a:rPr lang="en-US"/>
+              <a:t>10</a:t>
+            </a:fld>
+            <a:endParaRPr/>
+          </a:p>
+        </p:txBody>
+      </p:sp>
+      <p:pic>
+        <p:nvPicPr>
+          <p:cNvPr id="10" name="İçerik Yer Tutucusu 12">
+            <a:extLst>
+              <a:ext uri="{FF2B5EF4-FFF2-40B4-BE49-F238E27FC236}">
+                <a16:creationId xmlns:a16="http://schemas.microsoft.com/office/drawing/2014/main" id="{19DF72D6-5567-418D-965A-FDE9B0D1C0D7}"/>
+              </a:ext>
+            </a:extLst>
+          </p:cNvPr>
+          <p:cNvPicPr>
+            <a:picLocks/>
+          </p:cNvPicPr>
+          <p:nvPr/>
+        </p:nvPicPr>
+        <p:blipFill>
+          <a:blip r:embed="rId3">
+            <a:extLst>
+              <a:ext uri="{28A0092B-C50C-407E-A947-70E740481C1C}">
+                <a14:useLocalDpi xmlns:a14="http://schemas.microsoft.com/office/drawing/2010/main" val="0"/>
+              </a:ext>
+            </a:extLst>
+          </a:blip>
+          <a:srcRect/>
+          <a:stretch>
+            <a:fillRect/>
+          </a:stretch>
+        </p:blipFill>
+        <p:spPr bwMode="auto">
+          <a:xfrm>
+            <a:off x="6096000" y="1787055"/>
+            <a:ext cx="5410200" cy="3616400"/>
+          </a:xfrm>
+          <a:prstGeom prst="rect">
+            <a:avLst/>
+          </a:prstGeom>
+          <a:noFill/>
+          <a:ln>
+            <a:noFill/>
+          </a:ln>
+        </p:spPr>
+      </p:pic>
+      <p:pic>
+        <p:nvPicPr>
+          <p:cNvPr id="7" name="Picture 6">
+            <a:extLst>
+              <a:ext uri="{FF2B5EF4-FFF2-40B4-BE49-F238E27FC236}">
+                <a16:creationId xmlns:a16="http://schemas.microsoft.com/office/drawing/2014/main" id="{F3A8BB37-DA64-47D8-9A6C-061570D720E3}"/>
+              </a:ext>
+            </a:extLst>
+          </p:cNvPr>
+          <p:cNvPicPr>
+            <a:picLocks noChangeAspect="1"/>
+          </p:cNvPicPr>
+          <p:nvPr/>
+        </p:nvPicPr>
+        <p:blipFill>
+          <a:blip r:embed="rId4"/>
+          <a:stretch>
+            <a:fillRect/>
+          </a:stretch>
+        </p:blipFill>
+        <p:spPr>
+          <a:xfrm>
+            <a:off x="685800" y="1595005"/>
+            <a:ext cx="5334000" cy="4000500"/>
+          </a:xfrm>
+          <a:prstGeom prst="rect">
+            <a:avLst/>
+          </a:prstGeom>
+        </p:spPr>
+      </p:pic>
+    </p:spTree>
+    <p:extLst>
+      <p:ext uri="{BB962C8B-B14F-4D97-AF65-F5344CB8AC3E}">
+        <p14:creationId xmlns:p14="http://schemas.microsoft.com/office/powerpoint/2010/main" val="3457037984"/>
+      </p:ext>
+    </p:extLst>
+  </p:cSld>
+  <p:clrMapOvr>
+    <a:masterClrMapping/>
+  </p:clrMapOvr>
+</p:sld>
+</file>
+
+<file path=ppt/slides/slide11.xml><?xml version="1.0" encoding="utf-8"?>
+<p:sld xmlns:a="http://schemas.openxmlformats.org/drawingml/2006/main" xmlns:r="http://schemas.openxmlformats.org/officeDocument/2006/relationships" xmlns:p="http://schemas.openxmlformats.org/presentationml/2006/main">
+  <p:cSld>
+    <p:spTree>
+      <p:nvGrpSpPr>
+        <p:cNvPr id="1" name="Shape 339"/>
+        <p:cNvGrpSpPr/>
+        <p:nvPr/>
+      </p:nvGrpSpPr>
+      <p:grpSpPr>
+        <a:xfrm>
+          <a:off x="0" y="0"/>
+          <a:ext cx="0" cy="0"/>
+          <a:chOff x="0" y="0"/>
+          <a:chExt cx="0" cy="0"/>
+        </a:xfrm>
+      </p:grpSpPr>
+      <p:sp>
+        <p:nvSpPr>
+          <p:cNvPr id="340" name="Google Shape;340;p26"/>
+          <p:cNvSpPr txBox="1">
+            <a:spLocks noGrp="1"/>
+          </p:cNvSpPr>
+          <p:nvPr>
+            <p:ph type="title"/>
+          </p:nvPr>
+        </p:nvSpPr>
+        <p:spPr>
+          <a:xfrm>
+            <a:off x="0" y="0"/>
+            <a:ext cx="12192000" cy="907525"/>
+          </a:xfrm>
+          <a:prstGeom prst="rect">
+            <a:avLst/>
+          </a:prstGeom>
+          <a:solidFill>
+            <a:schemeClr val="accent1"/>
+          </a:solidFill>
+          <a:ln>
+            <a:noFill/>
+          </a:ln>
+        </p:spPr>
+        <p:txBody>
+          <a:bodyPr spcFirstLastPara="1" wrap="square" lIns="91425" tIns="274300" rIns="91425" bIns="45700" anchor="ctr" anchorCtr="0">
+            <a:normAutofit fontScale="90000"/>
+          </a:bodyPr>
+          <a:lstStyle/>
+          <a:p>
+            <a:pPr marL="0" lvl="0" indent="0" algn="l" rtl="0">
+              <a:lnSpc>
+                <a:spcPct val="90000"/>
+              </a:lnSpc>
+              <a:spcBef>
+                <a:spcPts val="0"/>
+              </a:spcBef>
+              <a:spcAft>
+                <a:spcPts val="0"/>
+              </a:spcAft>
+              <a:buClr>
+                <a:schemeClr val="lt1"/>
+              </a:buClr>
+              <a:buSzPct val="100000"/>
+              <a:buFont typeface="Arial"/>
+              <a:buNone/>
+            </a:pPr>
+            <a:r>
+              <a:rPr lang="en-US" dirty="0"/>
+              <a:t>Future Plans &amp; Progress</a:t>
+            </a:r>
+          </a:p>
+        </p:txBody>
+      </p:sp>
+      <p:sp>
+        <p:nvSpPr>
+          <p:cNvPr id="341" name="Google Shape;341;p26"/>
+          <p:cNvSpPr txBox="1">
+            <a:spLocks noGrp="1"/>
+          </p:cNvSpPr>
+          <p:nvPr>
+            <p:ph type="dt" idx="10"/>
+          </p:nvPr>
+        </p:nvSpPr>
+        <p:spPr>
+          <a:xfrm>
+            <a:off x="6096000" y="6568457"/>
+            <a:ext cx="2743200" cy="289543"/>
+          </a:xfrm>
+          <a:prstGeom prst="rect">
+            <a:avLst/>
+          </a:prstGeom>
+          <a:solidFill>
+            <a:schemeClr val="accent1"/>
+          </a:solidFill>
+          <a:ln>
+            <a:noFill/>
+          </a:ln>
+        </p:spPr>
+        <p:txBody>
+          <a:bodyPr spcFirstLastPara="1" wrap="square" lIns="91425" tIns="45700" rIns="91425" bIns="45700" anchor="ctr" anchorCtr="0">
+            <a:noAutofit/>
+          </a:bodyPr>
+          <a:lstStyle/>
+          <a:p>
+            <a:pPr marL="0" lvl="0" indent="0" algn="l" rtl="0">
+              <a:spcBef>
+                <a:spcPts val="0"/>
+              </a:spcBef>
+              <a:spcAft>
+                <a:spcPts val="0"/>
+              </a:spcAft>
+              <a:buNone/>
+            </a:pPr>
+            <a:r>
+              <a:rPr lang="tr-TR" dirty="0"/>
+              <a:t>May</a:t>
+            </a:r>
+            <a:r>
+              <a:rPr lang="en-US" dirty="0"/>
+              <a:t> </a:t>
+            </a:r>
+            <a:r>
+              <a:rPr lang="tr-TR" dirty="0"/>
+              <a:t>9</a:t>
+            </a:r>
+            <a:r>
+              <a:rPr lang="en-US" dirty="0"/>
+              <a:t>, 2024</a:t>
+            </a:r>
+            <a:endParaRPr dirty="0"/>
+          </a:p>
+        </p:txBody>
+      </p:sp>
+      <p:sp>
+        <p:nvSpPr>
+          <p:cNvPr id="342" name="Google Shape;342;p26"/>
+          <p:cNvSpPr txBox="1">
+            <a:spLocks noGrp="1"/>
+          </p:cNvSpPr>
+          <p:nvPr>
+            <p:ph type="ftr" idx="11"/>
+          </p:nvPr>
+        </p:nvSpPr>
+        <p:spPr>
+          <a:xfrm>
+            <a:off x="0" y="6568457"/>
+            <a:ext cx="6096000" cy="289543"/>
+          </a:xfrm>
+          <a:prstGeom prst="rect">
+            <a:avLst/>
+          </a:prstGeom>
+          <a:solidFill>
+            <a:schemeClr val="dk1"/>
+          </a:solidFill>
+          <a:ln>
+            <a:noFill/>
+          </a:ln>
+        </p:spPr>
+        <p:txBody>
+          <a:bodyPr spcFirstLastPara="1" wrap="square" lIns="91425" tIns="45700" rIns="91425" bIns="45700" anchor="ctr" anchorCtr="0">
+            <a:noAutofit/>
+          </a:bodyPr>
+          <a:lstStyle/>
+          <a:p>
+            <a:pPr marL="0" lvl="0" indent="0" algn="r" rtl="0">
+              <a:spcBef>
+                <a:spcPts val="0"/>
+              </a:spcBef>
+              <a:spcAft>
+                <a:spcPts val="0"/>
+              </a:spcAft>
+              <a:buNone/>
+            </a:pPr>
+            <a:r>
+              <a:rPr lang="en-US" dirty="0"/>
+              <a:t>CMP-620 Reinforcement Learning – Project Pro</a:t>
+            </a:r>
+            <a:r>
+              <a:rPr lang="tr-TR" dirty="0" err="1"/>
+              <a:t>gress</a:t>
+            </a:r>
+            <a:endParaRPr dirty="0"/>
+          </a:p>
+        </p:txBody>
+      </p:sp>
+      <p:sp>
+        <p:nvSpPr>
+          <p:cNvPr id="343" name="Google Shape;343;p26"/>
+          <p:cNvSpPr txBox="1">
+            <a:spLocks noGrp="1"/>
+          </p:cNvSpPr>
+          <p:nvPr>
+            <p:ph type="sldNum" idx="12"/>
+          </p:nvPr>
+        </p:nvSpPr>
+        <p:spPr>
+          <a:xfrm>
+            <a:off x="8839200" y="6568457"/>
+            <a:ext cx="3352800" cy="289543"/>
+          </a:xfrm>
+          <a:prstGeom prst="rect">
+            <a:avLst/>
+          </a:prstGeom>
+          <a:solidFill>
+            <a:schemeClr val="accent1"/>
+          </a:solidFill>
+          <a:ln>
+            <a:noFill/>
+          </a:ln>
+        </p:spPr>
+        <p:txBody>
+          <a:bodyPr spcFirstLastPara="1" wrap="square" lIns="91425" tIns="45700" rIns="91425" bIns="45700" anchor="ctr" anchorCtr="0">
+            <a:noAutofit/>
+          </a:bodyPr>
+          <a:lstStyle/>
+          <a:p>
+            <a:pPr marL="0" lvl="0" indent="0" algn="r" rtl="0">
+              <a:spcBef>
+                <a:spcPts val="0"/>
+              </a:spcBef>
+              <a:spcAft>
+                <a:spcPts val="0"/>
+              </a:spcAft>
+              <a:buNone/>
+            </a:pPr>
+            <a:fld id="{00000000-1234-1234-1234-123412341234}" type="slidenum">
+              <a:rPr lang="en-US"/>
+              <a:t>11</a:t>
+            </a:fld>
+            <a:endParaRPr/>
+          </a:p>
+        </p:txBody>
+      </p:sp>
+      <p:sp>
+        <p:nvSpPr>
+          <p:cNvPr id="344" name="Google Shape;344;p26"/>
+          <p:cNvSpPr txBox="1"/>
+          <p:nvPr/>
+        </p:nvSpPr>
+        <p:spPr>
+          <a:xfrm>
+            <a:off x="1308294" y="1130710"/>
+            <a:ext cx="10045505" cy="5083277"/>
+          </a:xfrm>
+          <a:prstGeom prst="rect">
+            <a:avLst/>
+          </a:prstGeom>
+          <a:noFill/>
+          <a:ln>
+            <a:noFill/>
+          </a:ln>
+        </p:spPr>
+        <p:txBody>
+          <a:bodyPr spcFirstLastPara="1" wrap="square" lIns="91425" tIns="45700" rIns="91425" bIns="45700" anchor="t" anchorCtr="0">
+            <a:normAutofit/>
+          </a:bodyPr>
+          <a:lstStyle/>
+          <a:p>
+            <a:pPr marL="941832" marR="0" lvl="1" indent="-342900" algn="just" rtl="0">
+              <a:lnSpc>
+                <a:spcPct val="110000"/>
+              </a:lnSpc>
+              <a:spcBef>
+                <a:spcPts val="600"/>
+              </a:spcBef>
+              <a:spcAft>
+                <a:spcPts val="0"/>
+              </a:spcAft>
+              <a:buClr>
+                <a:schemeClr val="accent1"/>
+              </a:buClr>
+              <a:buSzPct val="119999"/>
+              <a:buFont typeface="Arial" panose="020B0604020202020204" pitchFamily="34" charset="0"/>
+              <a:buChar char="•"/>
+            </a:pPr>
+            <a:r>
+              <a:rPr lang="en-US" sz="2400" dirty="0">
+                <a:solidFill>
+                  <a:schemeClr val="dk1"/>
+                </a:solidFill>
+                <a:latin typeface="+mj-lt"/>
+              </a:rPr>
+              <a:t>Solving training problems</a:t>
+            </a:r>
+          </a:p>
+          <a:p>
+            <a:pPr marL="941832" marR="0" lvl="1" indent="-342900" algn="just" rtl="0">
+              <a:lnSpc>
+                <a:spcPct val="110000"/>
+              </a:lnSpc>
+              <a:spcBef>
+                <a:spcPts val="600"/>
+              </a:spcBef>
+              <a:spcAft>
+                <a:spcPts val="0"/>
+              </a:spcAft>
+              <a:buClr>
+                <a:schemeClr val="accent1"/>
+              </a:buClr>
+              <a:buSzPct val="119999"/>
+              <a:buFont typeface="Arial" panose="020B0604020202020204" pitchFamily="34" charset="0"/>
+              <a:buChar char="•"/>
+            </a:pPr>
+            <a:r>
+              <a:rPr lang="en-US" sz="2400" dirty="0">
+                <a:solidFill>
+                  <a:schemeClr val="dk1"/>
+                </a:solidFill>
+                <a:latin typeface="+mj-lt"/>
+              </a:rPr>
+              <a:t>Limiting the observation and action blocks </a:t>
+            </a:r>
+          </a:p>
+          <a:p>
+            <a:pPr marL="941832" marR="0" lvl="1" indent="-342900" algn="just" rtl="0">
+              <a:lnSpc>
+                <a:spcPct val="110000"/>
+              </a:lnSpc>
+              <a:spcBef>
+                <a:spcPts val="600"/>
+              </a:spcBef>
+              <a:spcAft>
+                <a:spcPts val="0"/>
+              </a:spcAft>
+              <a:buClr>
+                <a:schemeClr val="accent1"/>
+              </a:buClr>
+              <a:buSzPct val="119999"/>
+              <a:buFont typeface="Arial" panose="020B0604020202020204" pitchFamily="34" charset="0"/>
+              <a:buChar char="•"/>
+            </a:pPr>
+            <a:r>
+              <a:rPr lang="en-US" sz="2400" b="0" i="0" u="none" strike="noStrike" cap="none" dirty="0">
+                <a:solidFill>
+                  <a:schemeClr val="dk1"/>
+                </a:solidFill>
+                <a:latin typeface="+mj-lt"/>
+                <a:ea typeface="Arial"/>
+                <a:cs typeface="Arial"/>
+                <a:sym typeface="Arial"/>
+              </a:rPr>
+              <a:t>Implementing 2 different DDPG and PPO algorithms together</a:t>
+            </a:r>
+          </a:p>
+          <a:p>
+            <a:pPr marL="941832" marR="0" lvl="1" indent="-342900" algn="just" rtl="0">
+              <a:lnSpc>
+                <a:spcPct val="110000"/>
+              </a:lnSpc>
+              <a:spcBef>
+                <a:spcPts val="600"/>
+              </a:spcBef>
+              <a:spcAft>
+                <a:spcPts val="0"/>
+              </a:spcAft>
+              <a:buClr>
+                <a:schemeClr val="accent1"/>
+              </a:buClr>
+              <a:buSzPct val="119999"/>
+              <a:buFont typeface="Arial" panose="020B0604020202020204" pitchFamily="34" charset="0"/>
+              <a:buChar char="•"/>
+            </a:pPr>
+            <a:r>
+              <a:rPr lang="en-US" sz="2400" b="0" i="0" u="none" strike="noStrike" cap="none" dirty="0">
+                <a:solidFill>
+                  <a:schemeClr val="dk1"/>
+                </a:solidFill>
+                <a:latin typeface="+mj-lt"/>
+                <a:ea typeface="Arial"/>
+                <a:cs typeface="Arial"/>
+                <a:sym typeface="Arial"/>
+              </a:rPr>
+              <a:t>Agent configuration parameter values search </a:t>
+            </a:r>
+          </a:p>
+          <a:p>
+            <a:pPr marL="941832" marR="0" lvl="1" indent="-342900" algn="just" rtl="0">
+              <a:lnSpc>
+                <a:spcPct val="110000"/>
+              </a:lnSpc>
+              <a:spcBef>
+                <a:spcPts val="600"/>
+              </a:spcBef>
+              <a:spcAft>
+                <a:spcPts val="0"/>
+              </a:spcAft>
+              <a:buClr>
+                <a:schemeClr val="accent1"/>
+              </a:buClr>
+              <a:buSzPct val="119999"/>
+              <a:buFont typeface="Arial" panose="020B0604020202020204" pitchFamily="34" charset="0"/>
+              <a:buChar char="•"/>
+            </a:pPr>
+            <a:r>
+              <a:rPr lang="en-US" sz="2400" b="0" i="0" u="none" strike="noStrike" cap="none" dirty="0">
+                <a:solidFill>
+                  <a:schemeClr val="dk1"/>
+                </a:solidFill>
+                <a:latin typeface="+mj-lt"/>
+                <a:ea typeface="Arial"/>
+                <a:cs typeface="Arial"/>
+                <a:sym typeface="Arial"/>
+              </a:rPr>
+              <a:t>Searching and comparing layer affect</a:t>
+            </a:r>
+          </a:p>
+          <a:p>
+            <a:pPr marL="685800" marR="0" lvl="1" indent="-86868" algn="just" rtl="0">
+              <a:lnSpc>
+                <a:spcPct val="110000"/>
+              </a:lnSpc>
+              <a:spcBef>
+                <a:spcPts val="600"/>
+              </a:spcBef>
+              <a:spcAft>
+                <a:spcPts val="0"/>
+              </a:spcAft>
+              <a:buClr>
+                <a:schemeClr val="accent1"/>
+              </a:buClr>
+              <a:buSzPct val="119999"/>
+              <a:buFont typeface="Arial"/>
+              <a:buNone/>
+            </a:pPr>
+            <a:endParaRPr lang="tr-TR" sz="2400" b="0" i="0" u="none" strike="noStrike" cap="none" dirty="0">
+              <a:solidFill>
+                <a:schemeClr val="dk1"/>
+              </a:solidFill>
+              <a:latin typeface="+mj-lt"/>
+              <a:ea typeface="Arial"/>
+              <a:cs typeface="Arial"/>
+              <a:sym typeface="Arial"/>
+            </a:endParaRPr>
+          </a:p>
+        </p:txBody>
+      </p:sp>
+    </p:spTree>
+    <p:extLst>
+      <p:ext uri="{BB962C8B-B14F-4D97-AF65-F5344CB8AC3E}">
+        <p14:creationId xmlns:p14="http://schemas.microsoft.com/office/powerpoint/2010/main" val="2161234775"/>
+      </p:ext>
+    </p:extLst>
+  </p:cSld>
+  <p:clrMapOvr>
+    <a:masterClrMapping/>
+  </p:clrMapOvr>
+</p:sld>
+</file>
+
+<file path=ppt/slides/slide12.xml><?xml version="1.0" encoding="utf-8"?>
+<p:sld xmlns:a="http://schemas.openxmlformats.org/drawingml/2006/main" xmlns:r="http://schemas.openxmlformats.org/officeDocument/2006/relationships" xmlns:p="http://schemas.openxmlformats.org/presentationml/2006/main">
+  <p:cSld>
+    <p:spTree>
+      <p:nvGrpSpPr>
+        <p:cNvPr id="1" name="Shape 367"/>
+        <p:cNvGrpSpPr/>
+        <p:nvPr/>
+      </p:nvGrpSpPr>
+      <p:grpSpPr>
+        <a:xfrm>
+          <a:off x="0" y="0"/>
+          <a:ext cx="0" cy="0"/>
+          <a:chOff x="0" y="0"/>
+          <a:chExt cx="0" cy="0"/>
+        </a:xfrm>
+      </p:grpSpPr>
+      <p:sp>
+        <p:nvSpPr>
+          <p:cNvPr id="368" name="Google Shape;368;p29"/>
+          <p:cNvSpPr txBox="1">
+            <a:spLocks noGrp="1"/>
+          </p:cNvSpPr>
+          <p:nvPr>
+            <p:ph type="dt" idx="10"/>
+          </p:nvPr>
+        </p:nvSpPr>
+        <p:spPr>
+          <a:xfrm>
+            <a:off x="6096000" y="6568457"/>
+            <a:ext cx="2743200" cy="289543"/>
+          </a:xfrm>
+          <a:prstGeom prst="rect">
+            <a:avLst/>
+          </a:prstGeom>
+          <a:solidFill>
+            <a:schemeClr val="accent1"/>
+          </a:solidFill>
+          <a:ln>
+            <a:noFill/>
+          </a:ln>
+        </p:spPr>
+        <p:txBody>
+          <a:bodyPr spcFirstLastPara="1" wrap="square" lIns="91425" tIns="45700" rIns="91425" bIns="45700" anchor="ctr" anchorCtr="0">
+            <a:noAutofit/>
+          </a:bodyPr>
+          <a:lstStyle/>
+          <a:p>
+            <a:pPr marL="0" lvl="0" indent="0" algn="l" rtl="0">
+              <a:spcBef>
+                <a:spcPts val="0"/>
+              </a:spcBef>
+              <a:spcAft>
+                <a:spcPts val="0"/>
+              </a:spcAft>
+              <a:buNone/>
+            </a:pPr>
+            <a:r>
+              <a:rPr lang="tr-TR" dirty="0"/>
+              <a:t>May</a:t>
+            </a:r>
+            <a:r>
+              <a:rPr lang="en-US" dirty="0"/>
+              <a:t> </a:t>
+            </a:r>
+            <a:r>
+              <a:rPr lang="tr-TR" dirty="0"/>
+              <a:t>9</a:t>
+            </a:r>
+            <a:r>
+              <a:rPr lang="en-US" dirty="0"/>
+              <a:t>, 2024</a:t>
+            </a:r>
+            <a:endParaRPr dirty="0"/>
+          </a:p>
+        </p:txBody>
+      </p:sp>
+      <p:sp>
+        <p:nvSpPr>
+          <p:cNvPr id="369" name="Google Shape;369;p29"/>
+          <p:cNvSpPr txBox="1">
+            <a:spLocks noGrp="1"/>
+          </p:cNvSpPr>
+          <p:nvPr>
+            <p:ph type="ftr" idx="11"/>
+          </p:nvPr>
+        </p:nvSpPr>
+        <p:spPr>
+          <a:xfrm>
+            <a:off x="0" y="6568457"/>
+            <a:ext cx="6096000" cy="289543"/>
+          </a:xfrm>
+          <a:prstGeom prst="rect">
+            <a:avLst/>
+          </a:prstGeom>
+          <a:solidFill>
+            <a:schemeClr val="dk1"/>
+          </a:solidFill>
+          <a:ln>
+            <a:noFill/>
+          </a:ln>
+        </p:spPr>
+        <p:txBody>
+          <a:bodyPr spcFirstLastPara="1" wrap="square" lIns="91425" tIns="45700" rIns="91425" bIns="45700" anchor="ctr" anchorCtr="0">
+            <a:noAutofit/>
+          </a:bodyPr>
+          <a:lstStyle/>
+          <a:p>
+            <a:pPr marL="0" lvl="0" indent="0" algn="r" rtl="0">
+              <a:spcBef>
+                <a:spcPts val="0"/>
+              </a:spcBef>
+              <a:spcAft>
+                <a:spcPts val="0"/>
+              </a:spcAft>
+              <a:buNone/>
+            </a:pPr>
+            <a:r>
+              <a:rPr lang="en-US" dirty="0"/>
+              <a:t>CMP-620 Reinforcement Learning – Project Pro</a:t>
+            </a:r>
+            <a:r>
+              <a:rPr lang="tr-TR" dirty="0" err="1"/>
+              <a:t>gress</a:t>
+            </a:r>
+            <a:endParaRPr dirty="0"/>
+          </a:p>
+        </p:txBody>
+      </p:sp>
+      <p:sp>
+        <p:nvSpPr>
+          <p:cNvPr id="370" name="Google Shape;370;p29"/>
+          <p:cNvSpPr txBox="1">
+            <a:spLocks noGrp="1"/>
+          </p:cNvSpPr>
+          <p:nvPr>
+            <p:ph type="sldNum" idx="12"/>
+          </p:nvPr>
+        </p:nvSpPr>
+        <p:spPr>
+          <a:xfrm>
+            <a:off x="8839200" y="6568457"/>
+            <a:ext cx="3352800" cy="289543"/>
+          </a:xfrm>
+          <a:prstGeom prst="rect">
+            <a:avLst/>
+          </a:prstGeom>
+          <a:solidFill>
+            <a:schemeClr val="accent1"/>
+          </a:solidFill>
+          <a:ln>
+            <a:noFill/>
+          </a:ln>
+        </p:spPr>
+        <p:txBody>
+          <a:bodyPr spcFirstLastPara="1" wrap="square" lIns="91425" tIns="45700" rIns="91425" bIns="45700" anchor="ctr" anchorCtr="0">
+            <a:noAutofit/>
+          </a:bodyPr>
+          <a:lstStyle/>
+          <a:p>
+            <a:pPr marL="0" lvl="0" indent="0" algn="r" rtl="0">
+              <a:spcBef>
+                <a:spcPts val="0"/>
+              </a:spcBef>
+              <a:spcAft>
+                <a:spcPts val="0"/>
+              </a:spcAft>
+              <a:buNone/>
+            </a:pPr>
+            <a:fld id="{00000000-1234-1234-1234-123412341234}" type="slidenum">
+              <a:rPr lang="en-US"/>
+              <a:t>12</a:t>
+            </a:fld>
+            <a:endParaRPr/>
+          </a:p>
+        </p:txBody>
+      </p:sp>
+      <p:sp>
+        <p:nvSpPr>
+          <p:cNvPr id="371" name="Google Shape;371;p29"/>
+          <p:cNvSpPr txBox="1"/>
+          <p:nvPr/>
+        </p:nvSpPr>
+        <p:spPr>
+          <a:xfrm>
+            <a:off x="3048000" y="3075057"/>
+            <a:ext cx="6105832" cy="707886"/>
+          </a:xfrm>
+          <a:prstGeom prst="rect">
+            <a:avLst/>
+          </a:prstGeom>
+          <a:noFill/>
+          <a:ln>
+            <a:noFill/>
+          </a:ln>
+        </p:spPr>
+        <p:txBody>
+          <a:bodyPr spcFirstLastPara="1" wrap="square" lIns="91425" tIns="45700" rIns="91425" bIns="45700" anchor="t" anchorCtr="0">
+            <a:spAutoFit/>
+          </a:bodyPr>
+          <a:lstStyle/>
+          <a:p>
+            <a:pPr marL="0" marR="0" lvl="0" indent="0" algn="ctr" rtl="0">
+              <a:spcBef>
+                <a:spcPts val="0"/>
+              </a:spcBef>
+              <a:spcAft>
+                <a:spcPts val="0"/>
+              </a:spcAft>
+              <a:buNone/>
+            </a:pPr>
+            <a:r>
+              <a:rPr lang="en-US" sz="4000" b="0" i="0" u="none" strike="noStrike" cap="none" dirty="0">
+                <a:solidFill>
+                  <a:schemeClr val="dk1"/>
+                </a:solidFill>
+                <a:latin typeface="+mj-lt"/>
+                <a:ea typeface="Calibri"/>
+                <a:cs typeface="Calibri"/>
+                <a:sym typeface="Calibri"/>
+              </a:rPr>
+              <a:t>Thanks for listening.</a:t>
+            </a:r>
+            <a:endParaRPr sz="4000" b="0" i="0" u="none" strike="noStrike" cap="none" dirty="0">
+              <a:solidFill>
+                <a:schemeClr val="dk1"/>
+              </a:solidFill>
+              <a:latin typeface="+mj-lt"/>
+              <a:ea typeface="Calibri"/>
+              <a:cs typeface="Calibri"/>
+              <a:sym typeface="Calibri"/>
+            </a:endParaRPr>
+          </a:p>
+        </p:txBody>
+      </p:sp>
     </p:spTree>
   </p:cSld>
   <p:clrMapOvr>
@@ -14807,10 +16518,10 @@
       </p:sp>
       <p:pic>
         <p:nvPicPr>
-          <p:cNvPr id="4" name="Resim 3">
+          <p:cNvPr id="3" name="Picture 2">
             <a:extLst>
               <a:ext uri="{FF2B5EF4-FFF2-40B4-BE49-F238E27FC236}">
-                <a16:creationId xmlns:a16="http://schemas.microsoft.com/office/drawing/2014/main" id="{29285270-3288-466B-01D5-5CAE69570965}"/>
+                <a16:creationId xmlns:a16="http://schemas.microsoft.com/office/drawing/2014/main" id="{81682334-686A-4C35-9F78-A7E8E2733C07}"/>
               </a:ext>
             </a:extLst>
           </p:cNvPr>
@@ -14819,15 +16530,16 @@
           </p:cNvPicPr>
           <p:nvPr/>
         </p:nvPicPr>
-        <p:blipFill rotWithShape="1">
+        <p:blipFill>
           <a:blip r:embed="rId3"/>
-          <a:srcRect b="16099"/>
-          <a:stretch/>
+          <a:stretch>
+            <a:fillRect/>
+          </a:stretch>
         </p:blipFill>
         <p:spPr>
           <a:xfrm>
-            <a:off x="809490" y="907525"/>
-            <a:ext cx="10573020" cy="5306461"/>
+            <a:off x="1353477" y="907525"/>
+            <a:ext cx="9485046" cy="5368675"/>
           </a:xfrm>
           <a:prstGeom prst="rect">
             <a:avLst/>
@@ -15082,66 +16794,12 @@
           </a:p>
         </p:txBody>
       </p:sp>
-      <p:sp>
-        <p:nvSpPr>
-          <p:cNvPr id="344" name="Google Shape;344;p26"/>
-          <p:cNvSpPr txBox="1"/>
-          <p:nvPr/>
-        </p:nvSpPr>
-        <p:spPr>
-          <a:xfrm>
-            <a:off x="1308294" y="1130710"/>
-            <a:ext cx="10045505" cy="5083277"/>
-          </a:xfrm>
-          <a:prstGeom prst="rect">
-            <a:avLst/>
-          </a:prstGeom>
-          <a:noFill/>
-          <a:ln>
-            <a:noFill/>
-          </a:ln>
-        </p:spPr>
-        <p:txBody>
-          <a:bodyPr spcFirstLastPara="1" wrap="square" lIns="91425" tIns="45700" rIns="91425" bIns="45700" anchor="t" anchorCtr="0">
-            <a:normAutofit/>
-          </a:bodyPr>
-          <a:lstStyle/>
-          <a:p>
-            <a:pPr marL="685800" marR="0" lvl="1" indent="-86868" algn="just" rtl="0">
-              <a:lnSpc>
-                <a:spcPct val="110000"/>
-              </a:lnSpc>
-              <a:spcBef>
-                <a:spcPts val="600"/>
-              </a:spcBef>
-              <a:spcAft>
-                <a:spcPts val="0"/>
-              </a:spcAft>
-              <a:buClr>
-                <a:schemeClr val="accent1"/>
-              </a:buClr>
-              <a:buSzPct val="119999"/>
-              <a:buFont typeface="Arial"/>
-              <a:buNone/>
-            </a:pPr>
-            <a:endParaRPr sz="2400" b="0" i="0" u="none" strike="noStrike" cap="none" dirty="0">
-              <a:solidFill>
-                <a:schemeClr val="dk1"/>
-              </a:solidFill>
-              <a:latin typeface="+mj-lt"/>
-              <a:ea typeface="Arial"/>
-              <a:cs typeface="Arial"/>
-              <a:sym typeface="Arial"/>
-            </a:endParaRPr>
-          </a:p>
-        </p:txBody>
-      </p:sp>
       <p:pic>
         <p:nvPicPr>
-          <p:cNvPr id="3" name="Resim 2">
+          <p:cNvPr id="4" name="Picture 3">
             <a:extLst>
               <a:ext uri="{FF2B5EF4-FFF2-40B4-BE49-F238E27FC236}">
-                <a16:creationId xmlns:a16="http://schemas.microsoft.com/office/drawing/2014/main" id="{19F070C7-DE6E-6A9F-7330-032436B3EF96}"/>
+                <a16:creationId xmlns:a16="http://schemas.microsoft.com/office/drawing/2014/main" id="{40C11F24-EEB6-42D7-88D7-192E4CDB23B4}"/>
               </a:ext>
             </a:extLst>
           </p:cNvPr>
@@ -15158,14 +16816,1571 @@
         </p:blipFill>
         <p:spPr>
           <a:xfrm>
-            <a:off x="0" y="1381417"/>
-            <a:ext cx="12192000" cy="4095166"/>
+            <a:off x="0" y="1373536"/>
+            <a:ext cx="12192000" cy="4110928"/>
           </a:xfrm>
           <a:prstGeom prst="rect">
             <a:avLst/>
           </a:prstGeom>
         </p:spPr>
       </p:pic>
+      <p:pic>
+        <p:nvPicPr>
+          <p:cNvPr id="10" name="Resim 14">
+            <a:extLst>
+              <a:ext uri="{FF2B5EF4-FFF2-40B4-BE49-F238E27FC236}">
+                <a16:creationId xmlns:a16="http://schemas.microsoft.com/office/drawing/2014/main" id="{7DE066D8-6897-45BF-B3FC-12991CB06C70}"/>
+              </a:ext>
+            </a:extLst>
+          </p:cNvPr>
+          <p:cNvPicPr>
+            <a:picLocks noChangeAspect="1"/>
+          </p:cNvPicPr>
+          <p:nvPr/>
+        </p:nvPicPr>
+        <p:blipFill rotWithShape="1">
+          <a:blip r:embed="rId4"/>
+          <a:srcRect t="20993" r="32472"/>
+          <a:stretch/>
+        </p:blipFill>
+        <p:spPr>
+          <a:xfrm>
+            <a:off x="207628" y="892349"/>
+            <a:ext cx="2591199" cy="2198338"/>
+          </a:xfrm>
+          <a:prstGeom prst="rect">
+            <a:avLst/>
+          </a:prstGeom>
+        </p:spPr>
+      </p:pic>
+      <mc:AlternateContent xmlns:mc="http://schemas.openxmlformats.org/markup-compatibility/2006">
+        <mc:Choice xmlns:a14="http://schemas.microsoft.com/office/drawing/2010/main" Requires="a14">
+          <p:sp>
+            <p:nvSpPr>
+              <p:cNvPr id="12" name="TextBox 11">
+                <a:extLst>
+                  <a:ext uri="{FF2B5EF4-FFF2-40B4-BE49-F238E27FC236}">
+                    <a16:creationId xmlns:a16="http://schemas.microsoft.com/office/drawing/2014/main" id="{68C54400-047E-4871-93C5-76F381E5A753}"/>
+                  </a:ext>
+                </a:extLst>
+              </p:cNvPr>
+              <p:cNvSpPr txBox="1"/>
+              <p:nvPr/>
+            </p:nvSpPr>
+            <p:spPr>
+              <a:xfrm>
+                <a:off x="1160528" y="4089359"/>
+                <a:ext cx="3107266" cy="1162882"/>
+              </a:xfrm>
+              <a:prstGeom prst="rect">
+                <a:avLst/>
+              </a:prstGeom>
+              <a:noFill/>
+            </p:spPr>
+            <p:txBody>
+              <a:bodyPr wrap="square">
+                <a:spAutoFit/>
+              </a:bodyPr>
+              <a:lstStyle/>
+              <a:p>
+                <a:pPr/>
+                <a14:m>
+                  <m:oMathPara xmlns:m="http://schemas.openxmlformats.org/officeDocument/2006/math">
+                    <m:oMathParaPr>
+                      <m:jc m:val="centerGroup"/>
+                    </m:oMathParaPr>
+                    <m:oMath xmlns:m="http://schemas.openxmlformats.org/officeDocument/2006/math">
+                      <m:eqArr>
+                        <m:eqArrPr>
+                          <m:ctrlPr>
+                            <a:rPr lang="en-US" i="1" smtClean="0">
+                              <a:latin typeface="Cambria Math" panose="02040503050406030204" pitchFamily="18" charset="0"/>
+                            </a:rPr>
+                          </m:ctrlPr>
+                        </m:eqArrPr>
+                        <m:e>
+                          <m:r>
+                            <a:rPr lang="en-US">
+                              <a:latin typeface="Cambria Math" panose="02040503050406030204" pitchFamily="18" charset="0"/>
+                            </a:rPr>
+                            <m:t>&amp;</m:t>
+                          </m:r>
+                          <m:d>
+                            <m:dPr>
+                              <m:begChr m:val=""/>
+                              <m:ctrlPr>
+                                <a:rPr lang="en-US" i="1">
+                                  <a:latin typeface="Cambria Math" panose="02040503050406030204" pitchFamily="18" charset="0"/>
+                                </a:rPr>
+                              </m:ctrlPr>
+                            </m:dPr>
+                            <m:e>
+                              <m:sSubSup>
+                                <m:sSubSupPr>
+                                  <m:ctrlPr>
+                                    <a:rPr lang="en-US" i="1">
+                                      <a:latin typeface="Cambria Math" panose="02040503050406030204" pitchFamily="18" charset="0"/>
+                                    </a:rPr>
+                                  </m:ctrlPr>
+                                </m:sSubSupPr>
+                                <m:e>
+                                  <m:r>
+                                    <a:rPr lang="en-US" i="1">
+                                      <a:latin typeface="Cambria Math" panose="02040503050406030204" pitchFamily="18" charset="0"/>
+                                    </a:rPr>
+                                    <m:t>𝐹</m:t>
+                                  </m:r>
+                                </m:e>
+                                <m:sub>
+                                  <m:r>
+                                    <a:rPr lang="en-US" i="1">
+                                      <a:latin typeface="Cambria Math" panose="02040503050406030204" pitchFamily="18" charset="0"/>
+                                    </a:rPr>
+                                    <m:t>𝑡h𝑟𝑢𝑠𝑡</m:t>
+                                  </m:r>
+                                  <m:r>
+                                    <a:rPr lang="en-US">
+                                      <a:latin typeface="Cambria Math" panose="02040503050406030204" pitchFamily="18" charset="0"/>
+                                    </a:rPr>
+                                    <m:t>  </m:t>
+                                  </m:r>
+                                </m:sub>
+                                <m:sup>
+                                  <m:r>
+                                    <a:rPr lang="en-US" i="1">
+                                      <a:latin typeface="Cambria Math" panose="02040503050406030204" pitchFamily="18" charset="0"/>
+                                    </a:rPr>
+                                    <m:t>𝐵</m:t>
+                                  </m:r>
+                                </m:sup>
+                              </m:sSubSup>
+                              <m:r>
+                                <a:rPr lang="en-US">
+                                  <a:latin typeface="Cambria Math" panose="02040503050406030204" pitchFamily="18" charset="0"/>
+                                </a:rPr>
+                                <m:t>=</m:t>
+                              </m:r>
+                              <m:r>
+                                <a:rPr lang="en-US" i="1">
+                                  <a:latin typeface="Cambria Math" panose="02040503050406030204" pitchFamily="18" charset="0"/>
+                                </a:rPr>
+                                <m:t>𝑏</m:t>
+                              </m:r>
+                              <m:r>
+                                <a:rPr lang="en-US">
+                                  <a:latin typeface="Cambria Math" panose="02040503050406030204" pitchFamily="18" charset="0"/>
+                                </a:rPr>
+                                <m:t>(</m:t>
+                              </m:r>
+                              <m:sSubSup>
+                                <m:sSubSupPr>
+                                  <m:ctrlPr>
+                                    <a:rPr lang="en-US" i="1">
+                                      <a:latin typeface="Cambria Math" panose="02040503050406030204" pitchFamily="18" charset="0"/>
+                                    </a:rPr>
+                                  </m:ctrlPr>
+                                </m:sSubSupPr>
+                                <m:e>
+                                  <m:r>
+                                    <m:rPr>
+                                      <m:sty m:val="p"/>
+                                    </m:rPr>
+                                    <a:rPr lang="en-US">
+                                      <a:latin typeface="Cambria Math" panose="02040503050406030204" pitchFamily="18" charset="0"/>
+                                    </a:rPr>
+                                    <m:t>Ω</m:t>
+                                  </m:r>
+                                </m:e>
+                                <m:sub>
+                                  <m:r>
+                                    <a:rPr lang="en-US">
+                                      <a:latin typeface="Cambria Math" panose="02040503050406030204" pitchFamily="18" charset="0"/>
+                                    </a:rPr>
+                                    <m:t>1</m:t>
+                                  </m:r>
+                                </m:sub>
+                                <m:sup>
+                                  <m:r>
+                                    <a:rPr lang="en-US">
+                                      <a:latin typeface="Cambria Math" panose="02040503050406030204" pitchFamily="18" charset="0"/>
+                                    </a:rPr>
+                                    <m:t>2</m:t>
+                                  </m:r>
+                                </m:sup>
+                              </m:sSubSup>
+                              <m:r>
+                                <a:rPr lang="en-US">
+                                  <a:latin typeface="Cambria Math" panose="02040503050406030204" pitchFamily="18" charset="0"/>
+                                </a:rPr>
+                                <m:t>+</m:t>
+                              </m:r>
+                              <m:sSubSup>
+                                <m:sSubSupPr>
+                                  <m:ctrlPr>
+                                    <a:rPr lang="en-US" i="1">
+                                      <a:latin typeface="Cambria Math" panose="02040503050406030204" pitchFamily="18" charset="0"/>
+                                    </a:rPr>
+                                  </m:ctrlPr>
+                                </m:sSubSupPr>
+                                <m:e>
+                                  <m:r>
+                                    <m:rPr>
+                                      <m:sty m:val="p"/>
+                                    </m:rPr>
+                                    <a:rPr lang="en-US">
+                                      <a:latin typeface="Cambria Math" panose="02040503050406030204" pitchFamily="18" charset="0"/>
+                                    </a:rPr>
+                                    <m:t>Ω</m:t>
+                                  </m:r>
+                                </m:e>
+                                <m:sub>
+                                  <m:r>
+                                    <a:rPr lang="en-US">
+                                      <a:latin typeface="Cambria Math" panose="02040503050406030204" pitchFamily="18" charset="0"/>
+                                    </a:rPr>
+                                    <m:t>2</m:t>
+                                  </m:r>
+                                </m:sub>
+                                <m:sup>
+                                  <m:r>
+                                    <a:rPr lang="en-US">
+                                      <a:latin typeface="Cambria Math" panose="02040503050406030204" pitchFamily="18" charset="0"/>
+                                    </a:rPr>
+                                    <m:t>2</m:t>
+                                  </m:r>
+                                </m:sup>
+                              </m:sSubSup>
+                              <m:r>
+                                <a:rPr lang="en-US">
+                                  <a:latin typeface="Cambria Math" panose="02040503050406030204" pitchFamily="18" charset="0"/>
+                                </a:rPr>
+                                <m:t>+</m:t>
+                              </m:r>
+                              <m:sSubSup>
+                                <m:sSubSupPr>
+                                  <m:ctrlPr>
+                                    <a:rPr lang="en-US" i="1">
+                                      <a:latin typeface="Cambria Math" panose="02040503050406030204" pitchFamily="18" charset="0"/>
+                                    </a:rPr>
+                                  </m:ctrlPr>
+                                </m:sSubSupPr>
+                                <m:e>
+                                  <m:r>
+                                    <m:rPr>
+                                      <m:sty m:val="p"/>
+                                    </m:rPr>
+                                    <a:rPr lang="en-US">
+                                      <a:latin typeface="Cambria Math" panose="02040503050406030204" pitchFamily="18" charset="0"/>
+                                    </a:rPr>
+                                    <m:t>Ω</m:t>
+                                  </m:r>
+                                </m:e>
+                                <m:sub>
+                                  <m:r>
+                                    <a:rPr lang="en-US">
+                                      <a:latin typeface="Cambria Math" panose="02040503050406030204" pitchFamily="18" charset="0"/>
+                                    </a:rPr>
+                                    <m:t>3</m:t>
+                                  </m:r>
+                                </m:sub>
+                                <m:sup>
+                                  <m:r>
+                                    <a:rPr lang="en-US">
+                                      <a:latin typeface="Cambria Math" panose="02040503050406030204" pitchFamily="18" charset="0"/>
+                                    </a:rPr>
+                                    <m:t>2</m:t>
+                                  </m:r>
+                                </m:sup>
+                              </m:sSubSup>
+                              <m:r>
+                                <a:rPr lang="en-US">
+                                  <a:latin typeface="Cambria Math" panose="02040503050406030204" pitchFamily="18" charset="0"/>
+                                </a:rPr>
+                                <m:t>+</m:t>
+                              </m:r>
+                              <m:sSubSup>
+                                <m:sSubSupPr>
+                                  <m:ctrlPr>
+                                    <a:rPr lang="en-US" i="1">
+                                      <a:latin typeface="Cambria Math" panose="02040503050406030204" pitchFamily="18" charset="0"/>
+                                    </a:rPr>
+                                  </m:ctrlPr>
+                                </m:sSubSupPr>
+                                <m:e>
+                                  <m:r>
+                                    <m:rPr>
+                                      <m:sty m:val="p"/>
+                                    </m:rPr>
+                                    <a:rPr lang="en-US">
+                                      <a:latin typeface="Cambria Math" panose="02040503050406030204" pitchFamily="18" charset="0"/>
+                                    </a:rPr>
+                                    <m:t>Ω</m:t>
+                                  </m:r>
+                                </m:e>
+                                <m:sub>
+                                  <m:r>
+                                    <a:rPr lang="en-US">
+                                      <a:latin typeface="Cambria Math" panose="02040503050406030204" pitchFamily="18" charset="0"/>
+                                    </a:rPr>
+                                    <m:t>4</m:t>
+                                  </m:r>
+                                </m:sub>
+                                <m:sup>
+                                  <m:r>
+                                    <a:rPr lang="en-US">
+                                      <a:latin typeface="Cambria Math" panose="02040503050406030204" pitchFamily="18" charset="0"/>
+                                    </a:rPr>
+                                    <m:t>2</m:t>
+                                  </m:r>
+                                </m:sup>
+                              </m:sSubSup>
+                            </m:e>
+                          </m:d>
+                        </m:e>
+                        <m:e>
+                          <m:r>
+                            <a:rPr lang="en-US">
+                              <a:latin typeface="Cambria Math" panose="02040503050406030204" pitchFamily="18" charset="0"/>
+                            </a:rPr>
+                            <m:t>&amp;</m:t>
+                          </m:r>
+                          <m:sSub>
+                            <m:sSubPr>
+                              <m:ctrlPr>
+                                <a:rPr lang="en-US" i="1">
+                                  <a:latin typeface="Cambria Math" panose="02040503050406030204" pitchFamily="18" charset="0"/>
+                                </a:rPr>
+                              </m:ctrlPr>
+                            </m:sSubPr>
+                            <m:e>
+                              <m:r>
+                                <a:rPr lang="en-US" i="1">
+                                  <a:latin typeface="Cambria Math" panose="02040503050406030204" pitchFamily="18" charset="0"/>
+                                </a:rPr>
+                                <m:t>𝜏</m:t>
+                              </m:r>
+                            </m:e>
+                            <m:sub>
+                              <m:r>
+                                <a:rPr lang="en-US" i="1">
+                                  <a:latin typeface="Cambria Math" panose="02040503050406030204" pitchFamily="18" charset="0"/>
+                                </a:rPr>
+                                <m:t>𝜙</m:t>
+                              </m:r>
+                            </m:sub>
+                          </m:sSub>
+                          <m:r>
+                            <a:rPr lang="en-US">
+                              <a:latin typeface="Cambria Math" panose="02040503050406030204" pitchFamily="18" charset="0"/>
+                            </a:rPr>
+                            <m:t>=</m:t>
+                          </m:r>
+                          <m:r>
+                            <a:rPr lang="en-US" i="1">
+                              <a:latin typeface="Cambria Math" panose="02040503050406030204" pitchFamily="18" charset="0"/>
+                            </a:rPr>
+                            <m:t>𝑏𝑙</m:t>
+                          </m:r>
+                          <m:d>
+                            <m:dPr>
+                              <m:ctrlPr>
+                                <a:rPr lang="en-US" i="1">
+                                  <a:latin typeface="Cambria Math" panose="02040503050406030204" pitchFamily="18" charset="0"/>
+                                </a:rPr>
+                              </m:ctrlPr>
+                            </m:dPr>
+                            <m:e>
+                              <m:sSubSup>
+                                <m:sSubSupPr>
+                                  <m:ctrlPr>
+                                    <a:rPr lang="en-US" i="1">
+                                      <a:latin typeface="Cambria Math" panose="02040503050406030204" pitchFamily="18" charset="0"/>
+                                    </a:rPr>
+                                  </m:ctrlPr>
+                                </m:sSubSupPr>
+                                <m:e>
+                                  <m:r>
+                                    <m:rPr>
+                                      <m:sty m:val="p"/>
+                                    </m:rPr>
+                                    <a:rPr lang="en-US">
+                                      <a:latin typeface="Cambria Math" panose="02040503050406030204" pitchFamily="18" charset="0"/>
+                                    </a:rPr>
+                                    <m:t>Ω</m:t>
+                                  </m:r>
+                                </m:e>
+                                <m:sub>
+                                  <m:r>
+                                    <a:rPr lang="en-US">
+                                      <a:latin typeface="Cambria Math" panose="02040503050406030204" pitchFamily="18" charset="0"/>
+                                    </a:rPr>
+                                    <m:t>3</m:t>
+                                  </m:r>
+                                </m:sub>
+                                <m:sup>
+                                  <m:r>
+                                    <a:rPr lang="en-US">
+                                      <a:latin typeface="Cambria Math" panose="02040503050406030204" pitchFamily="18" charset="0"/>
+                                    </a:rPr>
+                                    <m:t>2</m:t>
+                                  </m:r>
+                                </m:sup>
+                              </m:sSubSup>
+                              <m:r>
+                                <a:rPr lang="en-US">
+                                  <a:latin typeface="Cambria Math" panose="02040503050406030204" pitchFamily="18" charset="0"/>
+                                </a:rPr>
+                                <m:t>−</m:t>
+                              </m:r>
+                              <m:sSubSup>
+                                <m:sSubSupPr>
+                                  <m:ctrlPr>
+                                    <a:rPr lang="en-US" i="1">
+                                      <a:latin typeface="Cambria Math" panose="02040503050406030204" pitchFamily="18" charset="0"/>
+                                    </a:rPr>
+                                  </m:ctrlPr>
+                                </m:sSubSupPr>
+                                <m:e>
+                                  <m:r>
+                                    <m:rPr>
+                                      <m:sty m:val="p"/>
+                                    </m:rPr>
+                                    <a:rPr lang="en-US">
+                                      <a:latin typeface="Cambria Math" panose="02040503050406030204" pitchFamily="18" charset="0"/>
+                                    </a:rPr>
+                                    <m:t>Ω</m:t>
+                                  </m:r>
+                                </m:e>
+                                <m:sub>
+                                  <m:r>
+                                    <a:rPr lang="en-US">
+                                      <a:latin typeface="Cambria Math" panose="02040503050406030204" pitchFamily="18" charset="0"/>
+                                    </a:rPr>
+                                    <m:t>1</m:t>
+                                  </m:r>
+                                </m:sub>
+                                <m:sup>
+                                  <m:r>
+                                    <a:rPr lang="en-US">
+                                      <a:latin typeface="Cambria Math" panose="02040503050406030204" pitchFamily="18" charset="0"/>
+                                    </a:rPr>
+                                    <m:t>2</m:t>
+                                  </m:r>
+                                </m:sup>
+                              </m:sSubSup>
+                            </m:e>
+                          </m:d>
+                          <m:r>
+                            <a:rPr lang="en-US">
+                              <a:latin typeface="Cambria Math" panose="02040503050406030204" pitchFamily="18" charset="0"/>
+                            </a:rPr>
+                            <m:t>                    </m:t>
+                          </m:r>
+                        </m:e>
+                        <m:e>
+                          <m:r>
+                            <a:rPr lang="en-US">
+                              <a:latin typeface="Cambria Math" panose="02040503050406030204" pitchFamily="18" charset="0"/>
+                            </a:rPr>
+                            <m:t>&amp;</m:t>
+                          </m:r>
+                          <m:sSub>
+                            <m:sSubPr>
+                              <m:ctrlPr>
+                                <a:rPr lang="en-US" i="1">
+                                  <a:latin typeface="Cambria Math" panose="02040503050406030204" pitchFamily="18" charset="0"/>
+                                </a:rPr>
+                              </m:ctrlPr>
+                            </m:sSubPr>
+                            <m:e>
+                              <m:r>
+                                <a:rPr lang="en-US" i="1">
+                                  <a:latin typeface="Cambria Math" panose="02040503050406030204" pitchFamily="18" charset="0"/>
+                                </a:rPr>
+                                <m:t>𝜏</m:t>
+                              </m:r>
+                            </m:e>
+                            <m:sub>
+                              <m:r>
+                                <a:rPr lang="en-US" i="1">
+                                  <a:latin typeface="Cambria Math" panose="02040503050406030204" pitchFamily="18" charset="0"/>
+                                </a:rPr>
+                                <m:t>𝜑</m:t>
+                              </m:r>
+                            </m:sub>
+                          </m:sSub>
+                          <m:r>
+                            <a:rPr lang="en-US">
+                              <a:latin typeface="Cambria Math" panose="02040503050406030204" pitchFamily="18" charset="0"/>
+                            </a:rPr>
+                            <m:t>=</m:t>
+                          </m:r>
+                          <m:r>
+                            <a:rPr lang="en-US" i="1">
+                              <a:latin typeface="Cambria Math" panose="02040503050406030204" pitchFamily="18" charset="0"/>
+                            </a:rPr>
+                            <m:t>𝑏𝑙</m:t>
+                          </m:r>
+                          <m:d>
+                            <m:dPr>
+                              <m:ctrlPr>
+                                <a:rPr lang="en-US" i="1">
+                                  <a:latin typeface="Cambria Math" panose="02040503050406030204" pitchFamily="18" charset="0"/>
+                                </a:rPr>
+                              </m:ctrlPr>
+                            </m:dPr>
+                            <m:e>
+                              <m:sSubSup>
+                                <m:sSubSupPr>
+                                  <m:ctrlPr>
+                                    <a:rPr lang="en-US" i="1">
+                                      <a:latin typeface="Cambria Math" panose="02040503050406030204" pitchFamily="18" charset="0"/>
+                                    </a:rPr>
+                                  </m:ctrlPr>
+                                </m:sSubSupPr>
+                                <m:e>
+                                  <m:r>
+                                    <m:rPr>
+                                      <m:sty m:val="p"/>
+                                    </m:rPr>
+                                    <a:rPr lang="en-US">
+                                      <a:latin typeface="Cambria Math" panose="02040503050406030204" pitchFamily="18" charset="0"/>
+                                    </a:rPr>
+                                    <m:t>Ω</m:t>
+                                  </m:r>
+                                </m:e>
+                                <m:sub>
+                                  <m:r>
+                                    <a:rPr lang="en-US">
+                                      <a:latin typeface="Cambria Math" panose="02040503050406030204" pitchFamily="18" charset="0"/>
+                                    </a:rPr>
+                                    <m:t>4</m:t>
+                                  </m:r>
+                                </m:sub>
+                                <m:sup>
+                                  <m:r>
+                                    <a:rPr lang="en-US">
+                                      <a:latin typeface="Cambria Math" panose="02040503050406030204" pitchFamily="18" charset="0"/>
+                                    </a:rPr>
+                                    <m:t>2</m:t>
+                                  </m:r>
+                                </m:sup>
+                              </m:sSubSup>
+                              <m:r>
+                                <a:rPr lang="en-US">
+                                  <a:latin typeface="Cambria Math" panose="02040503050406030204" pitchFamily="18" charset="0"/>
+                                </a:rPr>
+                                <m:t>−</m:t>
+                              </m:r>
+                              <m:sSubSup>
+                                <m:sSubSupPr>
+                                  <m:ctrlPr>
+                                    <a:rPr lang="en-US" i="1">
+                                      <a:latin typeface="Cambria Math" panose="02040503050406030204" pitchFamily="18" charset="0"/>
+                                    </a:rPr>
+                                  </m:ctrlPr>
+                                </m:sSubSupPr>
+                                <m:e>
+                                  <m:r>
+                                    <m:rPr>
+                                      <m:sty m:val="p"/>
+                                    </m:rPr>
+                                    <a:rPr lang="en-US">
+                                      <a:latin typeface="Cambria Math" panose="02040503050406030204" pitchFamily="18" charset="0"/>
+                                    </a:rPr>
+                                    <m:t>Ω</m:t>
+                                  </m:r>
+                                </m:e>
+                                <m:sub>
+                                  <m:r>
+                                    <a:rPr lang="en-US">
+                                      <a:latin typeface="Cambria Math" panose="02040503050406030204" pitchFamily="18" charset="0"/>
+                                    </a:rPr>
+                                    <m:t>2</m:t>
+                                  </m:r>
+                                </m:sub>
+                                <m:sup>
+                                  <m:r>
+                                    <a:rPr lang="en-US">
+                                      <a:latin typeface="Cambria Math" panose="02040503050406030204" pitchFamily="18" charset="0"/>
+                                    </a:rPr>
+                                    <m:t>2</m:t>
+                                  </m:r>
+                                </m:sup>
+                              </m:sSubSup>
+                            </m:e>
+                          </m:d>
+                          <m:r>
+                            <a:rPr lang="en-US">
+                              <a:latin typeface="Cambria Math" panose="02040503050406030204" pitchFamily="18" charset="0"/>
+                            </a:rPr>
+                            <m:t>                    </m:t>
+                          </m:r>
+                        </m:e>
+                        <m:e>
+                          <m:r>
+                            <a:rPr lang="en-US">
+                              <a:latin typeface="Cambria Math" panose="02040503050406030204" pitchFamily="18" charset="0"/>
+                            </a:rPr>
+                            <m:t>&amp;</m:t>
+                          </m:r>
+                          <m:d>
+                            <m:dPr>
+                              <m:begChr m:val=""/>
+                              <m:ctrlPr>
+                                <a:rPr lang="en-US" i="1">
+                                  <a:latin typeface="Cambria Math" panose="02040503050406030204" pitchFamily="18" charset="0"/>
+                                </a:rPr>
+                              </m:ctrlPr>
+                            </m:dPr>
+                            <m:e>
+                              <m:sSub>
+                                <m:sSubPr>
+                                  <m:ctrlPr>
+                                    <a:rPr lang="en-US" i="1">
+                                      <a:latin typeface="Cambria Math" panose="02040503050406030204" pitchFamily="18" charset="0"/>
+                                    </a:rPr>
+                                  </m:ctrlPr>
+                                </m:sSubPr>
+                                <m:e>
+                                  <m:r>
+                                    <a:rPr lang="en-US" i="1">
+                                      <a:latin typeface="Cambria Math" panose="02040503050406030204" pitchFamily="18" charset="0"/>
+                                    </a:rPr>
+                                    <m:t>𝜏</m:t>
+                                  </m:r>
+                                </m:e>
+                                <m:sub>
+                                  <m:r>
+                                    <a:rPr lang="en-US" i="1">
+                                      <a:latin typeface="Cambria Math" panose="02040503050406030204" pitchFamily="18" charset="0"/>
+                                    </a:rPr>
+                                    <m:t>𝜓</m:t>
+                                  </m:r>
+                                </m:sub>
+                              </m:sSub>
+                              <m:r>
+                                <a:rPr lang="en-US">
+                                  <a:latin typeface="Cambria Math" panose="02040503050406030204" pitchFamily="18" charset="0"/>
+                                </a:rPr>
+                                <m:t>=</m:t>
+                              </m:r>
+                              <m:r>
+                                <a:rPr lang="en-US" i="1">
+                                  <a:latin typeface="Cambria Math" panose="02040503050406030204" pitchFamily="18" charset="0"/>
+                                </a:rPr>
+                                <m:t>𝑑</m:t>
+                              </m:r>
+                              <m:r>
+                                <a:rPr lang="en-US">
+                                  <a:latin typeface="Cambria Math" panose="02040503050406030204" pitchFamily="18" charset="0"/>
+                                </a:rPr>
+                                <m:t>(</m:t>
+                              </m:r>
+                              <m:sSubSup>
+                                <m:sSubSupPr>
+                                  <m:ctrlPr>
+                                    <a:rPr lang="en-US" i="1">
+                                      <a:latin typeface="Cambria Math" panose="02040503050406030204" pitchFamily="18" charset="0"/>
+                                    </a:rPr>
+                                  </m:ctrlPr>
+                                </m:sSubSupPr>
+                                <m:e>
+                                  <m:r>
+                                    <m:rPr>
+                                      <m:sty m:val="p"/>
+                                    </m:rPr>
+                                    <a:rPr lang="en-US">
+                                      <a:latin typeface="Cambria Math" panose="02040503050406030204" pitchFamily="18" charset="0"/>
+                                    </a:rPr>
+                                    <m:t>Ω</m:t>
+                                  </m:r>
+                                </m:e>
+                                <m:sub>
+                                  <m:r>
+                                    <a:rPr lang="en-US">
+                                      <a:latin typeface="Cambria Math" panose="02040503050406030204" pitchFamily="18" charset="0"/>
+                                    </a:rPr>
+                                    <m:t>2</m:t>
+                                  </m:r>
+                                </m:sub>
+                                <m:sup>
+                                  <m:r>
+                                    <a:rPr lang="en-US">
+                                      <a:latin typeface="Cambria Math" panose="02040503050406030204" pitchFamily="18" charset="0"/>
+                                    </a:rPr>
+                                    <m:t>2</m:t>
+                                  </m:r>
+                                </m:sup>
+                              </m:sSubSup>
+                              <m:r>
+                                <a:rPr lang="en-US">
+                                  <a:latin typeface="Cambria Math" panose="02040503050406030204" pitchFamily="18" charset="0"/>
+                                </a:rPr>
+                                <m:t>+</m:t>
+                              </m:r>
+                              <m:sSubSup>
+                                <m:sSubSupPr>
+                                  <m:ctrlPr>
+                                    <a:rPr lang="en-US" i="1">
+                                      <a:latin typeface="Cambria Math" panose="02040503050406030204" pitchFamily="18" charset="0"/>
+                                    </a:rPr>
+                                  </m:ctrlPr>
+                                </m:sSubSupPr>
+                                <m:e>
+                                  <m:r>
+                                    <m:rPr>
+                                      <m:sty m:val="p"/>
+                                    </m:rPr>
+                                    <a:rPr lang="en-US">
+                                      <a:latin typeface="Cambria Math" panose="02040503050406030204" pitchFamily="18" charset="0"/>
+                                    </a:rPr>
+                                    <m:t>Ω</m:t>
+                                  </m:r>
+                                </m:e>
+                                <m:sub>
+                                  <m:r>
+                                    <a:rPr lang="en-US">
+                                      <a:latin typeface="Cambria Math" panose="02040503050406030204" pitchFamily="18" charset="0"/>
+                                    </a:rPr>
+                                    <m:t>4</m:t>
+                                  </m:r>
+                                </m:sub>
+                                <m:sup>
+                                  <m:r>
+                                    <a:rPr lang="en-US">
+                                      <a:latin typeface="Cambria Math" panose="02040503050406030204" pitchFamily="18" charset="0"/>
+                                    </a:rPr>
+                                    <m:t>2</m:t>
+                                  </m:r>
+                                </m:sup>
+                              </m:sSubSup>
+                              <m:r>
+                                <a:rPr lang="en-US">
+                                  <a:latin typeface="Cambria Math" panose="02040503050406030204" pitchFamily="18" charset="0"/>
+                                </a:rPr>
+                                <m:t>−</m:t>
+                              </m:r>
+                              <m:sSubSup>
+                                <m:sSubSupPr>
+                                  <m:ctrlPr>
+                                    <a:rPr lang="en-US" i="1">
+                                      <a:latin typeface="Cambria Math" panose="02040503050406030204" pitchFamily="18" charset="0"/>
+                                    </a:rPr>
+                                  </m:ctrlPr>
+                                </m:sSubSupPr>
+                                <m:e>
+                                  <m:r>
+                                    <m:rPr>
+                                      <m:sty m:val="p"/>
+                                    </m:rPr>
+                                    <a:rPr lang="en-US">
+                                      <a:latin typeface="Cambria Math" panose="02040503050406030204" pitchFamily="18" charset="0"/>
+                                    </a:rPr>
+                                    <m:t>Ω</m:t>
+                                  </m:r>
+                                </m:e>
+                                <m:sub>
+                                  <m:r>
+                                    <a:rPr lang="en-US">
+                                      <a:latin typeface="Cambria Math" panose="02040503050406030204" pitchFamily="18" charset="0"/>
+                                    </a:rPr>
+                                    <m:t>1</m:t>
+                                  </m:r>
+                                </m:sub>
+                                <m:sup>
+                                  <m:r>
+                                    <a:rPr lang="en-US">
+                                      <a:latin typeface="Cambria Math" panose="02040503050406030204" pitchFamily="18" charset="0"/>
+                                    </a:rPr>
+                                    <m:t>2</m:t>
+                                  </m:r>
+                                </m:sup>
+                              </m:sSubSup>
+                              <m:r>
+                                <a:rPr lang="en-US">
+                                  <a:latin typeface="Cambria Math" panose="02040503050406030204" pitchFamily="18" charset="0"/>
+                                </a:rPr>
+                                <m:t>−</m:t>
+                              </m:r>
+                              <m:sSubSup>
+                                <m:sSubSupPr>
+                                  <m:ctrlPr>
+                                    <a:rPr lang="en-US" i="1">
+                                      <a:latin typeface="Cambria Math" panose="02040503050406030204" pitchFamily="18" charset="0"/>
+                                    </a:rPr>
+                                  </m:ctrlPr>
+                                </m:sSubSupPr>
+                                <m:e>
+                                  <m:r>
+                                    <m:rPr>
+                                      <m:sty m:val="p"/>
+                                    </m:rPr>
+                                    <a:rPr lang="en-US">
+                                      <a:latin typeface="Cambria Math" panose="02040503050406030204" pitchFamily="18" charset="0"/>
+                                    </a:rPr>
+                                    <m:t>Ω</m:t>
+                                  </m:r>
+                                </m:e>
+                                <m:sub>
+                                  <m:r>
+                                    <a:rPr lang="en-US">
+                                      <a:latin typeface="Cambria Math" panose="02040503050406030204" pitchFamily="18" charset="0"/>
+                                    </a:rPr>
+                                    <m:t>3</m:t>
+                                  </m:r>
+                                </m:sub>
+                                <m:sup>
+                                  <m:r>
+                                    <a:rPr lang="en-US">
+                                      <a:latin typeface="Cambria Math" panose="02040503050406030204" pitchFamily="18" charset="0"/>
+                                    </a:rPr>
+                                    <m:t>2</m:t>
+                                  </m:r>
+                                </m:sup>
+                              </m:sSubSup>
+                            </m:e>
+                          </m:d>
+                        </m:e>
+                      </m:eqArr>
+                    </m:oMath>
+                  </m:oMathPara>
+                </a14:m>
+                <a:endParaRPr lang="en-US" dirty="0"/>
+              </a:p>
+            </p:txBody>
+          </p:sp>
+        </mc:Choice>
+        <mc:Fallback>
+          <p:sp>
+            <p:nvSpPr>
+              <p:cNvPr id="12" name="TextBox 11">
+                <a:extLst>
+                  <a:ext uri="{FF2B5EF4-FFF2-40B4-BE49-F238E27FC236}">
+                    <a16:creationId xmlns:a16="http://schemas.microsoft.com/office/drawing/2014/main" id="{68C54400-047E-4871-93C5-76F381E5A753}"/>
+                  </a:ext>
+                </a:extLst>
+              </p:cNvPr>
+              <p:cNvSpPr txBox="1">
+                <a:spLocks noRot="1" noChangeAspect="1" noMove="1" noResize="1" noEditPoints="1" noAdjustHandles="1" noChangeArrowheads="1" noChangeShapeType="1" noTextEdit="1"/>
+              </p:cNvSpPr>
+              <p:nvPr/>
+            </p:nvSpPr>
+            <p:spPr>
+              <a:xfrm>
+                <a:off x="1160528" y="4089359"/>
+                <a:ext cx="3107266" cy="1162882"/>
+              </a:xfrm>
+              <a:prstGeom prst="rect">
+                <a:avLst/>
+              </a:prstGeom>
+              <a:blipFill>
+                <a:blip r:embed="rId5"/>
+                <a:stretch>
+                  <a:fillRect/>
+                </a:stretch>
+              </a:blipFill>
+            </p:spPr>
+            <p:txBody>
+              <a:bodyPr/>
+              <a:lstStyle/>
+              <a:p>
+                <a:r>
+                  <a:rPr lang="en-US">
+                    <a:noFill/>
+                  </a:rPr>
+                  <a:t> </a:t>
+                </a:r>
+              </a:p>
+            </p:txBody>
+          </p:sp>
+        </mc:Fallback>
+      </mc:AlternateContent>
+      <mc:AlternateContent xmlns:mc="http://schemas.openxmlformats.org/markup-compatibility/2006">
+        <mc:Choice xmlns:a14="http://schemas.microsoft.com/office/drawing/2010/main" Requires="a14">
+          <p:sp>
+            <p:nvSpPr>
+              <p:cNvPr id="14" name="TextBox 13">
+                <a:extLst>
+                  <a:ext uri="{FF2B5EF4-FFF2-40B4-BE49-F238E27FC236}">
+                    <a16:creationId xmlns:a16="http://schemas.microsoft.com/office/drawing/2014/main" id="{D02E022D-2E64-4A0A-AEF8-F5E66C5CF67F}"/>
+                  </a:ext>
+                </a:extLst>
+              </p:cNvPr>
+              <p:cNvSpPr txBox="1"/>
+              <p:nvPr/>
+            </p:nvSpPr>
+            <p:spPr>
+              <a:xfrm>
+                <a:off x="948861" y="5345921"/>
+                <a:ext cx="3318933" cy="1058047"/>
+              </a:xfrm>
+              <a:prstGeom prst="rect">
+                <a:avLst/>
+              </a:prstGeom>
+              <a:noFill/>
+            </p:spPr>
+            <p:txBody>
+              <a:bodyPr wrap="square">
+                <a:spAutoFit/>
+              </a:bodyPr>
+              <a:lstStyle/>
+              <a:p>
+                <a:pPr/>
+                <a14:m>
+                  <m:oMathPara xmlns:m="http://schemas.openxmlformats.org/officeDocument/2006/math">
+                    <m:oMathParaPr>
+                      <m:jc m:val="centerGroup"/>
+                    </m:oMathParaPr>
+                    <m:oMath xmlns:m="http://schemas.openxmlformats.org/officeDocument/2006/math">
+                      <m:d>
+                        <m:dPr>
+                          <m:begChr m:val="["/>
+                          <m:endChr m:val="]"/>
+                          <m:ctrlPr>
+                            <a:rPr lang="en-US" i="1" smtClean="0">
+                              <a:latin typeface="Cambria Math" panose="02040503050406030204" pitchFamily="18" charset="0"/>
+                            </a:rPr>
+                          </m:ctrlPr>
+                        </m:dPr>
+                        <m:e>
+                          <m:m>
+                            <m:mPr>
+                              <m:plcHide m:val="on"/>
+                              <m:mcs>
+                                <m:mc>
+                                  <m:mcPr>
+                                    <m:count m:val="1"/>
+                                    <m:mcJc m:val="center"/>
+                                  </m:mcPr>
+                                </m:mc>
+                              </m:mcs>
+                              <m:ctrlPr>
+                                <a:rPr lang="en-US" i="1">
+                                  <a:latin typeface="Cambria Math" panose="02040503050406030204" pitchFamily="18" charset="0"/>
+                                </a:rPr>
+                              </m:ctrlPr>
+                            </m:mPr>
+                            <m:mr>
+                              <m:e>
+                                <m:sSubSup>
+                                  <m:sSubSupPr>
+                                    <m:ctrlPr>
+                                      <a:rPr lang="en-US" i="1">
+                                        <a:latin typeface="Cambria Math" panose="02040503050406030204" pitchFamily="18" charset="0"/>
+                                      </a:rPr>
+                                    </m:ctrlPr>
+                                  </m:sSubSupPr>
+                                  <m:e>
+                                    <m:r>
+                                      <m:rPr>
+                                        <m:sty m:val="p"/>
+                                      </m:rPr>
+                                      <a:rPr lang="en-US">
+                                        <a:latin typeface="Cambria Math" panose="02040503050406030204" pitchFamily="18" charset="0"/>
+                                      </a:rPr>
+                                      <m:t>Ω</m:t>
+                                    </m:r>
+                                  </m:e>
+                                  <m:sub>
+                                    <m:r>
+                                      <a:rPr lang="en-US">
+                                        <a:latin typeface="Cambria Math" panose="02040503050406030204" pitchFamily="18" charset="0"/>
+                                      </a:rPr>
+                                      <m:t>1</m:t>
+                                    </m:r>
+                                  </m:sub>
+                                  <m:sup>
+                                    <m:r>
+                                      <a:rPr lang="en-US">
+                                        <a:latin typeface="Cambria Math" panose="02040503050406030204" pitchFamily="18" charset="0"/>
+                                      </a:rPr>
+                                      <m:t>2</m:t>
+                                    </m:r>
+                                  </m:sup>
+                                </m:sSubSup>
+                              </m:e>
+                            </m:mr>
+                            <m:mr>
+                              <m:e>
+                                <m:sSubSup>
+                                  <m:sSubSupPr>
+                                    <m:ctrlPr>
+                                      <a:rPr lang="en-US" i="1">
+                                        <a:latin typeface="Cambria Math" panose="02040503050406030204" pitchFamily="18" charset="0"/>
+                                      </a:rPr>
+                                    </m:ctrlPr>
+                                  </m:sSubSupPr>
+                                  <m:e>
+                                    <m:r>
+                                      <m:rPr>
+                                        <m:sty m:val="p"/>
+                                      </m:rPr>
+                                      <a:rPr lang="en-US">
+                                        <a:latin typeface="Cambria Math" panose="02040503050406030204" pitchFamily="18" charset="0"/>
+                                      </a:rPr>
+                                      <m:t>Ω</m:t>
+                                    </m:r>
+                                  </m:e>
+                                  <m:sub>
+                                    <m:r>
+                                      <a:rPr lang="en-US">
+                                        <a:latin typeface="Cambria Math" panose="02040503050406030204" pitchFamily="18" charset="0"/>
+                                      </a:rPr>
+                                      <m:t>2</m:t>
+                                    </m:r>
+                                  </m:sub>
+                                  <m:sup>
+                                    <m:r>
+                                      <a:rPr lang="en-US">
+                                        <a:latin typeface="Cambria Math" panose="02040503050406030204" pitchFamily="18" charset="0"/>
+                                      </a:rPr>
+                                      <m:t>2</m:t>
+                                    </m:r>
+                                  </m:sup>
+                                </m:sSubSup>
+                              </m:e>
+                            </m:mr>
+                            <m:mr>
+                              <m:e>
+                                <m:sSubSup>
+                                  <m:sSubSupPr>
+                                    <m:ctrlPr>
+                                      <a:rPr lang="en-US" i="1">
+                                        <a:latin typeface="Cambria Math" panose="02040503050406030204" pitchFamily="18" charset="0"/>
+                                      </a:rPr>
+                                    </m:ctrlPr>
+                                  </m:sSubSupPr>
+                                  <m:e>
+                                    <m:r>
+                                      <m:rPr>
+                                        <m:sty m:val="p"/>
+                                      </m:rPr>
+                                      <a:rPr lang="en-US">
+                                        <a:latin typeface="Cambria Math" panose="02040503050406030204" pitchFamily="18" charset="0"/>
+                                      </a:rPr>
+                                      <m:t>Ω</m:t>
+                                    </m:r>
+                                  </m:e>
+                                  <m:sub>
+                                    <m:r>
+                                      <a:rPr lang="en-US">
+                                        <a:latin typeface="Cambria Math" panose="02040503050406030204" pitchFamily="18" charset="0"/>
+                                      </a:rPr>
+                                      <m:t>3</m:t>
+                                    </m:r>
+                                  </m:sub>
+                                  <m:sup>
+                                    <m:r>
+                                      <a:rPr lang="en-US">
+                                        <a:latin typeface="Cambria Math" panose="02040503050406030204" pitchFamily="18" charset="0"/>
+                                      </a:rPr>
+                                      <m:t>2</m:t>
+                                    </m:r>
+                                  </m:sup>
+                                </m:sSubSup>
+                              </m:e>
+                            </m:mr>
+                            <m:mr>
+                              <m:e>
+                                <m:sSubSup>
+                                  <m:sSubSupPr>
+                                    <m:ctrlPr>
+                                      <a:rPr lang="en-US" i="1">
+                                        <a:latin typeface="Cambria Math" panose="02040503050406030204" pitchFamily="18" charset="0"/>
+                                      </a:rPr>
+                                    </m:ctrlPr>
+                                  </m:sSubSupPr>
+                                  <m:e>
+                                    <m:r>
+                                      <m:rPr>
+                                        <m:sty m:val="p"/>
+                                      </m:rPr>
+                                      <a:rPr lang="en-US">
+                                        <a:latin typeface="Cambria Math" panose="02040503050406030204" pitchFamily="18" charset="0"/>
+                                      </a:rPr>
+                                      <m:t>Ω</m:t>
+                                    </m:r>
+                                  </m:e>
+                                  <m:sub>
+                                    <m:r>
+                                      <a:rPr lang="en-US">
+                                        <a:latin typeface="Cambria Math" panose="02040503050406030204" pitchFamily="18" charset="0"/>
+                                      </a:rPr>
+                                      <m:t>4</m:t>
+                                    </m:r>
+                                  </m:sub>
+                                  <m:sup>
+                                    <m:r>
+                                      <a:rPr lang="en-US">
+                                        <a:latin typeface="Cambria Math" panose="02040503050406030204" pitchFamily="18" charset="0"/>
+                                      </a:rPr>
+                                      <m:t>2</m:t>
+                                    </m:r>
+                                  </m:sup>
+                                </m:sSubSup>
+                              </m:e>
+                            </m:mr>
+                          </m:m>
+                        </m:e>
+                      </m:d>
+                      <m:r>
+                        <a:rPr lang="en-US">
+                          <a:latin typeface="Cambria Math" panose="02040503050406030204" pitchFamily="18" charset="0"/>
+                        </a:rPr>
+                        <m:t>=</m:t>
+                      </m:r>
+                      <m:sSup>
+                        <m:sSupPr>
+                          <m:ctrlPr>
+                            <a:rPr lang="en-US" i="1">
+                              <a:latin typeface="Cambria Math" panose="02040503050406030204" pitchFamily="18" charset="0"/>
+                            </a:rPr>
+                          </m:ctrlPr>
+                        </m:sSupPr>
+                        <m:e>
+                          <m:d>
+                            <m:dPr>
+                              <m:begChr m:val="["/>
+                              <m:endChr m:val="]"/>
+                              <m:ctrlPr>
+                                <a:rPr lang="en-US" i="1">
+                                  <a:latin typeface="Cambria Math" panose="02040503050406030204" pitchFamily="18" charset="0"/>
+                                </a:rPr>
+                              </m:ctrlPr>
+                            </m:dPr>
+                            <m:e>
+                              <m:m>
+                                <m:mPr>
+                                  <m:plcHide m:val="on"/>
+                                  <m:mcs>
+                                    <m:mc>
+                                      <m:mcPr>
+                                        <m:count m:val="4"/>
+                                        <m:mcJc m:val="center"/>
+                                      </m:mcPr>
+                                    </m:mc>
+                                  </m:mcs>
+                                  <m:ctrlPr>
+                                    <a:rPr lang="en-US" i="1">
+                                      <a:latin typeface="Cambria Math" panose="02040503050406030204" pitchFamily="18" charset="0"/>
+                                    </a:rPr>
+                                  </m:ctrlPr>
+                                </m:mPr>
+                                <m:mr>
+                                  <m:e>
+                                    <m:r>
+                                      <a:rPr lang="en-US" i="1">
+                                        <a:latin typeface="Cambria Math" panose="02040503050406030204" pitchFamily="18" charset="0"/>
+                                      </a:rPr>
+                                      <m:t>𝑏</m:t>
+                                    </m:r>
+                                  </m:e>
+                                  <m:e>
+                                    <m:r>
+                                      <a:rPr lang="en-US" i="1">
+                                        <a:latin typeface="Cambria Math" panose="02040503050406030204" pitchFamily="18" charset="0"/>
+                                      </a:rPr>
+                                      <m:t>𝑏</m:t>
+                                    </m:r>
+                                  </m:e>
+                                  <m:e>
+                                    <m:r>
+                                      <a:rPr lang="en-US" i="1">
+                                        <a:latin typeface="Cambria Math" panose="02040503050406030204" pitchFamily="18" charset="0"/>
+                                      </a:rPr>
+                                      <m:t>𝑏</m:t>
+                                    </m:r>
+                                  </m:e>
+                                  <m:e>
+                                    <m:r>
+                                      <a:rPr lang="en-US" i="1">
+                                        <a:latin typeface="Cambria Math" panose="02040503050406030204" pitchFamily="18" charset="0"/>
+                                      </a:rPr>
+                                      <m:t>𝑏</m:t>
+                                    </m:r>
+                                  </m:e>
+                                </m:mr>
+                                <m:mr>
+                                  <m:e>
+                                    <m:r>
+                                      <a:rPr lang="en-US">
+                                        <a:latin typeface="Cambria Math" panose="02040503050406030204" pitchFamily="18" charset="0"/>
+                                      </a:rPr>
+                                      <m:t>0</m:t>
+                                    </m:r>
+                                  </m:e>
+                                  <m:e>
+                                    <m:r>
+                                      <a:rPr lang="en-US" i="1">
+                                        <a:latin typeface="Cambria Math" panose="02040503050406030204" pitchFamily="18" charset="0"/>
+                                      </a:rPr>
+                                      <m:t>𝑏𝑙</m:t>
+                                    </m:r>
+                                  </m:e>
+                                  <m:e>
+                                    <m:r>
+                                      <a:rPr lang="en-US">
+                                        <a:latin typeface="Cambria Math" panose="02040503050406030204" pitchFamily="18" charset="0"/>
+                                      </a:rPr>
+                                      <m:t>0</m:t>
+                                    </m:r>
+                                  </m:e>
+                                  <m:e>
+                                    <m:r>
+                                      <a:rPr lang="en-US">
+                                        <a:latin typeface="Cambria Math" panose="02040503050406030204" pitchFamily="18" charset="0"/>
+                                      </a:rPr>
+                                      <m:t>−</m:t>
+                                    </m:r>
+                                    <m:r>
+                                      <a:rPr lang="en-US" i="1">
+                                        <a:latin typeface="Cambria Math" panose="02040503050406030204" pitchFamily="18" charset="0"/>
+                                      </a:rPr>
+                                      <m:t>𝑏𝑙</m:t>
+                                    </m:r>
+                                  </m:e>
+                                </m:mr>
+                                <m:mr>
+                                  <m:e>
+                                    <m:r>
+                                      <a:rPr lang="en-US">
+                                        <a:latin typeface="Cambria Math" panose="02040503050406030204" pitchFamily="18" charset="0"/>
+                                      </a:rPr>
+                                      <m:t>−</m:t>
+                                    </m:r>
+                                    <m:r>
+                                      <a:rPr lang="en-US" i="1">
+                                        <a:latin typeface="Cambria Math" panose="02040503050406030204" pitchFamily="18" charset="0"/>
+                                      </a:rPr>
+                                      <m:t>𝑏𝑙</m:t>
+                                    </m:r>
+                                  </m:e>
+                                  <m:e>
+                                    <m:r>
+                                      <a:rPr lang="en-US">
+                                        <a:latin typeface="Cambria Math" panose="02040503050406030204" pitchFamily="18" charset="0"/>
+                                      </a:rPr>
+                                      <m:t>0</m:t>
+                                    </m:r>
+                                  </m:e>
+                                  <m:e>
+                                    <m:r>
+                                      <a:rPr lang="en-US" i="1">
+                                        <a:latin typeface="Cambria Math" panose="02040503050406030204" pitchFamily="18" charset="0"/>
+                                      </a:rPr>
+                                      <m:t>𝑏𝑙</m:t>
+                                    </m:r>
+                                  </m:e>
+                                  <m:e>
+                                    <m:r>
+                                      <a:rPr lang="en-US">
+                                        <a:latin typeface="Cambria Math" panose="02040503050406030204" pitchFamily="18" charset="0"/>
+                                      </a:rPr>
+                                      <m:t>0</m:t>
+                                    </m:r>
+                                  </m:e>
+                                </m:mr>
+                                <m:mr>
+                                  <m:e>
+                                    <m:r>
+                                      <a:rPr lang="en-US">
+                                        <a:latin typeface="Cambria Math" panose="02040503050406030204" pitchFamily="18" charset="0"/>
+                                      </a:rPr>
+                                      <m:t>−</m:t>
+                                    </m:r>
+                                    <m:r>
+                                      <a:rPr lang="en-US" i="1">
+                                        <a:latin typeface="Cambria Math" panose="02040503050406030204" pitchFamily="18" charset="0"/>
+                                      </a:rPr>
+                                      <m:t>𝑑</m:t>
+                                    </m:r>
+                                  </m:e>
+                                  <m:e>
+                                    <m:r>
+                                      <a:rPr lang="en-US" i="1">
+                                        <a:latin typeface="Cambria Math" panose="02040503050406030204" pitchFamily="18" charset="0"/>
+                                      </a:rPr>
+                                      <m:t>𝑑</m:t>
+                                    </m:r>
+                                  </m:e>
+                                  <m:e>
+                                    <m:r>
+                                      <a:rPr lang="en-US">
+                                        <a:latin typeface="Cambria Math" panose="02040503050406030204" pitchFamily="18" charset="0"/>
+                                      </a:rPr>
+                                      <m:t>−</m:t>
+                                    </m:r>
+                                    <m:r>
+                                      <a:rPr lang="en-US" i="1">
+                                        <a:latin typeface="Cambria Math" panose="02040503050406030204" pitchFamily="18" charset="0"/>
+                                      </a:rPr>
+                                      <m:t>𝑑</m:t>
+                                    </m:r>
+                                  </m:e>
+                                  <m:e>
+                                    <m:r>
+                                      <a:rPr lang="en-US" i="1">
+                                        <a:latin typeface="Cambria Math" panose="02040503050406030204" pitchFamily="18" charset="0"/>
+                                      </a:rPr>
+                                      <m:t>𝑑</m:t>
+                                    </m:r>
+                                  </m:e>
+                                </m:mr>
+                              </m:m>
+                            </m:e>
+                          </m:d>
+                        </m:e>
+                        <m:sup>
+                          <m:r>
+                            <a:rPr lang="en-US">
+                              <a:latin typeface="Cambria Math" panose="02040503050406030204" pitchFamily="18" charset="0"/>
+                            </a:rPr>
+                            <m:t>−1</m:t>
+                          </m:r>
+                        </m:sup>
+                      </m:sSup>
+                      <m:d>
+                        <m:dPr>
+                          <m:begChr m:val="["/>
+                          <m:endChr m:val="]"/>
+                          <m:ctrlPr>
+                            <a:rPr lang="en-US" i="1">
+                              <a:latin typeface="Cambria Math" panose="02040503050406030204" pitchFamily="18" charset="0"/>
+                            </a:rPr>
+                          </m:ctrlPr>
+                        </m:dPr>
+                        <m:e>
+                          <m:m>
+                            <m:mPr>
+                              <m:plcHide m:val="on"/>
+                              <m:mcs>
+                                <m:mc>
+                                  <m:mcPr>
+                                    <m:count m:val="1"/>
+                                    <m:mcJc m:val="center"/>
+                                  </m:mcPr>
+                                </m:mc>
+                              </m:mcs>
+                              <m:ctrlPr>
+                                <a:rPr lang="en-US" i="1">
+                                  <a:latin typeface="Cambria Math" panose="02040503050406030204" pitchFamily="18" charset="0"/>
+                                </a:rPr>
+                              </m:ctrlPr>
+                            </m:mPr>
+                            <m:mr>
+                              <m:e>
+                                <m:sSub>
+                                  <m:sSubPr>
+                                    <m:ctrlPr>
+                                      <a:rPr lang="en-US" i="1">
+                                        <a:latin typeface="Cambria Math" panose="02040503050406030204" pitchFamily="18" charset="0"/>
+                                      </a:rPr>
+                                    </m:ctrlPr>
+                                  </m:sSubPr>
+                                  <m:e>
+                                    <m:r>
+                                      <a:rPr lang="en-US" i="1">
+                                        <a:latin typeface="Cambria Math" panose="02040503050406030204" pitchFamily="18" charset="0"/>
+                                      </a:rPr>
+                                      <m:t>𝑈</m:t>
+                                    </m:r>
+                                  </m:e>
+                                  <m:sub>
+                                    <m:r>
+                                      <a:rPr lang="en-US">
+                                        <a:latin typeface="Cambria Math" panose="02040503050406030204" pitchFamily="18" charset="0"/>
+                                      </a:rPr>
+                                      <m:t>1</m:t>
+                                    </m:r>
+                                  </m:sub>
+                                </m:sSub>
+                              </m:e>
+                            </m:mr>
+                            <m:mr>
+                              <m:e>
+                                <m:sSub>
+                                  <m:sSubPr>
+                                    <m:ctrlPr>
+                                      <a:rPr lang="en-US" i="1">
+                                        <a:latin typeface="Cambria Math" panose="02040503050406030204" pitchFamily="18" charset="0"/>
+                                      </a:rPr>
+                                    </m:ctrlPr>
+                                  </m:sSubPr>
+                                  <m:e>
+                                    <m:r>
+                                      <a:rPr lang="en-US" i="1">
+                                        <a:latin typeface="Cambria Math" panose="02040503050406030204" pitchFamily="18" charset="0"/>
+                                      </a:rPr>
+                                      <m:t>𝑈</m:t>
+                                    </m:r>
+                                  </m:e>
+                                  <m:sub>
+                                    <m:r>
+                                      <a:rPr lang="en-US">
+                                        <a:latin typeface="Cambria Math" panose="02040503050406030204" pitchFamily="18" charset="0"/>
+                                      </a:rPr>
+                                      <m:t>2</m:t>
+                                    </m:r>
+                                  </m:sub>
+                                </m:sSub>
+                              </m:e>
+                            </m:mr>
+                            <m:mr>
+                              <m:e>
+                                <m:sSub>
+                                  <m:sSubPr>
+                                    <m:ctrlPr>
+                                      <a:rPr lang="en-US" i="1">
+                                        <a:latin typeface="Cambria Math" panose="02040503050406030204" pitchFamily="18" charset="0"/>
+                                      </a:rPr>
+                                    </m:ctrlPr>
+                                  </m:sSubPr>
+                                  <m:e>
+                                    <m:r>
+                                      <a:rPr lang="en-US" i="1">
+                                        <a:latin typeface="Cambria Math" panose="02040503050406030204" pitchFamily="18" charset="0"/>
+                                      </a:rPr>
+                                      <m:t>𝑈</m:t>
+                                    </m:r>
+                                  </m:e>
+                                  <m:sub>
+                                    <m:r>
+                                      <a:rPr lang="en-US">
+                                        <a:latin typeface="Cambria Math" panose="02040503050406030204" pitchFamily="18" charset="0"/>
+                                      </a:rPr>
+                                      <m:t>3</m:t>
+                                    </m:r>
+                                  </m:sub>
+                                </m:sSub>
+                              </m:e>
+                            </m:mr>
+                            <m:mr>
+                              <m:e>
+                                <m:sSub>
+                                  <m:sSubPr>
+                                    <m:ctrlPr>
+                                      <a:rPr lang="en-US" i="1">
+                                        <a:latin typeface="Cambria Math" panose="02040503050406030204" pitchFamily="18" charset="0"/>
+                                      </a:rPr>
+                                    </m:ctrlPr>
+                                  </m:sSubPr>
+                                  <m:e>
+                                    <m:r>
+                                      <a:rPr lang="en-US" i="1">
+                                        <a:latin typeface="Cambria Math" panose="02040503050406030204" pitchFamily="18" charset="0"/>
+                                      </a:rPr>
+                                      <m:t>𝑈</m:t>
+                                    </m:r>
+                                  </m:e>
+                                  <m:sub>
+                                    <m:r>
+                                      <a:rPr lang="en-US">
+                                        <a:latin typeface="Cambria Math" panose="02040503050406030204" pitchFamily="18" charset="0"/>
+                                      </a:rPr>
+                                      <m:t>4</m:t>
+                                    </m:r>
+                                  </m:sub>
+                                </m:sSub>
+                              </m:e>
+                            </m:mr>
+                          </m:m>
+                        </m:e>
+                      </m:d>
+                    </m:oMath>
+                  </m:oMathPara>
+                </a14:m>
+                <a:endParaRPr lang="en-US" dirty="0"/>
+              </a:p>
+            </p:txBody>
+          </p:sp>
+        </mc:Choice>
+        <mc:Fallback>
+          <p:sp>
+            <p:nvSpPr>
+              <p:cNvPr id="14" name="TextBox 13">
+                <a:extLst>
+                  <a:ext uri="{FF2B5EF4-FFF2-40B4-BE49-F238E27FC236}">
+                    <a16:creationId xmlns:a16="http://schemas.microsoft.com/office/drawing/2014/main" id="{D02E022D-2E64-4A0A-AEF8-F5E66C5CF67F}"/>
+                  </a:ext>
+                </a:extLst>
+              </p:cNvPr>
+              <p:cNvSpPr txBox="1">
+                <a:spLocks noRot="1" noChangeAspect="1" noMove="1" noResize="1" noEditPoints="1" noAdjustHandles="1" noChangeArrowheads="1" noChangeShapeType="1" noTextEdit="1"/>
+              </p:cNvSpPr>
+              <p:nvPr/>
+            </p:nvSpPr>
+            <p:spPr>
+              <a:xfrm>
+                <a:off x="948861" y="5345921"/>
+                <a:ext cx="3318933" cy="1058047"/>
+              </a:xfrm>
+              <a:prstGeom prst="rect">
+                <a:avLst/>
+              </a:prstGeom>
+              <a:blipFill>
+                <a:blip r:embed="rId6"/>
+                <a:stretch>
+                  <a:fillRect/>
+                </a:stretch>
+              </a:blipFill>
+            </p:spPr>
+            <p:txBody>
+              <a:bodyPr/>
+              <a:lstStyle/>
+              <a:p>
+                <a:r>
+                  <a:rPr lang="en-US">
+                    <a:noFill/>
+                  </a:rPr>
+                  <a:t> </a:t>
+                </a:r>
+              </a:p>
+            </p:txBody>
+          </p:sp>
+        </mc:Fallback>
+      </mc:AlternateContent>
+      <p:cxnSp>
+        <p:nvCxnSpPr>
+          <p:cNvPr id="8" name="Straight Arrow Connector 7">
+            <a:extLst>
+              <a:ext uri="{FF2B5EF4-FFF2-40B4-BE49-F238E27FC236}">
+                <a16:creationId xmlns:a16="http://schemas.microsoft.com/office/drawing/2014/main" id="{C5DFAC81-9D21-4100-B7EE-9AEDC0D41817}"/>
+              </a:ext>
+            </a:extLst>
+          </p:cNvPr>
+          <p:cNvCxnSpPr>
+            <a:endCxn id="12" idx="3"/>
+          </p:cNvCxnSpPr>
+          <p:nvPr/>
+        </p:nvCxnSpPr>
+        <p:spPr>
+          <a:xfrm flipH="1">
+            <a:off x="4267794" y="3953933"/>
+            <a:ext cx="4901606" cy="716867"/>
+          </a:xfrm>
+          <a:prstGeom prst="straightConnector1">
+            <a:avLst/>
+          </a:prstGeom>
+          <a:ln w="28575">
+            <a:tailEnd type="triangle"/>
+          </a:ln>
+        </p:spPr>
+        <p:style>
+          <a:lnRef idx="1">
+            <a:schemeClr val="accent1"/>
+          </a:lnRef>
+          <a:fillRef idx="0">
+            <a:schemeClr val="accent1"/>
+          </a:fillRef>
+          <a:effectRef idx="0">
+            <a:schemeClr val="accent1"/>
+          </a:effectRef>
+          <a:fontRef idx="minor">
+            <a:schemeClr val="tx1"/>
+          </a:fontRef>
+        </p:style>
+      </p:cxnSp>
     </p:spTree>
     <p:extLst>
       <p:ext uri="{BB962C8B-B14F-4D97-AF65-F5344CB8AC3E}">
@@ -15176,6 +18391,238 @@
   <p:clrMapOvr>
     <a:masterClrMapping/>
   </p:clrMapOvr>
+  <p:timing>
+    <p:tnLst>
+      <p:par>
+        <p:cTn id="1" dur="indefinite" restart="never" nodeType="tmRoot">
+          <p:childTnLst>
+            <p:seq concurrent="1" nextAc="seek">
+              <p:cTn id="2" dur="indefinite" nodeType="mainSeq">
+                <p:childTnLst>
+                  <p:par>
+                    <p:cTn id="3" fill="hold">
+                      <p:stCondLst>
+                        <p:cond delay="indefinite"/>
+                      </p:stCondLst>
+                      <p:childTnLst>
+                        <p:par>
+                          <p:cTn id="4" fill="hold">
+                            <p:stCondLst>
+                              <p:cond delay="0"/>
+                            </p:stCondLst>
+                            <p:childTnLst>
+                              <p:par>
+                                <p:cTn id="5" presetID="53" presetClass="entr" presetSubtype="16" fill="hold" grpId="0" nodeType="clickEffect">
+                                  <p:stCondLst>
+                                    <p:cond delay="0"/>
+                                  </p:stCondLst>
+                                  <p:childTnLst>
+                                    <p:set>
+                                      <p:cBhvr>
+                                        <p:cTn id="6" dur="1" fill="hold">
+                                          <p:stCondLst>
+                                            <p:cond delay="0"/>
+                                          </p:stCondLst>
+                                        </p:cTn>
+                                        <p:tgtEl>
+                                          <p:spTgt spid="12"/>
+                                        </p:tgtEl>
+                                        <p:attrNameLst>
+                                          <p:attrName>style.visibility</p:attrName>
+                                        </p:attrNameLst>
+                                      </p:cBhvr>
+                                      <p:to>
+                                        <p:strVal val="visible"/>
+                                      </p:to>
+                                    </p:set>
+                                    <p:anim calcmode="lin" valueType="num">
+                                      <p:cBhvr>
+                                        <p:cTn id="7" dur="500" fill="hold"/>
+                                        <p:tgtEl>
+                                          <p:spTgt spid="12"/>
+                                        </p:tgtEl>
+                                        <p:attrNameLst>
+                                          <p:attrName>ppt_w</p:attrName>
+                                        </p:attrNameLst>
+                                      </p:cBhvr>
+                                      <p:tavLst>
+                                        <p:tav tm="0">
+                                          <p:val>
+                                            <p:fltVal val="0"/>
+                                          </p:val>
+                                        </p:tav>
+                                        <p:tav tm="100000">
+                                          <p:val>
+                                            <p:strVal val="#ppt_w"/>
+                                          </p:val>
+                                        </p:tav>
+                                      </p:tavLst>
+                                    </p:anim>
+                                    <p:anim calcmode="lin" valueType="num">
+                                      <p:cBhvr>
+                                        <p:cTn id="8" dur="500" fill="hold"/>
+                                        <p:tgtEl>
+                                          <p:spTgt spid="12"/>
+                                        </p:tgtEl>
+                                        <p:attrNameLst>
+                                          <p:attrName>ppt_h</p:attrName>
+                                        </p:attrNameLst>
+                                      </p:cBhvr>
+                                      <p:tavLst>
+                                        <p:tav tm="0">
+                                          <p:val>
+                                            <p:fltVal val="0"/>
+                                          </p:val>
+                                        </p:tav>
+                                        <p:tav tm="100000">
+                                          <p:val>
+                                            <p:strVal val="#ppt_h"/>
+                                          </p:val>
+                                        </p:tav>
+                                      </p:tavLst>
+                                    </p:anim>
+                                    <p:animEffect transition="in" filter="fade">
+                                      <p:cBhvr>
+                                        <p:cTn id="9" dur="500"/>
+                                        <p:tgtEl>
+                                          <p:spTgt spid="12"/>
+                                        </p:tgtEl>
+                                      </p:cBhvr>
+                                    </p:animEffect>
+                                  </p:childTnLst>
+                                </p:cTn>
+                              </p:par>
+                            </p:childTnLst>
+                          </p:cTn>
+                        </p:par>
+                      </p:childTnLst>
+                    </p:cTn>
+                  </p:par>
+                  <p:par>
+                    <p:cTn id="10" fill="hold">
+                      <p:stCondLst>
+                        <p:cond delay="indefinite"/>
+                      </p:stCondLst>
+                      <p:childTnLst>
+                        <p:par>
+                          <p:cTn id="11" fill="hold">
+                            <p:stCondLst>
+                              <p:cond delay="0"/>
+                            </p:stCondLst>
+                            <p:childTnLst>
+                              <p:par>
+                                <p:cTn id="12" presetID="53" presetClass="entr" presetSubtype="16" fill="hold" grpId="0" nodeType="clickEffect">
+                                  <p:stCondLst>
+                                    <p:cond delay="0"/>
+                                  </p:stCondLst>
+                                  <p:childTnLst>
+                                    <p:set>
+                                      <p:cBhvr>
+                                        <p:cTn id="13" dur="1" fill="hold">
+                                          <p:stCondLst>
+                                            <p:cond delay="0"/>
+                                          </p:stCondLst>
+                                        </p:cTn>
+                                        <p:tgtEl>
+                                          <p:spTgt spid="14"/>
+                                        </p:tgtEl>
+                                        <p:attrNameLst>
+                                          <p:attrName>style.visibility</p:attrName>
+                                        </p:attrNameLst>
+                                      </p:cBhvr>
+                                      <p:to>
+                                        <p:strVal val="visible"/>
+                                      </p:to>
+                                    </p:set>
+                                    <p:anim calcmode="lin" valueType="num">
+                                      <p:cBhvr>
+                                        <p:cTn id="14" dur="500" fill="hold"/>
+                                        <p:tgtEl>
+                                          <p:spTgt spid="14"/>
+                                        </p:tgtEl>
+                                        <p:attrNameLst>
+                                          <p:attrName>ppt_w</p:attrName>
+                                        </p:attrNameLst>
+                                      </p:cBhvr>
+                                      <p:tavLst>
+                                        <p:tav tm="0">
+                                          <p:val>
+                                            <p:fltVal val="0"/>
+                                          </p:val>
+                                        </p:tav>
+                                        <p:tav tm="100000">
+                                          <p:val>
+                                            <p:strVal val="#ppt_w"/>
+                                          </p:val>
+                                        </p:tav>
+                                      </p:tavLst>
+                                    </p:anim>
+                                    <p:anim calcmode="lin" valueType="num">
+                                      <p:cBhvr>
+                                        <p:cTn id="15" dur="500" fill="hold"/>
+                                        <p:tgtEl>
+                                          <p:spTgt spid="14"/>
+                                        </p:tgtEl>
+                                        <p:attrNameLst>
+                                          <p:attrName>ppt_h</p:attrName>
+                                        </p:attrNameLst>
+                                      </p:cBhvr>
+                                      <p:tavLst>
+                                        <p:tav tm="0">
+                                          <p:val>
+                                            <p:fltVal val="0"/>
+                                          </p:val>
+                                        </p:tav>
+                                        <p:tav tm="100000">
+                                          <p:val>
+                                            <p:strVal val="#ppt_h"/>
+                                          </p:val>
+                                        </p:tav>
+                                      </p:tavLst>
+                                    </p:anim>
+                                    <p:animEffect transition="in" filter="fade">
+                                      <p:cBhvr>
+                                        <p:cTn id="16" dur="500"/>
+                                        <p:tgtEl>
+                                          <p:spTgt spid="14"/>
+                                        </p:tgtEl>
+                                      </p:cBhvr>
+                                    </p:animEffect>
+                                  </p:childTnLst>
+                                </p:cTn>
+                              </p:par>
+                            </p:childTnLst>
+                          </p:cTn>
+                        </p:par>
+                      </p:childTnLst>
+                    </p:cTn>
+                  </p:par>
+                </p:childTnLst>
+              </p:cTn>
+              <p:prevCondLst>
+                <p:cond evt="onPrev" delay="0">
+                  <p:tgtEl>
+                    <p:sldTgt/>
+                  </p:tgtEl>
+                </p:cond>
+              </p:prevCondLst>
+              <p:nextCondLst>
+                <p:cond evt="onNext" delay="0">
+                  <p:tgtEl>
+                    <p:sldTgt/>
+                  </p:tgtEl>
+                </p:cond>
+              </p:nextCondLst>
+            </p:seq>
+          </p:childTnLst>
+        </p:cTn>
+      </p:par>
+    </p:tnLst>
+    <p:bldLst>
+      <p:bldP spid="12" grpId="0"/>
+      <p:bldP spid="14" grpId="0"/>
+    </p:bldLst>
+  </p:timing>
 </p:sld>
 </file>
 
@@ -15434,10 +18881,10 @@
       </p:sp>
       <p:pic>
         <p:nvPicPr>
-          <p:cNvPr id="4" name="Resim 3">
+          <p:cNvPr id="3" name="Picture 2">
             <a:extLst>
               <a:ext uri="{FF2B5EF4-FFF2-40B4-BE49-F238E27FC236}">
-                <a16:creationId xmlns:a16="http://schemas.microsoft.com/office/drawing/2014/main" id="{170F5750-D31F-A672-DA8E-E809803894D4}"/>
+                <a16:creationId xmlns:a16="http://schemas.microsoft.com/office/drawing/2014/main" id="{6CBE68C1-F375-4BB3-B064-225E15B5ED74}"/>
               </a:ext>
             </a:extLst>
           </p:cNvPr>
@@ -15454,8 +18901,8 @@
         </p:blipFill>
         <p:spPr>
           <a:xfrm>
-            <a:off x="747784" y="1196701"/>
-            <a:ext cx="10696431" cy="4464597"/>
+            <a:off x="961908" y="1522051"/>
+            <a:ext cx="10268184" cy="3813897"/>
           </a:xfrm>
           <a:prstGeom prst="rect">
             <a:avLst/>
@@ -15492,6 +18939,36 @@
           <a:chExt cx="0" cy="0"/>
         </a:xfrm>
       </p:grpSpPr>
+      <p:pic>
+        <p:nvPicPr>
+          <p:cNvPr id="6" name="Picture 5">
+            <a:extLst>
+              <a:ext uri="{FF2B5EF4-FFF2-40B4-BE49-F238E27FC236}">
+                <a16:creationId xmlns:a16="http://schemas.microsoft.com/office/drawing/2014/main" id="{78B4128F-028D-487B-B12F-6F32DEA3CBD9}"/>
+              </a:ext>
+            </a:extLst>
+          </p:cNvPr>
+          <p:cNvPicPr>
+            <a:picLocks noChangeAspect="1"/>
+          </p:cNvPicPr>
+          <p:nvPr/>
+        </p:nvPicPr>
+        <p:blipFill>
+          <a:blip r:embed="rId3"/>
+          <a:stretch>
+            <a:fillRect/>
+          </a:stretch>
+        </p:blipFill>
+        <p:spPr>
+          <a:xfrm>
+            <a:off x="23750" y="1720593"/>
+            <a:ext cx="12058183" cy="2838084"/>
+          </a:xfrm>
+          <a:prstGeom prst="rect">
+            <a:avLst/>
+          </a:prstGeom>
+        </p:spPr>
+      </p:pic>
       <p:sp>
         <p:nvSpPr>
           <p:cNvPr id="340" name="Google Shape;340;p26"/>
@@ -15720,36 +19197,6 @@
           </a:p>
         </p:txBody>
       </p:sp>
-      <p:pic>
-        <p:nvPicPr>
-          <p:cNvPr id="4" name="Resim 3">
-            <a:extLst>
-              <a:ext uri="{FF2B5EF4-FFF2-40B4-BE49-F238E27FC236}">
-                <a16:creationId xmlns:a16="http://schemas.microsoft.com/office/drawing/2014/main" id="{80EEFE17-561A-4DBC-CA4F-179976E800DE}"/>
-              </a:ext>
-            </a:extLst>
-          </p:cNvPr>
-          <p:cNvPicPr>
-            <a:picLocks noChangeAspect="1"/>
-          </p:cNvPicPr>
-          <p:nvPr/>
-        </p:nvPicPr>
-        <p:blipFill>
-          <a:blip r:embed="rId3"/>
-          <a:stretch>
-            <a:fillRect/>
-          </a:stretch>
-        </p:blipFill>
-        <p:spPr>
-          <a:xfrm>
-            <a:off x="215072" y="2324533"/>
-            <a:ext cx="11761856" cy="2208934"/>
-          </a:xfrm>
-          <a:prstGeom prst="rect">
-            <a:avLst/>
-          </a:prstGeom>
-        </p:spPr>
-      </p:pic>
       <p:sp>
         <p:nvSpPr>
           <p:cNvPr id="2" name="TextBox 1">
@@ -15988,8 +19435,8 @@
           </a:fontRef>
         </p:style>
       </p:cxnSp>
-      <mc:AlternateContent xmlns:mc="http://schemas.openxmlformats.org/markup-compatibility/2006" xmlns:a14="http://schemas.microsoft.com/office/drawing/2010/main">
-        <mc:Choice Requires="a14">
+      <mc:AlternateContent xmlns:mc="http://schemas.openxmlformats.org/markup-compatibility/2006">
+        <mc:Choice xmlns:a14="http://schemas.microsoft.com/office/drawing/2010/main" Requires="a14">
           <p:sp>
             <p:nvSpPr>
               <p:cNvPr id="19" name="TextBox 18">
@@ -16004,7 +19451,7 @@
             </p:nvSpPr>
             <p:spPr>
               <a:xfrm>
-                <a:off x="2327567" y="1551710"/>
+                <a:off x="4157830" y="5518069"/>
                 <a:ext cx="4507345" cy="404663"/>
               </a:xfrm>
               <a:prstGeom prst="rect">
@@ -16175,7 +19622,7 @@
             </p:txBody>
           </p:sp>
         </mc:Choice>
-        <mc:Fallback xmlns="">
+        <mc:Fallback>
           <p:sp>
             <p:nvSpPr>
               <p:cNvPr id="19" name="TextBox 18">
@@ -16192,7 +19639,7 @@
             </p:nvSpPr>
             <p:spPr>
               <a:xfrm>
-                <a:off x="2327567" y="1551710"/>
+                <a:off x="4157830" y="5518069"/>
                 <a:ext cx="4507345" cy="404663"/>
               </a:xfrm>
               <a:prstGeom prst="rect">
@@ -16201,7 +19648,7 @@
               <a:blipFill>
                 <a:blip r:embed="rId4"/>
                 <a:stretch>
-                  <a:fillRect t="-7576" b="-27273"/>
+                  <a:fillRect t="-5970" b="-25373"/>
                 </a:stretch>
               </a:blipFill>
             </p:spPr>
@@ -16231,14 +19678,14 @@
           </p:cNvPr>
           <p:cNvCxnSpPr>
             <a:cxnSpLocks/>
-            <a:endCxn id="19" idx="2"/>
+            <a:endCxn id="19" idx="0"/>
           </p:cNvCxnSpPr>
           <p:nvPr/>
         </p:nvCxnSpPr>
         <p:spPr>
-          <a:xfrm flipV="1">
-            <a:off x="4322618" y="1956373"/>
-            <a:ext cx="258622" cy="1689210"/>
+          <a:xfrm>
+            <a:off x="4309533" y="3742267"/>
+            <a:ext cx="2101970" cy="1775802"/>
           </a:xfrm>
           <a:prstGeom prst="straightConnector1">
             <a:avLst/>
@@ -16296,7 +19743,7 @@
                             </p:stCondLst>
                             <p:childTnLst>
                               <p:par>
-                                <p:cTn id="5" presetID="1" presetClass="entr" presetSubtype="0" fill="hold" nodeType="withEffect">
+                                <p:cTn id="5" presetID="10" presetClass="entr" presetSubtype="0" fill="hold" nodeType="withEffect">
                                   <p:stCondLst>
                                     <p:cond delay="0"/>
                                   </p:stCondLst>
@@ -16309,7 +19756,7 @@
                                           </p:stCondLst>
                                         </p:cTn>
                                         <p:tgtEl>
-                                          <p:spTgt spid="4"/>
+                                          <p:spTgt spid="6"/>
                                         </p:tgtEl>
                                         <p:attrNameLst>
                                           <p:attrName>style.visibility</p:attrName>
@@ -16319,6 +19766,14 @@
                                         <p:strVal val="visible"/>
                                       </p:to>
                                     </p:set>
+                                    <p:animEffect transition="in" filter="fade">
+                                      <p:cBhvr>
+                                        <p:cTn id="7" dur="500"/>
+                                        <p:tgtEl>
+                                          <p:spTgt spid="6"/>
+                                        </p:tgtEl>
+                                      </p:cBhvr>
+                                    </p:animEffect>
                                   </p:childTnLst>
                                 </p:cTn>
                               </p:par>
@@ -16329,26 +19784,26 @@
                     </p:cTn>
                   </p:par>
                   <p:par>
-                    <p:cTn id="7" fill="hold">
+                    <p:cTn id="8" fill="hold">
                       <p:stCondLst>
                         <p:cond delay="indefinite"/>
                       </p:stCondLst>
                       <p:childTnLst>
                         <p:par>
-                          <p:cTn id="8" fill="hold">
+                          <p:cTn id="9" fill="hold">
                             <p:stCondLst>
                               <p:cond delay="0"/>
                             </p:stCondLst>
                             <p:childTnLst>
                               <p:par>
-                                <p:cTn id="9" presetID="10" presetClass="entr" presetSubtype="0" fill="hold" nodeType="clickEffect">
+                                <p:cTn id="10" presetID="10" presetClass="entr" presetSubtype="0" fill="hold" nodeType="clickEffect">
                                   <p:stCondLst>
                                     <p:cond delay="0"/>
                                   </p:stCondLst>
                                   <p:childTnLst>
                                     <p:set>
                                       <p:cBhvr>
-                                        <p:cTn id="10" dur="1" fill="hold">
+                                        <p:cTn id="11" dur="1" fill="hold">
                                           <p:stCondLst>
                                             <p:cond delay="0"/>
                                           </p:stCondLst>
@@ -16366,7 +19821,7 @@
                                     </p:set>
                                     <p:animEffect transition="in" filter="fade">
                                       <p:cBhvr>
-                                        <p:cTn id="11" dur="1000"/>
+                                        <p:cTn id="12" dur="1000"/>
                                         <p:tgtEl>
                                           <p:spTgt spid="5"/>
                                         </p:tgtEl>
@@ -16376,14 +19831,14 @@
                                 </p:cTn>
                               </p:par>
                               <p:par>
-                                <p:cTn id="12" presetID="53" presetClass="entr" presetSubtype="16" fill="hold" grpId="0" nodeType="withEffect">
+                                <p:cTn id="13" presetID="53" presetClass="entr" presetSubtype="16" fill="hold" grpId="0" nodeType="withEffect">
                                   <p:stCondLst>
                                     <p:cond delay="0"/>
                                   </p:stCondLst>
                                   <p:childTnLst>
                                     <p:set>
                                       <p:cBhvr>
-                                        <p:cTn id="13" dur="1" fill="hold">
+                                        <p:cTn id="14" dur="1" fill="hold">
                                           <p:stCondLst>
                                             <p:cond delay="0"/>
                                           </p:stCondLst>
@@ -16401,7 +19856,7 @@
                                     </p:set>
                                     <p:anim calcmode="lin" valueType="num">
                                       <p:cBhvr>
-                                        <p:cTn id="14" dur="500" fill="hold"/>
+                                        <p:cTn id="15" dur="500" fill="hold"/>
                                         <p:tgtEl>
                                           <p:spTgt spid="2"/>
                                         </p:tgtEl>
@@ -16424,7 +19879,7 @@
                                     </p:anim>
                                     <p:anim calcmode="lin" valueType="num">
                                       <p:cBhvr>
-                                        <p:cTn id="15" dur="500" fill="hold"/>
+                                        <p:cTn id="16" dur="500" fill="hold"/>
                                         <p:tgtEl>
                                           <p:spTgt spid="2"/>
                                         </p:tgtEl>
@@ -16447,7 +19902,7 @@
                                     </p:anim>
                                     <p:animEffect transition="in" filter="fade">
                                       <p:cBhvr>
-                                        <p:cTn id="16" dur="500"/>
+                                        <p:cTn id="17" dur="500"/>
                                         <p:tgtEl>
                                           <p:spTgt spid="2"/>
                                         </p:tgtEl>
@@ -16463,26 +19918,26 @@
                     </p:cTn>
                   </p:par>
                   <p:par>
-                    <p:cTn id="17" fill="hold">
+                    <p:cTn id="18" fill="hold">
                       <p:stCondLst>
                         <p:cond delay="indefinite"/>
                       </p:stCondLst>
                       <p:childTnLst>
                         <p:par>
-                          <p:cTn id="18" fill="hold">
+                          <p:cTn id="19" fill="hold">
                             <p:stCondLst>
                               <p:cond delay="0"/>
                             </p:stCondLst>
                             <p:childTnLst>
                               <p:par>
-                                <p:cTn id="19" presetID="10" presetClass="entr" presetSubtype="0" fill="hold" nodeType="clickEffect">
+                                <p:cTn id="20" presetID="10" presetClass="entr" presetSubtype="0" fill="hold" nodeType="clickEffect">
                                   <p:stCondLst>
                                     <p:cond delay="0"/>
                                   </p:stCondLst>
                                   <p:childTnLst>
                                     <p:set>
                                       <p:cBhvr>
-                                        <p:cTn id="20" dur="1" fill="hold">
+                                        <p:cTn id="21" dur="1" fill="hold">
                                           <p:stCondLst>
                                             <p:cond delay="0"/>
                                           </p:stCondLst>
@@ -16500,7 +19955,7 @@
                                     </p:set>
                                     <p:animEffect transition="in" filter="fade">
                                       <p:cBhvr>
-                                        <p:cTn id="21" dur="1000"/>
+                                        <p:cTn id="22" dur="1000"/>
                                         <p:tgtEl>
                                           <p:spTgt spid="16"/>
                                         </p:tgtEl>
@@ -16510,14 +19965,14 @@
                                 </p:cTn>
                               </p:par>
                               <p:par>
-                                <p:cTn id="22" presetID="53" presetClass="entr" presetSubtype="16" fill="hold" grpId="0" nodeType="withEffect">
+                                <p:cTn id="23" presetID="53" presetClass="entr" presetSubtype="16" fill="hold" grpId="0" nodeType="withEffect">
                                   <p:stCondLst>
                                     <p:cond delay="0"/>
                                   </p:stCondLst>
                                   <p:childTnLst>
                                     <p:set>
                                       <p:cBhvr>
-                                        <p:cTn id="23" dur="1" fill="hold">
+                                        <p:cTn id="24" dur="1" fill="hold">
                                           <p:stCondLst>
                                             <p:cond delay="0"/>
                                           </p:stCondLst>
@@ -16535,7 +19990,7 @@
                                     </p:set>
                                     <p:anim calcmode="lin" valueType="num">
                                       <p:cBhvr>
-                                        <p:cTn id="24" dur="500" fill="hold"/>
+                                        <p:cTn id="25" dur="500" fill="hold"/>
                                         <p:tgtEl>
                                           <p:spTgt spid="15"/>
                                         </p:tgtEl>
@@ -16558,7 +20013,7 @@
                                     </p:anim>
                                     <p:anim calcmode="lin" valueType="num">
                                       <p:cBhvr>
-                                        <p:cTn id="25" dur="500" fill="hold"/>
+                                        <p:cTn id="26" dur="500" fill="hold"/>
                                         <p:tgtEl>
                                           <p:spTgt spid="15"/>
                                         </p:tgtEl>
@@ -16581,7 +20036,7 @@
                                     </p:anim>
                                     <p:animEffect transition="in" filter="fade">
                                       <p:cBhvr>
-                                        <p:cTn id="26" dur="500"/>
+                                        <p:cTn id="27" dur="500"/>
                                         <p:tgtEl>
                                           <p:spTgt spid="15"/>
                                         </p:tgtEl>
@@ -16597,26 +20052,26 @@
                     </p:cTn>
                   </p:par>
                   <p:par>
-                    <p:cTn id="27" fill="hold">
+                    <p:cTn id="28" fill="hold">
                       <p:stCondLst>
                         <p:cond delay="indefinite"/>
                       </p:stCondLst>
                       <p:childTnLst>
                         <p:par>
-                          <p:cTn id="28" fill="hold">
+                          <p:cTn id="29" fill="hold">
                             <p:stCondLst>
                               <p:cond delay="0"/>
                             </p:stCondLst>
                             <p:childTnLst>
                               <p:par>
-                                <p:cTn id="29" presetID="10" presetClass="entr" presetSubtype="0" fill="hold" nodeType="clickEffect">
+                                <p:cTn id="30" presetID="10" presetClass="entr" presetSubtype="0" fill="hold" nodeType="clickEffect">
                                   <p:stCondLst>
                                     <p:cond delay="0"/>
                                   </p:stCondLst>
                                   <p:childTnLst>
                                     <p:set>
                                       <p:cBhvr>
-                                        <p:cTn id="30" dur="1" fill="hold">
+                                        <p:cTn id="31" dur="1" fill="hold">
                                           <p:stCondLst>
                                             <p:cond delay="0"/>
                                           </p:stCondLst>
@@ -16634,7 +20089,7 @@
                                     </p:set>
                                     <p:animEffect transition="in" filter="fade">
                                       <p:cBhvr>
-                                        <p:cTn id="31" dur="1000"/>
+                                        <p:cTn id="32" dur="1000"/>
                                         <p:tgtEl>
                                           <p:spTgt spid="20"/>
                                         </p:tgtEl>
@@ -16644,14 +20099,14 @@
                                 </p:cTn>
                               </p:par>
                               <p:par>
-                                <p:cTn id="32" presetID="2" presetClass="entr" presetSubtype="4" fill="hold" grpId="0" nodeType="withEffect">
+                                <p:cTn id="33" presetID="2" presetClass="entr" presetSubtype="4" fill="hold" grpId="0" nodeType="withEffect">
                                   <p:stCondLst>
                                     <p:cond delay="0"/>
                                   </p:stCondLst>
                                   <p:childTnLst>
                                     <p:set>
                                       <p:cBhvr>
-                                        <p:cTn id="33" dur="1" fill="hold">
+                                        <p:cTn id="34" dur="1" fill="hold">
                                           <p:stCondLst>
                                             <p:cond delay="0"/>
                                           </p:stCondLst>
@@ -16669,7 +20124,7 @@
                                     </p:set>
                                     <p:anim calcmode="lin" valueType="num">
                                       <p:cBhvr additive="base">
-                                        <p:cTn id="34" dur="1000" fill="hold"/>
+                                        <p:cTn id="35" dur="1000" fill="hold"/>
                                         <p:tgtEl>
                                           <p:spTgt spid="19"/>
                                         </p:tgtEl>
@@ -16692,7 +20147,7 @@
                                     </p:anim>
                                     <p:anim calcmode="lin" valueType="num">
                                       <p:cBhvr additive="base">
-                                        <p:cTn id="35" dur="1000" fill="hold"/>
+                                        <p:cTn id="36" dur="1000" fill="hold"/>
                                         <p:tgtEl>
                                           <p:spTgt spid="19"/>
                                         </p:tgtEl>
@@ -16818,8 +20273,20 @@
               <a:buNone/>
             </a:pPr>
             <a:r>
-              <a:rPr lang="tr-TR" dirty="0"/>
-              <a:t>Agent Training</a:t>
+              <a:rPr lang="tr-TR" dirty="0" err="1"/>
+              <a:t>Yaw</a:t>
+            </a:r>
+            <a:r>
+              <a:rPr lang="tr-TR" dirty="0"/>
+              <a:t> PD </a:t>
+            </a:r>
+            <a:r>
+              <a:rPr lang="en-US" dirty="0"/>
+              <a:t>Attitude</a:t>
+            </a:r>
+            <a:r>
+              <a:rPr lang="tr-TR" dirty="0"/>
+              <a:t> Controller</a:t>
             </a:r>
             <a:endParaRPr dirty="0"/>
           </a:p>
@@ -16988,6 +20455,1503 @@
             <a:fld id="{00000000-1234-1234-1234-123412341234}" type="slidenum">
               <a:rPr lang="en-US"/>
               <a:t>7</a:t>
+            </a:fld>
+            <a:endParaRPr/>
+          </a:p>
+        </p:txBody>
+      </p:sp>
+      <p:pic>
+        <p:nvPicPr>
+          <p:cNvPr id="4" name="Picture 3">
+            <a:extLst>
+              <a:ext uri="{FF2B5EF4-FFF2-40B4-BE49-F238E27FC236}">
+                <a16:creationId xmlns:a16="http://schemas.microsoft.com/office/drawing/2014/main" id="{D8EDC12A-A214-4BA3-BDDC-105C7F204227}"/>
+              </a:ext>
+            </a:extLst>
+          </p:cNvPr>
+          <p:cNvPicPr>
+            <a:picLocks noChangeAspect="1"/>
+          </p:cNvPicPr>
+          <p:nvPr/>
+        </p:nvPicPr>
+        <p:blipFill>
+          <a:blip r:embed="rId3"/>
+          <a:stretch>
+            <a:fillRect/>
+          </a:stretch>
+        </p:blipFill>
+        <p:spPr>
+          <a:xfrm>
+            <a:off x="2352905" y="1578768"/>
+            <a:ext cx="7486190" cy="3700463"/>
+          </a:xfrm>
+          <a:prstGeom prst="rect">
+            <a:avLst/>
+          </a:prstGeom>
+        </p:spPr>
+      </p:pic>
+    </p:spTree>
+    <p:extLst>
+      <p:ext uri="{BB962C8B-B14F-4D97-AF65-F5344CB8AC3E}">
+        <p14:creationId xmlns:p14="http://schemas.microsoft.com/office/powerpoint/2010/main" val="4029887690"/>
+      </p:ext>
+    </p:extLst>
+  </p:cSld>
+  <p:clrMapOvr>
+    <a:masterClrMapping/>
+  </p:clrMapOvr>
+</p:sld>
+</file>
+
+<file path=ppt/slides/slide8.xml><?xml version="1.0" encoding="utf-8"?>
+<p:sld xmlns:a="http://schemas.openxmlformats.org/drawingml/2006/main" xmlns:r="http://schemas.openxmlformats.org/officeDocument/2006/relationships" xmlns:p="http://schemas.openxmlformats.org/presentationml/2006/main">
+  <p:cSld>
+    <p:spTree>
+      <p:nvGrpSpPr>
+        <p:cNvPr id="1" name="Shape 339"/>
+        <p:cNvGrpSpPr/>
+        <p:nvPr/>
+      </p:nvGrpSpPr>
+      <p:grpSpPr>
+        <a:xfrm>
+          <a:off x="0" y="0"/>
+          <a:ext cx="0" cy="0"/>
+          <a:chOff x="0" y="0"/>
+          <a:chExt cx="0" cy="0"/>
+        </a:xfrm>
+      </p:grpSpPr>
+      <p:pic>
+        <p:nvPicPr>
+          <p:cNvPr id="4" name="Picture 3">
+            <a:extLst>
+              <a:ext uri="{FF2B5EF4-FFF2-40B4-BE49-F238E27FC236}">
+                <a16:creationId xmlns:a16="http://schemas.microsoft.com/office/drawing/2014/main" id="{7882A7C0-9AAC-4A43-82DC-A8A3A757F94F}"/>
+              </a:ext>
+            </a:extLst>
+          </p:cNvPr>
+          <p:cNvPicPr>
+            <a:picLocks noChangeAspect="1"/>
+          </p:cNvPicPr>
+          <p:nvPr/>
+        </p:nvPicPr>
+        <p:blipFill>
+          <a:blip r:embed="rId3"/>
+          <a:stretch>
+            <a:fillRect/>
+          </a:stretch>
+        </p:blipFill>
+        <p:spPr>
+          <a:xfrm>
+            <a:off x="-10587" y="1581231"/>
+            <a:ext cx="11838519" cy="3074090"/>
+          </a:xfrm>
+          <a:prstGeom prst="rect">
+            <a:avLst/>
+          </a:prstGeom>
+        </p:spPr>
+      </p:pic>
+      <p:sp>
+        <p:nvSpPr>
+          <p:cNvPr id="340" name="Google Shape;340;p26"/>
+          <p:cNvSpPr txBox="1">
+            <a:spLocks noGrp="1"/>
+          </p:cNvSpPr>
+          <p:nvPr>
+            <p:ph type="title"/>
+          </p:nvPr>
+        </p:nvSpPr>
+        <p:spPr>
+          <a:xfrm>
+            <a:off x="0" y="0"/>
+            <a:ext cx="12192000" cy="907525"/>
+          </a:xfrm>
+          <a:prstGeom prst="rect">
+            <a:avLst/>
+          </a:prstGeom>
+          <a:solidFill>
+            <a:schemeClr val="accent1"/>
+          </a:solidFill>
+          <a:ln>
+            <a:noFill/>
+          </a:ln>
+        </p:spPr>
+        <p:txBody>
+          <a:bodyPr spcFirstLastPara="1" wrap="square" lIns="91425" tIns="274300" rIns="91425" bIns="45700" anchor="ctr" anchorCtr="0">
+            <a:normAutofit fontScale="90000"/>
+          </a:bodyPr>
+          <a:lstStyle/>
+          <a:p>
+            <a:pPr marL="0" lvl="0" indent="0" algn="l" rtl="0">
+              <a:lnSpc>
+                <a:spcPct val="90000"/>
+              </a:lnSpc>
+              <a:spcBef>
+                <a:spcPts val="0"/>
+              </a:spcBef>
+              <a:spcAft>
+                <a:spcPts val="0"/>
+              </a:spcAft>
+              <a:buClr>
+                <a:schemeClr val="lt1"/>
+              </a:buClr>
+              <a:buSzPct val="100000"/>
+              <a:buFont typeface="Arial"/>
+              <a:buNone/>
+            </a:pPr>
+            <a:r>
+              <a:rPr lang="en-US" dirty="0"/>
+              <a:t>Yaw RL Agent</a:t>
+            </a:r>
+          </a:p>
+        </p:txBody>
+      </p:sp>
+      <p:sp>
+        <p:nvSpPr>
+          <p:cNvPr id="341" name="Google Shape;341;p26"/>
+          <p:cNvSpPr txBox="1">
+            <a:spLocks noGrp="1"/>
+          </p:cNvSpPr>
+          <p:nvPr>
+            <p:ph type="dt" idx="10"/>
+          </p:nvPr>
+        </p:nvSpPr>
+        <p:spPr>
+          <a:xfrm>
+            <a:off x="6096000" y="6568457"/>
+            <a:ext cx="2743200" cy="289543"/>
+          </a:xfrm>
+          <a:prstGeom prst="rect">
+            <a:avLst/>
+          </a:prstGeom>
+          <a:solidFill>
+            <a:schemeClr val="accent1"/>
+          </a:solidFill>
+          <a:ln>
+            <a:noFill/>
+          </a:ln>
+        </p:spPr>
+        <p:txBody>
+          <a:bodyPr spcFirstLastPara="1" wrap="square" lIns="91425" tIns="45700" rIns="91425" bIns="45700" anchor="ctr" anchorCtr="0">
+            <a:noAutofit/>
+          </a:bodyPr>
+          <a:lstStyle/>
+          <a:p>
+            <a:pPr marL="0" lvl="0" indent="0" algn="l" rtl="0">
+              <a:spcBef>
+                <a:spcPts val="0"/>
+              </a:spcBef>
+              <a:spcAft>
+                <a:spcPts val="0"/>
+              </a:spcAft>
+              <a:buNone/>
+            </a:pPr>
+            <a:r>
+              <a:rPr lang="tr-TR" dirty="0"/>
+              <a:t>May</a:t>
+            </a:r>
+            <a:r>
+              <a:rPr lang="en-US" dirty="0"/>
+              <a:t> </a:t>
+            </a:r>
+            <a:r>
+              <a:rPr lang="tr-TR" dirty="0"/>
+              <a:t>9</a:t>
+            </a:r>
+            <a:r>
+              <a:rPr lang="en-US" dirty="0"/>
+              <a:t>, 2024</a:t>
+            </a:r>
+            <a:endParaRPr dirty="0"/>
+          </a:p>
+        </p:txBody>
+      </p:sp>
+      <p:sp>
+        <p:nvSpPr>
+          <p:cNvPr id="342" name="Google Shape;342;p26"/>
+          <p:cNvSpPr txBox="1">
+            <a:spLocks noGrp="1"/>
+          </p:cNvSpPr>
+          <p:nvPr>
+            <p:ph type="ftr" idx="11"/>
+          </p:nvPr>
+        </p:nvSpPr>
+        <p:spPr>
+          <a:xfrm>
+            <a:off x="0" y="6568457"/>
+            <a:ext cx="6096000" cy="289543"/>
+          </a:xfrm>
+          <a:prstGeom prst="rect">
+            <a:avLst/>
+          </a:prstGeom>
+          <a:solidFill>
+            <a:schemeClr val="dk1"/>
+          </a:solidFill>
+          <a:ln>
+            <a:noFill/>
+          </a:ln>
+        </p:spPr>
+        <p:txBody>
+          <a:bodyPr spcFirstLastPara="1" wrap="square" lIns="91425" tIns="45700" rIns="91425" bIns="45700" anchor="ctr" anchorCtr="0">
+            <a:noAutofit/>
+          </a:bodyPr>
+          <a:lstStyle/>
+          <a:p>
+            <a:pPr marL="0" lvl="0" indent="0" algn="r" rtl="0">
+              <a:spcBef>
+                <a:spcPts val="0"/>
+              </a:spcBef>
+              <a:spcAft>
+                <a:spcPts val="0"/>
+              </a:spcAft>
+              <a:buNone/>
+            </a:pPr>
+            <a:r>
+              <a:rPr lang="en-US" dirty="0"/>
+              <a:t>CMP-620 Reinforcement Learning – Project</a:t>
+            </a:r>
+            <a:r>
+              <a:rPr lang="tr-TR" dirty="0"/>
+              <a:t> </a:t>
+            </a:r>
+            <a:r>
+              <a:rPr lang="en-US" dirty="0"/>
+              <a:t>Pro</a:t>
+            </a:r>
+            <a:r>
+              <a:rPr lang="tr-TR" dirty="0" err="1"/>
+              <a:t>gress</a:t>
+            </a:r>
+            <a:endParaRPr dirty="0"/>
+          </a:p>
+        </p:txBody>
+      </p:sp>
+      <p:sp>
+        <p:nvSpPr>
+          <p:cNvPr id="343" name="Google Shape;343;p26"/>
+          <p:cNvSpPr txBox="1">
+            <a:spLocks noGrp="1"/>
+          </p:cNvSpPr>
+          <p:nvPr>
+            <p:ph type="sldNum" idx="12"/>
+          </p:nvPr>
+        </p:nvSpPr>
+        <p:spPr>
+          <a:xfrm>
+            <a:off x="8839200" y="6568457"/>
+            <a:ext cx="3352800" cy="289543"/>
+          </a:xfrm>
+          <a:prstGeom prst="rect">
+            <a:avLst/>
+          </a:prstGeom>
+          <a:solidFill>
+            <a:schemeClr val="accent1"/>
+          </a:solidFill>
+          <a:ln>
+            <a:noFill/>
+          </a:ln>
+        </p:spPr>
+        <p:txBody>
+          <a:bodyPr spcFirstLastPara="1" wrap="square" lIns="91425" tIns="45700" rIns="91425" bIns="45700" anchor="ctr" anchorCtr="0">
+            <a:noAutofit/>
+          </a:bodyPr>
+          <a:lstStyle/>
+          <a:p>
+            <a:pPr marL="0" lvl="0" indent="0" algn="r" rtl="0">
+              <a:spcBef>
+                <a:spcPts val="0"/>
+              </a:spcBef>
+              <a:spcAft>
+                <a:spcPts val="0"/>
+              </a:spcAft>
+              <a:buNone/>
+            </a:pPr>
+            <a:fld id="{00000000-1234-1234-1234-123412341234}" type="slidenum">
+              <a:rPr lang="en-US"/>
+              <a:t>8</a:t>
+            </a:fld>
+            <a:endParaRPr/>
+          </a:p>
+        </p:txBody>
+      </p:sp>
+      <p:sp>
+        <p:nvSpPr>
+          <p:cNvPr id="2" name="TextBox 1">
+            <a:extLst>
+              <a:ext uri="{FF2B5EF4-FFF2-40B4-BE49-F238E27FC236}">
+                <a16:creationId xmlns:a16="http://schemas.microsoft.com/office/drawing/2014/main" id="{802E848C-F4BB-4D86-B30E-0F5ADC8BDEC8}"/>
+              </a:ext>
+            </a:extLst>
+          </p:cNvPr>
+          <p:cNvSpPr txBox="1"/>
+          <p:nvPr/>
+        </p:nvSpPr>
+        <p:spPr>
+          <a:xfrm>
+            <a:off x="655780" y="4454859"/>
+            <a:ext cx="2927929" cy="1077218"/>
+          </a:xfrm>
+          <a:prstGeom prst="rect">
+            <a:avLst/>
+          </a:prstGeom>
+          <a:noFill/>
+        </p:spPr>
+        <p:txBody>
+          <a:bodyPr wrap="square" rtlCol="0">
+            <a:spAutoFit/>
+          </a:bodyPr>
+          <a:lstStyle/>
+          <a:p>
+            <a:r>
+              <a:rPr lang="en-US" sz="1600" b="1" dirty="0"/>
+              <a:t>Observation States</a:t>
+            </a:r>
+          </a:p>
+          <a:p>
+            <a:pPr marL="285750" indent="-285750">
+              <a:buFont typeface="Arial" panose="020B0604020202020204" pitchFamily="34" charset="0"/>
+              <a:buChar char="•"/>
+            </a:pPr>
+            <a:r>
+              <a:rPr lang="tr-TR" sz="1600" dirty="0" err="1"/>
+              <a:t>Yaw</a:t>
+            </a:r>
+            <a:r>
+              <a:rPr lang="en-US" sz="1600" dirty="0"/>
+              <a:t> angle reference</a:t>
+            </a:r>
+          </a:p>
+          <a:p>
+            <a:pPr marL="285750" indent="-285750">
+              <a:buFont typeface="Arial" panose="020B0604020202020204" pitchFamily="34" charset="0"/>
+              <a:buChar char="•"/>
+            </a:pPr>
+            <a:r>
+              <a:rPr lang="en-US" sz="1600" dirty="0"/>
+              <a:t>Estimated </a:t>
+            </a:r>
+            <a:r>
+              <a:rPr lang="tr-TR" sz="1600" dirty="0" err="1"/>
+              <a:t>Yaw</a:t>
+            </a:r>
+            <a:r>
+              <a:rPr lang="en-US" sz="1600" dirty="0"/>
+              <a:t> angle</a:t>
+            </a:r>
+          </a:p>
+          <a:p>
+            <a:pPr marL="285750" indent="-285750">
+              <a:buFont typeface="Arial" panose="020B0604020202020204" pitchFamily="34" charset="0"/>
+              <a:buChar char="•"/>
+            </a:pPr>
+            <a:r>
+              <a:rPr lang="en-US" sz="1600" dirty="0"/>
+              <a:t>Estimated </a:t>
+            </a:r>
+            <a:r>
+              <a:rPr lang="tr-TR" sz="1600" dirty="0" err="1"/>
+              <a:t>Yaw</a:t>
+            </a:r>
+            <a:r>
+              <a:rPr lang="en-US" sz="1600" dirty="0"/>
+              <a:t> body rate</a:t>
+            </a:r>
+          </a:p>
+        </p:txBody>
+      </p:sp>
+      <p:cxnSp>
+        <p:nvCxnSpPr>
+          <p:cNvPr id="5" name="Straight Arrow Connector 4">
+            <a:extLst>
+              <a:ext uri="{FF2B5EF4-FFF2-40B4-BE49-F238E27FC236}">
+                <a16:creationId xmlns:a16="http://schemas.microsoft.com/office/drawing/2014/main" id="{AA926BE6-6CC1-424B-9BBA-64D6FD0624D6}"/>
+              </a:ext>
+            </a:extLst>
+          </p:cNvPr>
+          <p:cNvCxnSpPr>
+            <a:cxnSpLocks/>
+            <a:endCxn id="2" idx="0"/>
+          </p:cNvCxnSpPr>
+          <p:nvPr/>
+        </p:nvCxnSpPr>
+        <p:spPr>
+          <a:xfrm>
+            <a:off x="2119745" y="3118276"/>
+            <a:ext cx="0" cy="1336583"/>
+          </a:xfrm>
+          <a:prstGeom prst="straightConnector1">
+            <a:avLst/>
+          </a:prstGeom>
+          <a:ln w="28575">
+            <a:tailEnd type="triangle"/>
+          </a:ln>
+        </p:spPr>
+        <p:style>
+          <a:lnRef idx="1">
+            <a:schemeClr val="accent1"/>
+          </a:lnRef>
+          <a:fillRef idx="0">
+            <a:schemeClr val="accent1"/>
+          </a:fillRef>
+          <a:effectRef idx="0">
+            <a:schemeClr val="accent1"/>
+          </a:effectRef>
+          <a:fontRef idx="minor">
+            <a:schemeClr val="tx1"/>
+          </a:fontRef>
+        </p:style>
+      </p:cxnSp>
+      <p:sp>
+        <p:nvSpPr>
+          <p:cNvPr id="15" name="TextBox 14">
+            <a:extLst>
+              <a:ext uri="{FF2B5EF4-FFF2-40B4-BE49-F238E27FC236}">
+                <a16:creationId xmlns:a16="http://schemas.microsoft.com/office/drawing/2014/main" id="{DE859ACC-61E3-48F2-B85B-8D3DFE668C84}"/>
+              </a:ext>
+            </a:extLst>
+          </p:cNvPr>
+          <p:cNvSpPr txBox="1"/>
+          <p:nvPr/>
+        </p:nvSpPr>
+        <p:spPr>
+          <a:xfrm>
+            <a:off x="9741281" y="4467618"/>
+            <a:ext cx="1944257" cy="584775"/>
+          </a:xfrm>
+          <a:prstGeom prst="rect">
+            <a:avLst/>
+          </a:prstGeom>
+          <a:noFill/>
+        </p:spPr>
+        <p:txBody>
+          <a:bodyPr wrap="square" rtlCol="0">
+            <a:spAutoFit/>
+          </a:bodyPr>
+          <a:lstStyle/>
+          <a:p>
+            <a:r>
+              <a:rPr lang="tr-TR" sz="1600" b="1" dirty="0"/>
+              <a:t>Action</a:t>
+            </a:r>
+            <a:r>
+              <a:rPr lang="en-US" sz="1600" b="1" dirty="0"/>
+              <a:t> State</a:t>
+            </a:r>
+          </a:p>
+          <a:p>
+            <a:pPr marL="285750" indent="-285750">
+              <a:buFont typeface="Arial" panose="020B0604020202020204" pitchFamily="34" charset="0"/>
+              <a:buChar char="•"/>
+            </a:pPr>
+            <a:r>
+              <a:rPr lang="tr-TR" sz="1600" dirty="0" err="1"/>
+              <a:t>Tau</a:t>
+            </a:r>
+            <a:r>
+              <a:rPr lang="tr-TR" sz="1600" dirty="0"/>
+              <a:t> </a:t>
+            </a:r>
+            <a:r>
+              <a:rPr lang="tr-TR" sz="1600" dirty="0" err="1"/>
+              <a:t>Yaw</a:t>
+            </a:r>
+            <a:endParaRPr lang="en-US" sz="1600" dirty="0"/>
+          </a:p>
+        </p:txBody>
+      </p:sp>
+      <p:cxnSp>
+        <p:nvCxnSpPr>
+          <p:cNvPr id="16" name="Straight Arrow Connector 15">
+            <a:extLst>
+              <a:ext uri="{FF2B5EF4-FFF2-40B4-BE49-F238E27FC236}">
+                <a16:creationId xmlns:a16="http://schemas.microsoft.com/office/drawing/2014/main" id="{7E1EFE73-253F-479E-898F-9A64453A3931}"/>
+              </a:ext>
+            </a:extLst>
+          </p:cNvPr>
+          <p:cNvCxnSpPr>
+            <a:cxnSpLocks/>
+            <a:endCxn id="15" idx="0"/>
+          </p:cNvCxnSpPr>
+          <p:nvPr/>
+        </p:nvCxnSpPr>
+        <p:spPr>
+          <a:xfrm>
+            <a:off x="9598887" y="3674533"/>
+            <a:ext cx="1114523" cy="793085"/>
+          </a:xfrm>
+          <a:prstGeom prst="straightConnector1">
+            <a:avLst/>
+          </a:prstGeom>
+          <a:ln w="28575">
+            <a:tailEnd type="triangle"/>
+          </a:ln>
+        </p:spPr>
+        <p:style>
+          <a:lnRef idx="1">
+            <a:schemeClr val="accent1"/>
+          </a:lnRef>
+          <a:fillRef idx="0">
+            <a:schemeClr val="accent1"/>
+          </a:fillRef>
+          <a:effectRef idx="0">
+            <a:schemeClr val="accent1"/>
+          </a:effectRef>
+          <a:fontRef idx="minor">
+            <a:schemeClr val="tx1"/>
+          </a:fontRef>
+        </p:style>
+      </p:cxnSp>
+      <mc:AlternateContent xmlns:mc="http://schemas.openxmlformats.org/markup-compatibility/2006">
+        <mc:Choice xmlns:a14="http://schemas.microsoft.com/office/drawing/2010/main" Requires="a14">
+          <p:sp>
+            <p:nvSpPr>
+              <p:cNvPr id="19" name="TextBox 18">
+                <a:extLst>
+                  <a:ext uri="{FF2B5EF4-FFF2-40B4-BE49-F238E27FC236}">
+                    <a16:creationId xmlns:a16="http://schemas.microsoft.com/office/drawing/2014/main" id="{245823EB-B7FF-4C21-A4EF-F798DD6647E0}"/>
+                  </a:ext>
+                </a:extLst>
+              </p:cNvPr>
+              <p:cNvSpPr txBox="1"/>
+              <p:nvPr/>
+            </p:nvSpPr>
+            <p:spPr>
+              <a:xfrm>
+                <a:off x="4157830" y="5518069"/>
+                <a:ext cx="4507345" cy="404663"/>
+              </a:xfrm>
+              <a:prstGeom prst="rect">
+                <a:avLst/>
+              </a:prstGeom>
+              <a:noFill/>
+            </p:spPr>
+            <p:txBody>
+              <a:bodyPr wrap="square">
+                <a:spAutoFit/>
+              </a:bodyPr>
+              <a:lstStyle/>
+              <a:p>
+                <a:pPr marL="457200" lvl="1" algn="ctr">
+                  <a:lnSpc>
+                    <a:spcPct val="110000"/>
+                  </a:lnSpc>
+                  <a:spcBef>
+                    <a:spcPts val="600"/>
+                  </a:spcBef>
+                  <a:buClr>
+                    <a:schemeClr val="accent1"/>
+                  </a:buClr>
+                  <a:buSzPct val="119999"/>
+                </a:pPr>
+                <a14:m>
+                  <m:oMath xmlns:m="http://schemas.openxmlformats.org/officeDocument/2006/math">
+                    <m:sSub>
+                      <m:sSubPr>
+                        <m:ctrlPr>
+                          <a:rPr lang="ar-AE" sz="2000" i="1" smtClean="0">
+                            <a:latin typeface="Cambria Math" panose="02040503050406030204" pitchFamily="18" charset="0"/>
+                          </a:rPr>
+                        </m:ctrlPr>
+                      </m:sSubPr>
+                      <m:e>
+                        <m:r>
+                          <m:rPr>
+                            <m:nor/>
+                          </m:rPr>
+                          <a:rPr lang="en-US" sz="2000" i="1" smtClean="0">
+                            <a:latin typeface="+mj-lt"/>
+                          </a:rPr>
+                          <m:t>r</m:t>
+                        </m:r>
+                      </m:e>
+                      <m:sub>
+                        <m:r>
+                          <a:rPr lang="ar-AE" sz="2000" b="0" i="1" dirty="0" smtClean="0">
+                            <a:latin typeface="Cambria Math" panose="02040503050406030204" pitchFamily="18" charset="0"/>
+                          </a:rPr>
+                          <m:t>𝑡</m:t>
+                        </m:r>
+                      </m:sub>
+                    </m:sSub>
+                  </m:oMath>
+                </a14:m>
+                <a:r>
+                  <a:rPr lang="tr-TR" sz="2000" i="1" u="none" strike="noStrike" baseline="0" dirty="0">
+                    <a:latin typeface="+mj-lt"/>
+                  </a:rPr>
+                  <a:t>= -</a:t>
+                </a:r>
+                <a:r>
+                  <a:rPr lang="en-US" sz="2000" i="1" u="none" strike="noStrike" baseline="0" dirty="0">
+                    <a:latin typeface="+mj-lt"/>
+                  </a:rPr>
+                  <a:t>clip(sum(|</a:t>
+                </a:r>
+                <a14:m>
+                  <m:oMath xmlns:m="http://schemas.openxmlformats.org/officeDocument/2006/math">
+                    <m:sSub>
+                      <m:sSubPr>
+                        <m:ctrlPr>
+                          <a:rPr lang="ar-AE" sz="2000" i="1">
+                            <a:latin typeface="Cambria Math" panose="02040503050406030204" pitchFamily="18" charset="0"/>
+                          </a:rPr>
+                        </m:ctrlPr>
+                      </m:sSubPr>
+                      <m:e>
+                        <m:r>
+                          <m:rPr>
+                            <m:nor/>
+                          </m:rPr>
+                          <a:rPr lang="tr-TR" sz="2000" i="1" smtClean="0">
+                            <a:latin typeface="+mj-lt"/>
+                          </a:rPr>
+                          <m:t>e</m:t>
+                        </m:r>
+                      </m:e>
+                      <m:sub>
+                        <m:r>
+                          <a:rPr lang="ar-AE" sz="2000" b="0" i="1" dirty="0">
+                            <a:latin typeface="Cambria Math" panose="02040503050406030204" pitchFamily="18" charset="0"/>
+                          </a:rPr>
+                          <m:t>𝑡</m:t>
+                        </m:r>
+                      </m:sub>
+                    </m:sSub>
+                  </m:oMath>
+                </a14:m>
+                <a:r>
+                  <a:rPr lang="tr-TR" sz="2000" i="1" u="none" strike="noStrike" cap="none" dirty="0">
+                    <a:solidFill>
+                      <a:schemeClr val="dk1"/>
+                    </a:solidFill>
+                    <a:latin typeface="+mj-lt"/>
+                    <a:sym typeface="Arial"/>
+                  </a:rPr>
+                  <a:t>|/3</a:t>
+                </a:r>
+                <a:r>
+                  <a:rPr lang="ar-AE" sz="2000" dirty="0">
+                    <a:latin typeface="+mj-lt"/>
+                  </a:rPr>
+                  <a:t> </a:t>
+                </a:r>
+                <a14:m>
+                  <m:oMath xmlns:m="http://schemas.openxmlformats.org/officeDocument/2006/math">
+                    <m:sSub>
+                      <m:sSubPr>
+                        <m:ctrlPr>
+                          <a:rPr lang="ar-AE" sz="2000" i="1">
+                            <a:latin typeface="Cambria Math" panose="02040503050406030204" pitchFamily="18" charset="0"/>
+                          </a:rPr>
+                        </m:ctrlPr>
+                      </m:sSubPr>
+                      <m:e>
+                        <m:r>
+                          <m:rPr>
+                            <m:nor/>
+                          </m:rPr>
+                          <a:rPr lang="el-GR" sz="2000" i="1" dirty="0">
+                            <a:latin typeface="+mj-lt"/>
+                          </a:rPr>
+                          <m:t>Ω</m:t>
+                        </m:r>
+                      </m:e>
+                      <m:sub>
+                        <m:r>
+                          <a:rPr lang="ar-AE" sz="2000" b="0" i="1">
+                            <a:latin typeface="Cambria Math" panose="02040503050406030204" pitchFamily="18" charset="0"/>
+                          </a:rPr>
+                          <m:t>𝑚𝑎𝑥</m:t>
+                        </m:r>
+                      </m:sub>
+                    </m:sSub>
+                  </m:oMath>
+                </a14:m>
+                <a:r>
+                  <a:rPr lang="tr-TR" sz="2000" i="1" u="none" strike="noStrike" cap="none" dirty="0">
+                    <a:solidFill>
+                      <a:schemeClr val="dk1"/>
+                    </a:solidFill>
+                    <a:latin typeface="+mj-lt"/>
+                    <a:sym typeface="Arial"/>
+                  </a:rPr>
+                  <a:t>,0,1)</a:t>
+                </a:r>
+                <a:endParaRPr lang="ar-AE" sz="2000" i="1" u="none" strike="noStrike" cap="none" dirty="0">
+                  <a:solidFill>
+                    <a:schemeClr val="dk1"/>
+                  </a:solidFill>
+                  <a:latin typeface="+mj-lt"/>
+                  <a:sym typeface="Arial"/>
+                </a:endParaRPr>
+              </a:p>
+            </p:txBody>
+          </p:sp>
+        </mc:Choice>
+        <mc:Fallback>
+          <p:sp>
+            <p:nvSpPr>
+              <p:cNvPr id="19" name="TextBox 18">
+                <a:extLst>
+                  <a:ext uri="{FF2B5EF4-FFF2-40B4-BE49-F238E27FC236}">
+                    <a16:creationId xmlns:a16="http://schemas.microsoft.com/office/drawing/2014/main" id="{245823EB-B7FF-4C21-A4EF-F798DD6647E0}"/>
+                  </a:ext>
+                </a:extLst>
+              </p:cNvPr>
+              <p:cNvSpPr txBox="1">
+                <a:spLocks noRot="1" noChangeAspect="1" noMove="1" noResize="1" noEditPoints="1" noAdjustHandles="1" noChangeArrowheads="1" noChangeShapeType="1" noTextEdit="1"/>
+              </p:cNvSpPr>
+              <p:nvPr/>
+            </p:nvSpPr>
+            <p:spPr>
+              <a:xfrm>
+                <a:off x="4157830" y="5518069"/>
+                <a:ext cx="4507345" cy="404663"/>
+              </a:xfrm>
+              <a:prstGeom prst="rect">
+                <a:avLst/>
+              </a:prstGeom>
+              <a:blipFill>
+                <a:blip r:embed="rId4"/>
+                <a:stretch>
+                  <a:fillRect t="-5970" b="-25373"/>
+                </a:stretch>
+              </a:blipFill>
+            </p:spPr>
+            <p:txBody>
+              <a:bodyPr/>
+              <a:lstStyle/>
+              <a:p>
+                <a:r>
+                  <a:rPr lang="en-US">
+                    <a:noFill/>
+                  </a:rPr>
+                  <a:t> </a:t>
+                </a:r>
+              </a:p>
+            </p:txBody>
+          </p:sp>
+        </mc:Fallback>
+      </mc:AlternateContent>
+      <p:cxnSp>
+        <p:nvCxnSpPr>
+          <p:cNvPr id="20" name="Straight Arrow Connector 19">
+            <a:extLst>
+              <a:ext uri="{FF2B5EF4-FFF2-40B4-BE49-F238E27FC236}">
+                <a16:creationId xmlns:a16="http://schemas.microsoft.com/office/drawing/2014/main" id="{7F5CB95E-DC55-443B-8C36-988130A40D48}"/>
+              </a:ext>
+            </a:extLst>
+          </p:cNvPr>
+          <p:cNvCxnSpPr>
+            <a:cxnSpLocks/>
+            <a:endCxn id="19" idx="0"/>
+          </p:cNvCxnSpPr>
+          <p:nvPr/>
+        </p:nvCxnSpPr>
+        <p:spPr>
+          <a:xfrm>
+            <a:off x="4766733" y="3674533"/>
+            <a:ext cx="1644770" cy="1843536"/>
+          </a:xfrm>
+          <a:prstGeom prst="straightConnector1">
+            <a:avLst/>
+          </a:prstGeom>
+          <a:ln w="28575">
+            <a:tailEnd type="triangle"/>
+          </a:ln>
+        </p:spPr>
+        <p:style>
+          <a:lnRef idx="1">
+            <a:schemeClr val="accent1"/>
+          </a:lnRef>
+          <a:fillRef idx="0">
+            <a:schemeClr val="accent1"/>
+          </a:fillRef>
+          <a:effectRef idx="0">
+            <a:schemeClr val="accent1"/>
+          </a:effectRef>
+          <a:fontRef idx="minor">
+            <a:schemeClr val="tx1"/>
+          </a:fontRef>
+        </p:style>
+      </p:cxnSp>
+    </p:spTree>
+    <p:extLst>
+      <p:ext uri="{BB962C8B-B14F-4D97-AF65-F5344CB8AC3E}">
+        <p14:creationId xmlns:p14="http://schemas.microsoft.com/office/powerpoint/2010/main" val="33943260"/>
+      </p:ext>
+    </p:extLst>
+  </p:cSld>
+  <p:clrMapOvr>
+    <a:masterClrMapping/>
+  </p:clrMapOvr>
+  <p:timing>
+    <p:tnLst>
+      <p:par>
+        <p:cTn id="1" dur="indefinite" restart="never" nodeType="tmRoot">
+          <p:childTnLst>
+            <p:seq concurrent="1" nextAc="seek">
+              <p:cTn id="2" dur="indefinite" nodeType="mainSeq">
+                <p:childTnLst>
+                  <p:par>
+                    <p:cTn id="3" fill="hold">
+                      <p:stCondLst>
+                        <p:cond delay="indefinite"/>
+                      </p:stCondLst>
+                      <p:childTnLst>
+                        <p:par>
+                          <p:cTn id="4" fill="hold">
+                            <p:stCondLst>
+                              <p:cond delay="0"/>
+                            </p:stCondLst>
+                            <p:childTnLst>
+                              <p:par>
+                                <p:cTn id="5" presetID="10" presetClass="entr" presetSubtype="0" fill="hold" nodeType="clickEffect">
+                                  <p:stCondLst>
+                                    <p:cond delay="0"/>
+                                  </p:stCondLst>
+                                  <p:childTnLst>
+                                    <p:set>
+                                      <p:cBhvr>
+                                        <p:cTn id="6" dur="1" fill="hold">
+                                          <p:stCondLst>
+                                            <p:cond delay="0"/>
+                                          </p:stCondLst>
+                                        </p:cTn>
+                                        <p:tgtEl>
+                                          <p:spTgt spid="5"/>
+                                        </p:tgtEl>
+                                        <p:attrNameLst>
+                                          <p:attrName>style.visibility</p:attrName>
+                                        </p:attrNameLst>
+                                      </p:cBhvr>
+                                      <p:to>
+                                        <p:strVal val="visible"/>
+                                      </p:to>
+                                    </p:set>
+                                    <p:animEffect transition="in" filter="fade">
+                                      <p:cBhvr>
+                                        <p:cTn id="7" dur="1000"/>
+                                        <p:tgtEl>
+                                          <p:spTgt spid="5"/>
+                                        </p:tgtEl>
+                                      </p:cBhvr>
+                                    </p:animEffect>
+                                  </p:childTnLst>
+                                </p:cTn>
+                              </p:par>
+                              <p:par>
+                                <p:cTn id="8" presetID="53" presetClass="entr" presetSubtype="16" fill="hold" grpId="0" nodeType="withEffect">
+                                  <p:stCondLst>
+                                    <p:cond delay="0"/>
+                                  </p:stCondLst>
+                                  <p:childTnLst>
+                                    <p:set>
+                                      <p:cBhvr>
+                                        <p:cTn id="9" dur="1" fill="hold">
+                                          <p:stCondLst>
+                                            <p:cond delay="0"/>
+                                          </p:stCondLst>
+                                        </p:cTn>
+                                        <p:tgtEl>
+                                          <p:spTgt spid="2"/>
+                                        </p:tgtEl>
+                                        <p:attrNameLst>
+                                          <p:attrName>style.visibility</p:attrName>
+                                        </p:attrNameLst>
+                                      </p:cBhvr>
+                                      <p:to>
+                                        <p:strVal val="visible"/>
+                                      </p:to>
+                                    </p:set>
+                                    <p:anim calcmode="lin" valueType="num">
+                                      <p:cBhvr>
+                                        <p:cTn id="10" dur="500" fill="hold"/>
+                                        <p:tgtEl>
+                                          <p:spTgt spid="2"/>
+                                        </p:tgtEl>
+                                        <p:attrNameLst>
+                                          <p:attrName>ppt_w</p:attrName>
+                                        </p:attrNameLst>
+                                      </p:cBhvr>
+                                      <p:tavLst>
+                                        <p:tav tm="0">
+                                          <p:val>
+                                            <p:fltVal val="0"/>
+                                          </p:val>
+                                        </p:tav>
+                                        <p:tav tm="100000">
+                                          <p:val>
+                                            <p:strVal val="#ppt_w"/>
+                                          </p:val>
+                                        </p:tav>
+                                      </p:tavLst>
+                                    </p:anim>
+                                    <p:anim calcmode="lin" valueType="num">
+                                      <p:cBhvr>
+                                        <p:cTn id="11" dur="500" fill="hold"/>
+                                        <p:tgtEl>
+                                          <p:spTgt spid="2"/>
+                                        </p:tgtEl>
+                                        <p:attrNameLst>
+                                          <p:attrName>ppt_h</p:attrName>
+                                        </p:attrNameLst>
+                                      </p:cBhvr>
+                                      <p:tavLst>
+                                        <p:tav tm="0">
+                                          <p:val>
+                                            <p:fltVal val="0"/>
+                                          </p:val>
+                                        </p:tav>
+                                        <p:tav tm="100000">
+                                          <p:val>
+                                            <p:strVal val="#ppt_h"/>
+                                          </p:val>
+                                        </p:tav>
+                                      </p:tavLst>
+                                    </p:anim>
+                                    <p:animEffect transition="in" filter="fade">
+                                      <p:cBhvr>
+                                        <p:cTn id="12" dur="500"/>
+                                        <p:tgtEl>
+                                          <p:spTgt spid="2"/>
+                                        </p:tgtEl>
+                                      </p:cBhvr>
+                                    </p:animEffect>
+                                  </p:childTnLst>
+                                </p:cTn>
+                              </p:par>
+                            </p:childTnLst>
+                          </p:cTn>
+                        </p:par>
+                      </p:childTnLst>
+                    </p:cTn>
+                  </p:par>
+                  <p:par>
+                    <p:cTn id="13" fill="hold">
+                      <p:stCondLst>
+                        <p:cond delay="indefinite"/>
+                      </p:stCondLst>
+                      <p:childTnLst>
+                        <p:par>
+                          <p:cTn id="14" fill="hold">
+                            <p:stCondLst>
+                              <p:cond delay="0"/>
+                            </p:stCondLst>
+                            <p:childTnLst>
+                              <p:par>
+                                <p:cTn id="15" presetID="10" presetClass="entr" presetSubtype="0" fill="hold" nodeType="clickEffect">
+                                  <p:stCondLst>
+                                    <p:cond delay="0"/>
+                                  </p:stCondLst>
+                                  <p:childTnLst>
+                                    <p:set>
+                                      <p:cBhvr>
+                                        <p:cTn id="16" dur="1" fill="hold">
+                                          <p:stCondLst>
+                                            <p:cond delay="0"/>
+                                          </p:stCondLst>
+                                        </p:cTn>
+                                        <p:tgtEl>
+                                          <p:spTgt spid="16"/>
+                                        </p:tgtEl>
+                                        <p:attrNameLst>
+                                          <p:attrName>style.visibility</p:attrName>
+                                        </p:attrNameLst>
+                                      </p:cBhvr>
+                                      <p:to>
+                                        <p:strVal val="visible"/>
+                                      </p:to>
+                                    </p:set>
+                                    <p:animEffect transition="in" filter="fade">
+                                      <p:cBhvr>
+                                        <p:cTn id="17" dur="1000"/>
+                                        <p:tgtEl>
+                                          <p:spTgt spid="16"/>
+                                        </p:tgtEl>
+                                      </p:cBhvr>
+                                    </p:animEffect>
+                                  </p:childTnLst>
+                                </p:cTn>
+                              </p:par>
+                              <p:par>
+                                <p:cTn id="18" presetID="53" presetClass="entr" presetSubtype="16" fill="hold" grpId="0" nodeType="withEffect">
+                                  <p:stCondLst>
+                                    <p:cond delay="0"/>
+                                  </p:stCondLst>
+                                  <p:childTnLst>
+                                    <p:set>
+                                      <p:cBhvr>
+                                        <p:cTn id="19" dur="1" fill="hold">
+                                          <p:stCondLst>
+                                            <p:cond delay="0"/>
+                                          </p:stCondLst>
+                                        </p:cTn>
+                                        <p:tgtEl>
+                                          <p:spTgt spid="15"/>
+                                        </p:tgtEl>
+                                        <p:attrNameLst>
+                                          <p:attrName>style.visibility</p:attrName>
+                                        </p:attrNameLst>
+                                      </p:cBhvr>
+                                      <p:to>
+                                        <p:strVal val="visible"/>
+                                      </p:to>
+                                    </p:set>
+                                    <p:anim calcmode="lin" valueType="num">
+                                      <p:cBhvr>
+                                        <p:cTn id="20" dur="500" fill="hold"/>
+                                        <p:tgtEl>
+                                          <p:spTgt spid="15"/>
+                                        </p:tgtEl>
+                                        <p:attrNameLst>
+                                          <p:attrName>ppt_w</p:attrName>
+                                        </p:attrNameLst>
+                                      </p:cBhvr>
+                                      <p:tavLst>
+                                        <p:tav tm="0">
+                                          <p:val>
+                                            <p:fltVal val="0"/>
+                                          </p:val>
+                                        </p:tav>
+                                        <p:tav tm="100000">
+                                          <p:val>
+                                            <p:strVal val="#ppt_w"/>
+                                          </p:val>
+                                        </p:tav>
+                                      </p:tavLst>
+                                    </p:anim>
+                                    <p:anim calcmode="lin" valueType="num">
+                                      <p:cBhvr>
+                                        <p:cTn id="21" dur="500" fill="hold"/>
+                                        <p:tgtEl>
+                                          <p:spTgt spid="15"/>
+                                        </p:tgtEl>
+                                        <p:attrNameLst>
+                                          <p:attrName>ppt_h</p:attrName>
+                                        </p:attrNameLst>
+                                      </p:cBhvr>
+                                      <p:tavLst>
+                                        <p:tav tm="0">
+                                          <p:val>
+                                            <p:fltVal val="0"/>
+                                          </p:val>
+                                        </p:tav>
+                                        <p:tav tm="100000">
+                                          <p:val>
+                                            <p:strVal val="#ppt_h"/>
+                                          </p:val>
+                                        </p:tav>
+                                      </p:tavLst>
+                                    </p:anim>
+                                    <p:animEffect transition="in" filter="fade">
+                                      <p:cBhvr>
+                                        <p:cTn id="22" dur="500"/>
+                                        <p:tgtEl>
+                                          <p:spTgt spid="15"/>
+                                        </p:tgtEl>
+                                      </p:cBhvr>
+                                    </p:animEffect>
+                                  </p:childTnLst>
+                                </p:cTn>
+                              </p:par>
+                            </p:childTnLst>
+                          </p:cTn>
+                        </p:par>
+                      </p:childTnLst>
+                    </p:cTn>
+                  </p:par>
+                  <p:par>
+                    <p:cTn id="23" fill="hold">
+                      <p:stCondLst>
+                        <p:cond delay="indefinite"/>
+                      </p:stCondLst>
+                      <p:childTnLst>
+                        <p:par>
+                          <p:cTn id="24" fill="hold">
+                            <p:stCondLst>
+                              <p:cond delay="0"/>
+                            </p:stCondLst>
+                            <p:childTnLst>
+                              <p:par>
+                                <p:cTn id="25" presetID="10" presetClass="entr" presetSubtype="0" fill="hold" nodeType="clickEffect">
+                                  <p:stCondLst>
+                                    <p:cond delay="0"/>
+                                  </p:stCondLst>
+                                  <p:childTnLst>
+                                    <p:set>
+                                      <p:cBhvr>
+                                        <p:cTn id="26" dur="1" fill="hold">
+                                          <p:stCondLst>
+                                            <p:cond delay="0"/>
+                                          </p:stCondLst>
+                                        </p:cTn>
+                                        <p:tgtEl>
+                                          <p:spTgt spid="20"/>
+                                        </p:tgtEl>
+                                        <p:attrNameLst>
+                                          <p:attrName>style.visibility</p:attrName>
+                                        </p:attrNameLst>
+                                      </p:cBhvr>
+                                      <p:to>
+                                        <p:strVal val="visible"/>
+                                      </p:to>
+                                    </p:set>
+                                    <p:animEffect transition="in" filter="fade">
+                                      <p:cBhvr>
+                                        <p:cTn id="27" dur="1000"/>
+                                        <p:tgtEl>
+                                          <p:spTgt spid="20"/>
+                                        </p:tgtEl>
+                                      </p:cBhvr>
+                                    </p:animEffect>
+                                  </p:childTnLst>
+                                </p:cTn>
+                              </p:par>
+                              <p:par>
+                                <p:cTn id="28" presetID="2" presetClass="entr" presetSubtype="4" fill="hold" grpId="0" nodeType="withEffect">
+                                  <p:stCondLst>
+                                    <p:cond delay="0"/>
+                                  </p:stCondLst>
+                                  <p:childTnLst>
+                                    <p:set>
+                                      <p:cBhvr>
+                                        <p:cTn id="29" dur="1" fill="hold">
+                                          <p:stCondLst>
+                                            <p:cond delay="0"/>
+                                          </p:stCondLst>
+                                        </p:cTn>
+                                        <p:tgtEl>
+                                          <p:spTgt spid="19"/>
+                                        </p:tgtEl>
+                                        <p:attrNameLst>
+                                          <p:attrName>style.visibility</p:attrName>
+                                        </p:attrNameLst>
+                                      </p:cBhvr>
+                                      <p:to>
+                                        <p:strVal val="visible"/>
+                                      </p:to>
+                                    </p:set>
+                                    <p:anim calcmode="lin" valueType="num">
+                                      <p:cBhvr additive="base">
+                                        <p:cTn id="30" dur="1000" fill="hold"/>
+                                        <p:tgtEl>
+                                          <p:spTgt spid="19"/>
+                                        </p:tgtEl>
+                                        <p:attrNameLst>
+                                          <p:attrName>ppt_x</p:attrName>
+                                        </p:attrNameLst>
+                                      </p:cBhvr>
+                                      <p:tavLst>
+                                        <p:tav tm="0">
+                                          <p:val>
+                                            <p:strVal val="#ppt_x"/>
+                                          </p:val>
+                                        </p:tav>
+                                        <p:tav tm="100000">
+                                          <p:val>
+                                            <p:strVal val="#ppt_x"/>
+                                          </p:val>
+                                        </p:tav>
+                                      </p:tavLst>
+                                    </p:anim>
+                                    <p:anim calcmode="lin" valueType="num">
+                                      <p:cBhvr additive="base">
+                                        <p:cTn id="31" dur="1000" fill="hold"/>
+                                        <p:tgtEl>
+                                          <p:spTgt spid="19"/>
+                                        </p:tgtEl>
+                                        <p:attrNameLst>
+                                          <p:attrName>ppt_y</p:attrName>
+                                        </p:attrNameLst>
+                                      </p:cBhvr>
+                                      <p:tavLst>
+                                        <p:tav tm="0">
+                                          <p:val>
+                                            <p:strVal val="1+#ppt_h/2"/>
+                                          </p:val>
+                                        </p:tav>
+                                        <p:tav tm="100000">
+                                          <p:val>
+                                            <p:strVal val="#ppt_y"/>
+                                          </p:val>
+                                        </p:tav>
+                                      </p:tavLst>
+                                    </p:anim>
+                                  </p:childTnLst>
+                                </p:cTn>
+                              </p:par>
+                            </p:childTnLst>
+                          </p:cTn>
+                        </p:par>
+                      </p:childTnLst>
+                    </p:cTn>
+                  </p:par>
+                </p:childTnLst>
+              </p:cTn>
+              <p:prevCondLst>
+                <p:cond evt="onPrev" delay="0">
+                  <p:tgtEl>
+                    <p:sldTgt/>
+                  </p:tgtEl>
+                </p:cond>
+              </p:prevCondLst>
+              <p:nextCondLst>
+                <p:cond evt="onNext" delay="0">
+                  <p:tgtEl>
+                    <p:sldTgt/>
+                  </p:tgtEl>
+                </p:cond>
+              </p:nextCondLst>
+            </p:seq>
+          </p:childTnLst>
+        </p:cTn>
+      </p:par>
+    </p:tnLst>
+    <p:bldLst>
+      <p:bldP spid="2" grpId="0"/>
+      <p:bldP spid="15" grpId="0"/>
+      <p:bldP spid="19" grpId="0"/>
+    </p:bldLst>
+  </p:timing>
+</p:sld>
+</file>
+
+<file path=ppt/slides/slide9.xml><?xml version="1.0" encoding="utf-8"?>
+<p:sld xmlns:a="http://schemas.openxmlformats.org/drawingml/2006/main" xmlns:r="http://schemas.openxmlformats.org/officeDocument/2006/relationships" xmlns:p="http://schemas.openxmlformats.org/presentationml/2006/main">
+  <p:cSld>
+    <p:spTree>
+      <p:nvGrpSpPr>
+        <p:cNvPr id="1" name="Shape 339"/>
+        <p:cNvGrpSpPr/>
+        <p:nvPr/>
+      </p:nvGrpSpPr>
+      <p:grpSpPr>
+        <a:xfrm>
+          <a:off x="0" y="0"/>
+          <a:ext cx="0" cy="0"/>
+          <a:chOff x="0" y="0"/>
+          <a:chExt cx="0" cy="0"/>
+        </a:xfrm>
+      </p:grpSpPr>
+      <p:sp>
+        <p:nvSpPr>
+          <p:cNvPr id="340" name="Google Shape;340;p26"/>
+          <p:cNvSpPr txBox="1">
+            <a:spLocks noGrp="1"/>
+          </p:cNvSpPr>
+          <p:nvPr>
+            <p:ph type="title"/>
+          </p:nvPr>
+        </p:nvSpPr>
+        <p:spPr>
+          <a:xfrm>
+            <a:off x="0" y="0"/>
+            <a:ext cx="12192000" cy="907525"/>
+          </a:xfrm>
+          <a:prstGeom prst="rect">
+            <a:avLst/>
+          </a:prstGeom>
+          <a:solidFill>
+            <a:schemeClr val="accent1"/>
+          </a:solidFill>
+          <a:ln>
+            <a:noFill/>
+          </a:ln>
+        </p:spPr>
+        <p:txBody>
+          <a:bodyPr spcFirstLastPara="1" wrap="square" lIns="91425" tIns="274300" rIns="91425" bIns="45700" anchor="ctr" anchorCtr="0">
+            <a:normAutofit fontScale="90000"/>
+          </a:bodyPr>
+          <a:lstStyle/>
+          <a:p>
+            <a:pPr marL="0" lvl="0" indent="0" algn="l" rtl="0">
+              <a:lnSpc>
+                <a:spcPct val="90000"/>
+              </a:lnSpc>
+              <a:spcBef>
+                <a:spcPts val="0"/>
+              </a:spcBef>
+              <a:spcAft>
+                <a:spcPts val="0"/>
+              </a:spcAft>
+              <a:buClr>
+                <a:schemeClr val="lt1"/>
+              </a:buClr>
+              <a:buSzPct val="100000"/>
+              <a:buFont typeface="Arial"/>
+              <a:buNone/>
+            </a:pPr>
+            <a:r>
+              <a:rPr lang="tr-TR" dirty="0"/>
+              <a:t>Agent Training</a:t>
+            </a:r>
+            <a:endParaRPr dirty="0"/>
+          </a:p>
+        </p:txBody>
+      </p:sp>
+      <p:sp>
+        <p:nvSpPr>
+          <p:cNvPr id="341" name="Google Shape;341;p26"/>
+          <p:cNvSpPr txBox="1">
+            <a:spLocks noGrp="1"/>
+          </p:cNvSpPr>
+          <p:nvPr>
+            <p:ph type="dt" idx="10"/>
+          </p:nvPr>
+        </p:nvSpPr>
+        <p:spPr>
+          <a:xfrm>
+            <a:off x="6096000" y="6568457"/>
+            <a:ext cx="2743200" cy="289543"/>
+          </a:xfrm>
+          <a:prstGeom prst="rect">
+            <a:avLst/>
+          </a:prstGeom>
+          <a:solidFill>
+            <a:schemeClr val="accent1"/>
+          </a:solidFill>
+          <a:ln>
+            <a:noFill/>
+          </a:ln>
+        </p:spPr>
+        <p:txBody>
+          <a:bodyPr spcFirstLastPara="1" wrap="square" lIns="91425" tIns="45700" rIns="91425" bIns="45700" anchor="ctr" anchorCtr="0">
+            <a:noAutofit/>
+          </a:bodyPr>
+          <a:lstStyle/>
+          <a:p>
+            <a:pPr marL="0" lvl="0" indent="0" algn="l" rtl="0">
+              <a:spcBef>
+                <a:spcPts val="0"/>
+              </a:spcBef>
+              <a:spcAft>
+                <a:spcPts val="0"/>
+              </a:spcAft>
+              <a:buNone/>
+            </a:pPr>
+            <a:r>
+              <a:rPr lang="tr-TR" dirty="0"/>
+              <a:t>May</a:t>
+            </a:r>
+            <a:r>
+              <a:rPr lang="en-US" dirty="0"/>
+              <a:t> </a:t>
+            </a:r>
+            <a:r>
+              <a:rPr lang="tr-TR" dirty="0"/>
+              <a:t>9</a:t>
+            </a:r>
+            <a:r>
+              <a:rPr lang="en-US" dirty="0"/>
+              <a:t>, 2024</a:t>
+            </a:r>
+            <a:endParaRPr dirty="0"/>
+          </a:p>
+        </p:txBody>
+      </p:sp>
+      <p:sp>
+        <p:nvSpPr>
+          <p:cNvPr id="342" name="Google Shape;342;p26"/>
+          <p:cNvSpPr txBox="1">
+            <a:spLocks noGrp="1"/>
+          </p:cNvSpPr>
+          <p:nvPr>
+            <p:ph type="ftr" idx="11"/>
+          </p:nvPr>
+        </p:nvSpPr>
+        <p:spPr>
+          <a:xfrm>
+            <a:off x="0" y="6568457"/>
+            <a:ext cx="6096000" cy="289543"/>
+          </a:xfrm>
+          <a:prstGeom prst="rect">
+            <a:avLst/>
+          </a:prstGeom>
+          <a:solidFill>
+            <a:schemeClr val="dk1"/>
+          </a:solidFill>
+          <a:ln>
+            <a:noFill/>
+          </a:ln>
+        </p:spPr>
+        <p:txBody>
+          <a:bodyPr spcFirstLastPara="1" wrap="square" lIns="91425" tIns="45700" rIns="91425" bIns="45700" anchor="ctr" anchorCtr="0">
+            <a:noAutofit/>
+          </a:bodyPr>
+          <a:lstStyle/>
+          <a:p>
+            <a:pPr marL="0" lvl="0" indent="0" algn="r" rtl="0">
+              <a:spcBef>
+                <a:spcPts val="0"/>
+              </a:spcBef>
+              <a:spcAft>
+                <a:spcPts val="0"/>
+              </a:spcAft>
+              <a:buNone/>
+            </a:pPr>
+            <a:r>
+              <a:rPr lang="en-US" dirty="0"/>
+              <a:t>CMP-620 Reinforcement Learning – Project</a:t>
+            </a:r>
+            <a:r>
+              <a:rPr lang="tr-TR" dirty="0"/>
+              <a:t> </a:t>
+            </a:r>
+            <a:r>
+              <a:rPr lang="en-US" dirty="0"/>
+              <a:t>Pro</a:t>
+            </a:r>
+            <a:r>
+              <a:rPr lang="tr-TR" dirty="0" err="1"/>
+              <a:t>gress</a:t>
+            </a:r>
+            <a:endParaRPr dirty="0"/>
+          </a:p>
+        </p:txBody>
+      </p:sp>
+      <p:sp>
+        <p:nvSpPr>
+          <p:cNvPr id="343" name="Google Shape;343;p26"/>
+          <p:cNvSpPr txBox="1">
+            <a:spLocks noGrp="1"/>
+          </p:cNvSpPr>
+          <p:nvPr>
+            <p:ph type="sldNum" idx="12"/>
+          </p:nvPr>
+        </p:nvSpPr>
+        <p:spPr>
+          <a:xfrm>
+            <a:off x="8839200" y="6568457"/>
+            <a:ext cx="3352800" cy="289543"/>
+          </a:xfrm>
+          <a:prstGeom prst="rect">
+            <a:avLst/>
+          </a:prstGeom>
+          <a:solidFill>
+            <a:schemeClr val="accent1"/>
+          </a:solidFill>
+          <a:ln>
+            <a:noFill/>
+          </a:ln>
+        </p:spPr>
+        <p:txBody>
+          <a:bodyPr spcFirstLastPara="1" wrap="square" lIns="91425" tIns="45700" rIns="91425" bIns="45700" anchor="ctr" anchorCtr="0">
+            <a:noAutofit/>
+          </a:bodyPr>
+          <a:lstStyle/>
+          <a:p>
+            <a:pPr marL="0" lvl="0" indent="0" algn="r" rtl="0">
+              <a:spcBef>
+                <a:spcPts val="0"/>
+              </a:spcBef>
+              <a:spcAft>
+                <a:spcPts val="0"/>
+              </a:spcAft>
+              <a:buNone/>
+            </a:pPr>
+            <a:fld id="{00000000-1234-1234-1234-123412341234}" type="slidenum">
+              <a:rPr lang="en-US"/>
+              <a:t>9</a:t>
             </a:fld>
             <a:endParaRPr/>
           </a:p>
@@ -17059,697 +22023,6 @@
         <p14:creationId xmlns:p14="http://schemas.microsoft.com/office/powerpoint/2010/main" val="2064396484"/>
       </p:ext>
     </p:extLst>
-  </p:cSld>
-  <p:clrMapOvr>
-    <a:masterClrMapping/>
-  </p:clrMapOvr>
-</p:sld>
-</file>
-
-<file path=ppt/slides/slide8.xml><?xml version="1.0" encoding="utf-8"?>
-<p:sld xmlns:a="http://schemas.openxmlformats.org/drawingml/2006/main" xmlns:r="http://schemas.openxmlformats.org/officeDocument/2006/relationships" xmlns:p="http://schemas.openxmlformats.org/presentationml/2006/main">
-  <p:cSld>
-    <p:spTree>
-      <p:nvGrpSpPr>
-        <p:cNvPr id="1" name="Shape 339"/>
-        <p:cNvGrpSpPr/>
-        <p:nvPr/>
-      </p:nvGrpSpPr>
-      <p:grpSpPr>
-        <a:xfrm>
-          <a:off x="0" y="0"/>
-          <a:ext cx="0" cy="0"/>
-          <a:chOff x="0" y="0"/>
-          <a:chExt cx="0" cy="0"/>
-        </a:xfrm>
-      </p:grpSpPr>
-      <p:sp>
-        <p:nvSpPr>
-          <p:cNvPr id="340" name="Google Shape;340;p26"/>
-          <p:cNvSpPr txBox="1">
-            <a:spLocks noGrp="1"/>
-          </p:cNvSpPr>
-          <p:nvPr>
-            <p:ph type="title"/>
-          </p:nvPr>
-        </p:nvSpPr>
-        <p:spPr>
-          <a:xfrm>
-            <a:off x="0" y="0"/>
-            <a:ext cx="12192000" cy="907525"/>
-          </a:xfrm>
-          <a:prstGeom prst="rect">
-            <a:avLst/>
-          </a:prstGeom>
-          <a:solidFill>
-            <a:schemeClr val="accent1"/>
-          </a:solidFill>
-          <a:ln>
-            <a:noFill/>
-          </a:ln>
-        </p:spPr>
-        <p:txBody>
-          <a:bodyPr spcFirstLastPara="1" wrap="square" lIns="91425" tIns="274300" rIns="91425" bIns="45700" anchor="ctr" anchorCtr="0">
-            <a:normAutofit fontScale="90000"/>
-          </a:bodyPr>
-          <a:lstStyle/>
-          <a:p>
-            <a:pPr marL="0" lvl="0" indent="0" algn="l" rtl="0">
-              <a:lnSpc>
-                <a:spcPct val="90000"/>
-              </a:lnSpc>
-              <a:spcBef>
-                <a:spcPts val="0"/>
-              </a:spcBef>
-              <a:spcAft>
-                <a:spcPts val="0"/>
-              </a:spcAft>
-              <a:buClr>
-                <a:schemeClr val="lt1"/>
-              </a:buClr>
-              <a:buSzPct val="100000"/>
-              <a:buFont typeface="Arial"/>
-              <a:buNone/>
-            </a:pPr>
-            <a:r>
-              <a:rPr lang="en-US" dirty="0"/>
-              <a:t>Future Plans &amp; Progress</a:t>
-            </a:r>
-          </a:p>
-        </p:txBody>
-      </p:sp>
-      <p:sp>
-        <p:nvSpPr>
-          <p:cNvPr id="341" name="Google Shape;341;p26"/>
-          <p:cNvSpPr txBox="1">
-            <a:spLocks noGrp="1"/>
-          </p:cNvSpPr>
-          <p:nvPr>
-            <p:ph type="dt" idx="10"/>
-          </p:nvPr>
-        </p:nvSpPr>
-        <p:spPr>
-          <a:xfrm>
-            <a:off x="6096000" y="6568457"/>
-            <a:ext cx="2743200" cy="289543"/>
-          </a:xfrm>
-          <a:prstGeom prst="rect">
-            <a:avLst/>
-          </a:prstGeom>
-          <a:solidFill>
-            <a:schemeClr val="accent1"/>
-          </a:solidFill>
-          <a:ln>
-            <a:noFill/>
-          </a:ln>
-        </p:spPr>
-        <p:txBody>
-          <a:bodyPr spcFirstLastPara="1" wrap="square" lIns="91425" tIns="45700" rIns="91425" bIns="45700" anchor="ctr" anchorCtr="0">
-            <a:noAutofit/>
-          </a:bodyPr>
-          <a:lstStyle/>
-          <a:p>
-            <a:pPr marL="0" lvl="0" indent="0" algn="l" rtl="0">
-              <a:spcBef>
-                <a:spcPts val="0"/>
-              </a:spcBef>
-              <a:spcAft>
-                <a:spcPts val="0"/>
-              </a:spcAft>
-              <a:buNone/>
-            </a:pPr>
-            <a:r>
-              <a:rPr lang="tr-TR" dirty="0"/>
-              <a:t>May</a:t>
-            </a:r>
-            <a:r>
-              <a:rPr lang="en-US" dirty="0"/>
-              <a:t> </a:t>
-            </a:r>
-            <a:r>
-              <a:rPr lang="tr-TR" dirty="0"/>
-              <a:t>9</a:t>
-            </a:r>
-            <a:r>
-              <a:rPr lang="en-US" dirty="0"/>
-              <a:t>, 2024</a:t>
-            </a:r>
-            <a:endParaRPr dirty="0"/>
-          </a:p>
-        </p:txBody>
-      </p:sp>
-      <p:sp>
-        <p:nvSpPr>
-          <p:cNvPr id="342" name="Google Shape;342;p26"/>
-          <p:cNvSpPr txBox="1">
-            <a:spLocks noGrp="1"/>
-          </p:cNvSpPr>
-          <p:nvPr>
-            <p:ph type="ftr" idx="11"/>
-          </p:nvPr>
-        </p:nvSpPr>
-        <p:spPr>
-          <a:xfrm>
-            <a:off x="0" y="6568457"/>
-            <a:ext cx="6096000" cy="289543"/>
-          </a:xfrm>
-          <a:prstGeom prst="rect">
-            <a:avLst/>
-          </a:prstGeom>
-          <a:solidFill>
-            <a:schemeClr val="dk1"/>
-          </a:solidFill>
-          <a:ln>
-            <a:noFill/>
-          </a:ln>
-        </p:spPr>
-        <p:txBody>
-          <a:bodyPr spcFirstLastPara="1" wrap="square" lIns="91425" tIns="45700" rIns="91425" bIns="45700" anchor="ctr" anchorCtr="0">
-            <a:noAutofit/>
-          </a:bodyPr>
-          <a:lstStyle/>
-          <a:p>
-            <a:pPr marL="0" lvl="0" indent="0" algn="r" rtl="0">
-              <a:spcBef>
-                <a:spcPts val="0"/>
-              </a:spcBef>
-              <a:spcAft>
-                <a:spcPts val="0"/>
-              </a:spcAft>
-              <a:buNone/>
-            </a:pPr>
-            <a:r>
-              <a:rPr lang="en-US" dirty="0"/>
-              <a:t>CMP-620 Reinforcement Learning – Project Pro</a:t>
-            </a:r>
-            <a:r>
-              <a:rPr lang="tr-TR" dirty="0" err="1"/>
-              <a:t>gress</a:t>
-            </a:r>
-            <a:endParaRPr dirty="0"/>
-          </a:p>
-        </p:txBody>
-      </p:sp>
-      <p:sp>
-        <p:nvSpPr>
-          <p:cNvPr id="343" name="Google Shape;343;p26"/>
-          <p:cNvSpPr txBox="1">
-            <a:spLocks noGrp="1"/>
-          </p:cNvSpPr>
-          <p:nvPr>
-            <p:ph type="sldNum" idx="12"/>
-          </p:nvPr>
-        </p:nvSpPr>
-        <p:spPr>
-          <a:xfrm>
-            <a:off x="8839200" y="6568457"/>
-            <a:ext cx="3352800" cy="289543"/>
-          </a:xfrm>
-          <a:prstGeom prst="rect">
-            <a:avLst/>
-          </a:prstGeom>
-          <a:solidFill>
-            <a:schemeClr val="accent1"/>
-          </a:solidFill>
-          <a:ln>
-            <a:noFill/>
-          </a:ln>
-        </p:spPr>
-        <p:txBody>
-          <a:bodyPr spcFirstLastPara="1" wrap="square" lIns="91425" tIns="45700" rIns="91425" bIns="45700" anchor="ctr" anchorCtr="0">
-            <a:noAutofit/>
-          </a:bodyPr>
-          <a:lstStyle/>
-          <a:p>
-            <a:pPr marL="0" lvl="0" indent="0" algn="r" rtl="0">
-              <a:spcBef>
-                <a:spcPts val="0"/>
-              </a:spcBef>
-              <a:spcAft>
-                <a:spcPts val="0"/>
-              </a:spcAft>
-              <a:buNone/>
-            </a:pPr>
-            <a:fld id="{00000000-1234-1234-1234-123412341234}" type="slidenum">
-              <a:rPr lang="en-US"/>
-              <a:t>8</a:t>
-            </a:fld>
-            <a:endParaRPr/>
-          </a:p>
-        </p:txBody>
-      </p:sp>
-      <p:sp>
-        <p:nvSpPr>
-          <p:cNvPr id="344" name="Google Shape;344;p26"/>
-          <p:cNvSpPr txBox="1"/>
-          <p:nvPr/>
-        </p:nvSpPr>
-        <p:spPr>
-          <a:xfrm>
-            <a:off x="1308294" y="1130710"/>
-            <a:ext cx="10045505" cy="5083277"/>
-          </a:xfrm>
-          <a:prstGeom prst="rect">
-            <a:avLst/>
-          </a:prstGeom>
-          <a:noFill/>
-          <a:ln>
-            <a:noFill/>
-          </a:ln>
-        </p:spPr>
-        <p:txBody>
-          <a:bodyPr spcFirstLastPara="1" wrap="square" lIns="91425" tIns="45700" rIns="91425" bIns="45700" anchor="t" anchorCtr="0">
-            <a:normAutofit/>
-          </a:bodyPr>
-          <a:lstStyle/>
-          <a:p>
-            <a:pPr marL="941832" marR="0" lvl="1" indent="-342900" algn="just" rtl="0">
-              <a:lnSpc>
-                <a:spcPct val="110000"/>
-              </a:lnSpc>
-              <a:spcBef>
-                <a:spcPts val="600"/>
-              </a:spcBef>
-              <a:spcAft>
-                <a:spcPts val="0"/>
-              </a:spcAft>
-              <a:buClr>
-                <a:schemeClr val="accent1"/>
-              </a:buClr>
-              <a:buSzPct val="119999"/>
-              <a:buFont typeface="Arial" panose="020B0604020202020204" pitchFamily="34" charset="0"/>
-              <a:buChar char="•"/>
-            </a:pPr>
-            <a:r>
-              <a:rPr lang="en-US" sz="2400" dirty="0">
-                <a:solidFill>
-                  <a:schemeClr val="dk1"/>
-                </a:solidFill>
-                <a:latin typeface="+mj-lt"/>
-              </a:rPr>
-              <a:t>Solving training problems</a:t>
-            </a:r>
-          </a:p>
-          <a:p>
-            <a:pPr marL="941832" marR="0" lvl="1" indent="-342900" algn="just" rtl="0">
-              <a:lnSpc>
-                <a:spcPct val="110000"/>
-              </a:lnSpc>
-              <a:spcBef>
-                <a:spcPts val="600"/>
-              </a:spcBef>
-              <a:spcAft>
-                <a:spcPts val="0"/>
-              </a:spcAft>
-              <a:buClr>
-                <a:schemeClr val="accent1"/>
-              </a:buClr>
-              <a:buSzPct val="119999"/>
-              <a:buFont typeface="Arial" panose="020B0604020202020204" pitchFamily="34" charset="0"/>
-              <a:buChar char="•"/>
-            </a:pPr>
-            <a:r>
-              <a:rPr lang="en-US" sz="2400" dirty="0">
-                <a:solidFill>
-                  <a:schemeClr val="dk1"/>
-                </a:solidFill>
-                <a:latin typeface="+mj-lt"/>
-              </a:rPr>
-              <a:t>Limiting the observation and action blocks </a:t>
-            </a:r>
-          </a:p>
-          <a:p>
-            <a:pPr marL="941832" marR="0" lvl="1" indent="-342900" algn="just" rtl="0">
-              <a:lnSpc>
-                <a:spcPct val="110000"/>
-              </a:lnSpc>
-              <a:spcBef>
-                <a:spcPts val="600"/>
-              </a:spcBef>
-              <a:spcAft>
-                <a:spcPts val="0"/>
-              </a:spcAft>
-              <a:buClr>
-                <a:schemeClr val="accent1"/>
-              </a:buClr>
-              <a:buSzPct val="119999"/>
-              <a:buFont typeface="Arial" panose="020B0604020202020204" pitchFamily="34" charset="0"/>
-              <a:buChar char="•"/>
-            </a:pPr>
-            <a:r>
-              <a:rPr lang="en-US" sz="2400" b="0" i="0" u="none" strike="noStrike" cap="none" dirty="0">
-                <a:solidFill>
-                  <a:schemeClr val="dk1"/>
-                </a:solidFill>
-                <a:latin typeface="+mj-lt"/>
-                <a:ea typeface="Arial"/>
-                <a:cs typeface="Arial"/>
-                <a:sym typeface="Arial"/>
-              </a:rPr>
-              <a:t>Implementing 2 different DDPG and PPO algorithms together</a:t>
-            </a:r>
-          </a:p>
-          <a:p>
-            <a:pPr marL="941832" marR="0" lvl="1" indent="-342900" algn="just" rtl="0">
-              <a:lnSpc>
-                <a:spcPct val="110000"/>
-              </a:lnSpc>
-              <a:spcBef>
-                <a:spcPts val="600"/>
-              </a:spcBef>
-              <a:spcAft>
-                <a:spcPts val="0"/>
-              </a:spcAft>
-              <a:buClr>
-                <a:schemeClr val="accent1"/>
-              </a:buClr>
-              <a:buSzPct val="119999"/>
-              <a:buFont typeface="Arial" panose="020B0604020202020204" pitchFamily="34" charset="0"/>
-              <a:buChar char="•"/>
-            </a:pPr>
-            <a:r>
-              <a:rPr lang="en-US" sz="2400" b="0" i="0" u="none" strike="noStrike" cap="none" dirty="0">
-                <a:solidFill>
-                  <a:schemeClr val="dk1"/>
-                </a:solidFill>
-                <a:latin typeface="+mj-lt"/>
-                <a:ea typeface="Arial"/>
-                <a:cs typeface="Arial"/>
-                <a:sym typeface="Arial"/>
-              </a:rPr>
-              <a:t>Agent configuration parameter values search </a:t>
-            </a:r>
-          </a:p>
-          <a:p>
-            <a:pPr marL="941832" marR="0" lvl="1" indent="-342900" algn="just" rtl="0">
-              <a:lnSpc>
-                <a:spcPct val="110000"/>
-              </a:lnSpc>
-              <a:spcBef>
-                <a:spcPts val="600"/>
-              </a:spcBef>
-              <a:spcAft>
-                <a:spcPts val="0"/>
-              </a:spcAft>
-              <a:buClr>
-                <a:schemeClr val="accent1"/>
-              </a:buClr>
-              <a:buSzPct val="119999"/>
-              <a:buFont typeface="Arial" panose="020B0604020202020204" pitchFamily="34" charset="0"/>
-              <a:buChar char="•"/>
-            </a:pPr>
-            <a:r>
-              <a:rPr lang="en-US" sz="2400" b="0" i="0" u="none" strike="noStrike" cap="none" dirty="0">
-                <a:solidFill>
-                  <a:schemeClr val="dk1"/>
-                </a:solidFill>
-                <a:latin typeface="+mj-lt"/>
-                <a:ea typeface="Arial"/>
-                <a:cs typeface="Arial"/>
-                <a:sym typeface="Arial"/>
-              </a:rPr>
-              <a:t>Searching and comparing layer affect</a:t>
-            </a:r>
-          </a:p>
-          <a:p>
-            <a:pPr marL="685800" marR="0" lvl="1" indent="-86868" algn="just" rtl="0">
-              <a:lnSpc>
-                <a:spcPct val="110000"/>
-              </a:lnSpc>
-              <a:spcBef>
-                <a:spcPts val="600"/>
-              </a:spcBef>
-              <a:spcAft>
-                <a:spcPts val="0"/>
-              </a:spcAft>
-              <a:buClr>
-                <a:schemeClr val="accent1"/>
-              </a:buClr>
-              <a:buSzPct val="119999"/>
-              <a:buFont typeface="Arial"/>
-              <a:buNone/>
-            </a:pPr>
-            <a:endParaRPr lang="tr-TR" sz="2400" b="0" i="0" u="none" strike="noStrike" cap="none" dirty="0">
-              <a:solidFill>
-                <a:schemeClr val="dk1"/>
-              </a:solidFill>
-              <a:latin typeface="+mj-lt"/>
-              <a:ea typeface="Arial"/>
-              <a:cs typeface="Arial"/>
-              <a:sym typeface="Arial"/>
-            </a:endParaRPr>
-          </a:p>
-        </p:txBody>
-      </p:sp>
-    </p:spTree>
-    <p:extLst>
-      <p:ext uri="{BB962C8B-B14F-4D97-AF65-F5344CB8AC3E}">
-        <p14:creationId xmlns:p14="http://schemas.microsoft.com/office/powerpoint/2010/main" val="2161234775"/>
-      </p:ext>
-    </p:extLst>
-  </p:cSld>
-  <p:clrMapOvr>
-    <a:masterClrMapping/>
-  </p:clrMapOvr>
-</p:sld>
-</file>
-
-<file path=ppt/slides/slide9.xml><?xml version="1.0" encoding="utf-8"?>
-<p:sld xmlns:a="http://schemas.openxmlformats.org/drawingml/2006/main" xmlns:r="http://schemas.openxmlformats.org/officeDocument/2006/relationships" xmlns:p="http://schemas.openxmlformats.org/presentationml/2006/main">
-  <p:cSld>
-    <p:spTree>
-      <p:nvGrpSpPr>
-        <p:cNvPr id="1" name="Shape 367"/>
-        <p:cNvGrpSpPr/>
-        <p:nvPr/>
-      </p:nvGrpSpPr>
-      <p:grpSpPr>
-        <a:xfrm>
-          <a:off x="0" y="0"/>
-          <a:ext cx="0" cy="0"/>
-          <a:chOff x="0" y="0"/>
-          <a:chExt cx="0" cy="0"/>
-        </a:xfrm>
-      </p:grpSpPr>
-      <p:sp>
-        <p:nvSpPr>
-          <p:cNvPr id="368" name="Google Shape;368;p29"/>
-          <p:cNvSpPr txBox="1">
-            <a:spLocks noGrp="1"/>
-          </p:cNvSpPr>
-          <p:nvPr>
-            <p:ph type="dt" idx="10"/>
-          </p:nvPr>
-        </p:nvSpPr>
-        <p:spPr>
-          <a:xfrm>
-            <a:off x="6096000" y="6568457"/>
-            <a:ext cx="2743200" cy="289543"/>
-          </a:xfrm>
-          <a:prstGeom prst="rect">
-            <a:avLst/>
-          </a:prstGeom>
-          <a:solidFill>
-            <a:schemeClr val="accent1"/>
-          </a:solidFill>
-          <a:ln>
-            <a:noFill/>
-          </a:ln>
-        </p:spPr>
-        <p:txBody>
-          <a:bodyPr spcFirstLastPara="1" wrap="square" lIns="91425" tIns="45700" rIns="91425" bIns="45700" anchor="ctr" anchorCtr="0">
-            <a:noAutofit/>
-          </a:bodyPr>
-          <a:lstStyle/>
-          <a:p>
-            <a:pPr marL="0" lvl="0" indent="0" algn="l" rtl="0">
-              <a:spcBef>
-                <a:spcPts val="0"/>
-              </a:spcBef>
-              <a:spcAft>
-                <a:spcPts val="0"/>
-              </a:spcAft>
-              <a:buNone/>
-            </a:pPr>
-            <a:r>
-              <a:rPr lang="tr-TR" dirty="0"/>
-              <a:t>May</a:t>
-            </a:r>
-            <a:r>
-              <a:rPr lang="en-US" dirty="0"/>
-              <a:t> </a:t>
-            </a:r>
-            <a:r>
-              <a:rPr lang="tr-TR" dirty="0"/>
-              <a:t>9</a:t>
-            </a:r>
-            <a:r>
-              <a:rPr lang="en-US" dirty="0"/>
-              <a:t>, 2024</a:t>
-            </a:r>
-            <a:endParaRPr dirty="0"/>
-          </a:p>
-        </p:txBody>
-      </p:sp>
-      <p:sp>
-        <p:nvSpPr>
-          <p:cNvPr id="369" name="Google Shape;369;p29"/>
-          <p:cNvSpPr txBox="1">
-            <a:spLocks noGrp="1"/>
-          </p:cNvSpPr>
-          <p:nvPr>
-            <p:ph type="ftr" idx="11"/>
-          </p:nvPr>
-        </p:nvSpPr>
-        <p:spPr>
-          <a:xfrm>
-            <a:off x="0" y="6568457"/>
-            <a:ext cx="6096000" cy="289543"/>
-          </a:xfrm>
-          <a:prstGeom prst="rect">
-            <a:avLst/>
-          </a:prstGeom>
-          <a:solidFill>
-            <a:schemeClr val="dk1"/>
-          </a:solidFill>
-          <a:ln>
-            <a:noFill/>
-          </a:ln>
-        </p:spPr>
-        <p:txBody>
-          <a:bodyPr spcFirstLastPara="1" wrap="square" lIns="91425" tIns="45700" rIns="91425" bIns="45700" anchor="ctr" anchorCtr="0">
-            <a:noAutofit/>
-          </a:bodyPr>
-          <a:lstStyle/>
-          <a:p>
-            <a:pPr marL="0" lvl="0" indent="0" algn="r" rtl="0">
-              <a:spcBef>
-                <a:spcPts val="0"/>
-              </a:spcBef>
-              <a:spcAft>
-                <a:spcPts val="0"/>
-              </a:spcAft>
-              <a:buNone/>
-            </a:pPr>
-            <a:r>
-              <a:rPr lang="en-US" dirty="0"/>
-              <a:t>CMP-620 Reinforcement Learning – Project Pro</a:t>
-            </a:r>
-            <a:r>
-              <a:rPr lang="tr-TR" dirty="0" err="1"/>
-              <a:t>gress</a:t>
-            </a:r>
-            <a:endParaRPr dirty="0"/>
-          </a:p>
-        </p:txBody>
-      </p:sp>
-      <p:sp>
-        <p:nvSpPr>
-          <p:cNvPr id="370" name="Google Shape;370;p29"/>
-          <p:cNvSpPr txBox="1">
-            <a:spLocks noGrp="1"/>
-          </p:cNvSpPr>
-          <p:nvPr>
-            <p:ph type="sldNum" idx="12"/>
-          </p:nvPr>
-        </p:nvSpPr>
-        <p:spPr>
-          <a:xfrm>
-            <a:off x="8839200" y="6568457"/>
-            <a:ext cx="3352800" cy="289543"/>
-          </a:xfrm>
-          <a:prstGeom prst="rect">
-            <a:avLst/>
-          </a:prstGeom>
-          <a:solidFill>
-            <a:schemeClr val="accent1"/>
-          </a:solidFill>
-          <a:ln>
-            <a:noFill/>
-          </a:ln>
-        </p:spPr>
-        <p:txBody>
-          <a:bodyPr spcFirstLastPara="1" wrap="square" lIns="91425" tIns="45700" rIns="91425" bIns="45700" anchor="ctr" anchorCtr="0">
-            <a:noAutofit/>
-          </a:bodyPr>
-          <a:lstStyle/>
-          <a:p>
-            <a:pPr marL="0" lvl="0" indent="0" algn="r" rtl="0">
-              <a:spcBef>
-                <a:spcPts val="0"/>
-              </a:spcBef>
-              <a:spcAft>
-                <a:spcPts val="0"/>
-              </a:spcAft>
-              <a:buNone/>
-            </a:pPr>
-            <a:fld id="{00000000-1234-1234-1234-123412341234}" type="slidenum">
-              <a:rPr lang="en-US"/>
-              <a:t>9</a:t>
-            </a:fld>
-            <a:endParaRPr/>
-          </a:p>
-        </p:txBody>
-      </p:sp>
-      <p:sp>
-        <p:nvSpPr>
-          <p:cNvPr id="371" name="Google Shape;371;p29"/>
-          <p:cNvSpPr txBox="1"/>
-          <p:nvPr/>
-        </p:nvSpPr>
-        <p:spPr>
-          <a:xfrm>
-            <a:off x="3048000" y="3075057"/>
-            <a:ext cx="6105832" cy="707886"/>
-          </a:xfrm>
-          <a:prstGeom prst="rect">
-            <a:avLst/>
-          </a:prstGeom>
-          <a:noFill/>
-          <a:ln>
-            <a:noFill/>
-          </a:ln>
-        </p:spPr>
-        <p:txBody>
-          <a:bodyPr spcFirstLastPara="1" wrap="square" lIns="91425" tIns="45700" rIns="91425" bIns="45700" anchor="t" anchorCtr="0">
-            <a:spAutoFit/>
-          </a:bodyPr>
-          <a:lstStyle/>
-          <a:p>
-            <a:pPr marL="0" marR="0" lvl="0" indent="0" algn="ctr" rtl="0">
-              <a:spcBef>
-                <a:spcPts val="0"/>
-              </a:spcBef>
-              <a:spcAft>
-                <a:spcPts val="0"/>
-              </a:spcAft>
-              <a:buNone/>
-            </a:pPr>
-            <a:r>
-              <a:rPr lang="en-US" sz="4000" b="0" i="0" u="none" strike="noStrike" cap="none" dirty="0">
-                <a:solidFill>
-                  <a:schemeClr val="dk1"/>
-                </a:solidFill>
-                <a:latin typeface="+mj-lt"/>
-                <a:ea typeface="Calibri"/>
-                <a:cs typeface="Calibri"/>
-                <a:sym typeface="Calibri"/>
-              </a:rPr>
-              <a:t>Thanks for listening.</a:t>
-            </a:r>
-            <a:endParaRPr sz="4000" b="0" i="0" u="none" strike="noStrike" cap="none" dirty="0">
-              <a:solidFill>
-                <a:schemeClr val="dk1"/>
-              </a:solidFill>
-              <a:latin typeface="+mj-lt"/>
-              <a:ea typeface="Calibri"/>
-              <a:cs typeface="Calibri"/>
-              <a:sym typeface="Calibri"/>
-            </a:endParaRPr>
-          </a:p>
-        </p:txBody>
-      </p:sp>
-    </p:spTree>
   </p:cSld>
   <p:clrMapOvr>
     <a:masterClrMapping/>

--- a/Progress.pptx
+++ b/Progress.pptx
@@ -2059,227 +2059,331 @@
               <a:buNone/>
             </a:pPr>
             <a:r>
+              <a:rPr lang="en-US" noProof="0" dirty="0"/>
+              <a:t>This is the our Project environment at Simulink platform. Each block responsible for different tasks. </a:t>
+            </a:r>
+          </a:p>
+          <a:p>
+            <a:pPr marL="0" lvl="0" indent="0" algn="l" rtl="0">
+              <a:spcBef>
+                <a:spcPts val="0"/>
+              </a:spcBef>
+              <a:spcAft>
+                <a:spcPts val="0"/>
+              </a:spcAft>
+              <a:buNone/>
+            </a:pPr>
+            <a:r>
               <a:rPr lang="tr-TR" dirty="0" err="1"/>
-              <a:t>This</a:t>
+              <a:t>Signal</a:t>
             </a:r>
             <a:r>
               <a:rPr lang="tr-TR" dirty="0"/>
-              <a:t> is </a:t>
-            </a:r>
+              <a:t> Editor               : </a:t>
+            </a:r>
+            <a:r>
+              <a:rPr lang="tr-TR" b="0" i="0" dirty="0" err="1">
+                <a:solidFill>
+                  <a:schemeClr val="tx1"/>
+                </a:solidFill>
+                <a:latin typeface="+mj-lt"/>
+                <a:cs typeface="Arial"/>
+                <a:sym typeface="Arial"/>
+              </a:rPr>
+              <a:t>It</a:t>
+            </a:r>
+            <a:r>
+              <a:rPr lang="tr-TR" b="0" i="0" dirty="0">
+                <a:solidFill>
+                  <a:schemeClr val="tx1"/>
+                </a:solidFill>
+                <a:latin typeface="+mj-lt"/>
+                <a:cs typeface="Arial"/>
+                <a:sym typeface="Arial"/>
+              </a:rPr>
+              <a:t> g</a:t>
+            </a:r>
+            <a:r>
+              <a:rPr lang="en-US" b="0" i="0" dirty="0" err="1">
+                <a:solidFill>
+                  <a:schemeClr val="tx1"/>
+                </a:solidFill>
+                <a:latin typeface="+mj-lt"/>
+                <a:ea typeface="Arial"/>
+                <a:cs typeface="Arial"/>
+                <a:sym typeface="Arial"/>
+              </a:rPr>
+              <a:t>enerates</a:t>
+            </a:r>
+            <a:r>
+              <a:rPr lang="en-US" b="0" i="0" dirty="0">
+                <a:solidFill>
+                  <a:schemeClr val="tx1"/>
+                </a:solidFill>
+                <a:latin typeface="+mj-lt"/>
+                <a:ea typeface="Arial"/>
+                <a:cs typeface="Arial"/>
+                <a:sym typeface="Arial"/>
+              </a:rPr>
+              <a:t> position and attitude commands</a:t>
+            </a:r>
+            <a:endParaRPr lang="tr-TR" b="0" i="0" dirty="0">
+              <a:solidFill>
+                <a:schemeClr val="tx1"/>
+              </a:solidFill>
+              <a:latin typeface="+mj-lt"/>
+              <a:ea typeface="Arial"/>
+              <a:cs typeface="Arial"/>
+              <a:sym typeface="Arial"/>
+            </a:endParaRPr>
+          </a:p>
+          <a:p>
+            <a:pPr marL="0" lvl="0" indent="0" algn="l" rtl="0">
+              <a:spcBef>
+                <a:spcPts val="0"/>
+              </a:spcBef>
+              <a:spcAft>
+                <a:spcPts val="0"/>
+              </a:spcAft>
+              <a:buNone/>
+            </a:pPr>
             <a:r>
               <a:rPr lang="tr-TR" dirty="0" err="1"/>
-              <a:t>the</a:t>
+              <a:t>Sensors</a:t>
+            </a:r>
+            <a:r>
+              <a:rPr lang="tr-TR" dirty="0"/>
+              <a:t>                       : </a:t>
+            </a:r>
+            <a:r>
+              <a:rPr lang="tr-TR" dirty="0" err="1"/>
+              <a:t>It</a:t>
             </a:r>
             <a:r>
               <a:rPr lang="tr-TR" dirty="0"/>
               <a:t> </a:t>
             </a:r>
             <a:r>
+              <a:rPr lang="en-US" b="0" i="0" dirty="0">
+                <a:solidFill>
+                  <a:schemeClr val="tx1"/>
+                </a:solidFill>
+                <a:latin typeface="+mj-lt"/>
+                <a:ea typeface="Arial"/>
+                <a:cs typeface="Arial"/>
+                <a:sym typeface="Arial"/>
+              </a:rPr>
+              <a:t>includes the model of sensors such as IMU on the quadcopter</a:t>
+            </a:r>
+            <a:endParaRPr lang="tr-TR" dirty="0"/>
+          </a:p>
+          <a:p>
+            <a:pPr marL="0" lvl="0" indent="0" algn="l" rtl="0">
+              <a:spcBef>
+                <a:spcPts val="0"/>
+              </a:spcBef>
+              <a:spcAft>
+                <a:spcPts val="0"/>
+              </a:spcAft>
+              <a:buNone/>
+            </a:pPr>
+            <a:r>
+              <a:rPr lang="tr-TR" dirty="0"/>
+              <a:t>Flight Control </a:t>
+            </a:r>
+            <a:r>
               <a:rPr lang="tr-TR" dirty="0" err="1"/>
-              <a:t>our</a:t>
+              <a:t>System</a:t>
             </a:r>
             <a:r>
               <a:rPr lang="tr-TR" dirty="0"/>
-              <a:t> Project </a:t>
+              <a:t> : </a:t>
             </a:r>
             <a:r>
               <a:rPr lang="tr-TR" dirty="0" err="1"/>
-              <a:t>environment</a:t>
-            </a:r>
-            <a:r>
-              <a:rPr lang="tr-TR" dirty="0"/>
-              <a:t> at </a:t>
-            </a:r>
-            <a:r>
-              <a:rPr lang="tr-TR" dirty="0" err="1"/>
-              <a:t>Simulink</a:t>
-            </a:r>
-            <a:r>
-              <a:rPr lang="tr-TR" dirty="0"/>
-              <a:t> platform. </a:t>
-            </a:r>
-            <a:r>
-              <a:rPr lang="tr-TR" dirty="0" err="1"/>
-              <a:t>Each</a:t>
+              <a:t>It</a:t>
             </a:r>
             <a:r>
               <a:rPr lang="tr-TR" dirty="0"/>
               <a:t> </a:t>
             </a:r>
             <a:r>
+              <a:rPr lang="en-US" b="0" i="0" dirty="0">
+                <a:solidFill>
+                  <a:schemeClr val="tx1"/>
+                </a:solidFill>
+                <a:latin typeface="+mj-lt"/>
+                <a:ea typeface="Arial"/>
+                <a:cs typeface="Arial"/>
+                <a:sym typeface="Arial"/>
+              </a:rPr>
+              <a:t>is responsible for position and attitude control. Here, we will perform attitude control using RL (Reinforcement Learning)</a:t>
+            </a:r>
+            <a:endParaRPr lang="tr-TR" b="0" i="0" dirty="0">
+              <a:solidFill>
+                <a:schemeClr val="tx1"/>
+              </a:solidFill>
+              <a:latin typeface="+mj-lt"/>
+              <a:ea typeface="Arial"/>
+              <a:cs typeface="Arial"/>
+              <a:sym typeface="Arial"/>
+            </a:endParaRPr>
+          </a:p>
+          <a:p>
+            <a:pPr marL="0" lvl="0" indent="0" algn="l" rtl="0">
+              <a:spcBef>
+                <a:spcPts val="0"/>
+              </a:spcBef>
+              <a:spcAft>
+                <a:spcPts val="0"/>
+              </a:spcAft>
+              <a:buNone/>
+            </a:pPr>
+            <a:r>
+              <a:rPr lang="tr-TR" dirty="0"/>
+              <a:t>Environment               : </a:t>
+            </a:r>
+            <a:r>
               <a:rPr lang="tr-TR" dirty="0" err="1"/>
-              <a:t>block</a:t>
+              <a:t>It</a:t>
             </a:r>
             <a:r>
               <a:rPr lang="tr-TR" dirty="0"/>
               <a:t> </a:t>
             </a:r>
             <a:r>
+              <a:rPr lang="en-US" b="0" i="0" dirty="0">
+                <a:solidFill>
+                  <a:schemeClr val="tx1"/>
+                </a:solidFill>
+                <a:latin typeface="+mj-lt"/>
+                <a:ea typeface="Arial"/>
+                <a:cs typeface="Arial"/>
+                <a:sym typeface="Arial"/>
+              </a:rPr>
+              <a:t>includes gravity, air temperature, speed of sound, pressure, air density, and magnetic field</a:t>
+            </a:r>
+            <a:endParaRPr lang="tr-TR" dirty="0"/>
+          </a:p>
+          <a:p>
+            <a:pPr marL="0" lvl="0" indent="0" algn="l" rtl="0">
+              <a:spcBef>
+                <a:spcPts val="0"/>
+              </a:spcBef>
+              <a:spcAft>
+                <a:spcPts val="0"/>
+              </a:spcAft>
+              <a:buNone/>
+            </a:pPr>
+            <a:r>
+              <a:rPr lang="en-US" noProof="0" dirty="0"/>
+              <a:t>Airframe</a:t>
+            </a:r>
+            <a:r>
+              <a:rPr lang="tr-TR" dirty="0"/>
+              <a:t>                     : </a:t>
+            </a:r>
+            <a:r>
               <a:rPr lang="tr-TR" dirty="0" err="1"/>
-              <a:t>responsible</a:t>
+              <a:t>It</a:t>
             </a:r>
             <a:r>
               <a:rPr lang="tr-TR" dirty="0"/>
               <a:t> </a:t>
             </a:r>
             <a:r>
-              <a:rPr lang="tr-TR" dirty="0" err="1"/>
-              <a:t>for</a:t>
-            </a:r>
-            <a:r>
-              <a:rPr lang="tr-TR" dirty="0"/>
+              <a:rPr lang="en-US" b="0" i="0" dirty="0">
+                <a:solidFill>
+                  <a:schemeClr val="tx1"/>
+                </a:solidFill>
+                <a:latin typeface="+mj-lt"/>
+                <a:ea typeface="Arial"/>
+                <a:cs typeface="Arial"/>
+                <a:sym typeface="Arial"/>
+              </a:rPr>
+              <a:t>contains the nonlinear model of the quadcopter</a:t>
+            </a:r>
+            <a:endParaRPr lang="tr-TR" b="0" i="0" dirty="0">
+              <a:solidFill>
+                <a:schemeClr val="tx1"/>
+              </a:solidFill>
+              <a:latin typeface="+mj-lt"/>
+              <a:ea typeface="Arial"/>
+              <a:cs typeface="Arial"/>
+              <a:sym typeface="Arial"/>
+            </a:endParaRPr>
+          </a:p>
+          <a:p>
+            <a:pPr marL="0" lvl="0" indent="0" algn="l" rtl="0">
+              <a:spcBef>
+                <a:spcPts val="0"/>
+              </a:spcBef>
+              <a:spcAft>
+                <a:spcPts val="0"/>
+              </a:spcAft>
+              <a:buNone/>
+            </a:pPr>
+            <a:r>
+              <a:rPr lang="en-US" b="0" i="0" dirty="0">
+                <a:solidFill>
+                  <a:schemeClr val="tx1"/>
+                </a:solidFill>
+                <a:latin typeface="+mj-lt"/>
+                <a:ea typeface="Arial"/>
+                <a:cs typeface="Arial"/>
+                <a:sym typeface="Arial"/>
+              </a:rPr>
+              <a:t>Visualization</a:t>
+            </a:r>
+            <a:r>
+              <a:rPr lang="tr-TR" b="0" i="0" dirty="0">
+                <a:solidFill>
+                  <a:schemeClr val="tx1"/>
+                </a:solidFill>
+                <a:latin typeface="+mj-lt"/>
+                <a:ea typeface="Arial"/>
+                <a:cs typeface="Arial"/>
+                <a:sym typeface="Arial"/>
+              </a:rPr>
+              <a:t>:              : </a:t>
+            </a:r>
+            <a:r>
+              <a:rPr lang="tr-TR" b="0" i="0" dirty="0" err="1">
+                <a:solidFill>
+                  <a:schemeClr val="tx1"/>
+                </a:solidFill>
+                <a:latin typeface="+mj-lt"/>
+                <a:ea typeface="Arial"/>
+                <a:cs typeface="Arial"/>
+                <a:sym typeface="Arial"/>
+              </a:rPr>
+              <a:t>It</a:t>
+            </a:r>
+            <a:r>
+              <a:rPr lang="tr-TR" b="0" i="0" dirty="0">
+                <a:solidFill>
+                  <a:schemeClr val="tx1"/>
+                </a:solidFill>
+                <a:latin typeface="+mj-lt"/>
+                <a:ea typeface="Arial"/>
+                <a:cs typeface="Arial"/>
+                <a:sym typeface="Arial"/>
+              </a:rPr>
               <a:t> </a:t>
             </a:r>
             <a:r>
-              <a:rPr lang="tr-TR" dirty="0" err="1"/>
-              <a:t>different</a:t>
-            </a:r>
-            <a:r>
-              <a:rPr lang="tr-TR" dirty="0"/>
-              <a:t> </a:t>
-            </a:r>
-            <a:r>
-              <a:rPr lang="tr-TR" dirty="0" err="1"/>
-              <a:t>tasks</a:t>
-            </a:r>
-            <a:r>
-              <a:rPr lang="tr-TR" dirty="0"/>
-              <a:t>. </a:t>
-            </a:r>
-          </a:p>
-          <a:p>
-            <a:pPr marL="0" lvl="0" indent="0" algn="l" rtl="0">
-              <a:spcBef>
-                <a:spcPts val="0"/>
-              </a:spcBef>
-              <a:spcAft>
-                <a:spcPts val="0"/>
-              </a:spcAft>
-              <a:buNone/>
-            </a:pPr>
-            <a:r>
-              <a:rPr lang="tr-TR" dirty="0" err="1"/>
-              <a:t>Signal</a:t>
-            </a:r>
-            <a:r>
-              <a:rPr lang="tr-TR" dirty="0"/>
-              <a:t> Editor               :  AC </a:t>
-            </a:r>
-            <a:r>
-              <a:rPr lang="tr-TR" dirty="0" err="1"/>
-              <a:t>command</a:t>
-            </a:r>
-            <a:r>
-              <a:rPr lang="tr-TR" dirty="0"/>
-              <a:t> </a:t>
-            </a:r>
-            <a:r>
-              <a:rPr lang="tr-TR" dirty="0" err="1"/>
-              <a:t>are</a:t>
-            </a:r>
-            <a:r>
-              <a:rPr lang="tr-TR" dirty="0"/>
-              <a:t> </a:t>
-            </a:r>
-            <a:r>
-              <a:rPr lang="tr-TR" dirty="0" err="1"/>
-              <a:t>creted</a:t>
-            </a:r>
-            <a:r>
-              <a:rPr lang="tr-TR" dirty="0"/>
-              <a:t> </a:t>
-            </a:r>
-          </a:p>
-          <a:p>
-            <a:pPr marL="0" lvl="0" indent="0" algn="l" rtl="0">
-              <a:spcBef>
-                <a:spcPts val="0"/>
-              </a:spcBef>
-              <a:spcAft>
-                <a:spcPts val="0"/>
-              </a:spcAft>
-              <a:buNone/>
-            </a:pPr>
-            <a:r>
-              <a:rPr lang="tr-TR" dirty="0" err="1"/>
-              <a:t>Sensors</a:t>
-            </a:r>
-            <a:r>
-              <a:rPr lang="tr-TR" dirty="0"/>
-              <a:t>                       : ……………………………….</a:t>
-            </a:r>
-          </a:p>
-          <a:p>
-            <a:pPr marL="0" lvl="0" indent="0" algn="l" rtl="0">
-              <a:spcBef>
-                <a:spcPts val="0"/>
-              </a:spcBef>
-              <a:spcAft>
-                <a:spcPts val="0"/>
-              </a:spcAft>
-              <a:buNone/>
-            </a:pPr>
-            <a:r>
-              <a:rPr lang="tr-TR" dirty="0"/>
-              <a:t>Flight Control </a:t>
-            </a:r>
-            <a:r>
-              <a:rPr lang="tr-TR" dirty="0" err="1"/>
-              <a:t>System</a:t>
-            </a:r>
-            <a:r>
-              <a:rPr lang="tr-TR" dirty="0"/>
-              <a:t> : ………………………………….</a:t>
-            </a:r>
-          </a:p>
-          <a:p>
-            <a:pPr marL="0" lvl="0" indent="0" algn="l" rtl="0">
-              <a:spcBef>
-                <a:spcPts val="0"/>
-              </a:spcBef>
-              <a:spcAft>
-                <a:spcPts val="0"/>
-              </a:spcAft>
-              <a:buNone/>
-            </a:pPr>
-            <a:r>
-              <a:rPr lang="tr-TR" dirty="0"/>
-              <a:t>Environment               : ………………………………</a:t>
-            </a:r>
-          </a:p>
-          <a:p>
-            <a:pPr marL="0" lvl="0" indent="0" algn="l" rtl="0">
-              <a:spcBef>
-                <a:spcPts val="0"/>
-              </a:spcBef>
-              <a:spcAft>
-                <a:spcPts val="0"/>
-              </a:spcAft>
-              <a:buNone/>
-            </a:pPr>
-            <a:r>
-              <a:rPr lang="tr-TR" dirty="0" err="1"/>
-              <a:t>Airframe</a:t>
-            </a:r>
-            <a:r>
-              <a:rPr lang="tr-TR" dirty="0"/>
-              <a:t>                      : ………………………………</a:t>
-            </a:r>
-          </a:p>
-          <a:p>
-            <a:pPr marL="0" lvl="0" indent="0" algn="l" rtl="0">
-              <a:spcBef>
-                <a:spcPts val="0"/>
-              </a:spcBef>
-              <a:spcAft>
-                <a:spcPts val="0"/>
-              </a:spcAft>
-              <a:buNone/>
-            </a:pPr>
-            <a:r>
-              <a:rPr lang="tr-TR" dirty="0"/>
-              <a:t>  </a:t>
-            </a:r>
+              <a:rPr lang="en-US" b="0" i="0" dirty="0">
+                <a:solidFill>
+                  <a:schemeClr val="tx1"/>
+                </a:solidFill>
+                <a:latin typeface="+mj-lt"/>
+                <a:ea typeface="Arial"/>
+                <a:cs typeface="Arial"/>
+                <a:sym typeface="Arial"/>
+              </a:rPr>
+              <a:t>facilitates logging and scoping of commands, control signals, and states, it contains also workspace and Simulink 3D animation. </a:t>
+            </a:r>
+            <a:endParaRPr lang="tr-TR" dirty="0"/>
           </a:p>
         </p:txBody>
       </p:sp>
@@ -2410,633 +2514,593 @@
           </a:ln>
         </p:spPr>
       </p:sp>
-      <p:sp>
-        <p:nvSpPr>
-          <p:cNvPr id="337" name="Google Shape;337;p26:notes"/>
-          <p:cNvSpPr txBox="1">
-            <a:spLocks noGrp="1"/>
-          </p:cNvSpPr>
-          <p:nvPr>
-            <p:ph type="body" idx="1"/>
-          </p:nvPr>
-        </p:nvSpPr>
-        <p:spPr>
-          <a:xfrm>
-            <a:off x="685800" y="4400550"/>
-            <a:ext cx="5486400" cy="3600450"/>
-          </a:xfrm>
-          <a:prstGeom prst="rect">
-            <a:avLst/>
-          </a:prstGeom>
-          <a:noFill/>
-          <a:ln>
-            <a:noFill/>
-          </a:ln>
-        </p:spPr>
-        <p:txBody>
-          <a:bodyPr spcFirstLastPara="1" wrap="square" lIns="91425" tIns="45700" rIns="91425" bIns="45700" anchor="t" anchorCtr="0">
-            <a:noAutofit/>
-          </a:bodyPr>
-          <a:lstStyle/>
-          <a:p>
-            <a:pPr marL="0" lvl="0" indent="0" algn="l" rtl="0">
-              <a:spcBef>
-                <a:spcPts val="0"/>
-              </a:spcBef>
-              <a:spcAft>
-                <a:spcPts val="0"/>
-              </a:spcAft>
-              <a:buNone/>
-            </a:pPr>
-            <a:r>
-              <a:rPr lang="tr-TR" dirty="0" err="1"/>
-              <a:t>This</a:t>
-            </a:r>
-            <a:r>
-              <a:rPr lang="tr-TR" dirty="0"/>
-              <a:t> is </a:t>
-            </a:r>
-            <a:r>
-              <a:rPr lang="tr-TR" dirty="0" err="1"/>
-              <a:t>the</a:t>
-            </a:r>
-            <a:r>
-              <a:rPr lang="tr-TR" dirty="0"/>
-              <a:t> </a:t>
-            </a:r>
-            <a:r>
-              <a:rPr lang="tr-TR" dirty="0" err="1"/>
-              <a:t>flight</a:t>
-            </a:r>
-            <a:r>
-              <a:rPr lang="tr-TR" dirty="0"/>
-              <a:t> </a:t>
-            </a:r>
-            <a:r>
-              <a:rPr lang="tr-TR" dirty="0" err="1"/>
-              <a:t>control</a:t>
-            </a:r>
-            <a:r>
-              <a:rPr lang="tr-TR" dirty="0"/>
-              <a:t> </a:t>
-            </a:r>
-            <a:r>
-              <a:rPr lang="tr-TR" dirty="0" err="1"/>
-              <a:t>system</a:t>
-            </a:r>
-            <a:r>
-              <a:rPr lang="tr-TR" dirty="0"/>
-              <a:t> </a:t>
-            </a:r>
-            <a:r>
-              <a:rPr lang="tr-TR" dirty="0" err="1"/>
-              <a:t>block</a:t>
-            </a:r>
-            <a:r>
-              <a:rPr lang="tr-TR" dirty="0"/>
-              <a:t> </a:t>
-            </a:r>
-            <a:r>
-              <a:rPr lang="tr-TR" dirty="0" err="1"/>
-              <a:t>that</a:t>
-            </a:r>
-            <a:r>
-              <a:rPr lang="tr-TR" dirty="0"/>
-              <a:t> </a:t>
-            </a:r>
-            <a:r>
-              <a:rPr lang="tr-TR" dirty="0" err="1"/>
-              <a:t>we</a:t>
-            </a:r>
-            <a:r>
-              <a:rPr lang="tr-TR" dirty="0"/>
-              <a:t> </a:t>
-            </a:r>
-            <a:r>
-              <a:rPr lang="tr-TR" dirty="0" err="1"/>
-              <a:t>focused</a:t>
-            </a:r>
-            <a:r>
-              <a:rPr lang="tr-TR" dirty="0"/>
-              <a:t> </a:t>
-            </a:r>
-            <a:r>
-              <a:rPr lang="tr-TR" dirty="0" err="1"/>
-              <a:t>one</a:t>
-            </a:r>
-            <a:r>
-              <a:rPr lang="tr-TR" dirty="0"/>
-              <a:t>. </a:t>
-            </a:r>
-          </a:p>
-          <a:p>
-            <a:pPr marL="0" lvl="0" indent="0" algn="l" rtl="0">
-              <a:spcBef>
-                <a:spcPts val="0"/>
-              </a:spcBef>
-              <a:spcAft>
-                <a:spcPts val="0"/>
-              </a:spcAft>
-              <a:buNone/>
-            </a:pPr>
-            <a:r>
-              <a:rPr lang="tr-TR" dirty="0" err="1"/>
-              <a:t>The</a:t>
-            </a:r>
-            <a:r>
-              <a:rPr lang="tr-TR" dirty="0"/>
-              <a:t> </a:t>
-            </a:r>
-            <a:r>
-              <a:rPr lang="tr-TR" dirty="0" err="1"/>
-              <a:t>orange</a:t>
-            </a:r>
-            <a:r>
-              <a:rPr lang="tr-TR" dirty="0"/>
-              <a:t> </a:t>
-            </a:r>
-            <a:r>
-              <a:rPr lang="tr-TR" dirty="0" err="1"/>
-              <a:t>blocks</a:t>
-            </a:r>
-            <a:r>
-              <a:rPr lang="tr-TR" dirty="0"/>
-              <a:t> </a:t>
-            </a:r>
-            <a:r>
-              <a:rPr lang="tr-TR" dirty="0" err="1"/>
-              <a:t>are</a:t>
-            </a:r>
-            <a:r>
-              <a:rPr lang="tr-TR" dirty="0"/>
-              <a:t> </a:t>
-            </a:r>
-            <a:r>
-              <a:rPr lang="tr-TR" dirty="0" err="1"/>
-              <a:t>normally</a:t>
-            </a:r>
-            <a:r>
-              <a:rPr lang="tr-TR" dirty="0"/>
-              <a:t> </a:t>
-            </a:r>
-            <a:r>
-              <a:rPr lang="tr-TR" dirty="0" err="1"/>
-              <a:t>controlled</a:t>
-            </a:r>
-            <a:r>
-              <a:rPr lang="tr-TR" dirty="0"/>
-              <a:t> </a:t>
-            </a:r>
-            <a:r>
-              <a:rPr lang="tr-TR" dirty="0" err="1"/>
-              <a:t>with</a:t>
-            </a:r>
-            <a:r>
-              <a:rPr lang="tr-TR" dirty="0"/>
-              <a:t> PID </a:t>
-            </a:r>
-            <a:r>
-              <a:rPr lang="tr-TR" dirty="0" err="1"/>
-              <a:t>controller</a:t>
-            </a:r>
-            <a:r>
-              <a:rPr lang="tr-TR" dirty="0"/>
-              <a:t>. </a:t>
-            </a:r>
-            <a:r>
-              <a:rPr lang="tr-TR" dirty="0" err="1"/>
-              <a:t>However</a:t>
-            </a:r>
-            <a:r>
-              <a:rPr lang="tr-TR" dirty="0"/>
-              <a:t>, </a:t>
-            </a:r>
-            <a:r>
-              <a:rPr lang="tr-TR" dirty="0" err="1"/>
-              <a:t>we</a:t>
-            </a:r>
-            <a:r>
-              <a:rPr lang="tr-TR" dirty="0"/>
-              <a:t> </a:t>
-            </a:r>
-            <a:r>
-              <a:rPr lang="tr-TR" dirty="0" err="1"/>
-              <a:t>added</a:t>
-            </a:r>
-            <a:r>
-              <a:rPr lang="tr-TR" dirty="0"/>
-              <a:t> inside </a:t>
-            </a:r>
-            <a:r>
-              <a:rPr lang="tr-TR" dirty="0" err="1"/>
-              <a:t>these</a:t>
-            </a:r>
-            <a:r>
-              <a:rPr lang="tr-TR" dirty="0"/>
-              <a:t> </a:t>
-            </a:r>
-            <a:r>
-              <a:rPr lang="tr-TR" dirty="0" err="1"/>
-              <a:t>blocks</a:t>
-            </a:r>
-            <a:r>
-              <a:rPr lang="tr-TR" dirty="0"/>
-              <a:t> RL </a:t>
-            </a:r>
-            <a:r>
-              <a:rPr lang="tr-TR" dirty="0" err="1"/>
-              <a:t>agents</a:t>
-            </a:r>
-            <a:r>
-              <a:rPr lang="tr-TR" dirty="0"/>
-              <a:t>. </a:t>
-            </a:r>
-          </a:p>
-          <a:p>
-            <a:pPr marL="0" lvl="0" indent="0" algn="l" rtl="0">
-              <a:spcBef>
-                <a:spcPts val="0"/>
-              </a:spcBef>
-              <a:spcAft>
-                <a:spcPts val="0"/>
-              </a:spcAft>
-              <a:buNone/>
-            </a:pPr>
-            <a:r>
-              <a:rPr lang="tr-TR" dirty="0" err="1"/>
-              <a:t>Our</a:t>
-            </a:r>
-            <a:r>
-              <a:rPr lang="tr-TR" dirty="0"/>
-              <a:t> plan </a:t>
-            </a:r>
-            <a:r>
-              <a:rPr lang="tr-TR" dirty="0" err="1"/>
-              <a:t>was</a:t>
-            </a:r>
-            <a:r>
-              <a:rPr lang="tr-TR" dirty="0"/>
-              <a:t> </a:t>
-            </a:r>
-            <a:r>
-              <a:rPr lang="tr-TR" dirty="0" err="1"/>
-              <a:t>firstly</a:t>
-            </a:r>
-            <a:r>
-              <a:rPr lang="tr-TR" dirty="0"/>
-              <a:t> </a:t>
-            </a:r>
-            <a:r>
-              <a:rPr lang="tr-TR" dirty="0" err="1"/>
-              <a:t>run</a:t>
-            </a:r>
-            <a:r>
-              <a:rPr lang="tr-TR" dirty="0"/>
-              <a:t> </a:t>
-            </a:r>
-            <a:r>
-              <a:rPr lang="tr-TR" dirty="0" err="1"/>
-              <a:t>the</a:t>
-            </a:r>
-            <a:r>
-              <a:rPr lang="tr-TR" dirty="0"/>
-              <a:t> </a:t>
-            </a:r>
-            <a:r>
-              <a:rPr lang="tr-TR" dirty="0" err="1"/>
-              <a:t>environment</a:t>
-            </a:r>
-            <a:r>
-              <a:rPr lang="tr-TR" dirty="0"/>
-              <a:t> </a:t>
-            </a:r>
-            <a:r>
-              <a:rPr lang="tr-TR" dirty="0" err="1"/>
-              <a:t>with</a:t>
-            </a:r>
-            <a:r>
-              <a:rPr lang="tr-TR" dirty="0"/>
-              <a:t> PID </a:t>
-            </a:r>
-            <a:r>
-              <a:rPr lang="tr-TR" dirty="0" err="1"/>
-              <a:t>controling</a:t>
-            </a:r>
-            <a:r>
-              <a:rPr lang="tr-TR" dirty="0"/>
-              <a:t> </a:t>
-            </a:r>
-            <a:r>
-              <a:rPr lang="tr-TR" dirty="0" err="1"/>
-              <a:t>blocks</a:t>
-            </a:r>
-            <a:r>
-              <a:rPr lang="tr-TR" dirty="0"/>
-              <a:t>. </a:t>
-            </a:r>
-            <a:r>
-              <a:rPr lang="tr-TR" dirty="0" err="1"/>
-              <a:t>And</a:t>
-            </a:r>
-            <a:r>
-              <a:rPr lang="tr-TR" dirty="0"/>
-              <a:t> </a:t>
-            </a:r>
-            <a:r>
-              <a:rPr lang="tr-TR" dirty="0" err="1"/>
-              <a:t>this</a:t>
-            </a:r>
-            <a:r>
-              <a:rPr lang="tr-TR" dirty="0"/>
-              <a:t> </a:t>
-            </a:r>
-            <a:r>
-              <a:rPr lang="tr-TR" dirty="0" err="1"/>
-              <a:t>worked</a:t>
-            </a:r>
-            <a:r>
-              <a:rPr lang="tr-TR" dirty="0"/>
-              <a:t> </a:t>
-            </a:r>
-            <a:r>
-              <a:rPr lang="tr-TR" dirty="0" err="1"/>
-              <a:t>fine</a:t>
-            </a:r>
-            <a:endParaRPr lang="tr-TR" dirty="0"/>
-          </a:p>
-          <a:p>
-            <a:pPr marL="0" lvl="0" indent="0" algn="l" rtl="0">
-              <a:spcBef>
-                <a:spcPts val="0"/>
-              </a:spcBef>
-              <a:spcAft>
-                <a:spcPts val="0"/>
-              </a:spcAft>
-              <a:buNone/>
-            </a:pPr>
-            <a:r>
-              <a:rPr lang="tr-TR" dirty="0" err="1"/>
-              <a:t>After</a:t>
-            </a:r>
-            <a:r>
-              <a:rPr lang="tr-TR" dirty="0"/>
-              <a:t> </a:t>
-            </a:r>
-            <a:r>
-              <a:rPr lang="tr-TR" dirty="0" err="1"/>
-              <a:t>then</a:t>
-            </a:r>
-            <a:r>
-              <a:rPr lang="tr-TR" dirty="0"/>
-              <a:t> </a:t>
-            </a:r>
-            <a:r>
-              <a:rPr lang="tr-TR" dirty="0" err="1"/>
-              <a:t>changed</a:t>
-            </a:r>
-            <a:r>
-              <a:rPr lang="tr-TR" dirty="0"/>
-              <a:t> </a:t>
-            </a:r>
-            <a:r>
-              <a:rPr lang="tr-TR" dirty="0" err="1"/>
-              <a:t>one</a:t>
-            </a:r>
-            <a:r>
-              <a:rPr lang="tr-TR" dirty="0"/>
-              <a:t> of </a:t>
-            </a:r>
-            <a:r>
-              <a:rPr lang="tr-TR" dirty="0" err="1"/>
-              <a:t>the</a:t>
-            </a:r>
-            <a:r>
-              <a:rPr lang="tr-TR" dirty="0"/>
-              <a:t> </a:t>
-            </a:r>
-            <a:r>
-              <a:rPr lang="tr-TR" dirty="0" err="1"/>
-              <a:t>blocks</a:t>
-            </a:r>
-            <a:r>
-              <a:rPr lang="tr-TR" dirty="0"/>
-              <a:t> </a:t>
-            </a:r>
-            <a:r>
-              <a:rPr lang="tr-TR" dirty="0" err="1"/>
-              <a:t>with</a:t>
-            </a:r>
-            <a:r>
-              <a:rPr lang="tr-TR" dirty="0"/>
-              <a:t> RL </a:t>
-            </a:r>
-            <a:r>
-              <a:rPr lang="tr-TR" dirty="0" err="1"/>
-              <a:t>agent</a:t>
-            </a:r>
-            <a:r>
-              <a:rPr lang="tr-TR" dirty="0"/>
-              <a:t> </a:t>
-            </a:r>
-            <a:r>
-              <a:rPr lang="tr-TR" dirty="0" err="1"/>
-              <a:t>and</a:t>
-            </a:r>
-            <a:r>
-              <a:rPr lang="tr-TR" dirty="0"/>
-              <a:t> </a:t>
-            </a:r>
-            <a:r>
-              <a:rPr lang="tr-TR" dirty="0" err="1"/>
-              <a:t>trained</a:t>
-            </a:r>
-            <a:r>
-              <a:rPr lang="tr-TR" dirty="0"/>
-              <a:t> .  </a:t>
-            </a:r>
-            <a:r>
-              <a:rPr lang="tr-TR" dirty="0" err="1"/>
-              <a:t>We</a:t>
-            </a:r>
-            <a:r>
-              <a:rPr lang="tr-TR" dirty="0"/>
-              <a:t> </a:t>
-            </a:r>
-            <a:r>
-              <a:rPr lang="tr-TR" dirty="0" err="1"/>
-              <a:t>did</a:t>
-            </a:r>
-            <a:r>
-              <a:rPr lang="tr-TR" dirty="0"/>
-              <a:t> not </a:t>
-            </a:r>
-            <a:r>
-              <a:rPr lang="tr-TR" dirty="0" err="1"/>
-              <a:t>change</a:t>
-            </a:r>
-            <a:r>
-              <a:rPr lang="tr-TR" dirty="0"/>
-              <a:t> </a:t>
-            </a:r>
-            <a:r>
-              <a:rPr lang="tr-TR" dirty="0" err="1"/>
-              <a:t>both</a:t>
-            </a:r>
-            <a:r>
-              <a:rPr lang="tr-TR" dirty="0"/>
-              <a:t> of </a:t>
-            </a:r>
-            <a:r>
-              <a:rPr lang="tr-TR" dirty="0" err="1"/>
-              <a:t>these</a:t>
-            </a:r>
-            <a:r>
-              <a:rPr lang="tr-TR" dirty="0"/>
-              <a:t> </a:t>
-            </a:r>
-            <a:r>
-              <a:rPr lang="tr-TR" dirty="0" err="1"/>
-              <a:t>blocks</a:t>
-            </a:r>
-            <a:r>
-              <a:rPr lang="tr-TR" dirty="0"/>
-              <a:t> </a:t>
-            </a:r>
-            <a:r>
-              <a:rPr lang="tr-TR" dirty="0" err="1"/>
-              <a:t>simultaneously</a:t>
-            </a:r>
-            <a:r>
-              <a:rPr lang="tr-TR" dirty="0"/>
-              <a:t>. </a:t>
-            </a:r>
-            <a:r>
-              <a:rPr lang="tr-TR" dirty="0" err="1"/>
-              <a:t>If</a:t>
-            </a:r>
-            <a:r>
-              <a:rPr lang="tr-TR" dirty="0"/>
-              <a:t> it is done </a:t>
-            </a:r>
-            <a:r>
-              <a:rPr lang="tr-TR" dirty="0" err="1"/>
-              <a:t>simultaneously</a:t>
-            </a:r>
-            <a:r>
-              <a:rPr lang="tr-TR" dirty="0"/>
-              <a:t> </a:t>
-            </a:r>
-            <a:r>
-              <a:rPr lang="tr-TR" dirty="0" err="1"/>
-              <a:t>agent</a:t>
-            </a:r>
-            <a:r>
-              <a:rPr lang="tr-TR" dirty="0"/>
-              <a:t> </a:t>
-            </a:r>
-            <a:r>
-              <a:rPr lang="tr-TR" dirty="0" err="1"/>
-              <a:t>training</a:t>
-            </a:r>
-            <a:r>
-              <a:rPr lang="tr-TR" dirty="0"/>
-              <a:t> </a:t>
-            </a:r>
-            <a:r>
-              <a:rPr lang="tr-TR" dirty="0" err="1"/>
-              <a:t>itself</a:t>
-            </a:r>
-            <a:r>
-              <a:rPr lang="tr-TR" dirty="0"/>
-              <a:t> </a:t>
-            </a:r>
-            <a:r>
-              <a:rPr lang="tr-TR" dirty="0" err="1"/>
-              <a:t>wrongly</a:t>
-            </a:r>
-            <a:r>
-              <a:rPr lang="tr-TR" dirty="0"/>
-              <a:t> </a:t>
-            </a:r>
-            <a:r>
-              <a:rPr lang="tr-TR" dirty="0" err="1"/>
-              <a:t>due</a:t>
-            </a:r>
-            <a:r>
-              <a:rPr lang="tr-TR" dirty="0"/>
-              <a:t> </a:t>
-            </a:r>
-            <a:r>
-              <a:rPr lang="tr-TR" dirty="0" err="1"/>
-              <a:t>to</a:t>
-            </a:r>
-            <a:r>
-              <a:rPr lang="tr-TR" dirty="0"/>
-              <a:t> </a:t>
-            </a:r>
-            <a:r>
-              <a:rPr lang="tr-TR" dirty="0" err="1"/>
-              <a:t>the</a:t>
-            </a:r>
-            <a:r>
-              <a:rPr lang="tr-TR" dirty="0"/>
-              <a:t> </a:t>
-            </a:r>
-            <a:r>
-              <a:rPr lang="tr-TR" dirty="0" err="1"/>
-              <a:t>two</a:t>
-            </a:r>
-            <a:r>
-              <a:rPr lang="tr-TR" dirty="0"/>
-              <a:t> </a:t>
-            </a:r>
-            <a:r>
-              <a:rPr lang="tr-TR" dirty="0" err="1"/>
-              <a:t>unknown</a:t>
-            </a:r>
-            <a:r>
-              <a:rPr lang="tr-TR" dirty="0"/>
-              <a:t> </a:t>
-            </a:r>
-          </a:p>
-          <a:p>
-            <a:pPr marL="0" lvl="0" indent="0" algn="l" rtl="0">
-              <a:spcBef>
-                <a:spcPts val="0"/>
-              </a:spcBef>
-              <a:spcAft>
-                <a:spcPts val="0"/>
-              </a:spcAft>
-              <a:buNone/>
-            </a:pPr>
-            <a:r>
-              <a:rPr lang="tr-TR" dirty="0" err="1"/>
-              <a:t>dynamic</a:t>
-            </a:r>
-            <a:r>
-              <a:rPr lang="tr-TR" dirty="0"/>
-              <a:t> </a:t>
-            </a:r>
-            <a:r>
-              <a:rPr lang="tr-TR" dirty="0" err="1"/>
-              <a:t>struct</a:t>
-            </a:r>
-            <a:endParaRPr lang="tr-TR" dirty="0"/>
-          </a:p>
-          <a:p>
-            <a:pPr marL="0" lvl="0" indent="0" algn="l" rtl="0">
-              <a:spcBef>
-                <a:spcPts val="0"/>
-              </a:spcBef>
-              <a:spcAft>
-                <a:spcPts val="0"/>
-              </a:spcAft>
-              <a:buNone/>
-            </a:pPr>
-            <a:endParaRPr lang="tr-TR" dirty="0"/>
-          </a:p>
-        </p:txBody>
-      </p:sp>
+      <mc:AlternateContent xmlns:mc="http://schemas.openxmlformats.org/markup-compatibility/2006">
+        <mc:Choice xmlns:a14="http://schemas.microsoft.com/office/drawing/2010/main" Requires="a14">
+          <p:sp>
+            <p:nvSpPr>
+              <p:cNvPr id="337" name="Google Shape;337;p26:notes"/>
+              <p:cNvSpPr txBox="1">
+                <a:spLocks noGrp="1"/>
+              </p:cNvSpPr>
+              <p:nvPr>
+                <p:ph type="body" idx="1"/>
+              </p:nvPr>
+            </p:nvSpPr>
+            <p:spPr>
+              <a:xfrm>
+                <a:off x="685800" y="4400550"/>
+                <a:ext cx="5486400" cy="3600450"/>
+              </a:xfrm>
+              <a:prstGeom prst="rect">
+                <a:avLst/>
+              </a:prstGeom>
+              <a:noFill/>
+              <a:ln>
+                <a:noFill/>
+              </a:ln>
+            </p:spPr>
+            <p:txBody>
+              <a:bodyPr spcFirstLastPara="1" wrap="square" lIns="91425" tIns="45700" rIns="91425" bIns="45700" anchor="t" anchorCtr="0">
+                <a:noAutofit/>
+              </a:bodyPr>
+              <a:lstStyle/>
+              <a:p>
+                <a:pPr marL="0" lvl="0" indent="0" algn="l" rtl="0">
+                  <a:spcBef>
+                    <a:spcPts val="0"/>
+                  </a:spcBef>
+                  <a:spcAft>
+                    <a:spcPts val="0"/>
+                  </a:spcAft>
+                  <a:buNone/>
+                </a:pPr>
+                <a:r>
+                  <a:rPr lang="en-US" noProof="0" dirty="0"/>
+                  <a:t>This is the flight control system block that we focused one. </a:t>
+                </a:r>
+              </a:p>
+              <a:p>
+                <a:pPr marL="0" lvl="0" indent="0" algn="l" rtl="0">
+                  <a:spcBef>
+                    <a:spcPts val="0"/>
+                  </a:spcBef>
+                  <a:spcAft>
+                    <a:spcPts val="0"/>
+                  </a:spcAft>
+                  <a:buNone/>
+                </a:pPr>
+                <a:r>
+                  <a:rPr lang="en-US" noProof="0" dirty="0"/>
+                  <a:t>The orange blocks are normally controlled with PID controller. However, we added inside these blocks RL agents. </a:t>
+                </a:r>
+              </a:p>
+              <a:p>
+                <a:pPr marL="0" lvl="0" indent="0" algn="l" rtl="0">
+                  <a:spcBef>
+                    <a:spcPts val="0"/>
+                  </a:spcBef>
+                  <a:spcAft>
+                    <a:spcPts val="0"/>
+                  </a:spcAft>
+                  <a:buNone/>
+                </a:pPr>
+                <a:r>
+                  <a:rPr lang="en-US" noProof="0" dirty="0"/>
+                  <a:t>Our plan was firstly run the environment with PID controlling blocks. And this worked fine</a:t>
+                </a:r>
+              </a:p>
+              <a:p>
+                <a:pPr marL="0" lvl="0" indent="0" algn="l" rtl="0">
+                  <a:spcBef>
+                    <a:spcPts val="0"/>
+                  </a:spcBef>
+                  <a:spcAft>
+                    <a:spcPts val="0"/>
+                  </a:spcAft>
+                  <a:buNone/>
+                </a:pPr>
+                <a:r>
+                  <a:rPr lang="en-US" noProof="0" dirty="0"/>
+                  <a:t>After then changed one of the blocks with RL agent and trained.  We did not change both of these blocks simultaneously. If it is done simultaneously agent training itself wrongly due to the two unknown dynamic struct</a:t>
+                </a:r>
+                <a:endParaRPr lang="tr-TR" noProof="0" dirty="0"/>
+              </a:p>
+              <a:p>
+                <a:pPr marL="0" lvl="0" indent="0" algn="l" rtl="0">
+                  <a:spcBef>
+                    <a:spcPts val="0"/>
+                  </a:spcBef>
+                  <a:spcAft>
+                    <a:spcPts val="0"/>
+                  </a:spcAft>
+                  <a:buNone/>
+                </a:pPr>
+                <a:endParaRPr lang="tr-TR" noProof="0" dirty="0"/>
+              </a:p>
+              <a:p>
+                <a:pPr marL="0" marR="0" lvl="0" indent="0" algn="l" defTabSz="914400" rtl="0" eaLnBrk="1" fontAlgn="auto" latinLnBrk="0" hangingPunct="1">
+                  <a:lnSpc>
+                    <a:spcPct val="100000"/>
+                  </a:lnSpc>
+                  <a:spcBef>
+                    <a:spcPts val="0"/>
+                  </a:spcBef>
+                  <a:spcAft>
+                    <a:spcPts val="0"/>
+                  </a:spcAft>
+                  <a:buClr>
+                    <a:srgbClr val="000000"/>
+                  </a:buClr>
+                  <a:buSzPts val="1400"/>
+                  <a:buFont typeface="Arial"/>
+                  <a:buNone/>
+                  <a:tabLst/>
+                  <a:defRPr/>
+                </a:pPr>
+                <a14:m>
+                  <m:oMath xmlns:m="http://schemas.openxmlformats.org/officeDocument/2006/math">
+                    <m:r>
+                      <a:rPr lang="en-US" i="1" smtClean="0">
+                        <a:latin typeface="Cambria Math" panose="02040503050406030204" pitchFamily="18" charset="0"/>
+                      </a:rPr>
+                      <m:t>𝑏</m:t>
+                    </m:r>
+                  </m:oMath>
+                </a14:m>
+                <a:r>
+                  <a:rPr lang="en-US" i="1" dirty="0"/>
+                  <a:t> </a:t>
+                </a:r>
+                <a:r>
+                  <a:rPr lang="en-US" dirty="0"/>
+                  <a:t>is the thrust coefficient, </a:t>
+                </a:r>
+                <a14:m>
+                  <m:oMath xmlns:m="http://schemas.openxmlformats.org/officeDocument/2006/math">
+                    <m:r>
+                      <a:rPr lang="en-US" i="1">
+                        <a:latin typeface="Cambria Math" panose="02040503050406030204" pitchFamily="18" charset="0"/>
+                      </a:rPr>
+                      <m:t>𝑙</m:t>
+                    </m:r>
+                  </m:oMath>
+                </a14:m>
+                <a:r>
+                  <a:rPr lang="en-US" dirty="0"/>
+                  <a:t> </a:t>
+                </a:r>
+                <a14:m>
+                  <m:oMath xmlns:m="http://schemas.openxmlformats.org/officeDocument/2006/math">
+                    <m:r>
+                      <m:rPr>
+                        <m:sty m:val="p"/>
+                      </m:rPr>
+                      <a:rPr lang="en-US" i="0">
+                        <a:latin typeface="Cambria Math" panose="02040503050406030204" pitchFamily="18" charset="0"/>
+                      </a:rPr>
+                      <m:t>distance</m:t>
+                    </m:r>
+                    <m:r>
+                      <a:rPr lang="en-US" i="0">
+                        <a:latin typeface="Cambria Math" panose="02040503050406030204" pitchFamily="18" charset="0"/>
+                      </a:rPr>
+                      <m:t> </m:t>
+                    </m:r>
+                    <m:r>
+                      <m:rPr>
+                        <m:sty m:val="p"/>
+                      </m:rPr>
+                      <a:rPr lang="en-US" i="0">
+                        <a:latin typeface="Cambria Math" panose="02040503050406030204" pitchFamily="18" charset="0"/>
+                      </a:rPr>
+                      <m:t>between</m:t>
+                    </m:r>
+                    <m:r>
+                      <a:rPr lang="en-US" i="0">
+                        <a:latin typeface="Cambria Math" panose="02040503050406030204" pitchFamily="18" charset="0"/>
+                      </a:rPr>
+                      <m:t> </m:t>
+                    </m:r>
+                    <m:r>
+                      <m:rPr>
+                        <m:sty m:val="p"/>
+                      </m:rPr>
+                      <a:rPr lang="en-US" i="0">
+                        <a:latin typeface="Cambria Math" panose="02040503050406030204" pitchFamily="18" charset="0"/>
+                      </a:rPr>
+                      <m:t>the</m:t>
+                    </m:r>
+                    <m:r>
+                      <a:rPr lang="en-US" i="0">
+                        <a:latin typeface="Cambria Math" panose="02040503050406030204" pitchFamily="18" charset="0"/>
+                      </a:rPr>
+                      <m:t> </m:t>
+                    </m:r>
+                    <m:r>
+                      <m:rPr>
+                        <m:sty m:val="p"/>
+                      </m:rPr>
+                      <a:rPr lang="en-US" i="0">
+                        <a:latin typeface="Cambria Math" panose="02040503050406030204" pitchFamily="18" charset="0"/>
+                      </a:rPr>
+                      <m:t>Parrot</m:t>
+                    </m:r>
+                    <m:r>
+                      <a:rPr lang="en-US" i="0">
+                        <a:latin typeface="Cambria Math" panose="02040503050406030204" pitchFamily="18" charset="0"/>
+                      </a:rPr>
+                      <m:t> </m:t>
+                    </m:r>
+                    <m:r>
+                      <m:rPr>
+                        <m:sty m:val="p"/>
+                      </m:rPr>
+                      <a:rPr lang="en-US" i="0">
+                        <a:latin typeface="Cambria Math" panose="02040503050406030204" pitchFamily="18" charset="0"/>
+                      </a:rPr>
+                      <m:t>Mamb</m:t>
+                    </m:r>
+                    <m:sSup>
+                      <m:sSupPr>
+                        <m:ctrlPr>
+                          <a:rPr lang="en-US" i="1">
+                            <a:latin typeface="Cambria Math" panose="02040503050406030204" pitchFamily="18" charset="0"/>
+                          </a:rPr>
+                        </m:ctrlPr>
+                      </m:sSupPr>
+                      <m:e>
+                        <m:r>
+                          <m:rPr>
+                            <m:sty m:val="p"/>
+                          </m:rPr>
+                          <a:rPr lang="en-US" i="0">
+                            <a:latin typeface="Cambria Math" panose="02040503050406030204" pitchFamily="18" charset="0"/>
+                          </a:rPr>
+                          <m:t>o</m:t>
+                        </m:r>
+                      </m:e>
+                      <m:sup>
+                        <m:r>
+                          <a:rPr lang="en-US" i="0">
+                            <a:latin typeface="Cambria Math" panose="02040503050406030204" pitchFamily="18" charset="0"/>
+                          </a:rPr>
+                          <m:t>′</m:t>
+                        </m:r>
+                      </m:sup>
+                    </m:sSup>
+                    <m:r>
+                      <m:rPr>
+                        <m:sty m:val="p"/>
+                      </m:rPr>
+                      <a:rPr lang="en-US" i="0">
+                        <a:latin typeface="Cambria Math" panose="02040503050406030204" pitchFamily="18" charset="0"/>
+                      </a:rPr>
+                      <m:t>s</m:t>
+                    </m:r>
+                    <m:r>
+                      <a:rPr lang="en-US" i="0">
+                        <a:latin typeface="Cambria Math" panose="02040503050406030204" pitchFamily="18" charset="0"/>
+                      </a:rPr>
+                      <m:t> </m:t>
+                    </m:r>
+                    <m:r>
+                      <m:rPr>
+                        <m:sty m:val="p"/>
+                      </m:rPr>
+                      <a:rPr lang="en-US" i="0">
+                        <a:latin typeface="Cambria Math" panose="02040503050406030204" pitchFamily="18" charset="0"/>
+                      </a:rPr>
+                      <m:t>center</m:t>
+                    </m:r>
+                    <m:r>
+                      <a:rPr lang="en-US" i="0">
+                        <a:latin typeface="Cambria Math" panose="02040503050406030204" pitchFamily="18" charset="0"/>
+                      </a:rPr>
+                      <m:t> </m:t>
+                    </m:r>
+                    <m:r>
+                      <m:rPr>
+                        <m:sty m:val="p"/>
+                      </m:rPr>
+                      <a:rPr lang="en-US" i="0">
+                        <a:latin typeface="Cambria Math" panose="02040503050406030204" pitchFamily="18" charset="0"/>
+                      </a:rPr>
+                      <m:t>of</m:t>
+                    </m:r>
+                    <m:r>
+                      <a:rPr lang="en-US" i="0">
+                        <a:latin typeface="Cambria Math" panose="02040503050406030204" pitchFamily="18" charset="0"/>
+                      </a:rPr>
+                      <m:t> </m:t>
+                    </m:r>
+                    <m:r>
+                      <m:rPr>
+                        <m:sty m:val="p"/>
+                      </m:rPr>
+                      <a:rPr lang="en-US" i="0">
+                        <a:latin typeface="Cambria Math" panose="02040503050406030204" pitchFamily="18" charset="0"/>
+                      </a:rPr>
+                      <m:t>gravity</m:t>
+                    </m:r>
+                    <m:r>
+                      <a:rPr lang="en-US" i="0">
+                        <a:latin typeface="Cambria Math" panose="02040503050406030204" pitchFamily="18" charset="0"/>
+                      </a:rPr>
+                      <m:t> </m:t>
+                    </m:r>
+                    <m:r>
+                      <m:rPr>
+                        <m:sty m:val="p"/>
+                      </m:rPr>
+                      <a:rPr lang="en-US" i="0">
+                        <a:latin typeface="Cambria Math" panose="02040503050406030204" pitchFamily="18" charset="0"/>
+                      </a:rPr>
+                      <m:t>and</m:t>
+                    </m:r>
+                    <m:r>
+                      <a:rPr lang="en-US" i="0">
+                        <a:latin typeface="Cambria Math" panose="02040503050406030204" pitchFamily="18" charset="0"/>
+                      </a:rPr>
+                      <m:t> </m:t>
+                    </m:r>
+                    <m:r>
+                      <m:rPr>
+                        <m:sty m:val="p"/>
+                      </m:rPr>
+                      <a:rPr lang="en-US" i="0">
+                        <a:latin typeface="Cambria Math" panose="02040503050406030204" pitchFamily="18" charset="0"/>
+                      </a:rPr>
+                      <m:t>rotors</m:t>
+                    </m:r>
+                  </m:oMath>
+                </a14:m>
+                <a:r>
+                  <a:rPr lang="en-US" dirty="0"/>
+                  <a:t>, and </a:t>
+                </a:r>
+                <a14:m>
+                  <m:oMath xmlns:m="http://schemas.openxmlformats.org/officeDocument/2006/math">
+                    <m:sSub>
+                      <m:sSubPr>
+                        <m:ctrlPr>
+                          <a:rPr lang="en-US" i="1">
+                            <a:latin typeface="Cambria Math" panose="02040503050406030204" pitchFamily="18" charset="0"/>
+                          </a:rPr>
+                        </m:ctrlPr>
+                      </m:sSubPr>
+                      <m:e>
+                        <m:r>
+                          <m:rPr>
+                            <m:sty m:val="p"/>
+                          </m:rPr>
+                          <a:rPr lang="en-US">
+                            <a:latin typeface="Cambria Math" panose="02040503050406030204" pitchFamily="18" charset="0"/>
+                          </a:rPr>
+                          <m:t>Ω</m:t>
+                        </m:r>
+                      </m:e>
+                      <m:sub>
+                        <m:r>
+                          <a:rPr lang="en-US" i="1">
+                            <a:latin typeface="Cambria Math" panose="02040503050406030204" pitchFamily="18" charset="0"/>
+                          </a:rPr>
+                          <m:t>𝑖</m:t>
+                        </m:r>
+                      </m:sub>
+                    </m:sSub>
+                  </m:oMath>
+                </a14:m>
+                <a:r>
+                  <a:rPr lang="en-US" i="1" baseline="-25000" dirty="0"/>
+                  <a:t> </a:t>
+                </a:r>
+                <a:r>
+                  <a:rPr lang="en-US" dirty="0"/>
+                  <a:t>is the angular velocity</a:t>
+                </a:r>
+              </a:p>
+              <a:p>
+                <a:pPr marL="0" lvl="0" indent="0" algn="l" rtl="0">
+                  <a:spcBef>
+                    <a:spcPts val="0"/>
+                  </a:spcBef>
+                  <a:spcAft>
+                    <a:spcPts val="0"/>
+                  </a:spcAft>
+                  <a:buNone/>
+                </a:pPr>
+                <a:endParaRPr lang="en-US" noProof="0" dirty="0"/>
+              </a:p>
+            </p:txBody>
+          </p:sp>
+        </mc:Choice>
+        <mc:Fallback>
+          <p:sp>
+            <p:nvSpPr>
+              <p:cNvPr id="337" name="Google Shape;337;p26:notes"/>
+              <p:cNvSpPr txBox="1">
+                <a:spLocks noGrp="1"/>
+              </p:cNvSpPr>
+              <p:nvPr>
+                <p:ph type="body" idx="1"/>
+              </p:nvPr>
+            </p:nvSpPr>
+            <p:spPr>
+              <a:xfrm>
+                <a:off x="685800" y="4400550"/>
+                <a:ext cx="5486400" cy="3600450"/>
+              </a:xfrm>
+              <a:prstGeom prst="rect">
+                <a:avLst/>
+              </a:prstGeom>
+              <a:noFill/>
+              <a:ln>
+                <a:noFill/>
+              </a:ln>
+            </p:spPr>
+            <p:txBody>
+              <a:bodyPr spcFirstLastPara="1" wrap="square" lIns="91425" tIns="45700" rIns="91425" bIns="45700" anchor="t" anchorCtr="0">
+                <a:noAutofit/>
+              </a:bodyPr>
+              <a:lstStyle/>
+              <a:p>
+                <a:pPr marL="0" lvl="0" indent="0" algn="l" rtl="0">
+                  <a:spcBef>
+                    <a:spcPts val="0"/>
+                  </a:spcBef>
+                  <a:spcAft>
+                    <a:spcPts val="0"/>
+                  </a:spcAft>
+                  <a:buNone/>
+                </a:pPr>
+                <a:r>
+                  <a:rPr lang="en-US" noProof="0" dirty="0"/>
+                  <a:t>This is the flight control system block that we focused one. </a:t>
+                </a:r>
+              </a:p>
+              <a:p>
+                <a:pPr marL="0" lvl="0" indent="0" algn="l" rtl="0">
+                  <a:spcBef>
+                    <a:spcPts val="0"/>
+                  </a:spcBef>
+                  <a:spcAft>
+                    <a:spcPts val="0"/>
+                  </a:spcAft>
+                  <a:buNone/>
+                </a:pPr>
+                <a:r>
+                  <a:rPr lang="en-US" noProof="0" dirty="0"/>
+                  <a:t>The orange blocks are normally controlled with PID controller. However, we added inside these blocks RL agents. </a:t>
+                </a:r>
+              </a:p>
+              <a:p>
+                <a:pPr marL="0" lvl="0" indent="0" algn="l" rtl="0">
+                  <a:spcBef>
+                    <a:spcPts val="0"/>
+                  </a:spcBef>
+                  <a:spcAft>
+                    <a:spcPts val="0"/>
+                  </a:spcAft>
+                  <a:buNone/>
+                </a:pPr>
+                <a:r>
+                  <a:rPr lang="en-US" noProof="0" dirty="0"/>
+                  <a:t>Our plan was firstly run the environment with PID controlling blocks. And this worked fine</a:t>
+                </a:r>
+              </a:p>
+              <a:p>
+                <a:pPr marL="0" lvl="0" indent="0" algn="l" rtl="0">
+                  <a:spcBef>
+                    <a:spcPts val="0"/>
+                  </a:spcBef>
+                  <a:spcAft>
+                    <a:spcPts val="0"/>
+                  </a:spcAft>
+                  <a:buNone/>
+                </a:pPr>
+                <a:r>
+                  <a:rPr lang="en-US" noProof="0" dirty="0"/>
+                  <a:t>After then changed one of the blocks with RL agent and trained.  We did not change both of these blocks simultaneously. If it is done simultaneously agent training itself wrongly due to the two unknown dynamic struct</a:t>
+                </a:r>
+                <a:endParaRPr lang="tr-TR" noProof="0" dirty="0"/>
+              </a:p>
+              <a:p>
+                <a:pPr marL="0" lvl="0" indent="0" algn="l" rtl="0">
+                  <a:spcBef>
+                    <a:spcPts val="0"/>
+                  </a:spcBef>
+                  <a:spcAft>
+                    <a:spcPts val="0"/>
+                  </a:spcAft>
+                  <a:buNone/>
+                </a:pPr>
+                <a:endParaRPr lang="tr-TR" noProof="0" dirty="0"/>
+              </a:p>
+              <a:p>
+                <a:pPr marL="0" marR="0" lvl="0" indent="0" algn="l" defTabSz="914400" rtl="0" eaLnBrk="1" fontAlgn="auto" latinLnBrk="0" hangingPunct="1">
+                  <a:lnSpc>
+                    <a:spcPct val="100000"/>
+                  </a:lnSpc>
+                  <a:spcBef>
+                    <a:spcPts val="0"/>
+                  </a:spcBef>
+                  <a:spcAft>
+                    <a:spcPts val="0"/>
+                  </a:spcAft>
+                  <a:buClr>
+                    <a:srgbClr val="000000"/>
+                  </a:buClr>
+                  <a:buSzPts val="1400"/>
+                  <a:buFont typeface="Arial"/>
+                  <a:buNone/>
+                  <a:tabLst/>
+                  <a:defRPr/>
+                </a:pPr>
+                <a:r>
+                  <a:rPr lang="en-US" i="0">
+                    <a:latin typeface="Cambria Math" panose="02040503050406030204" pitchFamily="18" charset="0"/>
+                  </a:rPr>
+                  <a:t>𝑏</a:t>
+                </a:r>
+                <a:r>
+                  <a:rPr lang="en-US" i="1" dirty="0"/>
+                  <a:t> </a:t>
+                </a:r>
+                <a:r>
+                  <a:rPr lang="en-US" dirty="0"/>
+                  <a:t>is the thrust coefficient, </a:t>
+                </a:r>
+                <a:r>
+                  <a:rPr lang="en-US" i="0">
+                    <a:latin typeface="Cambria Math" panose="02040503050406030204" pitchFamily="18" charset="0"/>
+                  </a:rPr>
+                  <a:t>𝑙</a:t>
+                </a:r>
+                <a:r>
+                  <a:rPr lang="en-US" dirty="0"/>
+                  <a:t> </a:t>
+                </a:r>
+                <a:r>
+                  <a:rPr lang="en-US" i="0">
+                    <a:latin typeface="Cambria Math" panose="02040503050406030204" pitchFamily="18" charset="0"/>
+                  </a:rPr>
+                  <a:t>distance between the Parrot Mambo^′ s center of gravity and rotors</a:t>
+                </a:r>
+                <a:r>
+                  <a:rPr lang="en-US" dirty="0"/>
+                  <a:t>, and </a:t>
+                </a:r>
+                <a:r>
+                  <a:rPr lang="en-US" i="0">
+                    <a:latin typeface="Cambria Math" panose="02040503050406030204" pitchFamily="18" charset="0"/>
+                  </a:rPr>
+                  <a:t>Ω_𝑖</a:t>
+                </a:r>
+                <a:r>
+                  <a:rPr lang="en-US" i="1" baseline="-25000" dirty="0"/>
+                  <a:t> </a:t>
+                </a:r>
+                <a:r>
+                  <a:rPr lang="en-US" dirty="0"/>
+                  <a:t>is the angular velocity</a:t>
+                </a:r>
+              </a:p>
+              <a:p>
+                <a:pPr marL="0" lvl="0" indent="0" algn="l" rtl="0">
+                  <a:spcBef>
+                    <a:spcPts val="0"/>
+                  </a:spcBef>
+                  <a:spcAft>
+                    <a:spcPts val="0"/>
+                  </a:spcAft>
+                  <a:buNone/>
+                </a:pPr>
+                <a:endParaRPr lang="en-US" noProof="0" dirty="0"/>
+              </a:p>
+            </p:txBody>
+          </p:sp>
+        </mc:Fallback>
+      </mc:AlternateContent>
       <p:sp>
         <p:nvSpPr>
           <p:cNvPr id="338" name="Google Shape;338;p26:notes"/>
@@ -3236,7 +3300,7 @@
             </a:r>
             <a:r>
               <a:rPr lang="tr-TR" dirty="0" err="1"/>
-              <a:t>attitude</a:t>
+              <a:t>roll</a:t>
             </a:r>
             <a:r>
               <a:rPr lang="tr-TR" dirty="0"/>
@@ -3244,7 +3308,7 @@
             </a:r>
             <a:r>
               <a:rPr lang="tr-TR" dirty="0" err="1"/>
-              <a:t>controller</a:t>
+              <a:t>and</a:t>
             </a:r>
             <a:r>
               <a:rPr lang="tr-TR" dirty="0"/>
@@ -3252,7 +3316,7 @@
             </a:r>
             <a:r>
               <a:rPr lang="tr-TR" dirty="0" err="1"/>
-              <a:t>for</a:t>
+              <a:t>pitch</a:t>
             </a:r>
             <a:r>
               <a:rPr lang="tr-TR" dirty="0"/>
@@ -3260,12 +3324,57 @@
             </a:r>
             <a:r>
               <a:rPr lang="tr-TR" dirty="0" err="1"/>
+              <a:t>attitude</a:t>
+            </a:r>
+            <a:r>
+              <a:rPr lang="tr-TR" dirty="0"/>
+              <a:t> </a:t>
+            </a:r>
+            <a:r>
+              <a:rPr lang="tr-TR" dirty="0" err="1"/>
+              <a:t>controller</a:t>
+            </a:r>
+            <a:r>
+              <a:rPr lang="tr-TR" dirty="0"/>
+              <a:t> </a:t>
+            </a:r>
+            <a:r>
+              <a:rPr lang="tr-TR" dirty="0" err="1"/>
+              <a:t>for</a:t>
+            </a:r>
+            <a:r>
+              <a:rPr lang="tr-TR" dirty="0"/>
+              <a:t> </a:t>
+            </a:r>
+            <a:r>
+              <a:rPr lang="tr-TR" dirty="0" err="1"/>
               <a:t>quadcopter</a:t>
             </a:r>
             <a:r>
               <a:rPr lang="tr-TR" dirty="0"/>
+              <a:t>. </a:t>
+            </a:r>
+            <a:r>
+              <a:rPr lang="en-US" dirty="0"/>
+              <a:t>Additionally, back calculation was used as an anti wind up method.</a:t>
+            </a:r>
+            <a:r>
+              <a:rPr lang="tr-TR" dirty="0"/>
+              <a:t> </a:t>
+            </a:r>
+            <a:r>
+              <a:rPr lang="en-US" dirty="0"/>
+              <a:t>The PID Controller's output creates pitch and roll torque </a:t>
+            </a:r>
+            <a:r>
+              <a:rPr lang="tr-TR" dirty="0" err="1"/>
+              <a:t>commands</a:t>
+            </a:r>
+            <a:r>
+              <a:rPr lang="en-US" dirty="0"/>
               <a:t>.</a:t>
             </a:r>
+            <a:endParaRPr lang="tr-TR" dirty="0"/>
           </a:p>
           <a:p>
             <a:pPr marL="0" lvl="0" indent="0" algn="l" rtl="0">
@@ -3451,59 +3560,59 @@
               <a:buNone/>
             </a:pPr>
             <a:r>
-              <a:rPr lang="tr-TR" dirty="0" err="1"/>
-              <a:t>This</a:t>
-            </a:r>
-            <a:r>
-              <a:rPr lang="tr-TR" dirty="0"/>
-              <a:t> is </a:t>
-            </a:r>
-            <a:r>
-              <a:rPr lang="tr-TR" dirty="0" err="1"/>
-              <a:t>the</a:t>
-            </a:r>
-            <a:r>
-              <a:rPr lang="tr-TR" dirty="0"/>
+              <a:rPr lang="en-US" noProof="0" dirty="0"/>
+              <a:t>This is the agent and its environment block</a:t>
+            </a:r>
+            <a:r>
+              <a:rPr lang="tr-TR" noProof="0" dirty="0"/>
               <a:t> </a:t>
             </a:r>
             <a:r>
-              <a:rPr lang="tr-TR" dirty="0" err="1"/>
-              <a:t>agent</a:t>
-            </a:r>
-            <a:r>
-              <a:rPr lang="tr-TR" dirty="0"/>
+              <a:rPr lang="tr-TR" noProof="0" dirty="0" err="1"/>
+              <a:t>for</a:t>
+            </a:r>
+            <a:r>
+              <a:rPr lang="tr-TR" noProof="0" dirty="0"/>
               <a:t> </a:t>
             </a:r>
             <a:r>
-              <a:rPr lang="tr-TR" dirty="0" err="1"/>
+              <a:rPr lang="tr-TR" noProof="0" dirty="0" err="1"/>
+              <a:t>roll</a:t>
+            </a:r>
+            <a:r>
+              <a:rPr lang="tr-TR" noProof="0" dirty="0"/>
+              <a:t> </a:t>
+            </a:r>
+            <a:r>
+              <a:rPr lang="tr-TR" noProof="0" dirty="0" err="1"/>
               <a:t>and</a:t>
             </a:r>
             <a:r>
-              <a:rPr lang="tr-TR" dirty="0"/>
+              <a:rPr lang="tr-TR" noProof="0" dirty="0"/>
               <a:t> </a:t>
             </a:r>
             <a:r>
-              <a:rPr lang="tr-TR" dirty="0" err="1"/>
-              <a:t>its</a:t>
-            </a:r>
-            <a:r>
-              <a:rPr lang="tr-TR" dirty="0"/>
+              <a:rPr lang="tr-TR" noProof="0" dirty="0" err="1"/>
+              <a:t>pitch</a:t>
+            </a:r>
+            <a:r>
+              <a:rPr lang="tr-TR" noProof="0" dirty="0"/>
               <a:t> </a:t>
             </a:r>
             <a:r>
-              <a:rPr lang="tr-TR" dirty="0" err="1"/>
-              <a:t>environment</a:t>
-            </a:r>
-            <a:r>
-              <a:rPr lang="tr-TR" dirty="0"/>
+              <a:rPr lang="tr-TR" noProof="0" dirty="0" err="1"/>
+              <a:t>attitude</a:t>
+            </a:r>
+            <a:r>
+              <a:rPr lang="tr-TR" noProof="0" dirty="0"/>
               <a:t> </a:t>
             </a:r>
             <a:r>
-              <a:rPr lang="tr-TR" dirty="0" err="1"/>
-              <a:t>block</a:t>
-            </a:r>
-            <a:r>
-              <a:rPr lang="tr-TR" dirty="0"/>
+              <a:rPr lang="tr-TR" noProof="0" dirty="0" err="1"/>
+              <a:t>control</a:t>
+            </a:r>
+            <a:r>
+              <a:rPr lang="en-US" noProof="0" dirty="0"/>
               <a:t>. </a:t>
             </a:r>
           </a:p>
@@ -3517,7 +3626,7 @@
               </a:spcAft>
               <a:buNone/>
             </a:pPr>
-            <a:endParaRPr lang="tr-TR" dirty="0"/>
+            <a:endParaRPr lang="en-US" noProof="0" dirty="0"/>
           </a:p>
           <a:p>
             <a:pPr marL="0" lvl="0" indent="0" algn="l" rtl="0">
@@ -3530,101 +3639,24 @@
               <a:buNone/>
             </a:pPr>
             <a:r>
-              <a:rPr lang="tr-TR" dirty="0" err="1"/>
-              <a:t>Input</a:t>
-            </a:r>
-            <a:r>
-              <a:rPr lang="tr-TR" dirty="0"/>
+              <a:rPr lang="en-US" noProof="0" dirty="0"/>
+              <a:t>Input parameters are observation, reward Function and flag.  the output is the action.</a:t>
+            </a:r>
+          </a:p>
+          <a:p>
+            <a:pPr marL="0" lvl="0" indent="0" algn="l" rtl="0">
+              <a:spcBef>
+                <a:spcPts val="0"/>
+              </a:spcBef>
+              <a:spcAft>
+                <a:spcPts val="0"/>
+              </a:spcAft>
+              <a:buNone/>
+            </a:pPr>
+            <a:r>
+              <a:rPr lang="en-US" noProof="0" dirty="0"/>
               <a:t> </a:t>
             </a:r>
-            <a:r>
-              <a:rPr lang="tr-TR" dirty="0" err="1"/>
-              <a:t>parameters</a:t>
-            </a:r>
-            <a:r>
-              <a:rPr lang="tr-TR" dirty="0"/>
-              <a:t> </a:t>
-            </a:r>
-            <a:r>
-              <a:rPr lang="tr-TR" dirty="0" err="1"/>
-              <a:t>are</a:t>
-            </a:r>
-            <a:r>
-              <a:rPr lang="tr-TR" dirty="0"/>
-              <a:t> </a:t>
-            </a:r>
-            <a:r>
-              <a:rPr lang="tr-TR" dirty="0" err="1"/>
-              <a:t>observation</a:t>
-            </a:r>
-            <a:r>
-              <a:rPr lang="tr-TR" dirty="0"/>
-              <a:t>, </a:t>
-            </a:r>
-            <a:r>
-              <a:rPr lang="tr-TR" dirty="0" err="1"/>
-              <a:t>reward</a:t>
-            </a:r>
-            <a:r>
-              <a:rPr lang="tr-TR" dirty="0"/>
-              <a:t> </a:t>
-            </a:r>
-            <a:r>
-              <a:rPr lang="tr-TR" dirty="0" err="1"/>
-              <a:t>Function</a:t>
-            </a:r>
-            <a:r>
-              <a:rPr lang="tr-TR" dirty="0"/>
-              <a:t> </a:t>
-            </a:r>
-            <a:r>
-              <a:rPr lang="tr-TR" dirty="0" err="1"/>
-              <a:t>and</a:t>
-            </a:r>
-            <a:r>
-              <a:rPr lang="tr-TR" dirty="0"/>
-              <a:t> </a:t>
-            </a:r>
-            <a:r>
-              <a:rPr lang="tr-TR" dirty="0" err="1"/>
-              <a:t>flag</a:t>
-            </a:r>
-            <a:r>
-              <a:rPr lang="tr-TR" dirty="0"/>
-              <a:t>.  </a:t>
-            </a:r>
-            <a:r>
-              <a:rPr lang="tr-TR" dirty="0" err="1"/>
-              <a:t>the</a:t>
-            </a:r>
-            <a:r>
-              <a:rPr lang="tr-TR" dirty="0"/>
-              <a:t> </a:t>
-            </a:r>
-            <a:r>
-              <a:rPr lang="tr-TR" dirty="0" err="1"/>
-              <a:t>output</a:t>
-            </a:r>
-            <a:r>
-              <a:rPr lang="tr-TR" dirty="0"/>
-              <a:t> is </a:t>
-            </a:r>
-            <a:r>
-              <a:rPr lang="tr-TR" dirty="0" err="1"/>
-              <a:t>the</a:t>
-            </a:r>
-            <a:r>
-              <a:rPr lang="tr-TR" dirty="0"/>
-              <a:t> </a:t>
-            </a:r>
-            <a:r>
-              <a:rPr lang="tr-TR" dirty="0" err="1"/>
-              <a:t>action</a:t>
-            </a:r>
-            <a:r>
-              <a:rPr lang="tr-TR" dirty="0"/>
-              <a:t>.</a:t>
-            </a:r>
           </a:p>
           <a:p>
             <a:pPr marL="0" lvl="0" indent="0" algn="l" rtl="0">
@@ -3636,10 +3668,7 @@
               </a:spcAft>
               <a:buNone/>
             </a:pPr>
-            <a:r>
-              <a:rPr lang="tr-TR" dirty="0"/>
-              <a:t> </a:t>
-            </a:r>
+            <a:endParaRPr lang="en-US" noProof="0" dirty="0"/>
           </a:p>
           <a:p>
             <a:pPr marL="0" lvl="0" indent="0" algn="l" rtl="0">
@@ -3651,19 +3680,7 @@
               </a:spcAft>
               <a:buNone/>
             </a:pPr>
-            <a:endParaRPr lang="tr-TR" dirty="0"/>
-          </a:p>
-          <a:p>
-            <a:pPr marL="0" lvl="0" indent="0" algn="l" rtl="0">
-              <a:spcBef>
-                <a:spcPts val="0"/>
-              </a:spcBef>
-              <a:spcAft>
-                <a:spcPts val="0"/>
-              </a:spcAft>
-              <a:buNone/>
-            </a:pPr>
-            <a:endParaRPr lang="tr-TR" dirty="0"/>
+            <a:endParaRPr lang="en-US" noProof="0" dirty="0"/>
           </a:p>
         </p:txBody>
       </p:sp>
@@ -3833,16 +3850,16 @@
               <a:buNone/>
             </a:pPr>
             <a:r>
-              <a:rPr lang="tr-TR" dirty="0" err="1"/>
-              <a:t>This</a:t>
+              <a:rPr lang="en-US" noProof="0" dirty="0"/>
+              <a:t>This is PD control block for yaw attitude controller for quadcopter.</a:t>
             </a:r>
             <a:r>
               <a:rPr lang="tr-TR" dirty="0"/>
-              <a:t> is PD </a:t>
-            </a:r>
-            <a:r>
-              <a:rPr lang="tr-TR" dirty="0" err="1"/>
-              <a:t>control</a:t>
+              <a:t>  </a:t>
+            </a:r>
+            <a:r>
+              <a:rPr lang="en-US" dirty="0"/>
+              <a:t>We generally aim to keep the yaw controller at 0 degree</a:t>
             </a:r>
             <a:r>
               <a:rPr lang="tr-TR" dirty="0"/>
@@ -3850,74 +3867,11 @@
             </a:r>
             <a:r>
               <a:rPr lang="tr-TR" dirty="0" err="1"/>
-              <a:t>block</a:t>
-            </a:r>
-            <a:r>
-              <a:rPr lang="tr-TR" dirty="0"/>
-              <a:t> </a:t>
-            </a:r>
-            <a:r>
-              <a:rPr lang="tr-TR" dirty="0" err="1"/>
-              <a:t>for</a:t>
-            </a:r>
-            <a:r>
-              <a:rPr lang="tr-TR" dirty="0"/>
-              <a:t> </a:t>
-            </a:r>
-            <a:r>
-              <a:rPr lang="tr-TR" dirty="0" err="1"/>
-              <a:t>yaw</a:t>
-            </a:r>
-            <a:r>
-              <a:rPr lang="tr-TR" dirty="0"/>
-              <a:t> </a:t>
-            </a:r>
-            <a:r>
-              <a:rPr lang="tr-TR" dirty="0" err="1"/>
-              <a:t>attitude</a:t>
-            </a:r>
-            <a:r>
-              <a:rPr lang="tr-TR" dirty="0"/>
-              <a:t> </a:t>
-            </a:r>
-            <a:r>
-              <a:rPr lang="tr-TR" dirty="0" err="1"/>
-              <a:t>controller</a:t>
-            </a:r>
-            <a:r>
-              <a:rPr lang="tr-TR" dirty="0"/>
-              <a:t> </a:t>
-            </a:r>
-            <a:r>
-              <a:rPr lang="tr-TR" dirty="0" err="1"/>
-              <a:t>for</a:t>
-            </a:r>
-            <a:r>
-              <a:rPr lang="tr-TR" dirty="0"/>
-              <a:t> </a:t>
-            </a:r>
-            <a:r>
-              <a:rPr lang="tr-TR" dirty="0" err="1"/>
-              <a:t>quadcopter</a:t>
-            </a:r>
-            <a:r>
-              <a:rPr lang="tr-TR" dirty="0"/>
+              <a:t>angle</a:t>
+            </a:r>
+            <a:r>
+              <a:rPr lang="en-US" dirty="0"/>
               <a:t>.</a:t>
-            </a:r>
-          </a:p>
-          <a:p>
-            <a:pPr marL="0" lvl="0" indent="0" algn="l" rtl="0">
-              <a:spcBef>
-                <a:spcPts val="0"/>
-              </a:spcBef>
-              <a:spcAft>
-                <a:spcPts val="0"/>
-              </a:spcAft>
-              <a:buNone/>
-            </a:pPr>
-            <a:r>
-              <a:rPr lang="tr-TR" dirty="0"/>
-              <a:t>…………………………………….</a:t>
             </a:r>
             <a:endParaRPr dirty="0"/>
           </a:p>
@@ -4090,7 +4044,43 @@
             </a:pPr>
             <a:r>
               <a:rPr lang="en-US" noProof="0" dirty="0"/>
-              <a:t>This is the agent and its environment block. </a:t>
+              <a:t>This is the agent and its environment block</a:t>
+            </a:r>
+            <a:r>
+              <a:rPr lang="tr-TR" noProof="0" dirty="0"/>
+              <a:t> </a:t>
+            </a:r>
+            <a:r>
+              <a:rPr lang="tr-TR" noProof="0" dirty="0" err="1"/>
+              <a:t>for</a:t>
+            </a:r>
+            <a:r>
+              <a:rPr lang="tr-TR" noProof="0" dirty="0"/>
+              <a:t> </a:t>
+            </a:r>
+            <a:r>
+              <a:rPr lang="tr-TR" noProof="0" dirty="0" err="1"/>
+              <a:t>yaw</a:t>
+            </a:r>
+            <a:r>
+              <a:rPr lang="tr-TR" noProof="0" dirty="0"/>
+              <a:t> </a:t>
+            </a:r>
+            <a:r>
+              <a:rPr lang="tr-TR" noProof="0" dirty="0" err="1"/>
+              <a:t>attitude</a:t>
+            </a:r>
+            <a:r>
+              <a:rPr lang="tr-TR" noProof="0" dirty="0"/>
+              <a:t> </a:t>
+            </a:r>
+            <a:r>
+              <a:rPr lang="tr-TR" noProof="0" dirty="0" err="1"/>
+              <a:t>control</a:t>
+            </a:r>
+            <a:r>
+              <a:rPr lang="en-US" noProof="0" dirty="0"/>
+              <a:t>.</a:t>
             </a:r>
           </a:p>
           <a:p>
@@ -4327,52 +4317,8 @@
               <a:buNone/>
             </a:pPr>
             <a:r>
-              <a:rPr lang="tr-TR" dirty="0" err="1"/>
-              <a:t>This</a:t>
-            </a:r>
-            <a:r>
-              <a:rPr lang="tr-TR" dirty="0"/>
-              <a:t> is </a:t>
-            </a:r>
-            <a:r>
-              <a:rPr lang="tr-TR" dirty="0" err="1"/>
-              <a:t>our</a:t>
-            </a:r>
-            <a:r>
-              <a:rPr lang="tr-TR" dirty="0"/>
-              <a:t> </a:t>
-            </a:r>
-            <a:r>
-              <a:rPr lang="tr-TR" dirty="0" err="1"/>
-              <a:t>first</a:t>
-            </a:r>
-            <a:r>
-              <a:rPr lang="tr-TR" dirty="0"/>
-              <a:t> </a:t>
-            </a:r>
-            <a:r>
-              <a:rPr lang="tr-TR" dirty="0" err="1"/>
-              <a:t>output</a:t>
-            </a:r>
-            <a:r>
-              <a:rPr lang="tr-TR" dirty="0"/>
-              <a:t> of </a:t>
-            </a:r>
-            <a:r>
-              <a:rPr lang="tr-TR" dirty="0" err="1"/>
-              <a:t>trained</a:t>
-            </a:r>
-            <a:r>
-              <a:rPr lang="tr-TR" dirty="0"/>
-              <a:t> RL </a:t>
-            </a:r>
-            <a:r>
-              <a:rPr lang="tr-TR" dirty="0" err="1"/>
-              <a:t>agent</a:t>
-            </a:r>
-            <a:r>
-              <a:rPr lang="tr-TR" dirty="0"/>
-              <a:t>. </a:t>
+              <a:rPr lang="en-US" noProof="0" dirty="0"/>
+              <a:t>This is our first output of trained RL agent. </a:t>
             </a:r>
           </a:p>
           <a:p>
@@ -4386,132 +4332,8 @@
               <a:buNone/>
             </a:pPr>
             <a:r>
-              <a:rPr lang="tr-TR" dirty="0" err="1"/>
-              <a:t>This</a:t>
-            </a:r>
-            <a:r>
-              <a:rPr lang="tr-TR" dirty="0"/>
-              <a:t> is not an </a:t>
-            </a:r>
-            <a:r>
-              <a:rPr lang="tr-TR" dirty="0" err="1"/>
-              <a:t>true</a:t>
-            </a:r>
-            <a:r>
-              <a:rPr lang="tr-TR" dirty="0"/>
-              <a:t> </a:t>
-            </a:r>
-            <a:r>
-              <a:rPr lang="tr-TR" dirty="0" err="1"/>
-              <a:t>for</a:t>
-            </a:r>
-            <a:r>
-              <a:rPr lang="tr-TR" dirty="0"/>
-              <a:t> us </a:t>
-            </a:r>
-            <a:r>
-              <a:rPr lang="tr-TR" dirty="0" err="1"/>
-              <a:t>for</a:t>
-            </a:r>
-            <a:r>
-              <a:rPr lang="tr-TR" dirty="0"/>
-              <a:t> </a:t>
-            </a:r>
-            <a:r>
-              <a:rPr lang="tr-TR" dirty="0" err="1"/>
-              <a:t>this</a:t>
-            </a:r>
-            <a:r>
-              <a:rPr lang="tr-TR" dirty="0"/>
-              <a:t> </a:t>
-            </a:r>
-            <a:r>
-              <a:rPr lang="tr-TR" dirty="0" err="1"/>
-              <a:t>because</a:t>
-            </a:r>
-            <a:r>
-              <a:rPr lang="tr-TR" dirty="0"/>
-              <a:t> </a:t>
-            </a:r>
-            <a:r>
-              <a:rPr lang="tr-TR" dirty="0" err="1"/>
-              <a:t>we</a:t>
-            </a:r>
-            <a:r>
-              <a:rPr lang="tr-TR" dirty="0"/>
-              <a:t> </a:t>
-            </a:r>
-            <a:r>
-              <a:rPr lang="tr-TR" dirty="0" err="1"/>
-              <a:t>only</a:t>
-            </a:r>
-            <a:r>
-              <a:rPr lang="tr-TR" dirty="0"/>
-              <a:t> </a:t>
-            </a:r>
-            <a:r>
-              <a:rPr lang="tr-TR" dirty="0" err="1"/>
-              <a:t>focused</a:t>
-            </a:r>
-            <a:r>
-              <a:rPr lang="tr-TR" dirty="0"/>
-              <a:t> </a:t>
-            </a:r>
-            <a:r>
-              <a:rPr lang="tr-TR" dirty="0" err="1"/>
-              <a:t>to</a:t>
-            </a:r>
-            <a:r>
-              <a:rPr lang="tr-TR" dirty="0"/>
-              <a:t> </a:t>
-            </a:r>
-            <a:r>
-              <a:rPr lang="tr-TR" dirty="0" err="1"/>
-              <a:t>obtain</a:t>
-            </a:r>
-            <a:r>
-              <a:rPr lang="tr-TR" dirty="0"/>
-              <a:t> </a:t>
-            </a:r>
-            <a:r>
-              <a:rPr lang="tr-TR" dirty="0" err="1"/>
-              <a:t>some</a:t>
-            </a:r>
-            <a:r>
-              <a:rPr lang="tr-TR" dirty="0"/>
-              <a:t> data </a:t>
-            </a:r>
-            <a:r>
-              <a:rPr lang="tr-TR" dirty="0" err="1"/>
-              <a:t>from</a:t>
-            </a:r>
-            <a:r>
-              <a:rPr lang="tr-TR" dirty="0"/>
-              <a:t> </a:t>
-            </a:r>
-            <a:r>
-              <a:rPr lang="tr-TR" dirty="0" err="1"/>
-              <a:t>the</a:t>
-            </a:r>
-            <a:r>
-              <a:rPr lang="tr-TR" dirty="0"/>
-              <a:t> </a:t>
-            </a:r>
-            <a:r>
-              <a:rPr lang="tr-TR" dirty="0" err="1"/>
-              <a:t>agent</a:t>
-            </a:r>
-            <a:r>
-              <a:rPr lang="tr-TR" dirty="0"/>
-              <a:t> </a:t>
-            </a:r>
-            <a:r>
-              <a:rPr lang="tr-TR" dirty="0" err="1"/>
-              <a:t>block</a:t>
-            </a:r>
-            <a:r>
-              <a:rPr lang="tr-TR" dirty="0"/>
-              <a:t>.</a:t>
+              <a:rPr lang="en-US" noProof="0" dirty="0"/>
+              <a:t>This is not an true for us for this because we only focused to obtain some data from the agent block.</a:t>
             </a:r>
           </a:p>
           <a:p>
@@ -4525,140 +4347,8 @@
               <a:buNone/>
             </a:pPr>
             <a:r>
-              <a:rPr lang="tr-TR" dirty="0" err="1"/>
-              <a:t>This</a:t>
-            </a:r>
-            <a:r>
-              <a:rPr lang="tr-TR" dirty="0"/>
-              <a:t> is </a:t>
-            </a:r>
-            <a:r>
-              <a:rPr lang="tr-TR" dirty="0" err="1"/>
-              <a:t>trained</a:t>
-            </a:r>
-            <a:r>
-              <a:rPr lang="tr-TR" dirty="0"/>
-              <a:t> </a:t>
-            </a:r>
-            <a:r>
-              <a:rPr lang="tr-TR" dirty="0" err="1"/>
-              <a:t>with</a:t>
-            </a:r>
-            <a:r>
-              <a:rPr lang="tr-TR" dirty="0"/>
-              <a:t> 6 </a:t>
-            </a:r>
-            <a:r>
-              <a:rPr lang="tr-TR" dirty="0" err="1"/>
-              <a:t>episodes</a:t>
-            </a:r>
-            <a:r>
-              <a:rPr lang="tr-TR" dirty="0"/>
-              <a:t>. </a:t>
-            </a:r>
-            <a:r>
-              <a:rPr lang="tr-TR" dirty="0" err="1"/>
-              <a:t>This</a:t>
-            </a:r>
-            <a:r>
-              <a:rPr lang="tr-TR" dirty="0"/>
-              <a:t> is not </a:t>
-            </a:r>
-            <a:r>
-              <a:rPr lang="tr-TR" dirty="0" err="1"/>
-              <a:t>enough</a:t>
-            </a:r>
-            <a:r>
-              <a:rPr lang="tr-TR" dirty="0"/>
-              <a:t> </a:t>
-            </a:r>
-            <a:r>
-              <a:rPr lang="tr-TR" dirty="0" err="1"/>
-              <a:t>and</a:t>
-            </a:r>
-            <a:r>
-              <a:rPr lang="tr-TR" dirty="0"/>
-              <a:t> </a:t>
-            </a:r>
-            <a:r>
-              <a:rPr lang="tr-TR" dirty="0" err="1"/>
-              <a:t>episodes</a:t>
-            </a:r>
-            <a:r>
-              <a:rPr lang="tr-TR" dirty="0"/>
-              <a:t> </a:t>
-            </a:r>
-            <a:r>
-              <a:rPr lang="tr-TR" dirty="0" err="1"/>
-              <a:t>will</a:t>
-            </a:r>
-            <a:r>
-              <a:rPr lang="tr-TR" dirty="0"/>
-              <a:t> be </a:t>
-            </a:r>
-            <a:r>
-              <a:rPr lang="tr-TR" dirty="0" err="1"/>
-              <a:t>more</a:t>
-            </a:r>
-            <a:r>
-              <a:rPr lang="tr-TR" dirty="0"/>
-              <a:t> </a:t>
-            </a:r>
-            <a:r>
-              <a:rPr lang="tr-TR" dirty="0" err="1"/>
-              <a:t>and</a:t>
-            </a:r>
-            <a:r>
-              <a:rPr lang="tr-TR" dirty="0"/>
-              <a:t> </a:t>
-            </a:r>
-            <a:r>
-              <a:rPr lang="tr-TR" dirty="0" err="1"/>
-              <a:t>more</a:t>
-            </a:r>
-            <a:r>
-              <a:rPr lang="tr-TR" dirty="0"/>
-              <a:t> </a:t>
-            </a:r>
-            <a:r>
-              <a:rPr lang="tr-TR" dirty="0" err="1"/>
-              <a:t>to</a:t>
-            </a:r>
-            <a:r>
-              <a:rPr lang="tr-TR" dirty="0"/>
-              <a:t> </a:t>
-            </a:r>
-            <a:r>
-              <a:rPr lang="tr-TR" dirty="0" err="1"/>
-              <a:t>obtain</a:t>
-            </a:r>
-            <a:r>
-              <a:rPr lang="tr-TR" dirty="0"/>
-              <a:t> </a:t>
-            </a:r>
-            <a:r>
-              <a:rPr lang="tr-TR" dirty="0" err="1"/>
-              <a:t>better</a:t>
-            </a:r>
-            <a:r>
-              <a:rPr lang="tr-TR" dirty="0"/>
-              <a:t> </a:t>
-            </a:r>
-            <a:r>
-              <a:rPr lang="tr-TR" dirty="0" err="1"/>
-              <a:t>training</a:t>
-            </a:r>
-            <a:r>
-              <a:rPr lang="tr-TR" dirty="0"/>
-              <a:t> </a:t>
-            </a:r>
-            <a:r>
-              <a:rPr lang="tr-TR" dirty="0" err="1"/>
-              <a:t>agent</a:t>
-            </a:r>
-            <a:r>
-              <a:rPr lang="tr-TR" dirty="0"/>
-              <a:t>.</a:t>
+              <a:rPr lang="en-US" noProof="0" dirty="0"/>
+              <a:t>This is trained with 6 episodes. This is not enough and episodes will be more and more to obtain better training agent.</a:t>
             </a:r>
           </a:p>
           <a:p>
@@ -4672,84 +4362,8 @@
               <a:buNone/>
             </a:pPr>
             <a:r>
-              <a:rPr lang="tr-TR" dirty="0" err="1"/>
-              <a:t>This</a:t>
-            </a:r>
-            <a:r>
-              <a:rPr lang="tr-TR" dirty="0"/>
-              <a:t> </a:t>
-            </a:r>
-            <a:r>
-              <a:rPr lang="tr-TR" dirty="0" err="1"/>
-              <a:t>agent</a:t>
-            </a:r>
-            <a:r>
-              <a:rPr lang="tr-TR" dirty="0"/>
-              <a:t> is </a:t>
-            </a:r>
-            <a:r>
-              <a:rPr lang="tr-TR" dirty="0" err="1"/>
-              <a:t>negative</a:t>
-            </a:r>
-            <a:r>
-              <a:rPr lang="tr-TR" dirty="0"/>
-              <a:t> </a:t>
-            </a:r>
-            <a:r>
-              <a:rPr lang="tr-TR" dirty="0" err="1"/>
-              <a:t>because</a:t>
-            </a:r>
-            <a:r>
-              <a:rPr lang="tr-TR" dirty="0"/>
-              <a:t> of </a:t>
-            </a:r>
-            <a:r>
-              <a:rPr lang="tr-TR" dirty="0" err="1"/>
-              <a:t>the</a:t>
-            </a:r>
-            <a:r>
-              <a:rPr lang="tr-TR" dirty="0"/>
-              <a:t> </a:t>
-            </a:r>
-            <a:r>
-              <a:rPr lang="tr-TR" dirty="0" err="1"/>
-              <a:t>reward</a:t>
-            </a:r>
-            <a:r>
-              <a:rPr lang="tr-TR" dirty="0"/>
-              <a:t> </a:t>
-            </a:r>
-            <a:r>
-              <a:rPr lang="tr-TR" dirty="0" err="1"/>
-              <a:t>function</a:t>
-            </a:r>
-            <a:r>
-              <a:rPr lang="tr-TR" dirty="0"/>
-              <a:t> </a:t>
-            </a:r>
-            <a:r>
-              <a:rPr lang="tr-TR" dirty="0" err="1"/>
-              <a:t>which</a:t>
-            </a:r>
-            <a:r>
-              <a:rPr lang="tr-TR" dirty="0"/>
-              <a:t> is </a:t>
-            </a:r>
-            <a:r>
-              <a:rPr lang="tr-TR" dirty="0" err="1"/>
-              <a:t>multiplied</a:t>
-            </a:r>
-            <a:r>
-              <a:rPr lang="tr-TR" dirty="0"/>
-              <a:t> </a:t>
-            </a:r>
-            <a:r>
-              <a:rPr lang="tr-TR" dirty="0" err="1"/>
-              <a:t>by</a:t>
-            </a:r>
-            <a:r>
-              <a:rPr lang="tr-TR" dirty="0"/>
-              <a:t> -1.</a:t>
+              <a:rPr lang="en-US" noProof="0" dirty="0"/>
+              <a:t>This agent is negative because of the reward function which is multiplied by -1.</a:t>
             </a:r>
           </a:p>
           <a:p>
@@ -4763,92 +4377,8 @@
               <a:buNone/>
             </a:pPr>
             <a:r>
-              <a:rPr lang="tr-TR" dirty="0" err="1"/>
-              <a:t>While</a:t>
-            </a:r>
-            <a:r>
-              <a:rPr lang="tr-TR" dirty="0"/>
-              <a:t> </a:t>
-            </a:r>
-            <a:r>
-              <a:rPr lang="tr-TR" dirty="0" err="1"/>
-              <a:t>the</a:t>
-            </a:r>
-            <a:r>
-              <a:rPr lang="tr-TR" dirty="0"/>
-              <a:t> </a:t>
-            </a:r>
-            <a:r>
-              <a:rPr lang="tr-TR" dirty="0" err="1"/>
-              <a:t>actions</a:t>
-            </a:r>
-            <a:r>
-              <a:rPr lang="tr-TR" dirty="0"/>
-              <a:t> </a:t>
-            </a:r>
-            <a:r>
-              <a:rPr lang="tr-TR" dirty="0" err="1"/>
-              <a:t>close</a:t>
-            </a:r>
-            <a:r>
-              <a:rPr lang="tr-TR" dirty="0"/>
-              <a:t> </a:t>
-            </a:r>
-            <a:r>
-              <a:rPr lang="tr-TR" dirty="0" err="1"/>
-              <a:t>to</a:t>
-            </a:r>
-            <a:r>
-              <a:rPr lang="tr-TR" dirty="0"/>
-              <a:t> </a:t>
-            </a:r>
-            <a:r>
-              <a:rPr lang="tr-TR" dirty="0" err="1"/>
-              <a:t>the</a:t>
-            </a:r>
-            <a:r>
-              <a:rPr lang="tr-TR" dirty="0"/>
-              <a:t> </a:t>
-            </a:r>
-            <a:r>
-              <a:rPr lang="tr-TR" dirty="0" err="1"/>
-              <a:t>desired</a:t>
-            </a:r>
-            <a:r>
-              <a:rPr lang="tr-TR" dirty="0"/>
-              <a:t> </a:t>
-            </a:r>
-            <a:r>
-              <a:rPr lang="tr-TR" dirty="0" err="1"/>
-              <a:t>positions</a:t>
-            </a:r>
-            <a:r>
-              <a:rPr lang="tr-TR" dirty="0"/>
-              <a:t>, </a:t>
-            </a:r>
-            <a:r>
-              <a:rPr lang="tr-TR" dirty="0" err="1"/>
-              <a:t>reward</a:t>
-            </a:r>
-            <a:r>
-              <a:rPr lang="tr-TR" dirty="0"/>
-              <a:t> </a:t>
-            </a:r>
-            <a:r>
-              <a:rPr lang="tr-TR" dirty="0" err="1"/>
-              <a:t>will</a:t>
-            </a:r>
-            <a:r>
-              <a:rPr lang="tr-TR" dirty="0"/>
-              <a:t> be </a:t>
-            </a:r>
-            <a:r>
-              <a:rPr lang="tr-TR" dirty="0" err="1"/>
-              <a:t>around</a:t>
-            </a:r>
-            <a:r>
-              <a:rPr lang="tr-TR" dirty="0"/>
-              <a:t> 0.</a:t>
+              <a:rPr lang="en-US" noProof="0" dirty="0"/>
+              <a:t>While the actions close to the desired positions, reward will be around 0.</a:t>
             </a:r>
           </a:p>
           <a:p>
@@ -4861,7 +4391,7 @@
               </a:spcAft>
               <a:buNone/>
             </a:pPr>
-            <a:endParaRPr dirty="0"/>
+            <a:endParaRPr lang="en-US" noProof="0" dirty="0"/>
           </a:p>
         </p:txBody>
       </p:sp>
@@ -5030,6 +4560,26 @@
               </a:spcAft>
               <a:buNone/>
             </a:pPr>
+            <a:r>
+              <a:rPr lang="en-US" dirty="0"/>
+              <a:t>Here, it is planned to give attitude control performance tests x and y position references instead of giving direct roll, pitch, yaw angle references. Because a constant roll angle causes the quadcopter to go quickly in the y direction, and a constant pitch angle causes the quadcopter to go quickly in the x direction. For this reason, we will calculate the performance of attitude control, which actually always works in its inner loop, by giving xy position commands, with performance indexes such as integral absolute error and integral square error.</a:t>
+            </a:r>
+            <a:endParaRPr lang="tr-TR" dirty="0"/>
+          </a:p>
+          <a:p>
+            <a:pPr marL="0" lvl="0" indent="0" algn="l" rtl="0">
+              <a:spcBef>
+                <a:spcPts val="0"/>
+              </a:spcBef>
+              <a:spcAft>
+                <a:spcPts val="0"/>
+              </a:spcAft>
+              <a:buNone/>
+            </a:pPr>
+            <a:r>
+              <a:rPr lang="en-US" dirty="0"/>
+              <a:t>In this slide, the patterns we plan to give as xy position commands are given.</a:t>
+            </a:r>
             <a:endParaRPr dirty="0"/>
           </a:p>
         </p:txBody>
@@ -5447,108 +4997,8 @@
               <a:buNone/>
             </a:pPr>
             <a:r>
-              <a:rPr lang="tr-TR" dirty="0" err="1"/>
-              <a:t>Up</a:t>
-            </a:r>
-            <a:r>
-              <a:rPr lang="tr-TR" dirty="0"/>
-              <a:t> </a:t>
-            </a:r>
-            <a:r>
-              <a:rPr lang="tr-TR" dirty="0" err="1"/>
-              <a:t>to</a:t>
-            </a:r>
-            <a:r>
-              <a:rPr lang="tr-TR" dirty="0"/>
-              <a:t> </a:t>
-            </a:r>
-            <a:r>
-              <a:rPr lang="tr-TR" dirty="0" err="1"/>
-              <a:t>this</a:t>
-            </a:r>
-            <a:r>
-              <a:rPr lang="tr-TR" dirty="0"/>
-              <a:t> </a:t>
-            </a:r>
-            <a:r>
-              <a:rPr lang="tr-TR" dirty="0" err="1"/>
-              <a:t>point</a:t>
-            </a:r>
-            <a:r>
-              <a:rPr lang="tr-TR" dirty="0"/>
-              <a:t> </a:t>
-            </a:r>
-            <a:r>
-              <a:rPr lang="tr-TR" dirty="0" err="1"/>
-              <a:t>we</a:t>
-            </a:r>
-            <a:r>
-              <a:rPr lang="tr-TR" dirty="0"/>
-              <a:t> </a:t>
-            </a:r>
-            <a:r>
-              <a:rPr lang="tr-TR" dirty="0" err="1"/>
-              <a:t>created</a:t>
-            </a:r>
-            <a:r>
-              <a:rPr lang="tr-TR" dirty="0"/>
-              <a:t> </a:t>
-            </a:r>
-            <a:r>
-              <a:rPr lang="tr-TR" dirty="0" err="1"/>
-              <a:t>the</a:t>
-            </a:r>
-            <a:r>
-              <a:rPr lang="tr-TR" dirty="0"/>
-              <a:t> </a:t>
-            </a:r>
-            <a:r>
-              <a:rPr lang="tr-TR" dirty="0" err="1"/>
-              <a:t>running</a:t>
-            </a:r>
-            <a:r>
-              <a:rPr lang="tr-TR" dirty="0"/>
-              <a:t> </a:t>
-            </a:r>
-            <a:r>
-              <a:rPr lang="tr-TR" dirty="0" err="1"/>
-              <a:t>environment</a:t>
-            </a:r>
-            <a:r>
-              <a:rPr lang="tr-TR" dirty="0"/>
-              <a:t> </a:t>
-            </a:r>
-            <a:r>
-              <a:rPr lang="tr-TR" dirty="0" err="1"/>
-              <a:t>without</a:t>
-            </a:r>
-            <a:r>
-              <a:rPr lang="tr-TR" dirty="0"/>
-              <a:t> </a:t>
-            </a:r>
-            <a:r>
-              <a:rPr lang="tr-TR" dirty="0" err="1"/>
-              <a:t>any</a:t>
-            </a:r>
-            <a:r>
-              <a:rPr lang="tr-TR" dirty="0"/>
-              <a:t> problem </a:t>
-            </a:r>
-            <a:r>
-              <a:rPr lang="tr-TR" dirty="0" err="1"/>
-              <a:t>with</a:t>
-            </a:r>
-            <a:r>
-              <a:rPr lang="tr-TR" dirty="0"/>
-              <a:t> PID </a:t>
-            </a:r>
-            <a:r>
-              <a:rPr lang="tr-TR" dirty="0" err="1"/>
-              <a:t>system</a:t>
-            </a:r>
-            <a:r>
-              <a:rPr lang="tr-TR" dirty="0"/>
-              <a:t>.</a:t>
+              <a:rPr lang="en-US" noProof="0" dirty="0"/>
+              <a:t>Up to this point we created the running environment without any problem with PID system.</a:t>
             </a:r>
           </a:p>
           <a:p>
@@ -5562,160 +5012,16 @@
               <a:buNone/>
             </a:pPr>
             <a:r>
-              <a:rPr lang="tr-TR" dirty="0"/>
+              <a:rPr lang="en-US" noProof="0" dirty="0"/>
               <a:t>Agent </a:t>
             </a:r>
             <a:r>
-              <a:rPr lang="tr-TR" dirty="0" err="1"/>
+              <a:rPr lang="en-US" noProof="0" dirty="0" err="1"/>
               <a:t>trainig</a:t>
             </a:r>
             <a:r>
-              <a:rPr lang="tr-TR" dirty="0"/>
-              <a:t> </a:t>
-            </a:r>
-            <a:r>
-              <a:rPr lang="tr-TR" dirty="0" err="1"/>
-              <a:t>and</a:t>
-            </a:r>
-            <a:r>
-              <a:rPr lang="tr-TR" dirty="0"/>
-              <a:t>  </a:t>
-            </a:r>
-            <a:r>
-              <a:rPr lang="tr-TR" dirty="0" err="1"/>
-              <a:t>optimizing</a:t>
-            </a:r>
-            <a:r>
-              <a:rPr lang="tr-TR" dirty="0"/>
-              <a:t> </a:t>
-            </a:r>
-            <a:r>
-              <a:rPr lang="tr-TR" dirty="0" err="1"/>
-              <a:t>reward</a:t>
-            </a:r>
-            <a:r>
-              <a:rPr lang="tr-TR" dirty="0"/>
-              <a:t> </a:t>
-            </a:r>
-            <a:r>
-              <a:rPr lang="tr-TR" dirty="0" err="1"/>
-              <a:t>function</a:t>
-            </a:r>
-            <a:r>
-              <a:rPr lang="tr-TR" dirty="0"/>
-              <a:t> </a:t>
-            </a:r>
-            <a:r>
-              <a:rPr lang="tr-TR" dirty="0" err="1"/>
-              <a:t>trials</a:t>
-            </a:r>
-            <a:r>
-              <a:rPr lang="tr-TR" dirty="0"/>
-              <a:t> </a:t>
-            </a:r>
-            <a:r>
-              <a:rPr lang="tr-TR" dirty="0" err="1"/>
-              <a:t>started</a:t>
-            </a:r>
-            <a:r>
-              <a:rPr lang="tr-TR" dirty="0"/>
-              <a:t> </a:t>
-            </a:r>
-            <a:r>
-              <a:rPr lang="tr-TR" dirty="0" err="1"/>
-              <a:t>and</a:t>
-            </a:r>
-            <a:r>
-              <a:rPr lang="tr-TR" dirty="0"/>
-              <a:t> </a:t>
-            </a:r>
-            <a:r>
-              <a:rPr lang="tr-TR" dirty="0" err="1"/>
-              <a:t>continue</a:t>
-            </a:r>
-            <a:r>
-              <a:rPr lang="tr-TR" dirty="0"/>
-              <a:t> but has </a:t>
-            </a:r>
-            <a:r>
-              <a:rPr lang="tr-TR" dirty="0" err="1"/>
-              <a:t>some</a:t>
-            </a:r>
-            <a:r>
-              <a:rPr lang="tr-TR" dirty="0"/>
-              <a:t> </a:t>
-            </a:r>
-            <a:r>
-              <a:rPr lang="tr-TR" dirty="0" err="1"/>
-              <a:t>problems</a:t>
-            </a:r>
-            <a:r>
-              <a:rPr lang="tr-TR" dirty="0"/>
-              <a:t>. </a:t>
-            </a:r>
-            <a:r>
-              <a:rPr lang="tr-TR" dirty="0" err="1"/>
-              <a:t>Therefore</a:t>
-            </a:r>
-            <a:r>
-              <a:rPr lang="tr-TR" dirty="0"/>
-              <a:t> </a:t>
-            </a:r>
-            <a:r>
-              <a:rPr lang="tr-TR" dirty="0" err="1"/>
-              <a:t>we</a:t>
-            </a:r>
-            <a:r>
-              <a:rPr lang="tr-TR" dirty="0"/>
-              <a:t> </a:t>
-            </a:r>
-            <a:r>
-              <a:rPr lang="tr-TR" dirty="0" err="1"/>
-              <a:t>will</a:t>
-            </a:r>
-            <a:r>
-              <a:rPr lang="tr-TR" dirty="0"/>
-              <a:t> </a:t>
-            </a:r>
-            <a:r>
-              <a:rPr lang="tr-TR" dirty="0" err="1"/>
-              <a:t>solve</a:t>
-            </a:r>
-            <a:r>
-              <a:rPr lang="tr-TR" dirty="0"/>
-              <a:t> </a:t>
-            </a:r>
-            <a:r>
-              <a:rPr lang="tr-TR" dirty="0" err="1"/>
-              <a:t>the</a:t>
-            </a:r>
-            <a:r>
-              <a:rPr lang="tr-TR" dirty="0"/>
-              <a:t> </a:t>
-            </a:r>
-            <a:r>
-              <a:rPr lang="tr-TR" dirty="0" err="1"/>
-              <a:t>training</a:t>
-            </a:r>
-            <a:r>
-              <a:rPr lang="tr-TR" dirty="0"/>
-              <a:t> </a:t>
-            </a:r>
-            <a:r>
-              <a:rPr lang="tr-TR" dirty="0" err="1"/>
-              <a:t>problems</a:t>
-            </a:r>
-            <a:r>
-              <a:rPr lang="tr-TR" dirty="0"/>
-              <a:t> </a:t>
-            </a:r>
-            <a:r>
-              <a:rPr lang="tr-TR" dirty="0" err="1"/>
-              <a:t>soon</a:t>
-            </a:r>
-            <a:r>
-              <a:rPr lang="tr-TR" dirty="0"/>
-              <a:t>.</a:t>
+              <a:rPr lang="en-US" noProof="0" dirty="0"/>
+              <a:t> and  optimizing reward function trials started and continue but has some problems. Therefore we will solve the training problems soon.</a:t>
             </a:r>
           </a:p>
           <a:p>
@@ -5729,84 +5035,8 @@
               <a:buNone/>
             </a:pPr>
             <a:r>
-              <a:rPr lang="tr-TR" dirty="0" err="1"/>
-              <a:t>Observation</a:t>
-            </a:r>
-            <a:r>
-              <a:rPr lang="tr-TR" dirty="0"/>
-              <a:t> </a:t>
-            </a:r>
-            <a:r>
-              <a:rPr lang="tr-TR" dirty="0" err="1"/>
-              <a:t>and</a:t>
-            </a:r>
-            <a:r>
-              <a:rPr lang="tr-TR" dirty="0"/>
-              <a:t> </a:t>
-            </a:r>
-            <a:r>
-              <a:rPr lang="tr-TR" dirty="0" err="1"/>
-              <a:t>action</a:t>
-            </a:r>
-            <a:r>
-              <a:rPr lang="tr-TR" dirty="0"/>
-              <a:t> </a:t>
-            </a:r>
-            <a:r>
-              <a:rPr lang="tr-TR" dirty="0" err="1"/>
-              <a:t>block</a:t>
-            </a:r>
-            <a:r>
-              <a:rPr lang="tr-TR" dirty="0"/>
-              <a:t> </a:t>
-            </a:r>
-            <a:r>
-              <a:rPr lang="tr-TR" dirty="0" err="1"/>
-              <a:t>parameters</a:t>
-            </a:r>
-            <a:r>
-              <a:rPr lang="tr-TR" dirty="0"/>
-              <a:t> </a:t>
-            </a:r>
-            <a:r>
-              <a:rPr lang="tr-TR" dirty="0" err="1"/>
-              <a:t>was</a:t>
-            </a:r>
-            <a:r>
-              <a:rPr lang="tr-TR" dirty="0"/>
-              <a:t> not </a:t>
-            </a:r>
-            <a:r>
-              <a:rPr lang="tr-TR" dirty="0" err="1"/>
-              <a:t>limited</a:t>
-            </a:r>
-            <a:r>
-              <a:rPr lang="tr-TR" dirty="0"/>
-              <a:t> </a:t>
-            </a:r>
-            <a:r>
-              <a:rPr lang="tr-TR" dirty="0" err="1"/>
-              <a:t>and</a:t>
-            </a:r>
-            <a:r>
-              <a:rPr lang="tr-TR" dirty="0"/>
-              <a:t> </a:t>
-            </a:r>
-            <a:r>
-              <a:rPr lang="tr-TR" dirty="0" err="1"/>
-              <a:t>should</a:t>
-            </a:r>
-            <a:r>
-              <a:rPr lang="tr-TR" dirty="0"/>
-              <a:t> be </a:t>
-            </a:r>
-            <a:r>
-              <a:rPr lang="tr-TR" dirty="0" err="1"/>
-              <a:t>limited</a:t>
-            </a:r>
-            <a:r>
-              <a:rPr lang="tr-TR" dirty="0"/>
-              <a:t>.</a:t>
+              <a:rPr lang="en-US" noProof="0" dirty="0"/>
+              <a:t>Observation and action block parameters was not limited and should be limited.</a:t>
             </a:r>
           </a:p>
           <a:p>
@@ -5820,124 +5050,8 @@
               <a:buNone/>
             </a:pPr>
             <a:r>
-              <a:rPr lang="tr-TR" dirty="0" err="1"/>
-              <a:t>We</a:t>
-            </a:r>
-            <a:r>
-              <a:rPr lang="tr-TR" dirty="0"/>
-              <a:t> </a:t>
-            </a:r>
-            <a:r>
-              <a:rPr lang="tr-TR" dirty="0" err="1"/>
-              <a:t>have</a:t>
-            </a:r>
-            <a:r>
-              <a:rPr lang="tr-TR" dirty="0"/>
-              <a:t> </a:t>
-            </a:r>
-            <a:r>
-              <a:rPr lang="tr-TR" dirty="0" err="1"/>
-              <a:t>chosen</a:t>
-            </a:r>
-            <a:r>
-              <a:rPr lang="tr-TR" dirty="0"/>
-              <a:t> DDPG </a:t>
-            </a:r>
-            <a:r>
-              <a:rPr lang="tr-TR" dirty="0" err="1"/>
-              <a:t>and</a:t>
-            </a:r>
-            <a:r>
-              <a:rPr lang="tr-TR" dirty="0"/>
-              <a:t> PPO </a:t>
-            </a:r>
-            <a:r>
-              <a:rPr lang="tr-TR" dirty="0" err="1"/>
-              <a:t>algorithms</a:t>
-            </a:r>
-            <a:r>
-              <a:rPr lang="tr-TR" dirty="0"/>
-              <a:t>. </a:t>
-            </a:r>
-            <a:r>
-              <a:rPr lang="tr-TR" dirty="0" err="1"/>
-              <a:t>These</a:t>
-            </a:r>
-            <a:r>
-              <a:rPr lang="tr-TR" dirty="0"/>
-              <a:t> </a:t>
-            </a:r>
-            <a:r>
-              <a:rPr lang="tr-TR" dirty="0" err="1"/>
-              <a:t>algorithms</a:t>
-            </a:r>
-            <a:r>
-              <a:rPr lang="tr-TR" dirty="0"/>
-              <a:t> </a:t>
-            </a:r>
-            <a:r>
-              <a:rPr lang="tr-TR" dirty="0" err="1"/>
-              <a:t>will</a:t>
-            </a:r>
-            <a:r>
-              <a:rPr lang="tr-TR" dirty="0"/>
-              <a:t> be </a:t>
-            </a:r>
-            <a:r>
-              <a:rPr lang="tr-TR" dirty="0" err="1"/>
-              <a:t>worked</a:t>
-            </a:r>
-            <a:r>
-              <a:rPr lang="tr-TR" dirty="0"/>
-              <a:t> </a:t>
-            </a:r>
-            <a:r>
-              <a:rPr lang="tr-TR" dirty="0" err="1"/>
-              <a:t>together</a:t>
-            </a:r>
-            <a:r>
-              <a:rPr lang="tr-TR" dirty="0"/>
-              <a:t> </a:t>
-            </a:r>
-            <a:r>
-              <a:rPr lang="tr-TR" dirty="0" err="1"/>
-              <a:t>simultaneously</a:t>
-            </a:r>
-            <a:r>
-              <a:rPr lang="tr-TR" dirty="0"/>
-              <a:t> in </a:t>
-            </a:r>
-            <a:r>
-              <a:rPr lang="tr-TR" dirty="0" err="1"/>
-              <a:t>the</a:t>
-            </a:r>
-            <a:r>
-              <a:rPr lang="tr-TR" dirty="0"/>
-              <a:t> final </a:t>
-            </a:r>
-            <a:r>
-              <a:rPr lang="tr-TR" dirty="0" err="1"/>
-              <a:t>version</a:t>
-            </a:r>
-            <a:r>
-              <a:rPr lang="tr-TR" dirty="0"/>
-              <a:t> of </a:t>
-            </a:r>
-            <a:r>
-              <a:rPr lang="tr-TR" dirty="0" err="1"/>
-              <a:t>the</a:t>
-            </a:r>
-            <a:r>
-              <a:rPr lang="tr-TR" dirty="0"/>
-              <a:t> </a:t>
-            </a:r>
-            <a:r>
-              <a:rPr lang="tr-TR" dirty="0" err="1"/>
-              <a:t>project</a:t>
-            </a:r>
-            <a:r>
-              <a:rPr lang="tr-TR" dirty="0"/>
-              <a:t>.</a:t>
+              <a:rPr lang="en-US" noProof="0" dirty="0"/>
+              <a:t>We have chosen DDPG and PPO algorithms. These algorithms will be worked together simultaneously in the final version of the project.</a:t>
             </a:r>
           </a:p>
           <a:p>
@@ -5951,164 +5065,8 @@
               <a:buNone/>
             </a:pPr>
             <a:r>
-              <a:rPr lang="tr-TR" dirty="0" err="1"/>
-              <a:t>Whatever</a:t>
-            </a:r>
-            <a:r>
-              <a:rPr lang="tr-TR" dirty="0"/>
-              <a:t> </a:t>
-            </a:r>
-            <a:r>
-              <a:rPr lang="tr-TR" dirty="0" err="1"/>
-              <a:t>the</a:t>
-            </a:r>
-            <a:r>
-              <a:rPr lang="tr-TR" dirty="0"/>
-              <a:t> </a:t>
-            </a:r>
-            <a:r>
-              <a:rPr lang="tr-TR" dirty="0" err="1"/>
-              <a:t>agent</a:t>
-            </a:r>
-            <a:r>
-              <a:rPr lang="tr-TR" dirty="0"/>
-              <a:t> is </a:t>
-            </a:r>
-            <a:r>
-              <a:rPr lang="tr-TR" dirty="0" err="1"/>
-              <a:t>configuration</a:t>
-            </a:r>
-            <a:r>
-              <a:rPr lang="tr-TR" dirty="0"/>
-              <a:t> </a:t>
-            </a:r>
-            <a:r>
-              <a:rPr lang="tr-TR" dirty="0" err="1"/>
-              <a:t>parameters</a:t>
-            </a:r>
-            <a:r>
-              <a:rPr lang="tr-TR" dirty="0"/>
-              <a:t> </a:t>
-            </a:r>
-            <a:r>
-              <a:rPr lang="tr-TR" dirty="0" err="1"/>
-              <a:t>should</a:t>
-            </a:r>
-            <a:r>
-              <a:rPr lang="tr-TR" dirty="0"/>
-              <a:t> be </a:t>
-            </a:r>
-            <a:r>
-              <a:rPr lang="tr-TR" dirty="0" err="1"/>
-              <a:t>configured</a:t>
-            </a:r>
-            <a:r>
-              <a:rPr lang="tr-TR" dirty="0"/>
-              <a:t>. </a:t>
-            </a:r>
-            <a:r>
-              <a:rPr lang="tr-TR" dirty="0" err="1"/>
-              <a:t>This</a:t>
-            </a:r>
-            <a:r>
-              <a:rPr lang="tr-TR" dirty="0"/>
-              <a:t> </a:t>
-            </a:r>
-            <a:r>
-              <a:rPr lang="tr-TR" dirty="0" err="1"/>
-              <a:t>parameters</a:t>
-            </a:r>
-            <a:r>
-              <a:rPr lang="tr-TR" dirty="0"/>
-              <a:t> </a:t>
-            </a:r>
-            <a:r>
-              <a:rPr lang="tr-TR" dirty="0" err="1"/>
-              <a:t>configure</a:t>
-            </a:r>
-            <a:r>
-              <a:rPr lang="tr-TR" dirty="0"/>
-              <a:t> </a:t>
-            </a:r>
-            <a:r>
-              <a:rPr lang="tr-TR" dirty="0" err="1"/>
-              <a:t>the</a:t>
-            </a:r>
-            <a:r>
-              <a:rPr lang="tr-TR" dirty="0"/>
-              <a:t> </a:t>
-            </a:r>
-            <a:r>
-              <a:rPr lang="tr-TR" dirty="0" err="1"/>
-              <a:t>agent</a:t>
-            </a:r>
-            <a:r>
-              <a:rPr lang="tr-TR" dirty="0"/>
-              <a:t>. </a:t>
-            </a:r>
-            <a:r>
-              <a:rPr lang="tr-TR" dirty="0" err="1"/>
-              <a:t>Therefore</a:t>
-            </a:r>
-            <a:r>
-              <a:rPr lang="tr-TR" dirty="0"/>
-              <a:t>, </a:t>
-            </a:r>
-            <a:r>
-              <a:rPr lang="tr-TR" dirty="0" err="1"/>
-              <a:t>we</a:t>
-            </a:r>
-            <a:r>
-              <a:rPr lang="tr-TR" dirty="0"/>
-              <a:t> </a:t>
-            </a:r>
-            <a:r>
-              <a:rPr lang="tr-TR" dirty="0" err="1"/>
-              <a:t>will</a:t>
-            </a:r>
-            <a:r>
-              <a:rPr lang="tr-TR" dirty="0"/>
-              <a:t> </a:t>
-            </a:r>
-            <a:r>
-              <a:rPr lang="tr-TR" dirty="0" err="1"/>
-              <a:t>search</a:t>
-            </a:r>
-            <a:r>
-              <a:rPr lang="tr-TR" dirty="0"/>
-              <a:t> </a:t>
-            </a:r>
-            <a:r>
-              <a:rPr lang="tr-TR" dirty="0" err="1"/>
-              <a:t>this</a:t>
-            </a:r>
-            <a:r>
-              <a:rPr lang="tr-TR" dirty="0"/>
-              <a:t> </a:t>
-            </a:r>
-            <a:r>
-              <a:rPr lang="tr-TR" dirty="0" err="1"/>
-              <a:t>affects</a:t>
-            </a:r>
-            <a:r>
-              <a:rPr lang="tr-TR" dirty="0"/>
-              <a:t> </a:t>
-            </a:r>
-            <a:r>
-              <a:rPr lang="tr-TR" dirty="0" err="1"/>
-              <a:t>our</a:t>
-            </a:r>
-            <a:r>
-              <a:rPr lang="tr-TR" dirty="0"/>
-              <a:t> </a:t>
-            </a:r>
-            <a:r>
-              <a:rPr lang="tr-TR" dirty="0" err="1"/>
-              <a:t>agents</a:t>
-            </a:r>
-            <a:r>
-              <a:rPr lang="tr-TR" dirty="0"/>
-              <a:t>.</a:t>
+              <a:rPr lang="en-US" noProof="0" dirty="0"/>
+              <a:t>Whatever the agent is configuration parameters should be configured. This parameters configure the agent. Therefore, we will search this affects our agents.</a:t>
             </a:r>
           </a:p>
           <a:p>
@@ -6122,156 +5080,8 @@
               <a:buNone/>
             </a:pPr>
             <a:r>
-              <a:rPr lang="tr-TR" dirty="0" err="1"/>
-              <a:t>Layer</a:t>
-            </a:r>
-            <a:r>
-              <a:rPr lang="tr-TR" dirty="0"/>
-              <a:t> </a:t>
-            </a:r>
-            <a:r>
-              <a:rPr lang="tr-TR" dirty="0" err="1"/>
-              <a:t>affect</a:t>
-            </a:r>
-            <a:r>
-              <a:rPr lang="tr-TR" dirty="0"/>
-              <a:t> </a:t>
-            </a:r>
-            <a:r>
-              <a:rPr lang="tr-TR" dirty="0" err="1"/>
-              <a:t>also</a:t>
-            </a:r>
-            <a:r>
-              <a:rPr lang="tr-TR" dirty="0"/>
-              <a:t>  </a:t>
-            </a:r>
-            <a:r>
-              <a:rPr lang="tr-TR" dirty="0" err="1"/>
-              <a:t>another</a:t>
-            </a:r>
-            <a:r>
-              <a:rPr lang="tr-TR" dirty="0"/>
-              <a:t> </a:t>
-            </a:r>
-            <a:r>
-              <a:rPr lang="tr-TR" dirty="0" err="1"/>
-              <a:t>parameter</a:t>
-            </a:r>
-            <a:r>
-              <a:rPr lang="tr-TR" dirty="0"/>
-              <a:t> </a:t>
-            </a:r>
-            <a:r>
-              <a:rPr lang="tr-TR" dirty="0" err="1"/>
-              <a:t>that</a:t>
-            </a:r>
-            <a:r>
-              <a:rPr lang="tr-TR" dirty="0"/>
-              <a:t> </a:t>
-            </a:r>
-            <a:r>
-              <a:rPr lang="tr-TR" dirty="0" err="1"/>
-              <a:t>affect</a:t>
-            </a:r>
-            <a:r>
-              <a:rPr lang="tr-TR" dirty="0"/>
-              <a:t> </a:t>
-            </a:r>
-            <a:r>
-              <a:rPr lang="tr-TR" dirty="0" err="1"/>
-              <a:t>the</a:t>
-            </a:r>
-            <a:r>
-              <a:rPr lang="tr-TR" dirty="0"/>
-              <a:t> </a:t>
-            </a:r>
-            <a:r>
-              <a:rPr lang="tr-TR" dirty="0" err="1"/>
-              <a:t>agent</a:t>
-            </a:r>
-            <a:r>
-              <a:rPr lang="tr-TR" dirty="0"/>
-              <a:t> </a:t>
-            </a:r>
-            <a:r>
-              <a:rPr lang="tr-TR" dirty="0" err="1"/>
-              <a:t>this</a:t>
-            </a:r>
-            <a:r>
-              <a:rPr lang="tr-TR" dirty="0"/>
-              <a:t> </a:t>
-            </a:r>
-            <a:r>
-              <a:rPr lang="tr-TR" dirty="0" err="1"/>
-              <a:t>will</a:t>
-            </a:r>
-            <a:r>
-              <a:rPr lang="tr-TR" dirty="0"/>
-              <a:t> be </a:t>
-            </a:r>
-            <a:r>
-              <a:rPr lang="tr-TR" dirty="0" err="1"/>
-              <a:t>searched</a:t>
-            </a:r>
-            <a:r>
-              <a:rPr lang="tr-TR" dirty="0"/>
-              <a:t>. </a:t>
-            </a:r>
-            <a:r>
-              <a:rPr lang="tr-TR" dirty="0" err="1"/>
-              <a:t>For</a:t>
-            </a:r>
-            <a:r>
-              <a:rPr lang="tr-TR" dirty="0"/>
-              <a:t> </a:t>
-            </a:r>
-            <a:r>
-              <a:rPr lang="tr-TR" dirty="0" err="1"/>
-              <a:t>this</a:t>
-            </a:r>
-            <a:r>
-              <a:rPr lang="tr-TR" dirty="0"/>
-              <a:t> </a:t>
-            </a:r>
-            <a:r>
-              <a:rPr lang="tr-TR" dirty="0" err="1"/>
-              <a:t>now</a:t>
-            </a:r>
-            <a:r>
-              <a:rPr lang="tr-TR" dirty="0"/>
-              <a:t> </a:t>
-            </a:r>
-            <a:r>
-              <a:rPr lang="tr-TR" dirty="0" err="1"/>
-              <a:t>we</a:t>
-            </a:r>
-            <a:r>
-              <a:rPr lang="tr-TR" dirty="0"/>
-              <a:t> </a:t>
-            </a:r>
-            <a:r>
-              <a:rPr lang="tr-TR" dirty="0" err="1"/>
-              <a:t>are</a:t>
-            </a:r>
-            <a:r>
-              <a:rPr lang="tr-TR" dirty="0"/>
-              <a:t> </a:t>
-            </a:r>
-            <a:r>
-              <a:rPr lang="tr-TR" dirty="0" err="1"/>
-              <a:t>using</a:t>
-            </a:r>
-            <a:r>
-              <a:rPr lang="tr-TR" dirty="0"/>
-              <a:t> 128? </a:t>
-            </a:r>
-            <a:r>
-              <a:rPr lang="tr-TR" dirty="0" err="1"/>
-              <a:t>layer</a:t>
-            </a:r>
-            <a:r>
-              <a:rPr lang="tr-TR" dirty="0"/>
-              <a:t>.</a:t>
+              <a:rPr lang="en-US" noProof="0" dirty="0"/>
+              <a:t>Layer affect also  another parameter that affect the agent this will be searched. For this now we are using 128? layer.</a:t>
             </a:r>
           </a:p>
           <a:p>
@@ -6284,7 +5094,7 @@
               </a:spcAft>
               <a:buNone/>
             </a:pPr>
-            <a:endParaRPr lang="tr-TR" dirty="0"/>
+            <a:endParaRPr lang="en-US" noProof="0" dirty="0"/>
           </a:p>
         </p:txBody>
       </p:sp>
@@ -20434,6 +19244,444 @@
           </a:prstGeom>
         </p:spPr>
       </p:pic>
+      <mc:AlternateContent xmlns:mc="http://schemas.openxmlformats.org/markup-compatibility/2006">
+        <mc:Choice xmlns:a14="http://schemas.microsoft.com/office/drawing/2010/main" Requires="a14">
+          <p:sp>
+            <p:nvSpPr>
+              <p:cNvPr id="10" name="TextBox 9">
+                <a:extLst>
+                  <a:ext uri="{FF2B5EF4-FFF2-40B4-BE49-F238E27FC236}">
+                    <a16:creationId xmlns:a16="http://schemas.microsoft.com/office/drawing/2014/main" id="{0A43E2FA-9E51-4FA6-963C-066AFF837CBC}"/>
+                  </a:ext>
+                </a:extLst>
+              </p:cNvPr>
+              <p:cNvSpPr txBox="1"/>
+              <p:nvPr/>
+            </p:nvSpPr>
+            <p:spPr>
+              <a:xfrm>
+                <a:off x="9626600" y="2896271"/>
+                <a:ext cx="1771650" cy="369268"/>
+              </a:xfrm>
+              <a:prstGeom prst="rect">
+                <a:avLst/>
+              </a:prstGeom>
+              <a:noFill/>
+            </p:spPr>
+            <p:txBody>
+              <a:bodyPr wrap="square">
+                <a:spAutoFit/>
+              </a:bodyPr>
+              <a:lstStyle/>
+              <a:p>
+                <a:pPr/>
+                <a14:m>
+                  <m:oMathPara xmlns:m="http://schemas.openxmlformats.org/officeDocument/2006/math">
+                    <m:oMathParaPr>
+                      <m:jc m:val="centerGroup"/>
+                    </m:oMathParaPr>
+                    <m:oMath xmlns:m="http://schemas.openxmlformats.org/officeDocument/2006/math">
+                      <m:sSub>
+                        <m:sSubPr>
+                          <m:ctrlPr>
+                            <a:rPr lang="en-US" sz="1600" i="1" smtClean="0">
+                              <a:latin typeface="Cambria Math" panose="02040503050406030204" pitchFamily="18" charset="0"/>
+                            </a:rPr>
+                          </m:ctrlPr>
+                        </m:sSubPr>
+                        <m:e>
+                          <m:r>
+                            <a:rPr lang="en-US" sz="1600" i="1">
+                              <a:latin typeface="Cambria Math" panose="02040503050406030204" pitchFamily="18" charset="0"/>
+                            </a:rPr>
+                            <m:t>𝜏</m:t>
+                          </m:r>
+                        </m:e>
+                        <m:sub>
+                          <m:r>
+                            <a:rPr lang="en-US" sz="1600" i="1">
+                              <a:latin typeface="Cambria Math" panose="02040503050406030204" pitchFamily="18" charset="0"/>
+                            </a:rPr>
+                            <m:t>𝜙</m:t>
+                          </m:r>
+                        </m:sub>
+                      </m:sSub>
+                      <m:r>
+                        <a:rPr lang="en-US" sz="1600">
+                          <a:latin typeface="Cambria Math" panose="02040503050406030204" pitchFamily="18" charset="0"/>
+                        </a:rPr>
+                        <m:t>=</m:t>
+                      </m:r>
+                      <m:r>
+                        <a:rPr lang="en-US" sz="1600" i="1">
+                          <a:latin typeface="Cambria Math" panose="02040503050406030204" pitchFamily="18" charset="0"/>
+                        </a:rPr>
+                        <m:t>𝑏𝑙</m:t>
+                      </m:r>
+                      <m:d>
+                        <m:dPr>
+                          <m:ctrlPr>
+                            <a:rPr lang="en-US" sz="1600" i="1">
+                              <a:latin typeface="Cambria Math" panose="02040503050406030204" pitchFamily="18" charset="0"/>
+                            </a:rPr>
+                          </m:ctrlPr>
+                        </m:dPr>
+                        <m:e>
+                          <m:sSubSup>
+                            <m:sSubSupPr>
+                              <m:ctrlPr>
+                                <a:rPr lang="en-US" sz="1600" i="1">
+                                  <a:latin typeface="Cambria Math" panose="02040503050406030204" pitchFamily="18" charset="0"/>
+                                </a:rPr>
+                              </m:ctrlPr>
+                            </m:sSubSupPr>
+                            <m:e>
+                              <m:r>
+                                <m:rPr>
+                                  <m:sty m:val="p"/>
+                                </m:rPr>
+                                <a:rPr lang="en-US" sz="1600">
+                                  <a:latin typeface="Cambria Math" panose="02040503050406030204" pitchFamily="18" charset="0"/>
+                                </a:rPr>
+                                <m:t>Ω</m:t>
+                              </m:r>
+                            </m:e>
+                            <m:sub>
+                              <m:r>
+                                <a:rPr lang="en-US" sz="1600">
+                                  <a:latin typeface="Cambria Math" panose="02040503050406030204" pitchFamily="18" charset="0"/>
+                                </a:rPr>
+                                <m:t>3</m:t>
+                              </m:r>
+                            </m:sub>
+                            <m:sup>
+                              <m:r>
+                                <a:rPr lang="en-US" sz="1600">
+                                  <a:latin typeface="Cambria Math" panose="02040503050406030204" pitchFamily="18" charset="0"/>
+                                </a:rPr>
+                                <m:t>2</m:t>
+                              </m:r>
+                            </m:sup>
+                          </m:sSubSup>
+                          <m:r>
+                            <a:rPr lang="en-US" sz="1600">
+                              <a:latin typeface="Cambria Math" panose="02040503050406030204" pitchFamily="18" charset="0"/>
+                            </a:rPr>
+                            <m:t>−</m:t>
+                          </m:r>
+                          <m:sSubSup>
+                            <m:sSubSupPr>
+                              <m:ctrlPr>
+                                <a:rPr lang="en-US" sz="1600" i="1">
+                                  <a:latin typeface="Cambria Math" panose="02040503050406030204" pitchFamily="18" charset="0"/>
+                                </a:rPr>
+                              </m:ctrlPr>
+                            </m:sSubSupPr>
+                            <m:e>
+                              <m:r>
+                                <m:rPr>
+                                  <m:sty m:val="p"/>
+                                </m:rPr>
+                                <a:rPr lang="en-US" sz="1600">
+                                  <a:latin typeface="Cambria Math" panose="02040503050406030204" pitchFamily="18" charset="0"/>
+                                </a:rPr>
+                                <m:t>Ω</m:t>
+                              </m:r>
+                            </m:e>
+                            <m:sub>
+                              <m:r>
+                                <a:rPr lang="en-US" sz="1600">
+                                  <a:latin typeface="Cambria Math" panose="02040503050406030204" pitchFamily="18" charset="0"/>
+                                </a:rPr>
+                                <m:t>1</m:t>
+                              </m:r>
+                            </m:sub>
+                            <m:sup>
+                              <m:r>
+                                <a:rPr lang="en-US" sz="1600">
+                                  <a:latin typeface="Cambria Math" panose="02040503050406030204" pitchFamily="18" charset="0"/>
+                                </a:rPr>
+                                <m:t>2</m:t>
+                              </m:r>
+                            </m:sup>
+                          </m:sSubSup>
+                        </m:e>
+                      </m:d>
+                      <m:r>
+                        <a:rPr lang="en-US" sz="1600">
+                          <a:latin typeface="Cambria Math" panose="02040503050406030204" pitchFamily="18" charset="0"/>
+                        </a:rPr>
+                        <m:t> </m:t>
+                      </m:r>
+                    </m:oMath>
+                  </m:oMathPara>
+                </a14:m>
+                <a:endParaRPr lang="en-US" sz="1600" dirty="0"/>
+              </a:p>
+            </p:txBody>
+          </p:sp>
+        </mc:Choice>
+        <mc:Fallback>
+          <p:sp>
+            <p:nvSpPr>
+              <p:cNvPr id="10" name="TextBox 9">
+                <a:extLst>
+                  <a:ext uri="{FF2B5EF4-FFF2-40B4-BE49-F238E27FC236}">
+                    <a16:creationId xmlns:a16="http://schemas.microsoft.com/office/drawing/2014/main" id="{0A43E2FA-9E51-4FA6-963C-066AFF837CBC}"/>
+                  </a:ext>
+                </a:extLst>
+              </p:cNvPr>
+              <p:cNvSpPr txBox="1">
+                <a:spLocks noRot="1" noChangeAspect="1" noMove="1" noResize="1" noEditPoints="1" noAdjustHandles="1" noChangeArrowheads="1" noChangeShapeType="1" noTextEdit="1"/>
+              </p:cNvSpPr>
+              <p:nvPr/>
+            </p:nvSpPr>
+            <p:spPr>
+              <a:xfrm>
+                <a:off x="9626600" y="2896271"/>
+                <a:ext cx="1771650" cy="369268"/>
+              </a:xfrm>
+              <a:prstGeom prst="rect">
+                <a:avLst/>
+              </a:prstGeom>
+              <a:blipFill>
+                <a:blip r:embed="rId4"/>
+                <a:stretch>
+                  <a:fillRect b="-4918"/>
+                </a:stretch>
+              </a:blipFill>
+            </p:spPr>
+            <p:txBody>
+              <a:bodyPr/>
+              <a:lstStyle/>
+              <a:p>
+                <a:r>
+                  <a:rPr lang="en-US">
+                    <a:noFill/>
+                  </a:rPr>
+                  <a:t> </a:t>
+                </a:r>
+              </a:p>
+            </p:txBody>
+          </p:sp>
+        </mc:Fallback>
+      </mc:AlternateContent>
+      <mc:AlternateContent xmlns:mc="http://schemas.openxmlformats.org/markup-compatibility/2006">
+        <mc:Choice xmlns:a14="http://schemas.microsoft.com/office/drawing/2010/main" Requires="a14">
+          <p:sp>
+            <p:nvSpPr>
+              <p:cNvPr id="12" name="TextBox 11">
+                <a:extLst>
+                  <a:ext uri="{FF2B5EF4-FFF2-40B4-BE49-F238E27FC236}">
+                    <a16:creationId xmlns:a16="http://schemas.microsoft.com/office/drawing/2014/main" id="{814D26B6-19DF-4C87-B51E-FD949CB33FC0}"/>
+                  </a:ext>
+                </a:extLst>
+              </p:cNvPr>
+              <p:cNvSpPr txBox="1"/>
+              <p:nvPr/>
+            </p:nvSpPr>
+            <p:spPr>
+              <a:xfrm>
+                <a:off x="9620250" y="4455125"/>
+                <a:ext cx="1778000" cy="369268"/>
+              </a:xfrm>
+              <a:prstGeom prst="rect">
+                <a:avLst/>
+              </a:prstGeom>
+              <a:noFill/>
+            </p:spPr>
+            <p:txBody>
+              <a:bodyPr wrap="square">
+                <a:spAutoFit/>
+              </a:bodyPr>
+              <a:lstStyle/>
+              <a:p>
+                <a:pPr/>
+                <a14:m>
+                  <m:oMathPara xmlns:m="http://schemas.openxmlformats.org/officeDocument/2006/math">
+                    <m:oMathParaPr>
+                      <m:jc m:val="centerGroup"/>
+                    </m:oMathParaPr>
+                    <m:oMath xmlns:m="http://schemas.openxmlformats.org/officeDocument/2006/math">
+                      <m:sSub>
+                        <m:sSubPr>
+                          <m:ctrlPr>
+                            <a:rPr lang="en-US" sz="1600" i="1" smtClean="0">
+                              <a:latin typeface="Cambria Math" panose="02040503050406030204" pitchFamily="18" charset="0"/>
+                            </a:rPr>
+                          </m:ctrlPr>
+                        </m:sSubPr>
+                        <m:e>
+                          <m:r>
+                            <a:rPr lang="en-US" sz="1600" i="1">
+                              <a:latin typeface="Cambria Math" panose="02040503050406030204" pitchFamily="18" charset="0"/>
+                            </a:rPr>
+                            <m:t>𝜏</m:t>
+                          </m:r>
+                        </m:e>
+                        <m:sub>
+                          <m:r>
+                            <a:rPr lang="en-US" sz="1600" i="1">
+                              <a:latin typeface="Cambria Math" panose="02040503050406030204" pitchFamily="18" charset="0"/>
+                            </a:rPr>
+                            <m:t>𝜑</m:t>
+                          </m:r>
+                        </m:sub>
+                      </m:sSub>
+                      <m:r>
+                        <a:rPr lang="en-US" sz="1600">
+                          <a:latin typeface="Cambria Math" panose="02040503050406030204" pitchFamily="18" charset="0"/>
+                        </a:rPr>
+                        <m:t>=</m:t>
+                      </m:r>
+                      <m:r>
+                        <a:rPr lang="en-US" sz="1600" i="1">
+                          <a:latin typeface="Cambria Math" panose="02040503050406030204" pitchFamily="18" charset="0"/>
+                        </a:rPr>
+                        <m:t>𝑏𝑙</m:t>
+                      </m:r>
+                      <m:d>
+                        <m:dPr>
+                          <m:ctrlPr>
+                            <a:rPr lang="en-US" sz="1600" i="1">
+                              <a:latin typeface="Cambria Math" panose="02040503050406030204" pitchFamily="18" charset="0"/>
+                            </a:rPr>
+                          </m:ctrlPr>
+                        </m:dPr>
+                        <m:e>
+                          <m:sSubSup>
+                            <m:sSubSupPr>
+                              <m:ctrlPr>
+                                <a:rPr lang="en-US" sz="1600" i="1">
+                                  <a:latin typeface="Cambria Math" panose="02040503050406030204" pitchFamily="18" charset="0"/>
+                                </a:rPr>
+                              </m:ctrlPr>
+                            </m:sSubSupPr>
+                            <m:e>
+                              <m:r>
+                                <m:rPr>
+                                  <m:sty m:val="p"/>
+                                </m:rPr>
+                                <a:rPr lang="en-US" sz="1600">
+                                  <a:latin typeface="Cambria Math" panose="02040503050406030204" pitchFamily="18" charset="0"/>
+                                </a:rPr>
+                                <m:t>Ω</m:t>
+                              </m:r>
+                            </m:e>
+                            <m:sub>
+                              <m:r>
+                                <a:rPr lang="en-US" sz="1600">
+                                  <a:latin typeface="Cambria Math" panose="02040503050406030204" pitchFamily="18" charset="0"/>
+                                </a:rPr>
+                                <m:t>4</m:t>
+                              </m:r>
+                            </m:sub>
+                            <m:sup>
+                              <m:r>
+                                <a:rPr lang="en-US" sz="1600">
+                                  <a:latin typeface="Cambria Math" panose="02040503050406030204" pitchFamily="18" charset="0"/>
+                                </a:rPr>
+                                <m:t>2</m:t>
+                              </m:r>
+                            </m:sup>
+                          </m:sSubSup>
+                          <m:r>
+                            <a:rPr lang="en-US" sz="1600">
+                              <a:latin typeface="Cambria Math" panose="02040503050406030204" pitchFamily="18" charset="0"/>
+                            </a:rPr>
+                            <m:t>−</m:t>
+                          </m:r>
+                          <m:sSubSup>
+                            <m:sSubSupPr>
+                              <m:ctrlPr>
+                                <a:rPr lang="en-US" sz="1600" i="1">
+                                  <a:latin typeface="Cambria Math" panose="02040503050406030204" pitchFamily="18" charset="0"/>
+                                </a:rPr>
+                              </m:ctrlPr>
+                            </m:sSubSupPr>
+                            <m:e>
+                              <m:r>
+                                <m:rPr>
+                                  <m:sty m:val="p"/>
+                                </m:rPr>
+                                <a:rPr lang="en-US" sz="1600">
+                                  <a:latin typeface="Cambria Math" panose="02040503050406030204" pitchFamily="18" charset="0"/>
+                                </a:rPr>
+                                <m:t>Ω</m:t>
+                              </m:r>
+                            </m:e>
+                            <m:sub>
+                              <m:r>
+                                <a:rPr lang="en-US" sz="1600">
+                                  <a:latin typeface="Cambria Math" panose="02040503050406030204" pitchFamily="18" charset="0"/>
+                                </a:rPr>
+                                <m:t>2</m:t>
+                              </m:r>
+                            </m:sub>
+                            <m:sup>
+                              <m:r>
+                                <a:rPr lang="en-US" sz="1600">
+                                  <a:latin typeface="Cambria Math" panose="02040503050406030204" pitchFamily="18" charset="0"/>
+                                </a:rPr>
+                                <m:t>2</m:t>
+                              </m:r>
+                            </m:sup>
+                          </m:sSubSup>
+                        </m:e>
+                      </m:d>
+                    </m:oMath>
+                  </m:oMathPara>
+                </a14:m>
+                <a:endParaRPr lang="en-US" sz="1600" dirty="0"/>
+              </a:p>
+            </p:txBody>
+          </p:sp>
+        </mc:Choice>
+        <mc:Fallback>
+          <p:sp>
+            <p:nvSpPr>
+              <p:cNvPr id="12" name="TextBox 11">
+                <a:extLst>
+                  <a:ext uri="{FF2B5EF4-FFF2-40B4-BE49-F238E27FC236}">
+                    <a16:creationId xmlns:a16="http://schemas.microsoft.com/office/drawing/2014/main" id="{814D26B6-19DF-4C87-B51E-FD949CB33FC0}"/>
+                  </a:ext>
+                </a:extLst>
+              </p:cNvPr>
+              <p:cNvSpPr txBox="1">
+                <a:spLocks noRot="1" noChangeAspect="1" noMove="1" noResize="1" noEditPoints="1" noAdjustHandles="1" noChangeArrowheads="1" noChangeShapeType="1" noTextEdit="1"/>
+              </p:cNvSpPr>
+              <p:nvPr/>
+            </p:nvSpPr>
+            <p:spPr>
+              <a:xfrm>
+                <a:off x="9620250" y="4455125"/>
+                <a:ext cx="1778000" cy="369268"/>
+              </a:xfrm>
+              <a:prstGeom prst="rect">
+                <a:avLst/>
+              </a:prstGeom>
+              <a:blipFill>
+                <a:blip r:embed="rId5"/>
+                <a:stretch>
+                  <a:fillRect b="-1667"/>
+                </a:stretch>
+              </a:blipFill>
+            </p:spPr>
+            <p:txBody>
+              <a:bodyPr/>
+              <a:lstStyle/>
+              <a:p>
+                <a:r>
+                  <a:rPr lang="en-US">
+                    <a:noFill/>
+                  </a:rPr>
+                  <a:t> </a:t>
+                </a:r>
+              </a:p>
+            </p:txBody>
+          </p:sp>
+        </mc:Fallback>
+      </mc:AlternateContent>
     </p:spTree>
     <p:extLst>
       <p:ext uri="{BB962C8B-B14F-4D97-AF65-F5344CB8AC3E}">
@@ -21234,6 +20482,444 @@
           </a:fontRef>
         </p:style>
       </p:cxnSp>
+      <mc:AlternateContent xmlns:mc="http://schemas.openxmlformats.org/markup-compatibility/2006">
+        <mc:Choice xmlns:a14="http://schemas.microsoft.com/office/drawing/2010/main" Requires="a14">
+          <p:sp>
+            <p:nvSpPr>
+              <p:cNvPr id="13" name="TextBox 12">
+                <a:extLst>
+                  <a:ext uri="{FF2B5EF4-FFF2-40B4-BE49-F238E27FC236}">
+                    <a16:creationId xmlns:a16="http://schemas.microsoft.com/office/drawing/2014/main" id="{F6CF73B8-DAD4-4C67-A5BA-0C11C3B86D07}"/>
+                  </a:ext>
+                </a:extLst>
+              </p:cNvPr>
+              <p:cNvSpPr txBox="1"/>
+              <p:nvPr/>
+            </p:nvSpPr>
+            <p:spPr>
+              <a:xfrm>
+                <a:off x="10201755" y="2671384"/>
+                <a:ext cx="1771650" cy="369268"/>
+              </a:xfrm>
+              <a:prstGeom prst="rect">
+                <a:avLst/>
+              </a:prstGeom>
+              <a:noFill/>
+            </p:spPr>
+            <p:txBody>
+              <a:bodyPr wrap="square">
+                <a:spAutoFit/>
+              </a:bodyPr>
+              <a:lstStyle/>
+              <a:p>
+                <a:pPr/>
+                <a14:m>
+                  <m:oMathPara xmlns:m="http://schemas.openxmlformats.org/officeDocument/2006/math">
+                    <m:oMathParaPr>
+                      <m:jc m:val="centerGroup"/>
+                    </m:oMathParaPr>
+                    <m:oMath xmlns:m="http://schemas.openxmlformats.org/officeDocument/2006/math">
+                      <m:sSub>
+                        <m:sSubPr>
+                          <m:ctrlPr>
+                            <a:rPr lang="en-US" sz="1600" i="1" smtClean="0">
+                              <a:latin typeface="Cambria Math" panose="02040503050406030204" pitchFamily="18" charset="0"/>
+                            </a:rPr>
+                          </m:ctrlPr>
+                        </m:sSubPr>
+                        <m:e>
+                          <m:r>
+                            <a:rPr lang="en-US" sz="1600" i="1">
+                              <a:latin typeface="Cambria Math" panose="02040503050406030204" pitchFamily="18" charset="0"/>
+                            </a:rPr>
+                            <m:t>𝜏</m:t>
+                          </m:r>
+                        </m:e>
+                        <m:sub>
+                          <m:r>
+                            <a:rPr lang="en-US" sz="1600" i="1">
+                              <a:latin typeface="Cambria Math" panose="02040503050406030204" pitchFamily="18" charset="0"/>
+                            </a:rPr>
+                            <m:t>𝜙</m:t>
+                          </m:r>
+                        </m:sub>
+                      </m:sSub>
+                      <m:r>
+                        <a:rPr lang="en-US" sz="1600">
+                          <a:latin typeface="Cambria Math" panose="02040503050406030204" pitchFamily="18" charset="0"/>
+                        </a:rPr>
+                        <m:t>=</m:t>
+                      </m:r>
+                      <m:r>
+                        <a:rPr lang="en-US" sz="1600" i="1">
+                          <a:latin typeface="Cambria Math" panose="02040503050406030204" pitchFamily="18" charset="0"/>
+                        </a:rPr>
+                        <m:t>𝑏𝑙</m:t>
+                      </m:r>
+                      <m:d>
+                        <m:dPr>
+                          <m:ctrlPr>
+                            <a:rPr lang="en-US" sz="1600" i="1">
+                              <a:latin typeface="Cambria Math" panose="02040503050406030204" pitchFamily="18" charset="0"/>
+                            </a:rPr>
+                          </m:ctrlPr>
+                        </m:dPr>
+                        <m:e>
+                          <m:sSubSup>
+                            <m:sSubSupPr>
+                              <m:ctrlPr>
+                                <a:rPr lang="en-US" sz="1600" i="1">
+                                  <a:latin typeface="Cambria Math" panose="02040503050406030204" pitchFamily="18" charset="0"/>
+                                </a:rPr>
+                              </m:ctrlPr>
+                            </m:sSubSupPr>
+                            <m:e>
+                              <m:r>
+                                <m:rPr>
+                                  <m:sty m:val="p"/>
+                                </m:rPr>
+                                <a:rPr lang="en-US" sz="1600">
+                                  <a:latin typeface="Cambria Math" panose="02040503050406030204" pitchFamily="18" charset="0"/>
+                                </a:rPr>
+                                <m:t>Ω</m:t>
+                              </m:r>
+                            </m:e>
+                            <m:sub>
+                              <m:r>
+                                <a:rPr lang="en-US" sz="1600">
+                                  <a:latin typeface="Cambria Math" panose="02040503050406030204" pitchFamily="18" charset="0"/>
+                                </a:rPr>
+                                <m:t>3</m:t>
+                              </m:r>
+                            </m:sub>
+                            <m:sup>
+                              <m:r>
+                                <a:rPr lang="en-US" sz="1600">
+                                  <a:latin typeface="Cambria Math" panose="02040503050406030204" pitchFamily="18" charset="0"/>
+                                </a:rPr>
+                                <m:t>2</m:t>
+                              </m:r>
+                            </m:sup>
+                          </m:sSubSup>
+                          <m:r>
+                            <a:rPr lang="en-US" sz="1600">
+                              <a:latin typeface="Cambria Math" panose="02040503050406030204" pitchFamily="18" charset="0"/>
+                            </a:rPr>
+                            <m:t>−</m:t>
+                          </m:r>
+                          <m:sSubSup>
+                            <m:sSubSupPr>
+                              <m:ctrlPr>
+                                <a:rPr lang="en-US" sz="1600" i="1">
+                                  <a:latin typeface="Cambria Math" panose="02040503050406030204" pitchFamily="18" charset="0"/>
+                                </a:rPr>
+                              </m:ctrlPr>
+                            </m:sSubSupPr>
+                            <m:e>
+                              <m:r>
+                                <m:rPr>
+                                  <m:sty m:val="p"/>
+                                </m:rPr>
+                                <a:rPr lang="en-US" sz="1600">
+                                  <a:latin typeface="Cambria Math" panose="02040503050406030204" pitchFamily="18" charset="0"/>
+                                </a:rPr>
+                                <m:t>Ω</m:t>
+                              </m:r>
+                            </m:e>
+                            <m:sub>
+                              <m:r>
+                                <a:rPr lang="en-US" sz="1600">
+                                  <a:latin typeface="Cambria Math" panose="02040503050406030204" pitchFamily="18" charset="0"/>
+                                </a:rPr>
+                                <m:t>1</m:t>
+                              </m:r>
+                            </m:sub>
+                            <m:sup>
+                              <m:r>
+                                <a:rPr lang="en-US" sz="1600">
+                                  <a:latin typeface="Cambria Math" panose="02040503050406030204" pitchFamily="18" charset="0"/>
+                                </a:rPr>
+                                <m:t>2</m:t>
+                              </m:r>
+                            </m:sup>
+                          </m:sSubSup>
+                        </m:e>
+                      </m:d>
+                      <m:r>
+                        <a:rPr lang="en-US" sz="1600">
+                          <a:latin typeface="Cambria Math" panose="02040503050406030204" pitchFamily="18" charset="0"/>
+                        </a:rPr>
+                        <m:t> </m:t>
+                      </m:r>
+                    </m:oMath>
+                  </m:oMathPara>
+                </a14:m>
+                <a:endParaRPr lang="en-US" sz="1600" dirty="0"/>
+              </a:p>
+            </p:txBody>
+          </p:sp>
+        </mc:Choice>
+        <mc:Fallback>
+          <p:sp>
+            <p:nvSpPr>
+              <p:cNvPr id="13" name="TextBox 12">
+                <a:extLst>
+                  <a:ext uri="{FF2B5EF4-FFF2-40B4-BE49-F238E27FC236}">
+                    <a16:creationId xmlns:a16="http://schemas.microsoft.com/office/drawing/2014/main" id="{F6CF73B8-DAD4-4C67-A5BA-0C11C3B86D07}"/>
+                  </a:ext>
+                </a:extLst>
+              </p:cNvPr>
+              <p:cNvSpPr txBox="1">
+                <a:spLocks noRot="1" noChangeAspect="1" noMove="1" noResize="1" noEditPoints="1" noAdjustHandles="1" noChangeArrowheads="1" noChangeShapeType="1" noTextEdit="1"/>
+              </p:cNvSpPr>
+              <p:nvPr/>
+            </p:nvSpPr>
+            <p:spPr>
+              <a:xfrm>
+                <a:off x="10201755" y="2671384"/>
+                <a:ext cx="1771650" cy="369268"/>
+              </a:xfrm>
+              <a:prstGeom prst="rect">
+                <a:avLst/>
+              </a:prstGeom>
+              <a:blipFill>
+                <a:blip r:embed="rId5"/>
+                <a:stretch>
+                  <a:fillRect b="-4918"/>
+                </a:stretch>
+              </a:blipFill>
+            </p:spPr>
+            <p:txBody>
+              <a:bodyPr/>
+              <a:lstStyle/>
+              <a:p>
+                <a:r>
+                  <a:rPr lang="en-US">
+                    <a:noFill/>
+                  </a:rPr>
+                  <a:t> </a:t>
+                </a:r>
+              </a:p>
+            </p:txBody>
+          </p:sp>
+        </mc:Fallback>
+      </mc:AlternateContent>
+      <mc:AlternateContent xmlns:mc="http://schemas.openxmlformats.org/markup-compatibility/2006">
+        <mc:Choice xmlns:a14="http://schemas.microsoft.com/office/drawing/2010/main" Requires="a14">
+          <p:sp>
+            <p:nvSpPr>
+              <p:cNvPr id="14" name="TextBox 13">
+                <a:extLst>
+                  <a:ext uri="{FF2B5EF4-FFF2-40B4-BE49-F238E27FC236}">
+                    <a16:creationId xmlns:a16="http://schemas.microsoft.com/office/drawing/2014/main" id="{C88342D4-CDDA-49C2-8FFE-D820E4DE5B0A}"/>
+                  </a:ext>
+                </a:extLst>
+              </p:cNvPr>
+              <p:cNvSpPr txBox="1"/>
+              <p:nvPr/>
+            </p:nvSpPr>
+            <p:spPr>
+              <a:xfrm>
+                <a:off x="10195405" y="4230238"/>
+                <a:ext cx="1778000" cy="369268"/>
+              </a:xfrm>
+              <a:prstGeom prst="rect">
+                <a:avLst/>
+              </a:prstGeom>
+              <a:noFill/>
+            </p:spPr>
+            <p:txBody>
+              <a:bodyPr wrap="square">
+                <a:spAutoFit/>
+              </a:bodyPr>
+              <a:lstStyle/>
+              <a:p>
+                <a:pPr/>
+                <a14:m>
+                  <m:oMathPara xmlns:m="http://schemas.openxmlformats.org/officeDocument/2006/math">
+                    <m:oMathParaPr>
+                      <m:jc m:val="centerGroup"/>
+                    </m:oMathParaPr>
+                    <m:oMath xmlns:m="http://schemas.openxmlformats.org/officeDocument/2006/math">
+                      <m:sSub>
+                        <m:sSubPr>
+                          <m:ctrlPr>
+                            <a:rPr lang="en-US" sz="1600" i="1" smtClean="0">
+                              <a:latin typeface="Cambria Math" panose="02040503050406030204" pitchFamily="18" charset="0"/>
+                            </a:rPr>
+                          </m:ctrlPr>
+                        </m:sSubPr>
+                        <m:e>
+                          <m:r>
+                            <a:rPr lang="en-US" sz="1600" i="1">
+                              <a:latin typeface="Cambria Math" panose="02040503050406030204" pitchFamily="18" charset="0"/>
+                            </a:rPr>
+                            <m:t>𝜏</m:t>
+                          </m:r>
+                        </m:e>
+                        <m:sub>
+                          <m:r>
+                            <a:rPr lang="en-US" sz="1600" i="1">
+                              <a:latin typeface="Cambria Math" panose="02040503050406030204" pitchFamily="18" charset="0"/>
+                            </a:rPr>
+                            <m:t>𝜑</m:t>
+                          </m:r>
+                        </m:sub>
+                      </m:sSub>
+                      <m:r>
+                        <a:rPr lang="en-US" sz="1600">
+                          <a:latin typeface="Cambria Math" panose="02040503050406030204" pitchFamily="18" charset="0"/>
+                        </a:rPr>
+                        <m:t>=</m:t>
+                      </m:r>
+                      <m:r>
+                        <a:rPr lang="en-US" sz="1600" i="1">
+                          <a:latin typeface="Cambria Math" panose="02040503050406030204" pitchFamily="18" charset="0"/>
+                        </a:rPr>
+                        <m:t>𝑏𝑙</m:t>
+                      </m:r>
+                      <m:d>
+                        <m:dPr>
+                          <m:ctrlPr>
+                            <a:rPr lang="en-US" sz="1600" i="1">
+                              <a:latin typeface="Cambria Math" panose="02040503050406030204" pitchFamily="18" charset="0"/>
+                            </a:rPr>
+                          </m:ctrlPr>
+                        </m:dPr>
+                        <m:e>
+                          <m:sSubSup>
+                            <m:sSubSupPr>
+                              <m:ctrlPr>
+                                <a:rPr lang="en-US" sz="1600" i="1">
+                                  <a:latin typeface="Cambria Math" panose="02040503050406030204" pitchFamily="18" charset="0"/>
+                                </a:rPr>
+                              </m:ctrlPr>
+                            </m:sSubSupPr>
+                            <m:e>
+                              <m:r>
+                                <m:rPr>
+                                  <m:sty m:val="p"/>
+                                </m:rPr>
+                                <a:rPr lang="en-US" sz="1600">
+                                  <a:latin typeface="Cambria Math" panose="02040503050406030204" pitchFamily="18" charset="0"/>
+                                </a:rPr>
+                                <m:t>Ω</m:t>
+                              </m:r>
+                            </m:e>
+                            <m:sub>
+                              <m:r>
+                                <a:rPr lang="en-US" sz="1600">
+                                  <a:latin typeface="Cambria Math" panose="02040503050406030204" pitchFamily="18" charset="0"/>
+                                </a:rPr>
+                                <m:t>4</m:t>
+                              </m:r>
+                            </m:sub>
+                            <m:sup>
+                              <m:r>
+                                <a:rPr lang="en-US" sz="1600">
+                                  <a:latin typeface="Cambria Math" panose="02040503050406030204" pitchFamily="18" charset="0"/>
+                                </a:rPr>
+                                <m:t>2</m:t>
+                              </m:r>
+                            </m:sup>
+                          </m:sSubSup>
+                          <m:r>
+                            <a:rPr lang="en-US" sz="1600">
+                              <a:latin typeface="Cambria Math" panose="02040503050406030204" pitchFamily="18" charset="0"/>
+                            </a:rPr>
+                            <m:t>−</m:t>
+                          </m:r>
+                          <m:sSubSup>
+                            <m:sSubSupPr>
+                              <m:ctrlPr>
+                                <a:rPr lang="en-US" sz="1600" i="1">
+                                  <a:latin typeface="Cambria Math" panose="02040503050406030204" pitchFamily="18" charset="0"/>
+                                </a:rPr>
+                              </m:ctrlPr>
+                            </m:sSubSupPr>
+                            <m:e>
+                              <m:r>
+                                <m:rPr>
+                                  <m:sty m:val="p"/>
+                                </m:rPr>
+                                <a:rPr lang="en-US" sz="1600">
+                                  <a:latin typeface="Cambria Math" panose="02040503050406030204" pitchFamily="18" charset="0"/>
+                                </a:rPr>
+                                <m:t>Ω</m:t>
+                              </m:r>
+                            </m:e>
+                            <m:sub>
+                              <m:r>
+                                <a:rPr lang="en-US" sz="1600">
+                                  <a:latin typeface="Cambria Math" panose="02040503050406030204" pitchFamily="18" charset="0"/>
+                                </a:rPr>
+                                <m:t>2</m:t>
+                              </m:r>
+                            </m:sub>
+                            <m:sup>
+                              <m:r>
+                                <a:rPr lang="en-US" sz="1600">
+                                  <a:latin typeface="Cambria Math" panose="02040503050406030204" pitchFamily="18" charset="0"/>
+                                </a:rPr>
+                                <m:t>2</m:t>
+                              </m:r>
+                            </m:sup>
+                          </m:sSubSup>
+                        </m:e>
+                      </m:d>
+                    </m:oMath>
+                  </m:oMathPara>
+                </a14:m>
+                <a:endParaRPr lang="en-US" sz="1600" dirty="0"/>
+              </a:p>
+            </p:txBody>
+          </p:sp>
+        </mc:Choice>
+        <mc:Fallback>
+          <p:sp>
+            <p:nvSpPr>
+              <p:cNvPr id="14" name="TextBox 13">
+                <a:extLst>
+                  <a:ext uri="{FF2B5EF4-FFF2-40B4-BE49-F238E27FC236}">
+                    <a16:creationId xmlns:a16="http://schemas.microsoft.com/office/drawing/2014/main" id="{C88342D4-CDDA-49C2-8FFE-D820E4DE5B0A}"/>
+                  </a:ext>
+                </a:extLst>
+              </p:cNvPr>
+              <p:cNvSpPr txBox="1">
+                <a:spLocks noRot="1" noChangeAspect="1" noMove="1" noResize="1" noEditPoints="1" noAdjustHandles="1" noChangeArrowheads="1" noChangeShapeType="1" noTextEdit="1"/>
+              </p:cNvSpPr>
+              <p:nvPr/>
+            </p:nvSpPr>
+            <p:spPr>
+              <a:xfrm>
+                <a:off x="10195405" y="4230238"/>
+                <a:ext cx="1778000" cy="369268"/>
+              </a:xfrm>
+              <a:prstGeom prst="rect">
+                <a:avLst/>
+              </a:prstGeom>
+              <a:blipFill>
+                <a:blip r:embed="rId6"/>
+                <a:stretch>
+                  <a:fillRect/>
+                </a:stretch>
+              </a:blipFill>
+            </p:spPr>
+            <p:txBody>
+              <a:bodyPr/>
+              <a:lstStyle/>
+              <a:p>
+                <a:r>
+                  <a:rPr lang="en-US">
+                    <a:noFill/>
+                  </a:rPr>
+                  <a:t> </a:t>
+                </a:r>
+              </a:p>
+            </p:txBody>
+          </p:sp>
+        </mc:Fallback>
+      </mc:AlternateContent>
     </p:spTree>
     <p:extLst>
       <p:ext uri="{BB962C8B-B14F-4D97-AF65-F5344CB8AC3E}">
@@ -22015,6 +21701,313 @@
           </a:prstGeom>
         </p:spPr>
       </p:pic>
+      <mc:AlternateContent xmlns:mc="http://schemas.openxmlformats.org/markup-compatibility/2006">
+        <mc:Choice xmlns:a14="http://schemas.microsoft.com/office/drawing/2010/main" Requires="a14">
+          <p:sp>
+            <p:nvSpPr>
+              <p:cNvPr id="8" name="TextBox 7">
+                <a:extLst>
+                  <a:ext uri="{FF2B5EF4-FFF2-40B4-BE49-F238E27FC236}">
+                    <a16:creationId xmlns:a16="http://schemas.microsoft.com/office/drawing/2014/main" id="{B7094B22-7160-4896-8505-6B6DED255DD7}"/>
+                  </a:ext>
+                </a:extLst>
+              </p:cNvPr>
+              <p:cNvSpPr txBox="1"/>
+              <p:nvPr/>
+            </p:nvSpPr>
+            <p:spPr>
+              <a:xfrm>
+                <a:off x="8378042" y="4936893"/>
+                <a:ext cx="3352799" cy="413831"/>
+              </a:xfrm>
+              <a:prstGeom prst="rect">
+                <a:avLst/>
+              </a:prstGeom>
+              <a:noFill/>
+            </p:spPr>
+            <p:txBody>
+              <a:bodyPr wrap="square">
+                <a:spAutoFit/>
+              </a:bodyPr>
+              <a:lstStyle/>
+              <a:p>
+                <a:pPr/>
+                <a14:m>
+                  <m:oMathPara xmlns:m="http://schemas.openxmlformats.org/officeDocument/2006/math">
+                    <m:oMathParaPr>
+                      <m:jc m:val="centerGroup"/>
+                    </m:oMathParaPr>
+                    <m:oMath xmlns:m="http://schemas.openxmlformats.org/officeDocument/2006/math">
+                      <m:d>
+                        <m:dPr>
+                          <m:begChr m:val=""/>
+                          <m:ctrlPr>
+                            <a:rPr lang="en-US" sz="1800" i="1" smtClean="0">
+                              <a:latin typeface="Cambria Math" panose="02040503050406030204" pitchFamily="18" charset="0"/>
+                            </a:rPr>
+                          </m:ctrlPr>
+                        </m:dPr>
+                        <m:e>
+                          <m:sSub>
+                            <m:sSubPr>
+                              <m:ctrlPr>
+                                <a:rPr lang="en-US" sz="1800" i="1">
+                                  <a:latin typeface="Cambria Math" panose="02040503050406030204" pitchFamily="18" charset="0"/>
+                                </a:rPr>
+                              </m:ctrlPr>
+                            </m:sSubPr>
+                            <m:e>
+                              <m:r>
+                                <a:rPr lang="en-US" sz="1800" i="1">
+                                  <a:latin typeface="Cambria Math" panose="02040503050406030204" pitchFamily="18" charset="0"/>
+                                </a:rPr>
+                                <m:t>𝜏</m:t>
+                              </m:r>
+                            </m:e>
+                            <m:sub>
+                              <m:r>
+                                <a:rPr lang="en-US" sz="1800" i="1">
+                                  <a:latin typeface="Cambria Math" panose="02040503050406030204" pitchFamily="18" charset="0"/>
+                                </a:rPr>
+                                <m:t>𝜓</m:t>
+                              </m:r>
+                            </m:sub>
+                          </m:sSub>
+                          <m:r>
+                            <a:rPr lang="en-US" sz="1800">
+                              <a:latin typeface="Cambria Math" panose="02040503050406030204" pitchFamily="18" charset="0"/>
+                            </a:rPr>
+                            <m:t>=</m:t>
+                          </m:r>
+                          <m:r>
+                            <a:rPr lang="en-US" sz="1800" i="1">
+                              <a:latin typeface="Cambria Math" panose="02040503050406030204" pitchFamily="18" charset="0"/>
+                            </a:rPr>
+                            <m:t>𝑑</m:t>
+                          </m:r>
+                          <m:r>
+                            <a:rPr lang="en-US" sz="1800">
+                              <a:latin typeface="Cambria Math" panose="02040503050406030204" pitchFamily="18" charset="0"/>
+                            </a:rPr>
+                            <m:t>(</m:t>
+                          </m:r>
+                          <m:sSubSup>
+                            <m:sSubSupPr>
+                              <m:ctrlPr>
+                                <a:rPr lang="en-US" sz="1800" i="1">
+                                  <a:latin typeface="Cambria Math" panose="02040503050406030204" pitchFamily="18" charset="0"/>
+                                </a:rPr>
+                              </m:ctrlPr>
+                            </m:sSubSupPr>
+                            <m:e>
+                              <m:r>
+                                <m:rPr>
+                                  <m:sty m:val="p"/>
+                                </m:rPr>
+                                <a:rPr lang="en-US" sz="1800">
+                                  <a:latin typeface="Cambria Math" panose="02040503050406030204" pitchFamily="18" charset="0"/>
+                                </a:rPr>
+                                <m:t>Ω</m:t>
+                              </m:r>
+                            </m:e>
+                            <m:sub>
+                              <m:r>
+                                <a:rPr lang="en-US" sz="1800">
+                                  <a:latin typeface="Cambria Math" panose="02040503050406030204" pitchFamily="18" charset="0"/>
+                                </a:rPr>
+                                <m:t>2</m:t>
+                              </m:r>
+                            </m:sub>
+                            <m:sup>
+                              <m:r>
+                                <a:rPr lang="en-US" sz="1800">
+                                  <a:latin typeface="Cambria Math" panose="02040503050406030204" pitchFamily="18" charset="0"/>
+                                </a:rPr>
+                                <m:t>2</m:t>
+                              </m:r>
+                            </m:sup>
+                          </m:sSubSup>
+                          <m:r>
+                            <a:rPr lang="en-US" sz="1800">
+                              <a:latin typeface="Cambria Math" panose="02040503050406030204" pitchFamily="18" charset="0"/>
+                            </a:rPr>
+                            <m:t>+</m:t>
+                          </m:r>
+                          <m:sSubSup>
+                            <m:sSubSupPr>
+                              <m:ctrlPr>
+                                <a:rPr lang="en-US" sz="1800" i="1">
+                                  <a:latin typeface="Cambria Math" panose="02040503050406030204" pitchFamily="18" charset="0"/>
+                                </a:rPr>
+                              </m:ctrlPr>
+                            </m:sSubSupPr>
+                            <m:e>
+                              <m:r>
+                                <m:rPr>
+                                  <m:sty m:val="p"/>
+                                </m:rPr>
+                                <a:rPr lang="en-US" sz="1800">
+                                  <a:latin typeface="Cambria Math" panose="02040503050406030204" pitchFamily="18" charset="0"/>
+                                </a:rPr>
+                                <m:t>Ω</m:t>
+                              </m:r>
+                            </m:e>
+                            <m:sub>
+                              <m:r>
+                                <a:rPr lang="en-US" sz="1800">
+                                  <a:latin typeface="Cambria Math" panose="02040503050406030204" pitchFamily="18" charset="0"/>
+                                </a:rPr>
+                                <m:t>4</m:t>
+                              </m:r>
+                            </m:sub>
+                            <m:sup>
+                              <m:r>
+                                <a:rPr lang="en-US" sz="1800">
+                                  <a:latin typeface="Cambria Math" panose="02040503050406030204" pitchFamily="18" charset="0"/>
+                                </a:rPr>
+                                <m:t>2</m:t>
+                              </m:r>
+                            </m:sup>
+                          </m:sSubSup>
+                          <m:r>
+                            <a:rPr lang="en-US" sz="1800">
+                              <a:latin typeface="Cambria Math" panose="02040503050406030204" pitchFamily="18" charset="0"/>
+                            </a:rPr>
+                            <m:t>−</m:t>
+                          </m:r>
+                          <m:sSubSup>
+                            <m:sSubSupPr>
+                              <m:ctrlPr>
+                                <a:rPr lang="en-US" sz="1800" i="1">
+                                  <a:latin typeface="Cambria Math" panose="02040503050406030204" pitchFamily="18" charset="0"/>
+                                </a:rPr>
+                              </m:ctrlPr>
+                            </m:sSubSupPr>
+                            <m:e>
+                              <m:r>
+                                <m:rPr>
+                                  <m:sty m:val="p"/>
+                                </m:rPr>
+                                <a:rPr lang="en-US" sz="1800">
+                                  <a:latin typeface="Cambria Math" panose="02040503050406030204" pitchFamily="18" charset="0"/>
+                                </a:rPr>
+                                <m:t>Ω</m:t>
+                              </m:r>
+                            </m:e>
+                            <m:sub>
+                              <m:r>
+                                <a:rPr lang="en-US" sz="1800">
+                                  <a:latin typeface="Cambria Math" panose="02040503050406030204" pitchFamily="18" charset="0"/>
+                                </a:rPr>
+                                <m:t>1</m:t>
+                              </m:r>
+                            </m:sub>
+                            <m:sup>
+                              <m:r>
+                                <a:rPr lang="en-US" sz="1800">
+                                  <a:latin typeface="Cambria Math" panose="02040503050406030204" pitchFamily="18" charset="0"/>
+                                </a:rPr>
+                                <m:t>2</m:t>
+                              </m:r>
+                            </m:sup>
+                          </m:sSubSup>
+                          <m:r>
+                            <a:rPr lang="en-US" sz="1800">
+                              <a:latin typeface="Cambria Math" panose="02040503050406030204" pitchFamily="18" charset="0"/>
+                            </a:rPr>
+                            <m:t>−</m:t>
+                          </m:r>
+                          <m:sSubSup>
+                            <m:sSubSupPr>
+                              <m:ctrlPr>
+                                <a:rPr lang="en-US" sz="1800" i="1">
+                                  <a:latin typeface="Cambria Math" panose="02040503050406030204" pitchFamily="18" charset="0"/>
+                                </a:rPr>
+                              </m:ctrlPr>
+                            </m:sSubSupPr>
+                            <m:e>
+                              <m:r>
+                                <m:rPr>
+                                  <m:sty m:val="p"/>
+                                </m:rPr>
+                                <a:rPr lang="en-US" sz="1800">
+                                  <a:latin typeface="Cambria Math" panose="02040503050406030204" pitchFamily="18" charset="0"/>
+                                </a:rPr>
+                                <m:t>Ω</m:t>
+                              </m:r>
+                            </m:e>
+                            <m:sub>
+                              <m:r>
+                                <a:rPr lang="en-US" sz="1800">
+                                  <a:latin typeface="Cambria Math" panose="02040503050406030204" pitchFamily="18" charset="0"/>
+                                </a:rPr>
+                                <m:t>3</m:t>
+                              </m:r>
+                            </m:sub>
+                            <m:sup>
+                              <m:r>
+                                <a:rPr lang="en-US" sz="1800">
+                                  <a:latin typeface="Cambria Math" panose="02040503050406030204" pitchFamily="18" charset="0"/>
+                                </a:rPr>
+                                <m:t>2</m:t>
+                              </m:r>
+                            </m:sup>
+                          </m:sSubSup>
+                        </m:e>
+                      </m:d>
+                    </m:oMath>
+                  </m:oMathPara>
+                </a14:m>
+                <a:endParaRPr lang="en-US" sz="1800" dirty="0"/>
+              </a:p>
+            </p:txBody>
+          </p:sp>
+        </mc:Choice>
+        <mc:Fallback>
+          <p:sp>
+            <p:nvSpPr>
+              <p:cNvPr id="8" name="TextBox 7">
+                <a:extLst>
+                  <a:ext uri="{FF2B5EF4-FFF2-40B4-BE49-F238E27FC236}">
+                    <a16:creationId xmlns:a16="http://schemas.microsoft.com/office/drawing/2014/main" id="{B7094B22-7160-4896-8505-6B6DED255DD7}"/>
+                  </a:ext>
+                </a:extLst>
+              </p:cNvPr>
+              <p:cNvSpPr txBox="1">
+                <a:spLocks noRot="1" noChangeAspect="1" noMove="1" noResize="1" noEditPoints="1" noAdjustHandles="1" noChangeArrowheads="1" noChangeShapeType="1" noTextEdit="1"/>
+              </p:cNvSpPr>
+              <p:nvPr/>
+            </p:nvSpPr>
+            <p:spPr>
+              <a:xfrm>
+                <a:off x="8378042" y="4936893"/>
+                <a:ext cx="3352799" cy="413831"/>
+              </a:xfrm>
+              <a:prstGeom prst="rect">
+                <a:avLst/>
+              </a:prstGeom>
+              <a:blipFill>
+                <a:blip r:embed="rId4"/>
+                <a:stretch>
+                  <a:fillRect t="-151471" r="-13818" b="-223529"/>
+                </a:stretch>
+              </a:blipFill>
+            </p:spPr>
+            <p:txBody>
+              <a:bodyPr/>
+              <a:lstStyle/>
+              <a:p>
+                <a:r>
+                  <a:rPr lang="en-US">
+                    <a:noFill/>
+                  </a:rPr>
+                  <a:t> </a:t>
+                </a:r>
+              </a:p>
+            </p:txBody>
+          </p:sp>
+        </mc:Fallback>
+      </mc:AlternateContent>
     </p:spTree>
     <p:extLst>
       <p:ext uri="{BB962C8B-B14F-4D97-AF65-F5344CB8AC3E}">
@@ -22799,6 +22792,313 @@
           </a:fontRef>
         </p:style>
       </p:cxnSp>
+      <mc:AlternateContent xmlns:mc="http://schemas.openxmlformats.org/markup-compatibility/2006">
+        <mc:Choice xmlns:a14="http://schemas.microsoft.com/office/drawing/2010/main" Requires="a14">
+          <p:sp>
+            <p:nvSpPr>
+              <p:cNvPr id="13" name="TextBox 12">
+                <a:extLst>
+                  <a:ext uri="{FF2B5EF4-FFF2-40B4-BE49-F238E27FC236}">
+                    <a16:creationId xmlns:a16="http://schemas.microsoft.com/office/drawing/2014/main" id="{26A2CB3A-8CA0-44BE-A5E5-B202CFD2CB5E}"/>
+                  </a:ext>
+                </a:extLst>
+              </p:cNvPr>
+              <p:cNvSpPr txBox="1"/>
+              <p:nvPr/>
+            </p:nvSpPr>
+            <p:spPr>
+              <a:xfrm>
+                <a:off x="9037009" y="2216753"/>
+                <a:ext cx="3352799" cy="413831"/>
+              </a:xfrm>
+              <a:prstGeom prst="rect">
+                <a:avLst/>
+              </a:prstGeom>
+              <a:noFill/>
+            </p:spPr>
+            <p:txBody>
+              <a:bodyPr wrap="square">
+                <a:spAutoFit/>
+              </a:bodyPr>
+              <a:lstStyle/>
+              <a:p>
+                <a:pPr/>
+                <a14:m>
+                  <m:oMathPara xmlns:m="http://schemas.openxmlformats.org/officeDocument/2006/math">
+                    <m:oMathParaPr>
+                      <m:jc m:val="centerGroup"/>
+                    </m:oMathParaPr>
+                    <m:oMath xmlns:m="http://schemas.openxmlformats.org/officeDocument/2006/math">
+                      <m:d>
+                        <m:dPr>
+                          <m:begChr m:val=""/>
+                          <m:ctrlPr>
+                            <a:rPr lang="en-US" sz="1800" i="1" smtClean="0">
+                              <a:latin typeface="Cambria Math" panose="02040503050406030204" pitchFamily="18" charset="0"/>
+                            </a:rPr>
+                          </m:ctrlPr>
+                        </m:dPr>
+                        <m:e>
+                          <m:sSub>
+                            <m:sSubPr>
+                              <m:ctrlPr>
+                                <a:rPr lang="en-US" sz="1800" i="1">
+                                  <a:latin typeface="Cambria Math" panose="02040503050406030204" pitchFamily="18" charset="0"/>
+                                </a:rPr>
+                              </m:ctrlPr>
+                            </m:sSubPr>
+                            <m:e>
+                              <m:r>
+                                <a:rPr lang="en-US" sz="1800" i="1">
+                                  <a:latin typeface="Cambria Math" panose="02040503050406030204" pitchFamily="18" charset="0"/>
+                                </a:rPr>
+                                <m:t>𝜏</m:t>
+                              </m:r>
+                            </m:e>
+                            <m:sub>
+                              <m:r>
+                                <a:rPr lang="en-US" sz="1800" i="1">
+                                  <a:latin typeface="Cambria Math" panose="02040503050406030204" pitchFamily="18" charset="0"/>
+                                </a:rPr>
+                                <m:t>𝜓</m:t>
+                              </m:r>
+                            </m:sub>
+                          </m:sSub>
+                          <m:r>
+                            <a:rPr lang="en-US" sz="1800">
+                              <a:latin typeface="Cambria Math" panose="02040503050406030204" pitchFamily="18" charset="0"/>
+                            </a:rPr>
+                            <m:t>=</m:t>
+                          </m:r>
+                          <m:r>
+                            <a:rPr lang="en-US" sz="1800" i="1">
+                              <a:latin typeface="Cambria Math" panose="02040503050406030204" pitchFamily="18" charset="0"/>
+                            </a:rPr>
+                            <m:t>𝑑</m:t>
+                          </m:r>
+                          <m:r>
+                            <a:rPr lang="en-US" sz="1800">
+                              <a:latin typeface="Cambria Math" panose="02040503050406030204" pitchFamily="18" charset="0"/>
+                            </a:rPr>
+                            <m:t>(</m:t>
+                          </m:r>
+                          <m:sSubSup>
+                            <m:sSubSupPr>
+                              <m:ctrlPr>
+                                <a:rPr lang="en-US" sz="1800" i="1">
+                                  <a:latin typeface="Cambria Math" panose="02040503050406030204" pitchFamily="18" charset="0"/>
+                                </a:rPr>
+                              </m:ctrlPr>
+                            </m:sSubSupPr>
+                            <m:e>
+                              <m:r>
+                                <m:rPr>
+                                  <m:sty m:val="p"/>
+                                </m:rPr>
+                                <a:rPr lang="en-US" sz="1800">
+                                  <a:latin typeface="Cambria Math" panose="02040503050406030204" pitchFamily="18" charset="0"/>
+                                </a:rPr>
+                                <m:t>Ω</m:t>
+                              </m:r>
+                            </m:e>
+                            <m:sub>
+                              <m:r>
+                                <a:rPr lang="en-US" sz="1800">
+                                  <a:latin typeface="Cambria Math" panose="02040503050406030204" pitchFamily="18" charset="0"/>
+                                </a:rPr>
+                                <m:t>2</m:t>
+                              </m:r>
+                            </m:sub>
+                            <m:sup>
+                              <m:r>
+                                <a:rPr lang="en-US" sz="1800">
+                                  <a:latin typeface="Cambria Math" panose="02040503050406030204" pitchFamily="18" charset="0"/>
+                                </a:rPr>
+                                <m:t>2</m:t>
+                              </m:r>
+                            </m:sup>
+                          </m:sSubSup>
+                          <m:r>
+                            <a:rPr lang="en-US" sz="1800">
+                              <a:latin typeface="Cambria Math" panose="02040503050406030204" pitchFamily="18" charset="0"/>
+                            </a:rPr>
+                            <m:t>+</m:t>
+                          </m:r>
+                          <m:sSubSup>
+                            <m:sSubSupPr>
+                              <m:ctrlPr>
+                                <a:rPr lang="en-US" sz="1800" i="1">
+                                  <a:latin typeface="Cambria Math" panose="02040503050406030204" pitchFamily="18" charset="0"/>
+                                </a:rPr>
+                              </m:ctrlPr>
+                            </m:sSubSupPr>
+                            <m:e>
+                              <m:r>
+                                <m:rPr>
+                                  <m:sty m:val="p"/>
+                                </m:rPr>
+                                <a:rPr lang="en-US" sz="1800">
+                                  <a:latin typeface="Cambria Math" panose="02040503050406030204" pitchFamily="18" charset="0"/>
+                                </a:rPr>
+                                <m:t>Ω</m:t>
+                              </m:r>
+                            </m:e>
+                            <m:sub>
+                              <m:r>
+                                <a:rPr lang="en-US" sz="1800">
+                                  <a:latin typeface="Cambria Math" panose="02040503050406030204" pitchFamily="18" charset="0"/>
+                                </a:rPr>
+                                <m:t>4</m:t>
+                              </m:r>
+                            </m:sub>
+                            <m:sup>
+                              <m:r>
+                                <a:rPr lang="en-US" sz="1800">
+                                  <a:latin typeface="Cambria Math" panose="02040503050406030204" pitchFamily="18" charset="0"/>
+                                </a:rPr>
+                                <m:t>2</m:t>
+                              </m:r>
+                            </m:sup>
+                          </m:sSubSup>
+                          <m:r>
+                            <a:rPr lang="en-US" sz="1800">
+                              <a:latin typeface="Cambria Math" panose="02040503050406030204" pitchFamily="18" charset="0"/>
+                            </a:rPr>
+                            <m:t>−</m:t>
+                          </m:r>
+                          <m:sSubSup>
+                            <m:sSubSupPr>
+                              <m:ctrlPr>
+                                <a:rPr lang="en-US" sz="1800" i="1">
+                                  <a:latin typeface="Cambria Math" panose="02040503050406030204" pitchFamily="18" charset="0"/>
+                                </a:rPr>
+                              </m:ctrlPr>
+                            </m:sSubSupPr>
+                            <m:e>
+                              <m:r>
+                                <m:rPr>
+                                  <m:sty m:val="p"/>
+                                </m:rPr>
+                                <a:rPr lang="en-US" sz="1800">
+                                  <a:latin typeface="Cambria Math" panose="02040503050406030204" pitchFamily="18" charset="0"/>
+                                </a:rPr>
+                                <m:t>Ω</m:t>
+                              </m:r>
+                            </m:e>
+                            <m:sub>
+                              <m:r>
+                                <a:rPr lang="en-US" sz="1800">
+                                  <a:latin typeface="Cambria Math" panose="02040503050406030204" pitchFamily="18" charset="0"/>
+                                </a:rPr>
+                                <m:t>1</m:t>
+                              </m:r>
+                            </m:sub>
+                            <m:sup>
+                              <m:r>
+                                <a:rPr lang="en-US" sz="1800">
+                                  <a:latin typeface="Cambria Math" panose="02040503050406030204" pitchFamily="18" charset="0"/>
+                                </a:rPr>
+                                <m:t>2</m:t>
+                              </m:r>
+                            </m:sup>
+                          </m:sSubSup>
+                          <m:r>
+                            <a:rPr lang="en-US" sz="1800">
+                              <a:latin typeface="Cambria Math" panose="02040503050406030204" pitchFamily="18" charset="0"/>
+                            </a:rPr>
+                            <m:t>−</m:t>
+                          </m:r>
+                          <m:sSubSup>
+                            <m:sSubSupPr>
+                              <m:ctrlPr>
+                                <a:rPr lang="en-US" sz="1800" i="1">
+                                  <a:latin typeface="Cambria Math" panose="02040503050406030204" pitchFamily="18" charset="0"/>
+                                </a:rPr>
+                              </m:ctrlPr>
+                            </m:sSubSupPr>
+                            <m:e>
+                              <m:r>
+                                <m:rPr>
+                                  <m:sty m:val="p"/>
+                                </m:rPr>
+                                <a:rPr lang="en-US" sz="1800">
+                                  <a:latin typeface="Cambria Math" panose="02040503050406030204" pitchFamily="18" charset="0"/>
+                                </a:rPr>
+                                <m:t>Ω</m:t>
+                              </m:r>
+                            </m:e>
+                            <m:sub>
+                              <m:r>
+                                <a:rPr lang="en-US" sz="1800">
+                                  <a:latin typeface="Cambria Math" panose="02040503050406030204" pitchFamily="18" charset="0"/>
+                                </a:rPr>
+                                <m:t>3</m:t>
+                              </m:r>
+                            </m:sub>
+                            <m:sup>
+                              <m:r>
+                                <a:rPr lang="en-US" sz="1800">
+                                  <a:latin typeface="Cambria Math" panose="02040503050406030204" pitchFamily="18" charset="0"/>
+                                </a:rPr>
+                                <m:t>2</m:t>
+                              </m:r>
+                            </m:sup>
+                          </m:sSubSup>
+                        </m:e>
+                      </m:d>
+                    </m:oMath>
+                  </m:oMathPara>
+                </a14:m>
+                <a:endParaRPr lang="en-US" sz="1800" dirty="0"/>
+              </a:p>
+            </p:txBody>
+          </p:sp>
+        </mc:Choice>
+        <mc:Fallback>
+          <p:sp>
+            <p:nvSpPr>
+              <p:cNvPr id="13" name="TextBox 12">
+                <a:extLst>
+                  <a:ext uri="{FF2B5EF4-FFF2-40B4-BE49-F238E27FC236}">
+                    <a16:creationId xmlns:a16="http://schemas.microsoft.com/office/drawing/2014/main" id="{26A2CB3A-8CA0-44BE-A5E5-B202CFD2CB5E}"/>
+                  </a:ext>
+                </a:extLst>
+              </p:cNvPr>
+              <p:cNvSpPr txBox="1">
+                <a:spLocks noRot="1" noChangeAspect="1" noMove="1" noResize="1" noEditPoints="1" noAdjustHandles="1" noChangeArrowheads="1" noChangeShapeType="1" noTextEdit="1"/>
+              </p:cNvSpPr>
+              <p:nvPr/>
+            </p:nvSpPr>
+            <p:spPr>
+              <a:xfrm>
+                <a:off x="9037009" y="2216753"/>
+                <a:ext cx="3352799" cy="413831"/>
+              </a:xfrm>
+              <a:prstGeom prst="rect">
+                <a:avLst/>
+              </a:prstGeom>
+              <a:blipFill>
+                <a:blip r:embed="rId5"/>
+                <a:stretch>
+                  <a:fillRect t="-151471" r="-13818" b="-223529"/>
+                </a:stretch>
+              </a:blipFill>
+            </p:spPr>
+            <p:txBody>
+              <a:bodyPr/>
+              <a:lstStyle/>
+              <a:p>
+                <a:r>
+                  <a:rPr lang="en-US">
+                    <a:noFill/>
+                  </a:rPr>
+                  <a:t> </a:t>
+                </a:r>
+              </a:p>
+            </p:txBody>
+          </p:sp>
+        </mc:Fallback>
+      </mc:AlternateContent>
     </p:spTree>
     <p:extLst>
       <p:ext uri="{BB962C8B-B14F-4D97-AF65-F5344CB8AC3E}">

--- a/Progress.pptx
+++ b/Progress.pptx
@@ -321,7 +321,7 @@
       <p15:sldGuideLst xmlns:p15="http://schemas.microsoft.com/office/powerpoint/2012/main"/>
     </p:ext>
     <p:ext uri="GoogleSlidesCustomDataVersion2">
-      <go:slidesCustomData xmlns="" xmlns:mc="http://schemas.openxmlformats.org/markup-compatibility/2006" xmlns:mv="urn:schemas-microsoft-com:mac:vml" xmlns:c="http://schemas.openxmlformats.org/drawingml/2006/chart" xmlns:dgm="http://schemas.openxmlformats.org/drawingml/2006/diagram" xmlns:o="urn:schemas-microsoft-com:office:office" xmlns:v="urn:schemas-microsoft-com:vml" xmlns:pvml="urn:schemas-microsoft-com:office:powerpoint" xmlns:com="http://schemas.openxmlformats.org/drawingml/2006/compatibility" xmlns:p14="http://schemas.microsoft.com/office/powerpoint/2010/main" xmlns:p15="http://schemas.microsoft.com/office/powerpoint/2012/main" xmlns:ahyp="http://schemas.microsoft.com/office/drawing/2018/hyperlinkcolor" xmlns:go="http://customooxmlschemas.google.com/" r:id="rId44" roundtripDataSignature="AMtx7mg5uORYicMT0MeaOpO/20tnanoKVQ=="/>
+      <go:slidesCustomData xmlns:go="http://customooxmlschemas.google.com/" xmlns:ahyp="http://schemas.microsoft.com/office/drawing/2018/hyperlinkcolor" xmlns:p15="http://schemas.microsoft.com/office/powerpoint/2012/main" xmlns:p14="http://schemas.microsoft.com/office/powerpoint/2010/main" xmlns:com="http://schemas.openxmlformats.org/drawingml/2006/compatibility" xmlns:pvml="urn:schemas-microsoft-com:office:powerpoint" xmlns:v="urn:schemas-microsoft-com:vml" xmlns:o="urn:schemas-microsoft-com:office:office" xmlns:dgm="http://schemas.openxmlformats.org/drawingml/2006/diagram" xmlns:c="http://schemas.openxmlformats.org/drawingml/2006/chart" xmlns:mv="urn:schemas-microsoft-com:mac:vml" xmlns:mc="http://schemas.openxmlformats.org/markup-compatibility/2006" xmlns="" r:id="rId44" roundtripDataSignature="AMtx7mg5uORYicMT0MeaOpO/20tnanoKVQ=="/>
     </p:ext>
   </p:extLst>
 </p:presentation>
@@ -2514,8 +2514,8 @@
           </a:ln>
         </p:spPr>
       </p:sp>
-      <mc:AlternateContent xmlns:mc="http://schemas.openxmlformats.org/markup-compatibility/2006">
-        <mc:Choice xmlns:a14="http://schemas.microsoft.com/office/drawing/2010/main" Requires="a14">
+      <mc:AlternateContent xmlns:mc="http://schemas.openxmlformats.org/markup-compatibility/2006" xmlns:a14="http://schemas.microsoft.com/office/drawing/2010/main">
+        <mc:Choice Requires="a14">
           <p:sp>
             <p:nvSpPr>
               <p:cNvPr id="337" name="Google Shape;337;p26:notes"/>
@@ -2914,7 +2914,7 @@
             </p:txBody>
           </p:sp>
         </mc:Choice>
-        <mc:Fallback>
+        <mc:Fallback xmlns="">
           <p:sp>
             <p:nvSpPr>
               <p:cNvPr id="337" name="Google Shape;337;p26:notes"/>
@@ -17253,19 +17253,7 @@
                                     <a:rPr lang="en-US" i="1">
                                       <a:latin typeface="Cambria Math" panose="02040503050406030204" pitchFamily="18" charset="0"/>
                                     </a:rPr>
-                                    <m:t>𝑡</m:t>
-                                  </m:r>
-                                  <m:r>
-                                    <a:rPr lang="en-US" i="1">
-                                      <a:latin typeface="Cambria Math" panose="02040503050406030204" pitchFamily="18" charset="0"/>
-                                    </a:rPr>
-                                    <m:t>h</m:t>
-                                  </m:r>
-                                  <m:r>
-                                    <a:rPr lang="en-US" i="1">
-                                      <a:latin typeface="Cambria Math" panose="02040503050406030204" pitchFamily="18" charset="0"/>
-                                    </a:rPr>
-                                    <m:t>𝑟𝑢𝑠𝑡</m:t>
+                                    <m:t>𝑡h𝑟𝑢𝑠𝑡</m:t>
                                   </m:r>
                                   <m:r>
                                     <a:rPr lang="en-US">
@@ -18465,13 +18453,7 @@
                             <a:rPr lang="en-US">
                               <a:latin typeface="Cambria Math" panose="02040503050406030204" pitchFamily="18" charset="0"/>
                             </a:rPr>
-                            <m:t>−</m:t>
-                          </m:r>
-                          <m:r>
-                            <a:rPr lang="en-US">
-                              <a:latin typeface="Cambria Math" panose="02040503050406030204" pitchFamily="18" charset="0"/>
-                            </a:rPr>
-                            <m:t>1</m:t>
+                            <m:t>−1</m:t>
                           </m:r>
                         </m:sup>
                       </m:sSup>
@@ -18827,6 +18809,33 @@
                                   </p:childTnLst>
                                 </p:cTn>
                               </p:par>
+                              <p:par>
+                                <p:cTn id="10" presetID="1" presetClass="entr" presetSubtype="0" fill="hold" nodeType="withEffect">
+                                  <p:stCondLst>
+                                    <p:cond delay="0"/>
+                                  </p:stCondLst>
+                                  <p:childTnLst>
+                                    <p:set>
+                                      <p:cBhvr>
+                                        <p:cTn id="11" dur="1" fill="hold">
+                                          <p:stCondLst>
+                                            <p:cond delay="0"/>
+                                          </p:stCondLst>
+                                        </p:cTn>
+                                        <p:tgtEl>
+                                          <p:spTgt spid="8"/>
+                                        </p:tgtEl>
+                                        <p:attrNameLst>
+                                          <p:attrName>style.visibility</p:attrName>
+                                        </p:attrNameLst>
+                                      </p:cBhvr>
+                                      <p:to>
+                                        <p:strVal val="visible"/>
+                                      </p:to>
+                                    </p:set>
+                                  </p:childTnLst>
+                                </p:cTn>
+                              </p:par>
                             </p:childTnLst>
                           </p:cTn>
                         </p:par>
@@ -18834,26 +18843,26 @@
                     </p:cTn>
                   </p:par>
                   <p:par>
-                    <p:cTn id="10" fill="hold">
+                    <p:cTn id="12" fill="hold">
                       <p:stCondLst>
                         <p:cond delay="indefinite"/>
                       </p:stCondLst>
                       <p:childTnLst>
                         <p:par>
-                          <p:cTn id="11" fill="hold">
+                          <p:cTn id="13" fill="hold">
                             <p:stCondLst>
                               <p:cond delay="0"/>
                             </p:stCondLst>
                             <p:childTnLst>
                               <p:par>
-                                <p:cTn id="12" presetID="53" presetClass="entr" presetSubtype="16" fill="hold" grpId="0" nodeType="clickEffect">
+                                <p:cTn id="14" presetID="53" presetClass="entr" presetSubtype="16" fill="hold" grpId="0" nodeType="clickEffect">
                                   <p:stCondLst>
                                     <p:cond delay="0"/>
                                   </p:stCondLst>
                                   <p:childTnLst>
                                     <p:set>
                                       <p:cBhvr>
-                                        <p:cTn id="13" dur="1" fill="hold">
+                                        <p:cTn id="15" dur="1" fill="hold">
                                           <p:stCondLst>
                                             <p:cond delay="0"/>
                                           </p:stCondLst>
@@ -18871,7 +18880,7 @@
                                     </p:set>
                                     <p:anim calcmode="lin" valueType="num">
                                       <p:cBhvr>
-                                        <p:cTn id="14" dur="500" fill="hold"/>
+                                        <p:cTn id="16" dur="500" fill="hold"/>
                                         <p:tgtEl>
                                           <p:spTgt spid="14"/>
                                         </p:tgtEl>
@@ -18894,7 +18903,7 @@
                                     </p:anim>
                                     <p:anim calcmode="lin" valueType="num">
                                       <p:cBhvr>
-                                        <p:cTn id="15" dur="500" fill="hold"/>
+                                        <p:cTn id="17" dur="500" fill="hold"/>
                                         <p:tgtEl>
                                           <p:spTgt spid="14"/>
                                         </p:tgtEl>
@@ -18917,7 +18926,7 @@
                                     </p:anim>
                                     <p:animEffect transition="in" filter="fade">
                                       <p:cBhvr>
-                                        <p:cTn id="16" dur="500"/>
+                                        <p:cTn id="18" dur="500"/>
                                         <p:tgtEl>
                                           <p:spTgt spid="14"/>
                                         </p:tgtEl>
@@ -19244,8 +19253,8 @@
           </a:prstGeom>
         </p:spPr>
       </p:pic>
-      <mc:AlternateContent xmlns:mc="http://schemas.openxmlformats.org/markup-compatibility/2006">
-        <mc:Choice xmlns:a14="http://schemas.microsoft.com/office/drawing/2010/main" Requires="a14">
+      <mc:AlternateContent xmlns:mc="http://schemas.openxmlformats.org/markup-compatibility/2006" xmlns:a14="http://schemas.microsoft.com/office/drawing/2010/main">
+        <mc:Choice Requires="a14">
           <p:sp>
             <p:nvSpPr>
               <p:cNvPr id="10" name="TextBox 9">
@@ -19421,7 +19430,7 @@
             </p:txBody>
           </p:sp>
         </mc:Choice>
-        <mc:Fallback>
+        <mc:Fallback xmlns="">
           <p:sp>
             <p:nvSpPr>
               <p:cNvPr id="10" name="TextBox 9">
@@ -19466,8 +19475,8 @@
           </p:sp>
         </mc:Fallback>
       </mc:AlternateContent>
-      <mc:AlternateContent xmlns:mc="http://schemas.openxmlformats.org/markup-compatibility/2006">
-        <mc:Choice xmlns:a14="http://schemas.microsoft.com/office/drawing/2010/main" Requires="a14">
+      <mc:AlternateContent xmlns:mc="http://schemas.openxmlformats.org/markup-compatibility/2006" xmlns:a14="http://schemas.microsoft.com/office/drawing/2010/main">
+        <mc:Choice Requires="a14">
           <p:sp>
             <p:nvSpPr>
               <p:cNvPr id="12" name="TextBox 11">
@@ -19637,7 +19646,7 @@
             </p:txBody>
           </p:sp>
         </mc:Choice>
-        <mc:Fallback>
+        <mc:Fallback xmlns="">
           <p:sp>
             <p:nvSpPr>
               <p:cNvPr id="12" name="TextBox 11">
@@ -20482,8 +20491,8 @@
           </a:fontRef>
         </p:style>
       </p:cxnSp>
-      <mc:AlternateContent xmlns:mc="http://schemas.openxmlformats.org/markup-compatibility/2006">
-        <mc:Choice xmlns:a14="http://schemas.microsoft.com/office/drawing/2010/main" Requires="a14">
+      <mc:AlternateContent xmlns:mc="http://schemas.openxmlformats.org/markup-compatibility/2006" xmlns:a14="http://schemas.microsoft.com/office/drawing/2010/main">
+        <mc:Choice Requires="a14">
           <p:sp>
             <p:nvSpPr>
               <p:cNvPr id="13" name="TextBox 12">
@@ -20659,7 +20668,7 @@
             </p:txBody>
           </p:sp>
         </mc:Choice>
-        <mc:Fallback>
+        <mc:Fallback xmlns="">
           <p:sp>
             <p:nvSpPr>
               <p:cNvPr id="13" name="TextBox 12">
@@ -20704,8 +20713,8 @@
           </p:sp>
         </mc:Fallback>
       </mc:AlternateContent>
-      <mc:AlternateContent xmlns:mc="http://schemas.openxmlformats.org/markup-compatibility/2006">
-        <mc:Choice xmlns:a14="http://schemas.microsoft.com/office/drawing/2010/main" Requires="a14">
+      <mc:AlternateContent xmlns:mc="http://schemas.openxmlformats.org/markup-compatibility/2006" xmlns:a14="http://schemas.microsoft.com/office/drawing/2010/main">
+        <mc:Choice Requires="a14">
           <p:sp>
             <p:nvSpPr>
               <p:cNvPr id="14" name="TextBox 13">
@@ -20875,7 +20884,7 @@
             </p:txBody>
           </p:sp>
         </mc:Choice>
-        <mc:Fallback>
+        <mc:Fallback xmlns="">
           <p:sp>
             <p:nvSpPr>
               <p:cNvPr id="14" name="TextBox 13">
@@ -21701,8 +21710,8 @@
           </a:prstGeom>
         </p:spPr>
       </p:pic>
-      <mc:AlternateContent xmlns:mc="http://schemas.openxmlformats.org/markup-compatibility/2006">
-        <mc:Choice xmlns:a14="http://schemas.microsoft.com/office/drawing/2010/main" Requires="a14">
+      <mc:AlternateContent xmlns:mc="http://schemas.openxmlformats.org/markup-compatibility/2006" xmlns:a14="http://schemas.microsoft.com/office/drawing/2010/main">
+        <mc:Choice Requires="a14">
           <p:sp>
             <p:nvSpPr>
               <p:cNvPr id="8" name="TextBox 7">
@@ -21963,7 +21972,7 @@
             </p:txBody>
           </p:sp>
         </mc:Choice>
-        <mc:Fallback>
+        <mc:Fallback xmlns="">
           <p:sp>
             <p:nvSpPr>
               <p:cNvPr id="8" name="TextBox 7">
@@ -22792,8 +22801,8 @@
           </a:fontRef>
         </p:style>
       </p:cxnSp>
-      <mc:AlternateContent xmlns:mc="http://schemas.openxmlformats.org/markup-compatibility/2006">
-        <mc:Choice xmlns:a14="http://schemas.microsoft.com/office/drawing/2010/main" Requires="a14">
+      <mc:AlternateContent xmlns:mc="http://schemas.openxmlformats.org/markup-compatibility/2006" xmlns:a14="http://schemas.microsoft.com/office/drawing/2010/main">
+        <mc:Choice Requires="a14">
           <p:sp>
             <p:nvSpPr>
               <p:cNvPr id="13" name="TextBox 12">
@@ -23054,7 +23063,7 @@
             </p:txBody>
           </p:sp>
         </mc:Choice>
-        <mc:Fallback>
+        <mc:Fallback xmlns="">
           <p:sp>
             <p:nvSpPr>
               <p:cNvPr id="13" name="TextBox 12">
